--- a/10-JavaScript-Basics.pptx
+++ b/10-JavaScript-Basics.pptx
@@ -265,7 +265,7 @@
           <a:p>
             <a:fld id="{2E054F57-E93D-4CC3-8A27-2F256E70BB98}" type="datetimeFigureOut">
               <a:rPr lang="en-US" smtClean="0"/>
-              <a:t>25 Aug 15</a:t>
+              <a:t>26 Aug 15</a:t>
             </a:fld>
             <a:endParaRPr lang="en-US"/>
           </a:p>
@@ -714,7 +714,7 @@
           <a:p>
             <a:fld id="{3EA744D9-3FBE-48D8-BF2A-85DF203E4D20}" type="datetimeFigureOut">
               <a:rPr lang="bg-BG" smtClean="0"/>
-              <a:t>25.8.2015 г.</a:t>
+              <a:t>26.8.2015 г.</a:t>
             </a:fld>
             <a:endParaRPr lang="bg-BG"/>
           </a:p>
@@ -884,7 +884,7 @@
           <a:p>
             <a:fld id="{3EA744D9-3FBE-48D8-BF2A-85DF203E4D20}" type="datetimeFigureOut">
               <a:rPr lang="bg-BG" smtClean="0"/>
-              <a:t>25.8.2015 г.</a:t>
+              <a:t>26.8.2015 г.</a:t>
             </a:fld>
             <a:endParaRPr lang="bg-BG"/>
           </a:p>
@@ -1064,7 +1064,7 @@
           <a:p>
             <a:fld id="{3EA744D9-3FBE-48D8-BF2A-85DF203E4D20}" type="datetimeFigureOut">
               <a:rPr lang="bg-BG" smtClean="0"/>
-              <a:t>25.8.2015 г.</a:t>
+              <a:t>26.8.2015 г.</a:t>
             </a:fld>
             <a:endParaRPr lang="bg-BG"/>
           </a:p>
@@ -1234,7 +1234,7 @@
           <a:p>
             <a:fld id="{3EA744D9-3FBE-48D8-BF2A-85DF203E4D20}" type="datetimeFigureOut">
               <a:rPr lang="bg-BG" smtClean="0"/>
-              <a:t>25.8.2015 г.</a:t>
+              <a:t>26.8.2015 г.</a:t>
             </a:fld>
             <a:endParaRPr lang="bg-BG"/>
           </a:p>
@@ -1480,7 +1480,7 @@
           <a:p>
             <a:fld id="{3EA744D9-3FBE-48D8-BF2A-85DF203E4D20}" type="datetimeFigureOut">
               <a:rPr lang="bg-BG" smtClean="0"/>
-              <a:t>25.8.2015 г.</a:t>
+              <a:t>26.8.2015 г.</a:t>
             </a:fld>
             <a:endParaRPr lang="bg-BG"/>
           </a:p>
@@ -1768,7 +1768,7 @@
           <a:p>
             <a:fld id="{3EA744D9-3FBE-48D8-BF2A-85DF203E4D20}" type="datetimeFigureOut">
               <a:rPr lang="bg-BG" smtClean="0"/>
-              <a:t>25.8.2015 г.</a:t>
+              <a:t>26.8.2015 г.</a:t>
             </a:fld>
             <a:endParaRPr lang="bg-BG"/>
           </a:p>
@@ -2190,7 +2190,7 @@
           <a:p>
             <a:fld id="{3EA744D9-3FBE-48D8-BF2A-85DF203E4D20}" type="datetimeFigureOut">
               <a:rPr lang="bg-BG" smtClean="0"/>
-              <a:t>25.8.2015 г.</a:t>
+              <a:t>26.8.2015 г.</a:t>
             </a:fld>
             <a:endParaRPr lang="bg-BG"/>
           </a:p>
@@ -2308,7 +2308,7 @@
           <a:p>
             <a:fld id="{3EA744D9-3FBE-48D8-BF2A-85DF203E4D20}" type="datetimeFigureOut">
               <a:rPr lang="bg-BG" smtClean="0"/>
-              <a:t>25.8.2015 г.</a:t>
+              <a:t>26.8.2015 г.</a:t>
             </a:fld>
             <a:endParaRPr lang="bg-BG"/>
           </a:p>
@@ -2403,7 +2403,7 @@
           <a:p>
             <a:fld id="{3EA744D9-3FBE-48D8-BF2A-85DF203E4D20}" type="datetimeFigureOut">
               <a:rPr lang="bg-BG" smtClean="0"/>
-              <a:t>25.8.2015 г.</a:t>
+              <a:t>26.8.2015 г.</a:t>
             </a:fld>
             <a:endParaRPr lang="bg-BG"/>
           </a:p>
@@ -2680,7 +2680,7 @@
           <a:p>
             <a:fld id="{3EA744D9-3FBE-48D8-BF2A-85DF203E4D20}" type="datetimeFigureOut">
               <a:rPr lang="bg-BG" smtClean="0"/>
-              <a:t>25.8.2015 г.</a:t>
+              <a:t>26.8.2015 г.</a:t>
             </a:fld>
             <a:endParaRPr lang="bg-BG"/>
           </a:p>
@@ -2933,7 +2933,7 @@
           <a:p>
             <a:fld id="{3EA744D9-3FBE-48D8-BF2A-85DF203E4D20}" type="datetimeFigureOut">
               <a:rPr lang="bg-BG" smtClean="0"/>
-              <a:t>25.8.2015 г.</a:t>
+              <a:t>26.8.2015 г.</a:t>
             </a:fld>
             <a:endParaRPr lang="bg-BG"/>
           </a:p>
@@ -3155,7 +3155,7 @@
           <a:p>
             <a:fld id="{3EA744D9-3FBE-48D8-BF2A-85DF203E4D20}" type="datetimeFigureOut">
               <a:rPr lang="bg-BG" smtClean="0"/>
-              <a:t>25.8.2015 г.</a:t>
+              <a:t>26.8.2015 г.</a:t>
             </a:fld>
             <a:endParaRPr lang="bg-BG"/>
           </a:p>
@@ -3556,7 +3556,7 @@
               <a:t>Основи на </a:t>
             </a:r>
             <a:r>
-              <a:rPr lang="en-US" dirty="0" smtClean="0">
+              <a:rPr lang="en-US" smtClean="0">
                 <a:solidFill>
                   <a:schemeClr val="accent6"/>
                 </a:solidFill>
@@ -13537,15 +13537,7 @@
                   <a:schemeClr val="accent6"/>
                 </a:solidFill>
               </a:rPr>
-              <a:t> – </a:t>
-            </a:r>
-            <a:r>
-              <a:rPr lang="bg-BG" sz="3000" dirty="0" smtClean="0">
-                <a:solidFill>
-                  <a:schemeClr val="accent6"/>
-                </a:solidFill>
-              </a:rPr>
-              <a:t>логически оператори</a:t>
+              <a:t> – логически оператори</a:t>
             </a:r>
             <a:endParaRPr lang="en-US" sz="3000" dirty="0"/>
           </a:p>
@@ -13879,16 +13871,7 @@
                 </a:solidFill>
                 <a:cs typeface="Courier New" panose="02070309020205020404" pitchFamily="49" charset="0"/>
               </a:rPr>
-              <a:t>Това е най-простият условен оператор. Позвоява да се тества дали дадено условие е изпълнено. </a:t>
-            </a:r>
-            <a:r>
-              <a:rPr lang="bg-BG" sz="2500" dirty="0" smtClean="0">
-                <a:solidFill>
-                  <a:schemeClr val="bg1"/>
-                </a:solidFill>
-                <a:cs typeface="Courier New" panose="02070309020205020404" pitchFamily="49" charset="0"/>
-              </a:rPr>
-              <a:t>Чрез него можем да изпълняваме даден код, в зависимост от това дали дадено условие е истина. Пример:</a:t>
+              <a:t>Това е най-простият условен оператор. Позвоява да се тества дали дадено условие е изпълнено. Чрез него можем да изпълняваме даден код, в зависимост от това дали дадено условие е истина. Пример:</a:t>
             </a:r>
           </a:p>
           <a:p>
@@ -14986,15 +14969,7 @@
                   <a:schemeClr val="accent6"/>
                 </a:solidFill>
               </a:rPr>
-              <a:t> – </a:t>
-            </a:r>
-            <a:r>
-              <a:rPr lang="bg-BG" sz="3000" dirty="0" smtClean="0">
-                <a:solidFill>
-                  <a:schemeClr val="accent6"/>
-                </a:solidFill>
-              </a:rPr>
-              <a:t>вложени </a:t>
+              <a:t> – вложени </a:t>
             </a:r>
             <a:r>
               <a:rPr lang="en-US" sz="3000" dirty="0" smtClean="0">
@@ -15595,15 +15570,7 @@
                   <a:schemeClr val="accent6"/>
                 </a:solidFill>
               </a:rPr>
-              <a:t> – </a:t>
-            </a:r>
-            <a:r>
-              <a:rPr lang="bg-BG" sz="3000" dirty="0" smtClean="0">
-                <a:solidFill>
-                  <a:schemeClr val="accent6"/>
-                </a:solidFill>
-              </a:rPr>
-              <a:t>вложени </a:t>
+              <a:t> – вложени </a:t>
             </a:r>
             <a:r>
               <a:rPr lang="en-US" sz="3000" dirty="0" smtClean="0">
@@ -15829,7 +15796,15 @@
                   <a:schemeClr val="accent6"/>
                 </a:solidFill>
               </a:rPr>
-              <a:t> </a:t>
+              <a:t> –</a:t>
+            </a:r>
+            <a:r>
+              <a:rPr lang="en-US" sz="3000" dirty="0" smtClean="0">
+                <a:solidFill>
+                  <a:schemeClr val="accent6"/>
+                </a:solidFill>
+              </a:rPr>
+              <a:t>if </a:t>
             </a:r>
             <a:r>
               <a:rPr lang="bg-BG" sz="3000" dirty="0" smtClean="0">
@@ -15837,7 +15812,7 @@
                   <a:schemeClr val="accent6"/>
                 </a:solidFill>
               </a:rPr>
-              <a:t>–</a:t>
+              <a:t>- </a:t>
             </a:r>
             <a:r>
               <a:rPr lang="en-US" sz="3000" dirty="0" smtClean="0">
@@ -15845,31 +15820,7 @@
                   <a:schemeClr val="accent6"/>
                 </a:solidFill>
               </a:rPr>
-              <a:t>if </a:t>
-            </a:r>
-            <a:r>
-              <a:rPr lang="bg-BG" sz="3000" dirty="0" smtClean="0">
-                <a:solidFill>
-                  <a:schemeClr val="accent6"/>
-                </a:solidFill>
-              </a:rPr>
-              <a:t>- </a:t>
-            </a:r>
-            <a:r>
-              <a:rPr lang="en-US" sz="3000" dirty="0" smtClean="0">
-                <a:solidFill>
-                  <a:schemeClr val="accent6"/>
-                </a:solidFill>
-              </a:rPr>
-              <a:t>else </a:t>
-            </a:r>
-            <a:r>
-              <a:rPr lang="en-US" sz="3000" dirty="0" smtClean="0">
-                <a:solidFill>
-                  <a:schemeClr val="accent6"/>
-                </a:solidFill>
-              </a:rPr>
-              <a:t>if – else if - else</a:t>
+              <a:t>else if – else if - else</a:t>
             </a:r>
             <a:endParaRPr lang="en-US" sz="3000" dirty="0"/>
           </a:p>
@@ -16226,15 +16177,7 @@
                   <a:schemeClr val="accent6"/>
                 </a:solidFill>
               </a:rPr>
-              <a:t> </a:t>
-            </a:r>
-            <a:r>
-              <a:rPr lang="bg-BG" sz="3000" dirty="0" smtClean="0">
-                <a:solidFill>
-                  <a:schemeClr val="accent6"/>
-                </a:solidFill>
-              </a:rPr>
-              <a:t>–</a:t>
+              <a:t> –</a:t>
             </a:r>
             <a:r>
               <a:rPr lang="en-US" sz="3000" dirty="0">
@@ -16792,15 +16735,7 @@
                   <a:schemeClr val="accent6"/>
                 </a:solidFill>
               </a:rPr>
-              <a:t> </a:t>
-            </a:r>
-            <a:r>
-              <a:rPr lang="bg-BG" sz="2900" dirty="0" smtClean="0">
-                <a:solidFill>
-                  <a:schemeClr val="accent6"/>
-                </a:solidFill>
-              </a:rPr>
-              <a:t>–</a:t>
+              <a:t> –</a:t>
             </a:r>
             <a:r>
               <a:rPr lang="en-US" sz="2900" dirty="0">

--- a/10-JavaScript-Basics.pptx
+++ b/10-JavaScript-Basics.pptx
@@ -4533,8 +4533,25 @@
                 <a:latin typeface="Courier New" panose="02070309020205020404" pitchFamily="49" charset="0"/>
                 <a:cs typeface="Courier New" panose="02070309020205020404" pitchFamily="49" charset="0"/>
               </a:rPr>
-              <a:t> = -9007199254740992</a:t>
-            </a:r>
+              <a:t> = </a:t>
+            </a:r>
+            <a:r>
+              <a:rPr lang="en-US" sz="1500" dirty="0" smtClean="0">
+                <a:solidFill>
+                  <a:schemeClr val="bg1"/>
+                </a:solidFill>
+                <a:latin typeface="Courier New" panose="02070309020205020404" pitchFamily="49" charset="0"/>
+                <a:cs typeface="Courier New" panose="02070309020205020404" pitchFamily="49" charset="0"/>
+              </a:rPr>
+              <a:t>-9007199254740992</a:t>
+            </a:r>
+            <a:endParaRPr lang="en-US" sz="1500" dirty="0" smtClean="0">
+              <a:solidFill>
+                <a:schemeClr val="bg1"/>
+              </a:solidFill>
+              <a:latin typeface="Courier New" panose="02070309020205020404" pitchFamily="49" charset="0"/>
+              <a:cs typeface="Courier New" panose="02070309020205020404" pitchFamily="49" charset="0"/>
+            </a:endParaRPr>
           </a:p>
           <a:p>
             <a:pPr marL="0" indent="0">
@@ -4809,7 +4826,7 @@
                 <a:latin typeface="Courier New" panose="02070309020205020404" pitchFamily="49" charset="0"/>
                 <a:cs typeface="Courier New" panose="02070309020205020404" pitchFamily="49" charset="0"/>
               </a:rPr>
-              <a:t>myPoinst</a:t>
+              <a:t>myPoints</a:t>
             </a:r>
             <a:r>
               <a:rPr lang="en-US" sz="1500" dirty="0" smtClean="0">
@@ -4819,7 +4836,37 @@
                 <a:latin typeface="Courier New" panose="02070309020205020404" pitchFamily="49" charset="0"/>
                 <a:cs typeface="Courier New" panose="02070309020205020404" pitchFamily="49" charset="0"/>
               </a:rPr>
-              <a:t> = 16.75;</a:t>
+              <a:t> </a:t>
+            </a:r>
+            <a:r>
+              <a:rPr lang="en-US" sz="1500" dirty="0" smtClean="0">
+                <a:solidFill>
+                  <a:schemeClr val="bg1"/>
+                </a:solidFill>
+                <a:latin typeface="Courier New" panose="02070309020205020404" pitchFamily="49" charset="0"/>
+                <a:cs typeface="Courier New" panose="02070309020205020404" pitchFamily="49" charset="0"/>
+              </a:rPr>
+              <a:t>= </a:t>
+            </a:r>
+            <a:r>
+              <a:rPr lang="en-US" sz="1500" dirty="0" smtClean="0">
+                <a:solidFill>
+                  <a:schemeClr val="bg1"/>
+                </a:solidFill>
+                <a:latin typeface="Courier New" panose="02070309020205020404" pitchFamily="49" charset="0"/>
+                <a:cs typeface="Courier New" panose="02070309020205020404" pitchFamily="49" charset="0"/>
+              </a:rPr>
+              <a:t>11.75</a:t>
+            </a:r>
+            <a:r>
+              <a:rPr lang="en-US" sz="1500" dirty="0" smtClean="0">
+                <a:solidFill>
+                  <a:schemeClr val="bg1"/>
+                </a:solidFill>
+                <a:latin typeface="Courier New" panose="02070309020205020404" pitchFamily="49" charset="0"/>
+                <a:cs typeface="Courier New" panose="02070309020205020404" pitchFamily="49" charset="0"/>
+              </a:rPr>
+              <a:t>;</a:t>
             </a:r>
           </a:p>
           <a:p>
@@ -5689,8 +5736,25 @@
                 <a:latin typeface="Courier New" panose="02070309020205020404" pitchFamily="49" charset="0"/>
                 <a:cs typeface="Courier New" panose="02070309020205020404" pitchFamily="49" charset="0"/>
               </a:rPr>
-              <a:t> colleagues;</a:t>
-            </a:r>
+              <a:t> </a:t>
+            </a:r>
+            <a:r>
+              <a:rPr lang="en-US" sz="2000" dirty="0" smtClean="0">
+                <a:solidFill>
+                  <a:schemeClr val="bg1"/>
+                </a:solidFill>
+                <a:latin typeface="Courier New" panose="02070309020205020404" pitchFamily="49" charset="0"/>
+                <a:cs typeface="Courier New" panose="02070309020205020404" pitchFamily="49" charset="0"/>
+              </a:rPr>
+              <a:t>colleagues = ‘asd20’;</a:t>
+            </a:r>
+            <a:endParaRPr lang="en-US" sz="2000" dirty="0" smtClean="0">
+              <a:solidFill>
+                <a:schemeClr val="bg1"/>
+              </a:solidFill>
+              <a:latin typeface="Courier New" panose="02070309020205020404" pitchFamily="49" charset="0"/>
+              <a:cs typeface="Courier New" panose="02070309020205020404" pitchFamily="49" charset="0"/>
+            </a:endParaRPr>
           </a:p>
           <a:p>
             <a:pPr marL="0" indent="0">
@@ -5806,143 +5870,8 @@
                 <a:latin typeface="Courier New" panose="02070309020205020404" pitchFamily="49" charset="0"/>
                 <a:cs typeface="Courier New" panose="02070309020205020404" pitchFamily="49" charset="0"/>
               </a:rPr>
-              <a:t>;</a:t>
-            </a:r>
-          </a:p>
-          <a:p>
-            <a:pPr marL="0" indent="0">
-              <a:buNone/>
-            </a:pPr>
-            <a:r>
-              <a:rPr lang="en-US" sz="2000" dirty="0" err="1" smtClean="0">
-                <a:solidFill>
-                  <a:schemeClr val="bg1"/>
-                </a:solidFill>
-                <a:latin typeface="Courier New" panose="02070309020205020404" pitchFamily="49" charset="0"/>
-                <a:cs typeface="Courier New" panose="02070309020205020404" pitchFamily="49" charset="0"/>
-              </a:rPr>
-              <a:t>secondVar</a:t>
-            </a:r>
-            <a:r>
-              <a:rPr lang="en-US" sz="2000" dirty="0" smtClean="0">
-                <a:solidFill>
-                  <a:schemeClr val="bg1"/>
-                </a:solidFill>
-                <a:latin typeface="Courier New" panose="02070309020205020404" pitchFamily="49" charset="0"/>
-                <a:cs typeface="Courier New" panose="02070309020205020404" pitchFamily="49" charset="0"/>
-              </a:rPr>
-              <a:t> = </a:t>
-            </a:r>
-            <a:r>
-              <a:rPr lang="en-US" sz="2000" dirty="0" err="1" smtClean="0">
-                <a:solidFill>
-                  <a:schemeClr val="bg1"/>
-                </a:solidFill>
-                <a:latin typeface="Courier New" panose="02070309020205020404" pitchFamily="49" charset="0"/>
-                <a:cs typeface="Courier New" panose="02070309020205020404" pitchFamily="49" charset="0"/>
-              </a:rPr>
-              <a:t>firstVar</a:t>
-            </a:r>
-            <a:r>
-              <a:rPr lang="en-US" sz="2000" dirty="0" smtClean="0">
-                <a:solidFill>
-                  <a:schemeClr val="bg1"/>
-                </a:solidFill>
-                <a:latin typeface="Courier New" panose="02070309020205020404" pitchFamily="49" charset="0"/>
-                <a:cs typeface="Courier New" panose="02070309020205020404" pitchFamily="49" charset="0"/>
-              </a:rPr>
-              <a:t>;</a:t>
-            </a:r>
-          </a:p>
-          <a:p>
-            <a:pPr marL="0" indent="0">
-              <a:buNone/>
-            </a:pPr>
-            <a:r>
-              <a:rPr lang="en-US" sz="2000" dirty="0" err="1" smtClean="0">
-                <a:solidFill>
-                  <a:schemeClr val="bg1"/>
-                </a:solidFill>
-                <a:latin typeface="Courier New" panose="02070309020205020404" pitchFamily="49" charset="0"/>
-                <a:cs typeface="Courier New" panose="02070309020205020404" pitchFamily="49" charset="0"/>
-              </a:rPr>
-              <a:t>var</a:t>
-            </a:r>
-            <a:r>
-              <a:rPr lang="en-US" sz="2000" dirty="0" smtClean="0">
-                <a:solidFill>
-                  <a:schemeClr val="bg1"/>
-                </a:solidFill>
-                <a:latin typeface="Courier New" panose="02070309020205020404" pitchFamily="49" charset="0"/>
-                <a:cs typeface="Courier New" panose="02070309020205020404" pitchFamily="49" charset="0"/>
-              </a:rPr>
-              <a:t> </a:t>
-            </a:r>
-            <a:r>
-              <a:rPr lang="en-US" sz="2000" dirty="0" err="1" smtClean="0">
-                <a:solidFill>
-                  <a:schemeClr val="bg1"/>
-                </a:solidFill>
-                <a:latin typeface="Courier New" panose="02070309020205020404" pitchFamily="49" charset="0"/>
-                <a:cs typeface="Courier New" panose="02070309020205020404" pitchFamily="49" charset="0"/>
-              </a:rPr>
-              <a:t>thirdVar</a:t>
-            </a:r>
-            <a:r>
-              <a:rPr lang="en-US" sz="2000" dirty="0" smtClean="0">
-                <a:solidFill>
-                  <a:schemeClr val="bg1"/>
-                </a:solidFill>
-                <a:latin typeface="Courier New" panose="02070309020205020404" pitchFamily="49" charset="0"/>
-                <a:cs typeface="Courier New" panose="02070309020205020404" pitchFamily="49" charset="0"/>
-              </a:rPr>
-              <a:t> = </a:t>
-            </a:r>
-            <a:r>
-              <a:rPr lang="en-US" sz="2000" dirty="0" err="1" smtClean="0">
-                <a:solidFill>
-                  <a:schemeClr val="bg1"/>
-                </a:solidFill>
-                <a:latin typeface="Courier New" panose="02070309020205020404" pitchFamily="49" charset="0"/>
-                <a:cs typeface="Courier New" panose="02070309020205020404" pitchFamily="49" charset="0"/>
-              </a:rPr>
-              <a:t>secondVar</a:t>
-            </a:r>
-            <a:r>
-              <a:rPr lang="en-US" sz="2000" dirty="0" smtClean="0">
-                <a:solidFill>
-                  <a:schemeClr val="bg1"/>
-                </a:solidFill>
-                <a:latin typeface="Courier New" panose="02070309020205020404" pitchFamily="49" charset="0"/>
-                <a:cs typeface="Courier New" panose="02070309020205020404" pitchFamily="49" charset="0"/>
-              </a:rPr>
-              <a:t> + </a:t>
-            </a:r>
-            <a:r>
-              <a:rPr lang="en-US" sz="2000" dirty="0" err="1" smtClean="0">
-                <a:solidFill>
-                  <a:schemeClr val="bg1"/>
-                </a:solidFill>
-                <a:latin typeface="Courier New" panose="02070309020205020404" pitchFamily="49" charset="0"/>
-                <a:cs typeface="Courier New" panose="02070309020205020404" pitchFamily="49" charset="0"/>
-              </a:rPr>
-              <a:t>firstVar</a:t>
-            </a:r>
-            <a:r>
-              <a:rPr lang="en-US" sz="2000" dirty="0" smtClean="0">
-                <a:solidFill>
-                  <a:schemeClr val="bg1"/>
-                </a:solidFill>
-                <a:latin typeface="Courier New" panose="02070309020205020404" pitchFamily="49" charset="0"/>
-                <a:cs typeface="Courier New" panose="02070309020205020404" pitchFamily="49" charset="0"/>
-              </a:rPr>
-              <a:t>;</a:t>
-            </a:r>
-          </a:p>
-          <a:p>
-            <a:pPr marL="0" indent="0">
-              <a:buNone/>
-            </a:pPr>
+              <a:t> = 0;</a:t>
+            </a:r>
             <a:endParaRPr lang="en-US" sz="2000" dirty="0" smtClean="0">
               <a:solidFill>
                 <a:schemeClr val="bg1"/>
@@ -5963,6 +5892,71 @@
                 <a:latin typeface="Courier New" panose="02070309020205020404" pitchFamily="49" charset="0"/>
                 <a:cs typeface="Courier New" panose="02070309020205020404" pitchFamily="49" charset="0"/>
               </a:rPr>
+              <a:t>secondVar</a:t>
+            </a:r>
+            <a:r>
+              <a:rPr lang="en-US" sz="2000" dirty="0" smtClean="0">
+                <a:solidFill>
+                  <a:schemeClr val="bg1"/>
+                </a:solidFill>
+                <a:latin typeface="Courier New" panose="02070309020205020404" pitchFamily="49" charset="0"/>
+                <a:cs typeface="Courier New" panose="02070309020205020404" pitchFamily="49" charset="0"/>
+              </a:rPr>
+              <a:t> = </a:t>
+            </a:r>
+            <a:r>
+              <a:rPr lang="en-US" sz="2000" dirty="0" err="1" smtClean="0">
+                <a:solidFill>
+                  <a:schemeClr val="bg1"/>
+                </a:solidFill>
+                <a:latin typeface="Courier New" panose="02070309020205020404" pitchFamily="49" charset="0"/>
+                <a:cs typeface="Courier New" panose="02070309020205020404" pitchFamily="49" charset="0"/>
+              </a:rPr>
+              <a:t>firstVar</a:t>
+            </a:r>
+            <a:r>
+              <a:rPr lang="en-US" sz="2000" dirty="0" smtClean="0">
+                <a:solidFill>
+                  <a:schemeClr val="bg1"/>
+                </a:solidFill>
+                <a:latin typeface="Courier New" panose="02070309020205020404" pitchFamily="49" charset="0"/>
+                <a:cs typeface="Courier New" panose="02070309020205020404" pitchFamily="49" charset="0"/>
+              </a:rPr>
+              <a:t>;</a:t>
+            </a:r>
+          </a:p>
+          <a:p>
+            <a:pPr marL="0" indent="0">
+              <a:buNone/>
+            </a:pPr>
+            <a:r>
+              <a:rPr lang="en-US" sz="2000" dirty="0" err="1" smtClean="0">
+                <a:solidFill>
+                  <a:schemeClr val="bg1"/>
+                </a:solidFill>
+                <a:latin typeface="Courier New" panose="02070309020205020404" pitchFamily="49" charset="0"/>
+                <a:cs typeface="Courier New" panose="02070309020205020404" pitchFamily="49" charset="0"/>
+              </a:rPr>
+              <a:t>var</a:t>
+            </a:r>
+            <a:r>
+              <a:rPr lang="en-US" sz="2000" dirty="0" smtClean="0">
+                <a:solidFill>
+                  <a:schemeClr val="bg1"/>
+                </a:solidFill>
+                <a:latin typeface="Courier New" panose="02070309020205020404" pitchFamily="49" charset="0"/>
+                <a:cs typeface="Courier New" panose="02070309020205020404" pitchFamily="49" charset="0"/>
+              </a:rPr>
+              <a:t> </a:t>
+            </a:r>
+            <a:r>
+              <a:rPr lang="en-US" sz="2000" dirty="0" err="1" smtClean="0">
+                <a:solidFill>
+                  <a:schemeClr val="bg1"/>
+                </a:solidFill>
+                <a:latin typeface="Courier New" panose="02070309020205020404" pitchFamily="49" charset="0"/>
+                <a:cs typeface="Courier New" panose="02070309020205020404" pitchFamily="49" charset="0"/>
+              </a:rPr>
               <a:t>thirdVar</a:t>
             </a:r>
             <a:r>
@@ -5973,6 +5967,83 @@
                 <a:latin typeface="Courier New" panose="02070309020205020404" pitchFamily="49" charset="0"/>
                 <a:cs typeface="Courier New" panose="02070309020205020404" pitchFamily="49" charset="0"/>
               </a:rPr>
+              <a:t> = </a:t>
+            </a:r>
+            <a:r>
+              <a:rPr lang="en-US" sz="2000" dirty="0" err="1" smtClean="0">
+                <a:solidFill>
+                  <a:schemeClr val="bg1"/>
+                </a:solidFill>
+                <a:latin typeface="Courier New" panose="02070309020205020404" pitchFamily="49" charset="0"/>
+                <a:cs typeface="Courier New" panose="02070309020205020404" pitchFamily="49" charset="0"/>
+              </a:rPr>
+              <a:t>secondVar</a:t>
+            </a:r>
+            <a:r>
+              <a:rPr lang="en-US" sz="2000" dirty="0" smtClean="0">
+                <a:solidFill>
+                  <a:schemeClr val="bg1"/>
+                </a:solidFill>
+                <a:latin typeface="Courier New" panose="02070309020205020404" pitchFamily="49" charset="0"/>
+                <a:cs typeface="Courier New" panose="02070309020205020404" pitchFamily="49" charset="0"/>
+              </a:rPr>
+              <a:t> + </a:t>
+            </a:r>
+            <a:r>
+              <a:rPr lang="en-US" sz="2000" dirty="0" err="1" smtClean="0">
+                <a:solidFill>
+                  <a:schemeClr val="bg1"/>
+                </a:solidFill>
+                <a:latin typeface="Courier New" panose="02070309020205020404" pitchFamily="49" charset="0"/>
+                <a:cs typeface="Courier New" panose="02070309020205020404" pitchFamily="49" charset="0"/>
+              </a:rPr>
+              <a:t>firstVar</a:t>
+            </a:r>
+            <a:r>
+              <a:rPr lang="en-US" sz="2000" dirty="0" smtClean="0">
+                <a:solidFill>
+                  <a:schemeClr val="bg1"/>
+                </a:solidFill>
+                <a:latin typeface="Courier New" panose="02070309020205020404" pitchFamily="49" charset="0"/>
+                <a:cs typeface="Courier New" panose="02070309020205020404" pitchFamily="49" charset="0"/>
+              </a:rPr>
+              <a:t>;</a:t>
+            </a:r>
+          </a:p>
+          <a:p>
+            <a:pPr marL="0" indent="0">
+              <a:buNone/>
+            </a:pPr>
+            <a:endParaRPr lang="en-US" sz="2000" dirty="0" smtClean="0">
+              <a:solidFill>
+                <a:schemeClr val="bg1"/>
+              </a:solidFill>
+              <a:latin typeface="Courier New" panose="02070309020205020404" pitchFamily="49" charset="0"/>
+              <a:cs typeface="Courier New" panose="02070309020205020404" pitchFamily="49" charset="0"/>
+            </a:endParaRPr>
+          </a:p>
+          <a:p>
+            <a:pPr marL="0" indent="0">
+              <a:buNone/>
+            </a:pPr>
+            <a:r>
+              <a:rPr lang="en-US" sz="2000" dirty="0" err="1" smtClean="0">
+                <a:solidFill>
+                  <a:schemeClr val="bg1"/>
+                </a:solidFill>
+                <a:latin typeface="Courier New" panose="02070309020205020404" pitchFamily="49" charset="0"/>
+                <a:cs typeface="Courier New" panose="02070309020205020404" pitchFamily="49" charset="0"/>
+              </a:rPr>
+              <a:t>thirdVar</a:t>
+            </a:r>
+            <a:r>
+              <a:rPr lang="en-US" sz="2000" dirty="0" smtClean="0">
+                <a:solidFill>
+                  <a:schemeClr val="bg1"/>
+                </a:solidFill>
+                <a:latin typeface="Courier New" panose="02070309020205020404" pitchFamily="49" charset="0"/>
+                <a:cs typeface="Courier New" panose="02070309020205020404" pitchFamily="49" charset="0"/>
+              </a:rPr>
               <a:t> // 100</a:t>
             </a:r>
           </a:p>
@@ -5998,8 +6069,25 @@
                 <a:latin typeface="Courier New" panose="02070309020205020404" pitchFamily="49" charset="0"/>
                 <a:cs typeface="Courier New" panose="02070309020205020404" pitchFamily="49" charset="0"/>
               </a:rPr>
-              <a:t> // 50</a:t>
-            </a:r>
+              <a:t> </a:t>
+            </a:r>
+            <a:r>
+              <a:rPr lang="en-US" sz="2000" dirty="0" smtClean="0">
+                <a:solidFill>
+                  <a:schemeClr val="bg1"/>
+                </a:solidFill>
+                <a:latin typeface="Courier New" panose="02070309020205020404" pitchFamily="49" charset="0"/>
+                <a:cs typeface="Courier New" panose="02070309020205020404" pitchFamily="49" charset="0"/>
+              </a:rPr>
+              <a:t>// 50</a:t>
+            </a:r>
+            <a:endParaRPr lang="en-US" sz="2000" dirty="0" smtClean="0">
+              <a:solidFill>
+                <a:schemeClr val="bg1"/>
+              </a:solidFill>
+              <a:latin typeface="Courier New" panose="02070309020205020404" pitchFamily="49" charset="0"/>
+              <a:cs typeface="Courier New" panose="02070309020205020404" pitchFamily="49" charset="0"/>
+            </a:endParaRPr>
           </a:p>
           <a:p>
             <a:pPr marL="0" indent="0">
@@ -6023,7 +6111,17 @@
                 <a:latin typeface="Courier New" panose="02070309020205020404" pitchFamily="49" charset="0"/>
                 <a:cs typeface="Courier New" panose="02070309020205020404" pitchFamily="49" charset="0"/>
               </a:rPr>
-              <a:t> // 50</a:t>
+              <a:t> // </a:t>
+            </a:r>
+            <a:r>
+              <a:rPr lang="en-US" sz="2000" dirty="0" smtClean="0">
+                <a:solidFill>
+                  <a:schemeClr val="bg1"/>
+                </a:solidFill>
+                <a:latin typeface="Courier New" panose="02070309020205020404" pitchFamily="49" charset="0"/>
+                <a:cs typeface="Courier New" panose="02070309020205020404" pitchFamily="49" charset="0"/>
+              </a:rPr>
+              <a:t>50</a:t>
             </a:r>
             <a:endParaRPr lang="bg-BG" sz="2000" dirty="0" smtClean="0">
               <a:solidFill>
@@ -6287,7 +6385,7 @@
           <p:nvPr>
             <p:extLst>
               <p:ext uri="{D42A27DB-BD31-4B8C-83A1-F6EECF244321}">
-                <p14:modId xmlns:p14="http://schemas.microsoft.com/office/powerpoint/2010/main" val="287075084"/>
+                <p14:modId xmlns:p14="http://schemas.microsoft.com/office/powerpoint/2010/main" val="2193314435"/>
               </p:ext>
             </p:extLst>
           </p:nvPr>
@@ -6845,7 +6943,7 @@
                           </a:solidFill>
                           <a:effectLst/>
                         </a:rPr>
-                        <a:t> </a:t>
+                        <a:t> === </a:t>
                       </a:r>
                       <a:r>
                         <a:rPr lang="bg-BG" sz="1800" b="1" dirty="0" smtClean="0">
@@ -7487,7 +7585,43 @@
                   <a:schemeClr val="bg1"/>
                 </a:solidFill>
               </a:rPr>
-              <a:t>			използван в уеб 					приложенията. Чрез 	него 				нашата уеб страница действа 			по желан от нас начин.</a:t>
+              <a:t>			използван в уеб 					приложенията. Чрез 	него 				нашата уеб страница действа 			по желан от нас начин</a:t>
+            </a:r>
+            <a:r>
+              <a:rPr lang="bg-BG" dirty="0" smtClean="0">
+                <a:solidFill>
+                  <a:schemeClr val="bg1"/>
+                </a:solidFill>
+              </a:rPr>
+              <a:t>.</a:t>
+            </a:r>
+            <a:endParaRPr lang="en-US" dirty="0" smtClean="0">
+              <a:solidFill>
+                <a:schemeClr val="bg1"/>
+              </a:solidFill>
+            </a:endParaRPr>
+          </a:p>
+          <a:p>
+            <a:pPr marL="0" indent="0">
+              <a:buNone/>
+            </a:pPr>
+            <a:endParaRPr lang="en-US" dirty="0">
+              <a:solidFill>
+                <a:schemeClr val="bg1"/>
+              </a:solidFill>
+            </a:endParaRPr>
+          </a:p>
+          <a:p>
+            <a:pPr marL="0" indent="0">
+              <a:buNone/>
+            </a:pPr>
+            <a:r>
+              <a:rPr lang="en-US" dirty="0" smtClean="0">
+                <a:solidFill>
+                  <a:schemeClr val="bg1"/>
+                </a:solidFill>
+              </a:rPr>
+              <a:t>JavaScript != Java</a:t>
             </a:r>
             <a:endParaRPr lang="en-US" dirty="0">
               <a:solidFill>
@@ -9443,7 +9577,17 @@
                 <a:latin typeface="Courier New" panose="02070309020205020404" pitchFamily="49" charset="0"/>
                 <a:cs typeface="Courier New" panose="02070309020205020404" pitchFamily="49" charset="0"/>
               </a:rPr>
-              <a:t>); // false</a:t>
+              <a:t>); // </a:t>
+            </a:r>
+            <a:r>
+              <a:rPr lang="pt-BR" dirty="0" smtClean="0">
+                <a:solidFill>
+                  <a:schemeClr val="bg1"/>
+                </a:solidFill>
+                <a:latin typeface="Courier New" panose="02070309020205020404" pitchFamily="49" charset="0"/>
+                <a:cs typeface="Courier New" panose="02070309020205020404" pitchFamily="49" charset="0"/>
+              </a:rPr>
+              <a:t>false</a:t>
             </a:r>
             <a:endParaRPr lang="bg-BG" dirty="0" smtClean="0">
               <a:solidFill>
@@ -9462,27 +9606,7 @@
                 <a:latin typeface="Courier New" panose="02070309020205020404" pitchFamily="49" charset="0"/>
                 <a:cs typeface="Courier New" panose="02070309020205020404" pitchFamily="49" charset="0"/>
               </a:rPr>
-              <a:t>console.log(a </a:t>
-            </a:r>
-            <a:r>
-              <a:rPr lang="pt-BR" dirty="0">
-                <a:solidFill>
-                  <a:schemeClr val="bg1"/>
-                </a:solidFill>
-                <a:latin typeface="Courier New" panose="02070309020205020404" pitchFamily="49" charset="0"/>
-                <a:cs typeface="Courier New" panose="02070309020205020404" pitchFamily="49" charset="0"/>
-              </a:rPr>
-              <a:t>== b</a:t>
-            </a:r>
-            <a:r>
-              <a:rPr lang="pt-BR" dirty="0" smtClean="0">
-                <a:solidFill>
-                  <a:schemeClr val="bg1"/>
-                </a:solidFill>
-                <a:latin typeface="Courier New" panose="02070309020205020404" pitchFamily="49" charset="0"/>
-                <a:cs typeface="Courier New" panose="02070309020205020404" pitchFamily="49" charset="0"/>
-              </a:rPr>
-              <a:t>); // false</a:t>
+              <a:t>console.log(a == b); // false</a:t>
             </a:r>
             <a:endParaRPr lang="bg-BG" dirty="0" smtClean="0">
               <a:solidFill>
@@ -9704,7 +9828,7 @@
         <p:spPr>
           <a:xfrm>
             <a:off x="421943" y="1546879"/>
-            <a:ext cx="8769708" cy="3524042"/>
+            <a:ext cx="8769708" cy="5186035"/>
           </a:xfrm>
           <a:prstGeom prst="rect">
             <a:avLst/>
@@ -9754,7 +9878,7 @@
                 <a:latin typeface="Courier New" panose="02070309020205020404" pitchFamily="49" charset="0"/>
                 <a:cs typeface="Courier New" panose="02070309020205020404" pitchFamily="49" charset="0"/>
               </a:rPr>
-              <a:t> x = 5</a:t>
+              <a:t> </a:t>
             </a:r>
             <a:r>
               <a:rPr lang="es-ES" dirty="0" smtClean="0">
@@ -9764,7 +9888,7 @@
                 <a:latin typeface="Courier New" panose="02070309020205020404" pitchFamily="49" charset="0"/>
                 <a:cs typeface="Courier New" panose="02070309020205020404" pitchFamily="49" charset="0"/>
               </a:rPr>
-              <a:t>;</a:t>
+              <a:t>x = 5;</a:t>
             </a:r>
             <a:endParaRPr lang="bg-BG" dirty="0" smtClean="0">
               <a:solidFill>
@@ -9793,27 +9917,7 @@
                 <a:latin typeface="Courier New" panose="02070309020205020404" pitchFamily="49" charset="0"/>
                 <a:cs typeface="Courier New" panose="02070309020205020404" pitchFamily="49" charset="0"/>
               </a:rPr>
-              <a:t> </a:t>
-            </a:r>
-            <a:r>
-              <a:rPr lang="es-ES" dirty="0">
-                <a:solidFill>
-                  <a:schemeClr val="bg1"/>
-                </a:solidFill>
-                <a:latin typeface="Courier New" panose="02070309020205020404" pitchFamily="49" charset="0"/>
-                <a:cs typeface="Courier New" panose="02070309020205020404" pitchFamily="49" charset="0"/>
-              </a:rPr>
-              <a:t>y = 10</a:t>
-            </a:r>
-            <a:r>
-              <a:rPr lang="es-ES" dirty="0" smtClean="0">
-                <a:solidFill>
-                  <a:schemeClr val="bg1"/>
-                </a:solidFill>
-                <a:latin typeface="Courier New" panose="02070309020205020404" pitchFamily="49" charset="0"/>
-                <a:cs typeface="Courier New" panose="02070309020205020404" pitchFamily="49" charset="0"/>
-              </a:rPr>
-              <a:t>;</a:t>
+              <a:t> y = 10;</a:t>
             </a:r>
             <a:endParaRPr lang="bg-BG" dirty="0" smtClean="0">
               <a:solidFill>
@@ -9842,27 +9946,7 @@
                 <a:latin typeface="Courier New" panose="02070309020205020404" pitchFamily="49" charset="0"/>
                 <a:cs typeface="Courier New" panose="02070309020205020404" pitchFamily="49" charset="0"/>
               </a:rPr>
-              <a:t> </a:t>
-            </a:r>
-            <a:r>
-              <a:rPr lang="es-ES" dirty="0">
-                <a:solidFill>
-                  <a:schemeClr val="bg1"/>
-                </a:solidFill>
-                <a:latin typeface="Courier New" panose="02070309020205020404" pitchFamily="49" charset="0"/>
-                <a:cs typeface="Courier New" panose="02070309020205020404" pitchFamily="49" charset="0"/>
-              </a:rPr>
-              <a:t>z = x *= 2</a:t>
-            </a:r>
-            <a:r>
-              <a:rPr lang="es-ES" dirty="0" smtClean="0">
-                <a:solidFill>
-                  <a:schemeClr val="bg1"/>
-                </a:solidFill>
-                <a:latin typeface="Courier New" panose="02070309020205020404" pitchFamily="49" charset="0"/>
-                <a:cs typeface="Courier New" panose="02070309020205020404" pitchFamily="49" charset="0"/>
-              </a:rPr>
-              <a:t>;</a:t>
+              <a:t> z = x *= 2;</a:t>
             </a:r>
             <a:endParaRPr lang="bg-BG" dirty="0" smtClean="0">
               <a:solidFill>
@@ -9881,7 +9965,17 @@
                 <a:latin typeface="Courier New" panose="02070309020205020404" pitchFamily="49" charset="0"/>
                 <a:cs typeface="Courier New" panose="02070309020205020404" pitchFamily="49" charset="0"/>
               </a:rPr>
-              <a:t>console.log(z);</a:t>
+              <a:t>console.log(z</a:t>
+            </a:r>
+            <a:r>
+              <a:rPr lang="es-ES" dirty="0" smtClean="0">
+                <a:solidFill>
+                  <a:schemeClr val="bg1"/>
+                </a:solidFill>
+                <a:latin typeface="Courier New" panose="02070309020205020404" pitchFamily="49" charset="0"/>
+                <a:cs typeface="Courier New" panose="02070309020205020404" pitchFamily="49" charset="0"/>
+              </a:rPr>
+              <a:t>);</a:t>
             </a:r>
             <a:r>
               <a:rPr lang="bg-BG" dirty="0" smtClean="0">
@@ -9891,8 +9985,35 @@
                 <a:latin typeface="Courier New" panose="02070309020205020404" pitchFamily="49" charset="0"/>
                 <a:cs typeface="Courier New" panose="02070309020205020404" pitchFamily="49" charset="0"/>
               </a:rPr>
-              <a:t> // 10</a:t>
-            </a:r>
+              <a:t> // </a:t>
+            </a:r>
+            <a:r>
+              <a:rPr lang="bg-BG" dirty="0" smtClean="0">
+                <a:solidFill>
+                  <a:schemeClr val="bg1"/>
+                </a:solidFill>
+                <a:latin typeface="Courier New" panose="02070309020205020404" pitchFamily="49" charset="0"/>
+                <a:cs typeface="Courier New" panose="02070309020205020404" pitchFamily="49" charset="0"/>
+              </a:rPr>
+              <a:t>1</a:t>
+            </a:r>
+            <a:r>
+              <a:rPr lang="en-US" dirty="0">
+                <a:solidFill>
+                  <a:schemeClr val="bg1"/>
+                </a:solidFill>
+                <a:latin typeface="Courier New" panose="02070309020205020404" pitchFamily="49" charset="0"/>
+                <a:cs typeface="Courier New" panose="02070309020205020404" pitchFamily="49" charset="0"/>
+              </a:rPr>
+              <a:t>0</a:t>
+            </a:r>
+            <a:endParaRPr lang="bg-BG" dirty="0" smtClean="0">
+              <a:solidFill>
+                <a:schemeClr val="bg1"/>
+              </a:solidFill>
+              <a:latin typeface="Courier New" panose="02070309020205020404" pitchFamily="49" charset="0"/>
+              <a:cs typeface="Courier New" panose="02070309020205020404" pitchFamily="49" charset="0"/>
+            </a:endParaRPr>
           </a:p>
           <a:p>
             <a:endParaRPr lang="bg-BG" dirty="0">
@@ -9924,7 +10045,17 @@
               </a:rPr>
               <a:t>;</a:t>
             </a:r>
-            <a:endParaRPr lang="bg-BG" dirty="0" smtClean="0">
+            <a:r>
+              <a:rPr lang="bg-BG" dirty="0" smtClean="0">
+                <a:solidFill>
+                  <a:schemeClr val="bg1"/>
+                </a:solidFill>
+                <a:latin typeface="Courier New" panose="02070309020205020404" pitchFamily="49" charset="0"/>
+                <a:cs typeface="Courier New" panose="02070309020205020404" pitchFamily="49" charset="0"/>
+              </a:rPr>
+              <a:t> </a:t>
+            </a:r>
+            <a:endParaRPr lang="en-US" dirty="0" smtClean="0">
               <a:solidFill>
                 <a:schemeClr val="bg1"/>
               </a:solidFill>
@@ -9941,20 +10072,8 @@
                 <a:latin typeface="Courier New" panose="02070309020205020404" pitchFamily="49" charset="0"/>
                 <a:cs typeface="Courier New" panose="02070309020205020404" pitchFamily="49" charset="0"/>
               </a:rPr>
-              <a:t>console.log(z)</a:t>
-            </a:r>
-            <a:r>
-              <a:rPr lang="bg-BG" dirty="0" smtClean="0">
-                <a:solidFill>
-                  <a:schemeClr val="bg1"/>
-                </a:solidFill>
-                <a:latin typeface="Courier New" panose="02070309020205020404" pitchFamily="49" charset="0"/>
-                <a:cs typeface="Courier New" panose="02070309020205020404" pitchFamily="49" charset="0"/>
-              </a:rPr>
-              <a:t>; // 1</a:t>
-            </a:r>
-          </a:p>
-          <a:p>
+              <a:t>z </a:t>
+            </a:r>
             <a:r>
               <a:rPr lang="en-US" dirty="0" smtClean="0">
                 <a:solidFill>
@@ -9963,10 +10082,8 @@
                 <a:latin typeface="Courier New" panose="02070309020205020404" pitchFamily="49" charset="0"/>
                 <a:cs typeface="Courier New" panose="02070309020205020404" pitchFamily="49" charset="0"/>
               </a:rPr>
-              <a:t>z += y;</a:t>
-            </a:r>
-          </a:p>
-          <a:p>
+              <a:t>+= y</a:t>
+            </a:r>
             <a:r>
               <a:rPr lang="en-US" dirty="0" smtClean="0">
                 <a:solidFill>
@@ -9975,7 +10092,7 @@
                 <a:latin typeface="Courier New" panose="02070309020205020404" pitchFamily="49" charset="0"/>
                 <a:cs typeface="Courier New" panose="02070309020205020404" pitchFamily="49" charset="0"/>
               </a:rPr>
-              <a:t>console.log(z); // 11</a:t>
+              <a:t>;</a:t>
             </a:r>
           </a:p>
           <a:p>
@@ -9987,10 +10104,8 @@
                 <a:latin typeface="Courier New" panose="02070309020205020404" pitchFamily="49" charset="0"/>
                 <a:cs typeface="Courier New" panose="02070309020205020404" pitchFamily="49" charset="0"/>
               </a:rPr>
-              <a:t>z -= x;</a:t>
-            </a:r>
-          </a:p>
-          <a:p>
+              <a:t>z </a:t>
+            </a:r>
             <a:r>
               <a:rPr lang="en-US" dirty="0" smtClean="0">
                 <a:solidFill>
@@ -9999,9 +10114,251 @@
                 <a:latin typeface="Courier New" panose="02070309020205020404" pitchFamily="49" charset="0"/>
                 <a:cs typeface="Courier New" panose="02070309020205020404" pitchFamily="49" charset="0"/>
               </a:rPr>
-              <a:t>console.log(z); // 1</a:t>
-            </a:r>
+              <a:t>-= x</a:t>
+            </a:r>
+            <a:r>
+              <a:rPr lang="en-US" dirty="0" smtClean="0">
+                <a:solidFill>
+                  <a:schemeClr val="bg1"/>
+                </a:solidFill>
+                <a:latin typeface="Courier New" panose="02070309020205020404" pitchFamily="49" charset="0"/>
+                <a:cs typeface="Courier New" panose="02070309020205020404" pitchFamily="49" charset="0"/>
+              </a:rPr>
+              <a:t>;</a:t>
+            </a:r>
+          </a:p>
+          <a:p>
             <a:endParaRPr lang="en-US" dirty="0">
+              <a:solidFill>
+                <a:schemeClr val="bg1"/>
+              </a:solidFill>
+              <a:latin typeface="Courier New" panose="02070309020205020404" pitchFamily="49" charset="0"/>
+              <a:cs typeface="Courier New" panose="02070309020205020404" pitchFamily="49" charset="0"/>
+            </a:endParaRPr>
+          </a:p>
+          <a:p>
+            <a:r>
+              <a:rPr lang="en-US" dirty="0" err="1" smtClean="0">
+                <a:solidFill>
+                  <a:schemeClr val="bg1"/>
+                </a:solidFill>
+                <a:latin typeface="Courier New" panose="02070309020205020404" pitchFamily="49" charset="0"/>
+                <a:cs typeface="Courier New" panose="02070309020205020404" pitchFamily="49" charset="0"/>
+              </a:rPr>
+              <a:t>var</a:t>
+            </a:r>
+            <a:r>
+              <a:rPr lang="en-US" dirty="0" smtClean="0">
+                <a:solidFill>
+                  <a:schemeClr val="bg1"/>
+                </a:solidFill>
+                <a:latin typeface="Courier New" panose="02070309020205020404" pitchFamily="49" charset="0"/>
+                <a:cs typeface="Courier New" panose="02070309020205020404" pitchFamily="49" charset="0"/>
+              </a:rPr>
+              <a:t> clicks = 0;</a:t>
+            </a:r>
+          </a:p>
+          <a:p>
+            <a:r>
+              <a:rPr lang="en-US" dirty="0">
+                <a:solidFill>
+                  <a:schemeClr val="bg1"/>
+                </a:solidFill>
+                <a:latin typeface="Courier New" panose="02070309020205020404" pitchFamily="49" charset="0"/>
+                <a:cs typeface="Courier New" panose="02070309020205020404" pitchFamily="49" charset="0"/>
+              </a:rPr>
+              <a:t>c</a:t>
+            </a:r>
+            <a:r>
+              <a:rPr lang="en-US" dirty="0" smtClean="0">
+                <a:solidFill>
+                  <a:schemeClr val="bg1"/>
+                </a:solidFill>
+                <a:latin typeface="Courier New" panose="02070309020205020404" pitchFamily="49" charset="0"/>
+                <a:cs typeface="Courier New" panose="02070309020205020404" pitchFamily="49" charset="0"/>
+              </a:rPr>
+              <a:t>lick++</a:t>
+            </a:r>
+          </a:p>
+          <a:p>
+            <a:endParaRPr lang="en-US" dirty="0">
+              <a:solidFill>
+                <a:schemeClr val="bg1"/>
+              </a:solidFill>
+              <a:latin typeface="Courier New" panose="02070309020205020404" pitchFamily="49" charset="0"/>
+              <a:cs typeface="Courier New" panose="02070309020205020404" pitchFamily="49" charset="0"/>
+            </a:endParaRPr>
+          </a:p>
+          <a:p>
+            <a:r>
+              <a:rPr lang="en-US" dirty="0" err="1" smtClean="0">
+                <a:solidFill>
+                  <a:schemeClr val="bg1"/>
+                </a:solidFill>
+                <a:latin typeface="Courier New" panose="02070309020205020404" pitchFamily="49" charset="0"/>
+                <a:cs typeface="Courier New" panose="02070309020205020404" pitchFamily="49" charset="0"/>
+              </a:rPr>
+              <a:t>var</a:t>
+            </a:r>
+            <a:r>
+              <a:rPr lang="en-US" dirty="0" smtClean="0">
+                <a:solidFill>
+                  <a:schemeClr val="bg1"/>
+                </a:solidFill>
+                <a:latin typeface="Courier New" panose="02070309020205020404" pitchFamily="49" charset="0"/>
+                <a:cs typeface="Courier New" panose="02070309020205020404" pitchFamily="49" charset="0"/>
+              </a:rPr>
+              <a:t> money = 0;</a:t>
+            </a:r>
+          </a:p>
+          <a:p>
+            <a:r>
+              <a:rPr lang="en-US" dirty="0" err="1" smtClean="0">
+                <a:solidFill>
+                  <a:schemeClr val="bg1"/>
+                </a:solidFill>
+                <a:latin typeface="Courier New" panose="02070309020205020404" pitchFamily="49" charset="0"/>
+                <a:cs typeface="Courier New" panose="02070309020205020404" pitchFamily="49" charset="0"/>
+              </a:rPr>
+              <a:t>var</a:t>
+            </a:r>
+            <a:r>
+              <a:rPr lang="en-US" dirty="0" smtClean="0">
+                <a:solidFill>
+                  <a:schemeClr val="bg1"/>
+                </a:solidFill>
+                <a:latin typeface="Courier New" panose="02070309020205020404" pitchFamily="49" charset="0"/>
+                <a:cs typeface="Courier New" panose="02070309020205020404" pitchFamily="49" charset="0"/>
+              </a:rPr>
+              <a:t> </a:t>
+            </a:r>
+            <a:r>
+              <a:rPr lang="en-US" dirty="0" err="1" smtClean="0">
+                <a:solidFill>
+                  <a:schemeClr val="bg1"/>
+                </a:solidFill>
+                <a:latin typeface="Courier New" panose="02070309020205020404" pitchFamily="49" charset="0"/>
+                <a:cs typeface="Courier New" panose="02070309020205020404" pitchFamily="49" charset="0"/>
+              </a:rPr>
+              <a:t>hristianMoney</a:t>
+            </a:r>
+            <a:r>
+              <a:rPr lang="en-US" dirty="0" smtClean="0">
+                <a:solidFill>
+                  <a:schemeClr val="bg1"/>
+                </a:solidFill>
+                <a:latin typeface="Courier New" panose="02070309020205020404" pitchFamily="49" charset="0"/>
+                <a:cs typeface="Courier New" panose="02070309020205020404" pitchFamily="49" charset="0"/>
+              </a:rPr>
+              <a:t> = 20;</a:t>
+            </a:r>
+          </a:p>
+          <a:p>
+            <a:r>
+              <a:rPr lang="en-US" dirty="0" err="1" smtClean="0">
+                <a:solidFill>
+                  <a:schemeClr val="bg1"/>
+                </a:solidFill>
+                <a:latin typeface="Courier New" panose="02070309020205020404" pitchFamily="49" charset="0"/>
+                <a:cs typeface="Courier New" panose="02070309020205020404" pitchFamily="49" charset="0"/>
+              </a:rPr>
+              <a:t>var</a:t>
+            </a:r>
+            <a:r>
+              <a:rPr lang="en-US" dirty="0" smtClean="0">
+                <a:solidFill>
+                  <a:schemeClr val="bg1"/>
+                </a:solidFill>
+                <a:latin typeface="Courier New" panose="02070309020205020404" pitchFamily="49" charset="0"/>
+                <a:cs typeface="Courier New" panose="02070309020205020404" pitchFamily="49" charset="0"/>
+              </a:rPr>
+              <a:t> </a:t>
+            </a:r>
+            <a:r>
+              <a:rPr lang="en-US" dirty="0" err="1" smtClean="0">
+                <a:solidFill>
+                  <a:schemeClr val="bg1"/>
+                </a:solidFill>
+                <a:latin typeface="Courier New" panose="02070309020205020404" pitchFamily="49" charset="0"/>
+                <a:cs typeface="Courier New" panose="02070309020205020404" pitchFamily="49" charset="0"/>
+              </a:rPr>
+              <a:t>joroMoney</a:t>
+            </a:r>
+            <a:r>
+              <a:rPr lang="en-US" dirty="0" smtClean="0">
+                <a:solidFill>
+                  <a:schemeClr val="bg1"/>
+                </a:solidFill>
+                <a:latin typeface="Courier New" panose="02070309020205020404" pitchFamily="49" charset="0"/>
+                <a:cs typeface="Courier New" panose="02070309020205020404" pitchFamily="49" charset="0"/>
+              </a:rPr>
+              <a:t> = 50;</a:t>
+            </a:r>
+          </a:p>
+          <a:p>
+            <a:r>
+              <a:rPr lang="en-US" dirty="0" smtClean="0">
+                <a:solidFill>
+                  <a:schemeClr val="bg1"/>
+                </a:solidFill>
+                <a:latin typeface="Courier New" panose="02070309020205020404" pitchFamily="49" charset="0"/>
+                <a:cs typeface="Courier New" panose="02070309020205020404" pitchFamily="49" charset="0"/>
+              </a:rPr>
+              <a:t>…</a:t>
+            </a:r>
+          </a:p>
+          <a:p>
+            <a:r>
+              <a:rPr lang="en-US" dirty="0" err="1" smtClean="0">
+                <a:solidFill>
+                  <a:schemeClr val="bg1"/>
+                </a:solidFill>
+                <a:latin typeface="Courier New" panose="02070309020205020404" pitchFamily="49" charset="0"/>
+                <a:cs typeface="Courier New" panose="02070309020205020404" pitchFamily="49" charset="0"/>
+              </a:rPr>
+              <a:t>var</a:t>
+            </a:r>
+            <a:r>
+              <a:rPr lang="en-US" dirty="0" smtClean="0">
+                <a:solidFill>
+                  <a:schemeClr val="bg1"/>
+                </a:solidFill>
+                <a:latin typeface="Courier New" panose="02070309020205020404" pitchFamily="49" charset="0"/>
+                <a:cs typeface="Courier New" panose="02070309020205020404" pitchFamily="49" charset="0"/>
+              </a:rPr>
+              <a:t> money += </a:t>
+            </a:r>
+            <a:r>
+              <a:rPr lang="en-US" dirty="0" err="1" smtClean="0">
+                <a:solidFill>
+                  <a:schemeClr val="bg1"/>
+                </a:solidFill>
+                <a:latin typeface="Courier New" panose="02070309020205020404" pitchFamily="49" charset="0"/>
+                <a:cs typeface="Courier New" panose="02070309020205020404" pitchFamily="49" charset="0"/>
+              </a:rPr>
+              <a:t>hristianMoney</a:t>
+            </a:r>
+            <a:r>
+              <a:rPr lang="en-US" dirty="0" smtClean="0">
+                <a:solidFill>
+                  <a:schemeClr val="bg1"/>
+                </a:solidFill>
+                <a:latin typeface="Courier New" panose="02070309020205020404" pitchFamily="49" charset="0"/>
+                <a:cs typeface="Courier New" panose="02070309020205020404" pitchFamily="49" charset="0"/>
+              </a:rPr>
+              <a:t> += </a:t>
+            </a:r>
+            <a:r>
+              <a:rPr lang="en-US" dirty="0" err="1" smtClean="0">
+                <a:solidFill>
+                  <a:schemeClr val="bg1"/>
+                </a:solidFill>
+                <a:latin typeface="Courier New" panose="02070309020205020404" pitchFamily="49" charset="0"/>
+                <a:cs typeface="Courier New" panose="02070309020205020404" pitchFamily="49" charset="0"/>
+              </a:rPr>
+              <a:t>joroMoney</a:t>
+            </a:r>
+            <a:endParaRPr lang="en-US" dirty="0" smtClean="0">
               <a:solidFill>
                 <a:schemeClr val="bg1"/>
               </a:solidFill>
@@ -10808,6 +11165,16 @@
               <a:buChar char="-"/>
             </a:pPr>
             <a:r>
+              <a:rPr lang="en-US" sz="2500" dirty="0">
+                <a:solidFill>
+                  <a:schemeClr val="bg1"/>
+                </a:solidFill>
+                <a:latin typeface="+mj-lt"/>
+                <a:cs typeface="Courier New" panose="02070309020205020404" pitchFamily="49" charset="0"/>
+              </a:rPr>
+              <a:t>f</a:t>
+            </a:r>
+            <a:r>
               <a:rPr lang="en-US" sz="2500" dirty="0" smtClean="0">
                 <a:solidFill>
                   <a:schemeClr val="bg1"/>
@@ -10815,8 +11182,15 @@
                 <a:latin typeface="+mj-lt"/>
                 <a:cs typeface="Courier New" panose="02070309020205020404" pitchFamily="49" charset="0"/>
               </a:rPr>
-              <a:t>For</a:t>
-            </a:r>
+              <a:t>or</a:t>
+            </a:r>
+            <a:endParaRPr lang="en-US" sz="2500" dirty="0" smtClean="0">
+              <a:solidFill>
+                <a:schemeClr val="bg1"/>
+              </a:solidFill>
+              <a:latin typeface="+mj-lt"/>
+              <a:cs typeface="Courier New" panose="02070309020205020404" pitchFamily="49" charset="0"/>
+            </a:endParaRPr>
           </a:p>
         </p:txBody>
       </p:sp>
@@ -11012,7 +11386,17 @@
                 <a:latin typeface="Courier New" panose="02070309020205020404" pitchFamily="49" charset="0"/>
                 <a:cs typeface="Courier New" panose="02070309020205020404" pitchFamily="49" charset="0"/>
               </a:rPr>
-              <a:t>условие) </a:t>
+              <a:t>условие</a:t>
+            </a:r>
+            <a:r>
+              <a:rPr lang="bg-BG" sz="1500" dirty="0" smtClean="0">
+                <a:solidFill>
+                  <a:schemeClr val="bg1"/>
+                </a:solidFill>
+                <a:latin typeface="Courier New" panose="02070309020205020404" pitchFamily="49" charset="0"/>
+                <a:cs typeface="Courier New" panose="02070309020205020404" pitchFamily="49" charset="0"/>
+              </a:rPr>
+              <a:t>) </a:t>
             </a:r>
             <a:r>
               <a:rPr lang="en-US" sz="1500" dirty="0" smtClean="0">
@@ -11099,13 +11483,8 @@
                 <a:latin typeface="Courier New" panose="02070309020205020404" pitchFamily="49" charset="0"/>
                 <a:cs typeface="Courier New" panose="02070309020205020404" pitchFamily="49" charset="0"/>
               </a:rPr>
-              <a:t> age = 0;</a:t>
-            </a:r>
-          </a:p>
-          <a:p>
-            <a:pPr marL="0" indent="0">
-              <a:buNone/>
-            </a:pPr>
+              <a:t> age = </a:t>
+            </a:r>
             <a:r>
               <a:rPr lang="en-US" sz="1600" dirty="0" smtClean="0">
                 <a:solidFill>
@@ -11114,6 +11493,38 @@
                 <a:latin typeface="Courier New" panose="02070309020205020404" pitchFamily="49" charset="0"/>
                 <a:cs typeface="Courier New" panose="02070309020205020404" pitchFamily="49" charset="0"/>
               </a:rPr>
+              <a:t>18</a:t>
+            </a:r>
+            <a:r>
+              <a:rPr lang="en-US" sz="1600" dirty="0" smtClean="0">
+                <a:solidFill>
+                  <a:schemeClr val="bg1"/>
+                </a:solidFill>
+                <a:latin typeface="Courier New" panose="02070309020205020404" pitchFamily="49" charset="0"/>
+                <a:cs typeface="Courier New" panose="02070309020205020404" pitchFamily="49" charset="0"/>
+              </a:rPr>
+              <a:t>;</a:t>
+            </a:r>
+            <a:endParaRPr lang="en-US" sz="1600" dirty="0" smtClean="0">
+              <a:solidFill>
+                <a:schemeClr val="bg1"/>
+              </a:solidFill>
+              <a:latin typeface="Courier New" panose="02070309020205020404" pitchFamily="49" charset="0"/>
+              <a:cs typeface="Courier New" panose="02070309020205020404" pitchFamily="49" charset="0"/>
+            </a:endParaRPr>
+          </a:p>
+          <a:p>
+            <a:pPr marL="0" indent="0">
+              <a:buNone/>
+            </a:pPr>
+            <a:r>
+              <a:rPr lang="en-US" sz="1600" dirty="0" smtClean="0">
+                <a:solidFill>
+                  <a:schemeClr val="bg1"/>
+                </a:solidFill>
+                <a:latin typeface="Courier New" panose="02070309020205020404" pitchFamily="49" charset="0"/>
+                <a:cs typeface="Courier New" panose="02070309020205020404" pitchFamily="49" charset="0"/>
+              </a:rPr>
               <a:t>while(age &lt; 18) {</a:t>
             </a:r>
           </a:p>
@@ -11164,8 +11575,60 @@
                 <a:latin typeface="Courier New" panose="02070309020205020404" pitchFamily="49" charset="0"/>
                 <a:cs typeface="Courier New" panose="02070309020205020404" pitchFamily="49" charset="0"/>
               </a:rPr>
-              <a:t>	age++;</a:t>
-            </a:r>
+              <a:t>	age</a:t>
+            </a:r>
+            <a:r>
+              <a:rPr lang="en-US" sz="1600" dirty="0" smtClean="0">
+                <a:solidFill>
+                  <a:schemeClr val="bg1"/>
+                </a:solidFill>
+                <a:latin typeface="Courier New" panose="02070309020205020404" pitchFamily="49" charset="0"/>
+                <a:cs typeface="Courier New" panose="02070309020205020404" pitchFamily="49" charset="0"/>
+              </a:rPr>
+              <a:t>++;</a:t>
+            </a:r>
+          </a:p>
+          <a:p>
+            <a:pPr marL="0" indent="0">
+              <a:buNone/>
+            </a:pPr>
+            <a:r>
+              <a:rPr lang="en-US" sz="1600" dirty="0">
+                <a:solidFill>
+                  <a:schemeClr val="bg1"/>
+                </a:solidFill>
+                <a:latin typeface="Courier New" panose="02070309020205020404" pitchFamily="49" charset="0"/>
+                <a:cs typeface="Courier New" panose="02070309020205020404" pitchFamily="49" charset="0"/>
+              </a:rPr>
+              <a:t>	</a:t>
+            </a:r>
+            <a:r>
+              <a:rPr lang="en-US" sz="1600" dirty="0" err="1" smtClean="0">
+                <a:solidFill>
+                  <a:schemeClr val="bg1"/>
+                </a:solidFill>
+                <a:latin typeface="Courier New" panose="02070309020205020404" pitchFamily="49" charset="0"/>
+                <a:cs typeface="Courier New" panose="02070309020205020404" pitchFamily="49" charset="0"/>
+              </a:rPr>
+              <a:t>porn.Hide</a:t>
+            </a:r>
+            <a:r>
+              <a:rPr lang="en-US" sz="1600" dirty="0" smtClean="0">
+                <a:solidFill>
+                  <a:schemeClr val="bg1"/>
+                </a:solidFill>
+                <a:latin typeface="Courier New" panose="02070309020205020404" pitchFamily="49" charset="0"/>
+                <a:cs typeface="Courier New" panose="02070309020205020404" pitchFamily="49" charset="0"/>
+              </a:rPr>
+              <a:t>();</a:t>
+            </a:r>
+            <a:endParaRPr lang="en-US" sz="1600" dirty="0" smtClean="0">
+              <a:solidFill>
+                <a:schemeClr val="bg1"/>
+              </a:solidFill>
+              <a:latin typeface="Courier New" panose="02070309020205020404" pitchFamily="49" charset="0"/>
+              <a:cs typeface="Courier New" panose="02070309020205020404" pitchFamily="49" charset="0"/>
+            </a:endParaRPr>
           </a:p>
           <a:p>
             <a:pPr marL="0" indent="0">
@@ -11510,7 +11973,17 @@
                 <a:latin typeface="Courier New" panose="02070309020205020404" pitchFamily="49" charset="0"/>
                 <a:cs typeface="Courier New" panose="02070309020205020404" pitchFamily="49" charset="0"/>
               </a:rPr>
-              <a:t> age = 0;</a:t>
+              <a:t> age = </a:t>
+            </a:r>
+            <a:r>
+              <a:rPr lang="en-US" sz="1600" dirty="0" smtClean="0">
+                <a:solidFill>
+                  <a:schemeClr val="bg1"/>
+                </a:solidFill>
+                <a:latin typeface="Courier New" panose="02070309020205020404" pitchFamily="49" charset="0"/>
+                <a:cs typeface="Courier New" panose="02070309020205020404" pitchFamily="49" charset="0"/>
+              </a:rPr>
+              <a:t>0;</a:t>
             </a:r>
             <a:endParaRPr lang="bg-BG" sz="1600" dirty="0" smtClean="0">
               <a:solidFill>
@@ -12110,7 +12583,27 @@
                 <a:latin typeface="Courier New" panose="02070309020205020404" pitchFamily="49" charset="0"/>
                 <a:cs typeface="Courier New" panose="02070309020205020404" pitchFamily="49" charset="0"/>
               </a:rPr>
-              <a:t> age = 0; age &lt; 18; age++) {</a:t>
+              <a:t> age = </a:t>
+            </a:r>
+            <a:r>
+              <a:rPr lang="en-US" sz="1600" dirty="0" smtClean="0">
+                <a:solidFill>
+                  <a:schemeClr val="bg1"/>
+                </a:solidFill>
+                <a:latin typeface="Courier New" panose="02070309020205020404" pitchFamily="49" charset="0"/>
+                <a:cs typeface="Courier New" panose="02070309020205020404" pitchFamily="49" charset="0"/>
+              </a:rPr>
+              <a:t>0; </a:t>
+            </a:r>
+            <a:r>
+              <a:rPr lang="en-US" sz="1600" dirty="0" smtClean="0">
+                <a:solidFill>
+                  <a:schemeClr val="bg1"/>
+                </a:solidFill>
+                <a:latin typeface="Courier New" panose="02070309020205020404" pitchFamily="49" charset="0"/>
+                <a:cs typeface="Courier New" panose="02070309020205020404" pitchFamily="49" charset="0"/>
+              </a:rPr>
+              <a:t>age &lt; 18; age++) {</a:t>
             </a:r>
           </a:p>
           <a:p>
@@ -12687,7 +13180,7 @@
                 <a:latin typeface="Courier New" panose="02070309020205020404" pitchFamily="49" charset="0"/>
                 <a:cs typeface="Courier New" panose="02070309020205020404" pitchFamily="49" charset="0"/>
               </a:rPr>
-              <a:t>9;</a:t>
+              <a:t>8;</a:t>
             </a:r>
             <a:endParaRPr lang="en-US" sz="1600" dirty="0">
               <a:solidFill>
@@ -12729,7 +13222,7 @@
                 <a:latin typeface="Courier New" panose="02070309020205020404" pitchFamily="49" charset="0"/>
                 <a:cs typeface="Courier New" panose="02070309020205020404" pitchFamily="49" charset="0"/>
               </a:rPr>
-              <a:t>9;</a:t>
+              <a:t>8;</a:t>
             </a:r>
             <a:endParaRPr lang="en-US" sz="1600" dirty="0">
               <a:solidFill>
@@ -12761,13 +13254,18 @@
                 <a:latin typeface="Courier New" panose="02070309020205020404" pitchFamily="49" charset="0"/>
                 <a:cs typeface="Courier New" panose="02070309020205020404" pitchFamily="49" charset="0"/>
               </a:rPr>
-              <a:t> index = 0;;</a:t>
-            </a:r>
-          </a:p>
-          <a:p>
-            <a:pPr marL="0" indent="0">
-              <a:buNone/>
-            </a:pPr>
+              <a:t> index = 0</a:t>
+            </a:r>
+            <a:r>
+              <a:rPr lang="en-US" sz="1600" dirty="0" smtClean="0">
+                <a:solidFill>
+                  <a:schemeClr val="bg1"/>
+                </a:solidFill>
+                <a:latin typeface="Courier New" panose="02070309020205020404" pitchFamily="49" charset="0"/>
+                <a:cs typeface="Courier New" panose="02070309020205020404" pitchFamily="49" charset="0"/>
+              </a:rPr>
+              <a:t>;</a:t>
+            </a:r>
             <a:endParaRPr lang="en-US" sz="1600" dirty="0">
               <a:solidFill>
                 <a:schemeClr val="bg1"/>
@@ -12780,6 +13278,18 @@
             <a:pPr marL="0" indent="0">
               <a:buNone/>
             </a:pPr>
+            <a:endParaRPr lang="en-US" sz="1600" dirty="0">
+              <a:solidFill>
+                <a:schemeClr val="bg1"/>
+              </a:solidFill>
+              <a:latin typeface="Courier New" panose="02070309020205020404" pitchFamily="49" charset="0"/>
+              <a:cs typeface="Courier New" panose="02070309020205020404" pitchFamily="49" charset="0"/>
+            </a:endParaRPr>
+          </a:p>
+          <a:p>
+            <a:pPr marL="0" indent="0">
+              <a:buNone/>
+            </a:pPr>
             <a:r>
               <a:rPr lang="en-US" sz="1600" dirty="0">
                 <a:solidFill>
@@ -12903,7 +13413,47 @@
                 <a:latin typeface="Courier New" panose="02070309020205020404" pitchFamily="49" charset="0"/>
                 <a:cs typeface="Courier New" panose="02070309020205020404" pitchFamily="49" charset="0"/>
               </a:rPr>
-              <a:t> j = 0; j &lt;= columns; </a:t>
+              <a:t> </a:t>
+            </a:r>
+            <a:r>
+              <a:rPr lang="en-US" sz="1600" dirty="0" smtClean="0">
+                <a:solidFill>
+                  <a:schemeClr val="bg1"/>
+                </a:solidFill>
+                <a:latin typeface="Courier New" panose="02070309020205020404" pitchFamily="49" charset="0"/>
+                <a:cs typeface="Courier New" panose="02070309020205020404" pitchFamily="49" charset="0"/>
+              </a:rPr>
+              <a:t>j </a:t>
+            </a:r>
+            <a:r>
+              <a:rPr lang="en-US" sz="1600" dirty="0">
+                <a:solidFill>
+                  <a:schemeClr val="bg1"/>
+                </a:solidFill>
+                <a:latin typeface="Courier New" panose="02070309020205020404" pitchFamily="49" charset="0"/>
+                <a:cs typeface="Courier New" panose="02070309020205020404" pitchFamily="49" charset="0"/>
+              </a:rPr>
+              <a:t>= 0; </a:t>
+            </a:r>
+            <a:r>
+              <a:rPr lang="en-US" sz="1600" dirty="0" smtClean="0">
+                <a:solidFill>
+                  <a:schemeClr val="bg1"/>
+                </a:solidFill>
+                <a:latin typeface="Courier New" panose="02070309020205020404" pitchFamily="49" charset="0"/>
+                <a:cs typeface="Courier New" panose="02070309020205020404" pitchFamily="49" charset="0"/>
+              </a:rPr>
+              <a:t>j </a:t>
+            </a:r>
+            <a:r>
+              <a:rPr lang="en-US" sz="1600" dirty="0">
+                <a:solidFill>
+                  <a:schemeClr val="bg1"/>
+                </a:solidFill>
+                <a:latin typeface="Courier New" panose="02070309020205020404" pitchFamily="49" charset="0"/>
+                <a:cs typeface="Courier New" panose="02070309020205020404" pitchFamily="49" charset="0"/>
+              </a:rPr>
+              <a:t>&lt;= columns; </a:t>
             </a:r>
             <a:r>
               <a:rPr lang="en-US" sz="1600" dirty="0" err="1">
@@ -12958,15 +13508,40 @@
                 <a:latin typeface="Courier New" panose="02070309020205020404" pitchFamily="49" charset="0"/>
                 <a:cs typeface="Courier New" panose="02070309020205020404" pitchFamily="49" charset="0"/>
               </a:rPr>
-              <a:t>*j;</a:t>
-            </a:r>
-          </a:p>
-          <a:p>
-            <a:pPr marL="0" indent="0">
-              <a:buNone/>
-            </a:pPr>
-            <a:r>
-              <a:rPr lang="en-US" sz="1600" dirty="0">
+              <a:t>*j</a:t>
+            </a:r>
+            <a:r>
+              <a:rPr lang="en-US" sz="1600" dirty="0" smtClean="0">
+                <a:solidFill>
+                  <a:schemeClr val="bg1"/>
+                </a:solidFill>
+                <a:latin typeface="Courier New" panose="02070309020205020404" pitchFamily="49" charset="0"/>
+                <a:cs typeface="Courier New" panose="02070309020205020404" pitchFamily="49" charset="0"/>
+              </a:rPr>
+              <a:t>;</a:t>
+            </a:r>
+          </a:p>
+          <a:p>
+            <a:pPr marL="0" indent="0">
+              <a:buNone/>
+            </a:pPr>
+            <a:r>
+              <a:rPr lang="en-US" sz="1600" dirty="0" smtClean="0">
+                <a:solidFill>
+                  <a:schemeClr val="bg1"/>
+                </a:solidFill>
+                <a:latin typeface="Courier New" panose="02070309020205020404" pitchFamily="49" charset="0"/>
+                <a:cs typeface="Courier New" panose="02070309020205020404" pitchFamily="49" charset="0"/>
+              </a:rPr>
+              <a:t>		console.log(index);</a:t>
+            </a:r>
+          </a:p>
+          <a:p>
+            <a:pPr marL="0" indent="0">
+              <a:buNone/>
+            </a:pPr>
+            <a:r>
+              <a:rPr lang="en-US" sz="1600" dirty="0" smtClean="0">
                 <a:solidFill>
                   <a:schemeClr val="bg1"/>
                 </a:solidFill>
@@ -12981,7 +13556,7 @@
               <a:buNone/>
             </a:pPr>
             <a:r>
-              <a:rPr lang="en-US" sz="1600" dirty="0">
+              <a:rPr lang="en-US" sz="1600" dirty="0" smtClean="0">
                 <a:solidFill>
                   <a:schemeClr val="bg1"/>
                 </a:solidFill>
@@ -12990,6 +13565,13 @@
               </a:rPr>
               <a:t>}</a:t>
             </a:r>
+            <a:endParaRPr lang="en-US" sz="1600" dirty="0">
+              <a:solidFill>
+                <a:schemeClr val="bg1"/>
+              </a:solidFill>
+              <a:latin typeface="Courier New" panose="02070309020205020404" pitchFamily="49" charset="0"/>
+              <a:cs typeface="Courier New" panose="02070309020205020404" pitchFamily="49" charset="0"/>
+            </a:endParaRPr>
           </a:p>
           <a:p>
             <a:pPr marL="0" indent="0">
@@ -13570,8 +14152,14 @@
                 </a:solidFill>
                 <a:cs typeface="Courier New" panose="02070309020205020404" pitchFamily="49" charset="0"/>
               </a:rPr>
-              <a:t>Сравнителни оператори</a:t>
-            </a:r>
+              <a:t>Логически оператори</a:t>
+            </a:r>
+            <a:endParaRPr lang="bg-BG" sz="2500" dirty="0" smtClean="0">
+              <a:solidFill>
+                <a:schemeClr val="bg1"/>
+              </a:solidFill>
+              <a:cs typeface="Courier New" panose="02070309020205020404" pitchFamily="49" charset="0"/>
+            </a:endParaRPr>
           </a:p>
           <a:p>
             <a:pPr marL="0" indent="0">
@@ -17838,7 +18426,42 @@
                 <a:latin typeface="Courier New" panose="02070309020205020404" pitchFamily="49" charset="0"/>
                 <a:cs typeface="Courier New" panose="02070309020205020404" pitchFamily="49" charset="0"/>
               </a:rPr>
-              <a:t>&lt;html&gt;&lt;head&gt;</a:t>
+              <a:t>&lt;html</a:t>
+            </a:r>
+            <a:r>
+              <a:rPr lang="en-US" sz="1800" dirty="0" smtClean="0">
+                <a:solidFill>
+                  <a:schemeClr val="bg1"/>
+                </a:solidFill>
+                <a:latin typeface="Courier New" panose="02070309020205020404" pitchFamily="49" charset="0"/>
+                <a:cs typeface="Courier New" panose="02070309020205020404" pitchFamily="49" charset="0"/>
+              </a:rPr>
+              <a:t>&gt;</a:t>
+            </a:r>
+          </a:p>
+          <a:p>
+            <a:pPr marL="0" indent="0">
+              <a:buNone/>
+            </a:pPr>
+            <a:r>
+              <a:rPr lang="en-US" sz="1800" dirty="0" smtClean="0">
+                <a:solidFill>
+                  <a:schemeClr val="bg1"/>
+                </a:solidFill>
+                <a:latin typeface="Courier New" panose="02070309020205020404" pitchFamily="49" charset="0"/>
+                <a:cs typeface="Courier New" panose="02070309020205020404" pitchFamily="49" charset="0"/>
+              </a:rPr>
+              <a:t>&lt;</a:t>
+            </a:r>
+            <a:r>
+              <a:rPr lang="en-US" sz="1800" dirty="0">
+                <a:solidFill>
+                  <a:schemeClr val="bg1"/>
+                </a:solidFill>
+                <a:latin typeface="Courier New" panose="02070309020205020404" pitchFamily="49" charset="0"/>
+                <a:cs typeface="Courier New" panose="02070309020205020404" pitchFamily="49" charset="0"/>
+              </a:rPr>
+              <a:t>head&gt;</a:t>
             </a:r>
             <a:br>
               <a:rPr lang="en-US" sz="1800" dirty="0">
@@ -18843,7 +19466,7 @@
                 <a:latin typeface="+mj-lt"/>
                 <a:cs typeface="Courier New" panose="02070309020205020404" pitchFamily="49" charset="0"/>
               </a:rPr>
-              <a:t>Display </a:t>
+              <a:t>Console.log</a:t>
             </a:r>
           </a:p>
           <a:p>
@@ -18859,8 +19482,15 @@
                 <a:latin typeface="+mj-lt"/>
                 <a:cs typeface="Courier New" panose="02070309020205020404" pitchFamily="49" charset="0"/>
               </a:rPr>
-              <a:t>Console.log</a:t>
-            </a:r>
+              <a:t>Alert;</a:t>
+            </a:r>
+            <a:endParaRPr lang="en-US" sz="2500" dirty="0" smtClean="0">
+              <a:solidFill>
+                <a:schemeClr val="bg1"/>
+              </a:solidFill>
+              <a:latin typeface="+mj-lt"/>
+              <a:cs typeface="Courier New" panose="02070309020205020404" pitchFamily="49" charset="0"/>
+            </a:endParaRPr>
           </a:p>
           <a:p>
             <a:pPr>

--- a/10-JavaScript-Basics.pptx
+++ b/10-JavaScript-Basics.pptx
@@ -5,7 +5,7 @@
     <p:sldMasterId id="2147483648" r:id="rId1"/>
   </p:sldMasterIdLst>
   <p:notesMasterIdLst>
-    <p:notesMasterId r:id="rId48"/>
+    <p:notesMasterId r:id="rId60"/>
   </p:notesMasterIdLst>
   <p:sldIdLst>
     <p:sldId id="256" r:id="rId2"/>
@@ -51,9 +51,21 @@
     <p:sldId id="330" r:id="rId42"/>
     <p:sldId id="331" r:id="rId43"/>
     <p:sldId id="332" r:id="rId44"/>
-    <p:sldId id="265" r:id="rId45"/>
-    <p:sldId id="269" r:id="rId46"/>
-    <p:sldId id="333" r:id="rId47"/>
+    <p:sldId id="334" r:id="rId45"/>
+    <p:sldId id="335" r:id="rId46"/>
+    <p:sldId id="336" r:id="rId47"/>
+    <p:sldId id="337" r:id="rId48"/>
+    <p:sldId id="338" r:id="rId49"/>
+    <p:sldId id="339" r:id="rId50"/>
+    <p:sldId id="340" r:id="rId51"/>
+    <p:sldId id="341" r:id="rId52"/>
+    <p:sldId id="342" r:id="rId53"/>
+    <p:sldId id="343" r:id="rId54"/>
+    <p:sldId id="344" r:id="rId55"/>
+    <p:sldId id="265" r:id="rId56"/>
+    <p:sldId id="269" r:id="rId57"/>
+    <p:sldId id="333" r:id="rId58"/>
+    <p:sldId id="345" r:id="rId59"/>
   </p:sldIdLst>
   <p:sldSz cx="9144000" cy="6858000" type="screen4x3"/>
   <p:notesSz cx="6858000" cy="9144000"/>
@@ -265,7 +277,7 @@
           <a:p>
             <a:fld id="{2E054F57-E93D-4CC3-8A27-2F256E70BB98}" type="datetimeFigureOut">
               <a:rPr lang="en-US" smtClean="0"/>
-              <a:t>26 Aug 15</a:t>
+              <a:t>27 Aug 15</a:t>
             </a:fld>
             <a:endParaRPr lang="en-US"/>
           </a:p>
@@ -714,7 +726,7 @@
           <a:p>
             <a:fld id="{3EA744D9-3FBE-48D8-BF2A-85DF203E4D20}" type="datetimeFigureOut">
               <a:rPr lang="bg-BG" smtClean="0"/>
-              <a:t>26.8.2015 г.</a:t>
+              <a:t>27.8.2015 г.</a:t>
             </a:fld>
             <a:endParaRPr lang="bg-BG"/>
           </a:p>
@@ -884,7 +896,7 @@
           <a:p>
             <a:fld id="{3EA744D9-3FBE-48D8-BF2A-85DF203E4D20}" type="datetimeFigureOut">
               <a:rPr lang="bg-BG" smtClean="0"/>
-              <a:t>26.8.2015 г.</a:t>
+              <a:t>27.8.2015 г.</a:t>
             </a:fld>
             <a:endParaRPr lang="bg-BG"/>
           </a:p>
@@ -1064,7 +1076,7 @@
           <a:p>
             <a:fld id="{3EA744D9-3FBE-48D8-BF2A-85DF203E4D20}" type="datetimeFigureOut">
               <a:rPr lang="bg-BG" smtClean="0"/>
-              <a:t>26.8.2015 г.</a:t>
+              <a:t>27.8.2015 г.</a:t>
             </a:fld>
             <a:endParaRPr lang="bg-BG"/>
           </a:p>
@@ -1234,7 +1246,7 @@
           <a:p>
             <a:fld id="{3EA744D9-3FBE-48D8-BF2A-85DF203E4D20}" type="datetimeFigureOut">
               <a:rPr lang="bg-BG" smtClean="0"/>
-              <a:t>26.8.2015 г.</a:t>
+              <a:t>27.8.2015 г.</a:t>
             </a:fld>
             <a:endParaRPr lang="bg-BG"/>
           </a:p>
@@ -1480,7 +1492,7 @@
           <a:p>
             <a:fld id="{3EA744D9-3FBE-48D8-BF2A-85DF203E4D20}" type="datetimeFigureOut">
               <a:rPr lang="bg-BG" smtClean="0"/>
-              <a:t>26.8.2015 г.</a:t>
+              <a:t>27.8.2015 г.</a:t>
             </a:fld>
             <a:endParaRPr lang="bg-BG"/>
           </a:p>
@@ -1768,7 +1780,7 @@
           <a:p>
             <a:fld id="{3EA744D9-3FBE-48D8-BF2A-85DF203E4D20}" type="datetimeFigureOut">
               <a:rPr lang="bg-BG" smtClean="0"/>
-              <a:t>26.8.2015 г.</a:t>
+              <a:t>27.8.2015 г.</a:t>
             </a:fld>
             <a:endParaRPr lang="bg-BG"/>
           </a:p>
@@ -2190,7 +2202,7 @@
           <a:p>
             <a:fld id="{3EA744D9-3FBE-48D8-BF2A-85DF203E4D20}" type="datetimeFigureOut">
               <a:rPr lang="bg-BG" smtClean="0"/>
-              <a:t>26.8.2015 г.</a:t>
+              <a:t>27.8.2015 г.</a:t>
             </a:fld>
             <a:endParaRPr lang="bg-BG"/>
           </a:p>
@@ -2308,7 +2320,7 @@
           <a:p>
             <a:fld id="{3EA744D9-3FBE-48D8-BF2A-85DF203E4D20}" type="datetimeFigureOut">
               <a:rPr lang="bg-BG" smtClean="0"/>
-              <a:t>26.8.2015 г.</a:t>
+              <a:t>27.8.2015 г.</a:t>
             </a:fld>
             <a:endParaRPr lang="bg-BG"/>
           </a:p>
@@ -2403,7 +2415,7 @@
           <a:p>
             <a:fld id="{3EA744D9-3FBE-48D8-BF2A-85DF203E4D20}" type="datetimeFigureOut">
               <a:rPr lang="bg-BG" smtClean="0"/>
-              <a:t>26.8.2015 г.</a:t>
+              <a:t>27.8.2015 г.</a:t>
             </a:fld>
             <a:endParaRPr lang="bg-BG"/>
           </a:p>
@@ -2680,7 +2692,7 @@
           <a:p>
             <a:fld id="{3EA744D9-3FBE-48D8-BF2A-85DF203E4D20}" type="datetimeFigureOut">
               <a:rPr lang="bg-BG" smtClean="0"/>
-              <a:t>26.8.2015 г.</a:t>
+              <a:t>27.8.2015 г.</a:t>
             </a:fld>
             <a:endParaRPr lang="bg-BG"/>
           </a:p>
@@ -2933,7 +2945,7 @@
           <a:p>
             <a:fld id="{3EA744D9-3FBE-48D8-BF2A-85DF203E4D20}" type="datetimeFigureOut">
               <a:rPr lang="bg-BG" smtClean="0"/>
-              <a:t>26.8.2015 г.</a:t>
+              <a:t>27.8.2015 г.</a:t>
             </a:fld>
             <a:endParaRPr lang="bg-BG"/>
           </a:p>
@@ -3155,7 +3167,7 @@
           <a:p>
             <a:fld id="{3EA744D9-3FBE-48D8-BF2A-85DF203E4D20}" type="datetimeFigureOut">
               <a:rPr lang="bg-BG" smtClean="0"/>
-              <a:t>26.8.2015 г.</a:t>
+              <a:t>27.8.2015 г.</a:t>
             </a:fld>
             <a:endParaRPr lang="bg-BG"/>
           </a:p>
@@ -4533,25 +4545,8 @@
                 <a:latin typeface="Courier New" panose="02070309020205020404" pitchFamily="49" charset="0"/>
                 <a:cs typeface="Courier New" panose="02070309020205020404" pitchFamily="49" charset="0"/>
               </a:rPr>
-              <a:t> = </a:t>
-            </a:r>
-            <a:r>
-              <a:rPr lang="en-US" sz="1500" dirty="0" smtClean="0">
-                <a:solidFill>
-                  <a:schemeClr val="bg1"/>
-                </a:solidFill>
-                <a:latin typeface="Courier New" panose="02070309020205020404" pitchFamily="49" charset="0"/>
-                <a:cs typeface="Courier New" panose="02070309020205020404" pitchFamily="49" charset="0"/>
-              </a:rPr>
-              <a:t>-9007199254740992</a:t>
-            </a:r>
-            <a:endParaRPr lang="en-US" sz="1500" dirty="0" smtClean="0">
-              <a:solidFill>
-                <a:schemeClr val="bg1"/>
-              </a:solidFill>
-              <a:latin typeface="Courier New" panose="02070309020205020404" pitchFamily="49" charset="0"/>
-              <a:cs typeface="Courier New" panose="02070309020205020404" pitchFamily="49" charset="0"/>
-            </a:endParaRPr>
+              <a:t> = -9007199254740992</a:t>
+            </a:r>
           </a:p>
           <a:p>
             <a:pPr marL="0" indent="0">
@@ -4836,37 +4831,7 @@
                 <a:latin typeface="Courier New" panose="02070309020205020404" pitchFamily="49" charset="0"/>
                 <a:cs typeface="Courier New" panose="02070309020205020404" pitchFamily="49" charset="0"/>
               </a:rPr>
-              <a:t> </a:t>
-            </a:r>
-            <a:r>
-              <a:rPr lang="en-US" sz="1500" dirty="0" smtClean="0">
-                <a:solidFill>
-                  <a:schemeClr val="bg1"/>
-                </a:solidFill>
-                <a:latin typeface="Courier New" panose="02070309020205020404" pitchFamily="49" charset="0"/>
-                <a:cs typeface="Courier New" panose="02070309020205020404" pitchFamily="49" charset="0"/>
-              </a:rPr>
-              <a:t>= </a:t>
-            </a:r>
-            <a:r>
-              <a:rPr lang="en-US" sz="1500" dirty="0" smtClean="0">
-                <a:solidFill>
-                  <a:schemeClr val="bg1"/>
-                </a:solidFill>
-                <a:latin typeface="Courier New" panose="02070309020205020404" pitchFamily="49" charset="0"/>
-                <a:cs typeface="Courier New" panose="02070309020205020404" pitchFamily="49" charset="0"/>
-              </a:rPr>
-              <a:t>11.75</a:t>
-            </a:r>
-            <a:r>
-              <a:rPr lang="en-US" sz="1500" dirty="0" smtClean="0">
-                <a:solidFill>
-                  <a:schemeClr val="bg1"/>
-                </a:solidFill>
-                <a:latin typeface="Courier New" panose="02070309020205020404" pitchFamily="49" charset="0"/>
-                <a:cs typeface="Courier New" panose="02070309020205020404" pitchFamily="49" charset="0"/>
-              </a:rPr>
-              <a:t>;</a:t>
+              <a:t> = 11.75;</a:t>
             </a:r>
           </a:p>
           <a:p>
@@ -5736,9 +5701,71 @@
                 <a:latin typeface="Courier New" panose="02070309020205020404" pitchFamily="49" charset="0"/>
                 <a:cs typeface="Courier New" panose="02070309020205020404" pitchFamily="49" charset="0"/>
               </a:rPr>
+              <a:t> colleagues = ‘asd20’;</a:t>
+            </a:r>
+          </a:p>
+          <a:p>
+            <a:pPr marL="0" indent="0">
+              <a:buNone/>
+            </a:pPr>
+            <a:r>
+              <a:rPr lang="en-US" sz="2000" dirty="0" smtClean="0">
+                <a:solidFill>
+                  <a:schemeClr val="bg1"/>
+                </a:solidFill>
+                <a:latin typeface="Courier New" panose="02070309020205020404" pitchFamily="49" charset="0"/>
+                <a:cs typeface="Courier New" panose="02070309020205020404" pitchFamily="49" charset="0"/>
+              </a:rPr>
+              <a:t>colleagues = 20;</a:t>
+            </a:r>
+          </a:p>
+          <a:p>
+            <a:pPr marL="0" indent="0">
+              <a:buNone/>
+            </a:pPr>
+            <a:endParaRPr lang="en-US" sz="2000" dirty="0">
+              <a:solidFill>
+                <a:schemeClr val="bg1"/>
+              </a:solidFill>
+              <a:latin typeface="Courier New" panose="02070309020205020404" pitchFamily="49" charset="0"/>
+              <a:cs typeface="Courier New" panose="02070309020205020404" pitchFamily="49" charset="0"/>
+            </a:endParaRPr>
+          </a:p>
+          <a:p>
+            <a:pPr marL="0" indent="0">
+              <a:buNone/>
+            </a:pPr>
+            <a:r>
+              <a:rPr lang="en-US" sz="2000" dirty="0" err="1" smtClean="0">
+                <a:solidFill>
+                  <a:schemeClr val="bg1"/>
+                </a:solidFill>
+                <a:latin typeface="Courier New" panose="02070309020205020404" pitchFamily="49" charset="0"/>
+                <a:cs typeface="Courier New" panose="02070309020205020404" pitchFamily="49" charset="0"/>
+              </a:rPr>
+              <a:t>var</a:t>
+            </a:r>
+            <a:r>
+              <a:rPr lang="en-US" sz="2000" dirty="0" smtClean="0">
+                <a:solidFill>
+                  <a:schemeClr val="bg1"/>
+                </a:solidFill>
+                <a:latin typeface="Courier New" panose="02070309020205020404" pitchFamily="49" charset="0"/>
+                <a:cs typeface="Courier New" panose="02070309020205020404" pitchFamily="49" charset="0"/>
+              </a:rPr>
               <a:t> </a:t>
             </a:r>
             <a:r>
+              <a:rPr lang="en-US" sz="2000" dirty="0" err="1" smtClean="0">
+                <a:solidFill>
+                  <a:schemeClr val="bg1"/>
+                </a:solidFill>
+                <a:latin typeface="Courier New" panose="02070309020205020404" pitchFamily="49" charset="0"/>
+                <a:cs typeface="Courier New" panose="02070309020205020404" pitchFamily="49" charset="0"/>
+              </a:rPr>
+              <a:t>firstVar</a:t>
+            </a:r>
+            <a:r>
               <a:rPr lang="en-US" sz="2000" dirty="0" smtClean="0">
                 <a:solidFill>
                   <a:schemeClr val="bg1"/>
@@ -5746,8 +5773,188 @@
                 <a:latin typeface="Courier New" panose="02070309020205020404" pitchFamily="49" charset="0"/>
                 <a:cs typeface="Courier New" panose="02070309020205020404" pitchFamily="49" charset="0"/>
               </a:rPr>
-              <a:t>colleagues = ‘asd20’;</a:t>
-            </a:r>
+              <a:t> = 50;</a:t>
+            </a:r>
+          </a:p>
+          <a:p>
+            <a:pPr marL="0" indent="0">
+              <a:buNone/>
+            </a:pPr>
+            <a:r>
+              <a:rPr lang="en-US" sz="2000" dirty="0" err="1" smtClean="0">
+                <a:solidFill>
+                  <a:schemeClr val="bg1"/>
+                </a:solidFill>
+                <a:latin typeface="Courier New" panose="02070309020205020404" pitchFamily="49" charset="0"/>
+                <a:cs typeface="Courier New" panose="02070309020205020404" pitchFamily="49" charset="0"/>
+              </a:rPr>
+              <a:t>var</a:t>
+            </a:r>
+            <a:r>
+              <a:rPr lang="en-US" sz="2000" dirty="0" smtClean="0">
+                <a:solidFill>
+                  <a:schemeClr val="bg1"/>
+                </a:solidFill>
+                <a:latin typeface="Courier New" panose="02070309020205020404" pitchFamily="49" charset="0"/>
+                <a:cs typeface="Courier New" panose="02070309020205020404" pitchFamily="49" charset="0"/>
+              </a:rPr>
+              <a:t> </a:t>
+            </a:r>
+            <a:r>
+              <a:rPr lang="en-US" sz="2000" dirty="0" err="1" smtClean="0">
+                <a:solidFill>
+                  <a:schemeClr val="bg1"/>
+                </a:solidFill>
+                <a:latin typeface="Courier New" panose="02070309020205020404" pitchFamily="49" charset="0"/>
+                <a:cs typeface="Courier New" panose="02070309020205020404" pitchFamily="49" charset="0"/>
+              </a:rPr>
+              <a:t>secondVar</a:t>
+            </a:r>
+            <a:r>
+              <a:rPr lang="en-US" sz="2000" dirty="0" smtClean="0">
+                <a:solidFill>
+                  <a:schemeClr val="bg1"/>
+                </a:solidFill>
+                <a:latin typeface="Courier New" panose="02070309020205020404" pitchFamily="49" charset="0"/>
+                <a:cs typeface="Courier New" panose="02070309020205020404" pitchFamily="49" charset="0"/>
+              </a:rPr>
+              <a:t> = 0;</a:t>
+            </a:r>
+          </a:p>
+          <a:p>
+            <a:pPr marL="0" indent="0">
+              <a:buNone/>
+            </a:pPr>
+            <a:r>
+              <a:rPr lang="en-US" sz="2000" dirty="0" err="1" smtClean="0">
+                <a:solidFill>
+                  <a:schemeClr val="bg1"/>
+                </a:solidFill>
+                <a:latin typeface="Courier New" panose="02070309020205020404" pitchFamily="49" charset="0"/>
+                <a:cs typeface="Courier New" panose="02070309020205020404" pitchFamily="49" charset="0"/>
+              </a:rPr>
+              <a:t>secondVar</a:t>
+            </a:r>
+            <a:r>
+              <a:rPr lang="en-US" sz="2000" dirty="0" smtClean="0">
+                <a:solidFill>
+                  <a:schemeClr val="bg1"/>
+                </a:solidFill>
+                <a:latin typeface="Courier New" panose="02070309020205020404" pitchFamily="49" charset="0"/>
+                <a:cs typeface="Courier New" panose="02070309020205020404" pitchFamily="49" charset="0"/>
+              </a:rPr>
+              <a:t> = </a:t>
+            </a:r>
+            <a:r>
+              <a:rPr lang="en-US" sz="2000" dirty="0" err="1" smtClean="0">
+                <a:solidFill>
+                  <a:schemeClr val="bg1"/>
+                </a:solidFill>
+                <a:latin typeface="Courier New" panose="02070309020205020404" pitchFamily="49" charset="0"/>
+                <a:cs typeface="Courier New" panose="02070309020205020404" pitchFamily="49" charset="0"/>
+              </a:rPr>
+              <a:t>firstVar</a:t>
+            </a:r>
+            <a:r>
+              <a:rPr lang="en-US" sz="2000" dirty="0" smtClean="0">
+                <a:solidFill>
+                  <a:schemeClr val="bg1"/>
+                </a:solidFill>
+                <a:latin typeface="Courier New" panose="02070309020205020404" pitchFamily="49" charset="0"/>
+                <a:cs typeface="Courier New" panose="02070309020205020404" pitchFamily="49" charset="0"/>
+              </a:rPr>
+              <a:t>;</a:t>
+            </a:r>
+          </a:p>
+          <a:p>
+            <a:pPr marL="0" indent="0">
+              <a:buNone/>
+            </a:pPr>
+            <a:r>
+              <a:rPr lang="en-US" sz="2000" dirty="0" err="1" smtClean="0">
+                <a:solidFill>
+                  <a:schemeClr val="bg1"/>
+                </a:solidFill>
+                <a:latin typeface="Courier New" panose="02070309020205020404" pitchFamily="49" charset="0"/>
+                <a:cs typeface="Courier New" panose="02070309020205020404" pitchFamily="49" charset="0"/>
+              </a:rPr>
+              <a:t>var</a:t>
+            </a:r>
+            <a:r>
+              <a:rPr lang="en-US" sz="2000" dirty="0" smtClean="0">
+                <a:solidFill>
+                  <a:schemeClr val="bg1"/>
+                </a:solidFill>
+                <a:latin typeface="Courier New" panose="02070309020205020404" pitchFamily="49" charset="0"/>
+                <a:cs typeface="Courier New" panose="02070309020205020404" pitchFamily="49" charset="0"/>
+              </a:rPr>
+              <a:t> </a:t>
+            </a:r>
+            <a:r>
+              <a:rPr lang="en-US" sz="2000" dirty="0" err="1" smtClean="0">
+                <a:solidFill>
+                  <a:schemeClr val="bg1"/>
+                </a:solidFill>
+                <a:latin typeface="Courier New" panose="02070309020205020404" pitchFamily="49" charset="0"/>
+                <a:cs typeface="Courier New" panose="02070309020205020404" pitchFamily="49" charset="0"/>
+              </a:rPr>
+              <a:t>thirdVar</a:t>
+            </a:r>
+            <a:r>
+              <a:rPr lang="en-US" sz="2000" dirty="0" smtClean="0">
+                <a:solidFill>
+                  <a:schemeClr val="bg1"/>
+                </a:solidFill>
+                <a:latin typeface="Courier New" panose="02070309020205020404" pitchFamily="49" charset="0"/>
+                <a:cs typeface="Courier New" panose="02070309020205020404" pitchFamily="49" charset="0"/>
+              </a:rPr>
+              <a:t> = </a:t>
+            </a:r>
+            <a:r>
+              <a:rPr lang="en-US" sz="2000" dirty="0" err="1" smtClean="0">
+                <a:solidFill>
+                  <a:schemeClr val="bg1"/>
+                </a:solidFill>
+                <a:latin typeface="Courier New" panose="02070309020205020404" pitchFamily="49" charset="0"/>
+                <a:cs typeface="Courier New" panose="02070309020205020404" pitchFamily="49" charset="0"/>
+              </a:rPr>
+              <a:t>secondVar</a:t>
+            </a:r>
+            <a:r>
+              <a:rPr lang="en-US" sz="2000" dirty="0" smtClean="0">
+                <a:solidFill>
+                  <a:schemeClr val="bg1"/>
+                </a:solidFill>
+                <a:latin typeface="Courier New" panose="02070309020205020404" pitchFamily="49" charset="0"/>
+                <a:cs typeface="Courier New" panose="02070309020205020404" pitchFamily="49" charset="0"/>
+              </a:rPr>
+              <a:t> + </a:t>
+            </a:r>
+            <a:r>
+              <a:rPr lang="en-US" sz="2000" dirty="0" err="1" smtClean="0">
+                <a:solidFill>
+                  <a:schemeClr val="bg1"/>
+                </a:solidFill>
+                <a:latin typeface="Courier New" panose="02070309020205020404" pitchFamily="49" charset="0"/>
+                <a:cs typeface="Courier New" panose="02070309020205020404" pitchFamily="49" charset="0"/>
+              </a:rPr>
+              <a:t>firstVar</a:t>
+            </a:r>
+            <a:r>
+              <a:rPr lang="en-US" sz="2000" dirty="0" smtClean="0">
+                <a:solidFill>
+                  <a:schemeClr val="bg1"/>
+                </a:solidFill>
+                <a:latin typeface="Courier New" panose="02070309020205020404" pitchFamily="49" charset="0"/>
+                <a:cs typeface="Courier New" panose="02070309020205020404" pitchFamily="49" charset="0"/>
+              </a:rPr>
+              <a:t>;</a:t>
+            </a:r>
+          </a:p>
+          <a:p>
+            <a:pPr marL="0" indent="0">
+              <a:buNone/>
+            </a:pPr>
             <a:endParaRPr lang="en-US" sz="2000" dirty="0" smtClean="0">
               <a:solidFill>
                 <a:schemeClr val="bg1"/>
@@ -5761,6 +5968,16 @@
               <a:buNone/>
             </a:pPr>
             <a:r>
+              <a:rPr lang="en-US" sz="2000" dirty="0" err="1" smtClean="0">
+                <a:solidFill>
+                  <a:schemeClr val="bg1"/>
+                </a:solidFill>
+                <a:latin typeface="Courier New" panose="02070309020205020404" pitchFamily="49" charset="0"/>
+                <a:cs typeface="Courier New" panose="02070309020205020404" pitchFamily="49" charset="0"/>
+              </a:rPr>
+              <a:t>thirdVar</a:t>
+            </a:r>
+            <a:r>
               <a:rPr lang="en-US" sz="2000" dirty="0" smtClean="0">
                 <a:solidFill>
                   <a:schemeClr val="bg1"/>
@@ -5768,20 +5985,8 @@
                 <a:latin typeface="Courier New" panose="02070309020205020404" pitchFamily="49" charset="0"/>
                 <a:cs typeface="Courier New" panose="02070309020205020404" pitchFamily="49" charset="0"/>
               </a:rPr>
-              <a:t>colleagues = 20;</a:t>
-            </a:r>
-          </a:p>
-          <a:p>
-            <a:pPr marL="0" indent="0">
-              <a:buNone/>
-            </a:pPr>
-            <a:endParaRPr lang="en-US" sz="2000" dirty="0">
-              <a:solidFill>
-                <a:schemeClr val="bg1"/>
-              </a:solidFill>
-              <a:latin typeface="Courier New" panose="02070309020205020404" pitchFamily="49" charset="0"/>
-              <a:cs typeface="Courier New" panose="02070309020205020404" pitchFamily="49" charset="0"/>
-            </a:endParaRPr>
+              <a:t> // 100</a:t>
+            </a:r>
           </a:p>
           <a:p>
             <a:pPr marL="0" indent="0">
@@ -5795,7 +6000,7 @@
                 <a:latin typeface="Courier New" panose="02070309020205020404" pitchFamily="49" charset="0"/>
                 <a:cs typeface="Courier New" panose="02070309020205020404" pitchFamily="49" charset="0"/>
               </a:rPr>
-              <a:t>var</a:t>
+              <a:t>secondVar</a:t>
             </a:r>
             <a:r>
               <a:rPr lang="en-US" sz="2000" dirty="0" smtClean="0">
@@ -5805,8 +6010,13 @@
                 <a:latin typeface="Courier New" panose="02070309020205020404" pitchFamily="49" charset="0"/>
                 <a:cs typeface="Courier New" panose="02070309020205020404" pitchFamily="49" charset="0"/>
               </a:rPr>
-              <a:t> </a:t>
-            </a:r>
+              <a:t> // 50</a:t>
+            </a:r>
+          </a:p>
+          <a:p>
+            <a:pPr marL="0" indent="0">
+              <a:buNone/>
+            </a:pPr>
             <a:r>
               <a:rPr lang="en-US" sz="2000" dirty="0" err="1" smtClean="0">
                 <a:solidFill>
@@ -5825,303 +6035,7 @@
                 <a:latin typeface="Courier New" panose="02070309020205020404" pitchFamily="49" charset="0"/>
                 <a:cs typeface="Courier New" panose="02070309020205020404" pitchFamily="49" charset="0"/>
               </a:rPr>
-              <a:t> = 50;</a:t>
-            </a:r>
-          </a:p>
-          <a:p>
-            <a:pPr marL="0" indent="0">
-              <a:buNone/>
-            </a:pPr>
-            <a:r>
-              <a:rPr lang="en-US" sz="2000" dirty="0" err="1" smtClean="0">
-                <a:solidFill>
-                  <a:schemeClr val="bg1"/>
-                </a:solidFill>
-                <a:latin typeface="Courier New" panose="02070309020205020404" pitchFamily="49" charset="0"/>
-                <a:cs typeface="Courier New" panose="02070309020205020404" pitchFamily="49" charset="0"/>
-              </a:rPr>
-              <a:t>var</a:t>
-            </a:r>
-            <a:r>
-              <a:rPr lang="en-US" sz="2000" dirty="0" smtClean="0">
-                <a:solidFill>
-                  <a:schemeClr val="bg1"/>
-                </a:solidFill>
-                <a:latin typeface="Courier New" panose="02070309020205020404" pitchFamily="49" charset="0"/>
-                <a:cs typeface="Courier New" panose="02070309020205020404" pitchFamily="49" charset="0"/>
-              </a:rPr>
-              <a:t> </a:t>
-            </a:r>
-            <a:r>
-              <a:rPr lang="en-US" sz="2000" dirty="0" err="1" smtClean="0">
-                <a:solidFill>
-                  <a:schemeClr val="bg1"/>
-                </a:solidFill>
-                <a:latin typeface="Courier New" panose="02070309020205020404" pitchFamily="49" charset="0"/>
-                <a:cs typeface="Courier New" panose="02070309020205020404" pitchFamily="49" charset="0"/>
-              </a:rPr>
-              <a:t>secondVar</a:t>
-            </a:r>
-            <a:r>
-              <a:rPr lang="en-US" sz="2000" dirty="0" smtClean="0">
-                <a:solidFill>
-                  <a:schemeClr val="bg1"/>
-                </a:solidFill>
-                <a:latin typeface="Courier New" panose="02070309020205020404" pitchFamily="49" charset="0"/>
-                <a:cs typeface="Courier New" panose="02070309020205020404" pitchFamily="49" charset="0"/>
-              </a:rPr>
-              <a:t> = 0;</a:t>
-            </a:r>
-            <a:endParaRPr lang="en-US" sz="2000" dirty="0" smtClean="0">
-              <a:solidFill>
-                <a:schemeClr val="bg1"/>
-              </a:solidFill>
-              <a:latin typeface="Courier New" panose="02070309020205020404" pitchFamily="49" charset="0"/>
-              <a:cs typeface="Courier New" panose="02070309020205020404" pitchFamily="49" charset="0"/>
-            </a:endParaRPr>
-          </a:p>
-          <a:p>
-            <a:pPr marL="0" indent="0">
-              <a:buNone/>
-            </a:pPr>
-            <a:r>
-              <a:rPr lang="en-US" sz="2000" dirty="0" err="1" smtClean="0">
-                <a:solidFill>
-                  <a:schemeClr val="bg1"/>
-                </a:solidFill>
-                <a:latin typeface="Courier New" panose="02070309020205020404" pitchFamily="49" charset="0"/>
-                <a:cs typeface="Courier New" panose="02070309020205020404" pitchFamily="49" charset="0"/>
-              </a:rPr>
-              <a:t>secondVar</a:t>
-            </a:r>
-            <a:r>
-              <a:rPr lang="en-US" sz="2000" dirty="0" smtClean="0">
-                <a:solidFill>
-                  <a:schemeClr val="bg1"/>
-                </a:solidFill>
-                <a:latin typeface="Courier New" panose="02070309020205020404" pitchFamily="49" charset="0"/>
-                <a:cs typeface="Courier New" panose="02070309020205020404" pitchFamily="49" charset="0"/>
-              </a:rPr>
-              <a:t> = </a:t>
-            </a:r>
-            <a:r>
-              <a:rPr lang="en-US" sz="2000" dirty="0" err="1" smtClean="0">
-                <a:solidFill>
-                  <a:schemeClr val="bg1"/>
-                </a:solidFill>
-                <a:latin typeface="Courier New" panose="02070309020205020404" pitchFamily="49" charset="0"/>
-                <a:cs typeface="Courier New" panose="02070309020205020404" pitchFamily="49" charset="0"/>
-              </a:rPr>
-              <a:t>firstVar</a:t>
-            </a:r>
-            <a:r>
-              <a:rPr lang="en-US" sz="2000" dirty="0" smtClean="0">
-                <a:solidFill>
-                  <a:schemeClr val="bg1"/>
-                </a:solidFill>
-                <a:latin typeface="Courier New" panose="02070309020205020404" pitchFamily="49" charset="0"/>
-                <a:cs typeface="Courier New" panose="02070309020205020404" pitchFamily="49" charset="0"/>
-              </a:rPr>
-              <a:t>;</a:t>
-            </a:r>
-          </a:p>
-          <a:p>
-            <a:pPr marL="0" indent="0">
-              <a:buNone/>
-            </a:pPr>
-            <a:r>
-              <a:rPr lang="en-US" sz="2000" dirty="0" err="1" smtClean="0">
-                <a:solidFill>
-                  <a:schemeClr val="bg1"/>
-                </a:solidFill>
-                <a:latin typeface="Courier New" panose="02070309020205020404" pitchFamily="49" charset="0"/>
-                <a:cs typeface="Courier New" panose="02070309020205020404" pitchFamily="49" charset="0"/>
-              </a:rPr>
-              <a:t>var</a:t>
-            </a:r>
-            <a:r>
-              <a:rPr lang="en-US" sz="2000" dirty="0" smtClean="0">
-                <a:solidFill>
-                  <a:schemeClr val="bg1"/>
-                </a:solidFill>
-                <a:latin typeface="Courier New" panose="02070309020205020404" pitchFamily="49" charset="0"/>
-                <a:cs typeface="Courier New" panose="02070309020205020404" pitchFamily="49" charset="0"/>
-              </a:rPr>
-              <a:t> </a:t>
-            </a:r>
-            <a:r>
-              <a:rPr lang="en-US" sz="2000" dirty="0" err="1" smtClean="0">
-                <a:solidFill>
-                  <a:schemeClr val="bg1"/>
-                </a:solidFill>
-                <a:latin typeface="Courier New" panose="02070309020205020404" pitchFamily="49" charset="0"/>
-                <a:cs typeface="Courier New" panose="02070309020205020404" pitchFamily="49" charset="0"/>
-              </a:rPr>
-              <a:t>thirdVar</a:t>
-            </a:r>
-            <a:r>
-              <a:rPr lang="en-US" sz="2000" dirty="0" smtClean="0">
-                <a:solidFill>
-                  <a:schemeClr val="bg1"/>
-                </a:solidFill>
-                <a:latin typeface="Courier New" panose="02070309020205020404" pitchFamily="49" charset="0"/>
-                <a:cs typeface="Courier New" panose="02070309020205020404" pitchFamily="49" charset="0"/>
-              </a:rPr>
-              <a:t> = </a:t>
-            </a:r>
-            <a:r>
-              <a:rPr lang="en-US" sz="2000" dirty="0" err="1" smtClean="0">
-                <a:solidFill>
-                  <a:schemeClr val="bg1"/>
-                </a:solidFill>
-                <a:latin typeface="Courier New" panose="02070309020205020404" pitchFamily="49" charset="0"/>
-                <a:cs typeface="Courier New" panose="02070309020205020404" pitchFamily="49" charset="0"/>
-              </a:rPr>
-              <a:t>secondVar</a:t>
-            </a:r>
-            <a:r>
-              <a:rPr lang="en-US" sz="2000" dirty="0" smtClean="0">
-                <a:solidFill>
-                  <a:schemeClr val="bg1"/>
-                </a:solidFill>
-                <a:latin typeface="Courier New" panose="02070309020205020404" pitchFamily="49" charset="0"/>
-                <a:cs typeface="Courier New" panose="02070309020205020404" pitchFamily="49" charset="0"/>
-              </a:rPr>
-              <a:t> + </a:t>
-            </a:r>
-            <a:r>
-              <a:rPr lang="en-US" sz="2000" dirty="0" err="1" smtClean="0">
-                <a:solidFill>
-                  <a:schemeClr val="bg1"/>
-                </a:solidFill>
-                <a:latin typeface="Courier New" panose="02070309020205020404" pitchFamily="49" charset="0"/>
-                <a:cs typeface="Courier New" panose="02070309020205020404" pitchFamily="49" charset="0"/>
-              </a:rPr>
-              <a:t>firstVar</a:t>
-            </a:r>
-            <a:r>
-              <a:rPr lang="en-US" sz="2000" dirty="0" smtClean="0">
-                <a:solidFill>
-                  <a:schemeClr val="bg1"/>
-                </a:solidFill>
-                <a:latin typeface="Courier New" panose="02070309020205020404" pitchFamily="49" charset="0"/>
-                <a:cs typeface="Courier New" panose="02070309020205020404" pitchFamily="49" charset="0"/>
-              </a:rPr>
-              <a:t>;</a:t>
-            </a:r>
-          </a:p>
-          <a:p>
-            <a:pPr marL="0" indent="0">
-              <a:buNone/>
-            </a:pPr>
-            <a:endParaRPr lang="en-US" sz="2000" dirty="0" smtClean="0">
-              <a:solidFill>
-                <a:schemeClr val="bg1"/>
-              </a:solidFill>
-              <a:latin typeface="Courier New" panose="02070309020205020404" pitchFamily="49" charset="0"/>
-              <a:cs typeface="Courier New" panose="02070309020205020404" pitchFamily="49" charset="0"/>
-            </a:endParaRPr>
-          </a:p>
-          <a:p>
-            <a:pPr marL="0" indent="0">
-              <a:buNone/>
-            </a:pPr>
-            <a:r>
-              <a:rPr lang="en-US" sz="2000" dirty="0" err="1" smtClean="0">
-                <a:solidFill>
-                  <a:schemeClr val="bg1"/>
-                </a:solidFill>
-                <a:latin typeface="Courier New" panose="02070309020205020404" pitchFamily="49" charset="0"/>
-                <a:cs typeface="Courier New" panose="02070309020205020404" pitchFamily="49" charset="0"/>
-              </a:rPr>
-              <a:t>thirdVar</a:t>
-            </a:r>
-            <a:r>
-              <a:rPr lang="en-US" sz="2000" dirty="0" smtClean="0">
-                <a:solidFill>
-                  <a:schemeClr val="bg1"/>
-                </a:solidFill>
-                <a:latin typeface="Courier New" panose="02070309020205020404" pitchFamily="49" charset="0"/>
-                <a:cs typeface="Courier New" panose="02070309020205020404" pitchFamily="49" charset="0"/>
-              </a:rPr>
-              <a:t> // 100</a:t>
-            </a:r>
-          </a:p>
-          <a:p>
-            <a:pPr marL="0" indent="0">
-              <a:buNone/>
-            </a:pPr>
-            <a:r>
-              <a:rPr lang="en-US" sz="2000" dirty="0" err="1" smtClean="0">
-                <a:solidFill>
-                  <a:schemeClr val="bg1"/>
-                </a:solidFill>
-                <a:latin typeface="Courier New" panose="02070309020205020404" pitchFamily="49" charset="0"/>
-                <a:cs typeface="Courier New" panose="02070309020205020404" pitchFamily="49" charset="0"/>
-              </a:rPr>
-              <a:t>secondVar</a:t>
-            </a:r>
-            <a:r>
-              <a:rPr lang="en-US" sz="2000" dirty="0" smtClean="0">
-                <a:solidFill>
-                  <a:schemeClr val="bg1"/>
-                </a:solidFill>
-                <a:latin typeface="Courier New" panose="02070309020205020404" pitchFamily="49" charset="0"/>
-                <a:cs typeface="Courier New" panose="02070309020205020404" pitchFamily="49" charset="0"/>
-              </a:rPr>
-              <a:t> </a:t>
-            </a:r>
-            <a:r>
-              <a:rPr lang="en-US" sz="2000" dirty="0" smtClean="0">
-                <a:solidFill>
-                  <a:schemeClr val="bg1"/>
-                </a:solidFill>
-                <a:latin typeface="Courier New" panose="02070309020205020404" pitchFamily="49" charset="0"/>
-                <a:cs typeface="Courier New" panose="02070309020205020404" pitchFamily="49" charset="0"/>
-              </a:rPr>
-              <a:t>// 50</a:t>
-            </a:r>
-            <a:endParaRPr lang="en-US" sz="2000" dirty="0" smtClean="0">
-              <a:solidFill>
-                <a:schemeClr val="bg1"/>
-              </a:solidFill>
-              <a:latin typeface="Courier New" panose="02070309020205020404" pitchFamily="49" charset="0"/>
-              <a:cs typeface="Courier New" panose="02070309020205020404" pitchFamily="49" charset="0"/>
-            </a:endParaRPr>
-          </a:p>
-          <a:p>
-            <a:pPr marL="0" indent="0">
-              <a:buNone/>
-            </a:pPr>
-            <a:r>
-              <a:rPr lang="en-US" sz="2000" dirty="0" err="1" smtClean="0">
-                <a:solidFill>
-                  <a:schemeClr val="bg1"/>
-                </a:solidFill>
-                <a:latin typeface="Courier New" panose="02070309020205020404" pitchFamily="49" charset="0"/>
-                <a:cs typeface="Courier New" panose="02070309020205020404" pitchFamily="49" charset="0"/>
-              </a:rPr>
-              <a:t>firstVar</a:t>
-            </a:r>
-            <a:r>
-              <a:rPr lang="en-US" sz="2000" dirty="0" smtClean="0">
-                <a:solidFill>
-                  <a:schemeClr val="bg1"/>
-                </a:solidFill>
-                <a:latin typeface="Courier New" panose="02070309020205020404" pitchFamily="49" charset="0"/>
-                <a:cs typeface="Courier New" panose="02070309020205020404" pitchFamily="49" charset="0"/>
-              </a:rPr>
-              <a:t> // </a:t>
-            </a:r>
-            <a:r>
-              <a:rPr lang="en-US" sz="2000" dirty="0" smtClean="0">
-                <a:solidFill>
-                  <a:schemeClr val="bg1"/>
-                </a:solidFill>
-                <a:latin typeface="Courier New" panose="02070309020205020404" pitchFamily="49" charset="0"/>
-                <a:cs typeface="Courier New" panose="02070309020205020404" pitchFamily="49" charset="0"/>
-              </a:rPr>
-              <a:t>50</a:t>
+              <a:t> // 50</a:t>
             </a:r>
             <a:endParaRPr lang="bg-BG" sz="2000" dirty="0" smtClean="0">
               <a:solidFill>
@@ -7585,15 +7499,7 @@
                   <a:schemeClr val="bg1"/>
                 </a:solidFill>
               </a:rPr>
-              <a:t>			използван в уеб 					приложенията. Чрез 	него 				нашата уеб страница действа 			по желан от нас начин</a:t>
-            </a:r>
-            <a:r>
-              <a:rPr lang="bg-BG" dirty="0" smtClean="0">
-                <a:solidFill>
-                  <a:schemeClr val="bg1"/>
-                </a:solidFill>
-              </a:rPr>
-              <a:t>.</a:t>
+              <a:t>			използван в уеб 					приложенията. Чрез 	него 				нашата уеб страница действа 			по желан от нас начин.</a:t>
             </a:r>
             <a:endParaRPr lang="en-US" dirty="0" smtClean="0">
               <a:solidFill>
@@ -9577,17 +9483,7 @@
                 <a:latin typeface="Courier New" panose="02070309020205020404" pitchFamily="49" charset="0"/>
                 <a:cs typeface="Courier New" panose="02070309020205020404" pitchFamily="49" charset="0"/>
               </a:rPr>
-              <a:t>); // </a:t>
-            </a:r>
-            <a:r>
-              <a:rPr lang="pt-BR" dirty="0" smtClean="0">
-                <a:solidFill>
-                  <a:schemeClr val="bg1"/>
-                </a:solidFill>
-                <a:latin typeface="Courier New" panose="02070309020205020404" pitchFamily="49" charset="0"/>
-                <a:cs typeface="Courier New" panose="02070309020205020404" pitchFamily="49" charset="0"/>
-              </a:rPr>
-              <a:t>false</a:t>
+              <a:t>); // false</a:t>
             </a:r>
             <a:endParaRPr lang="bg-BG" dirty="0" smtClean="0">
               <a:solidFill>
@@ -9965,17 +9861,7 @@
                 <a:latin typeface="Courier New" panose="02070309020205020404" pitchFamily="49" charset="0"/>
                 <a:cs typeface="Courier New" panose="02070309020205020404" pitchFamily="49" charset="0"/>
               </a:rPr>
-              <a:t>console.log(z</a:t>
-            </a:r>
-            <a:r>
-              <a:rPr lang="es-ES" dirty="0" smtClean="0">
-                <a:solidFill>
-                  <a:schemeClr val="bg1"/>
-                </a:solidFill>
-                <a:latin typeface="Courier New" panose="02070309020205020404" pitchFamily="49" charset="0"/>
-                <a:cs typeface="Courier New" panose="02070309020205020404" pitchFamily="49" charset="0"/>
-              </a:rPr>
-              <a:t>);</a:t>
+              <a:t>console.log(z);</a:t>
             </a:r>
             <a:r>
               <a:rPr lang="bg-BG" dirty="0" smtClean="0">
@@ -9985,17 +9871,7 @@
                 <a:latin typeface="Courier New" panose="02070309020205020404" pitchFamily="49" charset="0"/>
                 <a:cs typeface="Courier New" panose="02070309020205020404" pitchFamily="49" charset="0"/>
               </a:rPr>
-              <a:t> // </a:t>
-            </a:r>
-            <a:r>
-              <a:rPr lang="bg-BG" dirty="0" smtClean="0">
-                <a:solidFill>
-                  <a:schemeClr val="bg1"/>
-                </a:solidFill>
-                <a:latin typeface="Courier New" panose="02070309020205020404" pitchFamily="49" charset="0"/>
-                <a:cs typeface="Courier New" panose="02070309020205020404" pitchFamily="49" charset="0"/>
-              </a:rPr>
-              <a:t>1</a:t>
+              <a:t> // 1</a:t>
             </a:r>
             <a:r>
               <a:rPr lang="en-US" dirty="0">
@@ -10072,8 +9948,10 @@
                 <a:latin typeface="Courier New" panose="02070309020205020404" pitchFamily="49" charset="0"/>
                 <a:cs typeface="Courier New" panose="02070309020205020404" pitchFamily="49" charset="0"/>
               </a:rPr>
-              <a:t>z </a:t>
-            </a:r>
+              <a:t>z += y;</a:t>
+            </a:r>
+          </a:p>
+          <a:p>
             <a:r>
               <a:rPr lang="en-US" dirty="0" smtClean="0">
                 <a:solidFill>
@@ -10082,49 +9960,7 @@
                 <a:latin typeface="Courier New" panose="02070309020205020404" pitchFamily="49" charset="0"/>
                 <a:cs typeface="Courier New" panose="02070309020205020404" pitchFamily="49" charset="0"/>
               </a:rPr>
-              <a:t>+= y</a:t>
-            </a:r>
-            <a:r>
-              <a:rPr lang="en-US" dirty="0" smtClean="0">
-                <a:solidFill>
-                  <a:schemeClr val="bg1"/>
-                </a:solidFill>
-                <a:latin typeface="Courier New" panose="02070309020205020404" pitchFamily="49" charset="0"/>
-                <a:cs typeface="Courier New" panose="02070309020205020404" pitchFamily="49" charset="0"/>
-              </a:rPr>
-              <a:t>;</a:t>
-            </a:r>
-          </a:p>
-          <a:p>
-            <a:r>
-              <a:rPr lang="en-US" dirty="0" smtClean="0">
-                <a:solidFill>
-                  <a:schemeClr val="bg1"/>
-                </a:solidFill>
-                <a:latin typeface="Courier New" panose="02070309020205020404" pitchFamily="49" charset="0"/>
-                <a:cs typeface="Courier New" panose="02070309020205020404" pitchFamily="49" charset="0"/>
-              </a:rPr>
-              <a:t>z </a:t>
-            </a:r>
-            <a:r>
-              <a:rPr lang="en-US" dirty="0" smtClean="0">
-                <a:solidFill>
-                  <a:schemeClr val="bg1"/>
-                </a:solidFill>
-                <a:latin typeface="Courier New" panose="02070309020205020404" pitchFamily="49" charset="0"/>
-                <a:cs typeface="Courier New" panose="02070309020205020404" pitchFamily="49" charset="0"/>
-              </a:rPr>
-              <a:t>-= x</a:t>
-            </a:r>
-            <a:r>
-              <a:rPr lang="en-US" dirty="0" smtClean="0">
-                <a:solidFill>
-                  <a:schemeClr val="bg1"/>
-                </a:solidFill>
-                <a:latin typeface="Courier New" panose="02070309020205020404" pitchFamily="49" charset="0"/>
-                <a:cs typeface="Courier New" panose="02070309020205020404" pitchFamily="49" charset="0"/>
-              </a:rPr>
-              <a:t>;</a:t>
+              <a:t>z -= x;</a:t>
             </a:r>
           </a:p>
           <a:p>
@@ -11184,13 +11020,6 @@
               </a:rPr>
               <a:t>or</a:t>
             </a:r>
-            <a:endParaRPr lang="en-US" sz="2500" dirty="0" smtClean="0">
-              <a:solidFill>
-                <a:schemeClr val="bg1"/>
-              </a:solidFill>
-              <a:latin typeface="+mj-lt"/>
-              <a:cs typeface="Courier New" panose="02070309020205020404" pitchFamily="49" charset="0"/>
-            </a:endParaRPr>
           </a:p>
         </p:txBody>
       </p:sp>
@@ -11386,17 +11215,7 @@
                 <a:latin typeface="Courier New" panose="02070309020205020404" pitchFamily="49" charset="0"/>
                 <a:cs typeface="Courier New" panose="02070309020205020404" pitchFamily="49" charset="0"/>
               </a:rPr>
-              <a:t>условие</a:t>
-            </a:r>
-            <a:r>
-              <a:rPr lang="bg-BG" sz="1500" dirty="0" smtClean="0">
-                <a:solidFill>
-                  <a:schemeClr val="bg1"/>
-                </a:solidFill>
-                <a:latin typeface="Courier New" panose="02070309020205020404" pitchFamily="49" charset="0"/>
-                <a:cs typeface="Courier New" panose="02070309020205020404" pitchFamily="49" charset="0"/>
-              </a:rPr>
-              <a:t>) </a:t>
+              <a:t>условие) </a:t>
             </a:r>
             <a:r>
               <a:rPr lang="en-US" sz="1500" dirty="0" smtClean="0">
@@ -11483,8 +11302,13 @@
                 <a:latin typeface="Courier New" panose="02070309020205020404" pitchFamily="49" charset="0"/>
                 <a:cs typeface="Courier New" panose="02070309020205020404" pitchFamily="49" charset="0"/>
               </a:rPr>
-              <a:t> age = </a:t>
-            </a:r>
+              <a:t> age = 18;</a:t>
+            </a:r>
+          </a:p>
+          <a:p>
+            <a:pPr marL="0" indent="0">
+              <a:buNone/>
+            </a:pPr>
             <a:r>
               <a:rPr lang="en-US" sz="1600" dirty="0" smtClean="0">
                 <a:solidFill>
@@ -11493,7 +11317,22 @@
                 <a:latin typeface="Courier New" panose="02070309020205020404" pitchFamily="49" charset="0"/>
                 <a:cs typeface="Courier New" panose="02070309020205020404" pitchFamily="49" charset="0"/>
               </a:rPr>
-              <a:t>18</a:t>
+              <a:t>while(age &lt; 18) {</a:t>
+            </a:r>
+          </a:p>
+          <a:p>
+            <a:pPr marL="0" indent="0">
+              <a:buNone/>
+            </a:pPr>
+            <a:r>
+              <a:rPr lang="en-US" sz="1600" dirty="0">
+                <a:solidFill>
+                  <a:schemeClr val="bg1"/>
+                </a:solidFill>
+                <a:latin typeface="Courier New" panose="02070309020205020404" pitchFamily="49" charset="0"/>
+                <a:cs typeface="Courier New" panose="02070309020205020404" pitchFamily="49" charset="0"/>
+              </a:rPr>
+              <a:t>	</a:t>
             </a:r>
             <a:r>
               <a:rPr lang="en-US" sz="1600" dirty="0" smtClean="0">
@@ -11503,15 +11342,18 @@
                 <a:latin typeface="Courier New" panose="02070309020205020404" pitchFamily="49" charset="0"/>
                 <a:cs typeface="Courier New" panose="02070309020205020404" pitchFamily="49" charset="0"/>
               </a:rPr>
-              <a:t>;</a:t>
-            </a:r>
-            <a:endParaRPr lang="en-US" sz="1600" dirty="0" smtClean="0">
-              <a:solidFill>
-                <a:schemeClr val="bg1"/>
-              </a:solidFill>
-              <a:latin typeface="Courier New" panose="02070309020205020404" pitchFamily="49" charset="0"/>
-              <a:cs typeface="Courier New" panose="02070309020205020404" pitchFamily="49" charset="0"/>
-            </a:endParaRPr>
+              <a:t>console.log(“</a:t>
+            </a:r>
+            <a:r>
+              <a:rPr lang="bg-BG" sz="1600" dirty="0" smtClean="0">
+                <a:solidFill>
+                  <a:schemeClr val="bg1"/>
+                </a:solidFill>
+                <a:latin typeface="Courier New" panose="02070309020205020404" pitchFamily="49" charset="0"/>
+                <a:cs typeface="Courier New" panose="02070309020205020404" pitchFamily="49" charset="0"/>
+              </a:rPr>
+              <a:t>Вие сте непълнолетен!“);</a:t>
+            </a:r>
           </a:p>
           <a:p>
             <a:pPr marL="0" indent="0">
@@ -11525,7 +11367,7 @@
                 <a:latin typeface="Courier New" panose="02070309020205020404" pitchFamily="49" charset="0"/>
                 <a:cs typeface="Courier New" panose="02070309020205020404" pitchFamily="49" charset="0"/>
               </a:rPr>
-              <a:t>while(age &lt; 18) {</a:t>
+              <a:t>	age++;</a:t>
             </a:r>
           </a:p>
           <a:p>
@@ -11543,6 +11385,16 @@
               <a:t>	</a:t>
             </a:r>
             <a:r>
+              <a:rPr lang="en-US" sz="1600" dirty="0" err="1" smtClean="0">
+                <a:solidFill>
+                  <a:schemeClr val="bg1"/>
+                </a:solidFill>
+                <a:latin typeface="Courier New" panose="02070309020205020404" pitchFamily="49" charset="0"/>
+                <a:cs typeface="Courier New" panose="02070309020205020404" pitchFamily="49" charset="0"/>
+              </a:rPr>
+              <a:t>porn.Hide</a:t>
+            </a:r>
+            <a:r>
               <a:rPr lang="en-US" sz="1600" dirty="0" smtClean="0">
                 <a:solidFill>
                   <a:schemeClr val="bg1"/>
@@ -11550,85 +11402,8 @@
                 <a:latin typeface="Courier New" panose="02070309020205020404" pitchFamily="49" charset="0"/>
                 <a:cs typeface="Courier New" panose="02070309020205020404" pitchFamily="49" charset="0"/>
               </a:rPr>
-              <a:t>console.log(“</a:t>
-            </a:r>
-            <a:r>
-              <a:rPr lang="bg-BG" sz="1600" dirty="0" smtClean="0">
-                <a:solidFill>
-                  <a:schemeClr val="bg1"/>
-                </a:solidFill>
-                <a:latin typeface="Courier New" panose="02070309020205020404" pitchFamily="49" charset="0"/>
-                <a:cs typeface="Courier New" panose="02070309020205020404" pitchFamily="49" charset="0"/>
-              </a:rPr>
-              <a:t>Вие сте непълнолетен!“);</a:t>
-            </a:r>
-          </a:p>
-          <a:p>
-            <a:pPr marL="0" indent="0">
-              <a:buNone/>
-            </a:pPr>
-            <a:r>
-              <a:rPr lang="en-US" sz="1600" dirty="0" smtClean="0">
-                <a:solidFill>
-                  <a:schemeClr val="bg1"/>
-                </a:solidFill>
-                <a:latin typeface="Courier New" panose="02070309020205020404" pitchFamily="49" charset="0"/>
-                <a:cs typeface="Courier New" panose="02070309020205020404" pitchFamily="49" charset="0"/>
-              </a:rPr>
-              <a:t>	age</a:t>
-            </a:r>
-            <a:r>
-              <a:rPr lang="en-US" sz="1600" dirty="0" smtClean="0">
-                <a:solidFill>
-                  <a:schemeClr val="bg1"/>
-                </a:solidFill>
-                <a:latin typeface="Courier New" panose="02070309020205020404" pitchFamily="49" charset="0"/>
-                <a:cs typeface="Courier New" panose="02070309020205020404" pitchFamily="49" charset="0"/>
-              </a:rPr>
-              <a:t>++;</a:t>
-            </a:r>
-          </a:p>
-          <a:p>
-            <a:pPr marL="0" indent="0">
-              <a:buNone/>
-            </a:pPr>
-            <a:r>
-              <a:rPr lang="en-US" sz="1600" dirty="0">
-                <a:solidFill>
-                  <a:schemeClr val="bg1"/>
-                </a:solidFill>
-                <a:latin typeface="Courier New" panose="02070309020205020404" pitchFamily="49" charset="0"/>
-                <a:cs typeface="Courier New" panose="02070309020205020404" pitchFamily="49" charset="0"/>
-              </a:rPr>
-              <a:t>	</a:t>
-            </a:r>
-            <a:r>
-              <a:rPr lang="en-US" sz="1600" dirty="0" err="1" smtClean="0">
-                <a:solidFill>
-                  <a:schemeClr val="bg1"/>
-                </a:solidFill>
-                <a:latin typeface="Courier New" panose="02070309020205020404" pitchFamily="49" charset="0"/>
-                <a:cs typeface="Courier New" panose="02070309020205020404" pitchFamily="49" charset="0"/>
-              </a:rPr>
-              <a:t>porn.Hide</a:t>
-            </a:r>
-            <a:r>
-              <a:rPr lang="en-US" sz="1600" dirty="0" smtClean="0">
-                <a:solidFill>
-                  <a:schemeClr val="bg1"/>
-                </a:solidFill>
-                <a:latin typeface="Courier New" panose="02070309020205020404" pitchFamily="49" charset="0"/>
-                <a:cs typeface="Courier New" panose="02070309020205020404" pitchFamily="49" charset="0"/>
-              </a:rPr>
               <a:t>();</a:t>
             </a:r>
-            <a:endParaRPr lang="en-US" sz="1600" dirty="0" smtClean="0">
-              <a:solidFill>
-                <a:schemeClr val="bg1"/>
-              </a:solidFill>
-              <a:latin typeface="Courier New" panose="02070309020205020404" pitchFamily="49" charset="0"/>
-              <a:cs typeface="Courier New" panose="02070309020205020404" pitchFamily="49" charset="0"/>
-            </a:endParaRPr>
           </a:p>
           <a:p>
             <a:pPr marL="0" indent="0">
@@ -11973,17 +11748,7 @@
                 <a:latin typeface="Courier New" panose="02070309020205020404" pitchFamily="49" charset="0"/>
                 <a:cs typeface="Courier New" panose="02070309020205020404" pitchFamily="49" charset="0"/>
               </a:rPr>
-              <a:t> age = </a:t>
-            </a:r>
-            <a:r>
-              <a:rPr lang="en-US" sz="1600" dirty="0" smtClean="0">
-                <a:solidFill>
-                  <a:schemeClr val="bg1"/>
-                </a:solidFill>
-                <a:latin typeface="Courier New" panose="02070309020205020404" pitchFamily="49" charset="0"/>
-                <a:cs typeface="Courier New" panose="02070309020205020404" pitchFamily="49" charset="0"/>
-              </a:rPr>
-              <a:t>0;</a:t>
+              <a:t> age = 0;</a:t>
             </a:r>
             <a:endParaRPr lang="bg-BG" sz="1600" dirty="0" smtClean="0">
               <a:solidFill>
@@ -12583,27 +12348,7 @@
                 <a:latin typeface="Courier New" panose="02070309020205020404" pitchFamily="49" charset="0"/>
                 <a:cs typeface="Courier New" panose="02070309020205020404" pitchFamily="49" charset="0"/>
               </a:rPr>
-              <a:t> age = </a:t>
-            </a:r>
-            <a:r>
-              <a:rPr lang="en-US" sz="1600" dirty="0" smtClean="0">
-                <a:solidFill>
-                  <a:schemeClr val="bg1"/>
-                </a:solidFill>
-                <a:latin typeface="Courier New" panose="02070309020205020404" pitchFamily="49" charset="0"/>
-                <a:cs typeface="Courier New" panose="02070309020205020404" pitchFamily="49" charset="0"/>
-              </a:rPr>
-              <a:t>0; </a:t>
-            </a:r>
-            <a:r>
-              <a:rPr lang="en-US" sz="1600" dirty="0" smtClean="0">
-                <a:solidFill>
-                  <a:schemeClr val="bg1"/>
-                </a:solidFill>
-                <a:latin typeface="Courier New" panose="02070309020205020404" pitchFamily="49" charset="0"/>
-                <a:cs typeface="Courier New" panose="02070309020205020404" pitchFamily="49" charset="0"/>
-              </a:rPr>
-              <a:t>age &lt; 18; age++) {</a:t>
+              <a:t> age = 0; age &lt; 18; age++) {</a:t>
             </a:r>
           </a:p>
           <a:p>
@@ -14154,12 +13899,6 @@
               </a:rPr>
               <a:t>Логически оператори</a:t>
             </a:r>
-            <a:endParaRPr lang="bg-BG" sz="2500" dirty="0" smtClean="0">
-              <a:solidFill>
-                <a:schemeClr val="bg1"/>
-              </a:solidFill>
-              <a:cs typeface="Courier New" panose="02070309020205020404" pitchFamily="49" charset="0"/>
-            </a:endParaRPr>
           </a:p>
           <a:p>
             <a:pPr marL="0" indent="0">
@@ -17558,28 +17297,50 @@
         </p:nvSpPr>
         <p:spPr>
           <a:xfrm>
-            <a:off x="838200" y="685800"/>
+            <a:off x="457200" y="762000"/>
             <a:ext cx="8229600" cy="1143000"/>
           </a:xfrm>
         </p:spPr>
         <p:txBody>
-          <a:bodyPr/>
+          <a:bodyPr>
+            <a:normAutofit/>
+          </a:bodyPr>
           <a:lstStyle/>
           <a:p>
             <a:pPr algn="l"/>
             <a:r>
-              <a:rPr lang="bg-BG" dirty="0" smtClean="0">
+              <a:rPr lang="en-US" sz="2900" dirty="0" smtClean="0">
                 <a:solidFill>
                   <a:schemeClr val="accent6"/>
                 </a:solidFill>
               </a:rPr>
-              <a:t>Въпроси</a:t>
-            </a:r>
-            <a:endParaRPr lang="bg-BG" dirty="0">
-              <a:solidFill>
-                <a:schemeClr val="accent6"/>
-              </a:solidFill>
-            </a:endParaRPr>
+              <a:t>JavaScript</a:t>
+            </a:r>
+            <a:r>
+              <a:rPr lang="bg-BG" sz="2900" dirty="0" smtClean="0">
+                <a:solidFill>
+                  <a:schemeClr val="accent6"/>
+                </a:solidFill>
+              </a:rPr>
+              <a:t> –</a:t>
+            </a:r>
+            <a:r>
+              <a:rPr lang="en-US" sz="2900" dirty="0">
+                <a:solidFill>
+                  <a:schemeClr val="accent6"/>
+                </a:solidFill>
+              </a:rPr>
+              <a:t> </a:t>
+            </a:r>
+            <a:r>
+              <a:rPr lang="bg-BG" sz="2900" dirty="0" smtClean="0">
+                <a:solidFill>
+                  <a:schemeClr val="accent6"/>
+                </a:solidFill>
+              </a:rPr>
+              <a:t>Масиви</a:t>
+            </a:r>
+            <a:endParaRPr lang="en-US" sz="2900" dirty="0"/>
           </a:p>
         </p:txBody>
       </p:sp>
@@ -17593,129 +17354,113 @@
             <p:ph idx="1"/>
           </p:nvPr>
         </p:nvSpPr>
-        <p:spPr>
-          <a:xfrm>
-            <a:off x="762000" y="1676400"/>
-            <a:ext cx="7620000" cy="4525963"/>
-          </a:xfrm>
-        </p:spPr>
+        <p:spPr/>
         <p:txBody>
           <a:bodyPr>
-            <a:normAutofit/>
+            <a:noAutofit/>
           </a:bodyPr>
           <a:lstStyle/>
           <a:p>
-            <a:pPr>
-              <a:buFont typeface="Wingdings" panose="05000000000000000000" pitchFamily="2" charset="2"/>
-              <a:buChar char="§"/>
-            </a:pPr>
-            <a:endParaRPr lang="en-US" dirty="0">
+            <a:pPr marL="0" indent="0">
+              <a:buNone/>
+            </a:pPr>
+            <a:r>
+              <a:rPr lang="bg-BG" sz="2500" dirty="0" smtClean="0">
+                <a:solidFill>
+                  <a:schemeClr val="bg1"/>
+                </a:solidFill>
+                <a:cs typeface="Courier New" panose="02070309020205020404" pitchFamily="49" charset="0"/>
+              </a:rPr>
+              <a:t>Масивите в </a:t>
+            </a:r>
+            <a:r>
+              <a:rPr lang="en-US" sz="2500" dirty="0" smtClean="0">
+                <a:solidFill>
+                  <a:schemeClr val="bg1"/>
+                </a:solidFill>
+                <a:cs typeface="Courier New" panose="02070309020205020404" pitchFamily="49" charset="0"/>
+              </a:rPr>
+              <a:t>JavaScript </a:t>
+            </a:r>
+            <a:r>
+              <a:rPr lang="bg-BG" sz="2500" dirty="0" smtClean="0">
+                <a:solidFill>
+                  <a:schemeClr val="bg1"/>
+                </a:solidFill>
+                <a:cs typeface="Courier New" panose="02070309020205020404" pitchFamily="49" charset="0"/>
+              </a:rPr>
+              <a:t>представляват поредица от елементи. Редът на елементите е фиксиран. Броят на елементите няма фиксиран размер. Може да се вземе дължината на масива с помощта на </a:t>
+            </a:r>
+            <a:r>
+              <a:rPr lang="en-US" sz="2500" dirty="0" err="1" smtClean="0">
+                <a:solidFill>
+                  <a:schemeClr val="bg1"/>
+                </a:solidFill>
+                <a:cs typeface="Courier New" panose="02070309020205020404" pitchFamily="49" charset="0"/>
+              </a:rPr>
+              <a:t>Array.length</a:t>
+            </a:r>
+            <a:endParaRPr lang="en-US" sz="2500" dirty="0" smtClean="0">
               <a:solidFill>
-                <a:schemeClr val="bg1">
-                  <a:lumMod val="95000"/>
-                </a:schemeClr>
+                <a:schemeClr val="bg1"/>
               </a:solidFill>
+              <a:cs typeface="Courier New" panose="02070309020205020404" pitchFamily="49" charset="0"/>
             </a:endParaRPr>
           </a:p>
           <a:p>
-            <a:pPr>
-              <a:buFont typeface="Wingdings" panose="05000000000000000000" pitchFamily="2" charset="2"/>
-              <a:buChar char="§"/>
-            </a:pPr>
-            <a:endParaRPr lang="en-US" dirty="0">
+            <a:pPr marL="0" indent="0">
+              <a:buNone/>
+            </a:pPr>
+            <a:endParaRPr lang="bg-BG" sz="2000" dirty="0" smtClean="0">
               <a:solidFill>
-                <a:schemeClr val="bg1">
-                  <a:lumMod val="95000"/>
-                </a:schemeClr>
+                <a:schemeClr val="bg1"/>
               </a:solidFill>
-            </a:endParaRPr>
-          </a:p>
-          <a:p>
-            <a:pPr>
-              <a:buFont typeface="Wingdings" panose="05000000000000000000" pitchFamily="2" charset="2"/>
-              <a:buChar char="§"/>
-            </a:pPr>
-            <a:endParaRPr lang="en-US" dirty="0">
-              <a:solidFill>
-                <a:schemeClr val="bg1">
-                  <a:lumMod val="95000"/>
-                </a:schemeClr>
-              </a:solidFill>
-            </a:endParaRPr>
-          </a:p>
-          <a:p>
-            <a:pPr>
-              <a:buFont typeface="Wingdings" panose="05000000000000000000" pitchFamily="2" charset="2"/>
-              <a:buChar char="§"/>
-            </a:pPr>
-            <a:endParaRPr lang="en-US" dirty="0">
-              <a:solidFill>
-                <a:schemeClr val="bg1">
-                  <a:lumMod val="95000"/>
-                </a:schemeClr>
-              </a:solidFill>
+              <a:latin typeface="+mj-lt"/>
+              <a:cs typeface="Courier New" panose="02070309020205020404" pitchFamily="49" charset="0"/>
             </a:endParaRPr>
           </a:p>
         </p:txBody>
       </p:sp>
       <p:pic>
         <p:nvPicPr>
-          <p:cNvPr id="1027" name="Picture 3" descr="C:\Users\Lazar\Desktop\01-red-question-mark1.jpg"/>
+          <p:cNvPr id="4" name="Picture 3"/>
           <p:cNvPicPr>
-            <a:picLocks noChangeAspect="1" noChangeArrowheads="1"/>
+            <a:picLocks noChangeAspect="1"/>
           </p:cNvPicPr>
           <p:nvPr/>
         </p:nvPicPr>
         <p:blipFill>
-          <a:blip r:embed="rId2" cstate="print">
+          <a:blip r:embed="rId2">
             <a:extLst>
               <a:ext uri="{28A0092B-C50C-407E-A947-70E740481C1C}">
                 <a14:useLocalDpi xmlns:a14="http://schemas.microsoft.com/office/drawing/2010/main" val="0"/>
               </a:ext>
             </a:extLst>
           </a:blip>
-          <a:srcRect/>
           <a:stretch>
             <a:fillRect/>
           </a:stretch>
         </p:blipFill>
-        <p:spPr bwMode="auto">
+        <p:spPr>
           <a:xfrm>
-            <a:off x="3505200" y="2057400"/>
-            <a:ext cx="2419082" cy="2419082"/>
+            <a:off x="609600" y="3352800"/>
+            <a:ext cx="4625009" cy="3048000"/>
           </a:xfrm>
           <a:prstGeom prst="rect">
             <a:avLst/>
           </a:prstGeom>
-          <a:noFill/>
-          <a:extLst>
-            <a:ext uri="{909E8E84-426E-40DD-AFC4-6F175D3DCCD1}">
-              <a14:hiddenFill xmlns:a14="http://schemas.microsoft.com/office/drawing/2010/main">
-                <a:solidFill>
-                  <a:srgbClr val="FFFFFF"/>
-                </a:solidFill>
-              </a14:hiddenFill>
-            </a:ext>
-          </a:extLst>
         </p:spPr>
       </p:pic>
     </p:spTree>
     <p:extLst>
       <p:ext uri="{BB962C8B-B14F-4D97-AF65-F5344CB8AC3E}">
-        <p14:creationId xmlns:p14="http://schemas.microsoft.com/office/powerpoint/2010/main" val="1088608090"/>
+        <p14:creationId xmlns:p14="http://schemas.microsoft.com/office/powerpoint/2010/main" val="1297229954"/>
       </p:ext>
     </p:extLst>
   </p:cSld>
   <p:clrMapOvr>
     <a:masterClrMapping/>
   </p:clrMapOvr>
-  <p:timing>
-    <p:tnLst>
-      <p:par>
-        <p:cTn id="1" dur="indefinite" restart="never" nodeType="tmRoot"/>
-      </p:par>
-    </p:tnLst>
-  </p:timing>
 </p:sld>
 </file>
 
@@ -17748,28 +17493,50 @@
         </p:nvSpPr>
         <p:spPr>
           <a:xfrm>
-            <a:off x="838200" y="685800"/>
+            <a:off x="457200" y="762000"/>
             <a:ext cx="8229600" cy="1143000"/>
           </a:xfrm>
         </p:spPr>
         <p:txBody>
-          <a:bodyPr/>
+          <a:bodyPr>
+            <a:normAutofit/>
+          </a:bodyPr>
           <a:lstStyle/>
           <a:p>
             <a:pPr algn="l"/>
             <a:r>
-              <a:rPr lang="bg-BG" dirty="0" smtClean="0">
+              <a:rPr lang="en-US" sz="2900" dirty="0" smtClean="0">
                 <a:solidFill>
                   <a:schemeClr val="accent6"/>
                 </a:solidFill>
               </a:rPr>
-              <a:t>Задачи за домашна работа</a:t>
-            </a:r>
-            <a:endParaRPr lang="bg-BG" dirty="0">
-              <a:solidFill>
-                <a:schemeClr val="accent6"/>
-              </a:solidFill>
-            </a:endParaRPr>
+              <a:t>JavaScript</a:t>
+            </a:r>
+            <a:r>
+              <a:rPr lang="bg-BG" sz="2900" dirty="0" smtClean="0">
+                <a:solidFill>
+                  <a:schemeClr val="accent6"/>
+                </a:solidFill>
+              </a:rPr>
+              <a:t> –</a:t>
+            </a:r>
+            <a:r>
+              <a:rPr lang="en-US" sz="2900" dirty="0">
+                <a:solidFill>
+                  <a:schemeClr val="accent6"/>
+                </a:solidFill>
+              </a:rPr>
+              <a:t> </a:t>
+            </a:r>
+            <a:r>
+              <a:rPr lang="bg-BG" sz="2900" dirty="0" smtClean="0">
+                <a:solidFill>
+                  <a:schemeClr val="accent6"/>
+                </a:solidFill>
+              </a:rPr>
+              <a:t>Масиви</a:t>
+            </a:r>
+            <a:endParaRPr lang="en-US" sz="2900" dirty="0"/>
           </a:p>
         </p:txBody>
       </p:sp>
@@ -17783,226 +17550,396 @@
             <p:ph idx="1"/>
           </p:nvPr>
         </p:nvSpPr>
-        <p:spPr>
-          <a:xfrm>
-            <a:off x="762000" y="1676400"/>
-            <a:ext cx="7620000" cy="4648200"/>
-          </a:xfrm>
-        </p:spPr>
+        <p:spPr/>
         <p:txBody>
           <a:bodyPr>
             <a:noAutofit/>
           </a:bodyPr>
           <a:lstStyle/>
           <a:p>
-            <a:pPr marL="457200" indent="-457200">
-              <a:buAutoNum type="arabicPeriod"/>
-            </a:pPr>
-            <a:r>
-              <a:rPr lang="bg-BG" sz="2000" b="1" dirty="0" smtClean="0">
-                <a:solidFill>
-                  <a:schemeClr val="bg1">
-                    <a:lumMod val="95000"/>
-                  </a:schemeClr>
-                </a:solidFill>
-              </a:rPr>
-              <a:t>Напишете израз, който </a:t>
-            </a:r>
-            <a:r>
-              <a:rPr lang="en-US" sz="2000" b="1" dirty="0" smtClean="0">
-                <a:solidFill>
-                  <a:schemeClr val="bg1">
-                    <a:lumMod val="95000"/>
-                  </a:schemeClr>
-                </a:solidFill>
-              </a:rPr>
-              <a:t>console.log-</a:t>
-            </a:r>
-            <a:r>
-              <a:rPr lang="bg-BG" sz="2000" b="1" dirty="0" smtClean="0">
-                <a:solidFill>
-                  <a:schemeClr val="bg1">
-                    <a:lumMod val="95000"/>
-                  </a:schemeClr>
-                </a:solidFill>
-              </a:rPr>
-              <a:t>ва всички числа от 1 до 300.</a:t>
-            </a:r>
-          </a:p>
-          <a:p>
-            <a:pPr marL="457200" indent="-457200">
-              <a:buAutoNum type="arabicPeriod"/>
-            </a:pPr>
-            <a:r>
-              <a:rPr lang="bg-BG" sz="2000" b="1" dirty="0" smtClean="0">
-                <a:solidFill>
-                  <a:schemeClr val="bg1">
-                    <a:lumMod val="95000"/>
-                  </a:schemeClr>
-                </a:solidFill>
-              </a:rPr>
-              <a:t>Напишете израз, който проверява дали дадено число се дели на 3.</a:t>
-            </a:r>
-          </a:p>
-          <a:p>
-            <a:pPr marL="457200" indent="-457200">
-              <a:buAutoNum type="arabicPeriod"/>
-            </a:pPr>
-            <a:r>
-              <a:rPr lang="bg-BG" sz="2000" b="1" dirty="0" smtClean="0">
-                <a:solidFill>
-                  <a:schemeClr val="bg1">
-                    <a:lumMod val="95000"/>
-                  </a:schemeClr>
-                </a:solidFill>
-              </a:rPr>
-              <a:t>Напишете израз, който проверява дали дадено число се дели едновременно на 4 и на 7.(използвайте вложени </a:t>
-            </a:r>
-            <a:r>
-              <a:rPr lang="en-US" sz="2000" b="1" dirty="0" smtClean="0">
-                <a:solidFill>
-                  <a:schemeClr val="bg1">
-                    <a:lumMod val="95000"/>
-                  </a:schemeClr>
-                </a:solidFill>
-              </a:rPr>
-              <a:t>if-else</a:t>
-            </a:r>
-            <a:r>
-              <a:rPr lang="bg-BG" sz="2000" b="1" dirty="0" smtClean="0">
-                <a:solidFill>
-                  <a:schemeClr val="bg1">
-                    <a:lumMod val="95000"/>
-                  </a:schemeClr>
-                </a:solidFill>
-              </a:rPr>
-              <a:t> оператори</a:t>
-            </a:r>
-            <a:r>
-              <a:rPr lang="en-US" sz="2000" b="1" dirty="0" smtClean="0">
-                <a:solidFill>
-                  <a:schemeClr val="bg1">
-                    <a:lumMod val="95000"/>
-                  </a:schemeClr>
-                </a:solidFill>
-              </a:rPr>
-              <a:t>).</a:t>
-            </a:r>
-          </a:p>
-          <a:p>
-            <a:pPr marL="457200" indent="-457200">
-              <a:buAutoNum type="arabicPeriod"/>
-            </a:pPr>
-            <a:r>
-              <a:rPr lang="bg-BG" sz="2000" b="1" dirty="0" smtClean="0">
-                <a:solidFill>
-                  <a:schemeClr val="bg1">
-                    <a:lumMod val="95000"/>
-                  </a:schemeClr>
-                </a:solidFill>
-              </a:rPr>
-              <a:t>Напишете израз, който пресмята площта на правоъгълник чрез определени ширина и дължина.</a:t>
-            </a:r>
-          </a:p>
-          <a:p>
-            <a:pPr marL="457200" indent="-457200">
-              <a:buAutoNum type="arabicPeriod"/>
-            </a:pPr>
-            <a:r>
-              <a:rPr lang="bg-BG" sz="2000" b="1" dirty="0" smtClean="0">
-                <a:solidFill>
-                  <a:schemeClr val="bg1">
-                    <a:lumMod val="95000"/>
-                  </a:schemeClr>
-                </a:solidFill>
-              </a:rPr>
-              <a:t>Напишете израз, който пресмята площта на трапец по дадени страна А, страна </a:t>
-            </a:r>
-            <a:r>
-              <a:rPr lang="en-US" sz="2000" b="1" dirty="0" smtClean="0">
-                <a:solidFill>
-                  <a:schemeClr val="bg1">
-                    <a:lumMod val="95000"/>
-                  </a:schemeClr>
-                </a:solidFill>
-              </a:rPr>
-              <a:t>B </a:t>
-            </a:r>
-            <a:r>
-              <a:rPr lang="bg-BG" sz="2000" b="1" dirty="0" smtClean="0">
-                <a:solidFill>
-                  <a:schemeClr val="bg1">
-                    <a:lumMod val="95000"/>
-                  </a:schemeClr>
-                </a:solidFill>
-              </a:rPr>
-              <a:t>и височина </a:t>
-            </a:r>
-            <a:r>
-              <a:rPr lang="en-US" sz="2000" b="1" dirty="0" smtClean="0">
-                <a:solidFill>
-                  <a:schemeClr val="bg1">
-                    <a:lumMod val="95000"/>
-                  </a:schemeClr>
-                </a:solidFill>
-              </a:rPr>
-              <a:t>h.</a:t>
-            </a:r>
-          </a:p>
-          <a:p>
-            <a:pPr marL="457200" indent="-457200">
-              <a:buAutoNum type="arabicPeriod"/>
-            </a:pPr>
-            <a:r>
-              <a:rPr lang="bg-BG" sz="2000" b="1" dirty="0" smtClean="0">
-                <a:solidFill>
-                  <a:schemeClr val="bg1">
-                    <a:lumMod val="95000"/>
-                  </a:schemeClr>
-                </a:solidFill>
-              </a:rPr>
-              <a:t>Напишете израз, който намира най-голямото от 3 числа(използвайки вложени </a:t>
-            </a:r>
-            <a:r>
-              <a:rPr lang="en-US" sz="2000" b="1" dirty="0" smtClean="0">
-                <a:solidFill>
-                  <a:schemeClr val="bg1">
-                    <a:lumMod val="95000"/>
-                  </a:schemeClr>
-                </a:solidFill>
-              </a:rPr>
-              <a:t>if-else </a:t>
-            </a:r>
-            <a:r>
-              <a:rPr lang="bg-BG" sz="2000" b="1" dirty="0" smtClean="0">
-                <a:solidFill>
-                  <a:schemeClr val="bg1">
-                    <a:lumMod val="95000"/>
-                  </a:schemeClr>
-                </a:solidFill>
-              </a:rPr>
-              <a:t>оператори).</a:t>
-            </a:r>
+            <a:pPr marL="0" indent="0">
+              <a:buNone/>
+            </a:pPr>
+            <a:r>
+              <a:rPr lang="bg-BG" sz="2000" dirty="0" smtClean="0">
+                <a:solidFill>
+                  <a:schemeClr val="bg1"/>
+                </a:solidFill>
+                <a:latin typeface="+mj-lt"/>
+                <a:cs typeface="Courier New" panose="02070309020205020404" pitchFamily="49" charset="0"/>
+              </a:rPr>
+              <a:t>Масивите се декларират като най-обикновена променлива, като стойността ѝ се огражда в </a:t>
+            </a:r>
+            <a:r>
+              <a:rPr lang="en-US" sz="2000" dirty="0" smtClean="0">
+                <a:solidFill>
+                  <a:schemeClr val="bg1"/>
+                </a:solidFill>
+                <a:latin typeface="+mj-lt"/>
+                <a:cs typeface="Courier New" panose="02070309020205020404" pitchFamily="49" charset="0"/>
+              </a:rPr>
+              <a:t>[].</a:t>
+            </a:r>
+          </a:p>
+          <a:p>
+            <a:pPr marL="0" indent="0">
+              <a:buNone/>
+            </a:pPr>
+            <a:r>
+              <a:rPr lang="bg-BG" sz="2000" dirty="0" smtClean="0">
+                <a:solidFill>
+                  <a:schemeClr val="bg1"/>
+                </a:solidFill>
+                <a:latin typeface="+mj-lt"/>
+                <a:cs typeface="Courier New" panose="02070309020205020404" pitchFamily="49" charset="0"/>
+              </a:rPr>
+              <a:t>Декларираме масив от </a:t>
+            </a:r>
+            <a:r>
+              <a:rPr lang="en-US" sz="2000" dirty="0" smtClean="0">
+                <a:solidFill>
+                  <a:schemeClr val="bg1"/>
+                </a:solidFill>
+                <a:latin typeface="+mj-lt"/>
+                <a:cs typeface="Courier New" panose="02070309020205020404" pitchFamily="49" charset="0"/>
+              </a:rPr>
+              <a:t>Numbers:</a:t>
+            </a:r>
+          </a:p>
+          <a:p>
+            <a:pPr marL="0" indent="0">
+              <a:buNone/>
+            </a:pPr>
+            <a:r>
+              <a:rPr lang="en-US" sz="2000" dirty="0" err="1" smtClean="0">
+                <a:solidFill>
+                  <a:schemeClr val="bg1"/>
+                </a:solidFill>
+                <a:latin typeface="+mj-lt"/>
+                <a:cs typeface="Courier New" panose="02070309020205020404" pitchFamily="49" charset="0"/>
+              </a:rPr>
+              <a:t>var</a:t>
+            </a:r>
+            <a:r>
+              <a:rPr lang="en-US" sz="2000" dirty="0" smtClean="0">
+                <a:solidFill>
+                  <a:schemeClr val="bg1"/>
+                </a:solidFill>
+                <a:latin typeface="+mj-lt"/>
+                <a:cs typeface="Courier New" panose="02070309020205020404" pitchFamily="49" charset="0"/>
+              </a:rPr>
+              <a:t> </a:t>
+            </a:r>
+            <a:r>
+              <a:rPr lang="en-US" sz="2000" dirty="0" err="1" smtClean="0">
+                <a:solidFill>
+                  <a:schemeClr val="bg1"/>
+                </a:solidFill>
+                <a:latin typeface="+mj-lt"/>
+                <a:cs typeface="Courier New" panose="02070309020205020404" pitchFamily="49" charset="0"/>
+              </a:rPr>
+              <a:t>myNumbers</a:t>
+            </a:r>
+            <a:r>
+              <a:rPr lang="en-US" sz="2000" dirty="0">
+                <a:solidFill>
+                  <a:schemeClr val="bg1"/>
+                </a:solidFill>
+                <a:latin typeface="+mj-lt"/>
+                <a:cs typeface="Courier New" panose="02070309020205020404" pitchFamily="49" charset="0"/>
+              </a:rPr>
+              <a:t> </a:t>
+            </a:r>
+            <a:r>
+              <a:rPr lang="en-US" sz="2000" dirty="0" smtClean="0">
+                <a:solidFill>
+                  <a:schemeClr val="bg1"/>
+                </a:solidFill>
+                <a:latin typeface="+mj-lt"/>
+                <a:cs typeface="Courier New" panose="02070309020205020404" pitchFamily="49" charset="0"/>
+              </a:rPr>
+              <a:t>= [1, 6, 3, 44, 21, 7, 9];</a:t>
+            </a:r>
+          </a:p>
+          <a:p>
+            <a:pPr marL="0" indent="0">
+              <a:buNone/>
+            </a:pPr>
+            <a:r>
+              <a:rPr lang="bg-BG" sz="2000" dirty="0" smtClean="0">
+                <a:solidFill>
+                  <a:schemeClr val="bg1"/>
+                </a:solidFill>
+                <a:latin typeface="+mj-lt"/>
+                <a:cs typeface="Courier New" panose="02070309020205020404" pitchFamily="49" charset="0"/>
+              </a:rPr>
+              <a:t>Декларираме масив от </a:t>
+            </a:r>
+            <a:r>
+              <a:rPr lang="en-US" sz="2000" dirty="0" smtClean="0">
+                <a:solidFill>
+                  <a:schemeClr val="bg1"/>
+                </a:solidFill>
+                <a:latin typeface="+mj-lt"/>
+                <a:cs typeface="Courier New" panose="02070309020205020404" pitchFamily="49" charset="0"/>
+              </a:rPr>
+              <a:t>Strings:</a:t>
+            </a:r>
+          </a:p>
+          <a:p>
+            <a:pPr marL="0" indent="0">
+              <a:buNone/>
+            </a:pPr>
+            <a:r>
+              <a:rPr lang="en-US" sz="2000" dirty="0" err="1" smtClean="0">
+                <a:solidFill>
+                  <a:schemeClr val="bg1"/>
+                </a:solidFill>
+                <a:latin typeface="+mj-lt"/>
+                <a:cs typeface="Courier New" panose="02070309020205020404" pitchFamily="49" charset="0"/>
+              </a:rPr>
+              <a:t>var</a:t>
+            </a:r>
+            <a:r>
+              <a:rPr lang="en-US" sz="2000" dirty="0" smtClean="0">
+                <a:solidFill>
+                  <a:schemeClr val="bg1"/>
+                </a:solidFill>
+                <a:latin typeface="+mj-lt"/>
+                <a:cs typeface="Courier New" panose="02070309020205020404" pitchFamily="49" charset="0"/>
+              </a:rPr>
+              <a:t> </a:t>
+            </a:r>
+            <a:r>
+              <a:rPr lang="en-US" sz="2000" dirty="0" err="1" smtClean="0">
+                <a:solidFill>
+                  <a:schemeClr val="bg1"/>
+                </a:solidFill>
+                <a:latin typeface="+mj-lt"/>
+                <a:cs typeface="Courier New" panose="02070309020205020404" pitchFamily="49" charset="0"/>
+              </a:rPr>
+              <a:t>myStrings</a:t>
+            </a:r>
+            <a:r>
+              <a:rPr lang="en-US" sz="2000" dirty="0" smtClean="0">
+                <a:solidFill>
+                  <a:schemeClr val="bg1"/>
+                </a:solidFill>
+                <a:latin typeface="+mj-lt"/>
+                <a:cs typeface="Courier New" panose="02070309020205020404" pitchFamily="49" charset="0"/>
+              </a:rPr>
+              <a:t> = [“Peter”, “Mike”, “</a:t>
+            </a:r>
+            <a:r>
+              <a:rPr lang="en-US" sz="2000" dirty="0" err="1" smtClean="0">
+                <a:solidFill>
+                  <a:schemeClr val="bg1"/>
+                </a:solidFill>
+                <a:latin typeface="+mj-lt"/>
+                <a:cs typeface="Courier New" panose="02070309020205020404" pitchFamily="49" charset="0"/>
+              </a:rPr>
+              <a:t>Jefrey</a:t>
+            </a:r>
+            <a:r>
+              <a:rPr lang="en-US" sz="2000" dirty="0" smtClean="0">
+                <a:solidFill>
+                  <a:schemeClr val="bg1"/>
+                </a:solidFill>
+                <a:latin typeface="+mj-lt"/>
+                <a:cs typeface="Courier New" panose="02070309020205020404" pitchFamily="49" charset="0"/>
+              </a:rPr>
+              <a:t>”, “Jason”, “Hannah”];</a:t>
+            </a:r>
+          </a:p>
+          <a:p>
+            <a:pPr marL="0" indent="0">
+              <a:buNone/>
+            </a:pPr>
+            <a:r>
+              <a:rPr lang="bg-BG" sz="2000" dirty="0" smtClean="0">
+                <a:solidFill>
+                  <a:schemeClr val="bg1"/>
+                </a:solidFill>
+                <a:latin typeface="+mj-lt"/>
+                <a:cs typeface="Courier New" panose="02070309020205020404" pitchFamily="49" charset="0"/>
+              </a:rPr>
+              <a:t>Декларираме масит от смесен тип:</a:t>
+            </a:r>
+          </a:p>
+          <a:p>
+            <a:pPr marL="0" indent="0">
+              <a:buNone/>
+            </a:pPr>
+            <a:r>
+              <a:rPr lang="en-US" sz="2000" dirty="0" err="1" smtClean="0">
+                <a:solidFill>
+                  <a:schemeClr val="bg1"/>
+                </a:solidFill>
+                <a:latin typeface="+mj-lt"/>
+                <a:cs typeface="Courier New" panose="02070309020205020404" pitchFamily="49" charset="0"/>
+              </a:rPr>
+              <a:t>var</a:t>
+            </a:r>
+            <a:r>
+              <a:rPr lang="en-US" sz="2000" dirty="0" smtClean="0">
+                <a:solidFill>
+                  <a:schemeClr val="bg1"/>
+                </a:solidFill>
+                <a:latin typeface="+mj-lt"/>
+                <a:cs typeface="Courier New" panose="02070309020205020404" pitchFamily="49" charset="0"/>
+              </a:rPr>
+              <a:t> </a:t>
+            </a:r>
+            <a:r>
+              <a:rPr lang="en-US" sz="2000" dirty="0" err="1" smtClean="0">
+                <a:solidFill>
+                  <a:schemeClr val="bg1"/>
+                </a:solidFill>
+                <a:latin typeface="+mj-lt"/>
+                <a:cs typeface="Courier New" panose="02070309020205020404" pitchFamily="49" charset="0"/>
+              </a:rPr>
+              <a:t>myMixedArray</a:t>
+            </a:r>
+            <a:r>
+              <a:rPr lang="en-US" sz="2000" dirty="0" smtClean="0">
+                <a:solidFill>
+                  <a:schemeClr val="bg1"/>
+                </a:solidFill>
+                <a:latin typeface="+mj-lt"/>
+                <a:cs typeface="Courier New" panose="02070309020205020404" pitchFamily="49" charset="0"/>
+              </a:rPr>
+              <a:t> = [1, “John”, new Date()];</a:t>
+            </a:r>
+          </a:p>
+          <a:p>
+            <a:pPr marL="0" indent="0">
+              <a:buNone/>
+            </a:pPr>
+            <a:r>
+              <a:rPr lang="bg-BG" sz="2000" dirty="0" smtClean="0">
+                <a:solidFill>
+                  <a:schemeClr val="bg1"/>
+                </a:solidFill>
+                <a:latin typeface="+mj-lt"/>
+                <a:cs typeface="Courier New" panose="02070309020205020404" pitchFamily="49" charset="0"/>
+              </a:rPr>
+              <a:t>Декларираме масит от масиви:</a:t>
+            </a:r>
+          </a:p>
+          <a:p>
+            <a:pPr marL="0" indent="0">
+              <a:buNone/>
+            </a:pPr>
+            <a:r>
+              <a:rPr lang="en-US" sz="2000" dirty="0" err="1" smtClean="0">
+                <a:solidFill>
+                  <a:schemeClr val="bg1"/>
+                </a:solidFill>
+                <a:latin typeface="+mj-lt"/>
+                <a:cs typeface="Courier New" panose="02070309020205020404" pitchFamily="49" charset="0"/>
+              </a:rPr>
+              <a:t>var</a:t>
+            </a:r>
+            <a:r>
+              <a:rPr lang="en-US" sz="2000" dirty="0" smtClean="0">
+                <a:solidFill>
+                  <a:schemeClr val="bg1"/>
+                </a:solidFill>
+                <a:latin typeface="+mj-lt"/>
+                <a:cs typeface="Courier New" panose="02070309020205020404" pitchFamily="49" charset="0"/>
+              </a:rPr>
+              <a:t> </a:t>
+            </a:r>
+            <a:r>
+              <a:rPr lang="en-US" sz="2000" dirty="0" err="1" smtClean="0">
+                <a:solidFill>
+                  <a:schemeClr val="bg1"/>
+                </a:solidFill>
+                <a:latin typeface="+mj-lt"/>
+                <a:cs typeface="Courier New" panose="02070309020205020404" pitchFamily="49" charset="0"/>
+              </a:rPr>
+              <a:t>myMatrix</a:t>
+            </a:r>
+            <a:r>
+              <a:rPr lang="en-US" sz="2000" dirty="0" smtClean="0">
+                <a:solidFill>
+                  <a:schemeClr val="bg1"/>
+                </a:solidFill>
+                <a:latin typeface="+mj-lt"/>
+                <a:cs typeface="Courier New" panose="02070309020205020404" pitchFamily="49" charset="0"/>
+              </a:rPr>
+              <a:t> = [“1, 5, 7”, “0, 2”, “3, 6, 9”],</a:t>
+            </a:r>
+          </a:p>
+          <a:p>
+            <a:pPr marL="0" indent="0">
+              <a:buNone/>
+            </a:pPr>
+            <a:r>
+              <a:rPr lang="en-US" sz="2000" dirty="0">
+                <a:solidFill>
+                  <a:schemeClr val="bg1"/>
+                </a:solidFill>
+                <a:latin typeface="+mj-lt"/>
+                <a:cs typeface="Courier New" panose="02070309020205020404" pitchFamily="49" charset="0"/>
+              </a:rPr>
+              <a:t>	 </a:t>
+            </a:r>
+            <a:r>
+              <a:rPr lang="en-US" sz="2000" dirty="0" smtClean="0">
+                <a:solidFill>
+                  <a:schemeClr val="bg1"/>
+                </a:solidFill>
+                <a:latin typeface="+mj-lt"/>
+                <a:cs typeface="Courier New" panose="02070309020205020404" pitchFamily="49" charset="0"/>
+              </a:rPr>
+              <a:t>           [“9, 7, 6”, “3, 5”, “2, 6”],</a:t>
+            </a:r>
+          </a:p>
+          <a:p>
+            <a:pPr marL="0" indent="0">
+              <a:buNone/>
+            </a:pPr>
+            <a:r>
+              <a:rPr lang="en-US" sz="2000" dirty="0">
+                <a:solidFill>
+                  <a:schemeClr val="bg1"/>
+                </a:solidFill>
+                <a:latin typeface="+mj-lt"/>
+                <a:cs typeface="Courier New" panose="02070309020205020404" pitchFamily="49" charset="0"/>
+              </a:rPr>
+              <a:t>	 </a:t>
+            </a:r>
+            <a:r>
+              <a:rPr lang="en-US" sz="2000" dirty="0" smtClean="0">
+                <a:solidFill>
+                  <a:schemeClr val="bg1"/>
+                </a:solidFill>
+                <a:latin typeface="+mj-lt"/>
+                <a:cs typeface="Courier New" panose="02070309020205020404" pitchFamily="49" charset="0"/>
+              </a:rPr>
+              <a:t>           [“12, 44”, “36, 1”, 2, 9”];</a:t>
+            </a:r>
+            <a:endParaRPr lang="bg-BG" sz="2000" dirty="0" smtClean="0">
+              <a:solidFill>
+                <a:schemeClr val="bg1"/>
+              </a:solidFill>
+              <a:latin typeface="+mj-lt"/>
+              <a:cs typeface="Courier New" panose="02070309020205020404" pitchFamily="49" charset="0"/>
+            </a:endParaRPr>
           </a:p>
         </p:txBody>
       </p:sp>
     </p:spTree>
     <p:extLst>
       <p:ext uri="{BB962C8B-B14F-4D97-AF65-F5344CB8AC3E}">
-        <p14:creationId xmlns:p14="http://schemas.microsoft.com/office/powerpoint/2010/main" val="2761577980"/>
+        <p14:creationId xmlns:p14="http://schemas.microsoft.com/office/powerpoint/2010/main" val="1396163507"/>
       </p:ext>
     </p:extLst>
   </p:cSld>
   <p:clrMapOvr>
     <a:masterClrMapping/>
   </p:clrMapOvr>
-  <p:timing>
-    <p:tnLst>
-      <p:par>
-        <p:cTn id="1" dur="indefinite" restart="never" nodeType="tmRoot"/>
-      </p:par>
-    </p:tnLst>
-  </p:timing>
 </p:sld>
 </file>
 
@@ -18035,28 +17972,50 @@
         </p:nvSpPr>
         <p:spPr>
           <a:xfrm>
-            <a:off x="838200" y="685800"/>
+            <a:off x="457200" y="762000"/>
             <a:ext cx="8229600" cy="1143000"/>
           </a:xfrm>
         </p:spPr>
         <p:txBody>
-          <a:bodyPr/>
+          <a:bodyPr>
+            <a:normAutofit/>
+          </a:bodyPr>
           <a:lstStyle/>
           <a:p>
             <a:pPr algn="l"/>
             <a:r>
-              <a:rPr lang="bg-BG" dirty="0" smtClean="0">
+              <a:rPr lang="en-US" sz="2900" dirty="0" smtClean="0">
                 <a:solidFill>
                   <a:schemeClr val="accent6"/>
                 </a:solidFill>
               </a:rPr>
-              <a:t>Задачи за домашна работа</a:t>
-            </a:r>
-            <a:endParaRPr lang="bg-BG" dirty="0">
-              <a:solidFill>
-                <a:schemeClr val="accent6"/>
-              </a:solidFill>
-            </a:endParaRPr>
+              <a:t>JavaScript</a:t>
+            </a:r>
+            <a:r>
+              <a:rPr lang="bg-BG" sz="2900" dirty="0" smtClean="0">
+                <a:solidFill>
+                  <a:schemeClr val="accent6"/>
+                </a:solidFill>
+              </a:rPr>
+              <a:t> –</a:t>
+            </a:r>
+            <a:r>
+              <a:rPr lang="en-US" sz="2900" dirty="0">
+                <a:solidFill>
+                  <a:schemeClr val="accent6"/>
+                </a:solidFill>
+              </a:rPr>
+              <a:t> </a:t>
+            </a:r>
+            <a:r>
+              <a:rPr lang="bg-BG" sz="2900" dirty="0" smtClean="0">
+                <a:solidFill>
+                  <a:schemeClr val="accent6"/>
+                </a:solidFill>
+              </a:rPr>
+              <a:t>дефиниране на масив</a:t>
+            </a:r>
+            <a:endParaRPr lang="en-US" sz="2900" dirty="0"/>
           </a:p>
         </p:txBody>
       </p:sp>
@@ -18070,12 +18029,7 @@
             <p:ph idx="1"/>
           </p:nvPr>
         </p:nvSpPr>
-        <p:spPr>
-          <a:xfrm>
-            <a:off x="762000" y="1676400"/>
-            <a:ext cx="7620000" cy="4648200"/>
-          </a:xfrm>
-        </p:spPr>
+        <p:spPr/>
         <p:txBody>
           <a:bodyPr>
             <a:noAutofit/>
@@ -18086,68 +18040,274 @@
               <a:buNone/>
             </a:pPr>
             <a:r>
-              <a:rPr lang="bg-BG" sz="2000" b="1" dirty="0" smtClean="0">
-                <a:solidFill>
-                  <a:schemeClr val="bg1">
-                    <a:lumMod val="95000"/>
-                  </a:schemeClr>
-                </a:solidFill>
-              </a:rPr>
-              <a:t>7.     Напишете </a:t>
-            </a:r>
-            <a:r>
-              <a:rPr lang="bg-BG" sz="2000" b="1" dirty="0">
-                <a:solidFill>
-                  <a:schemeClr val="bg1">
-                    <a:lumMod val="95000"/>
-                  </a:schemeClr>
-                </a:solidFill>
-              </a:rPr>
-              <a:t>израз, който намира всички делими на 7 числа, които се намират в интервала от 50 до 100.</a:t>
-            </a:r>
-          </a:p>
-          <a:p>
-            <a:pPr marL="0" indent="0">
-              <a:buNone/>
-            </a:pPr>
-            <a:r>
-              <a:rPr lang="bg-BG" sz="2000" b="1" dirty="0" smtClean="0">
-                <a:solidFill>
-                  <a:schemeClr val="bg1">
-                    <a:lumMod val="95000"/>
-                  </a:schemeClr>
-                </a:solidFill>
-              </a:rPr>
-              <a:t>8.     Напишете </a:t>
-            </a:r>
-            <a:r>
-              <a:rPr lang="bg-BG" sz="2000" b="1" dirty="0">
-                <a:solidFill>
-                  <a:schemeClr val="bg1">
-                    <a:lumMod val="95000"/>
-                  </a:schemeClr>
-                </a:solidFill>
-              </a:rPr>
-              <a:t>израз, който намира всички делими на 4 и на 9 числа, които се намират в интервала от 20 до 60.</a:t>
-            </a:r>
-            <a:endParaRPr lang="en-US" sz="2000" b="1" dirty="0">
+              <a:rPr lang="bg-BG" sz="2000" dirty="0" smtClean="0">
+                <a:solidFill>
+                  <a:schemeClr val="bg1"/>
+                </a:solidFill>
+                <a:latin typeface="+mj-lt"/>
+                <a:cs typeface="Courier New" panose="02070309020205020404" pitchFamily="49" charset="0"/>
+              </a:rPr>
+              <a:t>Масив може да дефинираме по три начина:</a:t>
+            </a:r>
+          </a:p>
+          <a:p>
+            <a:pPr>
+              <a:buFontTx/>
+              <a:buChar char="-"/>
+            </a:pPr>
+            <a:r>
+              <a:rPr lang="bg-BG" sz="2000" dirty="0" smtClean="0">
+                <a:solidFill>
+                  <a:schemeClr val="bg1"/>
+                </a:solidFill>
+                <a:latin typeface="+mj-lt"/>
+                <a:cs typeface="Courier New" panose="02070309020205020404" pitchFamily="49" charset="0"/>
+              </a:rPr>
+              <a:t>Чрез използване на ключовата дума </a:t>
+            </a:r>
+            <a:r>
+              <a:rPr lang="en-US" sz="2000" dirty="0" smtClean="0">
+                <a:solidFill>
+                  <a:schemeClr val="bg1"/>
+                </a:solidFill>
+                <a:latin typeface="+mj-lt"/>
+                <a:cs typeface="Courier New" panose="02070309020205020404" pitchFamily="49" charset="0"/>
+              </a:rPr>
+              <a:t>Array </a:t>
+            </a:r>
+            <a:r>
+              <a:rPr lang="bg-BG" sz="2000" dirty="0" smtClean="0">
+                <a:solidFill>
+                  <a:schemeClr val="bg1"/>
+                </a:solidFill>
+                <a:latin typeface="+mj-lt"/>
+                <a:cs typeface="Courier New" panose="02070309020205020404" pitchFamily="49" charset="0"/>
+              </a:rPr>
+              <a:t>и описване на елементите:</a:t>
+            </a:r>
+          </a:p>
+          <a:p>
+            <a:pPr marL="0" indent="0">
+              <a:buNone/>
+            </a:pPr>
+            <a:r>
+              <a:rPr lang="bg-BG" sz="2000" dirty="0">
+                <a:solidFill>
+                  <a:schemeClr val="bg1"/>
+                </a:solidFill>
+                <a:latin typeface="+mj-lt"/>
+                <a:cs typeface="Courier New" panose="02070309020205020404" pitchFamily="49" charset="0"/>
+              </a:rPr>
+              <a:t>	</a:t>
+            </a:r>
+            <a:r>
+              <a:rPr lang="en-US" sz="2000" dirty="0" err="1" smtClean="0">
+                <a:solidFill>
+                  <a:schemeClr val="bg1"/>
+                </a:solidFill>
+                <a:latin typeface="+mj-lt"/>
+                <a:cs typeface="Courier New" panose="02070309020205020404" pitchFamily="49" charset="0"/>
+              </a:rPr>
+              <a:t>var</a:t>
+            </a:r>
+            <a:r>
+              <a:rPr lang="en-US" sz="2000" dirty="0" smtClean="0">
+                <a:solidFill>
+                  <a:schemeClr val="bg1"/>
+                </a:solidFill>
+                <a:latin typeface="+mj-lt"/>
+                <a:cs typeface="Courier New" panose="02070309020205020404" pitchFamily="49" charset="0"/>
+              </a:rPr>
+              <a:t> </a:t>
+            </a:r>
+            <a:r>
+              <a:rPr lang="en-US" sz="2000" dirty="0" err="1" smtClean="0">
+                <a:solidFill>
+                  <a:schemeClr val="bg1"/>
+                </a:solidFill>
+                <a:latin typeface="+mj-lt"/>
+                <a:cs typeface="Courier New" panose="02070309020205020404" pitchFamily="49" charset="0"/>
+              </a:rPr>
+              <a:t>arr</a:t>
+            </a:r>
+            <a:r>
+              <a:rPr lang="en-US" sz="2000" dirty="0" smtClean="0">
+                <a:solidFill>
+                  <a:schemeClr val="bg1"/>
+                </a:solidFill>
+                <a:latin typeface="+mj-lt"/>
+                <a:cs typeface="Courier New" panose="02070309020205020404" pitchFamily="49" charset="0"/>
+              </a:rPr>
+              <a:t> = new Array(0, 1, 2);</a:t>
+            </a:r>
+          </a:p>
+          <a:p>
+            <a:pPr>
+              <a:buFontTx/>
+              <a:buChar char="-"/>
+            </a:pPr>
+            <a:r>
+              <a:rPr lang="bg-BG" sz="2000" dirty="0" smtClean="0">
+                <a:solidFill>
+                  <a:schemeClr val="bg1"/>
+                </a:solidFill>
+                <a:latin typeface="+mj-lt"/>
+                <a:cs typeface="Courier New" panose="02070309020205020404" pitchFamily="49" charset="0"/>
+              </a:rPr>
+              <a:t>Чрез използване на ключовата дума </a:t>
+            </a:r>
+            <a:r>
+              <a:rPr lang="en-US" sz="2000" dirty="0" smtClean="0">
+                <a:solidFill>
+                  <a:schemeClr val="bg1"/>
+                </a:solidFill>
+                <a:latin typeface="+mj-lt"/>
+                <a:cs typeface="Courier New" panose="02070309020205020404" pitchFamily="49" charset="0"/>
+              </a:rPr>
+              <a:t>Array</a:t>
+            </a:r>
+            <a:r>
+              <a:rPr lang="bg-BG" sz="2000" dirty="0" smtClean="0">
+                <a:solidFill>
+                  <a:schemeClr val="bg1"/>
+                </a:solidFill>
+                <a:latin typeface="+mj-lt"/>
+                <a:cs typeface="Courier New" panose="02070309020205020404" pitchFamily="49" charset="0"/>
+              </a:rPr>
+              <a:t> и описване на дължината:</a:t>
+            </a:r>
+          </a:p>
+          <a:p>
+            <a:pPr marL="0" indent="0">
+              <a:buNone/>
+            </a:pPr>
+            <a:r>
+              <a:rPr lang="bg-BG" sz="2000" dirty="0">
+                <a:solidFill>
+                  <a:schemeClr val="bg1"/>
+                </a:solidFill>
+                <a:latin typeface="+mj-lt"/>
+                <a:cs typeface="Courier New" panose="02070309020205020404" pitchFamily="49" charset="0"/>
+              </a:rPr>
+              <a:t>	</a:t>
+            </a:r>
+            <a:r>
+              <a:rPr lang="en-US" sz="2000" dirty="0" err="1" smtClean="0">
+                <a:solidFill>
+                  <a:schemeClr val="bg1"/>
+                </a:solidFill>
+                <a:latin typeface="+mj-lt"/>
+                <a:cs typeface="Courier New" panose="02070309020205020404" pitchFamily="49" charset="0"/>
+              </a:rPr>
+              <a:t>var</a:t>
+            </a:r>
+            <a:r>
+              <a:rPr lang="en-US" sz="2000" dirty="0" smtClean="0">
+                <a:solidFill>
+                  <a:schemeClr val="bg1"/>
+                </a:solidFill>
+                <a:latin typeface="+mj-lt"/>
+                <a:cs typeface="Courier New" panose="02070309020205020404" pitchFamily="49" charset="0"/>
+              </a:rPr>
+              <a:t> </a:t>
+            </a:r>
+            <a:r>
+              <a:rPr lang="en-US" sz="2000" dirty="0" err="1" smtClean="0">
+                <a:solidFill>
+                  <a:schemeClr val="bg1"/>
+                </a:solidFill>
+                <a:latin typeface="+mj-lt"/>
+                <a:cs typeface="Courier New" panose="02070309020205020404" pitchFamily="49" charset="0"/>
+              </a:rPr>
+              <a:t>arr</a:t>
+            </a:r>
+            <a:r>
+              <a:rPr lang="en-US" sz="2000" dirty="0" smtClean="0">
+                <a:solidFill>
+                  <a:schemeClr val="bg1"/>
+                </a:solidFill>
+                <a:latin typeface="+mj-lt"/>
+                <a:cs typeface="Courier New" panose="02070309020205020404" pitchFamily="49" charset="0"/>
+              </a:rPr>
+              <a:t> = new Array(3);</a:t>
+            </a:r>
+          </a:p>
+          <a:p>
+            <a:pPr>
+              <a:buFontTx/>
+              <a:buChar char="-"/>
+            </a:pPr>
+            <a:r>
+              <a:rPr lang="bg-BG" sz="2000" dirty="0" smtClean="0">
+                <a:solidFill>
+                  <a:schemeClr val="bg1"/>
+                </a:solidFill>
+                <a:latin typeface="+mj-lt"/>
+                <a:cs typeface="Courier New" panose="02070309020205020404" pitchFamily="49" charset="0"/>
+              </a:rPr>
+              <a:t>Чрез използване на квадратни скоби и директно дефиниране на елементите:</a:t>
+            </a:r>
+          </a:p>
+          <a:p>
+            <a:pPr marL="0" indent="0">
+              <a:buNone/>
+            </a:pPr>
+            <a:r>
+              <a:rPr lang="bg-BG" sz="2000" dirty="0">
+                <a:solidFill>
+                  <a:schemeClr val="bg1"/>
+                </a:solidFill>
+                <a:latin typeface="+mj-lt"/>
+                <a:cs typeface="Courier New" panose="02070309020205020404" pitchFamily="49" charset="0"/>
+              </a:rPr>
+              <a:t>	</a:t>
+            </a:r>
+            <a:r>
+              <a:rPr lang="en-US" sz="2000" dirty="0" err="1" smtClean="0">
+                <a:solidFill>
+                  <a:schemeClr val="bg1"/>
+                </a:solidFill>
+                <a:latin typeface="+mj-lt"/>
+                <a:cs typeface="Courier New" panose="02070309020205020404" pitchFamily="49" charset="0"/>
+              </a:rPr>
+              <a:t>var</a:t>
+            </a:r>
+            <a:r>
+              <a:rPr lang="en-US" sz="2000" dirty="0" smtClean="0">
+                <a:solidFill>
+                  <a:schemeClr val="bg1"/>
+                </a:solidFill>
+                <a:latin typeface="+mj-lt"/>
+                <a:cs typeface="Courier New" panose="02070309020205020404" pitchFamily="49" charset="0"/>
+              </a:rPr>
+              <a:t> </a:t>
+            </a:r>
+            <a:r>
+              <a:rPr lang="en-US" sz="2000" dirty="0" err="1" smtClean="0">
+                <a:solidFill>
+                  <a:schemeClr val="bg1"/>
+                </a:solidFill>
+                <a:latin typeface="+mj-lt"/>
+                <a:cs typeface="Courier New" panose="02070309020205020404" pitchFamily="49" charset="0"/>
+              </a:rPr>
+              <a:t>arr</a:t>
+            </a:r>
+            <a:r>
+              <a:rPr lang="en-US" sz="2000" dirty="0" smtClean="0">
+                <a:solidFill>
+                  <a:schemeClr val="bg1"/>
+                </a:solidFill>
+                <a:latin typeface="+mj-lt"/>
+                <a:cs typeface="Courier New" panose="02070309020205020404" pitchFamily="49" charset="0"/>
+              </a:rPr>
+              <a:t> = [0, 1, 2];</a:t>
+            </a:r>
+            <a:endParaRPr lang="bg-BG" sz="2000" dirty="0" smtClean="0">
               <a:solidFill>
-                <a:schemeClr val="bg1">
-                  <a:lumMod val="95000"/>
-                </a:schemeClr>
+                <a:schemeClr val="bg1"/>
               </a:solidFill>
-            </a:endParaRPr>
-          </a:p>
-          <a:p>
-            <a:pPr marL="457200" indent="-457200">
-              <a:buAutoNum type="arabicPeriod"/>
-            </a:pPr>
-            <a:endParaRPr lang="bg-BG" sz="2000" b="1" dirty="0">
-              <a:solidFill>
-                <a:schemeClr val="bg1">
-                  <a:lumMod val="95000"/>
-                </a:schemeClr>
-              </a:solidFill>
+              <a:latin typeface="+mj-lt"/>
+              <a:cs typeface="Courier New" panose="02070309020205020404" pitchFamily="49" charset="0"/>
             </a:endParaRPr>
           </a:p>
         </p:txBody>
@@ -18155,20 +18315,1335 @@
     </p:spTree>
     <p:extLst>
       <p:ext uri="{BB962C8B-B14F-4D97-AF65-F5344CB8AC3E}">
-        <p14:creationId xmlns:p14="http://schemas.microsoft.com/office/powerpoint/2010/main" val="4182690710"/>
+        <p14:creationId xmlns:p14="http://schemas.microsoft.com/office/powerpoint/2010/main" val="1053096599"/>
       </p:ext>
     </p:extLst>
   </p:cSld>
   <p:clrMapOvr>
     <a:masterClrMapping/>
   </p:clrMapOvr>
-  <p:timing>
-    <p:tnLst>
-      <p:par>
-        <p:cTn id="1" dur="indefinite" restart="never" nodeType="tmRoot"/>
-      </p:par>
-    </p:tnLst>
-  </p:timing>
+</p:sld>
+</file>
+
+<file path=ppt/slides/slide47.xml><?xml version="1.0" encoding="utf-8"?>
+<p:sld xmlns:a="http://schemas.openxmlformats.org/drawingml/2006/main" xmlns:r="http://schemas.openxmlformats.org/officeDocument/2006/relationships" xmlns:p="http://schemas.openxmlformats.org/presentationml/2006/main">
+  <p:cSld>
+    <p:spTree>
+      <p:nvGrpSpPr>
+        <p:cNvPr id="1" name=""/>
+        <p:cNvGrpSpPr/>
+        <p:nvPr/>
+      </p:nvGrpSpPr>
+      <p:grpSpPr>
+        <a:xfrm>
+          <a:off x="0" y="0"/>
+          <a:ext cx="0" cy="0"/>
+          <a:chOff x="0" y="0"/>
+          <a:chExt cx="0" cy="0"/>
+        </a:xfrm>
+      </p:grpSpPr>
+      <p:sp>
+        <p:nvSpPr>
+          <p:cNvPr id="2" name="Title 1"/>
+          <p:cNvSpPr>
+            <a:spLocks noGrp="1"/>
+          </p:cNvSpPr>
+          <p:nvPr>
+            <p:ph type="title"/>
+          </p:nvPr>
+        </p:nvSpPr>
+        <p:spPr>
+          <a:xfrm>
+            <a:off x="457200" y="762000"/>
+            <a:ext cx="8229600" cy="1143000"/>
+          </a:xfrm>
+        </p:spPr>
+        <p:txBody>
+          <a:bodyPr>
+            <a:normAutofit/>
+          </a:bodyPr>
+          <a:lstStyle/>
+          <a:p>
+            <a:pPr algn="l"/>
+            <a:r>
+              <a:rPr lang="en-US" sz="2900" dirty="0" smtClean="0">
+                <a:solidFill>
+                  <a:schemeClr val="accent6"/>
+                </a:solidFill>
+              </a:rPr>
+              <a:t>JavaScript</a:t>
+            </a:r>
+            <a:r>
+              <a:rPr lang="bg-BG" sz="2900" dirty="0" smtClean="0">
+                <a:solidFill>
+                  <a:schemeClr val="accent6"/>
+                </a:solidFill>
+              </a:rPr>
+              <a:t> –</a:t>
+            </a:r>
+            <a:r>
+              <a:rPr lang="en-US" sz="2900" dirty="0">
+                <a:solidFill>
+                  <a:schemeClr val="accent6"/>
+                </a:solidFill>
+              </a:rPr>
+              <a:t> </a:t>
+            </a:r>
+            <a:r>
+              <a:rPr lang="bg-BG" sz="2900" dirty="0" smtClean="0">
+                <a:solidFill>
+                  <a:schemeClr val="accent6"/>
+                </a:solidFill>
+              </a:rPr>
+              <a:t>достъпване на елементи в масив</a:t>
+            </a:r>
+            <a:endParaRPr lang="en-US" sz="2900" dirty="0"/>
+          </a:p>
+        </p:txBody>
+      </p:sp>
+      <p:sp>
+        <p:nvSpPr>
+          <p:cNvPr id="3" name="Content Placeholder 2"/>
+          <p:cNvSpPr>
+            <a:spLocks noGrp="1"/>
+          </p:cNvSpPr>
+          <p:nvPr>
+            <p:ph idx="1"/>
+          </p:nvPr>
+        </p:nvSpPr>
+        <p:spPr/>
+        <p:txBody>
+          <a:bodyPr>
+            <a:noAutofit/>
+          </a:bodyPr>
+          <a:lstStyle/>
+          <a:p>
+            <a:pPr marL="0" indent="0">
+              <a:buNone/>
+            </a:pPr>
+            <a:r>
+              <a:rPr lang="bg-BG" sz="2000" dirty="0" smtClean="0">
+                <a:solidFill>
+                  <a:schemeClr val="bg1"/>
+                </a:solidFill>
+                <a:latin typeface="+mj-lt"/>
+                <a:cs typeface="Courier New" panose="02070309020205020404" pitchFamily="49" charset="0"/>
+              </a:rPr>
+              <a:t>Достъпване на елементи в даден масив може да бъде направено чрез оператора </a:t>
+            </a:r>
+            <a:r>
+              <a:rPr lang="en-US" sz="2000" dirty="0" smtClean="0">
+                <a:solidFill>
+                  <a:schemeClr val="bg1"/>
+                </a:solidFill>
+                <a:latin typeface="+mj-lt"/>
+                <a:cs typeface="Courier New" panose="02070309020205020404" pitchFamily="49" charset="0"/>
+              </a:rPr>
+              <a:t>[]. </a:t>
+            </a:r>
+            <a:r>
+              <a:rPr lang="bg-BG" sz="2000" dirty="0" smtClean="0">
+                <a:solidFill>
+                  <a:schemeClr val="bg1"/>
+                </a:solidFill>
+                <a:latin typeface="+mj-lt"/>
+                <a:cs typeface="Courier New" panose="02070309020205020404" pitchFamily="49" charset="0"/>
+              </a:rPr>
+              <a:t>Всеки от елементите има собствен индекс. За да достъпим даден елемент, трябва да използваме неговия индекс. Първият елемент в масива има индекс 0. Последният елемент в масива има индекс </a:t>
+            </a:r>
+            <a:r>
+              <a:rPr lang="en-US" sz="2000" dirty="0" smtClean="0">
+                <a:solidFill>
+                  <a:schemeClr val="bg1"/>
+                </a:solidFill>
+                <a:latin typeface="+mj-lt"/>
+                <a:cs typeface="Courier New" panose="02070309020205020404" pitchFamily="49" charset="0"/>
+              </a:rPr>
+              <a:t>length-1.</a:t>
+            </a:r>
+          </a:p>
+          <a:p>
+            <a:pPr marL="0" indent="0">
+              <a:buNone/>
+            </a:pPr>
+            <a:r>
+              <a:rPr lang="bg-BG" sz="2000" dirty="0" smtClean="0">
+                <a:solidFill>
+                  <a:schemeClr val="bg1"/>
+                </a:solidFill>
+                <a:latin typeface="+mj-lt"/>
+                <a:cs typeface="Courier New" panose="02070309020205020404" pitchFamily="49" charset="0"/>
+              </a:rPr>
+              <a:t>Пример: обръщане на елементите в масив:</a:t>
+            </a:r>
+          </a:p>
+          <a:p>
+            <a:pPr marL="0" indent="0">
+              <a:buNone/>
+            </a:pPr>
+            <a:r>
+              <a:rPr lang="en-US" sz="1500" dirty="0" err="1">
+                <a:solidFill>
+                  <a:schemeClr val="bg1"/>
+                </a:solidFill>
+                <a:latin typeface="Courier New" panose="02070309020205020404" pitchFamily="49" charset="0"/>
+                <a:cs typeface="Courier New" panose="02070309020205020404" pitchFamily="49" charset="0"/>
+              </a:rPr>
+              <a:t>var</a:t>
+            </a:r>
+            <a:r>
+              <a:rPr lang="en-US" sz="1500" dirty="0">
+                <a:solidFill>
+                  <a:schemeClr val="bg1"/>
+                </a:solidFill>
+                <a:latin typeface="Courier New" panose="02070309020205020404" pitchFamily="49" charset="0"/>
+                <a:cs typeface="Courier New" panose="02070309020205020404" pitchFamily="49" charset="0"/>
+              </a:rPr>
+              <a:t> array = [1, 2, 3, 4, 5</a:t>
+            </a:r>
+            <a:r>
+              <a:rPr lang="en-US" sz="1500" dirty="0" smtClean="0">
+                <a:solidFill>
+                  <a:schemeClr val="bg1"/>
+                </a:solidFill>
+                <a:latin typeface="Courier New" panose="02070309020205020404" pitchFamily="49" charset="0"/>
+                <a:cs typeface="Courier New" panose="02070309020205020404" pitchFamily="49" charset="0"/>
+              </a:rPr>
+              <a:t>];</a:t>
+            </a:r>
+            <a:endParaRPr lang="en-US" sz="1500" dirty="0">
+              <a:solidFill>
+                <a:schemeClr val="bg1"/>
+              </a:solidFill>
+              <a:latin typeface="Courier New" panose="02070309020205020404" pitchFamily="49" charset="0"/>
+              <a:cs typeface="Courier New" panose="02070309020205020404" pitchFamily="49" charset="0"/>
+            </a:endParaRPr>
+          </a:p>
+          <a:p>
+            <a:pPr marL="0" indent="0">
+              <a:buNone/>
+            </a:pPr>
+            <a:r>
+              <a:rPr lang="en-US" sz="1500" dirty="0" err="1" smtClean="0">
+                <a:solidFill>
+                  <a:schemeClr val="bg1"/>
+                </a:solidFill>
+                <a:latin typeface="Courier New" panose="02070309020205020404" pitchFamily="49" charset="0"/>
+                <a:cs typeface="Courier New" panose="02070309020205020404" pitchFamily="49" charset="0"/>
+              </a:rPr>
+              <a:t>var</a:t>
+            </a:r>
+            <a:r>
+              <a:rPr lang="en-US" sz="1500" dirty="0" smtClean="0">
+                <a:solidFill>
+                  <a:schemeClr val="bg1"/>
+                </a:solidFill>
+                <a:latin typeface="Courier New" panose="02070309020205020404" pitchFamily="49" charset="0"/>
+                <a:cs typeface="Courier New" panose="02070309020205020404" pitchFamily="49" charset="0"/>
+              </a:rPr>
+              <a:t> </a:t>
+            </a:r>
+            <a:r>
+              <a:rPr lang="en-US" sz="1500" dirty="0">
+                <a:solidFill>
+                  <a:schemeClr val="bg1"/>
+                </a:solidFill>
+                <a:latin typeface="Courier New" panose="02070309020205020404" pitchFamily="49" charset="0"/>
+                <a:cs typeface="Courier New" panose="02070309020205020404" pitchFamily="49" charset="0"/>
+              </a:rPr>
+              <a:t>length = </a:t>
+            </a:r>
+            <a:r>
+              <a:rPr lang="en-US" sz="1500" dirty="0" err="1">
+                <a:solidFill>
+                  <a:schemeClr val="bg1"/>
+                </a:solidFill>
+                <a:latin typeface="Courier New" panose="02070309020205020404" pitchFamily="49" charset="0"/>
+                <a:cs typeface="Courier New" panose="02070309020205020404" pitchFamily="49" charset="0"/>
+              </a:rPr>
+              <a:t>array.length</a:t>
+            </a:r>
+            <a:r>
+              <a:rPr lang="en-US" sz="1500" dirty="0" smtClean="0">
+                <a:solidFill>
+                  <a:schemeClr val="bg1"/>
+                </a:solidFill>
+                <a:latin typeface="Courier New" panose="02070309020205020404" pitchFamily="49" charset="0"/>
+                <a:cs typeface="Courier New" panose="02070309020205020404" pitchFamily="49" charset="0"/>
+              </a:rPr>
+              <a:t>; </a:t>
+            </a:r>
+            <a:r>
+              <a:rPr lang="bg-BG" sz="1500" dirty="0" smtClean="0">
+                <a:solidFill>
+                  <a:schemeClr val="bg1"/>
+                </a:solidFill>
+                <a:latin typeface="Courier New" panose="02070309020205020404" pitchFamily="49" charset="0"/>
+                <a:cs typeface="Courier New" panose="02070309020205020404" pitchFamily="49" charset="0"/>
+              </a:rPr>
+              <a:t>// взимаме дължината на масива</a:t>
+            </a:r>
+            <a:endParaRPr lang="en-US" sz="1500" dirty="0">
+              <a:solidFill>
+                <a:schemeClr val="bg1"/>
+              </a:solidFill>
+              <a:latin typeface="Courier New" panose="02070309020205020404" pitchFamily="49" charset="0"/>
+              <a:cs typeface="Courier New" panose="02070309020205020404" pitchFamily="49" charset="0"/>
+            </a:endParaRPr>
+          </a:p>
+          <a:p>
+            <a:pPr marL="0" indent="0">
+              <a:buNone/>
+            </a:pPr>
+            <a:r>
+              <a:rPr lang="en-US" sz="1500" dirty="0" err="1" smtClean="0">
+                <a:solidFill>
+                  <a:schemeClr val="bg1"/>
+                </a:solidFill>
+                <a:latin typeface="Courier New" panose="02070309020205020404" pitchFamily="49" charset="0"/>
+                <a:cs typeface="Courier New" panose="02070309020205020404" pitchFamily="49" charset="0"/>
+              </a:rPr>
+              <a:t>var</a:t>
+            </a:r>
+            <a:r>
+              <a:rPr lang="en-US" sz="1500" dirty="0" smtClean="0">
+                <a:solidFill>
+                  <a:schemeClr val="bg1"/>
+                </a:solidFill>
+                <a:latin typeface="Courier New" panose="02070309020205020404" pitchFamily="49" charset="0"/>
+                <a:cs typeface="Courier New" panose="02070309020205020404" pitchFamily="49" charset="0"/>
+              </a:rPr>
+              <a:t> </a:t>
+            </a:r>
+            <a:r>
+              <a:rPr lang="en-US" sz="1500" dirty="0">
+                <a:solidFill>
+                  <a:schemeClr val="bg1"/>
+                </a:solidFill>
+                <a:latin typeface="Courier New" panose="02070309020205020404" pitchFamily="49" charset="0"/>
+                <a:cs typeface="Courier New" panose="02070309020205020404" pitchFamily="49" charset="0"/>
+              </a:rPr>
+              <a:t>reversed = new Array(length</a:t>
+            </a:r>
+            <a:r>
+              <a:rPr lang="en-US" sz="1500" dirty="0" smtClean="0">
+                <a:solidFill>
+                  <a:schemeClr val="bg1"/>
+                </a:solidFill>
+                <a:latin typeface="Courier New" panose="02070309020205020404" pitchFamily="49" charset="0"/>
+                <a:cs typeface="Courier New" panose="02070309020205020404" pitchFamily="49" charset="0"/>
+              </a:rPr>
+              <a:t>);</a:t>
+            </a:r>
+            <a:r>
+              <a:rPr lang="bg-BG" sz="1500" dirty="0" smtClean="0">
+                <a:solidFill>
+                  <a:schemeClr val="bg1"/>
+                </a:solidFill>
+                <a:latin typeface="Courier New" panose="02070309020205020404" pitchFamily="49" charset="0"/>
+                <a:cs typeface="Courier New" panose="02070309020205020404" pitchFamily="49" charset="0"/>
+              </a:rPr>
+              <a:t> // създаване на „обърнатия“ масив</a:t>
+            </a:r>
+            <a:endParaRPr lang="en-US" sz="1500" dirty="0">
+              <a:solidFill>
+                <a:schemeClr val="bg1"/>
+              </a:solidFill>
+              <a:latin typeface="Courier New" panose="02070309020205020404" pitchFamily="49" charset="0"/>
+              <a:cs typeface="Courier New" panose="02070309020205020404" pitchFamily="49" charset="0"/>
+            </a:endParaRPr>
+          </a:p>
+          <a:p>
+            <a:pPr marL="0" indent="0">
+              <a:buNone/>
+            </a:pPr>
+            <a:r>
+              <a:rPr lang="en-US" sz="1500" dirty="0">
+                <a:solidFill>
+                  <a:schemeClr val="bg1"/>
+                </a:solidFill>
+                <a:latin typeface="Courier New" panose="02070309020205020404" pitchFamily="49" charset="0"/>
+                <a:cs typeface="Courier New" panose="02070309020205020404" pitchFamily="49" charset="0"/>
+              </a:rPr>
+              <a:t>for (</a:t>
+            </a:r>
+            <a:r>
+              <a:rPr lang="en-US" sz="1500" dirty="0" err="1">
+                <a:solidFill>
+                  <a:schemeClr val="bg1"/>
+                </a:solidFill>
+                <a:latin typeface="Courier New" panose="02070309020205020404" pitchFamily="49" charset="0"/>
+                <a:cs typeface="Courier New" panose="02070309020205020404" pitchFamily="49" charset="0"/>
+              </a:rPr>
+              <a:t>var</a:t>
+            </a:r>
+            <a:r>
+              <a:rPr lang="en-US" sz="1500" dirty="0">
+                <a:solidFill>
+                  <a:schemeClr val="bg1"/>
+                </a:solidFill>
+                <a:latin typeface="Courier New" panose="02070309020205020404" pitchFamily="49" charset="0"/>
+                <a:cs typeface="Courier New" panose="02070309020205020404" pitchFamily="49" charset="0"/>
+              </a:rPr>
+              <a:t> index = 0; index &lt; length; index</a:t>
+            </a:r>
+            <a:r>
+              <a:rPr lang="en-US" sz="1500" dirty="0" smtClean="0">
+                <a:solidFill>
+                  <a:schemeClr val="bg1"/>
+                </a:solidFill>
+                <a:latin typeface="Courier New" panose="02070309020205020404" pitchFamily="49" charset="0"/>
+                <a:cs typeface="Courier New" panose="02070309020205020404" pitchFamily="49" charset="0"/>
+              </a:rPr>
+              <a:t>++)</a:t>
+            </a:r>
+            <a:r>
+              <a:rPr lang="bg-BG" sz="1500" dirty="0" smtClean="0">
+                <a:solidFill>
+                  <a:schemeClr val="bg1"/>
+                </a:solidFill>
+                <a:latin typeface="Courier New" panose="02070309020205020404" pitchFamily="49" charset="0"/>
+                <a:cs typeface="Courier New" panose="02070309020205020404" pitchFamily="49" charset="0"/>
+              </a:rPr>
+              <a:t> // „пълнене“ на масива</a:t>
+            </a:r>
+            <a:endParaRPr lang="en-US" sz="1500" dirty="0">
+              <a:solidFill>
+                <a:schemeClr val="bg1"/>
+              </a:solidFill>
+              <a:latin typeface="Courier New" panose="02070309020205020404" pitchFamily="49" charset="0"/>
+              <a:cs typeface="Courier New" panose="02070309020205020404" pitchFamily="49" charset="0"/>
+            </a:endParaRPr>
+          </a:p>
+          <a:p>
+            <a:pPr marL="0" indent="0">
+              <a:buNone/>
+            </a:pPr>
+            <a:r>
+              <a:rPr lang="en-US" sz="1500" dirty="0">
+                <a:solidFill>
+                  <a:schemeClr val="bg1"/>
+                </a:solidFill>
+                <a:latin typeface="Courier New" panose="02070309020205020404" pitchFamily="49" charset="0"/>
+                <a:cs typeface="Courier New" panose="02070309020205020404" pitchFamily="49" charset="0"/>
+              </a:rPr>
+              <a:t>{</a:t>
+            </a:r>
+          </a:p>
+          <a:p>
+            <a:pPr marL="0" indent="0">
+              <a:buNone/>
+            </a:pPr>
+            <a:r>
+              <a:rPr lang="en-US" sz="1500" dirty="0">
+                <a:solidFill>
+                  <a:schemeClr val="bg1"/>
+                </a:solidFill>
+                <a:latin typeface="Courier New" panose="02070309020205020404" pitchFamily="49" charset="0"/>
+                <a:cs typeface="Courier New" panose="02070309020205020404" pitchFamily="49" charset="0"/>
+              </a:rPr>
+              <a:t>    reversed[length-index-1] = array[index];</a:t>
+            </a:r>
+          </a:p>
+          <a:p>
+            <a:pPr marL="0" indent="0">
+              <a:buNone/>
+            </a:pPr>
+            <a:r>
+              <a:rPr lang="en-US" sz="1500" dirty="0">
+                <a:solidFill>
+                  <a:schemeClr val="bg1"/>
+                </a:solidFill>
+                <a:latin typeface="Courier New" panose="02070309020205020404" pitchFamily="49" charset="0"/>
+                <a:cs typeface="Courier New" panose="02070309020205020404" pitchFamily="49" charset="0"/>
+              </a:rPr>
+              <a:t>}</a:t>
+            </a:r>
+          </a:p>
+          <a:p>
+            <a:pPr marL="0" indent="0">
+              <a:buNone/>
+            </a:pPr>
+            <a:endParaRPr lang="bg-BG" sz="2000" dirty="0" smtClean="0">
+              <a:solidFill>
+                <a:schemeClr val="bg1"/>
+              </a:solidFill>
+              <a:latin typeface="+mj-lt"/>
+              <a:cs typeface="Courier New" panose="02070309020205020404" pitchFamily="49" charset="0"/>
+            </a:endParaRPr>
+          </a:p>
+        </p:txBody>
+      </p:sp>
+    </p:spTree>
+    <p:extLst>
+      <p:ext uri="{BB962C8B-B14F-4D97-AF65-F5344CB8AC3E}">
+        <p14:creationId xmlns:p14="http://schemas.microsoft.com/office/powerpoint/2010/main" val="3535385039"/>
+      </p:ext>
+    </p:extLst>
+  </p:cSld>
+  <p:clrMapOvr>
+    <a:masterClrMapping/>
+  </p:clrMapOvr>
+</p:sld>
+</file>
+
+<file path=ppt/slides/slide48.xml><?xml version="1.0" encoding="utf-8"?>
+<p:sld xmlns:a="http://schemas.openxmlformats.org/drawingml/2006/main" xmlns:r="http://schemas.openxmlformats.org/officeDocument/2006/relationships" xmlns:p="http://schemas.openxmlformats.org/presentationml/2006/main">
+  <p:cSld>
+    <p:spTree>
+      <p:nvGrpSpPr>
+        <p:cNvPr id="1" name=""/>
+        <p:cNvGrpSpPr/>
+        <p:nvPr/>
+      </p:nvGrpSpPr>
+      <p:grpSpPr>
+        <a:xfrm>
+          <a:off x="0" y="0"/>
+          <a:ext cx="0" cy="0"/>
+          <a:chOff x="0" y="0"/>
+          <a:chExt cx="0" cy="0"/>
+        </a:xfrm>
+      </p:grpSpPr>
+      <p:sp>
+        <p:nvSpPr>
+          <p:cNvPr id="2" name="Title 1"/>
+          <p:cNvSpPr>
+            <a:spLocks noGrp="1"/>
+          </p:cNvSpPr>
+          <p:nvPr>
+            <p:ph type="title"/>
+          </p:nvPr>
+        </p:nvSpPr>
+        <p:spPr>
+          <a:xfrm>
+            <a:off x="457200" y="762000"/>
+            <a:ext cx="8229600" cy="1143000"/>
+          </a:xfrm>
+        </p:spPr>
+        <p:txBody>
+          <a:bodyPr>
+            <a:normAutofit/>
+          </a:bodyPr>
+          <a:lstStyle/>
+          <a:p>
+            <a:pPr algn="l"/>
+            <a:r>
+              <a:rPr lang="en-US" sz="2900" dirty="0" smtClean="0">
+                <a:solidFill>
+                  <a:schemeClr val="accent6"/>
+                </a:solidFill>
+              </a:rPr>
+              <a:t>JavaScript</a:t>
+            </a:r>
+            <a:r>
+              <a:rPr lang="bg-BG" sz="2900" dirty="0" smtClean="0">
+                <a:solidFill>
+                  <a:schemeClr val="accent6"/>
+                </a:solidFill>
+              </a:rPr>
+              <a:t> –</a:t>
+            </a:r>
+            <a:r>
+              <a:rPr lang="en-US" sz="2900" dirty="0">
+                <a:solidFill>
+                  <a:schemeClr val="accent6"/>
+                </a:solidFill>
+              </a:rPr>
+              <a:t> </a:t>
+            </a:r>
+            <a:r>
+              <a:rPr lang="bg-BG" sz="2900" dirty="0" smtClean="0">
+                <a:solidFill>
+                  <a:schemeClr val="accent6"/>
+                </a:solidFill>
+              </a:rPr>
+              <a:t>достъпване на елементи в масив</a:t>
+            </a:r>
+            <a:endParaRPr lang="en-US" sz="2900" dirty="0"/>
+          </a:p>
+        </p:txBody>
+      </p:sp>
+      <p:sp>
+        <p:nvSpPr>
+          <p:cNvPr id="3" name="Content Placeholder 2"/>
+          <p:cNvSpPr>
+            <a:spLocks noGrp="1"/>
+          </p:cNvSpPr>
+          <p:nvPr>
+            <p:ph idx="1"/>
+          </p:nvPr>
+        </p:nvSpPr>
+        <p:spPr/>
+        <p:txBody>
+          <a:bodyPr>
+            <a:noAutofit/>
+          </a:bodyPr>
+          <a:lstStyle/>
+          <a:p>
+            <a:pPr marL="0" indent="0">
+              <a:buNone/>
+            </a:pPr>
+            <a:r>
+              <a:rPr lang="bg-BG" sz="2000" dirty="0" smtClean="0">
+                <a:solidFill>
+                  <a:schemeClr val="bg1"/>
+                </a:solidFill>
+                <a:latin typeface="+mj-lt"/>
+                <a:cs typeface="Courier New" panose="02070309020205020404" pitchFamily="49" charset="0"/>
+              </a:rPr>
+              <a:t>Пример: показване на всички елементи в масив в обратен ред:</a:t>
+            </a:r>
+          </a:p>
+          <a:p>
+            <a:pPr marL="0" indent="0">
+              <a:buNone/>
+            </a:pPr>
+            <a:r>
+              <a:rPr lang="nn-NO" sz="1500" dirty="0">
+                <a:solidFill>
+                  <a:schemeClr val="bg1"/>
+                </a:solidFill>
+                <a:latin typeface="Courier New" panose="02070309020205020404" pitchFamily="49" charset="0"/>
+                <a:cs typeface="Courier New" panose="02070309020205020404" pitchFamily="49" charset="0"/>
+              </a:rPr>
+              <a:t>var myArray = [1,2,3,4,5];</a:t>
+            </a:r>
+          </a:p>
+          <a:p>
+            <a:pPr marL="0" indent="0">
+              <a:buNone/>
+            </a:pPr>
+            <a:r>
+              <a:rPr lang="nn-NO" sz="1500" dirty="0">
+                <a:solidFill>
+                  <a:schemeClr val="bg1"/>
+                </a:solidFill>
+                <a:latin typeface="Courier New" panose="02070309020205020404" pitchFamily="49" charset="0"/>
+                <a:cs typeface="Courier New" panose="02070309020205020404" pitchFamily="49" charset="0"/>
+              </a:rPr>
+              <a:t>for (var i = myArray.length-1; i &gt;= 0; i--)</a:t>
+            </a:r>
+          </a:p>
+          <a:p>
+            <a:pPr marL="0" indent="0">
+              <a:buNone/>
+            </a:pPr>
+            <a:r>
+              <a:rPr lang="nn-NO" sz="1500" dirty="0">
+                <a:solidFill>
+                  <a:schemeClr val="bg1"/>
+                </a:solidFill>
+                <a:latin typeface="Courier New" panose="02070309020205020404" pitchFamily="49" charset="0"/>
+                <a:cs typeface="Courier New" panose="02070309020205020404" pitchFamily="49" charset="0"/>
+              </a:rPr>
+              <a:t>{</a:t>
+            </a:r>
+          </a:p>
+          <a:p>
+            <a:pPr marL="0" indent="0">
+              <a:buNone/>
+            </a:pPr>
+            <a:r>
+              <a:rPr lang="nn-NO" sz="1500" dirty="0">
+                <a:solidFill>
+                  <a:schemeClr val="bg1"/>
+                </a:solidFill>
+                <a:latin typeface="Courier New" panose="02070309020205020404" pitchFamily="49" charset="0"/>
+                <a:cs typeface="Courier New" panose="02070309020205020404" pitchFamily="49" charset="0"/>
+              </a:rPr>
+              <a:t>    console.log(myArray[i] + " ");</a:t>
+            </a:r>
+          </a:p>
+          <a:p>
+            <a:pPr marL="0" indent="0">
+              <a:buNone/>
+            </a:pPr>
+            <a:r>
+              <a:rPr lang="nn-NO" sz="1500" dirty="0" smtClean="0">
+                <a:solidFill>
+                  <a:schemeClr val="bg1"/>
+                </a:solidFill>
+                <a:latin typeface="Courier New" panose="02070309020205020404" pitchFamily="49" charset="0"/>
+                <a:cs typeface="Courier New" panose="02070309020205020404" pitchFamily="49" charset="0"/>
+              </a:rPr>
+              <a:t>}</a:t>
+            </a:r>
+            <a:endParaRPr lang="bg-BG" sz="1500" dirty="0" smtClean="0">
+              <a:solidFill>
+                <a:schemeClr val="bg1"/>
+              </a:solidFill>
+              <a:latin typeface="Courier New" panose="02070309020205020404" pitchFamily="49" charset="0"/>
+              <a:cs typeface="Courier New" panose="02070309020205020404" pitchFamily="49" charset="0"/>
+            </a:endParaRPr>
+          </a:p>
+          <a:p>
+            <a:pPr marL="0" indent="0">
+              <a:buNone/>
+            </a:pPr>
+            <a:r>
+              <a:rPr lang="bg-BG" sz="1500" dirty="0" smtClean="0">
+                <a:solidFill>
+                  <a:schemeClr val="bg1"/>
+                </a:solidFill>
+                <a:latin typeface="Courier New" panose="02070309020205020404" pitchFamily="49" charset="0"/>
+                <a:cs typeface="Courier New" panose="02070309020205020404" pitchFamily="49" charset="0"/>
+              </a:rPr>
+              <a:t>//</a:t>
+            </a:r>
+            <a:endParaRPr lang="nn-NO" sz="1500" dirty="0">
+              <a:solidFill>
+                <a:schemeClr val="bg1"/>
+              </a:solidFill>
+              <a:latin typeface="Courier New" panose="02070309020205020404" pitchFamily="49" charset="0"/>
+              <a:cs typeface="Courier New" panose="02070309020205020404" pitchFamily="49" charset="0"/>
+            </a:endParaRPr>
+          </a:p>
+          <a:p>
+            <a:pPr marL="0" indent="0">
+              <a:buNone/>
+            </a:pPr>
+            <a:r>
+              <a:rPr lang="bg-BG" sz="2000" dirty="0">
+                <a:solidFill>
+                  <a:schemeClr val="bg1"/>
+                </a:solidFill>
+                <a:latin typeface="+mj-lt"/>
+                <a:cs typeface="Courier New" panose="02070309020205020404" pitchFamily="49" charset="0"/>
+              </a:rPr>
+              <a:t>5 </a:t>
+            </a:r>
+          </a:p>
+          <a:p>
+            <a:pPr marL="0" indent="0">
+              <a:buNone/>
+            </a:pPr>
+            <a:r>
+              <a:rPr lang="bg-BG" sz="2000" dirty="0">
+                <a:solidFill>
+                  <a:schemeClr val="bg1"/>
+                </a:solidFill>
+                <a:latin typeface="+mj-lt"/>
+                <a:cs typeface="Courier New" panose="02070309020205020404" pitchFamily="49" charset="0"/>
+              </a:rPr>
+              <a:t>4 </a:t>
+            </a:r>
+          </a:p>
+          <a:p>
+            <a:pPr marL="0" indent="0">
+              <a:buNone/>
+            </a:pPr>
+            <a:r>
+              <a:rPr lang="bg-BG" sz="2000" dirty="0">
+                <a:solidFill>
+                  <a:schemeClr val="bg1"/>
+                </a:solidFill>
+                <a:latin typeface="+mj-lt"/>
+                <a:cs typeface="Courier New" panose="02070309020205020404" pitchFamily="49" charset="0"/>
+              </a:rPr>
+              <a:t>3 </a:t>
+            </a:r>
+          </a:p>
+          <a:p>
+            <a:pPr marL="0" indent="0">
+              <a:buNone/>
+            </a:pPr>
+            <a:r>
+              <a:rPr lang="bg-BG" sz="2000" dirty="0">
+                <a:solidFill>
+                  <a:schemeClr val="bg1"/>
+                </a:solidFill>
+                <a:latin typeface="+mj-lt"/>
+                <a:cs typeface="Courier New" panose="02070309020205020404" pitchFamily="49" charset="0"/>
+              </a:rPr>
+              <a:t>2 </a:t>
+            </a:r>
+          </a:p>
+          <a:p>
+            <a:pPr marL="0" indent="0">
+              <a:buNone/>
+            </a:pPr>
+            <a:r>
+              <a:rPr lang="bg-BG" sz="2000" dirty="0">
+                <a:solidFill>
+                  <a:schemeClr val="bg1"/>
+                </a:solidFill>
+                <a:latin typeface="+mj-lt"/>
+                <a:cs typeface="Courier New" panose="02070309020205020404" pitchFamily="49" charset="0"/>
+              </a:rPr>
+              <a:t>1 </a:t>
+            </a:r>
+            <a:endParaRPr lang="bg-BG" sz="2000" dirty="0" smtClean="0">
+              <a:solidFill>
+                <a:schemeClr val="bg1"/>
+              </a:solidFill>
+              <a:latin typeface="+mj-lt"/>
+              <a:cs typeface="Courier New" panose="02070309020205020404" pitchFamily="49" charset="0"/>
+            </a:endParaRPr>
+          </a:p>
+        </p:txBody>
+      </p:sp>
+    </p:spTree>
+    <p:extLst>
+      <p:ext uri="{BB962C8B-B14F-4D97-AF65-F5344CB8AC3E}">
+        <p14:creationId xmlns:p14="http://schemas.microsoft.com/office/powerpoint/2010/main" val="227793230"/>
+      </p:ext>
+    </p:extLst>
+  </p:cSld>
+  <p:clrMapOvr>
+    <a:masterClrMapping/>
+  </p:clrMapOvr>
+</p:sld>
+</file>
+
+<file path=ppt/slides/slide49.xml><?xml version="1.0" encoding="utf-8"?>
+<p:sld xmlns:a="http://schemas.openxmlformats.org/drawingml/2006/main" xmlns:r="http://schemas.openxmlformats.org/officeDocument/2006/relationships" xmlns:p="http://schemas.openxmlformats.org/presentationml/2006/main">
+  <p:cSld>
+    <p:spTree>
+      <p:nvGrpSpPr>
+        <p:cNvPr id="1" name=""/>
+        <p:cNvGrpSpPr/>
+        <p:nvPr/>
+      </p:nvGrpSpPr>
+      <p:grpSpPr>
+        <a:xfrm>
+          <a:off x="0" y="0"/>
+          <a:ext cx="0" cy="0"/>
+          <a:chOff x="0" y="0"/>
+          <a:chExt cx="0" cy="0"/>
+        </a:xfrm>
+      </p:grpSpPr>
+      <p:sp>
+        <p:nvSpPr>
+          <p:cNvPr id="2" name="Title 1"/>
+          <p:cNvSpPr>
+            <a:spLocks noGrp="1"/>
+          </p:cNvSpPr>
+          <p:nvPr>
+            <p:ph type="title"/>
+          </p:nvPr>
+        </p:nvSpPr>
+        <p:spPr>
+          <a:xfrm>
+            <a:off x="457200" y="762000"/>
+            <a:ext cx="8229600" cy="1143000"/>
+          </a:xfrm>
+        </p:spPr>
+        <p:txBody>
+          <a:bodyPr>
+            <a:normAutofit/>
+          </a:bodyPr>
+          <a:lstStyle/>
+          <a:p>
+            <a:pPr algn="l"/>
+            <a:r>
+              <a:rPr lang="en-US" sz="2900" dirty="0" smtClean="0">
+                <a:solidFill>
+                  <a:schemeClr val="accent6"/>
+                </a:solidFill>
+              </a:rPr>
+              <a:t>JavaScript</a:t>
+            </a:r>
+            <a:r>
+              <a:rPr lang="bg-BG" sz="2900" dirty="0" smtClean="0">
+                <a:solidFill>
+                  <a:schemeClr val="accent6"/>
+                </a:solidFill>
+              </a:rPr>
+              <a:t> –</a:t>
+            </a:r>
+            <a:r>
+              <a:rPr lang="en-US" sz="2900" dirty="0">
+                <a:solidFill>
+                  <a:schemeClr val="accent6"/>
+                </a:solidFill>
+              </a:rPr>
+              <a:t> </a:t>
+            </a:r>
+            <a:r>
+              <a:rPr lang="bg-BG" sz="2900" dirty="0" smtClean="0">
+                <a:solidFill>
+                  <a:schemeClr val="accent6"/>
+                </a:solidFill>
+              </a:rPr>
+              <a:t>работа с масиви – </a:t>
+            </a:r>
+            <a:r>
+              <a:rPr lang="en-US" sz="2900" dirty="0" smtClean="0">
+                <a:solidFill>
+                  <a:schemeClr val="accent6"/>
+                </a:solidFill>
+              </a:rPr>
+              <a:t>for each</a:t>
+            </a:r>
+            <a:endParaRPr lang="en-US" sz="2900" dirty="0"/>
+          </a:p>
+        </p:txBody>
+      </p:sp>
+      <p:sp>
+        <p:nvSpPr>
+          <p:cNvPr id="3" name="Content Placeholder 2"/>
+          <p:cNvSpPr>
+            <a:spLocks noGrp="1"/>
+          </p:cNvSpPr>
+          <p:nvPr>
+            <p:ph idx="1"/>
+          </p:nvPr>
+        </p:nvSpPr>
+        <p:spPr/>
+        <p:txBody>
+          <a:bodyPr>
+            <a:noAutofit/>
+          </a:bodyPr>
+          <a:lstStyle/>
+          <a:p>
+            <a:pPr marL="0" indent="0">
+              <a:buNone/>
+            </a:pPr>
+            <a:r>
+              <a:rPr lang="en-US" sz="2000" dirty="0" smtClean="0">
+                <a:solidFill>
+                  <a:schemeClr val="bg1"/>
+                </a:solidFill>
+                <a:latin typeface="+mj-lt"/>
+                <a:cs typeface="Courier New" panose="02070309020205020404" pitchFamily="49" charset="0"/>
+              </a:rPr>
+              <a:t>For each </a:t>
+            </a:r>
+            <a:r>
+              <a:rPr lang="bg-BG" sz="2000" dirty="0" smtClean="0">
+                <a:solidFill>
+                  <a:schemeClr val="bg1"/>
+                </a:solidFill>
+                <a:latin typeface="+mj-lt"/>
+                <a:cs typeface="Courier New" panose="02070309020205020404" pitchFamily="49" charset="0"/>
+              </a:rPr>
+              <a:t>операторът играе ролята на цикъл, който обхожда елементите в даден масив</a:t>
+            </a:r>
+            <a:r>
+              <a:rPr lang="en-US" sz="2000" dirty="0" smtClean="0">
+                <a:solidFill>
+                  <a:schemeClr val="bg1"/>
+                </a:solidFill>
+                <a:latin typeface="+mj-lt"/>
+                <a:cs typeface="Courier New" panose="02070309020205020404" pitchFamily="49" charset="0"/>
+              </a:rPr>
+              <a:t>. </a:t>
+            </a:r>
+            <a:r>
+              <a:rPr lang="bg-BG" sz="2000" dirty="0" smtClean="0">
+                <a:solidFill>
+                  <a:schemeClr val="bg1"/>
+                </a:solidFill>
+                <a:latin typeface="+mj-lt"/>
+                <a:cs typeface="Courier New" panose="02070309020205020404" pitchFamily="49" charset="0"/>
+              </a:rPr>
+              <a:t>Дефинираната от нас променлива обхожда индексите на елементите в масива. </a:t>
+            </a:r>
+          </a:p>
+          <a:p>
+            <a:pPr marL="0" indent="0">
+              <a:buNone/>
+            </a:pPr>
+            <a:r>
+              <a:rPr lang="bg-BG" sz="2000" dirty="0" smtClean="0">
+                <a:solidFill>
+                  <a:schemeClr val="bg1"/>
+                </a:solidFill>
+                <a:latin typeface="+mj-lt"/>
+                <a:cs typeface="Courier New" panose="02070309020205020404" pitchFamily="49" charset="0"/>
+              </a:rPr>
+              <a:t>Пример:</a:t>
+            </a:r>
+          </a:p>
+          <a:p>
+            <a:pPr marL="0" indent="0">
+              <a:buNone/>
+            </a:pPr>
+            <a:r>
+              <a:rPr lang="en-US" sz="1500" dirty="0" smtClean="0">
+                <a:solidFill>
+                  <a:schemeClr val="bg1"/>
+                </a:solidFill>
+                <a:latin typeface="Courier New" panose="02070309020205020404" pitchFamily="49" charset="0"/>
+                <a:cs typeface="Courier New" panose="02070309020205020404" pitchFamily="49" charset="0"/>
+              </a:rPr>
+              <a:t>for(</a:t>
+            </a:r>
+            <a:r>
+              <a:rPr lang="en-US" sz="1500" dirty="0" err="1" smtClean="0">
+                <a:solidFill>
+                  <a:schemeClr val="bg1"/>
+                </a:solidFill>
+                <a:latin typeface="Courier New" panose="02070309020205020404" pitchFamily="49" charset="0"/>
+                <a:cs typeface="Courier New" panose="02070309020205020404" pitchFamily="49" charset="0"/>
+              </a:rPr>
+              <a:t>var</a:t>
+            </a:r>
+            <a:r>
+              <a:rPr lang="en-US" sz="1500" dirty="0" smtClean="0">
+                <a:solidFill>
+                  <a:schemeClr val="bg1"/>
+                </a:solidFill>
+                <a:latin typeface="Courier New" panose="02070309020205020404" pitchFamily="49" charset="0"/>
+                <a:cs typeface="Courier New" panose="02070309020205020404" pitchFamily="49" charset="0"/>
+              </a:rPr>
+              <a:t> </a:t>
+            </a:r>
+            <a:r>
+              <a:rPr lang="en-US" sz="1500" dirty="0" err="1" smtClean="0">
+                <a:solidFill>
+                  <a:schemeClr val="bg1"/>
+                </a:solidFill>
+                <a:latin typeface="Courier New" panose="02070309020205020404" pitchFamily="49" charset="0"/>
+                <a:cs typeface="Courier New" panose="02070309020205020404" pitchFamily="49" charset="0"/>
+              </a:rPr>
+              <a:t>i</a:t>
+            </a:r>
+            <a:r>
+              <a:rPr lang="en-US" sz="1500" dirty="0" smtClean="0">
+                <a:solidFill>
+                  <a:schemeClr val="bg1"/>
+                </a:solidFill>
+                <a:latin typeface="Courier New" panose="02070309020205020404" pitchFamily="49" charset="0"/>
+                <a:cs typeface="Courier New" panose="02070309020205020404" pitchFamily="49" charset="0"/>
+              </a:rPr>
+              <a:t> in </a:t>
+            </a:r>
+            <a:r>
+              <a:rPr lang="en-US" sz="1500" dirty="0" err="1" smtClean="0">
+                <a:solidFill>
+                  <a:schemeClr val="bg1"/>
+                </a:solidFill>
+                <a:latin typeface="Courier New" panose="02070309020205020404" pitchFamily="49" charset="0"/>
+                <a:cs typeface="Courier New" panose="02070309020205020404" pitchFamily="49" charset="0"/>
+              </a:rPr>
+              <a:t>myArray</a:t>
+            </a:r>
+            <a:r>
+              <a:rPr lang="en-US" sz="1500" dirty="0" smtClean="0">
+                <a:solidFill>
+                  <a:schemeClr val="bg1"/>
+                </a:solidFill>
+                <a:latin typeface="Courier New" panose="02070309020205020404" pitchFamily="49" charset="0"/>
+                <a:cs typeface="Courier New" panose="02070309020205020404" pitchFamily="49" charset="0"/>
+              </a:rPr>
+              <a:t>) {</a:t>
+            </a:r>
+          </a:p>
+          <a:p>
+            <a:pPr marL="0" indent="0">
+              <a:buNone/>
+            </a:pPr>
+            <a:r>
+              <a:rPr lang="en-US" sz="1500" dirty="0">
+                <a:solidFill>
+                  <a:schemeClr val="bg1"/>
+                </a:solidFill>
+                <a:latin typeface="Courier New" panose="02070309020205020404" pitchFamily="49" charset="0"/>
+                <a:cs typeface="Courier New" panose="02070309020205020404" pitchFamily="49" charset="0"/>
+              </a:rPr>
+              <a:t>	</a:t>
+            </a:r>
+            <a:r>
+              <a:rPr lang="en-US" sz="1500" dirty="0" smtClean="0">
+                <a:solidFill>
+                  <a:schemeClr val="bg1"/>
+                </a:solidFill>
+                <a:latin typeface="Courier New" panose="02070309020205020404" pitchFamily="49" charset="0"/>
+                <a:cs typeface="Courier New" panose="02070309020205020404" pitchFamily="49" charset="0"/>
+              </a:rPr>
+              <a:t>…</a:t>
+            </a:r>
+          </a:p>
+          <a:p>
+            <a:pPr marL="0" indent="0">
+              <a:buNone/>
+            </a:pPr>
+            <a:r>
+              <a:rPr lang="en-US" sz="1500" dirty="0" smtClean="0">
+                <a:solidFill>
+                  <a:schemeClr val="bg1"/>
+                </a:solidFill>
+                <a:latin typeface="Courier New" panose="02070309020205020404" pitchFamily="49" charset="0"/>
+                <a:cs typeface="Courier New" panose="02070309020205020404" pitchFamily="49" charset="0"/>
+              </a:rPr>
+              <a:t>}</a:t>
+            </a:r>
+            <a:endParaRPr lang="bg-BG" sz="1500" dirty="0" smtClean="0">
+              <a:solidFill>
+                <a:schemeClr val="bg1"/>
+              </a:solidFill>
+              <a:latin typeface="Courier New" panose="02070309020205020404" pitchFamily="49" charset="0"/>
+              <a:cs typeface="Courier New" panose="02070309020205020404" pitchFamily="49" charset="0"/>
+            </a:endParaRPr>
+          </a:p>
+          <a:p>
+            <a:pPr marL="0" indent="0">
+              <a:buNone/>
+            </a:pPr>
+            <a:r>
+              <a:rPr lang="bg-BG" sz="2000" dirty="0" smtClean="0">
+                <a:solidFill>
+                  <a:schemeClr val="bg1"/>
+                </a:solidFill>
+                <a:latin typeface="+mj-lt"/>
+                <a:cs typeface="Courier New" panose="02070309020205020404" pitchFamily="49" charset="0"/>
+              </a:rPr>
+              <a:t>Пример, показване на всички студенти в курса:</a:t>
+            </a:r>
+          </a:p>
+          <a:p>
+            <a:pPr marL="0" indent="0">
+              <a:buNone/>
+            </a:pPr>
+            <a:r>
+              <a:rPr lang="en-US" sz="1500" dirty="0" err="1" smtClean="0">
+                <a:solidFill>
+                  <a:schemeClr val="bg1"/>
+                </a:solidFill>
+                <a:latin typeface="Courier New" panose="02070309020205020404" pitchFamily="49" charset="0"/>
+                <a:cs typeface="Courier New" panose="02070309020205020404" pitchFamily="49" charset="0"/>
+              </a:rPr>
+              <a:t>var</a:t>
+            </a:r>
+            <a:r>
+              <a:rPr lang="en-US" sz="1500" dirty="0" smtClean="0">
+                <a:solidFill>
+                  <a:schemeClr val="bg1"/>
+                </a:solidFill>
+                <a:latin typeface="Courier New" panose="02070309020205020404" pitchFamily="49" charset="0"/>
+                <a:cs typeface="Courier New" panose="02070309020205020404" pitchFamily="49" charset="0"/>
+              </a:rPr>
+              <a:t> </a:t>
+            </a:r>
+            <a:r>
+              <a:rPr lang="en-US" sz="1500" dirty="0" err="1" smtClean="0">
+                <a:solidFill>
+                  <a:schemeClr val="bg1"/>
+                </a:solidFill>
+                <a:latin typeface="Courier New" panose="02070309020205020404" pitchFamily="49" charset="0"/>
+                <a:cs typeface="Courier New" panose="02070309020205020404" pitchFamily="49" charset="0"/>
+              </a:rPr>
+              <a:t>ourCourse</a:t>
+            </a:r>
+            <a:r>
+              <a:rPr lang="en-US" sz="1500" dirty="0" smtClean="0">
+                <a:solidFill>
+                  <a:schemeClr val="bg1"/>
+                </a:solidFill>
+                <a:latin typeface="Courier New" panose="02070309020205020404" pitchFamily="49" charset="0"/>
+                <a:cs typeface="Courier New" panose="02070309020205020404" pitchFamily="49" charset="0"/>
+              </a:rPr>
+              <a:t> = [“Angel”, “Boris”, “Dani”, “Iva”, “</a:t>
+            </a:r>
+            <a:r>
+              <a:rPr lang="en-US" sz="1500" dirty="0" err="1" smtClean="0">
+                <a:solidFill>
+                  <a:schemeClr val="bg1"/>
+                </a:solidFill>
+                <a:latin typeface="Courier New" panose="02070309020205020404" pitchFamily="49" charset="0"/>
+                <a:cs typeface="Courier New" panose="02070309020205020404" pitchFamily="49" charset="0"/>
+              </a:rPr>
+              <a:t>Joro</a:t>
+            </a:r>
+            <a:r>
+              <a:rPr lang="en-US" sz="1500" dirty="0" smtClean="0">
+                <a:solidFill>
+                  <a:schemeClr val="bg1"/>
+                </a:solidFill>
+                <a:latin typeface="Courier New" panose="02070309020205020404" pitchFamily="49" charset="0"/>
+                <a:cs typeface="Courier New" panose="02070309020205020404" pitchFamily="49" charset="0"/>
+              </a:rPr>
+              <a:t>”, “</a:t>
+            </a:r>
+            <a:r>
+              <a:rPr lang="en-US" sz="1500" dirty="0" err="1" smtClean="0">
+                <a:solidFill>
+                  <a:schemeClr val="bg1"/>
+                </a:solidFill>
+                <a:latin typeface="Courier New" panose="02070309020205020404" pitchFamily="49" charset="0"/>
+                <a:cs typeface="Courier New" panose="02070309020205020404" pitchFamily="49" charset="0"/>
+              </a:rPr>
+              <a:t>Zdravko</a:t>
+            </a:r>
+            <a:r>
+              <a:rPr lang="en-US" sz="1500" dirty="0" smtClean="0">
+                <a:solidFill>
+                  <a:schemeClr val="bg1"/>
+                </a:solidFill>
+                <a:latin typeface="Courier New" panose="02070309020205020404" pitchFamily="49" charset="0"/>
+                <a:cs typeface="Courier New" panose="02070309020205020404" pitchFamily="49" charset="0"/>
+              </a:rPr>
+              <a:t>”];</a:t>
+            </a:r>
+          </a:p>
+          <a:p>
+            <a:pPr marL="0" indent="0">
+              <a:buNone/>
+            </a:pPr>
+            <a:r>
+              <a:rPr lang="en-US" sz="1500" dirty="0" smtClean="0">
+                <a:solidFill>
+                  <a:schemeClr val="bg1"/>
+                </a:solidFill>
+                <a:latin typeface="Courier New" panose="02070309020205020404" pitchFamily="49" charset="0"/>
+                <a:cs typeface="Courier New" panose="02070309020205020404" pitchFamily="49" charset="0"/>
+              </a:rPr>
+              <a:t>for(</a:t>
+            </a:r>
+            <a:r>
+              <a:rPr lang="en-US" sz="1500" dirty="0" err="1" smtClean="0">
+                <a:solidFill>
+                  <a:schemeClr val="bg1"/>
+                </a:solidFill>
+                <a:latin typeface="Courier New" panose="02070309020205020404" pitchFamily="49" charset="0"/>
+                <a:cs typeface="Courier New" panose="02070309020205020404" pitchFamily="49" charset="0"/>
+              </a:rPr>
+              <a:t>var</a:t>
+            </a:r>
+            <a:r>
+              <a:rPr lang="en-US" sz="1500" dirty="0" smtClean="0">
+                <a:solidFill>
+                  <a:schemeClr val="bg1"/>
+                </a:solidFill>
+                <a:latin typeface="Courier New" panose="02070309020205020404" pitchFamily="49" charset="0"/>
+                <a:cs typeface="Courier New" panose="02070309020205020404" pitchFamily="49" charset="0"/>
+              </a:rPr>
+              <a:t> </a:t>
+            </a:r>
+            <a:r>
+              <a:rPr lang="en-US" sz="1500" dirty="0" err="1" smtClean="0">
+                <a:solidFill>
+                  <a:schemeClr val="bg1"/>
+                </a:solidFill>
+                <a:latin typeface="Courier New" panose="02070309020205020404" pitchFamily="49" charset="0"/>
+                <a:cs typeface="Courier New" panose="02070309020205020404" pitchFamily="49" charset="0"/>
+              </a:rPr>
+              <a:t>i</a:t>
+            </a:r>
+            <a:r>
+              <a:rPr lang="en-US" sz="1500" dirty="0" smtClean="0">
+                <a:solidFill>
+                  <a:schemeClr val="bg1"/>
+                </a:solidFill>
+                <a:latin typeface="Courier New" panose="02070309020205020404" pitchFamily="49" charset="0"/>
+                <a:cs typeface="Courier New" panose="02070309020205020404" pitchFamily="49" charset="0"/>
+              </a:rPr>
+              <a:t> in </a:t>
+            </a:r>
+            <a:r>
+              <a:rPr lang="en-US" sz="1500" dirty="0" err="1" smtClean="0">
+                <a:solidFill>
+                  <a:schemeClr val="bg1"/>
+                </a:solidFill>
+                <a:latin typeface="Courier New" panose="02070309020205020404" pitchFamily="49" charset="0"/>
+                <a:cs typeface="Courier New" panose="02070309020205020404" pitchFamily="49" charset="0"/>
+              </a:rPr>
+              <a:t>ourCourse</a:t>
+            </a:r>
+            <a:r>
+              <a:rPr lang="en-US" sz="1500" dirty="0" smtClean="0">
+                <a:solidFill>
+                  <a:schemeClr val="bg1"/>
+                </a:solidFill>
+                <a:latin typeface="Courier New" panose="02070309020205020404" pitchFamily="49" charset="0"/>
+                <a:cs typeface="Courier New" panose="02070309020205020404" pitchFamily="49" charset="0"/>
+              </a:rPr>
+              <a:t>) {</a:t>
+            </a:r>
+          </a:p>
+          <a:p>
+            <a:pPr marL="0" indent="0">
+              <a:buNone/>
+            </a:pPr>
+            <a:r>
+              <a:rPr lang="en-US" sz="1500" dirty="0">
+                <a:solidFill>
+                  <a:schemeClr val="bg1"/>
+                </a:solidFill>
+                <a:latin typeface="Courier New" panose="02070309020205020404" pitchFamily="49" charset="0"/>
+                <a:cs typeface="Courier New" panose="02070309020205020404" pitchFamily="49" charset="0"/>
+              </a:rPr>
+              <a:t>	</a:t>
+            </a:r>
+            <a:r>
+              <a:rPr lang="en-US" sz="1500" dirty="0" smtClean="0">
+                <a:solidFill>
+                  <a:schemeClr val="bg1"/>
+                </a:solidFill>
+                <a:latin typeface="Courier New" panose="02070309020205020404" pitchFamily="49" charset="0"/>
+                <a:cs typeface="Courier New" panose="02070309020205020404" pitchFamily="49" charset="0"/>
+              </a:rPr>
+              <a:t>console.log(</a:t>
+            </a:r>
+            <a:r>
+              <a:rPr lang="en-US" sz="1500" dirty="0" err="1" smtClean="0">
+                <a:solidFill>
+                  <a:schemeClr val="bg1"/>
+                </a:solidFill>
+                <a:latin typeface="Courier New" panose="02070309020205020404" pitchFamily="49" charset="0"/>
+                <a:cs typeface="Courier New" panose="02070309020205020404" pitchFamily="49" charset="0"/>
+              </a:rPr>
+              <a:t>ourCourse</a:t>
+            </a:r>
+            <a:r>
+              <a:rPr lang="en-US" sz="1500" dirty="0" smtClean="0">
+                <a:solidFill>
+                  <a:schemeClr val="bg1"/>
+                </a:solidFill>
+                <a:latin typeface="Courier New" panose="02070309020205020404" pitchFamily="49" charset="0"/>
+                <a:cs typeface="Courier New" panose="02070309020205020404" pitchFamily="49" charset="0"/>
+              </a:rPr>
+              <a:t>[</a:t>
+            </a:r>
+            <a:r>
+              <a:rPr lang="en-US" sz="1500" dirty="0" err="1" smtClean="0">
+                <a:solidFill>
+                  <a:schemeClr val="bg1"/>
+                </a:solidFill>
+                <a:latin typeface="Courier New" panose="02070309020205020404" pitchFamily="49" charset="0"/>
+                <a:cs typeface="Courier New" panose="02070309020205020404" pitchFamily="49" charset="0"/>
+              </a:rPr>
+              <a:t>i</a:t>
+            </a:r>
+            <a:r>
+              <a:rPr lang="en-US" sz="1500" dirty="0" smtClean="0">
+                <a:solidFill>
+                  <a:schemeClr val="bg1"/>
+                </a:solidFill>
+                <a:latin typeface="Courier New" panose="02070309020205020404" pitchFamily="49" charset="0"/>
+                <a:cs typeface="Courier New" panose="02070309020205020404" pitchFamily="49" charset="0"/>
+              </a:rPr>
+              <a:t>]);</a:t>
+            </a:r>
+          </a:p>
+          <a:p>
+            <a:pPr marL="0" indent="0">
+              <a:buNone/>
+            </a:pPr>
+            <a:r>
+              <a:rPr lang="en-US" sz="1500" dirty="0" smtClean="0">
+                <a:solidFill>
+                  <a:schemeClr val="bg1"/>
+                </a:solidFill>
+                <a:latin typeface="Courier New" panose="02070309020205020404" pitchFamily="49" charset="0"/>
+                <a:cs typeface="Courier New" panose="02070309020205020404" pitchFamily="49" charset="0"/>
+              </a:rPr>
+              <a:t>}</a:t>
+            </a:r>
+          </a:p>
+        </p:txBody>
+      </p:sp>
+    </p:spTree>
+    <p:extLst>
+      <p:ext uri="{BB962C8B-B14F-4D97-AF65-F5344CB8AC3E}">
+        <p14:creationId xmlns:p14="http://schemas.microsoft.com/office/powerpoint/2010/main" val="3635686739"/>
+      </p:ext>
+    </p:extLst>
+  </p:cSld>
+  <p:clrMapOvr>
+    <a:masterClrMapping/>
+  </p:clrMapOvr>
 </p:sld>
 </file>
 
@@ -18596,6 +20071,2595 @@
     <p:extLst>
       <p:ext uri="{BB962C8B-B14F-4D97-AF65-F5344CB8AC3E}">
         <p14:creationId xmlns:p14="http://schemas.microsoft.com/office/powerpoint/2010/main" val="4208443717"/>
+      </p:ext>
+    </p:extLst>
+  </p:cSld>
+  <p:clrMapOvr>
+    <a:masterClrMapping/>
+  </p:clrMapOvr>
+  <p:timing>
+    <p:tnLst>
+      <p:par>
+        <p:cTn id="1" dur="indefinite" restart="never" nodeType="tmRoot"/>
+      </p:par>
+    </p:tnLst>
+  </p:timing>
+</p:sld>
+</file>
+
+<file path=ppt/slides/slide50.xml><?xml version="1.0" encoding="utf-8"?>
+<p:sld xmlns:a="http://schemas.openxmlformats.org/drawingml/2006/main" xmlns:r="http://schemas.openxmlformats.org/officeDocument/2006/relationships" xmlns:p="http://schemas.openxmlformats.org/presentationml/2006/main">
+  <p:cSld>
+    <p:spTree>
+      <p:nvGrpSpPr>
+        <p:cNvPr id="1" name=""/>
+        <p:cNvGrpSpPr/>
+        <p:nvPr/>
+      </p:nvGrpSpPr>
+      <p:grpSpPr>
+        <a:xfrm>
+          <a:off x="0" y="0"/>
+          <a:ext cx="0" cy="0"/>
+          <a:chOff x="0" y="0"/>
+          <a:chExt cx="0" cy="0"/>
+        </a:xfrm>
+      </p:grpSpPr>
+      <p:sp>
+        <p:nvSpPr>
+          <p:cNvPr id="2" name="Title 1"/>
+          <p:cNvSpPr>
+            <a:spLocks noGrp="1"/>
+          </p:cNvSpPr>
+          <p:nvPr>
+            <p:ph type="title"/>
+          </p:nvPr>
+        </p:nvSpPr>
+        <p:spPr>
+          <a:xfrm>
+            <a:off x="457200" y="762000"/>
+            <a:ext cx="8229600" cy="1143000"/>
+          </a:xfrm>
+        </p:spPr>
+        <p:txBody>
+          <a:bodyPr>
+            <a:normAutofit/>
+          </a:bodyPr>
+          <a:lstStyle/>
+          <a:p>
+            <a:pPr algn="l"/>
+            <a:r>
+              <a:rPr lang="en-US" sz="2900" dirty="0" smtClean="0">
+                <a:solidFill>
+                  <a:schemeClr val="accent6"/>
+                </a:solidFill>
+              </a:rPr>
+              <a:t>JavaScript</a:t>
+            </a:r>
+            <a:r>
+              <a:rPr lang="bg-BG" sz="2900" dirty="0" smtClean="0">
+                <a:solidFill>
+                  <a:schemeClr val="accent6"/>
+                </a:solidFill>
+              </a:rPr>
+              <a:t> –</a:t>
+            </a:r>
+            <a:r>
+              <a:rPr lang="en-US" sz="2900" dirty="0">
+                <a:solidFill>
+                  <a:schemeClr val="accent6"/>
+                </a:solidFill>
+              </a:rPr>
+              <a:t> </a:t>
+            </a:r>
+            <a:r>
+              <a:rPr lang="bg-BG" sz="2900" dirty="0" smtClean="0">
+                <a:solidFill>
+                  <a:schemeClr val="accent6"/>
+                </a:solidFill>
+              </a:rPr>
+              <a:t>динамични масиви</a:t>
+            </a:r>
+            <a:endParaRPr lang="en-US" sz="2900" dirty="0"/>
+          </a:p>
+        </p:txBody>
+      </p:sp>
+      <p:sp>
+        <p:nvSpPr>
+          <p:cNvPr id="3" name="Content Placeholder 2"/>
+          <p:cNvSpPr>
+            <a:spLocks noGrp="1"/>
+          </p:cNvSpPr>
+          <p:nvPr>
+            <p:ph idx="1"/>
+          </p:nvPr>
+        </p:nvSpPr>
+        <p:spPr/>
+        <p:txBody>
+          <a:bodyPr>
+            <a:noAutofit/>
+          </a:bodyPr>
+          <a:lstStyle/>
+          <a:p>
+            <a:pPr marL="0" indent="0">
+              <a:buNone/>
+            </a:pPr>
+            <a:r>
+              <a:rPr lang="bg-BG" sz="2000" dirty="0" smtClean="0">
+                <a:solidFill>
+                  <a:schemeClr val="bg1"/>
+                </a:solidFill>
+                <a:latin typeface="+mj-lt"/>
+                <a:cs typeface="Courier New" panose="02070309020205020404" pitchFamily="49" charset="0"/>
+              </a:rPr>
+              <a:t>Всички масиви в </a:t>
+            </a:r>
+            <a:r>
+              <a:rPr lang="en-US" sz="2000" dirty="0" smtClean="0">
+                <a:solidFill>
+                  <a:schemeClr val="bg1"/>
+                </a:solidFill>
+                <a:latin typeface="+mj-lt"/>
+                <a:cs typeface="Courier New" panose="02070309020205020404" pitchFamily="49" charset="0"/>
+              </a:rPr>
+              <a:t>JavaScript </a:t>
+            </a:r>
+            <a:r>
+              <a:rPr lang="bg-BG" sz="2000" dirty="0" smtClean="0">
+                <a:solidFill>
+                  <a:schemeClr val="bg1"/>
+                </a:solidFill>
+                <a:latin typeface="+mj-lt"/>
+                <a:cs typeface="Courier New" panose="02070309020205020404" pitchFamily="49" charset="0"/>
+              </a:rPr>
+              <a:t>са динамични. Това означава, че те могат да променят размера си в процеса на работа; може да се добавят нови елементи в масива; може да се премахват елементи от масива.</a:t>
+            </a:r>
+            <a:br>
+              <a:rPr lang="bg-BG" sz="2000" dirty="0" smtClean="0">
+                <a:solidFill>
+                  <a:schemeClr val="bg1"/>
+                </a:solidFill>
+                <a:latin typeface="+mj-lt"/>
+                <a:cs typeface="Courier New" panose="02070309020205020404" pitchFamily="49" charset="0"/>
+              </a:rPr>
+            </a:br>
+            <a:r>
+              <a:rPr lang="bg-BG" sz="2000" dirty="0" smtClean="0">
+                <a:solidFill>
+                  <a:schemeClr val="bg1"/>
+                </a:solidFill>
+                <a:latin typeface="+mj-lt"/>
+                <a:cs typeface="Courier New" panose="02070309020205020404" pitchFamily="49" charset="0"/>
+              </a:rPr>
+              <a:t>Методи за работа с масиви:</a:t>
+            </a:r>
+          </a:p>
+          <a:p>
+            <a:pPr>
+              <a:buFontTx/>
+              <a:buChar char="-"/>
+            </a:pPr>
+            <a:r>
+              <a:rPr lang="en-US" sz="2000" dirty="0" smtClean="0">
+                <a:solidFill>
+                  <a:schemeClr val="bg1"/>
+                </a:solidFill>
+                <a:latin typeface="+mj-lt"/>
+                <a:cs typeface="Courier New" panose="02070309020205020404" pitchFamily="49" charset="0"/>
+              </a:rPr>
+              <a:t>Push – </a:t>
+            </a:r>
+            <a:r>
+              <a:rPr lang="bg-BG" sz="2000" dirty="0" smtClean="0">
+                <a:solidFill>
+                  <a:schemeClr val="bg1"/>
+                </a:solidFill>
+                <a:latin typeface="+mj-lt"/>
+                <a:cs typeface="Courier New" panose="02070309020205020404" pitchFamily="49" charset="0"/>
+              </a:rPr>
+              <a:t>добавя нов елемент на последната позиция от масива.</a:t>
+            </a:r>
+          </a:p>
+          <a:p>
+            <a:pPr>
+              <a:buFontTx/>
+              <a:buChar char="-"/>
+            </a:pPr>
+            <a:r>
+              <a:rPr lang="en-US" sz="2000" dirty="0" smtClean="0">
+                <a:solidFill>
+                  <a:schemeClr val="bg1"/>
+                </a:solidFill>
+                <a:latin typeface="+mj-lt"/>
+                <a:cs typeface="Courier New" panose="02070309020205020404" pitchFamily="49" charset="0"/>
+              </a:rPr>
+              <a:t>Pop – </a:t>
+            </a:r>
+            <a:r>
+              <a:rPr lang="bg-BG" sz="2000" dirty="0" smtClean="0">
+                <a:solidFill>
+                  <a:schemeClr val="bg1"/>
+                </a:solidFill>
+                <a:latin typeface="+mj-lt"/>
+                <a:cs typeface="Courier New" panose="02070309020205020404" pitchFamily="49" charset="0"/>
+              </a:rPr>
+              <a:t>премахва елемента, който се намира на последната позиция от масива и връща премахнатия елемент.</a:t>
+            </a:r>
+          </a:p>
+          <a:p>
+            <a:pPr>
+              <a:buFontTx/>
+              <a:buChar char="-"/>
+            </a:pPr>
+            <a:r>
+              <a:rPr lang="en-US" sz="2000" dirty="0" err="1" smtClean="0">
+                <a:solidFill>
+                  <a:schemeClr val="bg1"/>
+                </a:solidFill>
+                <a:latin typeface="+mj-lt"/>
+                <a:cs typeface="Courier New" panose="02070309020205020404" pitchFamily="49" charset="0"/>
+              </a:rPr>
+              <a:t>Unshift</a:t>
+            </a:r>
+            <a:r>
+              <a:rPr lang="en-US" sz="2000" dirty="0" smtClean="0">
+                <a:solidFill>
+                  <a:schemeClr val="bg1"/>
+                </a:solidFill>
+                <a:latin typeface="+mj-lt"/>
+                <a:cs typeface="Courier New" panose="02070309020205020404" pitchFamily="49" charset="0"/>
+              </a:rPr>
+              <a:t> – </a:t>
+            </a:r>
+            <a:r>
+              <a:rPr lang="bg-BG" sz="2000" dirty="0" smtClean="0">
+                <a:solidFill>
+                  <a:schemeClr val="bg1"/>
+                </a:solidFill>
+                <a:latin typeface="+mj-lt"/>
+                <a:cs typeface="Courier New" panose="02070309020205020404" pitchFamily="49" charset="0"/>
+              </a:rPr>
+              <a:t>добавя нов елемент на първата позиция от масива.</a:t>
+            </a:r>
+          </a:p>
+          <a:p>
+            <a:pPr>
+              <a:buFontTx/>
+              <a:buChar char="-"/>
+            </a:pPr>
+            <a:r>
+              <a:rPr lang="en-US" sz="2000" dirty="0" smtClean="0">
+                <a:solidFill>
+                  <a:schemeClr val="bg1"/>
+                </a:solidFill>
+                <a:latin typeface="+mj-lt"/>
+                <a:cs typeface="Courier New" panose="02070309020205020404" pitchFamily="49" charset="0"/>
+              </a:rPr>
+              <a:t>Shift – </a:t>
+            </a:r>
+            <a:r>
+              <a:rPr lang="bg-BG" sz="2000" dirty="0" smtClean="0">
+                <a:solidFill>
+                  <a:schemeClr val="bg1"/>
+                </a:solidFill>
+                <a:latin typeface="+mj-lt"/>
+                <a:cs typeface="Courier New" panose="02070309020205020404" pitchFamily="49" charset="0"/>
+              </a:rPr>
+              <a:t>премахва елемента, който се намира на първата позиция от масива и връща премахнатия елемент.</a:t>
+            </a:r>
+            <a:endParaRPr lang="en-US" sz="2000" dirty="0" smtClean="0">
+              <a:solidFill>
+                <a:schemeClr val="bg1"/>
+              </a:solidFill>
+              <a:latin typeface="+mj-lt"/>
+              <a:cs typeface="Courier New" panose="02070309020205020404" pitchFamily="49" charset="0"/>
+            </a:endParaRPr>
+          </a:p>
+          <a:p>
+            <a:pPr>
+              <a:buFontTx/>
+              <a:buChar char="-"/>
+            </a:pPr>
+            <a:r>
+              <a:rPr lang="en-US" sz="2000" dirty="0" smtClean="0">
+                <a:solidFill>
+                  <a:schemeClr val="bg1"/>
+                </a:solidFill>
+                <a:latin typeface="+mj-lt"/>
+                <a:cs typeface="Courier New" panose="02070309020205020404" pitchFamily="49" charset="0"/>
+              </a:rPr>
+              <a:t>Join – </a:t>
+            </a:r>
+            <a:r>
+              <a:rPr lang="bg-BG" sz="2000" dirty="0" smtClean="0">
+                <a:solidFill>
+                  <a:schemeClr val="bg1"/>
+                </a:solidFill>
+                <a:latin typeface="+mj-lt"/>
+                <a:cs typeface="Courier New" panose="02070309020205020404" pitchFamily="49" charset="0"/>
+              </a:rPr>
+              <a:t>съединява елементите от масива, като функцията приема аргумент – знака, с който ще бъдат разделяни елементите в масива.</a:t>
+            </a:r>
+            <a:endParaRPr lang="en-US" sz="2000" dirty="0" smtClean="0">
+              <a:solidFill>
+                <a:schemeClr val="bg1"/>
+              </a:solidFill>
+              <a:latin typeface="+mj-lt"/>
+              <a:cs typeface="Courier New" panose="02070309020205020404" pitchFamily="49" charset="0"/>
+            </a:endParaRPr>
+          </a:p>
+        </p:txBody>
+      </p:sp>
+    </p:spTree>
+    <p:extLst>
+      <p:ext uri="{BB962C8B-B14F-4D97-AF65-F5344CB8AC3E}">
+        <p14:creationId xmlns:p14="http://schemas.microsoft.com/office/powerpoint/2010/main" val="4168400449"/>
+      </p:ext>
+    </p:extLst>
+  </p:cSld>
+  <p:clrMapOvr>
+    <a:masterClrMapping/>
+  </p:clrMapOvr>
+</p:sld>
+</file>
+
+<file path=ppt/slides/slide51.xml><?xml version="1.0" encoding="utf-8"?>
+<p:sld xmlns:a="http://schemas.openxmlformats.org/drawingml/2006/main" xmlns:r="http://schemas.openxmlformats.org/officeDocument/2006/relationships" xmlns:p="http://schemas.openxmlformats.org/presentationml/2006/main">
+  <p:cSld>
+    <p:spTree>
+      <p:nvGrpSpPr>
+        <p:cNvPr id="1" name=""/>
+        <p:cNvGrpSpPr/>
+        <p:nvPr/>
+      </p:nvGrpSpPr>
+      <p:grpSpPr>
+        <a:xfrm>
+          <a:off x="0" y="0"/>
+          <a:ext cx="0" cy="0"/>
+          <a:chOff x="0" y="0"/>
+          <a:chExt cx="0" cy="0"/>
+        </a:xfrm>
+      </p:grpSpPr>
+      <p:sp>
+        <p:nvSpPr>
+          <p:cNvPr id="2" name="Title 1"/>
+          <p:cNvSpPr>
+            <a:spLocks noGrp="1"/>
+          </p:cNvSpPr>
+          <p:nvPr>
+            <p:ph type="title"/>
+          </p:nvPr>
+        </p:nvSpPr>
+        <p:spPr>
+          <a:xfrm>
+            <a:off x="457200" y="762000"/>
+            <a:ext cx="8229600" cy="1143000"/>
+          </a:xfrm>
+        </p:spPr>
+        <p:txBody>
+          <a:bodyPr>
+            <a:normAutofit/>
+          </a:bodyPr>
+          <a:lstStyle/>
+          <a:p>
+            <a:pPr algn="l"/>
+            <a:r>
+              <a:rPr lang="en-US" sz="2900" dirty="0" smtClean="0">
+                <a:solidFill>
+                  <a:schemeClr val="accent6"/>
+                </a:solidFill>
+              </a:rPr>
+              <a:t>JavaScript</a:t>
+            </a:r>
+            <a:r>
+              <a:rPr lang="bg-BG" sz="2900" dirty="0" smtClean="0">
+                <a:solidFill>
+                  <a:schemeClr val="accent6"/>
+                </a:solidFill>
+              </a:rPr>
+              <a:t> –</a:t>
+            </a:r>
+            <a:r>
+              <a:rPr lang="en-US" sz="2900" dirty="0">
+                <a:solidFill>
+                  <a:schemeClr val="accent6"/>
+                </a:solidFill>
+              </a:rPr>
+              <a:t> </a:t>
+            </a:r>
+            <a:r>
+              <a:rPr lang="bg-BG" sz="2900" dirty="0" smtClean="0">
+                <a:solidFill>
+                  <a:schemeClr val="accent6"/>
+                </a:solidFill>
+              </a:rPr>
+              <a:t>динамични масиви</a:t>
+            </a:r>
+            <a:endParaRPr lang="en-US" sz="2900" dirty="0"/>
+          </a:p>
+        </p:txBody>
+      </p:sp>
+      <p:sp>
+        <p:nvSpPr>
+          <p:cNvPr id="3" name="Content Placeholder 2"/>
+          <p:cNvSpPr>
+            <a:spLocks noGrp="1"/>
+          </p:cNvSpPr>
+          <p:nvPr>
+            <p:ph idx="1"/>
+          </p:nvPr>
+        </p:nvSpPr>
+        <p:spPr/>
+        <p:txBody>
+          <a:bodyPr>
+            <a:noAutofit/>
+          </a:bodyPr>
+          <a:lstStyle/>
+          <a:p>
+            <a:pPr marL="0" indent="0">
+              <a:buNone/>
+            </a:pPr>
+            <a:r>
+              <a:rPr lang="bg-BG" sz="2000" dirty="0" smtClean="0">
+                <a:solidFill>
+                  <a:schemeClr val="bg1"/>
+                </a:solidFill>
+                <a:latin typeface="+mj-lt"/>
+                <a:cs typeface="Courier New" panose="02070309020205020404" pitchFamily="49" charset="0"/>
+              </a:rPr>
+              <a:t>Пример:</a:t>
+            </a:r>
+          </a:p>
+          <a:p>
+            <a:pPr marL="0" indent="0">
+              <a:buNone/>
+            </a:pPr>
+            <a:r>
+              <a:rPr lang="en-US" sz="1800" dirty="0" err="1" smtClean="0">
+                <a:solidFill>
+                  <a:schemeClr val="bg1"/>
+                </a:solidFill>
+                <a:latin typeface="Courier New" panose="02070309020205020404" pitchFamily="49" charset="0"/>
+                <a:cs typeface="Courier New" panose="02070309020205020404" pitchFamily="49" charset="0"/>
+              </a:rPr>
+              <a:t>var</a:t>
+            </a:r>
+            <a:r>
+              <a:rPr lang="en-US" sz="1800" dirty="0" smtClean="0">
+                <a:solidFill>
+                  <a:schemeClr val="bg1"/>
+                </a:solidFill>
+                <a:latin typeface="Courier New" panose="02070309020205020404" pitchFamily="49" charset="0"/>
+                <a:cs typeface="Courier New" panose="02070309020205020404" pitchFamily="49" charset="0"/>
+              </a:rPr>
+              <a:t> </a:t>
+            </a:r>
+            <a:r>
+              <a:rPr lang="en-US" sz="1800" dirty="0" err="1" smtClean="0">
+                <a:solidFill>
+                  <a:schemeClr val="bg1"/>
+                </a:solidFill>
+                <a:latin typeface="Courier New" panose="02070309020205020404" pitchFamily="49" charset="0"/>
+                <a:cs typeface="Courier New" panose="02070309020205020404" pitchFamily="49" charset="0"/>
+              </a:rPr>
+              <a:t>myArray</a:t>
+            </a:r>
+            <a:r>
+              <a:rPr lang="en-US" sz="1800" dirty="0" smtClean="0">
+                <a:solidFill>
+                  <a:schemeClr val="bg1"/>
+                </a:solidFill>
+                <a:latin typeface="Courier New" panose="02070309020205020404" pitchFamily="49" charset="0"/>
+                <a:cs typeface="Courier New" panose="02070309020205020404" pitchFamily="49" charset="0"/>
+              </a:rPr>
+              <a:t> = [1,2,3,4,5];</a:t>
+            </a:r>
+          </a:p>
+          <a:p>
+            <a:pPr marL="0" indent="0">
+              <a:buNone/>
+            </a:pPr>
+            <a:r>
+              <a:rPr lang="en-US" sz="1800" dirty="0" err="1" smtClean="0">
+                <a:solidFill>
+                  <a:schemeClr val="bg1"/>
+                </a:solidFill>
+                <a:latin typeface="Courier New" panose="02070309020205020404" pitchFamily="49" charset="0"/>
+                <a:cs typeface="Courier New" panose="02070309020205020404" pitchFamily="49" charset="0"/>
+              </a:rPr>
+              <a:t>var</a:t>
+            </a:r>
+            <a:r>
+              <a:rPr lang="en-US" sz="1800" dirty="0" smtClean="0">
+                <a:solidFill>
+                  <a:schemeClr val="bg1"/>
+                </a:solidFill>
+                <a:latin typeface="Courier New" panose="02070309020205020404" pitchFamily="49" charset="0"/>
+                <a:cs typeface="Courier New" panose="02070309020205020404" pitchFamily="49" charset="0"/>
+              </a:rPr>
+              <a:t> </a:t>
+            </a:r>
+            <a:r>
+              <a:rPr lang="en-US" sz="1800" dirty="0" err="1" smtClean="0">
+                <a:solidFill>
+                  <a:schemeClr val="bg1"/>
+                </a:solidFill>
+                <a:latin typeface="Courier New" panose="02070309020205020404" pitchFamily="49" charset="0"/>
+                <a:cs typeface="Courier New" panose="02070309020205020404" pitchFamily="49" charset="0"/>
+              </a:rPr>
+              <a:t>removedElement</a:t>
+            </a:r>
+            <a:r>
+              <a:rPr lang="en-US" sz="1800" dirty="0" smtClean="0">
+                <a:solidFill>
+                  <a:schemeClr val="bg1"/>
+                </a:solidFill>
+                <a:latin typeface="Courier New" panose="02070309020205020404" pitchFamily="49" charset="0"/>
+                <a:cs typeface="Courier New" panose="02070309020205020404" pitchFamily="49" charset="0"/>
+              </a:rPr>
+              <a:t> = </a:t>
+            </a:r>
+            <a:r>
+              <a:rPr lang="en-US" sz="1800" dirty="0" err="1" smtClean="0">
+                <a:solidFill>
+                  <a:schemeClr val="bg1"/>
+                </a:solidFill>
+                <a:latin typeface="Courier New" panose="02070309020205020404" pitchFamily="49" charset="0"/>
+                <a:cs typeface="Courier New" panose="02070309020205020404" pitchFamily="49" charset="0"/>
+              </a:rPr>
+              <a:t>myArray.pop</a:t>
+            </a:r>
+            <a:r>
+              <a:rPr lang="en-US" sz="1800" dirty="0" smtClean="0">
+                <a:solidFill>
+                  <a:schemeClr val="bg1"/>
+                </a:solidFill>
+                <a:latin typeface="Courier New" panose="02070309020205020404" pitchFamily="49" charset="0"/>
+                <a:cs typeface="Courier New" panose="02070309020205020404" pitchFamily="49" charset="0"/>
+              </a:rPr>
+              <a:t>(); // </a:t>
+            </a:r>
+            <a:r>
+              <a:rPr lang="en-US" sz="1800" dirty="0" err="1" smtClean="0">
+                <a:solidFill>
+                  <a:schemeClr val="bg1"/>
+                </a:solidFill>
+                <a:latin typeface="Courier New" panose="02070309020205020404" pitchFamily="49" charset="0"/>
+                <a:cs typeface="Courier New" panose="02070309020205020404" pitchFamily="49" charset="0"/>
+              </a:rPr>
+              <a:t>removedElement</a:t>
+            </a:r>
+            <a:r>
+              <a:rPr lang="en-US" sz="1800" dirty="0" smtClean="0">
+                <a:solidFill>
+                  <a:schemeClr val="bg1"/>
+                </a:solidFill>
+                <a:latin typeface="Courier New" panose="02070309020205020404" pitchFamily="49" charset="0"/>
+                <a:cs typeface="Courier New" panose="02070309020205020404" pitchFamily="49" charset="0"/>
+              </a:rPr>
+              <a:t> = 5;</a:t>
+            </a:r>
+          </a:p>
+          <a:p>
+            <a:pPr marL="0" indent="0">
+              <a:buNone/>
+            </a:pPr>
+            <a:r>
+              <a:rPr lang="en-US" sz="1800" dirty="0" smtClean="0">
+                <a:solidFill>
+                  <a:schemeClr val="bg1"/>
+                </a:solidFill>
+                <a:latin typeface="Courier New" panose="02070309020205020404" pitchFamily="49" charset="0"/>
+                <a:cs typeface="Courier New" panose="02070309020205020404" pitchFamily="49" charset="0"/>
+              </a:rPr>
+              <a:t>console.log(</a:t>
+            </a:r>
+            <a:r>
+              <a:rPr lang="en-US" sz="1800" dirty="0" err="1" smtClean="0">
+                <a:solidFill>
+                  <a:schemeClr val="bg1"/>
+                </a:solidFill>
+                <a:latin typeface="Courier New" panose="02070309020205020404" pitchFamily="49" charset="0"/>
+                <a:cs typeface="Courier New" panose="02070309020205020404" pitchFamily="49" charset="0"/>
+              </a:rPr>
+              <a:t>myArray</a:t>
+            </a:r>
+            <a:r>
+              <a:rPr lang="en-US" sz="1800" dirty="0" smtClean="0">
+                <a:solidFill>
+                  <a:schemeClr val="bg1"/>
+                </a:solidFill>
+                <a:latin typeface="Courier New" panose="02070309020205020404" pitchFamily="49" charset="0"/>
+                <a:cs typeface="Courier New" panose="02070309020205020404" pitchFamily="49" charset="0"/>
+              </a:rPr>
+              <a:t>); // [1,2,3,4]</a:t>
+            </a:r>
+          </a:p>
+          <a:p>
+            <a:pPr marL="0" indent="0">
+              <a:buNone/>
+            </a:pPr>
+            <a:r>
+              <a:rPr lang="en-US" sz="1800" dirty="0" err="1" smtClean="0">
+                <a:solidFill>
+                  <a:schemeClr val="bg1"/>
+                </a:solidFill>
+                <a:latin typeface="Courier New" panose="02070309020205020404" pitchFamily="49" charset="0"/>
+                <a:cs typeface="Courier New" panose="02070309020205020404" pitchFamily="49" charset="0"/>
+              </a:rPr>
+              <a:t>myArray.unshift</a:t>
+            </a:r>
+            <a:r>
+              <a:rPr lang="en-US" sz="1800" dirty="0" smtClean="0">
+                <a:solidFill>
+                  <a:schemeClr val="bg1"/>
+                </a:solidFill>
+                <a:latin typeface="Courier New" panose="02070309020205020404" pitchFamily="49" charset="0"/>
+                <a:cs typeface="Courier New" panose="02070309020205020404" pitchFamily="49" charset="0"/>
+              </a:rPr>
+              <a:t>(0);</a:t>
+            </a:r>
+          </a:p>
+          <a:p>
+            <a:pPr marL="0" indent="0">
+              <a:buNone/>
+            </a:pPr>
+            <a:r>
+              <a:rPr lang="en-US" sz="1800" dirty="0" smtClean="0">
+                <a:solidFill>
+                  <a:schemeClr val="bg1"/>
+                </a:solidFill>
+                <a:latin typeface="Courier New" panose="02070309020205020404" pitchFamily="49" charset="0"/>
+                <a:cs typeface="Courier New" panose="02070309020205020404" pitchFamily="49" charset="0"/>
+              </a:rPr>
+              <a:t>console.log(</a:t>
+            </a:r>
+            <a:r>
+              <a:rPr lang="en-US" sz="1800" dirty="0" err="1" smtClean="0">
+                <a:solidFill>
+                  <a:schemeClr val="bg1"/>
+                </a:solidFill>
+                <a:latin typeface="Courier New" panose="02070309020205020404" pitchFamily="49" charset="0"/>
+                <a:cs typeface="Courier New" panose="02070309020205020404" pitchFamily="49" charset="0"/>
+              </a:rPr>
+              <a:t>myArray</a:t>
+            </a:r>
+            <a:r>
+              <a:rPr lang="en-US" sz="1800" dirty="0" smtClean="0">
+                <a:solidFill>
+                  <a:schemeClr val="bg1"/>
+                </a:solidFill>
+                <a:latin typeface="Courier New" panose="02070309020205020404" pitchFamily="49" charset="0"/>
+                <a:cs typeface="Courier New" panose="02070309020205020404" pitchFamily="49" charset="0"/>
+              </a:rPr>
+              <a:t>); // [0,1,2,3,4]</a:t>
+            </a:r>
+          </a:p>
+          <a:p>
+            <a:pPr marL="0" indent="0">
+              <a:buNone/>
+            </a:pPr>
+            <a:r>
+              <a:rPr lang="en-US" sz="1800" dirty="0" err="1" smtClean="0">
+                <a:solidFill>
+                  <a:schemeClr val="bg1"/>
+                </a:solidFill>
+                <a:latin typeface="Courier New" panose="02070309020205020404" pitchFamily="49" charset="0"/>
+                <a:cs typeface="Courier New" panose="02070309020205020404" pitchFamily="49" charset="0"/>
+              </a:rPr>
+              <a:t>myArray.push</a:t>
+            </a:r>
+            <a:r>
+              <a:rPr lang="en-US" sz="1800" dirty="0" smtClean="0">
+                <a:solidFill>
+                  <a:schemeClr val="bg1"/>
+                </a:solidFill>
+                <a:latin typeface="Courier New" panose="02070309020205020404" pitchFamily="49" charset="0"/>
+                <a:cs typeface="Courier New" panose="02070309020205020404" pitchFamily="49" charset="0"/>
+              </a:rPr>
+              <a:t>(5);</a:t>
+            </a:r>
+          </a:p>
+          <a:p>
+            <a:pPr marL="0" indent="0">
+              <a:buNone/>
+            </a:pPr>
+            <a:r>
+              <a:rPr lang="en-US" sz="1800" dirty="0" smtClean="0">
+                <a:solidFill>
+                  <a:schemeClr val="bg1"/>
+                </a:solidFill>
+                <a:latin typeface="Courier New" panose="02070309020205020404" pitchFamily="49" charset="0"/>
+                <a:cs typeface="Courier New" panose="02070309020205020404" pitchFamily="49" charset="0"/>
+              </a:rPr>
+              <a:t>console.log(</a:t>
+            </a:r>
+            <a:r>
+              <a:rPr lang="en-US" sz="1800" dirty="0" err="1" smtClean="0">
+                <a:solidFill>
+                  <a:schemeClr val="bg1"/>
+                </a:solidFill>
+                <a:latin typeface="Courier New" panose="02070309020205020404" pitchFamily="49" charset="0"/>
+                <a:cs typeface="Courier New" panose="02070309020205020404" pitchFamily="49" charset="0"/>
+              </a:rPr>
+              <a:t>myArray</a:t>
+            </a:r>
+            <a:r>
+              <a:rPr lang="en-US" sz="1800" dirty="0" smtClean="0">
+                <a:solidFill>
+                  <a:schemeClr val="bg1"/>
+                </a:solidFill>
+                <a:latin typeface="Courier New" panose="02070309020205020404" pitchFamily="49" charset="0"/>
+                <a:cs typeface="Courier New" panose="02070309020205020404" pitchFamily="49" charset="0"/>
+              </a:rPr>
+              <a:t>); // [0,1,2,3,4,5]</a:t>
+            </a:r>
+            <a:endParaRPr lang="bg-BG" sz="1800" dirty="0" smtClean="0">
+              <a:solidFill>
+                <a:schemeClr val="bg1"/>
+              </a:solidFill>
+              <a:latin typeface="Courier New" panose="02070309020205020404" pitchFamily="49" charset="0"/>
+              <a:cs typeface="Courier New" panose="02070309020205020404" pitchFamily="49" charset="0"/>
+            </a:endParaRPr>
+          </a:p>
+          <a:p>
+            <a:pPr marL="0" indent="0">
+              <a:buNone/>
+            </a:pPr>
+            <a:r>
+              <a:rPr lang="en-US" sz="1800" dirty="0" err="1" smtClean="0">
+                <a:solidFill>
+                  <a:schemeClr val="bg1"/>
+                </a:solidFill>
+                <a:latin typeface="Courier New" panose="02070309020205020404" pitchFamily="49" charset="0"/>
+                <a:cs typeface="Courier New" panose="02070309020205020404" pitchFamily="49" charset="0"/>
+              </a:rPr>
+              <a:t>myArray.join</a:t>
+            </a:r>
+            <a:r>
+              <a:rPr lang="en-US" sz="1800" dirty="0" smtClean="0">
+                <a:solidFill>
+                  <a:schemeClr val="bg1"/>
+                </a:solidFill>
+                <a:latin typeface="Courier New" panose="02070309020205020404" pitchFamily="49" charset="0"/>
+                <a:cs typeface="Courier New" panose="02070309020205020404" pitchFamily="49" charset="0"/>
+              </a:rPr>
+              <a:t>(‘|’);</a:t>
+            </a:r>
+          </a:p>
+          <a:p>
+            <a:pPr marL="0" indent="0">
+              <a:buNone/>
+            </a:pPr>
+            <a:r>
+              <a:rPr lang="en-US" sz="1800" dirty="0" smtClean="0">
+                <a:solidFill>
+                  <a:schemeClr val="bg1"/>
+                </a:solidFill>
+                <a:latin typeface="Courier New" panose="02070309020205020404" pitchFamily="49" charset="0"/>
+                <a:cs typeface="Courier New" panose="02070309020205020404" pitchFamily="49" charset="0"/>
+              </a:rPr>
+              <a:t>console.log(</a:t>
+            </a:r>
+            <a:r>
+              <a:rPr lang="en-US" sz="1800" dirty="0" err="1" smtClean="0">
+                <a:solidFill>
+                  <a:schemeClr val="bg1"/>
+                </a:solidFill>
+                <a:latin typeface="Courier New" panose="02070309020205020404" pitchFamily="49" charset="0"/>
+                <a:cs typeface="Courier New" panose="02070309020205020404" pitchFamily="49" charset="0"/>
+              </a:rPr>
+              <a:t>myArray</a:t>
+            </a:r>
+            <a:r>
+              <a:rPr lang="en-US" sz="1800" dirty="0" smtClean="0">
+                <a:solidFill>
+                  <a:schemeClr val="bg1"/>
+                </a:solidFill>
+                <a:latin typeface="Courier New" panose="02070309020205020404" pitchFamily="49" charset="0"/>
+                <a:cs typeface="Courier New" panose="02070309020205020404" pitchFamily="49" charset="0"/>
+              </a:rPr>
+              <a:t>); // [0|1|2|3|4|5]</a:t>
+            </a:r>
+          </a:p>
+        </p:txBody>
+      </p:sp>
+    </p:spTree>
+    <p:extLst>
+      <p:ext uri="{BB962C8B-B14F-4D97-AF65-F5344CB8AC3E}">
+        <p14:creationId xmlns:p14="http://schemas.microsoft.com/office/powerpoint/2010/main" val="3307437643"/>
+      </p:ext>
+    </p:extLst>
+  </p:cSld>
+  <p:clrMapOvr>
+    <a:masterClrMapping/>
+  </p:clrMapOvr>
+</p:sld>
+</file>
+
+<file path=ppt/slides/slide52.xml><?xml version="1.0" encoding="utf-8"?>
+<p:sld xmlns:a="http://schemas.openxmlformats.org/drawingml/2006/main" xmlns:r="http://schemas.openxmlformats.org/officeDocument/2006/relationships" xmlns:p="http://schemas.openxmlformats.org/presentationml/2006/main">
+  <p:cSld>
+    <p:spTree>
+      <p:nvGrpSpPr>
+        <p:cNvPr id="1" name=""/>
+        <p:cNvGrpSpPr/>
+        <p:nvPr/>
+      </p:nvGrpSpPr>
+      <p:grpSpPr>
+        <a:xfrm>
+          <a:off x="0" y="0"/>
+          <a:ext cx="0" cy="0"/>
+          <a:chOff x="0" y="0"/>
+          <a:chExt cx="0" cy="0"/>
+        </a:xfrm>
+      </p:grpSpPr>
+      <p:sp>
+        <p:nvSpPr>
+          <p:cNvPr id="2" name="Title 1"/>
+          <p:cNvSpPr>
+            <a:spLocks noGrp="1"/>
+          </p:cNvSpPr>
+          <p:nvPr>
+            <p:ph type="title"/>
+          </p:nvPr>
+        </p:nvSpPr>
+        <p:spPr>
+          <a:xfrm>
+            <a:off x="457200" y="762000"/>
+            <a:ext cx="8229600" cy="1143000"/>
+          </a:xfrm>
+        </p:spPr>
+        <p:txBody>
+          <a:bodyPr>
+            <a:normAutofit/>
+          </a:bodyPr>
+          <a:lstStyle/>
+          <a:p>
+            <a:pPr algn="l"/>
+            <a:r>
+              <a:rPr lang="en-US" sz="2900" dirty="0" smtClean="0">
+                <a:solidFill>
+                  <a:schemeClr val="accent6"/>
+                </a:solidFill>
+              </a:rPr>
+              <a:t>JavaScript</a:t>
+            </a:r>
+            <a:r>
+              <a:rPr lang="bg-BG" sz="2900" dirty="0" smtClean="0">
+                <a:solidFill>
+                  <a:schemeClr val="accent6"/>
+                </a:solidFill>
+              </a:rPr>
+              <a:t> –</a:t>
+            </a:r>
+            <a:r>
+              <a:rPr lang="en-US" sz="2900" dirty="0">
+                <a:solidFill>
+                  <a:schemeClr val="accent6"/>
+                </a:solidFill>
+              </a:rPr>
+              <a:t> </a:t>
+            </a:r>
+            <a:r>
+              <a:rPr lang="bg-BG" sz="2900" dirty="0" smtClean="0">
+                <a:solidFill>
+                  <a:schemeClr val="accent6"/>
+                </a:solidFill>
+              </a:rPr>
+              <a:t>сортиране на</a:t>
+            </a:r>
+            <a:r>
+              <a:rPr lang="bg-BG" sz="2900" dirty="0" smtClean="0">
+                <a:solidFill>
+                  <a:schemeClr val="accent6"/>
+                </a:solidFill>
+              </a:rPr>
+              <a:t> масиви</a:t>
+            </a:r>
+            <a:endParaRPr lang="en-US" sz="2900" dirty="0"/>
+          </a:p>
+        </p:txBody>
+      </p:sp>
+      <p:sp>
+        <p:nvSpPr>
+          <p:cNvPr id="3" name="Content Placeholder 2"/>
+          <p:cNvSpPr>
+            <a:spLocks noGrp="1"/>
+          </p:cNvSpPr>
+          <p:nvPr>
+            <p:ph idx="1"/>
+          </p:nvPr>
+        </p:nvSpPr>
+        <p:spPr/>
+        <p:txBody>
+          <a:bodyPr>
+            <a:noAutofit/>
+          </a:bodyPr>
+          <a:lstStyle/>
+          <a:p>
+            <a:pPr marL="0" indent="0">
+              <a:buNone/>
+            </a:pPr>
+            <a:r>
+              <a:rPr lang="bg-BG" sz="2000" dirty="0" smtClean="0">
+                <a:solidFill>
+                  <a:schemeClr val="bg1"/>
+                </a:solidFill>
+                <a:latin typeface="+mj-lt"/>
+                <a:cs typeface="Courier New" panose="02070309020205020404" pitchFamily="49" charset="0"/>
+              </a:rPr>
+              <a:t>За сортиране на масиви, </a:t>
+            </a:r>
+            <a:r>
+              <a:rPr lang="en-US" sz="2000" dirty="0" smtClean="0">
+                <a:solidFill>
+                  <a:schemeClr val="bg1"/>
+                </a:solidFill>
+                <a:latin typeface="+mj-lt"/>
+                <a:cs typeface="Courier New" panose="02070309020205020404" pitchFamily="49" charset="0"/>
+              </a:rPr>
+              <a:t>JavaScript </a:t>
+            </a:r>
+            <a:r>
+              <a:rPr lang="bg-BG" sz="2000" dirty="0" smtClean="0">
+                <a:solidFill>
+                  <a:schemeClr val="bg1"/>
+                </a:solidFill>
+                <a:latin typeface="+mj-lt"/>
+                <a:cs typeface="Courier New" panose="02070309020205020404" pitchFamily="49" charset="0"/>
+              </a:rPr>
+              <a:t>има вградената функция </a:t>
+            </a:r>
+            <a:r>
+              <a:rPr lang="en-US" sz="2000" dirty="0" smtClean="0">
+                <a:solidFill>
+                  <a:schemeClr val="bg1"/>
+                </a:solidFill>
+                <a:latin typeface="+mj-lt"/>
+                <a:cs typeface="Courier New" panose="02070309020205020404" pitchFamily="49" charset="0"/>
+              </a:rPr>
+              <a:t>sort().</a:t>
+            </a:r>
+            <a:endParaRPr lang="bg-BG" sz="2000" dirty="0" smtClean="0">
+              <a:solidFill>
+                <a:schemeClr val="bg1"/>
+              </a:solidFill>
+              <a:latin typeface="+mj-lt"/>
+              <a:cs typeface="Courier New" panose="02070309020205020404" pitchFamily="49" charset="0"/>
+            </a:endParaRPr>
+          </a:p>
+          <a:p>
+            <a:pPr marL="0" indent="0">
+              <a:buNone/>
+            </a:pPr>
+            <a:r>
+              <a:rPr lang="bg-BG" sz="2000" dirty="0" smtClean="0">
+                <a:solidFill>
+                  <a:schemeClr val="bg1"/>
+                </a:solidFill>
+                <a:latin typeface="+mj-lt"/>
+                <a:cs typeface="Courier New" panose="02070309020205020404" pitchFamily="49" charset="0"/>
+              </a:rPr>
+              <a:t>Пример:</a:t>
+            </a:r>
+          </a:p>
+          <a:p>
+            <a:pPr marL="0" indent="0">
+              <a:buNone/>
+            </a:pPr>
+            <a:r>
+              <a:rPr lang="en-US" sz="1800" dirty="0" err="1" smtClean="0">
+                <a:solidFill>
+                  <a:schemeClr val="bg1"/>
+                </a:solidFill>
+                <a:latin typeface="Courier New" panose="02070309020205020404" pitchFamily="49" charset="0"/>
+                <a:cs typeface="Courier New" panose="02070309020205020404" pitchFamily="49" charset="0"/>
+              </a:rPr>
+              <a:t>var</a:t>
+            </a:r>
+            <a:r>
+              <a:rPr lang="en-US" sz="1800" dirty="0" smtClean="0">
+                <a:solidFill>
+                  <a:schemeClr val="bg1"/>
+                </a:solidFill>
+                <a:latin typeface="Courier New" panose="02070309020205020404" pitchFamily="49" charset="0"/>
+                <a:cs typeface="Courier New" panose="02070309020205020404" pitchFamily="49" charset="0"/>
+              </a:rPr>
+              <a:t> </a:t>
+            </a:r>
+            <a:r>
+              <a:rPr lang="en-US" sz="1800" dirty="0" err="1" smtClean="0">
+                <a:solidFill>
+                  <a:schemeClr val="bg1"/>
+                </a:solidFill>
+                <a:latin typeface="Courier New" panose="02070309020205020404" pitchFamily="49" charset="0"/>
+                <a:cs typeface="Courier New" panose="02070309020205020404" pitchFamily="49" charset="0"/>
+              </a:rPr>
+              <a:t>myArray</a:t>
+            </a:r>
+            <a:r>
+              <a:rPr lang="en-US" sz="1800" dirty="0" smtClean="0">
+                <a:solidFill>
+                  <a:schemeClr val="bg1"/>
+                </a:solidFill>
+                <a:latin typeface="Courier New" panose="02070309020205020404" pitchFamily="49" charset="0"/>
+                <a:cs typeface="Courier New" panose="02070309020205020404" pitchFamily="49" charset="0"/>
+              </a:rPr>
+              <a:t> = [7, 4, 6, 3, 2, 9];</a:t>
+            </a:r>
+          </a:p>
+          <a:p>
+            <a:pPr marL="0" indent="0">
+              <a:buNone/>
+            </a:pPr>
+            <a:r>
+              <a:rPr lang="en-US" sz="1800" dirty="0" err="1" smtClean="0">
+                <a:solidFill>
+                  <a:schemeClr val="bg1"/>
+                </a:solidFill>
+                <a:latin typeface="Courier New" panose="02070309020205020404" pitchFamily="49" charset="0"/>
+                <a:cs typeface="Courier New" panose="02070309020205020404" pitchFamily="49" charset="0"/>
+              </a:rPr>
+              <a:t>myArray.sort</a:t>
+            </a:r>
+            <a:r>
+              <a:rPr lang="en-US" sz="1800" dirty="0" smtClean="0">
+                <a:solidFill>
+                  <a:schemeClr val="bg1"/>
+                </a:solidFill>
+                <a:latin typeface="Courier New" panose="02070309020205020404" pitchFamily="49" charset="0"/>
+                <a:cs typeface="Courier New" panose="02070309020205020404" pitchFamily="49" charset="0"/>
+              </a:rPr>
+              <a:t>();</a:t>
+            </a:r>
+          </a:p>
+          <a:p>
+            <a:pPr marL="0" indent="0">
+              <a:buNone/>
+            </a:pPr>
+            <a:r>
+              <a:rPr lang="en-US" sz="1800" dirty="0" smtClean="0">
+                <a:solidFill>
+                  <a:schemeClr val="bg1"/>
+                </a:solidFill>
+                <a:latin typeface="Courier New" panose="02070309020205020404" pitchFamily="49" charset="0"/>
+                <a:cs typeface="Courier New" panose="02070309020205020404" pitchFamily="49" charset="0"/>
+              </a:rPr>
+              <a:t>console.log(</a:t>
+            </a:r>
+            <a:r>
+              <a:rPr lang="en-US" sz="1800" dirty="0" err="1" smtClean="0">
+                <a:solidFill>
+                  <a:schemeClr val="bg1"/>
+                </a:solidFill>
+                <a:latin typeface="Courier New" panose="02070309020205020404" pitchFamily="49" charset="0"/>
+                <a:cs typeface="Courier New" panose="02070309020205020404" pitchFamily="49" charset="0"/>
+              </a:rPr>
+              <a:t>myArray</a:t>
+            </a:r>
+            <a:r>
+              <a:rPr lang="en-US" sz="1800" dirty="0" smtClean="0">
+                <a:solidFill>
+                  <a:schemeClr val="bg1"/>
+                </a:solidFill>
+                <a:latin typeface="Courier New" panose="02070309020205020404" pitchFamily="49" charset="0"/>
+                <a:cs typeface="Courier New" panose="02070309020205020404" pitchFamily="49" charset="0"/>
+              </a:rPr>
+              <a:t>); // [2, 3, 4, 6, 7, 9]</a:t>
+            </a:r>
+            <a:endParaRPr lang="bg-BG" sz="1800" dirty="0" smtClean="0">
+              <a:solidFill>
+                <a:schemeClr val="bg1"/>
+              </a:solidFill>
+              <a:latin typeface="Courier New" panose="02070309020205020404" pitchFamily="49" charset="0"/>
+              <a:cs typeface="Courier New" panose="02070309020205020404" pitchFamily="49" charset="0"/>
+            </a:endParaRPr>
+          </a:p>
+          <a:p>
+            <a:pPr marL="0" indent="0">
+              <a:buNone/>
+            </a:pPr>
+            <a:r>
+              <a:rPr lang="bg-BG" sz="2000" dirty="0">
+                <a:solidFill>
+                  <a:schemeClr val="bg1"/>
+                </a:solidFill>
+                <a:cs typeface="Courier New" panose="02070309020205020404" pitchFamily="49" charset="0"/>
+              </a:rPr>
+              <a:t>Трябва да се има предвид, че тази функция не е „перфектна“, защото тя сравнява първите цифри от </a:t>
+            </a:r>
+            <a:r>
+              <a:rPr lang="bg-BG" sz="2000" dirty="0" smtClean="0">
+                <a:solidFill>
+                  <a:schemeClr val="bg1"/>
+                </a:solidFill>
+                <a:cs typeface="Courier New" panose="02070309020205020404" pitchFamily="49" charset="0"/>
+              </a:rPr>
+              <a:t>елементите. </a:t>
+            </a:r>
+          </a:p>
+          <a:p>
+            <a:pPr marL="0" indent="0">
+              <a:buNone/>
+            </a:pPr>
+            <a:r>
+              <a:rPr lang="bg-BG" sz="2000" dirty="0" smtClean="0">
+                <a:solidFill>
+                  <a:schemeClr val="bg1"/>
+                </a:solidFill>
+                <a:cs typeface="Courier New" panose="02070309020205020404" pitchFamily="49" charset="0"/>
+              </a:rPr>
+              <a:t>Пример:</a:t>
+            </a:r>
+          </a:p>
+          <a:p>
+            <a:pPr marL="0" indent="0">
+              <a:buNone/>
+            </a:pPr>
+            <a:r>
+              <a:rPr lang="en-US" sz="1500" dirty="0" err="1" smtClean="0">
+                <a:solidFill>
+                  <a:schemeClr val="bg1"/>
+                </a:solidFill>
+                <a:latin typeface="Courier New" panose="02070309020205020404" pitchFamily="49" charset="0"/>
+                <a:cs typeface="Courier New" panose="02070309020205020404" pitchFamily="49" charset="0"/>
+              </a:rPr>
+              <a:t>var</a:t>
+            </a:r>
+            <a:r>
+              <a:rPr lang="en-US" sz="1500" dirty="0" smtClean="0">
+                <a:solidFill>
+                  <a:schemeClr val="bg1"/>
+                </a:solidFill>
+                <a:latin typeface="Courier New" panose="02070309020205020404" pitchFamily="49" charset="0"/>
+                <a:cs typeface="Courier New" panose="02070309020205020404" pitchFamily="49" charset="0"/>
+              </a:rPr>
+              <a:t> </a:t>
+            </a:r>
+            <a:r>
+              <a:rPr lang="en-US" sz="1500" dirty="0" err="1" smtClean="0">
+                <a:solidFill>
+                  <a:schemeClr val="bg1"/>
+                </a:solidFill>
+                <a:latin typeface="Courier New" panose="02070309020205020404" pitchFamily="49" charset="0"/>
+                <a:cs typeface="Courier New" panose="02070309020205020404" pitchFamily="49" charset="0"/>
+              </a:rPr>
+              <a:t>myArray</a:t>
+            </a:r>
+            <a:r>
+              <a:rPr lang="en-US" sz="1500" dirty="0" smtClean="0">
+                <a:solidFill>
+                  <a:schemeClr val="bg1"/>
+                </a:solidFill>
+                <a:latin typeface="Courier New" panose="02070309020205020404" pitchFamily="49" charset="0"/>
+                <a:cs typeface="Courier New" panose="02070309020205020404" pitchFamily="49" charset="0"/>
+              </a:rPr>
+              <a:t> = [7, 19, 336, 34, 41, 401];</a:t>
+            </a:r>
+          </a:p>
+          <a:p>
+            <a:pPr marL="0" indent="0">
+              <a:buNone/>
+            </a:pPr>
+            <a:r>
+              <a:rPr lang="en-US" sz="1500" dirty="0" err="1" smtClean="0">
+                <a:solidFill>
+                  <a:schemeClr val="bg1"/>
+                </a:solidFill>
+                <a:latin typeface="Courier New" panose="02070309020205020404" pitchFamily="49" charset="0"/>
+                <a:cs typeface="Courier New" panose="02070309020205020404" pitchFamily="49" charset="0"/>
+              </a:rPr>
+              <a:t>myArray.sort</a:t>
+            </a:r>
+            <a:r>
+              <a:rPr lang="en-US" sz="1500" dirty="0" smtClean="0">
+                <a:solidFill>
+                  <a:schemeClr val="bg1"/>
+                </a:solidFill>
+                <a:latin typeface="Courier New" panose="02070309020205020404" pitchFamily="49" charset="0"/>
+                <a:cs typeface="Courier New" panose="02070309020205020404" pitchFamily="49" charset="0"/>
+              </a:rPr>
+              <a:t>();</a:t>
+            </a:r>
+          </a:p>
+          <a:p>
+            <a:pPr marL="0" indent="0">
+              <a:buNone/>
+            </a:pPr>
+            <a:r>
+              <a:rPr lang="en-US" sz="1500" dirty="0" smtClean="0">
+                <a:solidFill>
+                  <a:schemeClr val="bg1"/>
+                </a:solidFill>
+                <a:latin typeface="Courier New" panose="02070309020205020404" pitchFamily="49" charset="0"/>
+                <a:cs typeface="Courier New" panose="02070309020205020404" pitchFamily="49" charset="0"/>
+              </a:rPr>
+              <a:t>console.log(</a:t>
+            </a:r>
+            <a:r>
+              <a:rPr lang="en-US" sz="1500" dirty="0" err="1" smtClean="0">
+                <a:solidFill>
+                  <a:schemeClr val="bg1"/>
+                </a:solidFill>
+                <a:latin typeface="Courier New" panose="02070309020205020404" pitchFamily="49" charset="0"/>
+                <a:cs typeface="Courier New" panose="02070309020205020404" pitchFamily="49" charset="0"/>
+              </a:rPr>
+              <a:t>myArray</a:t>
+            </a:r>
+            <a:r>
+              <a:rPr lang="en-US" sz="1500" dirty="0">
+                <a:solidFill>
+                  <a:schemeClr val="bg1"/>
+                </a:solidFill>
+                <a:latin typeface="Courier New" panose="02070309020205020404" pitchFamily="49" charset="0"/>
+                <a:cs typeface="Courier New" panose="02070309020205020404" pitchFamily="49" charset="0"/>
+              </a:rPr>
+              <a:t>); // [19, 336, 34, 401, 41, 7</a:t>
+            </a:r>
+            <a:r>
+              <a:rPr lang="en-US" sz="1500" dirty="0" smtClean="0">
+                <a:solidFill>
+                  <a:schemeClr val="bg1"/>
+                </a:solidFill>
+                <a:latin typeface="Courier New" panose="02070309020205020404" pitchFamily="49" charset="0"/>
+                <a:cs typeface="Courier New" panose="02070309020205020404" pitchFamily="49" charset="0"/>
+              </a:rPr>
+              <a:t>]</a:t>
+            </a:r>
+          </a:p>
+          <a:p>
+            <a:pPr marL="0" indent="0">
+              <a:buNone/>
+            </a:pPr>
+            <a:r>
+              <a:rPr lang="en-US" sz="3000" dirty="0" smtClean="0">
+                <a:solidFill>
+                  <a:schemeClr val="bg1"/>
+                </a:solidFill>
+                <a:latin typeface="+mj-lt"/>
+                <a:cs typeface="Courier New" panose="02070309020205020404" pitchFamily="49" charset="0"/>
+                <a:sym typeface="Wingdings" panose="05000000000000000000" pitchFamily="2" charset="2"/>
+              </a:rPr>
+              <a:t></a:t>
+            </a:r>
+            <a:endParaRPr lang="bg-BG" sz="3000" dirty="0" smtClean="0">
+              <a:solidFill>
+                <a:schemeClr val="bg1"/>
+              </a:solidFill>
+              <a:latin typeface="+mj-lt"/>
+              <a:cs typeface="Courier New" panose="02070309020205020404" pitchFamily="49" charset="0"/>
+            </a:endParaRPr>
+          </a:p>
+        </p:txBody>
+      </p:sp>
+    </p:spTree>
+    <p:extLst>
+      <p:ext uri="{BB962C8B-B14F-4D97-AF65-F5344CB8AC3E}">
+        <p14:creationId xmlns:p14="http://schemas.microsoft.com/office/powerpoint/2010/main" val="1147926186"/>
+      </p:ext>
+    </p:extLst>
+  </p:cSld>
+  <p:clrMapOvr>
+    <a:masterClrMapping/>
+  </p:clrMapOvr>
+</p:sld>
+</file>
+
+<file path=ppt/slides/slide53.xml><?xml version="1.0" encoding="utf-8"?>
+<p:sld xmlns:a="http://schemas.openxmlformats.org/drawingml/2006/main" xmlns:r="http://schemas.openxmlformats.org/officeDocument/2006/relationships" xmlns:p="http://schemas.openxmlformats.org/presentationml/2006/main">
+  <p:cSld>
+    <p:spTree>
+      <p:nvGrpSpPr>
+        <p:cNvPr id="1" name=""/>
+        <p:cNvGrpSpPr/>
+        <p:nvPr/>
+      </p:nvGrpSpPr>
+      <p:grpSpPr>
+        <a:xfrm>
+          <a:off x="0" y="0"/>
+          <a:ext cx="0" cy="0"/>
+          <a:chOff x="0" y="0"/>
+          <a:chExt cx="0" cy="0"/>
+        </a:xfrm>
+      </p:grpSpPr>
+      <p:sp>
+        <p:nvSpPr>
+          <p:cNvPr id="2" name="Title 1"/>
+          <p:cNvSpPr>
+            <a:spLocks noGrp="1"/>
+          </p:cNvSpPr>
+          <p:nvPr>
+            <p:ph type="title"/>
+          </p:nvPr>
+        </p:nvSpPr>
+        <p:spPr>
+          <a:xfrm>
+            <a:off x="457200" y="762000"/>
+            <a:ext cx="8229600" cy="1143000"/>
+          </a:xfrm>
+        </p:spPr>
+        <p:txBody>
+          <a:bodyPr>
+            <a:normAutofit/>
+          </a:bodyPr>
+          <a:lstStyle/>
+          <a:p>
+            <a:pPr algn="l"/>
+            <a:r>
+              <a:rPr lang="en-US" sz="2900" dirty="0" smtClean="0">
+                <a:solidFill>
+                  <a:schemeClr val="accent6"/>
+                </a:solidFill>
+              </a:rPr>
+              <a:t>JavaScript</a:t>
+            </a:r>
+            <a:r>
+              <a:rPr lang="bg-BG" sz="2900" dirty="0" smtClean="0">
+                <a:solidFill>
+                  <a:schemeClr val="accent6"/>
+                </a:solidFill>
+              </a:rPr>
+              <a:t> –</a:t>
+            </a:r>
+            <a:r>
+              <a:rPr lang="en-US" sz="2900" dirty="0">
+                <a:solidFill>
+                  <a:schemeClr val="accent6"/>
+                </a:solidFill>
+              </a:rPr>
+              <a:t> </a:t>
+            </a:r>
+            <a:r>
+              <a:rPr lang="bg-BG" sz="2900" dirty="0" smtClean="0">
+                <a:solidFill>
+                  <a:schemeClr val="accent6"/>
+                </a:solidFill>
+              </a:rPr>
+              <a:t>други функции</a:t>
+            </a:r>
+            <a:endParaRPr lang="en-US" sz="2900" dirty="0"/>
+          </a:p>
+        </p:txBody>
+      </p:sp>
+      <p:sp>
+        <p:nvSpPr>
+          <p:cNvPr id="3" name="Content Placeholder 2"/>
+          <p:cNvSpPr>
+            <a:spLocks noGrp="1"/>
+          </p:cNvSpPr>
+          <p:nvPr>
+            <p:ph idx="1"/>
+          </p:nvPr>
+        </p:nvSpPr>
+        <p:spPr/>
+        <p:txBody>
+          <a:bodyPr>
+            <a:noAutofit/>
+          </a:bodyPr>
+          <a:lstStyle/>
+          <a:p>
+            <a:pPr>
+              <a:buFontTx/>
+              <a:buChar char="-"/>
+            </a:pPr>
+            <a:r>
+              <a:rPr lang="en-US" sz="3000" dirty="0" err="1" smtClean="0">
+                <a:solidFill>
+                  <a:schemeClr val="bg1"/>
+                </a:solidFill>
+                <a:latin typeface="+mj-lt"/>
+                <a:cs typeface="Courier New" panose="02070309020205020404" pitchFamily="49" charset="0"/>
+              </a:rPr>
+              <a:t>array.reverse</a:t>
+            </a:r>
+            <a:r>
+              <a:rPr lang="en-US" sz="3000" dirty="0" smtClean="0">
+                <a:solidFill>
+                  <a:schemeClr val="bg1"/>
+                </a:solidFill>
+                <a:latin typeface="+mj-lt"/>
+                <a:cs typeface="Courier New" panose="02070309020205020404" pitchFamily="49" charset="0"/>
+              </a:rPr>
+              <a:t> – </a:t>
+            </a:r>
+            <a:r>
+              <a:rPr lang="bg-BG" sz="3000" dirty="0" smtClean="0">
+                <a:solidFill>
+                  <a:schemeClr val="bg1"/>
+                </a:solidFill>
+                <a:latin typeface="+mj-lt"/>
+                <a:cs typeface="Courier New" panose="02070309020205020404" pitchFamily="49" charset="0"/>
+              </a:rPr>
+              <a:t>връща масив от елементи, подредени в обратен ред</a:t>
+            </a:r>
+          </a:p>
+          <a:p>
+            <a:pPr>
+              <a:buFontTx/>
+              <a:buChar char="-"/>
+            </a:pPr>
+            <a:r>
+              <a:rPr lang="en-US" sz="3000" dirty="0" err="1" smtClean="0">
+                <a:solidFill>
+                  <a:schemeClr val="bg1"/>
+                </a:solidFill>
+                <a:latin typeface="+mj-lt"/>
+                <a:cs typeface="Courier New" panose="02070309020205020404" pitchFamily="49" charset="0"/>
+              </a:rPr>
+              <a:t>array.splice</a:t>
+            </a:r>
+            <a:r>
+              <a:rPr lang="en-US" sz="3000" dirty="0" smtClean="0">
+                <a:solidFill>
+                  <a:schemeClr val="bg1"/>
+                </a:solidFill>
+                <a:latin typeface="+mj-lt"/>
+                <a:cs typeface="Courier New" panose="02070309020205020404" pitchFamily="49" charset="0"/>
+              </a:rPr>
+              <a:t>(index, count, elements) – </a:t>
+            </a:r>
+            <a:r>
+              <a:rPr lang="bg-BG" sz="3000" dirty="0" smtClean="0">
+                <a:solidFill>
+                  <a:schemeClr val="bg1"/>
+                </a:solidFill>
+                <a:latin typeface="+mj-lt"/>
+                <a:cs typeface="Courier New" panose="02070309020205020404" pitchFamily="49" charset="0"/>
+              </a:rPr>
+              <a:t>добавя и/или премахва елементи от масив</a:t>
+            </a:r>
+          </a:p>
+          <a:p>
+            <a:pPr>
+              <a:buFontTx/>
+              <a:buChar char="-"/>
+            </a:pPr>
+            <a:r>
+              <a:rPr lang="en-US" sz="3000" dirty="0" err="1" smtClean="0">
+                <a:solidFill>
+                  <a:schemeClr val="bg1"/>
+                </a:solidFill>
+                <a:latin typeface="+mj-lt"/>
+                <a:cs typeface="Courier New" panose="02070309020205020404" pitchFamily="49" charset="0"/>
+              </a:rPr>
+              <a:t>array.concat</a:t>
+            </a:r>
+            <a:r>
+              <a:rPr lang="en-US" sz="3000" dirty="0" smtClean="0">
+                <a:solidFill>
+                  <a:schemeClr val="bg1"/>
+                </a:solidFill>
+                <a:latin typeface="+mj-lt"/>
+                <a:cs typeface="Courier New" panose="02070309020205020404" pitchFamily="49" charset="0"/>
+              </a:rPr>
+              <a:t>(elements)</a:t>
+            </a:r>
+            <a:r>
+              <a:rPr lang="bg-BG" sz="3000" dirty="0" smtClean="0">
+                <a:solidFill>
+                  <a:schemeClr val="bg1"/>
+                </a:solidFill>
+                <a:latin typeface="+mj-lt"/>
+                <a:cs typeface="Courier New" panose="02070309020205020404" pitchFamily="49" charset="0"/>
+              </a:rPr>
+              <a:t> – добавя елементите в края на масива и връща новия масив</a:t>
+            </a:r>
+            <a:endParaRPr lang="en-US" sz="3000" dirty="0">
+              <a:solidFill>
+                <a:schemeClr val="bg1"/>
+              </a:solidFill>
+              <a:latin typeface="+mj-lt"/>
+              <a:cs typeface="Courier New" panose="02070309020205020404" pitchFamily="49" charset="0"/>
+            </a:endParaRPr>
+          </a:p>
+          <a:p>
+            <a:pPr>
+              <a:buFontTx/>
+              <a:buChar char="-"/>
+            </a:pPr>
+            <a:r>
+              <a:rPr lang="en-US" sz="3000" dirty="0" err="1" smtClean="0">
+                <a:solidFill>
+                  <a:schemeClr val="bg1"/>
+                </a:solidFill>
+                <a:latin typeface="+mj-lt"/>
+                <a:cs typeface="Courier New" panose="02070309020205020404" pitchFamily="49" charset="0"/>
+              </a:rPr>
+              <a:t>array.indexOf</a:t>
+            </a:r>
+            <a:r>
+              <a:rPr lang="en-US" sz="3000" dirty="0" smtClean="0">
+                <a:solidFill>
+                  <a:schemeClr val="bg1"/>
+                </a:solidFill>
+                <a:latin typeface="+mj-lt"/>
+                <a:cs typeface="Courier New" panose="02070309020205020404" pitchFamily="49" charset="0"/>
+              </a:rPr>
+              <a:t>(element) – </a:t>
+            </a:r>
+            <a:r>
+              <a:rPr lang="bg-BG" sz="3000" dirty="0" smtClean="0">
+                <a:solidFill>
+                  <a:schemeClr val="bg1"/>
+                </a:solidFill>
+                <a:latin typeface="+mj-lt"/>
+                <a:cs typeface="Courier New" panose="02070309020205020404" pitchFamily="49" charset="0"/>
+              </a:rPr>
+              <a:t>връща индекса на първото съвпадение в масив</a:t>
+            </a:r>
+            <a:r>
+              <a:rPr lang="en-US" sz="3000" dirty="0" smtClean="0">
+                <a:solidFill>
+                  <a:schemeClr val="bg1"/>
+                </a:solidFill>
+                <a:latin typeface="+mj-lt"/>
+                <a:cs typeface="Courier New" panose="02070309020205020404" pitchFamily="49" charset="0"/>
+              </a:rPr>
+              <a:t>a </a:t>
+            </a:r>
+            <a:r>
+              <a:rPr lang="bg-BG" sz="3000" dirty="0" smtClean="0">
+                <a:solidFill>
+                  <a:schemeClr val="bg1"/>
+                </a:solidFill>
+                <a:latin typeface="+mj-lt"/>
+                <a:cs typeface="Courier New" panose="02070309020205020404" pitchFamily="49" charset="0"/>
+              </a:rPr>
+              <a:t>или връща „-1“, ако елементът не съществува</a:t>
+            </a:r>
+          </a:p>
+        </p:txBody>
+      </p:sp>
+    </p:spTree>
+    <p:extLst>
+      <p:ext uri="{BB962C8B-B14F-4D97-AF65-F5344CB8AC3E}">
+        <p14:creationId xmlns:p14="http://schemas.microsoft.com/office/powerpoint/2010/main" val="3165803201"/>
+      </p:ext>
+    </p:extLst>
+  </p:cSld>
+  <p:clrMapOvr>
+    <a:masterClrMapping/>
+  </p:clrMapOvr>
+</p:sld>
+</file>
+
+<file path=ppt/slides/slide54.xml><?xml version="1.0" encoding="utf-8"?>
+<p:sld xmlns:a="http://schemas.openxmlformats.org/drawingml/2006/main" xmlns:r="http://schemas.openxmlformats.org/officeDocument/2006/relationships" xmlns:p="http://schemas.openxmlformats.org/presentationml/2006/main">
+  <p:cSld>
+    <p:spTree>
+      <p:nvGrpSpPr>
+        <p:cNvPr id="1" name=""/>
+        <p:cNvGrpSpPr/>
+        <p:nvPr/>
+      </p:nvGrpSpPr>
+      <p:grpSpPr>
+        <a:xfrm>
+          <a:off x="0" y="0"/>
+          <a:ext cx="0" cy="0"/>
+          <a:chOff x="0" y="0"/>
+          <a:chExt cx="0" cy="0"/>
+        </a:xfrm>
+      </p:grpSpPr>
+      <p:sp>
+        <p:nvSpPr>
+          <p:cNvPr id="2" name="Title 1"/>
+          <p:cNvSpPr>
+            <a:spLocks noGrp="1"/>
+          </p:cNvSpPr>
+          <p:nvPr>
+            <p:ph type="title"/>
+          </p:nvPr>
+        </p:nvSpPr>
+        <p:spPr>
+          <a:xfrm>
+            <a:off x="457200" y="762000"/>
+            <a:ext cx="8229600" cy="1143000"/>
+          </a:xfrm>
+        </p:spPr>
+        <p:txBody>
+          <a:bodyPr>
+            <a:normAutofit/>
+          </a:bodyPr>
+          <a:lstStyle/>
+          <a:p>
+            <a:pPr algn="l"/>
+            <a:r>
+              <a:rPr lang="en-US" sz="2900" dirty="0" smtClean="0">
+                <a:solidFill>
+                  <a:schemeClr val="accent6"/>
+                </a:solidFill>
+              </a:rPr>
+              <a:t>JavaScript</a:t>
+            </a:r>
+            <a:r>
+              <a:rPr lang="bg-BG" sz="2900" dirty="0" smtClean="0">
+                <a:solidFill>
+                  <a:schemeClr val="accent6"/>
+                </a:solidFill>
+              </a:rPr>
+              <a:t> –</a:t>
+            </a:r>
+            <a:r>
+              <a:rPr lang="en-US" sz="2900" dirty="0">
+                <a:solidFill>
+                  <a:schemeClr val="accent6"/>
+                </a:solidFill>
+              </a:rPr>
+              <a:t> </a:t>
+            </a:r>
+            <a:r>
+              <a:rPr lang="bg-BG" sz="2900" dirty="0" smtClean="0">
+                <a:solidFill>
+                  <a:schemeClr val="accent6"/>
+                </a:solidFill>
+              </a:rPr>
+              <a:t>други функции</a:t>
+            </a:r>
+            <a:endParaRPr lang="en-US" sz="2900" dirty="0"/>
+          </a:p>
+        </p:txBody>
+      </p:sp>
+      <p:sp>
+        <p:nvSpPr>
+          <p:cNvPr id="3" name="Content Placeholder 2"/>
+          <p:cNvSpPr>
+            <a:spLocks noGrp="1"/>
+          </p:cNvSpPr>
+          <p:nvPr>
+            <p:ph idx="1"/>
+          </p:nvPr>
+        </p:nvSpPr>
+        <p:spPr/>
+        <p:txBody>
+          <a:bodyPr>
+            <a:noAutofit/>
+          </a:bodyPr>
+          <a:lstStyle/>
+          <a:p>
+            <a:pPr>
+              <a:buFontTx/>
+              <a:buChar char="-"/>
+            </a:pPr>
+            <a:r>
+              <a:rPr lang="en-US" sz="3000" dirty="0" err="1" smtClean="0">
+                <a:solidFill>
+                  <a:schemeClr val="bg1"/>
+                </a:solidFill>
+                <a:latin typeface="+mj-lt"/>
+                <a:cs typeface="Courier New" panose="02070309020205020404" pitchFamily="49" charset="0"/>
+              </a:rPr>
+              <a:t>array.lastIndexOf</a:t>
+            </a:r>
+            <a:r>
+              <a:rPr lang="en-US" sz="3000" dirty="0" smtClean="0">
+                <a:solidFill>
+                  <a:schemeClr val="bg1"/>
+                </a:solidFill>
+                <a:latin typeface="+mj-lt"/>
+                <a:cs typeface="Courier New" panose="02070309020205020404" pitchFamily="49" charset="0"/>
+              </a:rPr>
+              <a:t>(element) – </a:t>
+            </a:r>
+            <a:r>
+              <a:rPr lang="bg-BG" sz="3000" dirty="0" smtClean="0">
+                <a:solidFill>
+                  <a:schemeClr val="bg1"/>
+                </a:solidFill>
+                <a:latin typeface="+mj-lt"/>
+                <a:cs typeface="Courier New" panose="02070309020205020404" pitchFamily="49" charset="0"/>
+              </a:rPr>
+              <a:t>връща индекса на първото съвпадение в масива или връща „-1“ ако елементът не съществува</a:t>
+            </a:r>
+          </a:p>
+          <a:p>
+            <a:pPr>
+              <a:buFontTx/>
+              <a:buChar char="-"/>
+            </a:pPr>
+            <a:r>
+              <a:rPr lang="en-US" sz="3000" dirty="0" err="1" smtClean="0">
+                <a:solidFill>
+                  <a:schemeClr val="bg1"/>
+                </a:solidFill>
+                <a:latin typeface="+mj-lt"/>
+                <a:cs typeface="Courier New" panose="02070309020205020404" pitchFamily="49" charset="0"/>
+              </a:rPr>
+              <a:t>array.filter</a:t>
+            </a:r>
+            <a:r>
+              <a:rPr lang="en-US" sz="3000" dirty="0" smtClean="0">
+                <a:solidFill>
+                  <a:schemeClr val="bg1"/>
+                </a:solidFill>
+                <a:latin typeface="+mj-lt"/>
+                <a:cs typeface="Courier New" panose="02070309020205020404" pitchFamily="49" charset="0"/>
+              </a:rPr>
+              <a:t>(condition) – </a:t>
+            </a:r>
+            <a:r>
+              <a:rPr lang="bg-BG" sz="3000" dirty="0" smtClean="0">
+                <a:solidFill>
+                  <a:schemeClr val="bg1"/>
+                </a:solidFill>
+                <a:latin typeface="+mj-lt"/>
+                <a:cs typeface="Courier New" panose="02070309020205020404" pitchFamily="49" charset="0"/>
+              </a:rPr>
+              <a:t>връща масив с елементите от стария масив, които удовлетворяват условието</a:t>
+            </a:r>
+          </a:p>
+        </p:txBody>
+      </p:sp>
+    </p:spTree>
+    <p:extLst>
+      <p:ext uri="{BB962C8B-B14F-4D97-AF65-F5344CB8AC3E}">
+        <p14:creationId xmlns:p14="http://schemas.microsoft.com/office/powerpoint/2010/main" val="3532935045"/>
+      </p:ext>
+    </p:extLst>
+  </p:cSld>
+  <p:clrMapOvr>
+    <a:masterClrMapping/>
+  </p:clrMapOvr>
+</p:sld>
+</file>
+
+<file path=ppt/slides/slide55.xml><?xml version="1.0" encoding="utf-8"?>
+<p:sld xmlns:a="http://schemas.openxmlformats.org/drawingml/2006/main" xmlns:r="http://schemas.openxmlformats.org/officeDocument/2006/relationships" xmlns:p="http://schemas.openxmlformats.org/presentationml/2006/main">
+  <p:cSld>
+    <p:spTree>
+      <p:nvGrpSpPr>
+        <p:cNvPr id="1" name=""/>
+        <p:cNvGrpSpPr/>
+        <p:nvPr/>
+      </p:nvGrpSpPr>
+      <p:grpSpPr>
+        <a:xfrm>
+          <a:off x="0" y="0"/>
+          <a:ext cx="0" cy="0"/>
+          <a:chOff x="0" y="0"/>
+          <a:chExt cx="0" cy="0"/>
+        </a:xfrm>
+      </p:grpSpPr>
+      <p:sp>
+        <p:nvSpPr>
+          <p:cNvPr id="2" name="Title 1"/>
+          <p:cNvSpPr>
+            <a:spLocks noGrp="1"/>
+          </p:cNvSpPr>
+          <p:nvPr>
+            <p:ph type="title"/>
+          </p:nvPr>
+        </p:nvSpPr>
+        <p:spPr>
+          <a:xfrm>
+            <a:off x="838200" y="685800"/>
+            <a:ext cx="8229600" cy="1143000"/>
+          </a:xfrm>
+        </p:spPr>
+        <p:txBody>
+          <a:bodyPr/>
+          <a:lstStyle/>
+          <a:p>
+            <a:pPr algn="l"/>
+            <a:r>
+              <a:rPr lang="bg-BG" dirty="0" smtClean="0">
+                <a:solidFill>
+                  <a:schemeClr val="accent6"/>
+                </a:solidFill>
+              </a:rPr>
+              <a:t>Въпроси</a:t>
+            </a:r>
+            <a:endParaRPr lang="bg-BG" dirty="0">
+              <a:solidFill>
+                <a:schemeClr val="accent6"/>
+              </a:solidFill>
+            </a:endParaRPr>
+          </a:p>
+        </p:txBody>
+      </p:sp>
+      <p:sp>
+        <p:nvSpPr>
+          <p:cNvPr id="3" name="Content Placeholder 2"/>
+          <p:cNvSpPr>
+            <a:spLocks noGrp="1"/>
+          </p:cNvSpPr>
+          <p:nvPr>
+            <p:ph idx="1"/>
+          </p:nvPr>
+        </p:nvSpPr>
+        <p:spPr>
+          <a:xfrm>
+            <a:off x="762000" y="1676400"/>
+            <a:ext cx="7620000" cy="4525963"/>
+          </a:xfrm>
+        </p:spPr>
+        <p:txBody>
+          <a:bodyPr>
+            <a:normAutofit/>
+          </a:bodyPr>
+          <a:lstStyle/>
+          <a:p>
+            <a:pPr>
+              <a:buFont typeface="Wingdings" panose="05000000000000000000" pitchFamily="2" charset="2"/>
+              <a:buChar char="§"/>
+            </a:pPr>
+            <a:endParaRPr lang="en-US" dirty="0">
+              <a:solidFill>
+                <a:schemeClr val="bg1">
+                  <a:lumMod val="95000"/>
+                </a:schemeClr>
+              </a:solidFill>
+            </a:endParaRPr>
+          </a:p>
+          <a:p>
+            <a:pPr>
+              <a:buFont typeface="Wingdings" panose="05000000000000000000" pitchFamily="2" charset="2"/>
+              <a:buChar char="§"/>
+            </a:pPr>
+            <a:endParaRPr lang="en-US" dirty="0">
+              <a:solidFill>
+                <a:schemeClr val="bg1">
+                  <a:lumMod val="95000"/>
+                </a:schemeClr>
+              </a:solidFill>
+            </a:endParaRPr>
+          </a:p>
+          <a:p>
+            <a:pPr>
+              <a:buFont typeface="Wingdings" panose="05000000000000000000" pitchFamily="2" charset="2"/>
+              <a:buChar char="§"/>
+            </a:pPr>
+            <a:endParaRPr lang="en-US" dirty="0">
+              <a:solidFill>
+                <a:schemeClr val="bg1">
+                  <a:lumMod val="95000"/>
+                </a:schemeClr>
+              </a:solidFill>
+            </a:endParaRPr>
+          </a:p>
+          <a:p>
+            <a:pPr>
+              <a:buFont typeface="Wingdings" panose="05000000000000000000" pitchFamily="2" charset="2"/>
+              <a:buChar char="§"/>
+            </a:pPr>
+            <a:endParaRPr lang="en-US" dirty="0">
+              <a:solidFill>
+                <a:schemeClr val="bg1">
+                  <a:lumMod val="95000"/>
+                </a:schemeClr>
+              </a:solidFill>
+            </a:endParaRPr>
+          </a:p>
+        </p:txBody>
+      </p:sp>
+      <p:pic>
+        <p:nvPicPr>
+          <p:cNvPr id="1027" name="Picture 3" descr="C:\Users\Lazar\Desktop\01-red-question-mark1.jpg"/>
+          <p:cNvPicPr>
+            <a:picLocks noChangeAspect="1" noChangeArrowheads="1"/>
+          </p:cNvPicPr>
+          <p:nvPr/>
+        </p:nvPicPr>
+        <p:blipFill>
+          <a:blip r:embed="rId2" cstate="print">
+            <a:extLst>
+              <a:ext uri="{28A0092B-C50C-407E-A947-70E740481C1C}">
+                <a14:useLocalDpi xmlns:a14="http://schemas.microsoft.com/office/drawing/2010/main" val="0"/>
+              </a:ext>
+            </a:extLst>
+          </a:blip>
+          <a:srcRect/>
+          <a:stretch>
+            <a:fillRect/>
+          </a:stretch>
+        </p:blipFill>
+        <p:spPr bwMode="auto">
+          <a:xfrm>
+            <a:off x="3505200" y="2057400"/>
+            <a:ext cx="2419082" cy="2419082"/>
+          </a:xfrm>
+          <a:prstGeom prst="rect">
+            <a:avLst/>
+          </a:prstGeom>
+          <a:noFill/>
+          <a:extLst>
+            <a:ext uri="{909E8E84-426E-40DD-AFC4-6F175D3DCCD1}">
+              <a14:hiddenFill xmlns:a14="http://schemas.microsoft.com/office/drawing/2010/main">
+                <a:solidFill>
+                  <a:srgbClr val="FFFFFF"/>
+                </a:solidFill>
+              </a14:hiddenFill>
+            </a:ext>
+          </a:extLst>
+        </p:spPr>
+      </p:pic>
+    </p:spTree>
+    <p:extLst>
+      <p:ext uri="{BB962C8B-B14F-4D97-AF65-F5344CB8AC3E}">
+        <p14:creationId xmlns:p14="http://schemas.microsoft.com/office/powerpoint/2010/main" val="1088608090"/>
+      </p:ext>
+    </p:extLst>
+  </p:cSld>
+  <p:clrMapOvr>
+    <a:masterClrMapping/>
+  </p:clrMapOvr>
+  <p:timing>
+    <p:tnLst>
+      <p:par>
+        <p:cTn id="1" dur="indefinite" restart="never" nodeType="tmRoot"/>
+      </p:par>
+    </p:tnLst>
+  </p:timing>
+</p:sld>
+</file>
+
+<file path=ppt/slides/slide56.xml><?xml version="1.0" encoding="utf-8"?>
+<p:sld xmlns:a="http://schemas.openxmlformats.org/drawingml/2006/main" xmlns:r="http://schemas.openxmlformats.org/officeDocument/2006/relationships" xmlns:p="http://schemas.openxmlformats.org/presentationml/2006/main">
+  <p:cSld>
+    <p:spTree>
+      <p:nvGrpSpPr>
+        <p:cNvPr id="1" name=""/>
+        <p:cNvGrpSpPr/>
+        <p:nvPr/>
+      </p:nvGrpSpPr>
+      <p:grpSpPr>
+        <a:xfrm>
+          <a:off x="0" y="0"/>
+          <a:ext cx="0" cy="0"/>
+          <a:chOff x="0" y="0"/>
+          <a:chExt cx="0" cy="0"/>
+        </a:xfrm>
+      </p:grpSpPr>
+      <p:sp>
+        <p:nvSpPr>
+          <p:cNvPr id="2" name="Title 1"/>
+          <p:cNvSpPr>
+            <a:spLocks noGrp="1"/>
+          </p:cNvSpPr>
+          <p:nvPr>
+            <p:ph type="title"/>
+          </p:nvPr>
+        </p:nvSpPr>
+        <p:spPr>
+          <a:xfrm>
+            <a:off x="838200" y="685800"/>
+            <a:ext cx="8229600" cy="1143000"/>
+          </a:xfrm>
+        </p:spPr>
+        <p:txBody>
+          <a:bodyPr/>
+          <a:lstStyle/>
+          <a:p>
+            <a:pPr algn="l"/>
+            <a:r>
+              <a:rPr lang="bg-BG" dirty="0" smtClean="0">
+                <a:solidFill>
+                  <a:schemeClr val="accent6"/>
+                </a:solidFill>
+              </a:rPr>
+              <a:t>Задачи за домашна работа</a:t>
+            </a:r>
+            <a:endParaRPr lang="bg-BG" dirty="0">
+              <a:solidFill>
+                <a:schemeClr val="accent6"/>
+              </a:solidFill>
+            </a:endParaRPr>
+          </a:p>
+        </p:txBody>
+      </p:sp>
+      <p:sp>
+        <p:nvSpPr>
+          <p:cNvPr id="3" name="Content Placeholder 2"/>
+          <p:cNvSpPr>
+            <a:spLocks noGrp="1"/>
+          </p:cNvSpPr>
+          <p:nvPr>
+            <p:ph idx="1"/>
+          </p:nvPr>
+        </p:nvSpPr>
+        <p:spPr>
+          <a:xfrm>
+            <a:off x="762000" y="1676400"/>
+            <a:ext cx="7620000" cy="4648200"/>
+          </a:xfrm>
+        </p:spPr>
+        <p:txBody>
+          <a:bodyPr>
+            <a:noAutofit/>
+          </a:bodyPr>
+          <a:lstStyle/>
+          <a:p>
+            <a:pPr marL="457200" indent="-457200">
+              <a:buAutoNum type="arabicPeriod"/>
+            </a:pPr>
+            <a:r>
+              <a:rPr lang="bg-BG" sz="2000" b="1" dirty="0" smtClean="0">
+                <a:solidFill>
+                  <a:schemeClr val="bg1">
+                    <a:lumMod val="95000"/>
+                  </a:schemeClr>
+                </a:solidFill>
+              </a:rPr>
+              <a:t>Напишете израз, който </a:t>
+            </a:r>
+            <a:r>
+              <a:rPr lang="en-US" sz="2000" b="1" dirty="0" smtClean="0">
+                <a:solidFill>
+                  <a:schemeClr val="bg1">
+                    <a:lumMod val="95000"/>
+                  </a:schemeClr>
+                </a:solidFill>
+              </a:rPr>
+              <a:t>console.log-</a:t>
+            </a:r>
+            <a:r>
+              <a:rPr lang="bg-BG" sz="2000" b="1" dirty="0" smtClean="0">
+                <a:solidFill>
+                  <a:schemeClr val="bg1">
+                    <a:lumMod val="95000"/>
+                  </a:schemeClr>
+                </a:solidFill>
+              </a:rPr>
+              <a:t>ва всички числа от 1 до 300.</a:t>
+            </a:r>
+          </a:p>
+          <a:p>
+            <a:pPr marL="457200" indent="-457200">
+              <a:buAutoNum type="arabicPeriod"/>
+            </a:pPr>
+            <a:r>
+              <a:rPr lang="bg-BG" sz="2000" b="1" dirty="0" smtClean="0">
+                <a:solidFill>
+                  <a:schemeClr val="bg1">
+                    <a:lumMod val="95000"/>
+                  </a:schemeClr>
+                </a:solidFill>
+              </a:rPr>
+              <a:t>Напишете израз, който проверява дали дадено число се дели на 3.</a:t>
+            </a:r>
+          </a:p>
+          <a:p>
+            <a:pPr marL="457200" indent="-457200">
+              <a:buAutoNum type="arabicPeriod"/>
+            </a:pPr>
+            <a:r>
+              <a:rPr lang="bg-BG" sz="2000" b="1" dirty="0" smtClean="0">
+                <a:solidFill>
+                  <a:schemeClr val="bg1">
+                    <a:lumMod val="95000"/>
+                  </a:schemeClr>
+                </a:solidFill>
+              </a:rPr>
+              <a:t>Напишете израз, който проверява дали дадено число се дели едновременно на 4 и на 7.(използвайте вложени </a:t>
+            </a:r>
+            <a:r>
+              <a:rPr lang="en-US" sz="2000" b="1" dirty="0" smtClean="0">
+                <a:solidFill>
+                  <a:schemeClr val="bg1">
+                    <a:lumMod val="95000"/>
+                  </a:schemeClr>
+                </a:solidFill>
+              </a:rPr>
+              <a:t>if-else</a:t>
+            </a:r>
+            <a:r>
+              <a:rPr lang="bg-BG" sz="2000" b="1" dirty="0" smtClean="0">
+                <a:solidFill>
+                  <a:schemeClr val="bg1">
+                    <a:lumMod val="95000"/>
+                  </a:schemeClr>
+                </a:solidFill>
+              </a:rPr>
+              <a:t> оператори</a:t>
+            </a:r>
+            <a:r>
+              <a:rPr lang="en-US" sz="2000" b="1" dirty="0" smtClean="0">
+                <a:solidFill>
+                  <a:schemeClr val="bg1">
+                    <a:lumMod val="95000"/>
+                  </a:schemeClr>
+                </a:solidFill>
+              </a:rPr>
+              <a:t>).</a:t>
+            </a:r>
+          </a:p>
+          <a:p>
+            <a:pPr marL="457200" indent="-457200">
+              <a:buAutoNum type="arabicPeriod"/>
+            </a:pPr>
+            <a:r>
+              <a:rPr lang="bg-BG" sz="2000" b="1" dirty="0" smtClean="0">
+                <a:solidFill>
+                  <a:schemeClr val="bg1">
+                    <a:lumMod val="95000"/>
+                  </a:schemeClr>
+                </a:solidFill>
+              </a:rPr>
+              <a:t>Напишете израз, който пресмята площта на правоъгълник чрез определени ширина и дължина.</a:t>
+            </a:r>
+          </a:p>
+          <a:p>
+            <a:pPr marL="457200" indent="-457200">
+              <a:buAutoNum type="arabicPeriod"/>
+            </a:pPr>
+            <a:r>
+              <a:rPr lang="bg-BG" sz="2000" b="1" dirty="0" smtClean="0">
+                <a:solidFill>
+                  <a:schemeClr val="bg1">
+                    <a:lumMod val="95000"/>
+                  </a:schemeClr>
+                </a:solidFill>
+              </a:rPr>
+              <a:t>Напишете израз, който пресмята площта на трапец по дадени страна А, страна </a:t>
+            </a:r>
+            <a:r>
+              <a:rPr lang="en-US" sz="2000" b="1" dirty="0" smtClean="0">
+                <a:solidFill>
+                  <a:schemeClr val="bg1">
+                    <a:lumMod val="95000"/>
+                  </a:schemeClr>
+                </a:solidFill>
+              </a:rPr>
+              <a:t>B </a:t>
+            </a:r>
+            <a:r>
+              <a:rPr lang="bg-BG" sz="2000" b="1" dirty="0" smtClean="0">
+                <a:solidFill>
+                  <a:schemeClr val="bg1">
+                    <a:lumMod val="95000"/>
+                  </a:schemeClr>
+                </a:solidFill>
+              </a:rPr>
+              <a:t>и височина </a:t>
+            </a:r>
+            <a:r>
+              <a:rPr lang="en-US" sz="2000" b="1" dirty="0" smtClean="0">
+                <a:solidFill>
+                  <a:schemeClr val="bg1">
+                    <a:lumMod val="95000"/>
+                  </a:schemeClr>
+                </a:solidFill>
+              </a:rPr>
+              <a:t>h.</a:t>
+            </a:r>
+          </a:p>
+          <a:p>
+            <a:pPr marL="457200" indent="-457200">
+              <a:buAutoNum type="arabicPeriod"/>
+            </a:pPr>
+            <a:r>
+              <a:rPr lang="bg-BG" sz="2000" b="1" dirty="0" smtClean="0">
+                <a:solidFill>
+                  <a:schemeClr val="bg1">
+                    <a:lumMod val="95000"/>
+                  </a:schemeClr>
+                </a:solidFill>
+              </a:rPr>
+              <a:t>Напишете израз, който намира най-голямото от 3 числа(използвайки вложени </a:t>
+            </a:r>
+            <a:r>
+              <a:rPr lang="en-US" sz="2000" b="1" dirty="0" smtClean="0">
+                <a:solidFill>
+                  <a:schemeClr val="bg1">
+                    <a:lumMod val="95000"/>
+                  </a:schemeClr>
+                </a:solidFill>
+              </a:rPr>
+              <a:t>if-else </a:t>
+            </a:r>
+            <a:r>
+              <a:rPr lang="bg-BG" sz="2000" b="1" dirty="0" smtClean="0">
+                <a:solidFill>
+                  <a:schemeClr val="bg1">
+                    <a:lumMod val="95000"/>
+                  </a:schemeClr>
+                </a:solidFill>
+              </a:rPr>
+              <a:t>оператори).</a:t>
+            </a:r>
+          </a:p>
+        </p:txBody>
+      </p:sp>
+    </p:spTree>
+    <p:extLst>
+      <p:ext uri="{BB962C8B-B14F-4D97-AF65-F5344CB8AC3E}">
+        <p14:creationId xmlns:p14="http://schemas.microsoft.com/office/powerpoint/2010/main" val="2761577980"/>
+      </p:ext>
+    </p:extLst>
+  </p:cSld>
+  <p:clrMapOvr>
+    <a:masterClrMapping/>
+  </p:clrMapOvr>
+  <p:timing>
+    <p:tnLst>
+      <p:par>
+        <p:cTn id="1" dur="indefinite" restart="never" nodeType="tmRoot"/>
+      </p:par>
+    </p:tnLst>
+  </p:timing>
+</p:sld>
+</file>
+
+<file path=ppt/slides/slide57.xml><?xml version="1.0" encoding="utf-8"?>
+<p:sld xmlns:a="http://schemas.openxmlformats.org/drawingml/2006/main" xmlns:r="http://schemas.openxmlformats.org/officeDocument/2006/relationships" xmlns:p="http://schemas.openxmlformats.org/presentationml/2006/main">
+  <p:cSld>
+    <p:spTree>
+      <p:nvGrpSpPr>
+        <p:cNvPr id="1" name=""/>
+        <p:cNvGrpSpPr/>
+        <p:nvPr/>
+      </p:nvGrpSpPr>
+      <p:grpSpPr>
+        <a:xfrm>
+          <a:off x="0" y="0"/>
+          <a:ext cx="0" cy="0"/>
+          <a:chOff x="0" y="0"/>
+          <a:chExt cx="0" cy="0"/>
+        </a:xfrm>
+      </p:grpSpPr>
+      <p:sp>
+        <p:nvSpPr>
+          <p:cNvPr id="2" name="Title 1"/>
+          <p:cNvSpPr>
+            <a:spLocks noGrp="1"/>
+          </p:cNvSpPr>
+          <p:nvPr>
+            <p:ph type="title"/>
+          </p:nvPr>
+        </p:nvSpPr>
+        <p:spPr>
+          <a:xfrm>
+            <a:off x="838200" y="685800"/>
+            <a:ext cx="8229600" cy="1143000"/>
+          </a:xfrm>
+        </p:spPr>
+        <p:txBody>
+          <a:bodyPr/>
+          <a:lstStyle/>
+          <a:p>
+            <a:pPr algn="l"/>
+            <a:r>
+              <a:rPr lang="bg-BG" dirty="0" smtClean="0">
+                <a:solidFill>
+                  <a:schemeClr val="accent6"/>
+                </a:solidFill>
+              </a:rPr>
+              <a:t>Задачи за домашна работа</a:t>
+            </a:r>
+            <a:endParaRPr lang="bg-BG" dirty="0">
+              <a:solidFill>
+                <a:schemeClr val="accent6"/>
+              </a:solidFill>
+            </a:endParaRPr>
+          </a:p>
+        </p:txBody>
+      </p:sp>
+      <p:sp>
+        <p:nvSpPr>
+          <p:cNvPr id="3" name="Content Placeholder 2"/>
+          <p:cNvSpPr>
+            <a:spLocks noGrp="1"/>
+          </p:cNvSpPr>
+          <p:nvPr>
+            <p:ph idx="1"/>
+          </p:nvPr>
+        </p:nvSpPr>
+        <p:spPr>
+          <a:xfrm>
+            <a:off x="762000" y="1676400"/>
+            <a:ext cx="7620000" cy="4648200"/>
+          </a:xfrm>
+        </p:spPr>
+        <p:txBody>
+          <a:bodyPr>
+            <a:noAutofit/>
+          </a:bodyPr>
+          <a:lstStyle/>
+          <a:p>
+            <a:pPr marL="0" indent="0">
+              <a:buNone/>
+            </a:pPr>
+            <a:r>
+              <a:rPr lang="bg-BG" sz="2000" b="1" dirty="0" smtClean="0">
+                <a:solidFill>
+                  <a:schemeClr val="bg1">
+                    <a:lumMod val="95000"/>
+                  </a:schemeClr>
+                </a:solidFill>
+              </a:rPr>
+              <a:t>7.     Напишете </a:t>
+            </a:r>
+            <a:r>
+              <a:rPr lang="bg-BG" sz="2000" b="1" dirty="0">
+                <a:solidFill>
+                  <a:schemeClr val="bg1">
+                    <a:lumMod val="95000"/>
+                  </a:schemeClr>
+                </a:solidFill>
+              </a:rPr>
+              <a:t>израз, който намира всички делими на 7 числа, които се намират в интервала от 50 до 100.</a:t>
+            </a:r>
+          </a:p>
+          <a:p>
+            <a:pPr marL="457200" indent="-457200">
+              <a:buAutoNum type="arabicPeriod" startAt="8"/>
+            </a:pPr>
+            <a:r>
+              <a:rPr lang="bg-BG" sz="2000" b="1" dirty="0" smtClean="0">
+                <a:solidFill>
+                  <a:schemeClr val="bg1">
+                    <a:lumMod val="95000"/>
+                  </a:schemeClr>
+                </a:solidFill>
+              </a:rPr>
+              <a:t>Напишете </a:t>
+            </a:r>
+            <a:r>
+              <a:rPr lang="bg-BG" sz="2000" b="1" dirty="0">
+                <a:solidFill>
+                  <a:schemeClr val="bg1">
+                    <a:lumMod val="95000"/>
+                  </a:schemeClr>
+                </a:solidFill>
+              </a:rPr>
+              <a:t>израз, който намира всички делими на 4 и на 9 числа, които се намират в интервала от 20 до 60</a:t>
+            </a:r>
+            <a:r>
+              <a:rPr lang="bg-BG" sz="2000" b="1" dirty="0" smtClean="0">
+                <a:solidFill>
+                  <a:schemeClr val="bg1">
+                    <a:lumMod val="95000"/>
+                  </a:schemeClr>
+                </a:solidFill>
+              </a:rPr>
+              <a:t>.</a:t>
+            </a:r>
+          </a:p>
+          <a:p>
+            <a:pPr marL="457200" indent="-457200">
+              <a:buAutoNum type="arabicPeriod" startAt="8"/>
+            </a:pPr>
+            <a:endParaRPr lang="bg-BG" sz="2000" b="1" dirty="0">
+              <a:solidFill>
+                <a:schemeClr val="bg1">
+                  <a:lumMod val="95000"/>
+                </a:schemeClr>
+              </a:solidFill>
+            </a:endParaRPr>
+          </a:p>
+          <a:p>
+            <a:pPr marL="457200" indent="-457200">
+              <a:buAutoNum type="arabicPeriod" startAt="8"/>
+            </a:pPr>
+            <a:r>
+              <a:rPr lang="bg-BG" sz="2000" b="1" dirty="0" smtClean="0">
+                <a:solidFill>
+                  <a:schemeClr val="bg1">
+                    <a:lumMod val="95000"/>
+                  </a:schemeClr>
+                </a:solidFill>
+              </a:rPr>
+              <a:t>Напишете скрипт, който използва масив от 5 елемента и връща нов масив, който представлява индексите на стария, умножени по 7. Старият масив трябва да изглежда по следния начин:</a:t>
+            </a:r>
+          </a:p>
+          <a:p>
+            <a:pPr marL="400050" lvl="1" indent="0">
+              <a:buNone/>
+            </a:pPr>
+            <a:r>
+              <a:rPr lang="en-US" sz="2000" dirty="0" smtClean="0">
+                <a:solidFill>
+                  <a:schemeClr val="bg1">
+                    <a:lumMod val="95000"/>
+                  </a:schemeClr>
+                </a:solidFill>
+              </a:rPr>
+              <a:t>[6, 4, 3, 0, 9]</a:t>
+            </a:r>
+          </a:p>
+          <a:p>
+            <a:pPr marL="400050" lvl="1" indent="0">
+              <a:buNone/>
+            </a:pPr>
+            <a:r>
+              <a:rPr lang="bg-BG" sz="2000" b="1" dirty="0" smtClean="0">
+                <a:solidFill>
+                  <a:schemeClr val="bg1">
+                    <a:lumMod val="95000"/>
+                  </a:schemeClr>
+                </a:solidFill>
+              </a:rPr>
+              <a:t>Новият масив трябва изглежда по следния начин:</a:t>
+            </a:r>
+          </a:p>
+          <a:p>
+            <a:pPr marL="400050" lvl="1" indent="0">
+              <a:buNone/>
+            </a:pPr>
+            <a:r>
+              <a:rPr lang="en-US" sz="2000" dirty="0" smtClean="0">
+                <a:solidFill>
+                  <a:schemeClr val="bg1">
+                    <a:lumMod val="95000"/>
+                  </a:schemeClr>
+                </a:solidFill>
+              </a:rPr>
+              <a:t>[0, 7, 14, 21, 28]</a:t>
+            </a:r>
+            <a:endParaRPr lang="en-US" sz="2000" dirty="0">
+              <a:solidFill>
+                <a:schemeClr val="bg1">
+                  <a:lumMod val="95000"/>
+                </a:schemeClr>
+              </a:solidFill>
+            </a:endParaRPr>
+          </a:p>
+        </p:txBody>
+      </p:sp>
+    </p:spTree>
+    <p:extLst>
+      <p:ext uri="{BB962C8B-B14F-4D97-AF65-F5344CB8AC3E}">
+        <p14:creationId xmlns:p14="http://schemas.microsoft.com/office/powerpoint/2010/main" val="4182690710"/>
+      </p:ext>
+    </p:extLst>
+  </p:cSld>
+  <p:clrMapOvr>
+    <a:masterClrMapping/>
+  </p:clrMapOvr>
+  <p:timing>
+    <p:tnLst>
+      <p:par>
+        <p:cTn id="1" dur="indefinite" restart="never" nodeType="tmRoot"/>
+      </p:par>
+    </p:tnLst>
+  </p:timing>
+</p:sld>
+</file>
+
+<file path=ppt/slides/slide58.xml><?xml version="1.0" encoding="utf-8"?>
+<p:sld xmlns:a="http://schemas.openxmlformats.org/drawingml/2006/main" xmlns:r="http://schemas.openxmlformats.org/officeDocument/2006/relationships" xmlns:p="http://schemas.openxmlformats.org/presentationml/2006/main">
+  <p:cSld>
+    <p:spTree>
+      <p:nvGrpSpPr>
+        <p:cNvPr id="1" name=""/>
+        <p:cNvGrpSpPr/>
+        <p:nvPr/>
+      </p:nvGrpSpPr>
+      <p:grpSpPr>
+        <a:xfrm>
+          <a:off x="0" y="0"/>
+          <a:ext cx="0" cy="0"/>
+          <a:chOff x="0" y="0"/>
+          <a:chExt cx="0" cy="0"/>
+        </a:xfrm>
+      </p:grpSpPr>
+      <p:sp>
+        <p:nvSpPr>
+          <p:cNvPr id="2" name="Title 1"/>
+          <p:cNvSpPr>
+            <a:spLocks noGrp="1"/>
+          </p:cNvSpPr>
+          <p:nvPr>
+            <p:ph type="title"/>
+          </p:nvPr>
+        </p:nvSpPr>
+        <p:spPr>
+          <a:xfrm>
+            <a:off x="838200" y="685800"/>
+            <a:ext cx="8229600" cy="1143000"/>
+          </a:xfrm>
+        </p:spPr>
+        <p:txBody>
+          <a:bodyPr/>
+          <a:lstStyle/>
+          <a:p>
+            <a:pPr algn="l"/>
+            <a:r>
+              <a:rPr lang="bg-BG" dirty="0" smtClean="0">
+                <a:solidFill>
+                  <a:schemeClr val="accent6"/>
+                </a:solidFill>
+              </a:rPr>
+              <a:t>Задачи за домашна работа</a:t>
+            </a:r>
+            <a:endParaRPr lang="bg-BG" dirty="0">
+              <a:solidFill>
+                <a:schemeClr val="accent6"/>
+              </a:solidFill>
+            </a:endParaRPr>
+          </a:p>
+        </p:txBody>
+      </p:sp>
+      <p:sp>
+        <p:nvSpPr>
+          <p:cNvPr id="3" name="Content Placeholder 2"/>
+          <p:cNvSpPr>
+            <a:spLocks noGrp="1"/>
+          </p:cNvSpPr>
+          <p:nvPr>
+            <p:ph idx="1"/>
+          </p:nvPr>
+        </p:nvSpPr>
+        <p:spPr>
+          <a:xfrm>
+            <a:off x="762000" y="1676400"/>
+            <a:ext cx="7620000" cy="4648200"/>
+          </a:xfrm>
+        </p:spPr>
+        <p:txBody>
+          <a:bodyPr>
+            <a:noAutofit/>
+          </a:bodyPr>
+          <a:lstStyle/>
+          <a:p>
+            <a:pPr marL="0" indent="0">
+              <a:buNone/>
+            </a:pPr>
+            <a:r>
+              <a:rPr lang="en-US" sz="2000" b="1" dirty="0">
+                <a:solidFill>
+                  <a:schemeClr val="bg1">
+                    <a:lumMod val="95000"/>
+                  </a:schemeClr>
+                </a:solidFill>
+              </a:rPr>
+              <a:t>10. </a:t>
+            </a:r>
+            <a:r>
+              <a:rPr lang="bg-BG" sz="2000" b="1" dirty="0">
+                <a:solidFill>
+                  <a:schemeClr val="bg1">
+                    <a:lumMod val="95000"/>
+                  </a:schemeClr>
+                </a:solidFill>
+              </a:rPr>
+              <a:t>Напишете скрипт, който намира най-често срещаното число в седния масйв: </a:t>
+            </a:r>
+            <a:endParaRPr lang="en-US" sz="2000" b="1" dirty="0">
+              <a:solidFill>
+                <a:schemeClr val="bg1">
+                  <a:lumMod val="95000"/>
+                </a:schemeClr>
+              </a:solidFill>
+            </a:endParaRPr>
+          </a:p>
+          <a:p>
+            <a:pPr marL="0" indent="0">
+              <a:buNone/>
+            </a:pPr>
+            <a:r>
+              <a:rPr lang="en-US" sz="2000" b="1" dirty="0">
+                <a:solidFill>
+                  <a:schemeClr val="bg1">
+                    <a:lumMod val="95000"/>
+                  </a:schemeClr>
+                </a:solidFill>
+              </a:rPr>
+              <a:t>       </a:t>
+            </a:r>
+            <a:r>
+              <a:rPr lang="en-US" sz="2000" dirty="0">
+                <a:solidFill>
+                  <a:schemeClr val="bg1">
+                    <a:lumMod val="95000"/>
+                  </a:schemeClr>
+                </a:solidFill>
+              </a:rPr>
+              <a:t>[0, 4, 1, 3, 4, 6, 3, 4, 9, 9, 4, 1, 4]</a:t>
+            </a:r>
+            <a:endParaRPr lang="bg-BG" sz="2000" dirty="0">
+              <a:solidFill>
+                <a:schemeClr val="bg1">
+                  <a:lumMod val="95000"/>
+                </a:schemeClr>
+              </a:solidFill>
+            </a:endParaRPr>
+          </a:p>
+        </p:txBody>
+      </p:sp>
+    </p:spTree>
+    <p:extLst>
+      <p:ext uri="{BB962C8B-B14F-4D97-AF65-F5344CB8AC3E}">
+        <p14:creationId xmlns:p14="http://schemas.microsoft.com/office/powerpoint/2010/main" val="3118085067"/>
       </p:ext>
     </p:extLst>
   </p:cSld>
@@ -19484,13 +23548,6 @@
               </a:rPr>
               <a:t>Alert;</a:t>
             </a:r>
-            <a:endParaRPr lang="en-US" sz="2500" dirty="0" smtClean="0">
-              <a:solidFill>
-                <a:schemeClr val="bg1"/>
-              </a:solidFill>
-              <a:latin typeface="+mj-lt"/>
-              <a:cs typeface="Courier New" panose="02070309020205020404" pitchFamily="49" charset="0"/>
-            </a:endParaRPr>
           </a:p>
           <a:p>
             <a:pPr>

--- a/10-JavaScript-Basics.pptx
+++ b/10-JavaScript-Basics.pptx
@@ -3565,7 +3565,15 @@
                   <a:schemeClr val="accent6"/>
                 </a:solidFill>
               </a:rPr>
-              <a:t>Основи на </a:t>
+              <a:t>Основи </a:t>
+            </a:r>
+            <a:r>
+              <a:rPr lang="bg-BG" smtClean="0">
+                <a:solidFill>
+                  <a:schemeClr val="accent6"/>
+                </a:solidFill>
+              </a:rPr>
+              <a:t>на </a:t>
             </a:r>
             <a:r>
               <a:rPr lang="en-US" smtClean="0">
@@ -20946,15 +20954,7 @@
                   <a:schemeClr val="accent6"/>
                 </a:solidFill>
               </a:rPr>
-              <a:t>сортиране на</a:t>
-            </a:r>
-            <a:r>
-              <a:rPr lang="bg-BG" sz="2900" dirty="0" smtClean="0">
-                <a:solidFill>
-                  <a:schemeClr val="accent6"/>
-                </a:solidFill>
-              </a:rPr>
-              <a:t> масиви</a:t>
+              <a:t>сортиране на масиви</a:t>
             </a:r>
             <a:endParaRPr lang="en-US" sz="2900" dirty="0"/>
           </a:p>

--- a/10-JavaScript-Basics.pptx
+++ b/10-JavaScript-Basics.pptx
@@ -5,7 +5,7 @@
     <p:sldMasterId id="2147483648" r:id="rId1"/>
   </p:sldMasterIdLst>
   <p:notesMasterIdLst>
-    <p:notesMasterId r:id="rId60"/>
+    <p:notesMasterId r:id="rId71"/>
   </p:notesMasterIdLst>
   <p:sldIdLst>
     <p:sldId id="256" r:id="rId2"/>
@@ -62,10 +62,21 @@
     <p:sldId id="342" r:id="rId53"/>
     <p:sldId id="343" r:id="rId54"/>
     <p:sldId id="344" r:id="rId55"/>
-    <p:sldId id="265" r:id="rId56"/>
-    <p:sldId id="269" r:id="rId57"/>
-    <p:sldId id="333" r:id="rId58"/>
-    <p:sldId id="345" r:id="rId59"/>
+    <p:sldId id="346" r:id="rId56"/>
+    <p:sldId id="347" r:id="rId57"/>
+    <p:sldId id="348" r:id="rId58"/>
+    <p:sldId id="349" r:id="rId59"/>
+    <p:sldId id="350" r:id="rId60"/>
+    <p:sldId id="351" r:id="rId61"/>
+    <p:sldId id="352" r:id="rId62"/>
+    <p:sldId id="353" r:id="rId63"/>
+    <p:sldId id="354" r:id="rId64"/>
+    <p:sldId id="355" r:id="rId65"/>
+    <p:sldId id="356" r:id="rId66"/>
+    <p:sldId id="265" r:id="rId67"/>
+    <p:sldId id="269" r:id="rId68"/>
+    <p:sldId id="333" r:id="rId69"/>
+    <p:sldId id="345" r:id="rId70"/>
   </p:sldIdLst>
   <p:sldSz cx="9144000" cy="6858000" type="screen4x3"/>
   <p:notesSz cx="6858000" cy="9144000"/>
@@ -277,7 +288,7 @@
           <a:p>
             <a:fld id="{2E054F57-E93D-4CC3-8A27-2F256E70BB98}" type="datetimeFigureOut">
               <a:rPr lang="en-US" smtClean="0"/>
-              <a:t>27 Aug 15</a:t>
+              <a:t>30 Aug 15</a:t>
             </a:fld>
             <a:endParaRPr lang="en-US"/>
           </a:p>
@@ -726,7 +737,7 @@
           <a:p>
             <a:fld id="{3EA744D9-3FBE-48D8-BF2A-85DF203E4D20}" type="datetimeFigureOut">
               <a:rPr lang="bg-BG" smtClean="0"/>
-              <a:t>27.8.2015 г.</a:t>
+              <a:t>30.8.2015 г.</a:t>
             </a:fld>
             <a:endParaRPr lang="bg-BG"/>
           </a:p>
@@ -896,7 +907,7 @@
           <a:p>
             <a:fld id="{3EA744D9-3FBE-48D8-BF2A-85DF203E4D20}" type="datetimeFigureOut">
               <a:rPr lang="bg-BG" smtClean="0"/>
-              <a:t>27.8.2015 г.</a:t>
+              <a:t>30.8.2015 г.</a:t>
             </a:fld>
             <a:endParaRPr lang="bg-BG"/>
           </a:p>
@@ -1076,7 +1087,7 @@
           <a:p>
             <a:fld id="{3EA744D9-3FBE-48D8-BF2A-85DF203E4D20}" type="datetimeFigureOut">
               <a:rPr lang="bg-BG" smtClean="0"/>
-              <a:t>27.8.2015 г.</a:t>
+              <a:t>30.8.2015 г.</a:t>
             </a:fld>
             <a:endParaRPr lang="bg-BG"/>
           </a:p>
@@ -1246,7 +1257,7 @@
           <a:p>
             <a:fld id="{3EA744D9-3FBE-48D8-BF2A-85DF203E4D20}" type="datetimeFigureOut">
               <a:rPr lang="bg-BG" smtClean="0"/>
-              <a:t>27.8.2015 г.</a:t>
+              <a:t>30.8.2015 г.</a:t>
             </a:fld>
             <a:endParaRPr lang="bg-BG"/>
           </a:p>
@@ -1492,7 +1503,7 @@
           <a:p>
             <a:fld id="{3EA744D9-3FBE-48D8-BF2A-85DF203E4D20}" type="datetimeFigureOut">
               <a:rPr lang="bg-BG" smtClean="0"/>
-              <a:t>27.8.2015 г.</a:t>
+              <a:t>30.8.2015 г.</a:t>
             </a:fld>
             <a:endParaRPr lang="bg-BG"/>
           </a:p>
@@ -1780,7 +1791,7 @@
           <a:p>
             <a:fld id="{3EA744D9-3FBE-48D8-BF2A-85DF203E4D20}" type="datetimeFigureOut">
               <a:rPr lang="bg-BG" smtClean="0"/>
-              <a:t>27.8.2015 г.</a:t>
+              <a:t>30.8.2015 г.</a:t>
             </a:fld>
             <a:endParaRPr lang="bg-BG"/>
           </a:p>
@@ -2202,7 +2213,7 @@
           <a:p>
             <a:fld id="{3EA744D9-3FBE-48D8-BF2A-85DF203E4D20}" type="datetimeFigureOut">
               <a:rPr lang="bg-BG" smtClean="0"/>
-              <a:t>27.8.2015 г.</a:t>
+              <a:t>30.8.2015 г.</a:t>
             </a:fld>
             <a:endParaRPr lang="bg-BG"/>
           </a:p>
@@ -2320,7 +2331,7 @@
           <a:p>
             <a:fld id="{3EA744D9-3FBE-48D8-BF2A-85DF203E4D20}" type="datetimeFigureOut">
               <a:rPr lang="bg-BG" smtClean="0"/>
-              <a:t>27.8.2015 г.</a:t>
+              <a:t>30.8.2015 г.</a:t>
             </a:fld>
             <a:endParaRPr lang="bg-BG"/>
           </a:p>
@@ -2415,7 +2426,7 @@
           <a:p>
             <a:fld id="{3EA744D9-3FBE-48D8-BF2A-85DF203E4D20}" type="datetimeFigureOut">
               <a:rPr lang="bg-BG" smtClean="0"/>
-              <a:t>27.8.2015 г.</a:t>
+              <a:t>30.8.2015 г.</a:t>
             </a:fld>
             <a:endParaRPr lang="bg-BG"/>
           </a:p>
@@ -2692,7 +2703,7 @@
           <a:p>
             <a:fld id="{3EA744D9-3FBE-48D8-BF2A-85DF203E4D20}" type="datetimeFigureOut">
               <a:rPr lang="bg-BG" smtClean="0"/>
-              <a:t>27.8.2015 г.</a:t>
+              <a:t>30.8.2015 г.</a:t>
             </a:fld>
             <a:endParaRPr lang="bg-BG"/>
           </a:p>
@@ -2945,7 +2956,7 @@
           <a:p>
             <a:fld id="{3EA744D9-3FBE-48D8-BF2A-85DF203E4D20}" type="datetimeFigureOut">
               <a:rPr lang="bg-BG" smtClean="0"/>
-              <a:t>27.8.2015 г.</a:t>
+              <a:t>30.8.2015 г.</a:t>
             </a:fld>
             <a:endParaRPr lang="bg-BG"/>
           </a:p>
@@ -3167,7 +3178,7 @@
           <a:p>
             <a:fld id="{3EA744D9-3FBE-48D8-BF2A-85DF203E4D20}" type="datetimeFigureOut">
               <a:rPr lang="bg-BG" smtClean="0"/>
-              <a:t>27.8.2015 г.</a:t>
+              <a:t>30.8.2015 г.</a:t>
             </a:fld>
             <a:endParaRPr lang="bg-BG"/>
           </a:p>
@@ -15097,13 +15108,18 @@
                 <a:latin typeface="Courier New" panose="02070309020205020404" pitchFamily="49" charset="0"/>
                 <a:cs typeface="Courier New" panose="02070309020205020404" pitchFamily="49" charset="0"/>
               </a:rPr>
-              <a:t> = 6;</a:t>
-            </a:r>
-          </a:p>
-          <a:p>
-            <a:pPr marL="0" indent="0">
-              <a:buNone/>
-            </a:pPr>
+              <a:t> = </a:t>
+            </a:r>
+            <a:r>
+              <a:rPr lang="en-US" sz="1800" dirty="0">
+                <a:solidFill>
+                  <a:schemeClr val="bg1"/>
+                </a:solidFill>
+                <a:latin typeface="Courier New" panose="02070309020205020404" pitchFamily="49" charset="0"/>
+                <a:cs typeface="Courier New" panose="02070309020205020404" pitchFamily="49" charset="0"/>
+              </a:rPr>
+              <a:t>7</a:t>
+            </a:r>
             <a:r>
               <a:rPr lang="en-US" sz="1800" dirty="0" smtClean="0">
                 <a:solidFill>
@@ -15112,7 +15128,32 @@
                 <a:latin typeface="Courier New" panose="02070309020205020404" pitchFamily="49" charset="0"/>
                 <a:cs typeface="Courier New" panose="02070309020205020404" pitchFamily="49" charset="0"/>
               </a:rPr>
-              <a:t>If(</a:t>
+              <a:t>;</a:t>
+            </a:r>
+          </a:p>
+          <a:p>
+            <a:pPr marL="0" indent="0">
+              <a:buNone/>
+            </a:pPr>
+            <a:r>
+              <a:rPr lang="en-US" sz="1800" dirty="0">
+                <a:solidFill>
+                  <a:schemeClr val="bg1"/>
+                </a:solidFill>
+                <a:latin typeface="Courier New" panose="02070309020205020404" pitchFamily="49" charset="0"/>
+                <a:cs typeface="Courier New" panose="02070309020205020404" pitchFamily="49" charset="0"/>
+              </a:rPr>
+              <a:t>i</a:t>
+            </a:r>
+            <a:r>
+              <a:rPr lang="en-US" sz="1800" dirty="0" smtClean="0">
+                <a:solidFill>
+                  <a:schemeClr val="bg1"/>
+                </a:solidFill>
+                <a:latin typeface="Courier New" panose="02070309020205020404" pitchFamily="49" charset="0"/>
+                <a:cs typeface="Courier New" panose="02070309020205020404" pitchFamily="49" charset="0"/>
+              </a:rPr>
+              <a:t>f(</a:t>
             </a:r>
             <a:r>
               <a:rPr lang="en-US" sz="1800" dirty="0" err="1" smtClean="0">
@@ -15629,7 +15670,7 @@
               <a:buNone/>
             </a:pPr>
             <a:r>
-              <a:rPr lang="en-US" sz="1800" dirty="0">
+              <a:rPr lang="en-US" sz="1800" dirty="0" smtClean="0">
                 <a:solidFill>
                   <a:schemeClr val="bg1"/>
                 </a:solidFill>
@@ -15638,13 +15679,33 @@
               </a:rPr>
               <a:t>}</a:t>
             </a:r>
-            <a:endParaRPr lang="bg-BG" sz="1800" dirty="0" smtClean="0">
+          </a:p>
+          <a:p>
+            <a:pPr marL="0" indent="0">
+              <a:buNone/>
+            </a:pPr>
+            <a:endParaRPr lang="en-US" sz="1800" dirty="0">
               <a:solidFill>
                 <a:schemeClr val="bg1"/>
               </a:solidFill>
               <a:latin typeface="Courier New" panose="02070309020205020404" pitchFamily="49" charset="0"/>
               <a:cs typeface="Courier New" panose="02070309020205020404" pitchFamily="49" charset="0"/>
             </a:endParaRPr>
+          </a:p>
+          <a:p>
+            <a:pPr marL="0" indent="0">
+              <a:buNone/>
+            </a:pPr>
+            <a:r>
+              <a:rPr lang="bg-BG" sz="1800" dirty="0" smtClean="0">
+                <a:solidFill>
+                  <a:schemeClr val="bg1"/>
+                </a:solidFill>
+                <a:latin typeface="Courier New" panose="02070309020205020404" pitchFamily="49" charset="0"/>
+                <a:cs typeface="Courier New" panose="02070309020205020404" pitchFamily="49" charset="0"/>
+              </a:rPr>
+              <a:t>Напишете код, с който да проверявате дали дадено число се дели едновременно на 3 и на 7.</a:t>
+            </a:r>
           </a:p>
         </p:txBody>
       </p:sp>
@@ -16426,7 +16487,7 @@
               <a:buNone/>
             </a:pPr>
             <a:r>
-              <a:rPr lang="en-US" sz="1800" dirty="0">
+              <a:rPr lang="en-US" sz="1800" dirty="0" smtClean="0">
                 <a:solidFill>
                   <a:schemeClr val="bg1"/>
                 </a:solidFill>
@@ -16434,6 +16495,58 @@
                 <a:cs typeface="Courier New" panose="02070309020205020404" pitchFamily="49" charset="0"/>
               </a:rPr>
               <a:t>}</a:t>
+            </a:r>
+            <a:endParaRPr lang="bg-BG" sz="1800" dirty="0" smtClean="0">
+              <a:solidFill>
+                <a:schemeClr val="bg1"/>
+              </a:solidFill>
+              <a:latin typeface="Courier New" panose="02070309020205020404" pitchFamily="49" charset="0"/>
+              <a:cs typeface="Courier New" panose="02070309020205020404" pitchFamily="49" charset="0"/>
+            </a:endParaRPr>
+          </a:p>
+          <a:p>
+            <a:pPr marL="0" indent="0">
+              <a:buNone/>
+            </a:pPr>
+            <a:r>
+              <a:rPr lang="en-US" sz="1800" dirty="0" smtClean="0">
+                <a:solidFill>
+                  <a:schemeClr val="bg1"/>
+                </a:solidFill>
+                <a:latin typeface="Courier New" panose="02070309020205020404" pitchFamily="49" charset="0"/>
+                <a:cs typeface="Courier New" panose="02070309020205020404" pitchFamily="49" charset="0"/>
+              </a:rPr>
+              <a:t>If</a:t>
+            </a:r>
+          </a:p>
+          <a:p>
+            <a:pPr marL="0" indent="0">
+              <a:buNone/>
+            </a:pPr>
+            <a:r>
+              <a:rPr lang="en-US" sz="1800" dirty="0" smtClean="0">
+                <a:solidFill>
+                  <a:schemeClr val="bg1"/>
+                </a:solidFill>
+                <a:latin typeface="Courier New" panose="02070309020205020404" pitchFamily="49" charset="0"/>
+                <a:cs typeface="Courier New" panose="02070309020205020404" pitchFamily="49" charset="0"/>
+              </a:rPr>
+              <a:t>Else if</a:t>
+            </a:r>
+          </a:p>
+          <a:p>
+            <a:pPr marL="0" indent="0">
+              <a:buNone/>
+            </a:pPr>
+            <a:r>
+              <a:rPr lang="en-US" sz="1800" dirty="0" smtClean="0">
+                <a:solidFill>
+                  <a:schemeClr val="bg1"/>
+                </a:solidFill>
+                <a:latin typeface="Courier New" panose="02070309020205020404" pitchFamily="49" charset="0"/>
+                <a:cs typeface="Courier New" panose="02070309020205020404" pitchFamily="49" charset="0"/>
+              </a:rPr>
+              <a:t>Else </a:t>
             </a:r>
             <a:endParaRPr lang="bg-BG" sz="1800" dirty="0" smtClean="0">
               <a:solidFill>
@@ -18310,13 +18423,6 @@
               </a:rPr>
               <a:t> = [0, 1, 2];</a:t>
             </a:r>
-            <a:endParaRPr lang="bg-BG" sz="2000" dirty="0" smtClean="0">
-              <a:solidFill>
-                <a:schemeClr val="bg1"/>
-              </a:solidFill>
-              <a:latin typeface="+mj-lt"/>
-              <a:cs typeface="Courier New" panose="02070309020205020404" pitchFamily="49" charset="0"/>
-            </a:endParaRPr>
           </a:p>
         </p:txBody>
       </p:sp>
@@ -19353,6 +19459,16 @@
               <a:t>	</a:t>
             </a:r>
             <a:r>
+              <a:rPr lang="en-US" sz="1500" dirty="0" err="1" smtClean="0">
+                <a:solidFill>
+                  <a:schemeClr val="bg1"/>
+                </a:solidFill>
+                <a:latin typeface="Courier New" panose="02070309020205020404" pitchFamily="49" charset="0"/>
+                <a:cs typeface="Courier New" panose="02070309020205020404" pitchFamily="49" charset="0"/>
+              </a:rPr>
+              <a:t>myArray</a:t>
+            </a:r>
+            <a:r>
               <a:rPr lang="en-US" sz="1500" dirty="0" smtClean="0">
                 <a:solidFill>
                   <a:schemeClr val="bg1"/>
@@ -19360,8 +19476,35 @@
                 <a:latin typeface="Courier New" panose="02070309020205020404" pitchFamily="49" charset="0"/>
                 <a:cs typeface="Courier New" panose="02070309020205020404" pitchFamily="49" charset="0"/>
               </a:rPr>
-              <a:t>…</a:t>
-            </a:r>
+              <a:t>[</a:t>
+            </a:r>
+            <a:r>
+              <a:rPr lang="en-US" sz="1500" dirty="0" err="1" smtClean="0">
+                <a:solidFill>
+                  <a:schemeClr val="bg1"/>
+                </a:solidFill>
+                <a:latin typeface="Courier New" panose="02070309020205020404" pitchFamily="49" charset="0"/>
+                <a:cs typeface="Courier New" panose="02070309020205020404" pitchFamily="49" charset="0"/>
+              </a:rPr>
+              <a:t>i</a:t>
+            </a:r>
+            <a:r>
+              <a:rPr lang="en-US" sz="1500" dirty="0">
+                <a:solidFill>
+                  <a:schemeClr val="bg1"/>
+                </a:solidFill>
+                <a:latin typeface="Courier New" panose="02070309020205020404" pitchFamily="49" charset="0"/>
+                <a:cs typeface="Courier New" panose="02070309020205020404" pitchFamily="49" charset="0"/>
+              </a:rPr>
+              <a:t>]</a:t>
+            </a:r>
+            <a:endParaRPr lang="en-US" sz="1500" dirty="0" smtClean="0">
+              <a:solidFill>
+                <a:schemeClr val="bg1"/>
+              </a:solidFill>
+              <a:latin typeface="Courier New" panose="02070309020205020404" pitchFamily="49" charset="0"/>
+              <a:cs typeface="Courier New" panose="02070309020205020404" pitchFamily="49" charset="0"/>
+            </a:endParaRPr>
           </a:p>
           <a:p>
             <a:pPr marL="0" indent="0">
@@ -21234,7 +21377,7 @@
                 <a:latin typeface="Courier New" panose="02070309020205020404" pitchFamily="49" charset="0"/>
                 <a:cs typeface="Courier New" panose="02070309020205020404" pitchFamily="49" charset="0"/>
               </a:rPr>
-              <a:t> = [7, 19, 336, 34, 41, 401];</a:t>
+              <a:t> = [7, 19, 18, 336, 34, 41, 401];</a:t>
             </a:r>
           </a:p>
           <a:p>
@@ -21831,28 +21974,50 @@
         </p:nvSpPr>
         <p:spPr>
           <a:xfrm>
-            <a:off x="838200" y="685800"/>
+            <a:off x="457200" y="762000"/>
             <a:ext cx="8229600" cy="1143000"/>
           </a:xfrm>
         </p:spPr>
         <p:txBody>
-          <a:bodyPr/>
+          <a:bodyPr>
+            <a:normAutofit/>
+          </a:bodyPr>
           <a:lstStyle/>
           <a:p>
             <a:pPr algn="l"/>
             <a:r>
-              <a:rPr lang="bg-BG" dirty="0" smtClean="0">
+              <a:rPr lang="en-US" sz="2900" dirty="0" smtClean="0">
                 <a:solidFill>
                   <a:schemeClr val="accent6"/>
                 </a:solidFill>
               </a:rPr>
-              <a:t>Въпроси</a:t>
-            </a:r>
-            <a:endParaRPr lang="bg-BG" dirty="0">
-              <a:solidFill>
-                <a:schemeClr val="accent6"/>
-              </a:solidFill>
-            </a:endParaRPr>
+              <a:t>JavaScript</a:t>
+            </a:r>
+            <a:r>
+              <a:rPr lang="bg-BG" sz="2900" dirty="0" smtClean="0">
+                <a:solidFill>
+                  <a:schemeClr val="accent6"/>
+                </a:solidFill>
+              </a:rPr>
+              <a:t> –</a:t>
+            </a:r>
+            <a:r>
+              <a:rPr lang="en-US" sz="2900" dirty="0">
+                <a:solidFill>
+                  <a:schemeClr val="accent6"/>
+                </a:solidFill>
+              </a:rPr>
+              <a:t> </a:t>
+            </a:r>
+            <a:r>
+              <a:rPr lang="bg-BG" sz="2900" dirty="0" smtClean="0">
+                <a:solidFill>
+                  <a:schemeClr val="accent6"/>
+                </a:solidFill>
+              </a:rPr>
+              <a:t>Функции</a:t>
+            </a:r>
+            <a:endParaRPr lang="en-US" sz="2900" dirty="0"/>
           </a:p>
         </p:txBody>
       </p:sp>
@@ -21866,129 +22031,166 @@
             <p:ph idx="1"/>
           </p:nvPr>
         </p:nvSpPr>
-        <p:spPr>
-          <a:xfrm>
-            <a:off x="762000" y="1676400"/>
-            <a:ext cx="7620000" cy="4525963"/>
-          </a:xfrm>
-        </p:spPr>
+        <p:spPr/>
         <p:txBody>
           <a:bodyPr>
-            <a:normAutofit/>
+            <a:noAutofit/>
           </a:bodyPr>
           <a:lstStyle/>
           <a:p>
-            <a:pPr>
-              <a:buFont typeface="Wingdings" panose="05000000000000000000" pitchFamily="2" charset="2"/>
-              <a:buChar char="§"/>
-            </a:pPr>
-            <a:endParaRPr lang="en-US" dirty="0">
+            <a:pPr marL="0" indent="0">
+              <a:buNone/>
+            </a:pPr>
+            <a:r>
+              <a:rPr lang="bg-BG" sz="2500" dirty="0" smtClean="0">
+                <a:solidFill>
+                  <a:schemeClr val="bg1"/>
+                </a:solidFill>
+                <a:latin typeface="+mj-lt"/>
+                <a:cs typeface="Courier New" panose="02070309020205020404" pitchFamily="49" charset="0"/>
+              </a:rPr>
+              <a:t>Функциите в </a:t>
+            </a:r>
+            <a:r>
+              <a:rPr lang="en-US" sz="2500" dirty="0" smtClean="0">
+                <a:solidFill>
+                  <a:schemeClr val="bg1"/>
+                </a:solidFill>
+                <a:latin typeface="+mj-lt"/>
+                <a:cs typeface="Courier New" panose="02070309020205020404" pitchFamily="49" charset="0"/>
+              </a:rPr>
+              <a:t>JavaScript </a:t>
+            </a:r>
+            <a:r>
+              <a:rPr lang="bg-BG" sz="2500" dirty="0" smtClean="0">
+                <a:solidFill>
+                  <a:schemeClr val="bg1"/>
+                </a:solidFill>
+                <a:latin typeface="+mj-lt"/>
+                <a:cs typeface="Courier New" panose="02070309020205020404" pitchFamily="49" charset="0"/>
+              </a:rPr>
+              <a:t>представляват набор от команди, които се изпълняват, когато този набор бъде „извикан“. Функциите в </a:t>
+            </a:r>
+            <a:r>
+              <a:rPr lang="en-US" sz="2500" dirty="0" smtClean="0">
+                <a:solidFill>
+                  <a:schemeClr val="bg1"/>
+                </a:solidFill>
+                <a:latin typeface="+mj-lt"/>
+                <a:cs typeface="Courier New" panose="02070309020205020404" pitchFamily="49" charset="0"/>
+              </a:rPr>
+              <a:t>JavaScript </a:t>
+            </a:r>
+            <a:r>
+              <a:rPr lang="bg-BG" sz="2500" dirty="0" smtClean="0">
+                <a:solidFill>
+                  <a:schemeClr val="bg1"/>
+                </a:solidFill>
+                <a:latin typeface="+mj-lt"/>
+                <a:cs typeface="Courier New" panose="02070309020205020404" pitchFamily="49" charset="0"/>
+              </a:rPr>
+              <a:t>се дефинират с ключовата дума</a:t>
+            </a:r>
+            <a:r>
+              <a:rPr lang="en-US" sz="2500" dirty="0" smtClean="0">
+                <a:solidFill>
+                  <a:schemeClr val="bg1"/>
+                </a:solidFill>
+                <a:latin typeface="+mj-lt"/>
+                <a:cs typeface="Courier New" panose="02070309020205020404" pitchFamily="49" charset="0"/>
+              </a:rPr>
+              <a:t> </a:t>
+            </a:r>
+            <a:r>
+              <a:rPr lang="en-US" sz="2500" i="1" dirty="0" smtClean="0">
+                <a:solidFill>
+                  <a:schemeClr val="bg1"/>
+                </a:solidFill>
+                <a:latin typeface="+mj-lt"/>
+                <a:cs typeface="Courier New" panose="02070309020205020404" pitchFamily="49" charset="0"/>
+              </a:rPr>
+              <a:t>function</a:t>
+            </a:r>
+            <a:r>
+              <a:rPr lang="bg-BG" sz="2500" dirty="0" smtClean="0">
+                <a:solidFill>
+                  <a:schemeClr val="bg1"/>
+                </a:solidFill>
+                <a:latin typeface="+mj-lt"/>
+                <a:cs typeface="Courier New" panose="02070309020205020404" pitchFamily="49" charset="0"/>
+              </a:rPr>
+              <a:t>, следвана от името на функцията и кръгли скоби. </a:t>
+            </a:r>
+          </a:p>
+          <a:p>
+            <a:pPr marL="0" indent="0">
+              <a:buNone/>
+            </a:pPr>
+            <a:r>
+              <a:rPr lang="bg-BG" sz="2500" dirty="0" smtClean="0">
+                <a:solidFill>
+                  <a:schemeClr val="bg1"/>
+                </a:solidFill>
+                <a:latin typeface="+mj-lt"/>
+                <a:cs typeface="Courier New" panose="02070309020205020404" pitchFamily="49" charset="0"/>
+              </a:rPr>
+              <a:t>Подобно на всички дефиниции в </a:t>
+            </a:r>
+            <a:r>
+              <a:rPr lang="en-US" sz="2500" dirty="0" smtClean="0">
+                <a:solidFill>
+                  <a:schemeClr val="bg1"/>
+                </a:solidFill>
+                <a:latin typeface="+mj-lt"/>
+                <a:cs typeface="Courier New" panose="02070309020205020404" pitchFamily="49" charset="0"/>
+              </a:rPr>
+              <a:t>JavaScript, </a:t>
+            </a:r>
+            <a:r>
+              <a:rPr lang="bg-BG" sz="2500" dirty="0" smtClean="0">
+                <a:solidFill>
+                  <a:schemeClr val="bg1"/>
+                </a:solidFill>
+                <a:latin typeface="+mj-lt"/>
+                <a:cs typeface="Courier New" panose="02070309020205020404" pitchFamily="49" charset="0"/>
+              </a:rPr>
+              <a:t>името на функцията може да съдържа латински букви, тирета, подчертавки и знак за долар.</a:t>
+            </a:r>
+          </a:p>
+          <a:p>
+            <a:pPr marL="0" indent="0">
+              <a:buNone/>
+            </a:pPr>
+            <a:r>
+              <a:rPr lang="bg-BG" sz="2500" dirty="0" smtClean="0">
+                <a:solidFill>
+                  <a:schemeClr val="bg1"/>
+                </a:solidFill>
+                <a:latin typeface="+mj-lt"/>
+                <a:cs typeface="Courier New" panose="02070309020205020404" pitchFamily="49" charset="0"/>
+              </a:rPr>
+              <a:t>Функциите могат да приемат аргументи, които се изреждат в кръглите скоби.</a:t>
+            </a:r>
+            <a:endParaRPr lang="bg-BG" sz="2500" dirty="0" smtClean="0">
               <a:solidFill>
-                <a:schemeClr val="bg1">
-                  <a:lumMod val="95000"/>
-                </a:schemeClr>
+                <a:schemeClr val="bg1"/>
               </a:solidFill>
-            </a:endParaRPr>
-          </a:p>
-          <a:p>
-            <a:pPr>
-              <a:buFont typeface="Wingdings" panose="05000000000000000000" pitchFamily="2" charset="2"/>
-              <a:buChar char="§"/>
-            </a:pPr>
-            <a:endParaRPr lang="en-US" dirty="0">
-              <a:solidFill>
-                <a:schemeClr val="bg1">
-                  <a:lumMod val="95000"/>
-                </a:schemeClr>
-              </a:solidFill>
-            </a:endParaRPr>
-          </a:p>
-          <a:p>
-            <a:pPr>
-              <a:buFont typeface="Wingdings" panose="05000000000000000000" pitchFamily="2" charset="2"/>
-              <a:buChar char="§"/>
-            </a:pPr>
-            <a:endParaRPr lang="en-US" dirty="0">
-              <a:solidFill>
-                <a:schemeClr val="bg1">
-                  <a:lumMod val="95000"/>
-                </a:schemeClr>
-              </a:solidFill>
-            </a:endParaRPr>
-          </a:p>
-          <a:p>
-            <a:pPr>
-              <a:buFont typeface="Wingdings" panose="05000000000000000000" pitchFamily="2" charset="2"/>
-              <a:buChar char="§"/>
-            </a:pPr>
-            <a:endParaRPr lang="en-US" dirty="0">
-              <a:solidFill>
-                <a:schemeClr val="bg1">
-                  <a:lumMod val="95000"/>
-                </a:schemeClr>
-              </a:solidFill>
+              <a:latin typeface="+mj-lt"/>
+              <a:cs typeface="Courier New" panose="02070309020205020404" pitchFamily="49" charset="0"/>
             </a:endParaRPr>
           </a:p>
         </p:txBody>
       </p:sp>
-      <p:pic>
-        <p:nvPicPr>
-          <p:cNvPr id="1027" name="Picture 3" descr="C:\Users\Lazar\Desktop\01-red-question-mark1.jpg"/>
-          <p:cNvPicPr>
-            <a:picLocks noChangeAspect="1" noChangeArrowheads="1"/>
-          </p:cNvPicPr>
-          <p:nvPr/>
-        </p:nvPicPr>
-        <p:blipFill>
-          <a:blip r:embed="rId2" cstate="print">
-            <a:extLst>
-              <a:ext uri="{28A0092B-C50C-407E-A947-70E740481C1C}">
-                <a14:useLocalDpi xmlns:a14="http://schemas.microsoft.com/office/drawing/2010/main" val="0"/>
-              </a:ext>
-            </a:extLst>
-          </a:blip>
-          <a:srcRect/>
-          <a:stretch>
-            <a:fillRect/>
-          </a:stretch>
-        </p:blipFill>
-        <p:spPr bwMode="auto">
-          <a:xfrm>
-            <a:off x="3505200" y="2057400"/>
-            <a:ext cx="2419082" cy="2419082"/>
-          </a:xfrm>
-          <a:prstGeom prst="rect">
-            <a:avLst/>
-          </a:prstGeom>
-          <a:noFill/>
-          <a:extLst>
-            <a:ext uri="{909E8E84-426E-40DD-AFC4-6F175D3DCCD1}">
-              <a14:hiddenFill xmlns:a14="http://schemas.microsoft.com/office/drawing/2010/main">
-                <a:solidFill>
-                  <a:srgbClr val="FFFFFF"/>
-                </a:solidFill>
-              </a14:hiddenFill>
-            </a:ext>
-          </a:extLst>
-        </p:spPr>
-      </p:pic>
     </p:spTree>
     <p:extLst>
       <p:ext uri="{BB962C8B-B14F-4D97-AF65-F5344CB8AC3E}">
-        <p14:creationId xmlns:p14="http://schemas.microsoft.com/office/powerpoint/2010/main" val="1088608090"/>
+        <p14:creationId xmlns:p14="http://schemas.microsoft.com/office/powerpoint/2010/main" val="3571590803"/>
       </p:ext>
     </p:extLst>
   </p:cSld>
   <p:clrMapOvr>
     <a:masterClrMapping/>
   </p:clrMapOvr>
-  <p:timing>
-    <p:tnLst>
-      <p:par>
-        <p:cTn id="1" dur="indefinite" restart="never" nodeType="tmRoot"/>
-      </p:par>
-    </p:tnLst>
-  </p:timing>
 </p:sld>
 </file>
 
@@ -22021,28 +22223,50 @@
         </p:nvSpPr>
         <p:spPr>
           <a:xfrm>
-            <a:off x="838200" y="685800"/>
+            <a:off x="457200" y="762000"/>
             <a:ext cx="8229600" cy="1143000"/>
           </a:xfrm>
         </p:spPr>
         <p:txBody>
-          <a:bodyPr/>
+          <a:bodyPr>
+            <a:normAutofit/>
+          </a:bodyPr>
           <a:lstStyle/>
           <a:p>
             <a:pPr algn="l"/>
             <a:r>
-              <a:rPr lang="bg-BG" dirty="0" smtClean="0">
+              <a:rPr lang="en-US" sz="2900" dirty="0" smtClean="0">
                 <a:solidFill>
                   <a:schemeClr val="accent6"/>
                 </a:solidFill>
               </a:rPr>
-              <a:t>Задачи за домашна работа</a:t>
-            </a:r>
-            <a:endParaRPr lang="bg-BG" dirty="0">
-              <a:solidFill>
-                <a:schemeClr val="accent6"/>
-              </a:solidFill>
-            </a:endParaRPr>
+              <a:t>JavaScript</a:t>
+            </a:r>
+            <a:r>
+              <a:rPr lang="bg-BG" sz="2900" dirty="0" smtClean="0">
+                <a:solidFill>
+                  <a:schemeClr val="accent6"/>
+                </a:solidFill>
+              </a:rPr>
+              <a:t> –</a:t>
+            </a:r>
+            <a:r>
+              <a:rPr lang="en-US" sz="2900" dirty="0">
+                <a:solidFill>
+                  <a:schemeClr val="accent6"/>
+                </a:solidFill>
+              </a:rPr>
+              <a:t> </a:t>
+            </a:r>
+            <a:r>
+              <a:rPr lang="bg-BG" sz="2900" dirty="0" smtClean="0">
+                <a:solidFill>
+                  <a:schemeClr val="accent6"/>
+                </a:solidFill>
+              </a:rPr>
+              <a:t>Функции - синтаксис</a:t>
+            </a:r>
+            <a:endParaRPr lang="en-US" sz="2900" dirty="0"/>
           </a:p>
         </p:txBody>
       </p:sp>
@@ -22056,226 +22280,165 @@
             <p:ph idx="1"/>
           </p:nvPr>
         </p:nvSpPr>
-        <p:spPr>
-          <a:xfrm>
-            <a:off x="762000" y="1676400"/>
-            <a:ext cx="7620000" cy="4648200"/>
-          </a:xfrm>
-        </p:spPr>
+        <p:spPr/>
         <p:txBody>
           <a:bodyPr>
             <a:noAutofit/>
           </a:bodyPr>
           <a:lstStyle/>
           <a:p>
-            <a:pPr marL="457200" indent="-457200">
-              <a:buAutoNum type="arabicPeriod"/>
-            </a:pPr>
-            <a:r>
-              <a:rPr lang="bg-BG" sz="2000" b="1" dirty="0" smtClean="0">
-                <a:solidFill>
-                  <a:schemeClr val="bg1">
-                    <a:lumMod val="95000"/>
-                  </a:schemeClr>
-                </a:solidFill>
-              </a:rPr>
-              <a:t>Напишете израз, който </a:t>
-            </a:r>
-            <a:r>
-              <a:rPr lang="en-US" sz="2000" b="1" dirty="0" smtClean="0">
-                <a:solidFill>
-                  <a:schemeClr val="bg1">
-                    <a:lumMod val="95000"/>
-                  </a:schemeClr>
-                </a:solidFill>
-              </a:rPr>
-              <a:t>console.log-</a:t>
-            </a:r>
-            <a:r>
-              <a:rPr lang="bg-BG" sz="2000" b="1" dirty="0" smtClean="0">
-                <a:solidFill>
-                  <a:schemeClr val="bg1">
-                    <a:lumMod val="95000"/>
-                  </a:schemeClr>
-                </a:solidFill>
-              </a:rPr>
-              <a:t>ва всички числа от 1 до 300.</a:t>
-            </a:r>
-          </a:p>
-          <a:p>
-            <a:pPr marL="457200" indent="-457200">
-              <a:buAutoNum type="arabicPeriod"/>
-            </a:pPr>
-            <a:r>
-              <a:rPr lang="bg-BG" sz="2000" b="1" dirty="0" smtClean="0">
-                <a:solidFill>
-                  <a:schemeClr val="bg1">
-                    <a:lumMod val="95000"/>
-                  </a:schemeClr>
-                </a:solidFill>
-              </a:rPr>
-              <a:t>Напишете израз, който проверява дали дадено число се дели на 3.</a:t>
-            </a:r>
-          </a:p>
-          <a:p>
-            <a:pPr marL="457200" indent="-457200">
-              <a:buAutoNum type="arabicPeriod"/>
-            </a:pPr>
-            <a:r>
-              <a:rPr lang="bg-BG" sz="2000" b="1" dirty="0" smtClean="0">
-                <a:solidFill>
-                  <a:schemeClr val="bg1">
-                    <a:lumMod val="95000"/>
-                  </a:schemeClr>
-                </a:solidFill>
-              </a:rPr>
-              <a:t>Напишете израз, който проверява дали дадено число се дели едновременно на 4 и на 7.(използвайте вложени </a:t>
-            </a:r>
-            <a:r>
-              <a:rPr lang="en-US" sz="2000" b="1" dirty="0" smtClean="0">
-                <a:solidFill>
-                  <a:schemeClr val="bg1">
-                    <a:lumMod val="95000"/>
-                  </a:schemeClr>
-                </a:solidFill>
-              </a:rPr>
-              <a:t>if-else</a:t>
-            </a:r>
-            <a:r>
-              <a:rPr lang="bg-BG" sz="2000" b="1" dirty="0" smtClean="0">
-                <a:solidFill>
-                  <a:schemeClr val="bg1">
-                    <a:lumMod val="95000"/>
-                  </a:schemeClr>
-                </a:solidFill>
-              </a:rPr>
-              <a:t> оператори</a:t>
-            </a:r>
-            <a:r>
-              <a:rPr lang="en-US" sz="2000" b="1" dirty="0" smtClean="0">
-                <a:solidFill>
-                  <a:schemeClr val="bg1">
-                    <a:lumMod val="95000"/>
-                  </a:schemeClr>
-                </a:solidFill>
-              </a:rPr>
-              <a:t>).</a:t>
-            </a:r>
-          </a:p>
-          <a:p>
-            <a:pPr marL="457200" indent="-457200">
-              <a:buAutoNum type="arabicPeriod"/>
-            </a:pPr>
-            <a:r>
-              <a:rPr lang="bg-BG" sz="2000" b="1" dirty="0" smtClean="0">
-                <a:solidFill>
-                  <a:schemeClr val="bg1">
-                    <a:lumMod val="95000"/>
-                  </a:schemeClr>
-                </a:solidFill>
-              </a:rPr>
-              <a:t>Напишете израз, който пресмята площта на правоъгълник чрез определени ширина и дължина.</a:t>
-            </a:r>
-          </a:p>
-          <a:p>
-            <a:pPr marL="457200" indent="-457200">
-              <a:buAutoNum type="arabicPeriod"/>
-            </a:pPr>
-            <a:r>
-              <a:rPr lang="bg-BG" sz="2000" b="1" dirty="0" smtClean="0">
-                <a:solidFill>
-                  <a:schemeClr val="bg1">
-                    <a:lumMod val="95000"/>
-                  </a:schemeClr>
-                </a:solidFill>
-              </a:rPr>
-              <a:t>Напишете израз, който пресмята площта на трапец по дадени страна А, страна </a:t>
-            </a:r>
-            <a:r>
-              <a:rPr lang="en-US" sz="2000" b="1" dirty="0" smtClean="0">
-                <a:solidFill>
-                  <a:schemeClr val="bg1">
-                    <a:lumMod val="95000"/>
-                  </a:schemeClr>
-                </a:solidFill>
-              </a:rPr>
-              <a:t>B </a:t>
-            </a:r>
-            <a:r>
-              <a:rPr lang="bg-BG" sz="2000" b="1" dirty="0" smtClean="0">
-                <a:solidFill>
-                  <a:schemeClr val="bg1">
-                    <a:lumMod val="95000"/>
-                  </a:schemeClr>
-                </a:solidFill>
-              </a:rPr>
-              <a:t>и височина </a:t>
-            </a:r>
-            <a:r>
-              <a:rPr lang="en-US" sz="2000" b="1" dirty="0" smtClean="0">
-                <a:solidFill>
-                  <a:schemeClr val="bg1">
-                    <a:lumMod val="95000"/>
-                  </a:schemeClr>
-                </a:solidFill>
-              </a:rPr>
-              <a:t>h.</a:t>
-            </a:r>
-          </a:p>
-          <a:p>
-            <a:pPr marL="457200" indent="-457200">
-              <a:buAutoNum type="arabicPeriod"/>
-            </a:pPr>
-            <a:r>
-              <a:rPr lang="bg-BG" sz="2000" b="1" dirty="0" smtClean="0">
-                <a:solidFill>
-                  <a:schemeClr val="bg1">
-                    <a:lumMod val="95000"/>
-                  </a:schemeClr>
-                </a:solidFill>
-              </a:rPr>
-              <a:t>Напишете израз, който намира най-голямото от 3 числа(използвайки вложени </a:t>
-            </a:r>
-            <a:r>
-              <a:rPr lang="en-US" sz="2000" b="1" dirty="0" smtClean="0">
-                <a:solidFill>
-                  <a:schemeClr val="bg1">
-                    <a:lumMod val="95000"/>
-                  </a:schemeClr>
-                </a:solidFill>
-              </a:rPr>
-              <a:t>if-else </a:t>
-            </a:r>
-            <a:r>
-              <a:rPr lang="bg-BG" sz="2000" b="1" dirty="0" smtClean="0">
-                <a:solidFill>
-                  <a:schemeClr val="bg1">
-                    <a:lumMod val="95000"/>
-                  </a:schemeClr>
-                </a:solidFill>
-              </a:rPr>
-              <a:t>оператори).</a:t>
-            </a:r>
+            <a:pPr marL="0" indent="0">
+              <a:buNone/>
+            </a:pPr>
+            <a:r>
+              <a:rPr lang="bg-BG" sz="2500" dirty="0" smtClean="0">
+                <a:solidFill>
+                  <a:schemeClr val="bg1"/>
+                </a:solidFill>
+                <a:latin typeface="+mj-lt"/>
+                <a:cs typeface="Courier New" panose="02070309020205020404" pitchFamily="49" charset="0"/>
+              </a:rPr>
+              <a:t>Най-общо, тялото на една функция представлява нещо от сорта на:</a:t>
+            </a:r>
+          </a:p>
+          <a:p>
+            <a:pPr marL="0" indent="0">
+              <a:buNone/>
+            </a:pPr>
+            <a:r>
+              <a:rPr lang="en-US" sz="1800" dirty="0" smtClean="0">
+                <a:solidFill>
+                  <a:schemeClr val="bg1"/>
+                </a:solidFill>
+                <a:latin typeface="Courier New" panose="02070309020205020404" pitchFamily="49" charset="0"/>
+                <a:cs typeface="Courier New" panose="02070309020205020404" pitchFamily="49" charset="0"/>
+              </a:rPr>
+              <a:t>function </a:t>
+            </a:r>
+            <a:r>
+              <a:rPr lang="bg-BG" sz="1800" dirty="0" smtClean="0">
+                <a:solidFill>
+                  <a:schemeClr val="bg1"/>
+                </a:solidFill>
+                <a:latin typeface="Courier New" panose="02070309020205020404" pitchFamily="49" charset="0"/>
+                <a:cs typeface="Courier New" panose="02070309020205020404" pitchFamily="49" charset="0"/>
+              </a:rPr>
+              <a:t>име(аргументи</a:t>
+            </a:r>
+            <a:r>
+              <a:rPr lang="en-US" sz="1800" dirty="0" smtClean="0">
+                <a:solidFill>
+                  <a:schemeClr val="bg1"/>
+                </a:solidFill>
+                <a:latin typeface="Courier New" panose="02070309020205020404" pitchFamily="49" charset="0"/>
+                <a:cs typeface="Courier New" panose="02070309020205020404" pitchFamily="49" charset="0"/>
+              </a:rPr>
+              <a:t>) {</a:t>
+            </a:r>
+          </a:p>
+          <a:p>
+            <a:pPr marL="0" indent="0">
+              <a:buNone/>
+            </a:pPr>
+            <a:r>
+              <a:rPr lang="bg-BG" sz="1800" dirty="0" smtClean="0">
+                <a:solidFill>
+                  <a:schemeClr val="bg1"/>
+                </a:solidFill>
+                <a:latin typeface="Courier New" panose="02070309020205020404" pitchFamily="49" charset="0"/>
+                <a:cs typeface="Courier New" panose="02070309020205020404" pitchFamily="49" charset="0"/>
+              </a:rPr>
+              <a:t>	код за изпълнение;</a:t>
+            </a:r>
+          </a:p>
+          <a:p>
+            <a:pPr marL="0" indent="0">
+              <a:buNone/>
+            </a:pPr>
+            <a:r>
+              <a:rPr lang="en-US" sz="1800" dirty="0" smtClean="0">
+                <a:solidFill>
+                  <a:schemeClr val="bg1"/>
+                </a:solidFill>
+                <a:latin typeface="Courier New" panose="02070309020205020404" pitchFamily="49" charset="0"/>
+                <a:cs typeface="Courier New" panose="02070309020205020404" pitchFamily="49" charset="0"/>
+              </a:rPr>
+              <a:t>}</a:t>
+            </a:r>
+            <a:endParaRPr lang="bg-BG" sz="1800" dirty="0" smtClean="0">
+              <a:solidFill>
+                <a:schemeClr val="bg1"/>
+              </a:solidFill>
+              <a:latin typeface="Courier New" panose="02070309020205020404" pitchFamily="49" charset="0"/>
+              <a:cs typeface="Courier New" panose="02070309020205020404" pitchFamily="49" charset="0"/>
+            </a:endParaRPr>
+          </a:p>
+          <a:p>
+            <a:pPr marL="0" indent="0">
+              <a:buNone/>
+            </a:pPr>
+            <a:r>
+              <a:rPr lang="bg-BG" sz="2500" dirty="0" smtClean="0">
+                <a:solidFill>
+                  <a:schemeClr val="bg1"/>
+                </a:solidFill>
+                <a:latin typeface="+mj-lt"/>
+                <a:cs typeface="Courier New" panose="02070309020205020404" pitchFamily="49" charset="0"/>
+              </a:rPr>
+              <a:t>Аргументите са променливите, които функцията приема. При извикването на функцията, тя ще „очаква“ тези аргументи да ѝ бъдат подадени.</a:t>
+            </a:r>
+            <a:r>
+              <a:rPr lang="en-US" sz="2500" dirty="0" smtClean="0">
+                <a:solidFill>
+                  <a:schemeClr val="bg1"/>
+                </a:solidFill>
+                <a:latin typeface="+mj-lt"/>
+                <a:cs typeface="Courier New" panose="02070309020205020404" pitchFamily="49" charset="0"/>
+              </a:rPr>
+              <a:t> </a:t>
+            </a:r>
+            <a:r>
+              <a:rPr lang="bg-BG" sz="2500" dirty="0" smtClean="0">
+                <a:solidFill>
+                  <a:schemeClr val="bg1"/>
+                </a:solidFill>
+                <a:latin typeface="+mj-lt"/>
+                <a:cs typeface="Courier New" panose="02070309020205020404" pitchFamily="49" charset="0"/>
+              </a:rPr>
+              <a:t>В тялото на функцията, тези аргументи биват манипулирани като локални променливи.</a:t>
+            </a:r>
+            <a:endParaRPr lang="en-US" sz="2500" dirty="0" smtClean="0">
+              <a:solidFill>
+                <a:schemeClr val="bg1"/>
+              </a:solidFill>
+              <a:latin typeface="+mj-lt"/>
+              <a:cs typeface="Courier New" panose="02070309020205020404" pitchFamily="49" charset="0"/>
+            </a:endParaRPr>
+          </a:p>
+          <a:p>
+            <a:pPr marL="0" indent="0">
+              <a:buNone/>
+            </a:pPr>
+            <a:endParaRPr lang="bg-BG" sz="2500" dirty="0" smtClean="0">
+              <a:solidFill>
+                <a:schemeClr val="bg1"/>
+              </a:solidFill>
+              <a:latin typeface="+mj-lt"/>
+              <a:cs typeface="Courier New" panose="02070309020205020404" pitchFamily="49" charset="0"/>
+            </a:endParaRPr>
           </a:p>
         </p:txBody>
       </p:sp>
     </p:spTree>
     <p:extLst>
       <p:ext uri="{BB962C8B-B14F-4D97-AF65-F5344CB8AC3E}">
-        <p14:creationId xmlns:p14="http://schemas.microsoft.com/office/powerpoint/2010/main" val="2761577980"/>
+        <p14:creationId xmlns:p14="http://schemas.microsoft.com/office/powerpoint/2010/main" val="3540715910"/>
       </p:ext>
     </p:extLst>
   </p:cSld>
   <p:clrMapOvr>
     <a:masterClrMapping/>
   </p:clrMapOvr>
-  <p:timing>
-    <p:tnLst>
-      <p:par>
-        <p:cTn id="1" dur="indefinite" restart="never" nodeType="tmRoot"/>
-      </p:par>
-    </p:tnLst>
-  </p:timing>
 </p:sld>
 </file>
 
@@ -22308,28 +22471,50 @@
         </p:nvSpPr>
         <p:spPr>
           <a:xfrm>
-            <a:off x="838200" y="685800"/>
+            <a:off x="457200" y="762000"/>
             <a:ext cx="8229600" cy="1143000"/>
           </a:xfrm>
         </p:spPr>
         <p:txBody>
-          <a:bodyPr/>
+          <a:bodyPr>
+            <a:normAutofit/>
+          </a:bodyPr>
           <a:lstStyle/>
           <a:p>
             <a:pPr algn="l"/>
             <a:r>
-              <a:rPr lang="bg-BG" dirty="0" smtClean="0">
+              <a:rPr lang="en-US" sz="2900" dirty="0" smtClean="0">
                 <a:solidFill>
                   <a:schemeClr val="accent6"/>
                 </a:solidFill>
               </a:rPr>
-              <a:t>Задачи за домашна работа</a:t>
-            </a:r>
-            <a:endParaRPr lang="bg-BG" dirty="0">
-              <a:solidFill>
-                <a:schemeClr val="accent6"/>
-              </a:solidFill>
-            </a:endParaRPr>
+              <a:t>JavaScript</a:t>
+            </a:r>
+            <a:r>
+              <a:rPr lang="bg-BG" sz="2900" dirty="0" smtClean="0">
+                <a:solidFill>
+                  <a:schemeClr val="accent6"/>
+                </a:solidFill>
+              </a:rPr>
+              <a:t> –</a:t>
+            </a:r>
+            <a:r>
+              <a:rPr lang="en-US" sz="2900" dirty="0">
+                <a:solidFill>
+                  <a:schemeClr val="accent6"/>
+                </a:solidFill>
+              </a:rPr>
+              <a:t> </a:t>
+            </a:r>
+            <a:r>
+              <a:rPr lang="bg-BG" sz="2900" dirty="0" smtClean="0">
+                <a:solidFill>
+                  <a:schemeClr val="accent6"/>
+                </a:solidFill>
+              </a:rPr>
+              <a:t>Функции - синтаксис</a:t>
+            </a:r>
+            <a:endParaRPr lang="en-US" sz="2900" dirty="0"/>
           </a:p>
         </p:txBody>
       </p:sp>
@@ -22343,12 +22528,7 @@
             <p:ph idx="1"/>
           </p:nvPr>
         </p:nvSpPr>
-        <p:spPr>
-          <a:xfrm>
-            <a:off x="762000" y="1676400"/>
-            <a:ext cx="7620000" cy="4648200"/>
-          </a:xfrm>
-        </p:spPr>
+        <p:spPr/>
         <p:txBody>
           <a:bodyPr>
             <a:noAutofit/>
@@ -22359,138 +22539,121 @@
               <a:buNone/>
             </a:pPr>
             <a:r>
-              <a:rPr lang="bg-BG" sz="2000" b="1" dirty="0" smtClean="0">
-                <a:solidFill>
-                  <a:schemeClr val="bg1">
-                    <a:lumMod val="95000"/>
-                  </a:schemeClr>
-                </a:solidFill>
-              </a:rPr>
-              <a:t>7.     Напишете </a:t>
-            </a:r>
-            <a:r>
-              <a:rPr lang="bg-BG" sz="2000" b="1" dirty="0">
-                <a:solidFill>
-                  <a:schemeClr val="bg1">
-                    <a:lumMod val="95000"/>
-                  </a:schemeClr>
-                </a:solidFill>
-              </a:rPr>
-              <a:t>израз, който намира всички делими на 7 числа, които се намират в интервала от 50 до 100.</a:t>
-            </a:r>
-          </a:p>
-          <a:p>
-            <a:pPr marL="457200" indent="-457200">
-              <a:buAutoNum type="arabicPeriod" startAt="8"/>
-            </a:pPr>
-            <a:r>
-              <a:rPr lang="bg-BG" sz="2000" b="1" dirty="0" smtClean="0">
-                <a:solidFill>
-                  <a:schemeClr val="bg1">
-                    <a:lumMod val="95000"/>
-                  </a:schemeClr>
-                </a:solidFill>
-              </a:rPr>
-              <a:t>Напишете </a:t>
-            </a:r>
-            <a:r>
-              <a:rPr lang="bg-BG" sz="2000" b="1" dirty="0">
-                <a:solidFill>
-                  <a:schemeClr val="bg1">
-                    <a:lumMod val="95000"/>
-                  </a:schemeClr>
-                </a:solidFill>
-              </a:rPr>
-              <a:t>израз, който намира всички делими на 4 и на 9 числа, които се намират в интервала от 20 до 60</a:t>
-            </a:r>
-            <a:r>
-              <a:rPr lang="bg-BG" sz="2000" b="1" dirty="0" smtClean="0">
-                <a:solidFill>
-                  <a:schemeClr val="bg1">
-                    <a:lumMod val="95000"/>
-                  </a:schemeClr>
-                </a:solidFill>
-              </a:rPr>
-              <a:t>.</a:t>
-            </a:r>
-          </a:p>
-          <a:p>
-            <a:pPr marL="457200" indent="-457200">
-              <a:buAutoNum type="arabicPeriod" startAt="8"/>
-            </a:pPr>
-            <a:endParaRPr lang="bg-BG" sz="2000" b="1" dirty="0">
+              <a:rPr lang="bg-BG" sz="2500" dirty="0" smtClean="0">
+                <a:solidFill>
+                  <a:schemeClr val="bg1"/>
+                </a:solidFill>
+                <a:latin typeface="+mj-lt"/>
+                <a:cs typeface="Courier New" panose="02070309020205020404" pitchFamily="49" charset="0"/>
+              </a:rPr>
+              <a:t>Пример:</a:t>
+            </a:r>
+          </a:p>
+          <a:p>
+            <a:pPr marL="0" indent="0">
+              <a:buNone/>
+            </a:pPr>
+            <a:r>
+              <a:rPr lang="en-US" sz="1800" dirty="0" smtClean="0">
+                <a:solidFill>
+                  <a:schemeClr val="bg1"/>
+                </a:solidFill>
+                <a:latin typeface="Courier New" panose="02070309020205020404" pitchFamily="49" charset="0"/>
+                <a:cs typeface="Courier New" panose="02070309020205020404" pitchFamily="49" charset="0"/>
+              </a:rPr>
+              <a:t>function students(student1, student2, student3) {</a:t>
+            </a:r>
+          </a:p>
+          <a:p>
+            <a:pPr marL="0" indent="0">
+              <a:buNone/>
+            </a:pPr>
+            <a:r>
+              <a:rPr lang="en-US" sz="1800" dirty="0" smtClean="0">
+                <a:solidFill>
+                  <a:schemeClr val="bg1"/>
+                </a:solidFill>
+                <a:latin typeface="Courier New" panose="02070309020205020404" pitchFamily="49" charset="0"/>
+                <a:cs typeface="Courier New" panose="02070309020205020404" pitchFamily="49" charset="0"/>
+              </a:rPr>
+              <a:t>	</a:t>
+            </a:r>
+            <a:r>
+              <a:rPr lang="en-US" sz="1800" dirty="0" smtClean="0">
+                <a:solidFill>
+                  <a:schemeClr val="bg1"/>
+                </a:solidFill>
+                <a:cs typeface="Courier New" panose="02070309020205020404" pitchFamily="49" charset="0"/>
+              </a:rPr>
+              <a:t>console.log(student1);</a:t>
+            </a:r>
+          </a:p>
+          <a:p>
+            <a:pPr marL="0" indent="0">
+              <a:buNone/>
+            </a:pPr>
+            <a:r>
+              <a:rPr lang="en-US" sz="1800" dirty="0">
+                <a:solidFill>
+                  <a:schemeClr val="bg1"/>
+                </a:solidFill>
+                <a:cs typeface="Courier New" panose="02070309020205020404" pitchFamily="49" charset="0"/>
+              </a:rPr>
+              <a:t>	</a:t>
+            </a:r>
+            <a:r>
+              <a:rPr lang="en-US" sz="1800" dirty="0" smtClean="0">
+                <a:solidFill>
+                  <a:schemeClr val="bg1"/>
+                </a:solidFill>
+                <a:cs typeface="Courier New" panose="02070309020205020404" pitchFamily="49" charset="0"/>
+              </a:rPr>
+              <a:t>console.log(student2);</a:t>
+            </a:r>
+          </a:p>
+          <a:p>
+            <a:pPr marL="0" indent="0">
+              <a:buNone/>
+            </a:pPr>
+            <a:r>
+              <a:rPr lang="en-US" sz="1800" dirty="0">
+                <a:solidFill>
+                  <a:schemeClr val="bg1"/>
+                </a:solidFill>
+                <a:cs typeface="Courier New" panose="02070309020205020404" pitchFamily="49" charset="0"/>
+              </a:rPr>
+              <a:t>	</a:t>
+            </a:r>
+            <a:r>
+              <a:rPr lang="en-US" sz="1800" dirty="0" smtClean="0">
+                <a:solidFill>
+                  <a:schemeClr val="bg1"/>
+                </a:solidFill>
+                <a:cs typeface="Courier New" panose="02070309020205020404" pitchFamily="49" charset="0"/>
+              </a:rPr>
+              <a:t>console.log(student3);</a:t>
+            </a:r>
+          </a:p>
+          <a:p>
+            <a:pPr marL="0" indent="0">
+              <a:buNone/>
+            </a:pPr>
+            <a:r>
+              <a:rPr lang="en-US" sz="1800" dirty="0">
+                <a:solidFill>
+                  <a:schemeClr val="bg1"/>
+                </a:solidFill>
+                <a:latin typeface="Courier New" panose="02070309020205020404" pitchFamily="49" charset="0"/>
+                <a:cs typeface="Courier New" panose="02070309020205020404" pitchFamily="49" charset="0"/>
+              </a:rPr>
+              <a:t>}</a:t>
+            </a:r>
+            <a:endParaRPr lang="bg-BG" sz="1800" dirty="0" smtClean="0">
               <a:solidFill>
-                <a:schemeClr val="bg1">
-                  <a:lumMod val="95000"/>
-                </a:schemeClr>
+                <a:schemeClr val="bg1"/>
               </a:solidFill>
-            </a:endParaRPr>
-          </a:p>
-          <a:p>
-            <a:pPr marL="457200" indent="-457200">
-              <a:buAutoNum type="arabicPeriod" startAt="8"/>
-            </a:pPr>
-            <a:r>
-              <a:rPr lang="bg-BG" sz="2000" b="1" dirty="0" smtClean="0">
-                <a:solidFill>
-                  <a:schemeClr val="bg1">
-                    <a:lumMod val="95000"/>
-                  </a:schemeClr>
-                </a:solidFill>
-              </a:rPr>
-              <a:t>Напишете скрипт, който използва масив от 5 елемента и връща нов масив, който представлява индексите на стария, умножени по 7. Старият масив трябва да изглежда по следния начин:</a:t>
-            </a:r>
-          </a:p>
-          <a:p>
-            <a:pPr marL="400050" lvl="1" indent="0">
-              <a:buNone/>
-            </a:pPr>
-            <a:r>
-              <a:rPr lang="en-US" sz="2000" dirty="0" smtClean="0">
-                <a:solidFill>
-                  <a:schemeClr val="bg1">
-                    <a:lumMod val="95000"/>
-                  </a:schemeClr>
-                </a:solidFill>
-              </a:rPr>
-              <a:t>[6, 4, 3, 0, 9]</a:t>
-            </a:r>
-          </a:p>
-          <a:p>
-            <a:pPr marL="400050" lvl="1" indent="0">
-              <a:buNone/>
-            </a:pPr>
-            <a:r>
-              <a:rPr lang="bg-BG" sz="2000" b="1" dirty="0" smtClean="0">
-                <a:solidFill>
-                  <a:schemeClr val="bg1">
-                    <a:lumMod val="95000"/>
-                  </a:schemeClr>
-                </a:solidFill>
-              </a:rPr>
-              <a:t>Новият масив трябва изглежда по следния начин:</a:t>
-            </a:r>
-          </a:p>
-          <a:p>
-            <a:pPr marL="400050" lvl="1" indent="0">
-              <a:buNone/>
-            </a:pPr>
-            <a:r>
-              <a:rPr lang="en-US" sz="2000" dirty="0" smtClean="0">
-                <a:solidFill>
-                  <a:schemeClr val="bg1">
-                    <a:lumMod val="95000"/>
-                  </a:schemeClr>
-                </a:solidFill>
-              </a:rPr>
-              <a:t>[0, 7, 14, 21, 28]</a:t>
-            </a:r>
-            <a:endParaRPr lang="en-US" sz="2000" dirty="0">
-              <a:solidFill>
-                <a:schemeClr val="bg1">
-                  <a:lumMod val="95000"/>
-                </a:schemeClr>
-              </a:solidFill>
+              <a:latin typeface="Courier New" panose="02070309020205020404" pitchFamily="49" charset="0"/>
+              <a:cs typeface="Courier New" panose="02070309020205020404" pitchFamily="49" charset="0"/>
             </a:endParaRPr>
           </a:p>
         </p:txBody>
@@ -22498,20 +22661,13 @@
     </p:spTree>
     <p:extLst>
       <p:ext uri="{BB962C8B-B14F-4D97-AF65-F5344CB8AC3E}">
-        <p14:creationId xmlns:p14="http://schemas.microsoft.com/office/powerpoint/2010/main" val="4182690710"/>
+        <p14:creationId xmlns:p14="http://schemas.microsoft.com/office/powerpoint/2010/main" val="1173056722"/>
       </p:ext>
     </p:extLst>
   </p:cSld>
   <p:clrMapOvr>
     <a:masterClrMapping/>
   </p:clrMapOvr>
-  <p:timing>
-    <p:tnLst>
-      <p:par>
-        <p:cTn id="1" dur="indefinite" restart="never" nodeType="tmRoot"/>
-      </p:par>
-    </p:tnLst>
-  </p:timing>
 </p:sld>
 </file>
 
@@ -22544,28 +22700,50 @@
         </p:nvSpPr>
         <p:spPr>
           <a:xfrm>
-            <a:off x="838200" y="685800"/>
+            <a:off x="457200" y="762000"/>
             <a:ext cx="8229600" cy="1143000"/>
           </a:xfrm>
         </p:spPr>
         <p:txBody>
-          <a:bodyPr/>
+          <a:bodyPr>
+            <a:normAutofit/>
+          </a:bodyPr>
           <a:lstStyle/>
           <a:p>
             <a:pPr algn="l"/>
             <a:r>
-              <a:rPr lang="bg-BG" dirty="0" smtClean="0">
+              <a:rPr lang="en-US" sz="2900" dirty="0" smtClean="0">
                 <a:solidFill>
                   <a:schemeClr val="accent6"/>
                 </a:solidFill>
               </a:rPr>
-              <a:t>Задачи за домашна работа</a:t>
-            </a:r>
-            <a:endParaRPr lang="bg-BG" dirty="0">
-              <a:solidFill>
-                <a:schemeClr val="accent6"/>
-              </a:solidFill>
-            </a:endParaRPr>
+              <a:t>JavaScript</a:t>
+            </a:r>
+            <a:r>
+              <a:rPr lang="bg-BG" sz="2900" dirty="0" smtClean="0">
+                <a:solidFill>
+                  <a:schemeClr val="accent6"/>
+                </a:solidFill>
+              </a:rPr>
+              <a:t> –</a:t>
+            </a:r>
+            <a:r>
+              <a:rPr lang="en-US" sz="2900" dirty="0">
+                <a:solidFill>
+                  <a:schemeClr val="accent6"/>
+                </a:solidFill>
+              </a:rPr>
+              <a:t> </a:t>
+            </a:r>
+            <a:r>
+              <a:rPr lang="bg-BG" sz="2900" dirty="0" smtClean="0">
+                <a:solidFill>
+                  <a:schemeClr val="accent6"/>
+                </a:solidFill>
+              </a:rPr>
+              <a:t>Функции - извикване</a:t>
+            </a:r>
+            <a:endParaRPr lang="en-US" sz="2900" dirty="0"/>
           </a:p>
         </p:txBody>
       </p:sp>
@@ -22581,8 +22759,8 @@
         </p:nvSpPr>
         <p:spPr>
           <a:xfrm>
-            <a:off x="762000" y="1676400"/>
-            <a:ext cx="7620000" cy="4648200"/>
+            <a:off x="457200" y="1600200"/>
+            <a:ext cx="8229600" cy="5257800"/>
           </a:xfrm>
         </p:spPr>
         <p:txBody>
@@ -22595,31 +22773,189 @@
               <a:buNone/>
             </a:pPr>
             <a:r>
-              <a:rPr lang="en-US" sz="2000" b="1" dirty="0">
-                <a:solidFill>
-                  <a:schemeClr val="bg1">
-                    <a:lumMod val="95000"/>
-                  </a:schemeClr>
-                </a:solidFill>
-              </a:rPr>
-              <a:t>10. </a:t>
-            </a:r>
-            <a:r>
-              <a:rPr lang="bg-BG" sz="2000" b="1" dirty="0">
-                <a:solidFill>
-                  <a:schemeClr val="bg1">
-                    <a:lumMod val="95000"/>
-                  </a:schemeClr>
-                </a:solidFill>
-              </a:rPr>
-              <a:t>Напишете скрипт, който намира най-често срещаното число в седния масйв: </a:t>
-            </a:r>
-            <a:endParaRPr lang="en-US" sz="2000" b="1" dirty="0">
+              <a:rPr lang="bg-BG" sz="2200" dirty="0" smtClean="0">
+                <a:solidFill>
+                  <a:schemeClr val="bg1"/>
+                </a:solidFill>
+                <a:latin typeface="+mj-lt"/>
+                <a:cs typeface="Courier New" panose="02070309020205020404" pitchFamily="49" charset="0"/>
+              </a:rPr>
+              <a:t>Функциите биват изпълнявани, когато:</a:t>
+            </a:r>
+          </a:p>
+          <a:p>
+            <a:pPr>
+              <a:buFontTx/>
+              <a:buChar char="-"/>
+            </a:pPr>
+            <a:r>
+              <a:rPr lang="bg-BG" sz="2200" dirty="0" smtClean="0">
+                <a:solidFill>
+                  <a:schemeClr val="bg1"/>
+                </a:solidFill>
+                <a:latin typeface="+mj-lt"/>
+                <a:cs typeface="Courier New" panose="02070309020205020404" pitchFamily="49" charset="0"/>
+              </a:rPr>
+              <a:t>настъпи някакво събитие, което ги извиква</a:t>
+            </a:r>
+          </a:p>
+          <a:p>
+            <a:pPr>
+              <a:buFontTx/>
+              <a:buChar char="-"/>
+            </a:pPr>
+            <a:r>
+              <a:rPr lang="bg-BG" sz="2200" dirty="0" smtClean="0">
+                <a:solidFill>
+                  <a:schemeClr val="bg1"/>
+                </a:solidFill>
+                <a:latin typeface="+mj-lt"/>
+                <a:cs typeface="Courier New" panose="02070309020205020404" pitchFamily="49" charset="0"/>
+              </a:rPr>
+              <a:t>са извикани чрез някоя част от </a:t>
+            </a:r>
+            <a:r>
+              <a:rPr lang="en-US" sz="2200" dirty="0" smtClean="0">
+                <a:solidFill>
+                  <a:schemeClr val="bg1"/>
+                </a:solidFill>
+                <a:latin typeface="+mj-lt"/>
+                <a:cs typeface="Courier New" panose="02070309020205020404" pitchFamily="49" charset="0"/>
+              </a:rPr>
+              <a:t>JavaScript </a:t>
+            </a:r>
+            <a:r>
+              <a:rPr lang="bg-BG" sz="2200" dirty="0" smtClean="0">
+                <a:solidFill>
+                  <a:schemeClr val="bg1"/>
+                </a:solidFill>
+                <a:latin typeface="+mj-lt"/>
+                <a:cs typeface="Courier New" panose="02070309020205020404" pitchFamily="49" charset="0"/>
+              </a:rPr>
+              <a:t>кода</a:t>
+            </a:r>
+          </a:p>
+          <a:p>
+            <a:pPr>
+              <a:buFontTx/>
+              <a:buChar char="-"/>
+            </a:pPr>
+            <a:r>
+              <a:rPr lang="bg-BG" sz="2200" dirty="0" smtClean="0">
+                <a:solidFill>
+                  <a:schemeClr val="bg1"/>
+                </a:solidFill>
+                <a:latin typeface="+mj-lt"/>
+                <a:cs typeface="Courier New" panose="02070309020205020404" pitchFamily="49" charset="0"/>
+              </a:rPr>
+              <a:t>са самоизвикващи се функции(</a:t>
+            </a:r>
+            <a:r>
+              <a:rPr lang="en-US" sz="2200" dirty="0" smtClean="0">
+                <a:solidFill>
+                  <a:schemeClr val="bg1"/>
+                </a:solidFill>
+                <a:latin typeface="+mj-lt"/>
+                <a:cs typeface="Courier New" panose="02070309020205020404" pitchFamily="49" charset="0"/>
+              </a:rPr>
+              <a:t>self invoking functions)</a:t>
+            </a:r>
+          </a:p>
+          <a:p>
+            <a:pPr marL="0" indent="0">
+              <a:buNone/>
+            </a:pPr>
+            <a:r>
+              <a:rPr lang="bg-BG" sz="2200" dirty="0" smtClean="0">
+                <a:solidFill>
+                  <a:schemeClr val="bg1"/>
+                </a:solidFill>
+                <a:latin typeface="+mj-lt"/>
+                <a:cs typeface="Courier New" panose="02070309020205020404" pitchFamily="49" charset="0"/>
+              </a:rPr>
+              <a:t>Пример:</a:t>
+            </a:r>
+          </a:p>
+          <a:p>
+            <a:pPr marL="0" indent="0">
+              <a:buNone/>
+            </a:pPr>
+            <a:r>
+              <a:rPr lang="en-US" sz="1800" dirty="0" smtClean="0">
+                <a:solidFill>
+                  <a:schemeClr val="bg1"/>
+                </a:solidFill>
+                <a:latin typeface="Courier New" panose="02070309020205020404" pitchFamily="49" charset="0"/>
+                <a:cs typeface="Courier New" panose="02070309020205020404" pitchFamily="49" charset="0"/>
+              </a:rPr>
+              <a:t>function </a:t>
+            </a:r>
+            <a:r>
+              <a:rPr lang="en-US" sz="1800" dirty="0" err="1" smtClean="0">
+                <a:solidFill>
+                  <a:schemeClr val="bg1"/>
+                </a:solidFill>
+                <a:latin typeface="Courier New" panose="02070309020205020404" pitchFamily="49" charset="0"/>
+                <a:cs typeface="Courier New" panose="02070309020205020404" pitchFamily="49" charset="0"/>
+              </a:rPr>
+              <a:t>returnArea</a:t>
+            </a:r>
+            <a:r>
+              <a:rPr lang="en-US" sz="1800" dirty="0" smtClean="0">
+                <a:solidFill>
+                  <a:schemeClr val="bg1"/>
+                </a:solidFill>
+                <a:latin typeface="Courier New" panose="02070309020205020404" pitchFamily="49" charset="0"/>
+                <a:cs typeface="Courier New" panose="02070309020205020404" pitchFamily="49" charset="0"/>
+              </a:rPr>
+              <a:t>(a, b) {</a:t>
+            </a:r>
+          </a:p>
+          <a:p>
+            <a:pPr marL="0" indent="0">
+              <a:buNone/>
+            </a:pPr>
+            <a:r>
+              <a:rPr lang="en-US" sz="1800" dirty="0">
+                <a:solidFill>
+                  <a:schemeClr val="bg1"/>
+                </a:solidFill>
+                <a:latin typeface="Courier New" panose="02070309020205020404" pitchFamily="49" charset="0"/>
+                <a:cs typeface="Courier New" panose="02070309020205020404" pitchFamily="49" charset="0"/>
+              </a:rPr>
+              <a:t>	</a:t>
+            </a:r>
+            <a:r>
+              <a:rPr lang="en-US" sz="1800" dirty="0" smtClean="0">
+                <a:solidFill>
+                  <a:schemeClr val="bg1"/>
+                </a:solidFill>
+                <a:latin typeface="Courier New" panose="02070309020205020404" pitchFamily="49" charset="0"/>
+                <a:cs typeface="Courier New" panose="02070309020205020404" pitchFamily="49" charset="0"/>
+              </a:rPr>
+              <a:t>return a*b;</a:t>
+            </a:r>
+          </a:p>
+          <a:p>
+            <a:pPr marL="0" indent="0">
+              <a:buNone/>
+            </a:pPr>
+            <a:r>
+              <a:rPr lang="en-US" sz="1800" dirty="0" smtClean="0">
+                <a:solidFill>
+                  <a:schemeClr val="bg1"/>
+                </a:solidFill>
+                <a:latin typeface="Courier New" panose="02070309020205020404" pitchFamily="49" charset="0"/>
+                <a:cs typeface="Courier New" panose="02070309020205020404" pitchFamily="49" charset="0"/>
+              </a:rPr>
+              <a:t>}</a:t>
+            </a:r>
+            <a:endParaRPr lang="en-US" sz="1800" dirty="0">
               <a:solidFill>
-                <a:schemeClr val="bg1">
-                  <a:lumMod val="95000"/>
-                </a:schemeClr>
+                <a:schemeClr val="bg1"/>
               </a:solidFill>
+              <a:latin typeface="Courier New" panose="02070309020205020404" pitchFamily="49" charset="0"/>
+              <a:cs typeface="Courier New" panose="02070309020205020404" pitchFamily="49" charset="0"/>
             </a:endParaRPr>
           </a:p>
           <a:p>
@@ -22627,31 +22963,178 @@
               <a:buNone/>
             </a:pPr>
             <a:r>
-              <a:rPr lang="en-US" sz="2000" b="1" dirty="0">
-                <a:solidFill>
-                  <a:schemeClr val="bg1">
-                    <a:lumMod val="95000"/>
-                  </a:schemeClr>
-                </a:solidFill>
-              </a:rPr>
-              <a:t>       </a:t>
-            </a:r>
-            <a:r>
-              <a:rPr lang="en-US" sz="2000" dirty="0">
-                <a:solidFill>
-                  <a:schemeClr val="bg1">
-                    <a:lumMod val="95000"/>
-                  </a:schemeClr>
-                </a:solidFill>
-              </a:rPr>
-              <a:t>[0, 4, 1, 3, 4, 6, 3, 4, 9, 9, 4, 1, 4]</a:t>
-            </a:r>
-            <a:endParaRPr lang="bg-BG" sz="2000" dirty="0">
+              <a:rPr lang="en-US" sz="1800" dirty="0" err="1" smtClean="0">
+                <a:solidFill>
+                  <a:schemeClr val="bg1"/>
+                </a:solidFill>
+                <a:latin typeface="Courier New" panose="02070309020205020404" pitchFamily="49" charset="0"/>
+                <a:cs typeface="Courier New" panose="02070309020205020404" pitchFamily="49" charset="0"/>
+              </a:rPr>
+              <a:t>returnArea</a:t>
+            </a:r>
+            <a:r>
+              <a:rPr lang="en-US" sz="1800" dirty="0">
+                <a:solidFill>
+                  <a:schemeClr val="bg1"/>
+                </a:solidFill>
+                <a:latin typeface="Courier New" panose="02070309020205020404" pitchFamily="49" charset="0"/>
+                <a:cs typeface="Courier New" panose="02070309020205020404" pitchFamily="49" charset="0"/>
+              </a:rPr>
+              <a:t>(4,8) // </a:t>
+            </a:r>
+            <a:r>
+              <a:rPr lang="en-US" sz="1800" dirty="0" smtClean="0">
+                <a:solidFill>
+                  <a:schemeClr val="bg1"/>
+                </a:solidFill>
+                <a:latin typeface="Courier New" panose="02070309020205020404" pitchFamily="49" charset="0"/>
+                <a:cs typeface="Courier New" panose="02070309020205020404" pitchFamily="49" charset="0"/>
+              </a:rPr>
+              <a:t>32“</a:t>
+            </a:r>
+          </a:p>
+          <a:p>
+            <a:pPr marL="0" indent="0">
+              <a:buNone/>
+            </a:pPr>
+            <a:endParaRPr lang="en-US" sz="1800" dirty="0" smtClean="0">
               <a:solidFill>
-                <a:schemeClr val="bg1">
-                  <a:lumMod val="95000"/>
-                </a:schemeClr>
+                <a:schemeClr val="bg1"/>
               </a:solidFill>
+              <a:latin typeface="Courier New" panose="02070309020205020404" pitchFamily="49" charset="0"/>
+              <a:cs typeface="Courier New" panose="02070309020205020404" pitchFamily="49" charset="0"/>
+            </a:endParaRPr>
+          </a:p>
+          <a:p>
+            <a:pPr marL="0" indent="0">
+              <a:buNone/>
+            </a:pPr>
+            <a:r>
+              <a:rPr lang="bg-BG" sz="2200" dirty="0" smtClean="0">
+                <a:solidFill>
+                  <a:schemeClr val="bg1"/>
+                </a:solidFill>
+                <a:latin typeface="+mj-lt"/>
+                <a:cs typeface="Courier New" panose="02070309020205020404" pitchFamily="49" charset="0"/>
+              </a:rPr>
+              <a:t>Пример за функция, използвана като променлива:</a:t>
+            </a:r>
+          </a:p>
+          <a:p>
+            <a:pPr marL="0" indent="0">
+              <a:buNone/>
+            </a:pPr>
+            <a:r>
+              <a:rPr lang="en-US" sz="1800" dirty="0" err="1" smtClean="0">
+                <a:solidFill>
+                  <a:schemeClr val="bg1"/>
+                </a:solidFill>
+                <a:latin typeface="Courier New" panose="02070309020205020404" pitchFamily="49" charset="0"/>
+                <a:cs typeface="Courier New" panose="02070309020205020404" pitchFamily="49" charset="0"/>
+              </a:rPr>
+              <a:t>var</a:t>
+            </a:r>
+            <a:r>
+              <a:rPr lang="en-US" sz="1800" dirty="0" smtClean="0">
+                <a:solidFill>
+                  <a:schemeClr val="bg1"/>
+                </a:solidFill>
+                <a:latin typeface="Courier New" panose="02070309020205020404" pitchFamily="49" charset="0"/>
+                <a:cs typeface="Courier New" panose="02070309020205020404" pitchFamily="49" charset="0"/>
+              </a:rPr>
+              <a:t> </a:t>
+            </a:r>
+            <a:r>
+              <a:rPr lang="en-US" sz="1800" dirty="0" err="1" smtClean="0">
+                <a:solidFill>
+                  <a:schemeClr val="bg1"/>
+                </a:solidFill>
+                <a:latin typeface="Courier New" panose="02070309020205020404" pitchFamily="49" charset="0"/>
+                <a:cs typeface="Courier New" panose="02070309020205020404" pitchFamily="49" charset="0"/>
+              </a:rPr>
+              <a:t>someVar</a:t>
+            </a:r>
+            <a:r>
+              <a:rPr lang="en-US" sz="1800" dirty="0" smtClean="0">
+                <a:solidFill>
+                  <a:schemeClr val="bg1"/>
+                </a:solidFill>
+                <a:latin typeface="Courier New" panose="02070309020205020404" pitchFamily="49" charset="0"/>
+                <a:cs typeface="Courier New" panose="02070309020205020404" pitchFamily="49" charset="0"/>
+              </a:rPr>
+              <a:t> = </a:t>
+            </a:r>
+            <a:r>
+              <a:rPr lang="en-US" sz="1800" dirty="0" err="1" smtClean="0">
+                <a:solidFill>
+                  <a:schemeClr val="bg1"/>
+                </a:solidFill>
+                <a:latin typeface="Courier New" panose="02070309020205020404" pitchFamily="49" charset="0"/>
+                <a:cs typeface="Courier New" panose="02070309020205020404" pitchFamily="49" charset="0"/>
+              </a:rPr>
+              <a:t>returnArea</a:t>
+            </a:r>
+            <a:r>
+              <a:rPr lang="en-US" sz="1800" dirty="0" smtClean="0">
+                <a:solidFill>
+                  <a:schemeClr val="bg1"/>
+                </a:solidFill>
+                <a:latin typeface="Courier New" panose="02070309020205020404" pitchFamily="49" charset="0"/>
+                <a:cs typeface="Courier New" panose="02070309020205020404" pitchFamily="49" charset="0"/>
+              </a:rPr>
+              <a:t>(5,6);</a:t>
+            </a:r>
+          </a:p>
+          <a:p>
+            <a:pPr marL="0" indent="0">
+              <a:buNone/>
+            </a:pPr>
+            <a:r>
+              <a:rPr lang="en-US" sz="1800" dirty="0" err="1" smtClean="0">
+                <a:solidFill>
+                  <a:schemeClr val="bg1"/>
+                </a:solidFill>
+                <a:latin typeface="Courier New" panose="02070309020205020404" pitchFamily="49" charset="0"/>
+                <a:cs typeface="Courier New" panose="02070309020205020404" pitchFamily="49" charset="0"/>
+              </a:rPr>
+              <a:t>var</a:t>
+            </a:r>
+            <a:r>
+              <a:rPr lang="en-US" sz="1800" dirty="0" smtClean="0">
+                <a:solidFill>
+                  <a:schemeClr val="bg1"/>
+                </a:solidFill>
+                <a:latin typeface="Courier New" panose="02070309020205020404" pitchFamily="49" charset="0"/>
+                <a:cs typeface="Courier New" panose="02070309020205020404" pitchFamily="49" charset="0"/>
+              </a:rPr>
+              <a:t> result = “The area of the rectangle is “ + </a:t>
+            </a:r>
+            <a:r>
+              <a:rPr lang="en-US" sz="1800" dirty="0" err="1" smtClean="0">
+                <a:solidFill>
+                  <a:schemeClr val="bg1"/>
+                </a:solidFill>
+                <a:latin typeface="Courier New" panose="02070309020205020404" pitchFamily="49" charset="0"/>
+                <a:cs typeface="Courier New" panose="02070309020205020404" pitchFamily="49" charset="0"/>
+              </a:rPr>
+              <a:t>someVar</a:t>
+            </a:r>
+            <a:r>
+              <a:rPr lang="en-US" sz="1800" dirty="0" smtClean="0">
+                <a:solidFill>
+                  <a:schemeClr val="bg1"/>
+                </a:solidFill>
+                <a:latin typeface="Courier New" panose="02070309020205020404" pitchFamily="49" charset="0"/>
+                <a:cs typeface="Courier New" panose="02070309020205020404" pitchFamily="49" charset="0"/>
+              </a:rPr>
+              <a:t>;</a:t>
+            </a:r>
+            <a:endParaRPr lang="bg-BG" sz="1800" dirty="0" smtClean="0">
+              <a:solidFill>
+                <a:schemeClr val="bg1"/>
+              </a:solidFill>
+              <a:latin typeface="Courier New" panose="02070309020205020404" pitchFamily="49" charset="0"/>
+              <a:cs typeface="Courier New" panose="02070309020205020404" pitchFamily="49" charset="0"/>
             </a:endParaRPr>
           </a:p>
         </p:txBody>
@@ -22659,20 +23142,275 @@
     </p:spTree>
     <p:extLst>
       <p:ext uri="{BB962C8B-B14F-4D97-AF65-F5344CB8AC3E}">
-        <p14:creationId xmlns:p14="http://schemas.microsoft.com/office/powerpoint/2010/main" val="3118085067"/>
+        <p14:creationId xmlns:p14="http://schemas.microsoft.com/office/powerpoint/2010/main" val="2541617703"/>
       </p:ext>
     </p:extLst>
   </p:cSld>
   <p:clrMapOvr>
     <a:masterClrMapping/>
   </p:clrMapOvr>
-  <p:timing>
-    <p:tnLst>
-      <p:par>
-        <p:cTn id="1" dur="indefinite" restart="never" nodeType="tmRoot"/>
-      </p:par>
-    </p:tnLst>
-  </p:timing>
+</p:sld>
+</file>
+
+<file path=ppt/slides/slide59.xml><?xml version="1.0" encoding="utf-8"?>
+<p:sld xmlns:a="http://schemas.openxmlformats.org/drawingml/2006/main" xmlns:r="http://schemas.openxmlformats.org/officeDocument/2006/relationships" xmlns:p="http://schemas.openxmlformats.org/presentationml/2006/main">
+  <p:cSld>
+    <p:spTree>
+      <p:nvGrpSpPr>
+        <p:cNvPr id="1" name=""/>
+        <p:cNvGrpSpPr/>
+        <p:nvPr/>
+      </p:nvGrpSpPr>
+      <p:grpSpPr>
+        <a:xfrm>
+          <a:off x="0" y="0"/>
+          <a:ext cx="0" cy="0"/>
+          <a:chOff x="0" y="0"/>
+          <a:chExt cx="0" cy="0"/>
+        </a:xfrm>
+      </p:grpSpPr>
+      <p:sp>
+        <p:nvSpPr>
+          <p:cNvPr id="2" name="Title 1"/>
+          <p:cNvSpPr>
+            <a:spLocks noGrp="1"/>
+          </p:cNvSpPr>
+          <p:nvPr>
+            <p:ph type="title"/>
+          </p:nvPr>
+        </p:nvSpPr>
+        <p:spPr>
+          <a:xfrm>
+            <a:off x="457200" y="762000"/>
+            <a:ext cx="8229600" cy="1143000"/>
+          </a:xfrm>
+        </p:spPr>
+        <p:txBody>
+          <a:bodyPr>
+            <a:normAutofit/>
+          </a:bodyPr>
+          <a:lstStyle/>
+          <a:p>
+            <a:pPr algn="l"/>
+            <a:r>
+              <a:rPr lang="en-US" sz="2900" dirty="0" smtClean="0">
+                <a:solidFill>
+                  <a:schemeClr val="accent6"/>
+                </a:solidFill>
+              </a:rPr>
+              <a:t>JavaScript</a:t>
+            </a:r>
+            <a:r>
+              <a:rPr lang="bg-BG" sz="2900" dirty="0" smtClean="0">
+                <a:solidFill>
+                  <a:schemeClr val="accent6"/>
+                </a:solidFill>
+              </a:rPr>
+              <a:t> –</a:t>
+            </a:r>
+            <a:r>
+              <a:rPr lang="en-US" sz="2900" dirty="0">
+                <a:solidFill>
+                  <a:schemeClr val="accent6"/>
+                </a:solidFill>
+              </a:rPr>
+              <a:t> </a:t>
+            </a:r>
+            <a:r>
+              <a:rPr lang="bg-BG" sz="2900" dirty="0" smtClean="0">
+                <a:solidFill>
+                  <a:schemeClr val="accent6"/>
+                </a:solidFill>
+              </a:rPr>
+              <a:t>Обекти</a:t>
+            </a:r>
+            <a:endParaRPr lang="en-US" sz="2900" dirty="0"/>
+          </a:p>
+        </p:txBody>
+      </p:sp>
+      <p:sp>
+        <p:nvSpPr>
+          <p:cNvPr id="3" name="Content Placeholder 2"/>
+          <p:cNvSpPr>
+            <a:spLocks noGrp="1"/>
+          </p:cNvSpPr>
+          <p:nvPr>
+            <p:ph idx="1"/>
+          </p:nvPr>
+        </p:nvSpPr>
+        <p:spPr>
+          <a:xfrm>
+            <a:off x="457200" y="1600200"/>
+            <a:ext cx="8229600" cy="5257800"/>
+          </a:xfrm>
+        </p:spPr>
+        <p:txBody>
+          <a:bodyPr>
+            <a:noAutofit/>
+          </a:bodyPr>
+          <a:lstStyle/>
+          <a:p>
+            <a:pPr marL="0" indent="0">
+              <a:buNone/>
+            </a:pPr>
+            <a:r>
+              <a:rPr lang="bg-BG" sz="2500" dirty="0" smtClean="0">
+                <a:solidFill>
+                  <a:schemeClr val="bg1"/>
+                </a:solidFill>
+                <a:latin typeface="+mj-lt"/>
+                <a:cs typeface="Courier New" panose="02070309020205020404" pitchFamily="49" charset="0"/>
+              </a:rPr>
+              <a:t>В </a:t>
+            </a:r>
+            <a:r>
+              <a:rPr lang="en-US" sz="2500" dirty="0" smtClean="0">
+                <a:solidFill>
+                  <a:schemeClr val="bg1"/>
+                </a:solidFill>
+                <a:latin typeface="+mj-lt"/>
+                <a:cs typeface="Courier New" panose="02070309020205020404" pitchFamily="49" charset="0"/>
+              </a:rPr>
+              <a:t>JavaScript </a:t>
+            </a:r>
+            <a:r>
+              <a:rPr lang="bg-BG" sz="2500" dirty="0" smtClean="0">
+                <a:solidFill>
+                  <a:schemeClr val="bg1"/>
+                </a:solidFill>
+                <a:latin typeface="+mj-lt"/>
+                <a:cs typeface="Courier New" panose="02070309020205020404" pitchFamily="49" charset="0"/>
+              </a:rPr>
+              <a:t>всички променливи могат да съдържат някаква стойност.</a:t>
+            </a:r>
+            <a:r>
+              <a:rPr lang="en-US" sz="2500" dirty="0" smtClean="0">
+                <a:solidFill>
+                  <a:schemeClr val="bg1"/>
+                </a:solidFill>
+                <a:latin typeface="+mj-lt"/>
+                <a:cs typeface="Courier New" panose="02070309020205020404" pitchFamily="49" charset="0"/>
+              </a:rPr>
+              <a:t> </a:t>
+            </a:r>
+            <a:r>
+              <a:rPr lang="bg-BG" sz="2500" dirty="0" smtClean="0">
+                <a:solidFill>
+                  <a:schemeClr val="bg1"/>
+                </a:solidFill>
+                <a:latin typeface="+mj-lt"/>
+                <a:cs typeface="Courier New" panose="02070309020205020404" pitchFamily="49" charset="0"/>
+              </a:rPr>
+              <a:t>Например, ако искаме да дефинираме, че нашата възраст е 25 години, си дефинираме нова променлива </a:t>
+            </a:r>
+            <a:r>
+              <a:rPr lang="en-US" sz="2500" dirty="0" smtClean="0">
+                <a:solidFill>
+                  <a:schemeClr val="bg1"/>
+                </a:solidFill>
+                <a:latin typeface="+mj-lt"/>
+                <a:cs typeface="Courier New" panose="02070309020205020404" pitchFamily="49" charset="0"/>
+              </a:rPr>
+              <a:t>age </a:t>
+            </a:r>
+            <a:r>
+              <a:rPr lang="bg-BG" sz="2500" dirty="0" smtClean="0">
+                <a:solidFill>
+                  <a:schemeClr val="bg1"/>
+                </a:solidFill>
+                <a:latin typeface="+mj-lt"/>
+                <a:cs typeface="Courier New" panose="02070309020205020404" pitchFamily="49" charset="0"/>
+              </a:rPr>
+              <a:t>със стойност 25</a:t>
+            </a:r>
+            <a:r>
+              <a:rPr lang="en-US" sz="2500" dirty="0" smtClean="0">
+                <a:solidFill>
+                  <a:schemeClr val="bg1"/>
+                </a:solidFill>
+                <a:latin typeface="+mj-lt"/>
+                <a:cs typeface="Courier New" panose="02070309020205020404" pitchFamily="49" charset="0"/>
+              </a:rPr>
+              <a:t>.</a:t>
+            </a:r>
+          </a:p>
+          <a:p>
+            <a:pPr marL="0" indent="0">
+              <a:buNone/>
+            </a:pPr>
+            <a:r>
+              <a:rPr lang="en-US" sz="2500" dirty="0" err="1" smtClean="0">
+                <a:solidFill>
+                  <a:schemeClr val="bg1"/>
+                </a:solidFill>
+                <a:latin typeface="+mj-lt"/>
+                <a:cs typeface="Courier New" panose="02070309020205020404" pitchFamily="49" charset="0"/>
+              </a:rPr>
+              <a:t>var</a:t>
+            </a:r>
+            <a:r>
+              <a:rPr lang="en-US" sz="2500" dirty="0" smtClean="0">
+                <a:solidFill>
+                  <a:schemeClr val="bg1"/>
+                </a:solidFill>
+                <a:latin typeface="+mj-lt"/>
+                <a:cs typeface="Courier New" panose="02070309020205020404" pitchFamily="49" charset="0"/>
+              </a:rPr>
+              <a:t> age = 25;</a:t>
+            </a:r>
+          </a:p>
+          <a:p>
+            <a:pPr marL="0" indent="0">
+              <a:buNone/>
+            </a:pPr>
+            <a:r>
+              <a:rPr lang="en-US" sz="2500" dirty="0" smtClean="0">
+                <a:solidFill>
+                  <a:schemeClr val="bg1"/>
+                </a:solidFill>
+                <a:latin typeface="+mj-lt"/>
+                <a:cs typeface="Courier New" panose="02070309020205020404" pitchFamily="49" charset="0"/>
+              </a:rPr>
+              <a:t>JavaScript </a:t>
+            </a:r>
+            <a:r>
+              <a:rPr lang="bg-BG" sz="2500" dirty="0" smtClean="0">
+                <a:solidFill>
+                  <a:schemeClr val="bg1"/>
+                </a:solidFill>
+                <a:latin typeface="+mj-lt"/>
+                <a:cs typeface="Courier New" panose="02070309020205020404" pitchFamily="49" charset="0"/>
+              </a:rPr>
+              <a:t>обектите представляват променливи, които могат да съдържат много стойности. В реалния живот всеки предмет представлява някакъв обект.</a:t>
+            </a:r>
+          </a:p>
+          <a:p>
+            <a:pPr marL="0" indent="0">
+              <a:buNone/>
+            </a:pPr>
+            <a:r>
+              <a:rPr lang="bg-BG" sz="2500" dirty="0" smtClean="0">
+                <a:solidFill>
+                  <a:schemeClr val="bg1"/>
+                </a:solidFill>
+                <a:latin typeface="+mj-lt"/>
+                <a:cs typeface="Courier New" panose="02070309020205020404" pitchFamily="49" charset="0"/>
+              </a:rPr>
+              <a:t>Например, човекът представлява обект. Той има свойства, определящи външния му вид и характер. Също така, той като живо същество, може да извършва някакви действия.</a:t>
+            </a:r>
+          </a:p>
+        </p:txBody>
+      </p:sp>
+    </p:spTree>
+    <p:extLst>
+      <p:ext uri="{BB962C8B-B14F-4D97-AF65-F5344CB8AC3E}">
+        <p14:creationId xmlns:p14="http://schemas.microsoft.com/office/powerpoint/2010/main" val="2247669008"/>
+      </p:ext>
+    </p:extLst>
+  </p:cSld>
+  <p:clrMapOvr>
+    <a:masterClrMapping/>
+  </p:clrMapOvr>
 </p:sld>
 </file>
 
@@ -22975,6 +23713,3481 @@
     <p:extLst>
       <p:ext uri="{BB962C8B-B14F-4D97-AF65-F5344CB8AC3E}">
         <p14:creationId xmlns:p14="http://schemas.microsoft.com/office/powerpoint/2010/main" val="2280387628"/>
+      </p:ext>
+    </p:extLst>
+  </p:cSld>
+  <p:clrMapOvr>
+    <a:masterClrMapping/>
+  </p:clrMapOvr>
+  <p:timing>
+    <p:tnLst>
+      <p:par>
+        <p:cTn id="1" dur="indefinite" restart="never" nodeType="tmRoot"/>
+      </p:par>
+    </p:tnLst>
+  </p:timing>
+</p:sld>
+</file>
+
+<file path=ppt/slides/slide60.xml><?xml version="1.0" encoding="utf-8"?>
+<p:sld xmlns:a="http://schemas.openxmlformats.org/drawingml/2006/main" xmlns:r="http://schemas.openxmlformats.org/officeDocument/2006/relationships" xmlns:p="http://schemas.openxmlformats.org/presentationml/2006/main">
+  <p:cSld>
+    <p:spTree>
+      <p:nvGrpSpPr>
+        <p:cNvPr id="1" name=""/>
+        <p:cNvGrpSpPr/>
+        <p:nvPr/>
+      </p:nvGrpSpPr>
+      <p:grpSpPr>
+        <a:xfrm>
+          <a:off x="0" y="0"/>
+          <a:ext cx="0" cy="0"/>
+          <a:chOff x="0" y="0"/>
+          <a:chExt cx="0" cy="0"/>
+        </a:xfrm>
+      </p:grpSpPr>
+      <p:sp>
+        <p:nvSpPr>
+          <p:cNvPr id="2" name="Title 1"/>
+          <p:cNvSpPr>
+            <a:spLocks noGrp="1"/>
+          </p:cNvSpPr>
+          <p:nvPr>
+            <p:ph type="title"/>
+          </p:nvPr>
+        </p:nvSpPr>
+        <p:spPr>
+          <a:xfrm>
+            <a:off x="457200" y="762000"/>
+            <a:ext cx="8229600" cy="1143000"/>
+          </a:xfrm>
+        </p:spPr>
+        <p:txBody>
+          <a:bodyPr>
+            <a:normAutofit/>
+          </a:bodyPr>
+          <a:lstStyle/>
+          <a:p>
+            <a:pPr algn="l"/>
+            <a:r>
+              <a:rPr lang="en-US" sz="2900" dirty="0" smtClean="0">
+                <a:solidFill>
+                  <a:schemeClr val="accent6"/>
+                </a:solidFill>
+              </a:rPr>
+              <a:t>JavaScript</a:t>
+            </a:r>
+            <a:r>
+              <a:rPr lang="bg-BG" sz="2900" dirty="0" smtClean="0">
+                <a:solidFill>
+                  <a:schemeClr val="accent6"/>
+                </a:solidFill>
+              </a:rPr>
+              <a:t> –</a:t>
+            </a:r>
+            <a:r>
+              <a:rPr lang="en-US" sz="2900" dirty="0">
+                <a:solidFill>
+                  <a:schemeClr val="accent6"/>
+                </a:solidFill>
+              </a:rPr>
+              <a:t> </a:t>
+            </a:r>
+            <a:r>
+              <a:rPr lang="bg-BG" sz="2900" dirty="0" smtClean="0">
+                <a:solidFill>
+                  <a:schemeClr val="accent6"/>
+                </a:solidFill>
+              </a:rPr>
+              <a:t>Обекти</a:t>
+            </a:r>
+            <a:endParaRPr lang="en-US" sz="2900" dirty="0"/>
+          </a:p>
+        </p:txBody>
+      </p:sp>
+      <p:sp>
+        <p:nvSpPr>
+          <p:cNvPr id="3" name="Content Placeholder 2"/>
+          <p:cNvSpPr>
+            <a:spLocks noGrp="1"/>
+          </p:cNvSpPr>
+          <p:nvPr>
+            <p:ph idx="1"/>
+          </p:nvPr>
+        </p:nvSpPr>
+        <p:spPr>
+          <a:xfrm>
+            <a:off x="457200" y="1600200"/>
+            <a:ext cx="8229600" cy="5257800"/>
+          </a:xfrm>
+        </p:spPr>
+        <p:txBody>
+          <a:bodyPr>
+            <a:noAutofit/>
+          </a:bodyPr>
+          <a:lstStyle/>
+          <a:p>
+            <a:pPr marL="0" indent="0">
+              <a:buNone/>
+            </a:pPr>
+            <a:r>
+              <a:rPr lang="bg-BG" sz="2500" dirty="0" smtClean="0">
+                <a:solidFill>
+                  <a:schemeClr val="bg1"/>
+                </a:solidFill>
+                <a:latin typeface="+mj-lt"/>
+                <a:cs typeface="Courier New" panose="02070309020205020404" pitchFamily="49" charset="0"/>
+              </a:rPr>
+              <a:t>Като обобщение, обектът Човек, образно ще изглежда по следния начин:</a:t>
+            </a:r>
+          </a:p>
+          <a:p>
+            <a:pPr marL="0" indent="0">
+              <a:buNone/>
+            </a:pPr>
+            <a:endParaRPr lang="bg-BG" sz="2500" dirty="0" smtClean="0">
+              <a:solidFill>
+                <a:schemeClr val="bg1"/>
+              </a:solidFill>
+              <a:latin typeface="+mj-lt"/>
+              <a:cs typeface="Courier New" panose="02070309020205020404" pitchFamily="49" charset="0"/>
+            </a:endParaRPr>
+          </a:p>
+          <a:p>
+            <a:pPr marL="0" indent="0">
+              <a:buNone/>
+            </a:pPr>
+            <a:endParaRPr lang="bg-BG" sz="2500" dirty="0">
+              <a:solidFill>
+                <a:schemeClr val="bg1"/>
+              </a:solidFill>
+              <a:latin typeface="+mj-lt"/>
+              <a:cs typeface="Courier New" panose="02070309020205020404" pitchFamily="49" charset="0"/>
+            </a:endParaRPr>
+          </a:p>
+          <a:p>
+            <a:pPr marL="0" indent="0">
+              <a:buNone/>
+            </a:pPr>
+            <a:endParaRPr lang="bg-BG" sz="2500" dirty="0" smtClean="0">
+              <a:solidFill>
+                <a:schemeClr val="bg1"/>
+              </a:solidFill>
+              <a:latin typeface="+mj-lt"/>
+              <a:cs typeface="Courier New" panose="02070309020205020404" pitchFamily="49" charset="0"/>
+            </a:endParaRPr>
+          </a:p>
+          <a:p>
+            <a:pPr marL="0" indent="0">
+              <a:buNone/>
+            </a:pPr>
+            <a:endParaRPr lang="bg-BG" sz="2500" dirty="0">
+              <a:solidFill>
+                <a:schemeClr val="bg1"/>
+              </a:solidFill>
+              <a:latin typeface="+mj-lt"/>
+              <a:cs typeface="Courier New" panose="02070309020205020404" pitchFamily="49" charset="0"/>
+            </a:endParaRPr>
+          </a:p>
+          <a:p>
+            <a:pPr marL="0" indent="0">
+              <a:buNone/>
+            </a:pPr>
+            <a:endParaRPr lang="bg-BG" sz="2500" dirty="0">
+              <a:solidFill>
+                <a:schemeClr val="bg1"/>
+              </a:solidFill>
+              <a:latin typeface="+mj-lt"/>
+              <a:cs typeface="Courier New" panose="02070309020205020404" pitchFamily="49" charset="0"/>
+            </a:endParaRPr>
+          </a:p>
+          <a:p>
+            <a:pPr marL="0" indent="0">
+              <a:buNone/>
+            </a:pPr>
+            <a:r>
+              <a:rPr lang="bg-BG" sz="2500" dirty="0" smtClean="0">
+                <a:solidFill>
+                  <a:schemeClr val="bg1"/>
+                </a:solidFill>
+                <a:latin typeface="+mj-lt"/>
+                <a:cs typeface="Courier New" panose="02070309020205020404" pitchFamily="49" charset="0"/>
+              </a:rPr>
+              <a:t>Обектите в </a:t>
+            </a:r>
+            <a:r>
+              <a:rPr lang="en-US" sz="2500" dirty="0" smtClean="0">
+                <a:solidFill>
+                  <a:schemeClr val="bg1"/>
+                </a:solidFill>
+                <a:latin typeface="+mj-lt"/>
+                <a:cs typeface="Courier New" panose="02070309020205020404" pitchFamily="49" charset="0"/>
+              </a:rPr>
+              <a:t>JavaScript </a:t>
+            </a:r>
+            <a:r>
+              <a:rPr lang="bg-BG" sz="2500" dirty="0" smtClean="0">
+                <a:solidFill>
+                  <a:schemeClr val="bg1"/>
+                </a:solidFill>
+                <a:latin typeface="+mj-lt"/>
+                <a:cs typeface="Courier New" panose="02070309020205020404" pitchFamily="49" charset="0"/>
+              </a:rPr>
+              <a:t>се дефинират по следния начин:</a:t>
+            </a:r>
+          </a:p>
+          <a:p>
+            <a:pPr marL="0" indent="0">
+              <a:buNone/>
+            </a:pPr>
+            <a:r>
+              <a:rPr lang="en-US" sz="1800" dirty="0" err="1" smtClean="0">
+                <a:solidFill>
+                  <a:schemeClr val="bg1"/>
+                </a:solidFill>
+                <a:latin typeface="Courier New" panose="02070309020205020404" pitchFamily="49" charset="0"/>
+                <a:cs typeface="Courier New" panose="02070309020205020404" pitchFamily="49" charset="0"/>
+              </a:rPr>
+              <a:t>var</a:t>
+            </a:r>
+            <a:r>
+              <a:rPr lang="en-US" sz="1800" dirty="0" smtClean="0">
+                <a:solidFill>
+                  <a:schemeClr val="bg1"/>
+                </a:solidFill>
+                <a:latin typeface="Courier New" panose="02070309020205020404" pitchFamily="49" charset="0"/>
+                <a:cs typeface="Courier New" panose="02070309020205020404" pitchFamily="49" charset="0"/>
+              </a:rPr>
+              <a:t> object = {</a:t>
+            </a:r>
+          </a:p>
+          <a:p>
+            <a:pPr marL="0" indent="0">
+              <a:buNone/>
+            </a:pPr>
+            <a:r>
+              <a:rPr lang="en-US" sz="1800" dirty="0">
+                <a:solidFill>
+                  <a:schemeClr val="bg1"/>
+                </a:solidFill>
+                <a:latin typeface="Courier New" panose="02070309020205020404" pitchFamily="49" charset="0"/>
+                <a:cs typeface="Courier New" panose="02070309020205020404" pitchFamily="49" charset="0"/>
+              </a:rPr>
+              <a:t>	</a:t>
+            </a:r>
+            <a:r>
+              <a:rPr lang="en-US" sz="1800" dirty="0" smtClean="0">
+                <a:solidFill>
+                  <a:schemeClr val="bg1"/>
+                </a:solidFill>
+                <a:latin typeface="Courier New" panose="02070309020205020404" pitchFamily="49" charset="0"/>
+                <a:cs typeface="Courier New" panose="02070309020205020404" pitchFamily="49" charset="0"/>
+              </a:rPr>
+              <a:t>property: “value”,</a:t>
+            </a:r>
+          </a:p>
+          <a:p>
+            <a:pPr marL="0" indent="0">
+              <a:buNone/>
+            </a:pPr>
+            <a:r>
+              <a:rPr lang="en-US" sz="1800" dirty="0">
+                <a:solidFill>
+                  <a:schemeClr val="bg1"/>
+                </a:solidFill>
+                <a:latin typeface="Courier New" panose="02070309020205020404" pitchFamily="49" charset="0"/>
+                <a:cs typeface="Courier New" panose="02070309020205020404" pitchFamily="49" charset="0"/>
+              </a:rPr>
+              <a:t>	</a:t>
+            </a:r>
+            <a:r>
+              <a:rPr lang="en-US" sz="1800" dirty="0" smtClean="0">
+                <a:solidFill>
+                  <a:schemeClr val="bg1"/>
+                </a:solidFill>
+                <a:latin typeface="Courier New" panose="02070309020205020404" pitchFamily="49" charset="0"/>
+                <a:cs typeface="Courier New" panose="02070309020205020404" pitchFamily="49" charset="0"/>
+              </a:rPr>
+              <a:t>property2: “value”</a:t>
+            </a:r>
+          </a:p>
+          <a:p>
+            <a:pPr marL="0" indent="0">
+              <a:buNone/>
+            </a:pPr>
+            <a:r>
+              <a:rPr lang="en-US" sz="1800" dirty="0">
+                <a:solidFill>
+                  <a:schemeClr val="bg1"/>
+                </a:solidFill>
+                <a:latin typeface="Courier New" panose="02070309020205020404" pitchFamily="49" charset="0"/>
+                <a:cs typeface="Courier New" panose="02070309020205020404" pitchFamily="49" charset="0"/>
+              </a:rPr>
+              <a:t>}</a:t>
+            </a:r>
+            <a:endParaRPr lang="bg-BG" sz="1800" dirty="0" smtClean="0">
+              <a:solidFill>
+                <a:schemeClr val="bg1"/>
+              </a:solidFill>
+              <a:latin typeface="Courier New" panose="02070309020205020404" pitchFamily="49" charset="0"/>
+              <a:cs typeface="Courier New" panose="02070309020205020404" pitchFamily="49" charset="0"/>
+            </a:endParaRPr>
+          </a:p>
+        </p:txBody>
+      </p:sp>
+      <p:graphicFrame>
+        <p:nvGraphicFramePr>
+          <p:cNvPr id="4" name="Table 3"/>
+          <p:cNvGraphicFramePr>
+            <a:graphicFrameLocks noGrp="1"/>
+          </p:cNvGraphicFramePr>
+          <p:nvPr>
+            <p:extLst>
+              <p:ext uri="{D42A27DB-BD31-4B8C-83A1-F6EECF244321}">
+                <p14:modId xmlns:p14="http://schemas.microsoft.com/office/powerpoint/2010/main" val="843733231"/>
+              </p:ext>
+            </p:extLst>
+          </p:nvPr>
+        </p:nvGraphicFramePr>
+        <p:xfrm>
+          <a:off x="609600" y="2438400"/>
+          <a:ext cx="6096000" cy="2225040"/>
+        </p:xfrm>
+        <a:graphic>
+          <a:graphicData uri="http://schemas.openxmlformats.org/drawingml/2006/table">
+            <a:tbl>
+              <a:tblPr firstRow="1" bandRow="1">
+                <a:tableStyleId>{5C22544A-7EE6-4342-B048-85BDC9FD1C3A}</a:tableStyleId>
+              </a:tblPr>
+              <a:tblGrid>
+                <a:gridCol w="2032000"/>
+                <a:gridCol w="2032000"/>
+                <a:gridCol w="2032000"/>
+              </a:tblGrid>
+              <a:tr h="370840">
+                <a:tc>
+                  <a:txBody>
+                    <a:bodyPr/>
+                    <a:lstStyle/>
+                    <a:p>
+                      <a:r>
+                        <a:rPr lang="bg-BG" dirty="0" smtClean="0"/>
+                        <a:t>Човек</a:t>
+                      </a:r>
+                      <a:endParaRPr lang="en-US" dirty="0"/>
+                    </a:p>
+                  </a:txBody>
+                  <a:tcPr/>
+                </a:tc>
+                <a:tc>
+                  <a:txBody>
+                    <a:bodyPr/>
+                    <a:lstStyle/>
+                    <a:p>
+                      <a:r>
+                        <a:rPr lang="bg-BG" dirty="0" smtClean="0"/>
+                        <a:t>Свойства</a:t>
+                      </a:r>
+                      <a:endParaRPr lang="en-US" dirty="0"/>
+                    </a:p>
+                  </a:txBody>
+                  <a:tcPr/>
+                </a:tc>
+                <a:tc>
+                  <a:txBody>
+                    <a:bodyPr/>
+                    <a:lstStyle/>
+                    <a:p>
+                      <a:r>
+                        <a:rPr lang="bg-BG" dirty="0" smtClean="0"/>
+                        <a:t>Действия</a:t>
+                      </a:r>
+                      <a:endParaRPr lang="en-US" dirty="0"/>
+                    </a:p>
+                  </a:txBody>
+                  <a:tcPr/>
+                </a:tc>
+              </a:tr>
+              <a:tr h="370840">
+                <a:tc>
+                  <a:txBody>
+                    <a:bodyPr/>
+                    <a:lstStyle/>
+                    <a:p>
+                      <a:endParaRPr lang="en-US" dirty="0"/>
+                    </a:p>
+                  </a:txBody>
+                  <a:tcPr/>
+                </a:tc>
+                <a:tc>
+                  <a:txBody>
+                    <a:bodyPr/>
+                    <a:lstStyle/>
+                    <a:p>
+                      <a:r>
+                        <a:rPr lang="bg-BG" dirty="0" smtClean="0"/>
+                        <a:t>Цвят на кожа</a:t>
+                      </a:r>
+                      <a:endParaRPr lang="en-US" dirty="0"/>
+                    </a:p>
+                  </a:txBody>
+                  <a:tcPr/>
+                </a:tc>
+                <a:tc>
+                  <a:txBody>
+                    <a:bodyPr/>
+                    <a:lstStyle/>
+                    <a:p>
+                      <a:r>
+                        <a:rPr lang="bg-BG" dirty="0" smtClean="0"/>
+                        <a:t>Труд</a:t>
+                      </a:r>
+                      <a:endParaRPr lang="en-US" dirty="0"/>
+                    </a:p>
+                  </a:txBody>
+                  <a:tcPr/>
+                </a:tc>
+              </a:tr>
+              <a:tr h="370840">
+                <a:tc>
+                  <a:txBody>
+                    <a:bodyPr/>
+                    <a:lstStyle/>
+                    <a:p>
+                      <a:endParaRPr lang="en-US" dirty="0"/>
+                    </a:p>
+                  </a:txBody>
+                  <a:tcPr/>
+                </a:tc>
+                <a:tc>
+                  <a:txBody>
+                    <a:bodyPr/>
+                    <a:lstStyle/>
+                    <a:p>
+                      <a:r>
+                        <a:rPr lang="bg-BG" dirty="0" smtClean="0"/>
+                        <a:t>Цвят на коса</a:t>
+                      </a:r>
+                      <a:endParaRPr lang="en-US" dirty="0"/>
+                    </a:p>
+                  </a:txBody>
+                  <a:tcPr/>
+                </a:tc>
+                <a:tc>
+                  <a:txBody>
+                    <a:bodyPr/>
+                    <a:lstStyle/>
+                    <a:p>
+                      <a:r>
+                        <a:rPr lang="bg-BG" dirty="0" smtClean="0"/>
+                        <a:t>Развлечения</a:t>
+                      </a:r>
+                      <a:endParaRPr lang="en-US" dirty="0"/>
+                    </a:p>
+                  </a:txBody>
+                  <a:tcPr/>
+                </a:tc>
+              </a:tr>
+              <a:tr h="370840">
+                <a:tc>
+                  <a:txBody>
+                    <a:bodyPr/>
+                    <a:lstStyle/>
+                    <a:p>
+                      <a:endParaRPr lang="en-US" dirty="0"/>
+                    </a:p>
+                  </a:txBody>
+                  <a:tcPr/>
+                </a:tc>
+                <a:tc>
+                  <a:txBody>
+                    <a:bodyPr/>
+                    <a:lstStyle/>
+                    <a:p>
+                      <a:r>
+                        <a:rPr lang="bg-BG" dirty="0" smtClean="0"/>
+                        <a:t>Ръст</a:t>
+                      </a:r>
+                      <a:endParaRPr lang="en-US" dirty="0"/>
+                    </a:p>
+                  </a:txBody>
+                  <a:tcPr/>
+                </a:tc>
+                <a:tc>
+                  <a:txBody>
+                    <a:bodyPr/>
+                    <a:lstStyle/>
+                    <a:p>
+                      <a:r>
+                        <a:rPr lang="bg-BG" dirty="0" smtClean="0"/>
+                        <a:t>Спане</a:t>
+                      </a:r>
+                      <a:endParaRPr lang="en-US" dirty="0"/>
+                    </a:p>
+                  </a:txBody>
+                  <a:tcPr/>
+                </a:tc>
+              </a:tr>
+              <a:tr h="370840">
+                <a:tc>
+                  <a:txBody>
+                    <a:bodyPr/>
+                    <a:lstStyle/>
+                    <a:p>
+                      <a:endParaRPr lang="en-US"/>
+                    </a:p>
+                  </a:txBody>
+                  <a:tcPr/>
+                </a:tc>
+                <a:tc>
+                  <a:txBody>
+                    <a:bodyPr/>
+                    <a:lstStyle/>
+                    <a:p>
+                      <a:r>
+                        <a:rPr lang="bg-BG" dirty="0" smtClean="0"/>
+                        <a:t>Килограми</a:t>
+                      </a:r>
+                      <a:endParaRPr lang="en-US" dirty="0"/>
+                    </a:p>
+                  </a:txBody>
+                  <a:tcPr/>
+                </a:tc>
+                <a:tc>
+                  <a:txBody>
+                    <a:bodyPr/>
+                    <a:lstStyle/>
+                    <a:p>
+                      <a:r>
+                        <a:rPr lang="bg-BG" dirty="0" smtClean="0"/>
+                        <a:t>Ядене</a:t>
+                      </a:r>
+                      <a:endParaRPr lang="en-US" dirty="0"/>
+                    </a:p>
+                  </a:txBody>
+                  <a:tcPr/>
+                </a:tc>
+              </a:tr>
+              <a:tr h="370840">
+                <a:tc>
+                  <a:txBody>
+                    <a:bodyPr/>
+                    <a:lstStyle/>
+                    <a:p>
+                      <a:endParaRPr lang="en-US"/>
+                    </a:p>
+                  </a:txBody>
+                  <a:tcPr/>
+                </a:tc>
+                <a:tc>
+                  <a:txBody>
+                    <a:bodyPr/>
+                    <a:lstStyle/>
+                    <a:p>
+                      <a:r>
+                        <a:rPr lang="bg-BG" dirty="0" smtClean="0"/>
+                        <a:t>Възраст</a:t>
+                      </a:r>
+                      <a:endParaRPr lang="en-US" dirty="0"/>
+                    </a:p>
+                  </a:txBody>
+                  <a:tcPr/>
+                </a:tc>
+                <a:tc>
+                  <a:txBody>
+                    <a:bodyPr/>
+                    <a:lstStyle/>
+                    <a:p>
+                      <a:r>
+                        <a:rPr lang="bg-BG" dirty="0" smtClean="0"/>
+                        <a:t>Спорт</a:t>
+                      </a:r>
+                      <a:endParaRPr lang="en-US" dirty="0"/>
+                    </a:p>
+                  </a:txBody>
+                  <a:tcPr/>
+                </a:tc>
+              </a:tr>
+            </a:tbl>
+          </a:graphicData>
+        </a:graphic>
+      </p:graphicFrame>
+    </p:spTree>
+    <p:extLst>
+      <p:ext uri="{BB962C8B-B14F-4D97-AF65-F5344CB8AC3E}">
+        <p14:creationId xmlns:p14="http://schemas.microsoft.com/office/powerpoint/2010/main" val="2862846227"/>
+      </p:ext>
+    </p:extLst>
+  </p:cSld>
+  <p:clrMapOvr>
+    <a:masterClrMapping/>
+  </p:clrMapOvr>
+</p:sld>
+</file>
+
+<file path=ppt/slides/slide61.xml><?xml version="1.0" encoding="utf-8"?>
+<p:sld xmlns:a="http://schemas.openxmlformats.org/drawingml/2006/main" xmlns:r="http://schemas.openxmlformats.org/officeDocument/2006/relationships" xmlns:p="http://schemas.openxmlformats.org/presentationml/2006/main">
+  <p:cSld>
+    <p:spTree>
+      <p:nvGrpSpPr>
+        <p:cNvPr id="1" name=""/>
+        <p:cNvGrpSpPr/>
+        <p:nvPr/>
+      </p:nvGrpSpPr>
+      <p:grpSpPr>
+        <a:xfrm>
+          <a:off x="0" y="0"/>
+          <a:ext cx="0" cy="0"/>
+          <a:chOff x="0" y="0"/>
+          <a:chExt cx="0" cy="0"/>
+        </a:xfrm>
+      </p:grpSpPr>
+      <p:sp>
+        <p:nvSpPr>
+          <p:cNvPr id="2" name="Title 1"/>
+          <p:cNvSpPr>
+            <a:spLocks noGrp="1"/>
+          </p:cNvSpPr>
+          <p:nvPr>
+            <p:ph type="title"/>
+          </p:nvPr>
+        </p:nvSpPr>
+        <p:spPr>
+          <a:xfrm>
+            <a:off x="457200" y="533400"/>
+            <a:ext cx="8229600" cy="1143000"/>
+          </a:xfrm>
+        </p:spPr>
+        <p:txBody>
+          <a:bodyPr>
+            <a:normAutofit/>
+          </a:bodyPr>
+          <a:lstStyle/>
+          <a:p>
+            <a:pPr algn="l"/>
+            <a:r>
+              <a:rPr lang="en-US" sz="2900" dirty="0" smtClean="0">
+                <a:solidFill>
+                  <a:schemeClr val="accent6"/>
+                </a:solidFill>
+              </a:rPr>
+              <a:t>JavaScript</a:t>
+            </a:r>
+            <a:r>
+              <a:rPr lang="bg-BG" sz="2900" dirty="0" smtClean="0">
+                <a:solidFill>
+                  <a:schemeClr val="accent6"/>
+                </a:solidFill>
+              </a:rPr>
+              <a:t> –</a:t>
+            </a:r>
+            <a:r>
+              <a:rPr lang="en-US" sz="2900" dirty="0">
+                <a:solidFill>
+                  <a:schemeClr val="accent6"/>
+                </a:solidFill>
+              </a:rPr>
+              <a:t> </a:t>
+            </a:r>
+            <a:r>
+              <a:rPr lang="bg-BG" sz="2900" dirty="0" smtClean="0">
+                <a:solidFill>
+                  <a:schemeClr val="accent6"/>
+                </a:solidFill>
+              </a:rPr>
+              <a:t>Обекти</a:t>
+            </a:r>
+            <a:endParaRPr lang="en-US" sz="2900" dirty="0"/>
+          </a:p>
+        </p:txBody>
+      </p:sp>
+      <p:sp>
+        <p:nvSpPr>
+          <p:cNvPr id="3" name="Content Placeholder 2"/>
+          <p:cNvSpPr>
+            <a:spLocks noGrp="1"/>
+          </p:cNvSpPr>
+          <p:nvPr>
+            <p:ph idx="1"/>
+          </p:nvPr>
+        </p:nvSpPr>
+        <p:spPr>
+          <a:xfrm>
+            <a:off x="457200" y="1295400"/>
+            <a:ext cx="8229600" cy="5257800"/>
+          </a:xfrm>
+        </p:spPr>
+        <p:txBody>
+          <a:bodyPr>
+            <a:noAutofit/>
+          </a:bodyPr>
+          <a:lstStyle/>
+          <a:p>
+            <a:pPr marL="0" indent="0">
+              <a:buNone/>
+            </a:pPr>
+            <a:r>
+              <a:rPr lang="bg-BG" sz="2500" dirty="0" smtClean="0">
+                <a:solidFill>
+                  <a:schemeClr val="bg1"/>
+                </a:solidFill>
+                <a:latin typeface="+mj-lt"/>
+                <a:cs typeface="Courier New" panose="02070309020205020404" pitchFamily="49" charset="0"/>
+              </a:rPr>
+              <a:t>Ако искаме да декларираме обект човек със свойствата от горната табличка, това ще стане по следния начин:</a:t>
+            </a:r>
+          </a:p>
+          <a:p>
+            <a:pPr marL="0" indent="0">
+              <a:buNone/>
+            </a:pPr>
+            <a:r>
+              <a:rPr lang="en-US" sz="1500" dirty="0" err="1" smtClean="0">
+                <a:solidFill>
+                  <a:schemeClr val="bg1"/>
+                </a:solidFill>
+                <a:latin typeface="Courier New" panose="02070309020205020404" pitchFamily="49" charset="0"/>
+                <a:cs typeface="Courier New" panose="02070309020205020404" pitchFamily="49" charset="0"/>
+              </a:rPr>
+              <a:t>var</a:t>
+            </a:r>
+            <a:r>
+              <a:rPr lang="en-US" sz="1500" dirty="0" smtClean="0">
+                <a:solidFill>
+                  <a:schemeClr val="bg1"/>
+                </a:solidFill>
+                <a:latin typeface="Courier New" panose="02070309020205020404" pitchFamily="49" charset="0"/>
+                <a:cs typeface="Courier New" panose="02070309020205020404" pitchFamily="49" charset="0"/>
+              </a:rPr>
+              <a:t> person = {</a:t>
+            </a:r>
+          </a:p>
+          <a:p>
+            <a:pPr marL="0" indent="0">
+              <a:buNone/>
+            </a:pPr>
+            <a:r>
+              <a:rPr lang="en-US" sz="1500" dirty="0">
+                <a:solidFill>
+                  <a:schemeClr val="bg1"/>
+                </a:solidFill>
+                <a:latin typeface="Courier New" panose="02070309020205020404" pitchFamily="49" charset="0"/>
+                <a:cs typeface="Courier New" panose="02070309020205020404" pitchFamily="49" charset="0"/>
+              </a:rPr>
+              <a:t>	</a:t>
+            </a:r>
+            <a:r>
+              <a:rPr lang="en-US" sz="1500" dirty="0" err="1" smtClean="0">
+                <a:solidFill>
+                  <a:schemeClr val="bg1"/>
+                </a:solidFill>
+                <a:latin typeface="Courier New" panose="02070309020205020404" pitchFamily="49" charset="0"/>
+                <a:cs typeface="Courier New" panose="02070309020205020404" pitchFamily="49" charset="0"/>
+              </a:rPr>
+              <a:t>skinColor</a:t>
+            </a:r>
+            <a:r>
+              <a:rPr lang="en-US" sz="1500" dirty="0" smtClean="0">
+                <a:solidFill>
+                  <a:schemeClr val="bg1"/>
+                </a:solidFill>
+                <a:latin typeface="Courier New" panose="02070309020205020404" pitchFamily="49" charset="0"/>
+                <a:cs typeface="Courier New" panose="02070309020205020404" pitchFamily="49" charset="0"/>
+              </a:rPr>
+              <a:t>: “white”,</a:t>
+            </a:r>
+          </a:p>
+          <a:p>
+            <a:pPr marL="0" indent="0">
+              <a:buNone/>
+            </a:pPr>
+            <a:r>
+              <a:rPr lang="en-US" sz="1500" dirty="0">
+                <a:solidFill>
+                  <a:schemeClr val="bg1"/>
+                </a:solidFill>
+                <a:latin typeface="Courier New" panose="02070309020205020404" pitchFamily="49" charset="0"/>
+                <a:cs typeface="Courier New" panose="02070309020205020404" pitchFamily="49" charset="0"/>
+              </a:rPr>
+              <a:t>	</a:t>
+            </a:r>
+            <a:r>
+              <a:rPr lang="en-US" sz="1500" dirty="0" err="1" smtClean="0">
+                <a:solidFill>
+                  <a:schemeClr val="bg1"/>
+                </a:solidFill>
+                <a:latin typeface="Courier New" panose="02070309020205020404" pitchFamily="49" charset="0"/>
+                <a:cs typeface="Courier New" panose="02070309020205020404" pitchFamily="49" charset="0"/>
+              </a:rPr>
+              <a:t>hairColor</a:t>
+            </a:r>
+            <a:r>
+              <a:rPr lang="en-US" sz="1500" dirty="0" smtClean="0">
+                <a:solidFill>
+                  <a:schemeClr val="bg1"/>
+                </a:solidFill>
+                <a:latin typeface="Courier New" panose="02070309020205020404" pitchFamily="49" charset="0"/>
+                <a:cs typeface="Courier New" panose="02070309020205020404" pitchFamily="49" charset="0"/>
+              </a:rPr>
+              <a:t>: “blonde”,</a:t>
+            </a:r>
+          </a:p>
+          <a:p>
+            <a:pPr marL="0" indent="0">
+              <a:buNone/>
+            </a:pPr>
+            <a:r>
+              <a:rPr lang="en-US" sz="1500" dirty="0">
+                <a:solidFill>
+                  <a:schemeClr val="bg1"/>
+                </a:solidFill>
+                <a:latin typeface="Courier New" panose="02070309020205020404" pitchFamily="49" charset="0"/>
+                <a:cs typeface="Courier New" panose="02070309020205020404" pitchFamily="49" charset="0"/>
+              </a:rPr>
+              <a:t>	</a:t>
+            </a:r>
+            <a:r>
+              <a:rPr lang="en-US" sz="1500" dirty="0" smtClean="0">
+                <a:solidFill>
+                  <a:schemeClr val="bg1"/>
+                </a:solidFill>
+                <a:latin typeface="Courier New" panose="02070309020205020404" pitchFamily="49" charset="0"/>
+                <a:cs typeface="Courier New" panose="02070309020205020404" pitchFamily="49" charset="0"/>
+              </a:rPr>
+              <a:t>height: “1.88m”,</a:t>
+            </a:r>
+          </a:p>
+          <a:p>
+            <a:pPr marL="0" indent="0">
+              <a:buNone/>
+            </a:pPr>
+            <a:r>
+              <a:rPr lang="en-US" sz="1500" dirty="0">
+                <a:solidFill>
+                  <a:schemeClr val="bg1"/>
+                </a:solidFill>
+                <a:latin typeface="Courier New" panose="02070309020205020404" pitchFamily="49" charset="0"/>
+                <a:cs typeface="Courier New" panose="02070309020205020404" pitchFamily="49" charset="0"/>
+              </a:rPr>
+              <a:t>	</a:t>
+            </a:r>
+            <a:r>
+              <a:rPr lang="en-US" sz="1500" dirty="0" smtClean="0">
+                <a:solidFill>
+                  <a:schemeClr val="bg1"/>
+                </a:solidFill>
+                <a:latin typeface="Courier New" panose="02070309020205020404" pitchFamily="49" charset="0"/>
+                <a:cs typeface="Courier New" panose="02070309020205020404" pitchFamily="49" charset="0"/>
+              </a:rPr>
+              <a:t>weight: “82kg”,</a:t>
+            </a:r>
+          </a:p>
+          <a:p>
+            <a:pPr marL="0" indent="0">
+              <a:buNone/>
+            </a:pPr>
+            <a:r>
+              <a:rPr lang="en-US" sz="1500" dirty="0">
+                <a:solidFill>
+                  <a:schemeClr val="bg1"/>
+                </a:solidFill>
+                <a:latin typeface="Courier New" panose="02070309020205020404" pitchFamily="49" charset="0"/>
+                <a:cs typeface="Courier New" panose="02070309020205020404" pitchFamily="49" charset="0"/>
+              </a:rPr>
+              <a:t>	</a:t>
+            </a:r>
+            <a:r>
+              <a:rPr lang="en-US" sz="1500" dirty="0" smtClean="0">
+                <a:solidFill>
+                  <a:schemeClr val="bg1"/>
+                </a:solidFill>
+                <a:latin typeface="Courier New" panose="02070309020205020404" pitchFamily="49" charset="0"/>
+                <a:cs typeface="Courier New" panose="02070309020205020404" pitchFamily="49" charset="0"/>
+              </a:rPr>
+              <a:t>age: “32”,</a:t>
+            </a:r>
+          </a:p>
+          <a:p>
+            <a:pPr marL="0" indent="0">
+              <a:buNone/>
+            </a:pPr>
+            <a:r>
+              <a:rPr lang="en-US" sz="1500" dirty="0">
+                <a:solidFill>
+                  <a:schemeClr val="bg1"/>
+                </a:solidFill>
+                <a:latin typeface="Courier New" panose="02070309020205020404" pitchFamily="49" charset="0"/>
+                <a:cs typeface="Courier New" panose="02070309020205020404" pitchFamily="49" charset="0"/>
+              </a:rPr>
+              <a:t>	</a:t>
+            </a:r>
+            <a:r>
+              <a:rPr lang="en-US" sz="1500" dirty="0" smtClean="0">
+                <a:solidFill>
+                  <a:schemeClr val="bg1"/>
+                </a:solidFill>
+                <a:latin typeface="Courier New" panose="02070309020205020404" pitchFamily="49" charset="0"/>
+                <a:cs typeface="Courier New" panose="02070309020205020404" pitchFamily="49" charset="0"/>
+              </a:rPr>
+              <a:t>work: function() { return “working” },</a:t>
+            </a:r>
+          </a:p>
+          <a:p>
+            <a:pPr marL="0" indent="0">
+              <a:buNone/>
+            </a:pPr>
+            <a:r>
+              <a:rPr lang="en-US" sz="1500" dirty="0">
+                <a:solidFill>
+                  <a:schemeClr val="bg1"/>
+                </a:solidFill>
+                <a:latin typeface="Courier New" panose="02070309020205020404" pitchFamily="49" charset="0"/>
+                <a:cs typeface="Courier New" panose="02070309020205020404" pitchFamily="49" charset="0"/>
+              </a:rPr>
+              <a:t>	</a:t>
+            </a:r>
+            <a:r>
+              <a:rPr lang="en-US" sz="1500" dirty="0" smtClean="0">
+                <a:solidFill>
+                  <a:schemeClr val="bg1"/>
+                </a:solidFill>
+                <a:latin typeface="Courier New" panose="02070309020205020404" pitchFamily="49" charset="0"/>
+                <a:cs typeface="Courier New" panose="02070309020205020404" pitchFamily="49" charset="0"/>
+              </a:rPr>
+              <a:t>eat: function() { return “eating” }</a:t>
+            </a:r>
+          </a:p>
+          <a:p>
+            <a:pPr marL="0" indent="0">
+              <a:buNone/>
+            </a:pPr>
+            <a:r>
+              <a:rPr lang="en-US" sz="1500" dirty="0">
+                <a:solidFill>
+                  <a:schemeClr val="bg1"/>
+                </a:solidFill>
+                <a:latin typeface="Courier New" panose="02070309020205020404" pitchFamily="49" charset="0"/>
+                <a:cs typeface="Courier New" panose="02070309020205020404" pitchFamily="49" charset="0"/>
+              </a:rPr>
+              <a:t>	</a:t>
+            </a:r>
+            <a:r>
+              <a:rPr lang="en-US" sz="1500" dirty="0" smtClean="0">
+                <a:solidFill>
+                  <a:schemeClr val="bg1"/>
+                </a:solidFill>
+                <a:latin typeface="Courier New" panose="02070309020205020404" pitchFamily="49" charset="0"/>
+                <a:cs typeface="Courier New" panose="02070309020205020404" pitchFamily="49" charset="0"/>
+              </a:rPr>
+              <a:t>sleep: function() { return “sleeping” }</a:t>
+            </a:r>
+          </a:p>
+          <a:p>
+            <a:pPr marL="0" indent="0">
+              <a:buNone/>
+            </a:pPr>
+            <a:r>
+              <a:rPr lang="en-US" sz="1500" dirty="0" smtClean="0">
+                <a:solidFill>
+                  <a:schemeClr val="bg1"/>
+                </a:solidFill>
+                <a:latin typeface="Courier New" panose="02070309020205020404" pitchFamily="49" charset="0"/>
+                <a:cs typeface="Courier New" panose="02070309020205020404" pitchFamily="49" charset="0"/>
+              </a:rPr>
+              <a:t>	sport: function() { return “sporting” },</a:t>
+            </a:r>
+          </a:p>
+          <a:p>
+            <a:pPr marL="0" indent="0">
+              <a:buNone/>
+            </a:pPr>
+            <a:r>
+              <a:rPr lang="en-US" sz="1500" dirty="0">
+                <a:solidFill>
+                  <a:schemeClr val="bg1"/>
+                </a:solidFill>
+                <a:latin typeface="Courier New" panose="02070309020205020404" pitchFamily="49" charset="0"/>
+                <a:cs typeface="Courier New" panose="02070309020205020404" pitchFamily="49" charset="0"/>
+              </a:rPr>
+              <a:t>	</a:t>
+            </a:r>
+            <a:r>
+              <a:rPr lang="en-US" sz="1500" dirty="0" smtClean="0">
+                <a:solidFill>
+                  <a:schemeClr val="bg1"/>
+                </a:solidFill>
+                <a:latin typeface="Courier New" panose="02070309020205020404" pitchFamily="49" charset="0"/>
+                <a:cs typeface="Courier New" panose="02070309020205020404" pitchFamily="49" charset="0"/>
+              </a:rPr>
+              <a:t>leisure: function() { return “</a:t>
+            </a:r>
+            <a:r>
+              <a:rPr lang="en-US" sz="1500" dirty="0" err="1" smtClean="0">
+                <a:solidFill>
+                  <a:schemeClr val="bg1"/>
+                </a:solidFill>
+                <a:latin typeface="Courier New" panose="02070309020205020404" pitchFamily="49" charset="0"/>
+                <a:cs typeface="Courier New" panose="02070309020205020404" pitchFamily="49" charset="0"/>
+              </a:rPr>
+              <a:t>leisuring</a:t>
+            </a:r>
+            <a:r>
+              <a:rPr lang="en-US" sz="1500" dirty="0" smtClean="0">
+                <a:solidFill>
+                  <a:schemeClr val="bg1"/>
+                </a:solidFill>
+                <a:latin typeface="Courier New" panose="02070309020205020404" pitchFamily="49" charset="0"/>
+                <a:cs typeface="Courier New" panose="02070309020205020404" pitchFamily="49" charset="0"/>
+              </a:rPr>
+              <a:t>”</a:t>
+            </a:r>
+            <a:r>
+              <a:rPr lang="en-US" sz="1500" dirty="0">
+                <a:solidFill>
+                  <a:schemeClr val="bg1"/>
+                </a:solidFill>
+                <a:latin typeface="Courier New" panose="02070309020205020404" pitchFamily="49" charset="0"/>
+                <a:cs typeface="Courier New" panose="02070309020205020404" pitchFamily="49" charset="0"/>
+              </a:rPr>
+              <a:t>	</a:t>
+            </a:r>
+            <a:r>
+              <a:rPr lang="en-US" sz="1500" dirty="0" smtClean="0">
+                <a:solidFill>
+                  <a:schemeClr val="bg1"/>
+                </a:solidFill>
+                <a:latin typeface="Courier New" panose="02070309020205020404" pitchFamily="49" charset="0"/>
+                <a:cs typeface="Courier New" panose="02070309020205020404" pitchFamily="49" charset="0"/>
+              </a:rPr>
+              <a:t>}</a:t>
+            </a:r>
+          </a:p>
+          <a:p>
+            <a:pPr marL="0" indent="0">
+              <a:buNone/>
+            </a:pPr>
+            <a:r>
+              <a:rPr lang="en-US" sz="1500" dirty="0" smtClean="0">
+                <a:solidFill>
+                  <a:schemeClr val="bg1"/>
+                </a:solidFill>
+                <a:latin typeface="Courier New" panose="02070309020205020404" pitchFamily="49" charset="0"/>
+                <a:cs typeface="Courier New" panose="02070309020205020404" pitchFamily="49" charset="0"/>
+              </a:rPr>
+              <a:t>}</a:t>
+            </a:r>
+          </a:p>
+          <a:p>
+            <a:pPr marL="0" indent="0">
+              <a:buNone/>
+            </a:pPr>
+            <a:endParaRPr lang="bg-BG" sz="1500" dirty="0" smtClean="0">
+              <a:solidFill>
+                <a:schemeClr val="bg1"/>
+              </a:solidFill>
+              <a:latin typeface="Courier New" panose="02070309020205020404" pitchFamily="49" charset="0"/>
+              <a:cs typeface="Courier New" panose="02070309020205020404" pitchFamily="49" charset="0"/>
+            </a:endParaRPr>
+          </a:p>
+        </p:txBody>
+      </p:sp>
+    </p:spTree>
+    <p:extLst>
+      <p:ext uri="{BB962C8B-B14F-4D97-AF65-F5344CB8AC3E}">
+        <p14:creationId xmlns:p14="http://schemas.microsoft.com/office/powerpoint/2010/main" val="2444984444"/>
+      </p:ext>
+    </p:extLst>
+  </p:cSld>
+  <p:clrMapOvr>
+    <a:masterClrMapping/>
+  </p:clrMapOvr>
+</p:sld>
+</file>
+
+<file path=ppt/slides/slide62.xml><?xml version="1.0" encoding="utf-8"?>
+<p:sld xmlns:a="http://schemas.openxmlformats.org/drawingml/2006/main" xmlns:r="http://schemas.openxmlformats.org/officeDocument/2006/relationships" xmlns:p="http://schemas.openxmlformats.org/presentationml/2006/main">
+  <p:cSld>
+    <p:spTree>
+      <p:nvGrpSpPr>
+        <p:cNvPr id="1" name=""/>
+        <p:cNvGrpSpPr/>
+        <p:nvPr/>
+      </p:nvGrpSpPr>
+      <p:grpSpPr>
+        <a:xfrm>
+          <a:off x="0" y="0"/>
+          <a:ext cx="0" cy="0"/>
+          <a:chOff x="0" y="0"/>
+          <a:chExt cx="0" cy="0"/>
+        </a:xfrm>
+      </p:grpSpPr>
+      <p:sp>
+        <p:nvSpPr>
+          <p:cNvPr id="2" name="Title 1"/>
+          <p:cNvSpPr>
+            <a:spLocks noGrp="1"/>
+          </p:cNvSpPr>
+          <p:nvPr>
+            <p:ph type="title"/>
+          </p:nvPr>
+        </p:nvSpPr>
+        <p:spPr>
+          <a:xfrm>
+            <a:off x="457200" y="533400"/>
+            <a:ext cx="8229600" cy="1143000"/>
+          </a:xfrm>
+        </p:spPr>
+        <p:txBody>
+          <a:bodyPr>
+            <a:normAutofit/>
+          </a:bodyPr>
+          <a:lstStyle/>
+          <a:p>
+            <a:pPr algn="l"/>
+            <a:r>
+              <a:rPr lang="en-US" sz="2900" dirty="0" smtClean="0">
+                <a:solidFill>
+                  <a:schemeClr val="accent6"/>
+                </a:solidFill>
+              </a:rPr>
+              <a:t>JavaScript</a:t>
+            </a:r>
+            <a:r>
+              <a:rPr lang="bg-BG" sz="2900" dirty="0" smtClean="0">
+                <a:solidFill>
+                  <a:schemeClr val="accent6"/>
+                </a:solidFill>
+              </a:rPr>
+              <a:t> –</a:t>
+            </a:r>
+            <a:r>
+              <a:rPr lang="en-US" sz="2900" dirty="0">
+                <a:solidFill>
+                  <a:schemeClr val="accent6"/>
+                </a:solidFill>
+              </a:rPr>
+              <a:t> </a:t>
+            </a:r>
+            <a:r>
+              <a:rPr lang="bg-BG" sz="2900" dirty="0" smtClean="0">
+                <a:solidFill>
+                  <a:schemeClr val="accent6"/>
+                </a:solidFill>
+              </a:rPr>
+              <a:t>Обекти</a:t>
+            </a:r>
+            <a:endParaRPr lang="en-US" sz="2900" dirty="0"/>
+          </a:p>
+        </p:txBody>
+      </p:sp>
+      <p:sp>
+        <p:nvSpPr>
+          <p:cNvPr id="3" name="Content Placeholder 2"/>
+          <p:cNvSpPr>
+            <a:spLocks noGrp="1"/>
+          </p:cNvSpPr>
+          <p:nvPr>
+            <p:ph idx="1"/>
+          </p:nvPr>
+        </p:nvSpPr>
+        <p:spPr>
+          <a:xfrm>
+            <a:off x="457200" y="1295400"/>
+            <a:ext cx="8229600" cy="5257800"/>
+          </a:xfrm>
+        </p:spPr>
+        <p:txBody>
+          <a:bodyPr>
+            <a:noAutofit/>
+          </a:bodyPr>
+          <a:lstStyle/>
+          <a:p>
+            <a:pPr marL="0" indent="0">
+              <a:buNone/>
+            </a:pPr>
+            <a:r>
+              <a:rPr lang="bg-BG" sz="2500" dirty="0">
+                <a:solidFill>
+                  <a:schemeClr val="bg1"/>
+                </a:solidFill>
+                <a:latin typeface="+mj-lt"/>
+                <a:cs typeface="Courier New" panose="02070309020205020404" pitchFamily="49" charset="0"/>
+              </a:rPr>
+              <a:t>Ако достъпим нашия обект посредством името му:</a:t>
+            </a:r>
+          </a:p>
+          <a:p>
+            <a:pPr marL="0" indent="0">
+              <a:buNone/>
+            </a:pPr>
+            <a:r>
+              <a:rPr lang="en-US" sz="1800" dirty="0">
+                <a:solidFill>
+                  <a:schemeClr val="bg1"/>
+                </a:solidFill>
+                <a:latin typeface="Courier New" panose="02070309020205020404" pitchFamily="49" charset="0"/>
+                <a:cs typeface="Courier New" panose="02070309020205020404" pitchFamily="49" charset="0"/>
+              </a:rPr>
+              <a:t>Person</a:t>
+            </a:r>
+          </a:p>
+          <a:p>
+            <a:pPr marL="0" indent="0">
+              <a:buNone/>
+            </a:pPr>
+            <a:r>
+              <a:rPr lang="en-US" sz="2500" dirty="0">
+                <a:solidFill>
+                  <a:schemeClr val="bg1"/>
+                </a:solidFill>
+                <a:latin typeface="+mj-lt"/>
+                <a:cs typeface="Courier New" panose="02070309020205020404" pitchFamily="49" charset="0"/>
+              </a:rPr>
+              <a:t>JavaScript </a:t>
+            </a:r>
+            <a:r>
+              <a:rPr lang="bg-BG" sz="2500" dirty="0">
+                <a:solidFill>
+                  <a:schemeClr val="bg1"/>
+                </a:solidFill>
+                <a:latin typeface="+mj-lt"/>
+                <a:cs typeface="Courier New" panose="02070309020205020404" pitchFamily="49" charset="0"/>
+              </a:rPr>
+              <a:t>ще ни върне резултат, съдържащ обекта и всички негови </a:t>
+            </a:r>
+            <a:r>
+              <a:rPr lang="bg-BG" sz="2500" dirty="0" smtClean="0">
+                <a:solidFill>
+                  <a:schemeClr val="bg1"/>
+                </a:solidFill>
+                <a:latin typeface="+mj-lt"/>
+                <a:cs typeface="Courier New" panose="02070309020205020404" pitchFamily="49" charset="0"/>
+              </a:rPr>
+              <a:t>свойства, без действията му:</a:t>
+            </a:r>
+            <a:endParaRPr lang="bg-BG" sz="2500" dirty="0">
+              <a:solidFill>
+                <a:schemeClr val="bg1"/>
+              </a:solidFill>
+              <a:latin typeface="+mj-lt"/>
+              <a:cs typeface="Courier New" panose="02070309020205020404" pitchFamily="49" charset="0"/>
+            </a:endParaRPr>
+          </a:p>
+          <a:p>
+            <a:pPr marL="0" indent="0">
+              <a:buNone/>
+            </a:pPr>
+            <a:r>
+              <a:rPr lang="en-US" sz="1800" dirty="0">
+                <a:solidFill>
+                  <a:schemeClr val="bg1"/>
+                </a:solidFill>
+                <a:latin typeface="Courier New" panose="02070309020205020404" pitchFamily="49" charset="0"/>
+                <a:cs typeface="Courier New" panose="02070309020205020404" pitchFamily="49" charset="0"/>
+              </a:rPr>
+              <a:t>Object {</a:t>
+            </a:r>
+            <a:r>
+              <a:rPr lang="en-US" sz="1800" dirty="0" err="1">
+                <a:solidFill>
+                  <a:schemeClr val="bg1"/>
+                </a:solidFill>
+                <a:latin typeface="Courier New" panose="02070309020205020404" pitchFamily="49" charset="0"/>
+                <a:cs typeface="Courier New" panose="02070309020205020404" pitchFamily="49" charset="0"/>
+              </a:rPr>
+              <a:t>skinColor</a:t>
+            </a:r>
+            <a:r>
+              <a:rPr lang="en-US" sz="1800" dirty="0">
+                <a:solidFill>
+                  <a:schemeClr val="bg1"/>
+                </a:solidFill>
+                <a:latin typeface="Courier New" panose="02070309020205020404" pitchFamily="49" charset="0"/>
+                <a:cs typeface="Courier New" panose="02070309020205020404" pitchFamily="49" charset="0"/>
+              </a:rPr>
+              <a:t>: "white", </a:t>
+            </a:r>
+            <a:r>
+              <a:rPr lang="en-US" sz="1800" dirty="0" err="1">
+                <a:solidFill>
+                  <a:schemeClr val="bg1"/>
+                </a:solidFill>
+                <a:latin typeface="Courier New" panose="02070309020205020404" pitchFamily="49" charset="0"/>
+                <a:cs typeface="Courier New" panose="02070309020205020404" pitchFamily="49" charset="0"/>
+              </a:rPr>
+              <a:t>hairColor</a:t>
+            </a:r>
+            <a:r>
+              <a:rPr lang="en-US" sz="1800" dirty="0">
+                <a:solidFill>
+                  <a:schemeClr val="bg1"/>
+                </a:solidFill>
+                <a:latin typeface="Courier New" panose="02070309020205020404" pitchFamily="49" charset="0"/>
+                <a:cs typeface="Courier New" panose="02070309020205020404" pitchFamily="49" charset="0"/>
+              </a:rPr>
+              <a:t>: "blonde", height: "1.88m", weight: "82kg", age: "</a:t>
+            </a:r>
+            <a:r>
+              <a:rPr lang="en-US" sz="1800" dirty="0" smtClean="0">
+                <a:solidFill>
+                  <a:schemeClr val="bg1"/>
+                </a:solidFill>
+                <a:latin typeface="Courier New" panose="02070309020205020404" pitchFamily="49" charset="0"/>
+                <a:cs typeface="Courier New" panose="02070309020205020404" pitchFamily="49" charset="0"/>
+              </a:rPr>
+              <a:t>32"}</a:t>
+            </a:r>
+          </a:p>
+          <a:p>
+            <a:pPr marL="0" indent="0">
+              <a:buNone/>
+            </a:pPr>
+            <a:endParaRPr lang="en-US" sz="1800" dirty="0">
+              <a:solidFill>
+                <a:schemeClr val="bg1"/>
+              </a:solidFill>
+              <a:latin typeface="Courier New" panose="02070309020205020404" pitchFamily="49" charset="0"/>
+              <a:cs typeface="Courier New" panose="02070309020205020404" pitchFamily="49" charset="0"/>
+            </a:endParaRPr>
+          </a:p>
+          <a:p>
+            <a:pPr marL="0" indent="0">
+              <a:buNone/>
+            </a:pPr>
+            <a:r>
+              <a:rPr lang="bg-BG" sz="2500" dirty="0" smtClean="0">
+                <a:solidFill>
+                  <a:schemeClr val="bg1"/>
+                </a:solidFill>
+                <a:latin typeface="+mj-lt"/>
+                <a:cs typeface="Courier New" panose="02070309020205020404" pitchFamily="49" charset="0"/>
+              </a:rPr>
+              <a:t>Можем да достъпим и само някое негово свойство/действие:</a:t>
+            </a:r>
+          </a:p>
+          <a:p>
+            <a:pPr marL="0" indent="0">
+              <a:buNone/>
+            </a:pPr>
+            <a:r>
+              <a:rPr lang="en-US" sz="1800" dirty="0" err="1">
+                <a:solidFill>
+                  <a:schemeClr val="bg1"/>
+                </a:solidFill>
+                <a:latin typeface="Courier New" panose="02070309020205020404" pitchFamily="49" charset="0"/>
+                <a:cs typeface="Courier New" panose="02070309020205020404" pitchFamily="49" charset="0"/>
+              </a:rPr>
+              <a:t>person.work</a:t>
+            </a:r>
+            <a:r>
+              <a:rPr lang="en-US" sz="1800" dirty="0" smtClean="0">
+                <a:solidFill>
+                  <a:schemeClr val="bg1"/>
+                </a:solidFill>
+                <a:latin typeface="Courier New" panose="02070309020205020404" pitchFamily="49" charset="0"/>
+                <a:cs typeface="Courier New" panose="02070309020205020404" pitchFamily="49" charset="0"/>
+              </a:rPr>
+              <a:t>()</a:t>
+            </a:r>
+            <a:r>
+              <a:rPr lang="bg-BG" sz="1800" dirty="0" smtClean="0">
+                <a:solidFill>
+                  <a:schemeClr val="bg1"/>
+                </a:solidFill>
+                <a:latin typeface="+mj-lt"/>
+                <a:cs typeface="Courier New" panose="02070309020205020404" pitchFamily="49" charset="0"/>
+              </a:rPr>
+              <a:t>(защото </a:t>
+            </a:r>
+            <a:r>
+              <a:rPr lang="en-US" sz="1800" dirty="0" smtClean="0">
+                <a:solidFill>
+                  <a:schemeClr val="bg1"/>
+                </a:solidFill>
+                <a:latin typeface="+mj-lt"/>
+                <a:cs typeface="Courier New" panose="02070309020205020404" pitchFamily="49" charset="0"/>
+              </a:rPr>
+              <a:t>work e </a:t>
+            </a:r>
+            <a:r>
+              <a:rPr lang="bg-BG" sz="1800" dirty="0" smtClean="0">
+                <a:solidFill>
+                  <a:schemeClr val="bg1"/>
+                </a:solidFill>
+                <a:latin typeface="+mj-lt"/>
+                <a:cs typeface="Courier New" panose="02070309020205020404" pitchFamily="49" charset="0"/>
+              </a:rPr>
+              <a:t>функция и трябва да се дефинира с ())</a:t>
+            </a:r>
+          </a:p>
+          <a:p>
+            <a:pPr marL="0" indent="0">
+              <a:buNone/>
+            </a:pPr>
+            <a:r>
+              <a:rPr lang="en-US" sz="1800" dirty="0" smtClean="0">
+                <a:solidFill>
+                  <a:schemeClr val="bg1"/>
+                </a:solidFill>
+                <a:latin typeface="Courier New" panose="02070309020205020404" pitchFamily="49" charset="0"/>
+                <a:cs typeface="Courier New" panose="02070309020205020404" pitchFamily="49" charset="0"/>
+              </a:rPr>
+              <a:t>"working“</a:t>
+            </a:r>
+          </a:p>
+          <a:p>
+            <a:pPr marL="0" indent="0">
+              <a:buNone/>
+            </a:pPr>
+            <a:r>
+              <a:rPr lang="en-US" sz="1800" dirty="0" err="1" smtClean="0">
+                <a:solidFill>
+                  <a:schemeClr val="bg1"/>
+                </a:solidFill>
+                <a:latin typeface="Courier New" panose="02070309020205020404" pitchFamily="49" charset="0"/>
+                <a:cs typeface="Courier New" panose="02070309020205020404" pitchFamily="49" charset="0"/>
+              </a:rPr>
+              <a:t>Person.height</a:t>
+            </a:r>
+            <a:endParaRPr lang="en-US" sz="1800" dirty="0" smtClean="0">
+              <a:solidFill>
+                <a:schemeClr val="bg1"/>
+              </a:solidFill>
+              <a:latin typeface="Courier New" panose="02070309020205020404" pitchFamily="49" charset="0"/>
+              <a:cs typeface="Courier New" panose="02070309020205020404" pitchFamily="49" charset="0"/>
+            </a:endParaRPr>
+          </a:p>
+          <a:p>
+            <a:pPr marL="0" indent="0">
+              <a:buNone/>
+            </a:pPr>
+            <a:r>
+              <a:rPr lang="en-US" sz="1800" dirty="0">
+                <a:solidFill>
+                  <a:schemeClr val="bg1"/>
+                </a:solidFill>
+                <a:latin typeface="Courier New" panose="02070309020205020404" pitchFamily="49" charset="0"/>
+                <a:cs typeface="Courier New" panose="02070309020205020404" pitchFamily="49" charset="0"/>
+              </a:rPr>
+              <a:t>"1.88m"</a:t>
+            </a:r>
+            <a:endParaRPr lang="bg-BG" sz="1800" dirty="0" smtClean="0">
+              <a:solidFill>
+                <a:schemeClr val="bg1"/>
+              </a:solidFill>
+              <a:latin typeface="Courier New" panose="02070309020205020404" pitchFamily="49" charset="0"/>
+              <a:cs typeface="Courier New" panose="02070309020205020404" pitchFamily="49" charset="0"/>
+            </a:endParaRPr>
+          </a:p>
+        </p:txBody>
+      </p:sp>
+    </p:spTree>
+    <p:extLst>
+      <p:ext uri="{BB962C8B-B14F-4D97-AF65-F5344CB8AC3E}">
+        <p14:creationId xmlns:p14="http://schemas.microsoft.com/office/powerpoint/2010/main" val="103347419"/>
+      </p:ext>
+    </p:extLst>
+  </p:cSld>
+  <p:clrMapOvr>
+    <a:masterClrMapping/>
+  </p:clrMapOvr>
+</p:sld>
+</file>
+
+<file path=ppt/slides/slide63.xml><?xml version="1.0" encoding="utf-8"?>
+<p:sld xmlns:a="http://schemas.openxmlformats.org/drawingml/2006/main" xmlns:r="http://schemas.openxmlformats.org/officeDocument/2006/relationships" xmlns:p="http://schemas.openxmlformats.org/presentationml/2006/main">
+  <p:cSld>
+    <p:spTree>
+      <p:nvGrpSpPr>
+        <p:cNvPr id="1" name=""/>
+        <p:cNvGrpSpPr/>
+        <p:nvPr/>
+      </p:nvGrpSpPr>
+      <p:grpSpPr>
+        <a:xfrm>
+          <a:off x="0" y="0"/>
+          <a:ext cx="0" cy="0"/>
+          <a:chOff x="0" y="0"/>
+          <a:chExt cx="0" cy="0"/>
+        </a:xfrm>
+      </p:grpSpPr>
+      <p:sp>
+        <p:nvSpPr>
+          <p:cNvPr id="2" name="Title 1"/>
+          <p:cNvSpPr>
+            <a:spLocks noGrp="1"/>
+          </p:cNvSpPr>
+          <p:nvPr>
+            <p:ph type="title"/>
+          </p:nvPr>
+        </p:nvSpPr>
+        <p:spPr>
+          <a:xfrm>
+            <a:off x="457200" y="533400"/>
+            <a:ext cx="8229600" cy="1143000"/>
+          </a:xfrm>
+        </p:spPr>
+        <p:txBody>
+          <a:bodyPr>
+            <a:normAutofit/>
+          </a:bodyPr>
+          <a:lstStyle/>
+          <a:p>
+            <a:pPr algn="l"/>
+            <a:r>
+              <a:rPr lang="en-US" sz="2900" dirty="0" smtClean="0">
+                <a:solidFill>
+                  <a:schemeClr val="accent6"/>
+                </a:solidFill>
+              </a:rPr>
+              <a:t>JavaScript</a:t>
+            </a:r>
+            <a:r>
+              <a:rPr lang="bg-BG" sz="2900" dirty="0" smtClean="0">
+                <a:solidFill>
+                  <a:schemeClr val="accent6"/>
+                </a:solidFill>
+              </a:rPr>
+              <a:t> –</a:t>
+            </a:r>
+            <a:r>
+              <a:rPr lang="en-US" sz="2900" dirty="0">
+                <a:solidFill>
+                  <a:schemeClr val="accent6"/>
+                </a:solidFill>
+              </a:rPr>
+              <a:t> </a:t>
+            </a:r>
+            <a:r>
+              <a:rPr lang="bg-BG" sz="2900" dirty="0" smtClean="0">
+                <a:solidFill>
+                  <a:schemeClr val="accent6"/>
+                </a:solidFill>
+              </a:rPr>
+              <a:t>Събития</a:t>
+            </a:r>
+            <a:endParaRPr lang="en-US" sz="2900" dirty="0"/>
+          </a:p>
+        </p:txBody>
+      </p:sp>
+      <p:sp>
+        <p:nvSpPr>
+          <p:cNvPr id="3" name="Content Placeholder 2"/>
+          <p:cNvSpPr>
+            <a:spLocks noGrp="1"/>
+          </p:cNvSpPr>
+          <p:nvPr>
+            <p:ph idx="1"/>
+          </p:nvPr>
+        </p:nvSpPr>
+        <p:spPr>
+          <a:xfrm>
+            <a:off x="457200" y="1295400"/>
+            <a:ext cx="8229600" cy="5257800"/>
+          </a:xfrm>
+        </p:spPr>
+        <p:txBody>
+          <a:bodyPr>
+            <a:noAutofit/>
+          </a:bodyPr>
+          <a:lstStyle/>
+          <a:p>
+            <a:pPr marL="0" indent="0">
+              <a:buNone/>
+            </a:pPr>
+            <a:r>
+              <a:rPr lang="bg-BG" sz="2500" dirty="0" smtClean="0">
+                <a:solidFill>
+                  <a:schemeClr val="bg1"/>
+                </a:solidFill>
+                <a:latin typeface="+mj-lt"/>
+                <a:cs typeface="Courier New" panose="02070309020205020404" pitchFamily="49" charset="0"/>
+              </a:rPr>
+              <a:t>Събитията в </a:t>
+            </a:r>
+            <a:r>
+              <a:rPr lang="en-US" sz="2500" dirty="0" smtClean="0">
+                <a:solidFill>
+                  <a:schemeClr val="bg1"/>
+                </a:solidFill>
+                <a:latin typeface="+mj-lt"/>
+                <a:cs typeface="Courier New" panose="02070309020205020404" pitchFamily="49" charset="0"/>
+              </a:rPr>
+              <a:t>HTML </a:t>
+            </a:r>
+            <a:r>
+              <a:rPr lang="bg-BG" sz="2500" dirty="0" smtClean="0">
+                <a:solidFill>
+                  <a:schemeClr val="bg1"/>
+                </a:solidFill>
+                <a:latin typeface="+mj-lt"/>
+                <a:cs typeface="Courier New" panose="02070309020205020404" pitchFamily="49" charset="0"/>
+              </a:rPr>
+              <a:t>са нещата, които се случват на </a:t>
+            </a:r>
+            <a:r>
+              <a:rPr lang="en-US" sz="2500" dirty="0" smtClean="0">
+                <a:solidFill>
+                  <a:schemeClr val="bg1"/>
+                </a:solidFill>
+                <a:latin typeface="+mj-lt"/>
+                <a:cs typeface="Courier New" panose="02070309020205020404" pitchFamily="49" charset="0"/>
+              </a:rPr>
+              <a:t>HTML </a:t>
+            </a:r>
+            <a:r>
+              <a:rPr lang="bg-BG" sz="2500" dirty="0" smtClean="0">
+                <a:solidFill>
+                  <a:schemeClr val="bg1"/>
+                </a:solidFill>
+                <a:latin typeface="+mj-lt"/>
+                <a:cs typeface="Courier New" panose="02070309020205020404" pitchFamily="49" charset="0"/>
+              </a:rPr>
+              <a:t>елементите.</a:t>
+            </a:r>
+            <a:r>
+              <a:rPr lang="en-US" sz="2500" dirty="0" smtClean="0">
+                <a:solidFill>
+                  <a:schemeClr val="bg1"/>
+                </a:solidFill>
+                <a:latin typeface="+mj-lt"/>
+                <a:cs typeface="Courier New" panose="02070309020205020404" pitchFamily="49" charset="0"/>
+              </a:rPr>
+              <a:t> </a:t>
+            </a:r>
+            <a:endParaRPr lang="bg-BG" sz="2500" dirty="0" smtClean="0">
+              <a:solidFill>
+                <a:schemeClr val="bg1"/>
+              </a:solidFill>
+              <a:latin typeface="+mj-lt"/>
+              <a:cs typeface="Courier New" panose="02070309020205020404" pitchFamily="49" charset="0"/>
+            </a:endParaRPr>
+          </a:p>
+          <a:p>
+            <a:pPr marL="0" indent="0">
+              <a:buNone/>
+            </a:pPr>
+            <a:r>
+              <a:rPr lang="bg-BG" sz="2500" dirty="0" smtClean="0">
+                <a:solidFill>
+                  <a:schemeClr val="bg1"/>
+                </a:solidFill>
+                <a:latin typeface="+mj-lt"/>
+                <a:cs typeface="Courier New" panose="02070309020205020404" pitchFamily="49" charset="0"/>
+              </a:rPr>
+              <a:t>Ако използваме </a:t>
+            </a:r>
+            <a:r>
+              <a:rPr lang="en-US" sz="2500" dirty="0" smtClean="0">
+                <a:solidFill>
+                  <a:schemeClr val="bg1"/>
+                </a:solidFill>
+                <a:latin typeface="+mj-lt"/>
+                <a:cs typeface="Courier New" panose="02070309020205020404" pitchFamily="49" charset="0"/>
+              </a:rPr>
+              <a:t>JavaScript </a:t>
+            </a:r>
+            <a:r>
+              <a:rPr lang="bg-BG" sz="2500" dirty="0" smtClean="0">
+                <a:solidFill>
+                  <a:schemeClr val="bg1"/>
+                </a:solidFill>
+                <a:latin typeface="+mj-lt"/>
+                <a:cs typeface="Courier New" panose="02070309020205020404" pitchFamily="49" charset="0"/>
+              </a:rPr>
+              <a:t>в нашата страница, може да засичаме тези събития и да реагираме по определен от нас начин.</a:t>
+            </a:r>
+          </a:p>
+          <a:p>
+            <a:pPr marL="0" indent="0">
+              <a:buNone/>
+            </a:pPr>
+            <a:r>
+              <a:rPr lang="bg-BG" sz="2500" dirty="0" smtClean="0">
+                <a:solidFill>
+                  <a:schemeClr val="bg1"/>
+                </a:solidFill>
+                <a:latin typeface="+mj-lt"/>
+                <a:cs typeface="Courier New" panose="02070309020205020404" pitchFamily="49" charset="0"/>
+              </a:rPr>
+              <a:t>Събития в </a:t>
+            </a:r>
+            <a:r>
+              <a:rPr lang="en-US" sz="2500" dirty="0" smtClean="0">
+                <a:solidFill>
+                  <a:schemeClr val="bg1"/>
+                </a:solidFill>
+                <a:latin typeface="+mj-lt"/>
+                <a:cs typeface="Courier New" panose="02070309020205020404" pitchFamily="49" charset="0"/>
+              </a:rPr>
+              <a:t>JavaScript </a:t>
+            </a:r>
+            <a:r>
+              <a:rPr lang="bg-BG" sz="2500" dirty="0" smtClean="0">
+                <a:solidFill>
+                  <a:schemeClr val="bg1"/>
+                </a:solidFill>
+                <a:latin typeface="+mj-lt"/>
+                <a:cs typeface="Courier New" panose="02070309020205020404" pitchFamily="49" charset="0"/>
+              </a:rPr>
+              <a:t>са натискане на бутон, зареждане на цялата страница, промяна стойността на инпут поле.</a:t>
+            </a:r>
+          </a:p>
+          <a:p>
+            <a:pPr marL="0" indent="0">
+              <a:buNone/>
+            </a:pPr>
+            <a:r>
+              <a:rPr lang="bg-BG" sz="2500" dirty="0" smtClean="0">
+                <a:solidFill>
+                  <a:schemeClr val="bg1"/>
+                </a:solidFill>
+                <a:latin typeface="+mj-lt"/>
+                <a:cs typeface="Courier New" panose="02070309020205020404" pitchFamily="49" charset="0"/>
+              </a:rPr>
+              <a:t>Пример:</a:t>
+            </a:r>
+          </a:p>
+          <a:p>
+            <a:pPr marL="0" indent="0">
+              <a:buNone/>
+            </a:pPr>
+            <a:r>
+              <a:rPr lang="en-US" sz="1800" dirty="0" smtClean="0">
+                <a:solidFill>
+                  <a:schemeClr val="bg1"/>
+                </a:solidFill>
+                <a:latin typeface="Courier New" panose="02070309020205020404" pitchFamily="49" charset="0"/>
+                <a:cs typeface="Courier New" panose="02070309020205020404" pitchFamily="49" charset="0"/>
+              </a:rPr>
+              <a:t>&lt;a </a:t>
+            </a:r>
+            <a:r>
+              <a:rPr lang="en-US" sz="1800" dirty="0" err="1" smtClean="0">
+                <a:solidFill>
+                  <a:schemeClr val="bg1"/>
+                </a:solidFill>
+                <a:latin typeface="Courier New" panose="02070309020205020404" pitchFamily="49" charset="0"/>
+                <a:cs typeface="Courier New" panose="02070309020205020404" pitchFamily="49" charset="0"/>
+              </a:rPr>
+              <a:t>href</a:t>
+            </a:r>
+            <a:r>
+              <a:rPr lang="en-US" sz="1800" dirty="0" smtClean="0">
+                <a:solidFill>
+                  <a:schemeClr val="bg1"/>
+                </a:solidFill>
+                <a:latin typeface="Courier New" panose="02070309020205020404" pitchFamily="49" charset="0"/>
+                <a:cs typeface="Courier New" panose="02070309020205020404" pitchFamily="49" charset="0"/>
+              </a:rPr>
+              <a:t>=“#” </a:t>
+            </a:r>
+            <a:r>
+              <a:rPr lang="en-US" sz="1800" dirty="0" err="1" smtClean="0">
+                <a:solidFill>
+                  <a:schemeClr val="bg1"/>
+                </a:solidFill>
+                <a:latin typeface="Courier New" panose="02070309020205020404" pitchFamily="49" charset="0"/>
+                <a:cs typeface="Courier New" panose="02070309020205020404" pitchFamily="49" charset="0"/>
+              </a:rPr>
+              <a:t>onclick</a:t>
+            </a:r>
+            <a:r>
+              <a:rPr lang="en-US" sz="1800" dirty="0" smtClean="0">
+                <a:solidFill>
+                  <a:schemeClr val="bg1"/>
+                </a:solidFill>
+                <a:latin typeface="Courier New" panose="02070309020205020404" pitchFamily="49" charset="0"/>
+                <a:cs typeface="Courier New" panose="02070309020205020404" pitchFamily="49" charset="0"/>
+              </a:rPr>
+              <a:t>=“alert(“A link was clicked”)&gt;Link&lt;/a&gt;</a:t>
+            </a:r>
+          </a:p>
+          <a:p>
+            <a:pPr marL="0" indent="0">
+              <a:buNone/>
+            </a:pPr>
+            <a:r>
+              <a:rPr lang="en-US" sz="1800" dirty="0">
+                <a:solidFill>
+                  <a:schemeClr val="bg1"/>
+                </a:solidFill>
+                <a:latin typeface="Courier New" panose="02070309020205020404" pitchFamily="49" charset="0"/>
+                <a:cs typeface="Courier New" panose="02070309020205020404" pitchFamily="49" charset="0"/>
+              </a:rPr>
+              <a:t>&lt;button </a:t>
+            </a:r>
+            <a:r>
+              <a:rPr lang="en-US" sz="1800" dirty="0" err="1">
+                <a:solidFill>
+                  <a:schemeClr val="bg1"/>
+                </a:solidFill>
+                <a:latin typeface="Courier New" panose="02070309020205020404" pitchFamily="49" charset="0"/>
+                <a:cs typeface="Courier New" panose="02070309020205020404" pitchFamily="49" charset="0"/>
+              </a:rPr>
+              <a:t>onclick</a:t>
+            </a:r>
+            <a:r>
+              <a:rPr lang="en-US" sz="1800" dirty="0">
+                <a:solidFill>
+                  <a:schemeClr val="bg1"/>
+                </a:solidFill>
+                <a:latin typeface="Courier New" panose="02070309020205020404" pitchFamily="49" charset="0"/>
+                <a:cs typeface="Courier New" panose="02070309020205020404" pitchFamily="49" charset="0"/>
+              </a:rPr>
+              <a:t>="</a:t>
+            </a:r>
+            <a:r>
+              <a:rPr lang="en-US" sz="1800" dirty="0" err="1">
+                <a:solidFill>
+                  <a:schemeClr val="bg1"/>
+                </a:solidFill>
+                <a:latin typeface="Courier New" panose="02070309020205020404" pitchFamily="49" charset="0"/>
+                <a:cs typeface="Courier New" panose="02070309020205020404" pitchFamily="49" charset="0"/>
+              </a:rPr>
+              <a:t>this.innerHTML</a:t>
+            </a:r>
+            <a:r>
+              <a:rPr lang="en-US" sz="1800" dirty="0">
+                <a:solidFill>
+                  <a:schemeClr val="bg1"/>
+                </a:solidFill>
+                <a:latin typeface="Courier New" panose="02070309020205020404" pitchFamily="49" charset="0"/>
+                <a:cs typeface="Courier New" panose="02070309020205020404" pitchFamily="49" charset="0"/>
+              </a:rPr>
+              <a:t>=Date()"&gt;The </a:t>
+            </a:r>
+            <a:r>
+              <a:rPr lang="en-US" sz="1800" dirty="0" smtClean="0">
+                <a:solidFill>
+                  <a:schemeClr val="bg1"/>
+                </a:solidFill>
+                <a:latin typeface="Courier New" panose="02070309020205020404" pitchFamily="49" charset="0"/>
+                <a:cs typeface="Courier New" panose="02070309020205020404" pitchFamily="49" charset="0"/>
+              </a:rPr>
+              <a:t>time&lt;/</a:t>
+            </a:r>
+            <a:r>
+              <a:rPr lang="en-US" sz="1800" dirty="0">
+                <a:solidFill>
+                  <a:schemeClr val="bg1"/>
+                </a:solidFill>
+                <a:latin typeface="Courier New" panose="02070309020205020404" pitchFamily="49" charset="0"/>
+                <a:cs typeface="Courier New" panose="02070309020205020404" pitchFamily="49" charset="0"/>
+              </a:rPr>
+              <a:t>button&gt;</a:t>
+            </a:r>
+            <a:endParaRPr lang="bg-BG" sz="1800" dirty="0" smtClean="0">
+              <a:solidFill>
+                <a:schemeClr val="bg1"/>
+              </a:solidFill>
+              <a:latin typeface="Courier New" panose="02070309020205020404" pitchFamily="49" charset="0"/>
+              <a:cs typeface="Courier New" panose="02070309020205020404" pitchFamily="49" charset="0"/>
+            </a:endParaRPr>
+          </a:p>
+        </p:txBody>
+      </p:sp>
+    </p:spTree>
+    <p:extLst>
+      <p:ext uri="{BB962C8B-B14F-4D97-AF65-F5344CB8AC3E}">
+        <p14:creationId xmlns:p14="http://schemas.microsoft.com/office/powerpoint/2010/main" val="3915829300"/>
+      </p:ext>
+    </p:extLst>
+  </p:cSld>
+  <p:clrMapOvr>
+    <a:masterClrMapping/>
+  </p:clrMapOvr>
+</p:sld>
+</file>
+
+<file path=ppt/slides/slide64.xml><?xml version="1.0" encoding="utf-8"?>
+<p:sld xmlns:a="http://schemas.openxmlformats.org/drawingml/2006/main" xmlns:r="http://schemas.openxmlformats.org/officeDocument/2006/relationships" xmlns:p="http://schemas.openxmlformats.org/presentationml/2006/main">
+  <p:cSld>
+    <p:spTree>
+      <p:nvGrpSpPr>
+        <p:cNvPr id="1" name=""/>
+        <p:cNvGrpSpPr/>
+        <p:nvPr/>
+      </p:nvGrpSpPr>
+      <p:grpSpPr>
+        <a:xfrm>
+          <a:off x="0" y="0"/>
+          <a:ext cx="0" cy="0"/>
+          <a:chOff x="0" y="0"/>
+          <a:chExt cx="0" cy="0"/>
+        </a:xfrm>
+      </p:grpSpPr>
+      <p:sp>
+        <p:nvSpPr>
+          <p:cNvPr id="2" name="Title 1"/>
+          <p:cNvSpPr>
+            <a:spLocks noGrp="1"/>
+          </p:cNvSpPr>
+          <p:nvPr>
+            <p:ph type="title"/>
+          </p:nvPr>
+        </p:nvSpPr>
+        <p:spPr>
+          <a:xfrm>
+            <a:off x="457200" y="533400"/>
+            <a:ext cx="8229600" cy="1143000"/>
+          </a:xfrm>
+        </p:spPr>
+        <p:txBody>
+          <a:bodyPr>
+            <a:normAutofit/>
+          </a:bodyPr>
+          <a:lstStyle/>
+          <a:p>
+            <a:pPr algn="l"/>
+            <a:r>
+              <a:rPr lang="en-US" sz="2900" dirty="0" smtClean="0">
+                <a:solidFill>
+                  <a:schemeClr val="accent6"/>
+                </a:solidFill>
+              </a:rPr>
+              <a:t>JavaScript</a:t>
+            </a:r>
+            <a:r>
+              <a:rPr lang="bg-BG" sz="2900" dirty="0" smtClean="0">
+                <a:solidFill>
+                  <a:schemeClr val="accent6"/>
+                </a:solidFill>
+              </a:rPr>
+              <a:t> –</a:t>
+            </a:r>
+            <a:r>
+              <a:rPr lang="en-US" sz="2900" dirty="0">
+                <a:solidFill>
+                  <a:schemeClr val="accent6"/>
+                </a:solidFill>
+              </a:rPr>
+              <a:t> </a:t>
+            </a:r>
+            <a:r>
+              <a:rPr lang="bg-BG" sz="2900" dirty="0" smtClean="0">
+                <a:solidFill>
+                  <a:schemeClr val="accent6"/>
+                </a:solidFill>
+              </a:rPr>
+              <a:t>Събития</a:t>
+            </a:r>
+            <a:endParaRPr lang="en-US" sz="2900" dirty="0">
+              <a:solidFill>
+                <a:schemeClr val="accent6"/>
+              </a:solidFill>
+            </a:endParaRPr>
+          </a:p>
+        </p:txBody>
+      </p:sp>
+      <p:graphicFrame>
+        <p:nvGraphicFramePr>
+          <p:cNvPr id="5" name="Content Placeholder 4"/>
+          <p:cNvGraphicFramePr>
+            <a:graphicFrameLocks noGrp="1"/>
+          </p:cNvGraphicFramePr>
+          <p:nvPr>
+            <p:ph idx="1"/>
+            <p:extLst>
+              <p:ext uri="{D42A27DB-BD31-4B8C-83A1-F6EECF244321}">
+                <p14:modId xmlns:p14="http://schemas.microsoft.com/office/powerpoint/2010/main" val="3519424319"/>
+              </p:ext>
+            </p:extLst>
+          </p:nvPr>
+        </p:nvGraphicFramePr>
+        <p:xfrm>
+          <a:off x="481084" y="1905000"/>
+          <a:ext cx="8229600" cy="2931160"/>
+        </p:xfrm>
+        <a:graphic>
+          <a:graphicData uri="http://schemas.openxmlformats.org/drawingml/2006/table">
+            <a:tbl>
+              <a:tblPr firstRow="1" bandRow="1">
+                <a:tableStyleId>{5C22544A-7EE6-4342-B048-85BDC9FD1C3A}</a:tableStyleId>
+              </a:tblPr>
+              <a:tblGrid>
+                <a:gridCol w="3048000"/>
+                <a:gridCol w="5181600"/>
+              </a:tblGrid>
+              <a:tr h="370840">
+                <a:tc>
+                  <a:txBody>
+                    <a:bodyPr/>
+                    <a:lstStyle/>
+                    <a:p>
+                      <a:r>
+                        <a:rPr lang="bg-BG" dirty="0" smtClean="0"/>
+                        <a:t>Събитие</a:t>
+                      </a:r>
+                      <a:endParaRPr lang="en-US" dirty="0"/>
+                    </a:p>
+                  </a:txBody>
+                  <a:tcPr/>
+                </a:tc>
+                <a:tc>
+                  <a:txBody>
+                    <a:bodyPr/>
+                    <a:lstStyle/>
+                    <a:p>
+                      <a:r>
+                        <a:rPr lang="bg-BG" dirty="0" smtClean="0"/>
+                        <a:t>Описание</a:t>
+                      </a:r>
+                      <a:endParaRPr lang="en-US" dirty="0"/>
+                    </a:p>
+                  </a:txBody>
+                  <a:tcPr/>
+                </a:tc>
+              </a:tr>
+              <a:tr h="370840">
+                <a:tc>
+                  <a:txBody>
+                    <a:bodyPr/>
+                    <a:lstStyle/>
+                    <a:p>
+                      <a:pPr fontAlgn="t"/>
+                      <a:r>
+                        <a:rPr lang="en-US" dirty="0" err="1">
+                          <a:effectLst/>
+                        </a:rPr>
+                        <a:t>onchange</a:t>
+                      </a:r>
+                      <a:endParaRPr lang="en-US" dirty="0">
+                        <a:effectLst/>
+                      </a:endParaRPr>
+                    </a:p>
+                  </a:txBody>
+                  <a:tcPr marL="76200" marR="76200" marT="76200" marB="76200"/>
+                </a:tc>
+                <a:tc>
+                  <a:txBody>
+                    <a:bodyPr/>
+                    <a:lstStyle/>
+                    <a:p>
+                      <a:pPr fontAlgn="t"/>
+                      <a:r>
+                        <a:rPr lang="en-US" dirty="0" smtClean="0">
+                          <a:effectLst/>
+                        </a:rPr>
+                        <a:t>HTML </a:t>
+                      </a:r>
+                      <a:r>
+                        <a:rPr lang="bg-BG" dirty="0" smtClean="0">
+                          <a:effectLst/>
+                        </a:rPr>
+                        <a:t>елемент сменя състоянието си</a:t>
+                      </a:r>
+                      <a:endParaRPr lang="en-US" dirty="0">
+                        <a:effectLst/>
+                      </a:endParaRPr>
+                    </a:p>
+                  </a:txBody>
+                  <a:tcPr marL="76200" marR="76200" marT="76200" marB="76200"/>
+                </a:tc>
+              </a:tr>
+              <a:tr h="370840">
+                <a:tc>
+                  <a:txBody>
+                    <a:bodyPr/>
+                    <a:lstStyle/>
+                    <a:p>
+                      <a:pPr fontAlgn="t"/>
+                      <a:r>
+                        <a:rPr lang="en-US">
+                          <a:effectLst/>
+                        </a:rPr>
+                        <a:t>onclick</a:t>
+                      </a:r>
+                    </a:p>
+                  </a:txBody>
+                  <a:tcPr marL="76200" marR="76200" marT="76200" marB="76200"/>
+                </a:tc>
+                <a:tc>
+                  <a:txBody>
+                    <a:bodyPr/>
+                    <a:lstStyle/>
+                    <a:p>
+                      <a:pPr fontAlgn="t"/>
+                      <a:r>
+                        <a:rPr lang="en-US" dirty="0" smtClean="0">
+                          <a:effectLst/>
+                        </a:rPr>
+                        <a:t>HTML </a:t>
+                      </a:r>
+                      <a:r>
+                        <a:rPr lang="bg-BG" dirty="0" smtClean="0">
+                          <a:effectLst/>
+                        </a:rPr>
+                        <a:t>елемент е кликнат</a:t>
+                      </a:r>
+                      <a:endParaRPr lang="en-US" dirty="0">
+                        <a:effectLst/>
+                      </a:endParaRPr>
+                    </a:p>
+                  </a:txBody>
+                  <a:tcPr marL="76200" marR="76200" marT="76200" marB="76200"/>
+                </a:tc>
+              </a:tr>
+              <a:tr h="370840">
+                <a:tc>
+                  <a:txBody>
+                    <a:bodyPr/>
+                    <a:lstStyle/>
+                    <a:p>
+                      <a:pPr fontAlgn="t"/>
+                      <a:r>
+                        <a:rPr lang="en-US">
+                          <a:effectLst/>
+                        </a:rPr>
+                        <a:t>onmouseover</a:t>
+                      </a:r>
+                    </a:p>
+                  </a:txBody>
+                  <a:tcPr marL="76200" marR="76200" marT="76200" marB="76200"/>
+                </a:tc>
+                <a:tc>
+                  <a:txBody>
+                    <a:bodyPr/>
+                    <a:lstStyle/>
+                    <a:p>
+                      <a:pPr fontAlgn="t"/>
+                      <a:r>
+                        <a:rPr lang="en-US" dirty="0" smtClean="0">
+                          <a:effectLst/>
+                        </a:rPr>
+                        <a:t>HTML </a:t>
+                      </a:r>
+                      <a:r>
+                        <a:rPr lang="bg-BG" dirty="0" smtClean="0">
+                          <a:effectLst/>
+                        </a:rPr>
+                        <a:t>елемент е </a:t>
+                      </a:r>
+                      <a:r>
+                        <a:rPr lang="en-US" dirty="0" smtClean="0">
+                          <a:effectLst/>
+                        </a:rPr>
+                        <a:t>hover-</a:t>
+                      </a:r>
+                      <a:r>
+                        <a:rPr lang="bg-BG" dirty="0" smtClean="0">
+                          <a:effectLst/>
+                        </a:rPr>
+                        <a:t>нат</a:t>
+                      </a:r>
+                      <a:endParaRPr lang="en-US" dirty="0">
+                        <a:effectLst/>
+                      </a:endParaRPr>
+                    </a:p>
+                  </a:txBody>
+                  <a:tcPr marL="76200" marR="76200" marT="76200" marB="76200"/>
+                </a:tc>
+              </a:tr>
+              <a:tr h="370840">
+                <a:tc>
+                  <a:txBody>
+                    <a:bodyPr/>
+                    <a:lstStyle/>
+                    <a:p>
+                      <a:pPr fontAlgn="t"/>
+                      <a:r>
+                        <a:rPr lang="en-US">
+                          <a:effectLst/>
+                        </a:rPr>
+                        <a:t>onmouseout</a:t>
+                      </a:r>
+                    </a:p>
+                  </a:txBody>
+                  <a:tcPr marL="76200" marR="76200" marT="76200" marB="76200"/>
+                </a:tc>
+                <a:tc>
+                  <a:txBody>
+                    <a:bodyPr/>
+                    <a:lstStyle/>
+                    <a:p>
+                      <a:pPr fontAlgn="t"/>
+                      <a:r>
+                        <a:rPr lang="en-US" dirty="0" smtClean="0">
+                          <a:effectLst/>
+                        </a:rPr>
+                        <a:t>HTML</a:t>
+                      </a:r>
+                      <a:r>
+                        <a:rPr lang="en-US" baseline="0" dirty="0" smtClean="0">
+                          <a:effectLst/>
+                        </a:rPr>
+                        <a:t> </a:t>
+                      </a:r>
+                      <a:r>
+                        <a:rPr lang="bg-BG" baseline="0" dirty="0" smtClean="0">
+                          <a:effectLst/>
+                        </a:rPr>
+                        <a:t>елемент е </a:t>
+                      </a:r>
+                      <a:r>
+                        <a:rPr lang="en-US" baseline="0" dirty="0" err="1" smtClean="0">
+                          <a:effectLst/>
+                        </a:rPr>
+                        <a:t>hoverout</a:t>
+                      </a:r>
+                      <a:r>
+                        <a:rPr lang="en-US" baseline="0" dirty="0" smtClean="0">
+                          <a:effectLst/>
+                        </a:rPr>
+                        <a:t>-</a:t>
+                      </a:r>
+                      <a:r>
+                        <a:rPr lang="bg-BG" baseline="0" dirty="0" smtClean="0">
+                          <a:effectLst/>
+                        </a:rPr>
+                        <a:t>нат</a:t>
+                      </a:r>
+                      <a:endParaRPr lang="en-US" dirty="0">
+                        <a:effectLst/>
+                      </a:endParaRPr>
+                    </a:p>
+                  </a:txBody>
+                  <a:tcPr marL="76200" marR="76200" marT="76200" marB="76200"/>
+                </a:tc>
+              </a:tr>
+              <a:tr h="370840">
+                <a:tc>
+                  <a:txBody>
+                    <a:bodyPr/>
+                    <a:lstStyle/>
+                    <a:p>
+                      <a:pPr fontAlgn="t"/>
+                      <a:r>
+                        <a:rPr lang="en-US">
+                          <a:effectLst/>
+                        </a:rPr>
+                        <a:t>onkeydown</a:t>
+                      </a:r>
+                    </a:p>
+                  </a:txBody>
+                  <a:tcPr marL="76200" marR="76200" marT="76200" marB="76200"/>
+                </a:tc>
+                <a:tc>
+                  <a:txBody>
+                    <a:bodyPr/>
+                    <a:lstStyle/>
+                    <a:p>
+                      <a:pPr fontAlgn="t"/>
+                      <a:r>
+                        <a:rPr lang="bg-BG" dirty="0" smtClean="0">
+                          <a:effectLst/>
+                        </a:rPr>
+                        <a:t>Потребител</a:t>
+                      </a:r>
+                      <a:r>
+                        <a:rPr lang="bg-BG" baseline="0" dirty="0" smtClean="0">
+                          <a:effectLst/>
+                        </a:rPr>
+                        <a:t> натиска клавиш от клавиатурата</a:t>
+                      </a:r>
+                      <a:endParaRPr lang="en-US" dirty="0">
+                        <a:effectLst/>
+                      </a:endParaRPr>
+                    </a:p>
+                  </a:txBody>
+                  <a:tcPr marL="76200" marR="76200" marT="76200" marB="76200"/>
+                </a:tc>
+              </a:tr>
+              <a:tr h="370840">
+                <a:tc>
+                  <a:txBody>
+                    <a:bodyPr/>
+                    <a:lstStyle/>
+                    <a:p>
+                      <a:pPr fontAlgn="t"/>
+                      <a:r>
+                        <a:rPr lang="en-US" dirty="0" err="1">
+                          <a:effectLst/>
+                        </a:rPr>
+                        <a:t>onload</a:t>
+                      </a:r>
+                      <a:endParaRPr lang="en-US" dirty="0">
+                        <a:effectLst/>
+                      </a:endParaRPr>
+                    </a:p>
+                  </a:txBody>
+                  <a:tcPr marL="76200" marR="76200" marT="76200" marB="76200"/>
+                </a:tc>
+                <a:tc>
+                  <a:txBody>
+                    <a:bodyPr/>
+                    <a:lstStyle/>
+                    <a:p>
+                      <a:pPr fontAlgn="t"/>
+                      <a:r>
+                        <a:rPr lang="bg-BG" dirty="0" smtClean="0">
+                          <a:effectLst/>
+                        </a:rPr>
+                        <a:t>Браузърът е завършил зареждането на страницата</a:t>
+                      </a:r>
+                      <a:endParaRPr lang="en-US" dirty="0">
+                        <a:effectLst/>
+                      </a:endParaRPr>
+                    </a:p>
+                  </a:txBody>
+                  <a:tcPr marL="76200" marR="76200" marT="76200" marB="76200"/>
+                </a:tc>
+              </a:tr>
+            </a:tbl>
+          </a:graphicData>
+        </a:graphic>
+      </p:graphicFrame>
+      <p:sp>
+        <p:nvSpPr>
+          <p:cNvPr id="6" name="TextBox 5"/>
+          <p:cNvSpPr txBox="1"/>
+          <p:nvPr/>
+        </p:nvSpPr>
+        <p:spPr>
+          <a:xfrm>
+            <a:off x="425355" y="1491734"/>
+            <a:ext cx="3459793" cy="369332"/>
+          </a:xfrm>
+          <a:prstGeom prst="rect">
+            <a:avLst/>
+          </a:prstGeom>
+          <a:noFill/>
+        </p:spPr>
+        <p:txBody>
+          <a:bodyPr wrap="none" rtlCol="0">
+            <a:spAutoFit/>
+          </a:bodyPr>
+          <a:lstStyle/>
+          <a:p>
+            <a:r>
+              <a:rPr lang="bg-BG" dirty="0" smtClean="0">
+                <a:solidFill>
+                  <a:schemeClr val="bg1"/>
+                </a:solidFill>
+              </a:rPr>
+              <a:t>Най-често срещаните събития са:</a:t>
+            </a:r>
+            <a:endParaRPr lang="en-US" dirty="0">
+              <a:solidFill>
+                <a:schemeClr val="bg1"/>
+              </a:solidFill>
+            </a:endParaRPr>
+          </a:p>
+        </p:txBody>
+      </p:sp>
+    </p:spTree>
+    <p:extLst>
+      <p:ext uri="{BB962C8B-B14F-4D97-AF65-F5344CB8AC3E}">
+        <p14:creationId xmlns:p14="http://schemas.microsoft.com/office/powerpoint/2010/main" val="1172131543"/>
+      </p:ext>
+    </p:extLst>
+  </p:cSld>
+  <p:clrMapOvr>
+    <a:masterClrMapping/>
+  </p:clrMapOvr>
+</p:sld>
+</file>
+
+<file path=ppt/slides/slide65.xml><?xml version="1.0" encoding="utf-8"?>
+<p:sld xmlns:a="http://schemas.openxmlformats.org/drawingml/2006/main" xmlns:r="http://schemas.openxmlformats.org/officeDocument/2006/relationships" xmlns:p="http://schemas.openxmlformats.org/presentationml/2006/main">
+  <p:cSld>
+    <p:spTree>
+      <p:nvGrpSpPr>
+        <p:cNvPr id="1" name=""/>
+        <p:cNvGrpSpPr/>
+        <p:nvPr/>
+      </p:nvGrpSpPr>
+      <p:grpSpPr>
+        <a:xfrm>
+          <a:off x="0" y="0"/>
+          <a:ext cx="0" cy="0"/>
+          <a:chOff x="0" y="0"/>
+          <a:chExt cx="0" cy="0"/>
+        </a:xfrm>
+      </p:grpSpPr>
+      <p:sp>
+        <p:nvSpPr>
+          <p:cNvPr id="2" name="Title 1"/>
+          <p:cNvSpPr>
+            <a:spLocks noGrp="1"/>
+          </p:cNvSpPr>
+          <p:nvPr>
+            <p:ph type="title"/>
+          </p:nvPr>
+        </p:nvSpPr>
+        <p:spPr>
+          <a:xfrm>
+            <a:off x="457200" y="533400"/>
+            <a:ext cx="8229600" cy="1143000"/>
+          </a:xfrm>
+        </p:spPr>
+        <p:txBody>
+          <a:bodyPr>
+            <a:normAutofit/>
+          </a:bodyPr>
+          <a:lstStyle/>
+          <a:p>
+            <a:pPr algn="l"/>
+            <a:r>
+              <a:rPr lang="en-US" sz="2900" dirty="0" smtClean="0">
+                <a:solidFill>
+                  <a:schemeClr val="accent6"/>
+                </a:solidFill>
+              </a:rPr>
+              <a:t>JavaScript</a:t>
+            </a:r>
+            <a:r>
+              <a:rPr lang="bg-BG" sz="2900" dirty="0" smtClean="0">
+                <a:solidFill>
+                  <a:schemeClr val="accent6"/>
+                </a:solidFill>
+              </a:rPr>
+              <a:t> –</a:t>
+            </a:r>
+            <a:r>
+              <a:rPr lang="en-US" sz="2900" dirty="0">
+                <a:solidFill>
+                  <a:schemeClr val="accent6"/>
+                </a:solidFill>
+              </a:rPr>
+              <a:t> </a:t>
+            </a:r>
+            <a:r>
+              <a:rPr lang="bg-BG" sz="2900" dirty="0" smtClean="0">
+                <a:solidFill>
+                  <a:schemeClr val="accent6"/>
+                </a:solidFill>
+              </a:rPr>
+              <a:t>Събития</a:t>
+            </a:r>
+            <a:endParaRPr lang="en-US" sz="2900" dirty="0">
+              <a:solidFill>
+                <a:schemeClr val="accent6"/>
+              </a:solidFill>
+            </a:endParaRPr>
+          </a:p>
+        </p:txBody>
+      </p:sp>
+      <p:sp>
+        <p:nvSpPr>
+          <p:cNvPr id="6" name="TextBox 5"/>
+          <p:cNvSpPr txBox="1"/>
+          <p:nvPr/>
+        </p:nvSpPr>
+        <p:spPr>
+          <a:xfrm>
+            <a:off x="425355" y="1491734"/>
+            <a:ext cx="8718645" cy="3554819"/>
+          </a:xfrm>
+          <a:prstGeom prst="rect">
+            <a:avLst/>
+          </a:prstGeom>
+          <a:noFill/>
+        </p:spPr>
+        <p:txBody>
+          <a:bodyPr wrap="square" rtlCol="0">
+            <a:spAutoFit/>
+          </a:bodyPr>
+          <a:lstStyle/>
+          <a:p>
+            <a:r>
+              <a:rPr lang="bg-BG" sz="2500" dirty="0" smtClean="0">
+                <a:solidFill>
+                  <a:schemeClr val="bg1"/>
+                </a:solidFill>
+              </a:rPr>
+              <a:t>С помощта на </a:t>
+            </a:r>
+            <a:r>
+              <a:rPr lang="en-US" sz="2500" dirty="0" smtClean="0">
+                <a:solidFill>
+                  <a:schemeClr val="bg1"/>
+                </a:solidFill>
+              </a:rPr>
+              <a:t>JavaScript </a:t>
+            </a:r>
+            <a:r>
+              <a:rPr lang="bg-BG" sz="2500" dirty="0" smtClean="0">
+                <a:solidFill>
+                  <a:schemeClr val="bg1"/>
+                </a:solidFill>
+              </a:rPr>
+              <a:t>събитията може да:</a:t>
+            </a:r>
+          </a:p>
+          <a:p>
+            <a:pPr marL="342900" indent="-342900">
+              <a:buFontTx/>
+              <a:buChar char="-"/>
+            </a:pPr>
+            <a:r>
+              <a:rPr lang="bg-BG" sz="2500" dirty="0" smtClean="0">
+                <a:solidFill>
+                  <a:schemeClr val="bg1"/>
+                </a:solidFill>
+              </a:rPr>
+              <a:t>Проверяваме дали дадено поле е попълнено и какви са данните в него</a:t>
+            </a:r>
+          </a:p>
+          <a:p>
+            <a:pPr marL="342900" indent="-342900">
+              <a:buFontTx/>
+              <a:buChar char="-"/>
+            </a:pPr>
+            <a:r>
+              <a:rPr lang="bg-BG" sz="2500" dirty="0" smtClean="0">
+                <a:solidFill>
+                  <a:schemeClr val="bg1"/>
+                </a:solidFill>
+              </a:rPr>
+              <a:t>Извършваме някакво действие, когато страницата се зареди</a:t>
+            </a:r>
+          </a:p>
+          <a:p>
+            <a:pPr marL="342900" indent="-342900">
+              <a:buFontTx/>
+              <a:buChar char="-"/>
+            </a:pPr>
+            <a:r>
+              <a:rPr lang="bg-BG" sz="2500" dirty="0" smtClean="0">
+                <a:solidFill>
+                  <a:schemeClr val="bg1"/>
+                </a:solidFill>
+              </a:rPr>
+              <a:t>Извършваме някакво действие, когато стрницата се затвори</a:t>
+            </a:r>
+          </a:p>
+          <a:p>
+            <a:pPr marL="342900" indent="-342900">
+              <a:buFontTx/>
+              <a:buChar char="-"/>
+            </a:pPr>
+            <a:r>
+              <a:rPr lang="bg-BG" sz="2500" dirty="0" smtClean="0">
+                <a:solidFill>
+                  <a:schemeClr val="bg1"/>
+                </a:solidFill>
+              </a:rPr>
+              <a:t>Извършваме някакво действие, когато потребителят кликне върху линк</a:t>
+            </a:r>
+          </a:p>
+          <a:p>
+            <a:pPr marL="342900" indent="-342900">
+              <a:buFontTx/>
+              <a:buChar char="-"/>
+            </a:pPr>
+            <a:r>
+              <a:rPr lang="bg-BG" sz="2500" dirty="0" smtClean="0">
+                <a:solidFill>
+                  <a:schemeClr val="bg1"/>
+                </a:solidFill>
+              </a:rPr>
+              <a:t>Извикваме дефинирани функции</a:t>
+            </a:r>
+          </a:p>
+          <a:p>
+            <a:pPr marL="342900" indent="-342900">
+              <a:buFontTx/>
+              <a:buChar char="-"/>
+            </a:pPr>
+            <a:r>
+              <a:rPr lang="bg-BG" sz="2500" dirty="0" smtClean="0">
+                <a:solidFill>
+                  <a:schemeClr val="bg1"/>
+                </a:solidFill>
+              </a:rPr>
+              <a:t>Спрем действията по подразбиране на </a:t>
+            </a:r>
+            <a:r>
+              <a:rPr lang="en-US" sz="2500" dirty="0" smtClean="0">
+                <a:solidFill>
+                  <a:schemeClr val="bg1"/>
+                </a:solidFill>
+              </a:rPr>
+              <a:t>HTML </a:t>
+            </a:r>
+            <a:r>
+              <a:rPr lang="bg-BG" sz="2500" dirty="0" smtClean="0">
+                <a:solidFill>
+                  <a:schemeClr val="bg1"/>
+                </a:solidFill>
+              </a:rPr>
+              <a:t>елемент</a:t>
+            </a:r>
+          </a:p>
+        </p:txBody>
+      </p:sp>
+    </p:spTree>
+    <p:extLst>
+      <p:ext uri="{BB962C8B-B14F-4D97-AF65-F5344CB8AC3E}">
+        <p14:creationId xmlns:p14="http://schemas.microsoft.com/office/powerpoint/2010/main" val="3435537964"/>
+      </p:ext>
+    </p:extLst>
+  </p:cSld>
+  <p:clrMapOvr>
+    <a:masterClrMapping/>
+  </p:clrMapOvr>
+</p:sld>
+</file>
+
+<file path=ppt/slides/slide66.xml><?xml version="1.0" encoding="utf-8"?>
+<p:sld xmlns:a="http://schemas.openxmlformats.org/drawingml/2006/main" xmlns:r="http://schemas.openxmlformats.org/officeDocument/2006/relationships" xmlns:p="http://schemas.openxmlformats.org/presentationml/2006/main">
+  <p:cSld>
+    <p:spTree>
+      <p:nvGrpSpPr>
+        <p:cNvPr id="1" name=""/>
+        <p:cNvGrpSpPr/>
+        <p:nvPr/>
+      </p:nvGrpSpPr>
+      <p:grpSpPr>
+        <a:xfrm>
+          <a:off x="0" y="0"/>
+          <a:ext cx="0" cy="0"/>
+          <a:chOff x="0" y="0"/>
+          <a:chExt cx="0" cy="0"/>
+        </a:xfrm>
+      </p:grpSpPr>
+      <p:sp>
+        <p:nvSpPr>
+          <p:cNvPr id="2" name="Title 1"/>
+          <p:cNvSpPr>
+            <a:spLocks noGrp="1"/>
+          </p:cNvSpPr>
+          <p:nvPr>
+            <p:ph type="title"/>
+          </p:nvPr>
+        </p:nvSpPr>
+        <p:spPr>
+          <a:xfrm>
+            <a:off x="838200" y="685800"/>
+            <a:ext cx="8229600" cy="1143000"/>
+          </a:xfrm>
+        </p:spPr>
+        <p:txBody>
+          <a:bodyPr/>
+          <a:lstStyle/>
+          <a:p>
+            <a:pPr algn="l"/>
+            <a:r>
+              <a:rPr lang="bg-BG" dirty="0" smtClean="0">
+                <a:solidFill>
+                  <a:schemeClr val="accent6"/>
+                </a:solidFill>
+              </a:rPr>
+              <a:t>Въпроси</a:t>
+            </a:r>
+            <a:endParaRPr lang="bg-BG" dirty="0">
+              <a:solidFill>
+                <a:schemeClr val="accent6"/>
+              </a:solidFill>
+            </a:endParaRPr>
+          </a:p>
+        </p:txBody>
+      </p:sp>
+      <p:sp>
+        <p:nvSpPr>
+          <p:cNvPr id="3" name="Content Placeholder 2"/>
+          <p:cNvSpPr>
+            <a:spLocks noGrp="1"/>
+          </p:cNvSpPr>
+          <p:nvPr>
+            <p:ph idx="1"/>
+          </p:nvPr>
+        </p:nvSpPr>
+        <p:spPr>
+          <a:xfrm>
+            <a:off x="762000" y="1676400"/>
+            <a:ext cx="7620000" cy="4525963"/>
+          </a:xfrm>
+        </p:spPr>
+        <p:txBody>
+          <a:bodyPr>
+            <a:normAutofit/>
+          </a:bodyPr>
+          <a:lstStyle/>
+          <a:p>
+            <a:pPr>
+              <a:buFont typeface="Wingdings" panose="05000000000000000000" pitchFamily="2" charset="2"/>
+              <a:buChar char="§"/>
+            </a:pPr>
+            <a:endParaRPr lang="en-US" dirty="0">
+              <a:solidFill>
+                <a:schemeClr val="bg1">
+                  <a:lumMod val="95000"/>
+                </a:schemeClr>
+              </a:solidFill>
+            </a:endParaRPr>
+          </a:p>
+          <a:p>
+            <a:pPr>
+              <a:buFont typeface="Wingdings" panose="05000000000000000000" pitchFamily="2" charset="2"/>
+              <a:buChar char="§"/>
+            </a:pPr>
+            <a:endParaRPr lang="en-US" dirty="0">
+              <a:solidFill>
+                <a:schemeClr val="bg1">
+                  <a:lumMod val="95000"/>
+                </a:schemeClr>
+              </a:solidFill>
+            </a:endParaRPr>
+          </a:p>
+          <a:p>
+            <a:pPr>
+              <a:buFont typeface="Wingdings" panose="05000000000000000000" pitchFamily="2" charset="2"/>
+              <a:buChar char="§"/>
+            </a:pPr>
+            <a:endParaRPr lang="en-US" dirty="0">
+              <a:solidFill>
+                <a:schemeClr val="bg1">
+                  <a:lumMod val="95000"/>
+                </a:schemeClr>
+              </a:solidFill>
+            </a:endParaRPr>
+          </a:p>
+          <a:p>
+            <a:pPr>
+              <a:buFont typeface="Wingdings" panose="05000000000000000000" pitchFamily="2" charset="2"/>
+              <a:buChar char="§"/>
+            </a:pPr>
+            <a:endParaRPr lang="en-US" dirty="0">
+              <a:solidFill>
+                <a:schemeClr val="bg1">
+                  <a:lumMod val="95000"/>
+                </a:schemeClr>
+              </a:solidFill>
+            </a:endParaRPr>
+          </a:p>
+        </p:txBody>
+      </p:sp>
+      <p:pic>
+        <p:nvPicPr>
+          <p:cNvPr id="1027" name="Picture 3" descr="C:\Users\Lazar\Desktop\01-red-question-mark1.jpg"/>
+          <p:cNvPicPr>
+            <a:picLocks noChangeAspect="1" noChangeArrowheads="1"/>
+          </p:cNvPicPr>
+          <p:nvPr/>
+        </p:nvPicPr>
+        <p:blipFill>
+          <a:blip r:embed="rId2" cstate="print">
+            <a:extLst>
+              <a:ext uri="{28A0092B-C50C-407E-A947-70E740481C1C}">
+                <a14:useLocalDpi xmlns:a14="http://schemas.microsoft.com/office/drawing/2010/main" val="0"/>
+              </a:ext>
+            </a:extLst>
+          </a:blip>
+          <a:srcRect/>
+          <a:stretch>
+            <a:fillRect/>
+          </a:stretch>
+        </p:blipFill>
+        <p:spPr bwMode="auto">
+          <a:xfrm>
+            <a:off x="3505200" y="2057400"/>
+            <a:ext cx="2419082" cy="2419082"/>
+          </a:xfrm>
+          <a:prstGeom prst="rect">
+            <a:avLst/>
+          </a:prstGeom>
+          <a:noFill/>
+          <a:extLst>
+            <a:ext uri="{909E8E84-426E-40DD-AFC4-6F175D3DCCD1}">
+              <a14:hiddenFill xmlns:a14="http://schemas.microsoft.com/office/drawing/2010/main">
+                <a:solidFill>
+                  <a:srgbClr val="FFFFFF"/>
+                </a:solidFill>
+              </a14:hiddenFill>
+            </a:ext>
+          </a:extLst>
+        </p:spPr>
+      </p:pic>
+    </p:spTree>
+    <p:extLst>
+      <p:ext uri="{BB962C8B-B14F-4D97-AF65-F5344CB8AC3E}">
+        <p14:creationId xmlns:p14="http://schemas.microsoft.com/office/powerpoint/2010/main" val="1088608090"/>
+      </p:ext>
+    </p:extLst>
+  </p:cSld>
+  <p:clrMapOvr>
+    <a:masterClrMapping/>
+  </p:clrMapOvr>
+  <p:timing>
+    <p:tnLst>
+      <p:par>
+        <p:cTn id="1" dur="indefinite" restart="never" nodeType="tmRoot"/>
+      </p:par>
+    </p:tnLst>
+  </p:timing>
+</p:sld>
+</file>
+
+<file path=ppt/slides/slide67.xml><?xml version="1.0" encoding="utf-8"?>
+<p:sld xmlns:a="http://schemas.openxmlformats.org/drawingml/2006/main" xmlns:r="http://schemas.openxmlformats.org/officeDocument/2006/relationships" xmlns:p="http://schemas.openxmlformats.org/presentationml/2006/main">
+  <p:cSld>
+    <p:spTree>
+      <p:nvGrpSpPr>
+        <p:cNvPr id="1" name=""/>
+        <p:cNvGrpSpPr/>
+        <p:nvPr/>
+      </p:nvGrpSpPr>
+      <p:grpSpPr>
+        <a:xfrm>
+          <a:off x="0" y="0"/>
+          <a:ext cx="0" cy="0"/>
+          <a:chOff x="0" y="0"/>
+          <a:chExt cx="0" cy="0"/>
+        </a:xfrm>
+      </p:grpSpPr>
+      <p:sp>
+        <p:nvSpPr>
+          <p:cNvPr id="2" name="Title 1"/>
+          <p:cNvSpPr>
+            <a:spLocks noGrp="1"/>
+          </p:cNvSpPr>
+          <p:nvPr>
+            <p:ph type="title"/>
+          </p:nvPr>
+        </p:nvSpPr>
+        <p:spPr>
+          <a:xfrm>
+            <a:off x="838200" y="685800"/>
+            <a:ext cx="8229600" cy="1143000"/>
+          </a:xfrm>
+        </p:spPr>
+        <p:txBody>
+          <a:bodyPr/>
+          <a:lstStyle/>
+          <a:p>
+            <a:pPr algn="l"/>
+            <a:r>
+              <a:rPr lang="bg-BG" dirty="0" smtClean="0">
+                <a:solidFill>
+                  <a:schemeClr val="accent6"/>
+                </a:solidFill>
+              </a:rPr>
+              <a:t>Задачи за домашна работа</a:t>
+            </a:r>
+            <a:endParaRPr lang="bg-BG" dirty="0">
+              <a:solidFill>
+                <a:schemeClr val="accent6"/>
+              </a:solidFill>
+            </a:endParaRPr>
+          </a:p>
+        </p:txBody>
+      </p:sp>
+      <p:sp>
+        <p:nvSpPr>
+          <p:cNvPr id="3" name="Content Placeholder 2"/>
+          <p:cNvSpPr>
+            <a:spLocks noGrp="1"/>
+          </p:cNvSpPr>
+          <p:nvPr>
+            <p:ph idx="1"/>
+          </p:nvPr>
+        </p:nvSpPr>
+        <p:spPr>
+          <a:xfrm>
+            <a:off x="762000" y="1676400"/>
+            <a:ext cx="7620000" cy="4648200"/>
+          </a:xfrm>
+        </p:spPr>
+        <p:txBody>
+          <a:bodyPr>
+            <a:noAutofit/>
+          </a:bodyPr>
+          <a:lstStyle/>
+          <a:p>
+            <a:pPr marL="457200" indent="-457200">
+              <a:buAutoNum type="arabicPeriod"/>
+            </a:pPr>
+            <a:r>
+              <a:rPr lang="bg-BG" sz="2000" b="1" dirty="0" smtClean="0">
+                <a:solidFill>
+                  <a:schemeClr val="bg1">
+                    <a:lumMod val="95000"/>
+                  </a:schemeClr>
+                </a:solidFill>
+              </a:rPr>
+              <a:t>Напишете израз, който </a:t>
+            </a:r>
+            <a:r>
+              <a:rPr lang="en-US" sz="2000" b="1" dirty="0" smtClean="0">
+                <a:solidFill>
+                  <a:schemeClr val="bg1">
+                    <a:lumMod val="95000"/>
+                  </a:schemeClr>
+                </a:solidFill>
+              </a:rPr>
+              <a:t>console.log-</a:t>
+            </a:r>
+            <a:r>
+              <a:rPr lang="bg-BG" sz="2000" b="1" dirty="0" smtClean="0">
+                <a:solidFill>
+                  <a:schemeClr val="bg1">
+                    <a:lumMod val="95000"/>
+                  </a:schemeClr>
+                </a:solidFill>
+              </a:rPr>
+              <a:t>ва всички числа от 1 до 300.</a:t>
+            </a:r>
+          </a:p>
+          <a:p>
+            <a:pPr marL="457200" indent="-457200">
+              <a:buAutoNum type="arabicPeriod"/>
+            </a:pPr>
+            <a:r>
+              <a:rPr lang="bg-BG" sz="2000" b="1" dirty="0" smtClean="0">
+                <a:solidFill>
+                  <a:schemeClr val="bg1">
+                    <a:lumMod val="95000"/>
+                  </a:schemeClr>
+                </a:solidFill>
+              </a:rPr>
+              <a:t>Напишете израз, който проверява дали дадено число се дели на 3.</a:t>
+            </a:r>
+          </a:p>
+          <a:p>
+            <a:pPr marL="457200" indent="-457200">
+              <a:buAutoNum type="arabicPeriod"/>
+            </a:pPr>
+            <a:r>
+              <a:rPr lang="bg-BG" sz="2000" b="1" dirty="0" smtClean="0">
+                <a:solidFill>
+                  <a:schemeClr val="bg1">
+                    <a:lumMod val="95000"/>
+                  </a:schemeClr>
+                </a:solidFill>
+              </a:rPr>
+              <a:t>Напишете израз, който проверява дали дадено число се дели едновременно на 4 и на 7.(използвайте вложени </a:t>
+            </a:r>
+            <a:r>
+              <a:rPr lang="en-US" sz="2000" b="1" dirty="0" smtClean="0">
+                <a:solidFill>
+                  <a:schemeClr val="bg1">
+                    <a:lumMod val="95000"/>
+                  </a:schemeClr>
+                </a:solidFill>
+              </a:rPr>
+              <a:t>if-else</a:t>
+            </a:r>
+            <a:r>
+              <a:rPr lang="bg-BG" sz="2000" b="1" dirty="0" smtClean="0">
+                <a:solidFill>
+                  <a:schemeClr val="bg1">
+                    <a:lumMod val="95000"/>
+                  </a:schemeClr>
+                </a:solidFill>
+              </a:rPr>
+              <a:t> оператори</a:t>
+            </a:r>
+            <a:r>
+              <a:rPr lang="en-US" sz="2000" b="1" dirty="0" smtClean="0">
+                <a:solidFill>
+                  <a:schemeClr val="bg1">
+                    <a:lumMod val="95000"/>
+                  </a:schemeClr>
+                </a:solidFill>
+              </a:rPr>
+              <a:t>).</a:t>
+            </a:r>
+          </a:p>
+          <a:p>
+            <a:pPr marL="457200" indent="-457200">
+              <a:buAutoNum type="arabicPeriod"/>
+            </a:pPr>
+            <a:r>
+              <a:rPr lang="bg-BG" sz="2000" b="1" dirty="0" smtClean="0">
+                <a:solidFill>
+                  <a:schemeClr val="bg1">
+                    <a:lumMod val="95000"/>
+                  </a:schemeClr>
+                </a:solidFill>
+              </a:rPr>
+              <a:t>Напишете израз, който пресмята площта на правоъгълник чрез определени ширина и дължина.</a:t>
+            </a:r>
+          </a:p>
+          <a:p>
+            <a:pPr marL="457200" indent="-457200">
+              <a:buAutoNum type="arabicPeriod"/>
+            </a:pPr>
+            <a:r>
+              <a:rPr lang="bg-BG" sz="2000" b="1" dirty="0" smtClean="0">
+                <a:solidFill>
+                  <a:schemeClr val="bg1">
+                    <a:lumMod val="95000"/>
+                  </a:schemeClr>
+                </a:solidFill>
+              </a:rPr>
+              <a:t>Напишете израз, който пресмята площта на трапец по дадени страна А, страна </a:t>
+            </a:r>
+            <a:r>
+              <a:rPr lang="en-US" sz="2000" b="1" dirty="0" smtClean="0">
+                <a:solidFill>
+                  <a:schemeClr val="bg1">
+                    <a:lumMod val="95000"/>
+                  </a:schemeClr>
+                </a:solidFill>
+              </a:rPr>
+              <a:t>B </a:t>
+            </a:r>
+            <a:r>
+              <a:rPr lang="bg-BG" sz="2000" b="1" dirty="0" smtClean="0">
+                <a:solidFill>
+                  <a:schemeClr val="bg1">
+                    <a:lumMod val="95000"/>
+                  </a:schemeClr>
+                </a:solidFill>
+              </a:rPr>
+              <a:t>и височина </a:t>
+            </a:r>
+            <a:r>
+              <a:rPr lang="en-US" sz="2000" b="1" dirty="0" smtClean="0">
+                <a:solidFill>
+                  <a:schemeClr val="bg1">
+                    <a:lumMod val="95000"/>
+                  </a:schemeClr>
+                </a:solidFill>
+              </a:rPr>
+              <a:t>h.</a:t>
+            </a:r>
+          </a:p>
+          <a:p>
+            <a:pPr marL="457200" indent="-457200">
+              <a:buAutoNum type="arabicPeriod"/>
+            </a:pPr>
+            <a:r>
+              <a:rPr lang="bg-BG" sz="2000" b="1" dirty="0" smtClean="0">
+                <a:solidFill>
+                  <a:schemeClr val="bg1">
+                    <a:lumMod val="95000"/>
+                  </a:schemeClr>
+                </a:solidFill>
+              </a:rPr>
+              <a:t>Напишете израз, който намира най-голямото от 3 числа(използвайки вложени </a:t>
+            </a:r>
+            <a:r>
+              <a:rPr lang="en-US" sz="2000" b="1" dirty="0" smtClean="0">
+                <a:solidFill>
+                  <a:schemeClr val="bg1">
+                    <a:lumMod val="95000"/>
+                  </a:schemeClr>
+                </a:solidFill>
+              </a:rPr>
+              <a:t>if-else </a:t>
+            </a:r>
+            <a:r>
+              <a:rPr lang="bg-BG" sz="2000" b="1" dirty="0" smtClean="0">
+                <a:solidFill>
+                  <a:schemeClr val="bg1">
+                    <a:lumMod val="95000"/>
+                  </a:schemeClr>
+                </a:solidFill>
+              </a:rPr>
+              <a:t>оператори).</a:t>
+            </a:r>
+          </a:p>
+        </p:txBody>
+      </p:sp>
+    </p:spTree>
+    <p:extLst>
+      <p:ext uri="{BB962C8B-B14F-4D97-AF65-F5344CB8AC3E}">
+        <p14:creationId xmlns:p14="http://schemas.microsoft.com/office/powerpoint/2010/main" val="2761577980"/>
+      </p:ext>
+    </p:extLst>
+  </p:cSld>
+  <p:clrMapOvr>
+    <a:masterClrMapping/>
+  </p:clrMapOvr>
+  <p:timing>
+    <p:tnLst>
+      <p:par>
+        <p:cTn id="1" dur="indefinite" restart="never" nodeType="tmRoot"/>
+      </p:par>
+    </p:tnLst>
+  </p:timing>
+</p:sld>
+</file>
+
+<file path=ppt/slides/slide68.xml><?xml version="1.0" encoding="utf-8"?>
+<p:sld xmlns:a="http://schemas.openxmlformats.org/drawingml/2006/main" xmlns:r="http://schemas.openxmlformats.org/officeDocument/2006/relationships" xmlns:p="http://schemas.openxmlformats.org/presentationml/2006/main">
+  <p:cSld>
+    <p:spTree>
+      <p:nvGrpSpPr>
+        <p:cNvPr id="1" name=""/>
+        <p:cNvGrpSpPr/>
+        <p:nvPr/>
+      </p:nvGrpSpPr>
+      <p:grpSpPr>
+        <a:xfrm>
+          <a:off x="0" y="0"/>
+          <a:ext cx="0" cy="0"/>
+          <a:chOff x="0" y="0"/>
+          <a:chExt cx="0" cy="0"/>
+        </a:xfrm>
+      </p:grpSpPr>
+      <p:sp>
+        <p:nvSpPr>
+          <p:cNvPr id="2" name="Title 1"/>
+          <p:cNvSpPr>
+            <a:spLocks noGrp="1"/>
+          </p:cNvSpPr>
+          <p:nvPr>
+            <p:ph type="title"/>
+          </p:nvPr>
+        </p:nvSpPr>
+        <p:spPr>
+          <a:xfrm>
+            <a:off x="838200" y="685800"/>
+            <a:ext cx="8229600" cy="1143000"/>
+          </a:xfrm>
+        </p:spPr>
+        <p:txBody>
+          <a:bodyPr/>
+          <a:lstStyle/>
+          <a:p>
+            <a:pPr algn="l"/>
+            <a:r>
+              <a:rPr lang="bg-BG" dirty="0" smtClean="0">
+                <a:solidFill>
+                  <a:schemeClr val="accent6"/>
+                </a:solidFill>
+              </a:rPr>
+              <a:t>Задачи за домашна работа</a:t>
+            </a:r>
+            <a:endParaRPr lang="bg-BG" dirty="0">
+              <a:solidFill>
+                <a:schemeClr val="accent6"/>
+              </a:solidFill>
+            </a:endParaRPr>
+          </a:p>
+        </p:txBody>
+      </p:sp>
+      <p:sp>
+        <p:nvSpPr>
+          <p:cNvPr id="3" name="Content Placeholder 2"/>
+          <p:cNvSpPr>
+            <a:spLocks noGrp="1"/>
+          </p:cNvSpPr>
+          <p:nvPr>
+            <p:ph idx="1"/>
+          </p:nvPr>
+        </p:nvSpPr>
+        <p:spPr>
+          <a:xfrm>
+            <a:off x="762000" y="1676400"/>
+            <a:ext cx="7620000" cy="4648200"/>
+          </a:xfrm>
+        </p:spPr>
+        <p:txBody>
+          <a:bodyPr>
+            <a:noAutofit/>
+          </a:bodyPr>
+          <a:lstStyle/>
+          <a:p>
+            <a:pPr marL="0" indent="0">
+              <a:buNone/>
+            </a:pPr>
+            <a:r>
+              <a:rPr lang="bg-BG" sz="2000" b="1" dirty="0" smtClean="0">
+                <a:solidFill>
+                  <a:schemeClr val="bg1">
+                    <a:lumMod val="95000"/>
+                  </a:schemeClr>
+                </a:solidFill>
+              </a:rPr>
+              <a:t>7.     Напишете </a:t>
+            </a:r>
+            <a:r>
+              <a:rPr lang="bg-BG" sz="2000" b="1" dirty="0">
+                <a:solidFill>
+                  <a:schemeClr val="bg1">
+                    <a:lumMod val="95000"/>
+                  </a:schemeClr>
+                </a:solidFill>
+              </a:rPr>
+              <a:t>израз, който намира всички делими на 7 числа, които се намират в интервала от 50 до 100.</a:t>
+            </a:r>
+          </a:p>
+          <a:p>
+            <a:pPr marL="457200" indent="-457200">
+              <a:buAutoNum type="arabicPeriod" startAt="8"/>
+            </a:pPr>
+            <a:r>
+              <a:rPr lang="bg-BG" sz="2000" b="1" dirty="0" smtClean="0">
+                <a:solidFill>
+                  <a:schemeClr val="bg1">
+                    <a:lumMod val="95000"/>
+                  </a:schemeClr>
+                </a:solidFill>
+              </a:rPr>
+              <a:t>Напишете </a:t>
+            </a:r>
+            <a:r>
+              <a:rPr lang="bg-BG" sz="2000" b="1" dirty="0">
+                <a:solidFill>
+                  <a:schemeClr val="bg1">
+                    <a:lumMod val="95000"/>
+                  </a:schemeClr>
+                </a:solidFill>
+              </a:rPr>
+              <a:t>израз, който намира всички делими на 4 и на 9 числа, които се намират в интервала от 20 до 60</a:t>
+            </a:r>
+            <a:r>
+              <a:rPr lang="bg-BG" sz="2000" b="1" dirty="0" smtClean="0">
+                <a:solidFill>
+                  <a:schemeClr val="bg1">
+                    <a:lumMod val="95000"/>
+                  </a:schemeClr>
+                </a:solidFill>
+              </a:rPr>
+              <a:t>.</a:t>
+            </a:r>
+          </a:p>
+          <a:p>
+            <a:pPr marL="457200" indent="-457200">
+              <a:buAutoNum type="arabicPeriod" startAt="8"/>
+            </a:pPr>
+            <a:endParaRPr lang="bg-BG" sz="2000" b="1" dirty="0">
+              <a:solidFill>
+                <a:schemeClr val="bg1">
+                  <a:lumMod val="95000"/>
+                </a:schemeClr>
+              </a:solidFill>
+            </a:endParaRPr>
+          </a:p>
+          <a:p>
+            <a:pPr marL="457200" indent="-457200">
+              <a:buAutoNum type="arabicPeriod" startAt="8"/>
+            </a:pPr>
+            <a:r>
+              <a:rPr lang="bg-BG" sz="2000" b="1" dirty="0" smtClean="0">
+                <a:solidFill>
+                  <a:schemeClr val="bg1">
+                    <a:lumMod val="95000"/>
+                  </a:schemeClr>
+                </a:solidFill>
+              </a:rPr>
+              <a:t>Напишете скрипт, който използва масив от 5 елемента и връща нов масив, който представлява индексите на стария, умножени по 7. Старият масив трябва да изглежда по следния начин:</a:t>
+            </a:r>
+          </a:p>
+          <a:p>
+            <a:pPr marL="400050" lvl="1" indent="0">
+              <a:buNone/>
+            </a:pPr>
+            <a:r>
+              <a:rPr lang="en-US" sz="2000" dirty="0" smtClean="0">
+                <a:solidFill>
+                  <a:schemeClr val="bg1">
+                    <a:lumMod val="95000"/>
+                  </a:schemeClr>
+                </a:solidFill>
+              </a:rPr>
+              <a:t>[6, 4, 3, 0, 9]</a:t>
+            </a:r>
+          </a:p>
+          <a:p>
+            <a:pPr marL="400050" lvl="1" indent="0">
+              <a:buNone/>
+            </a:pPr>
+            <a:r>
+              <a:rPr lang="bg-BG" sz="2000" b="1" dirty="0" smtClean="0">
+                <a:solidFill>
+                  <a:schemeClr val="bg1">
+                    <a:lumMod val="95000"/>
+                  </a:schemeClr>
+                </a:solidFill>
+              </a:rPr>
+              <a:t>Новият масив трябва изглежда по следния начин:</a:t>
+            </a:r>
+          </a:p>
+          <a:p>
+            <a:pPr marL="400050" lvl="1" indent="0">
+              <a:buNone/>
+            </a:pPr>
+            <a:r>
+              <a:rPr lang="en-US" sz="2000" dirty="0" smtClean="0">
+                <a:solidFill>
+                  <a:schemeClr val="bg1">
+                    <a:lumMod val="95000"/>
+                  </a:schemeClr>
+                </a:solidFill>
+              </a:rPr>
+              <a:t>[0, 7, 14, 21, 28]</a:t>
+            </a:r>
+            <a:endParaRPr lang="en-US" sz="2000" dirty="0">
+              <a:solidFill>
+                <a:schemeClr val="bg1">
+                  <a:lumMod val="95000"/>
+                </a:schemeClr>
+              </a:solidFill>
+            </a:endParaRPr>
+          </a:p>
+        </p:txBody>
+      </p:sp>
+    </p:spTree>
+    <p:extLst>
+      <p:ext uri="{BB962C8B-B14F-4D97-AF65-F5344CB8AC3E}">
+        <p14:creationId xmlns:p14="http://schemas.microsoft.com/office/powerpoint/2010/main" val="4182690710"/>
+      </p:ext>
+    </p:extLst>
+  </p:cSld>
+  <p:clrMapOvr>
+    <a:masterClrMapping/>
+  </p:clrMapOvr>
+  <p:timing>
+    <p:tnLst>
+      <p:par>
+        <p:cTn id="1" dur="indefinite" restart="never" nodeType="tmRoot"/>
+      </p:par>
+    </p:tnLst>
+  </p:timing>
+</p:sld>
+</file>
+
+<file path=ppt/slides/slide69.xml><?xml version="1.0" encoding="utf-8"?>
+<p:sld xmlns:a="http://schemas.openxmlformats.org/drawingml/2006/main" xmlns:r="http://schemas.openxmlformats.org/officeDocument/2006/relationships" xmlns:p="http://schemas.openxmlformats.org/presentationml/2006/main">
+  <p:cSld>
+    <p:spTree>
+      <p:nvGrpSpPr>
+        <p:cNvPr id="1" name=""/>
+        <p:cNvGrpSpPr/>
+        <p:nvPr/>
+      </p:nvGrpSpPr>
+      <p:grpSpPr>
+        <a:xfrm>
+          <a:off x="0" y="0"/>
+          <a:ext cx="0" cy="0"/>
+          <a:chOff x="0" y="0"/>
+          <a:chExt cx="0" cy="0"/>
+        </a:xfrm>
+      </p:grpSpPr>
+      <p:sp>
+        <p:nvSpPr>
+          <p:cNvPr id="2" name="Title 1"/>
+          <p:cNvSpPr>
+            <a:spLocks noGrp="1"/>
+          </p:cNvSpPr>
+          <p:nvPr>
+            <p:ph type="title"/>
+          </p:nvPr>
+        </p:nvSpPr>
+        <p:spPr>
+          <a:xfrm>
+            <a:off x="838200" y="685800"/>
+            <a:ext cx="8229600" cy="1143000"/>
+          </a:xfrm>
+        </p:spPr>
+        <p:txBody>
+          <a:bodyPr/>
+          <a:lstStyle/>
+          <a:p>
+            <a:pPr algn="l"/>
+            <a:r>
+              <a:rPr lang="bg-BG" dirty="0" smtClean="0">
+                <a:solidFill>
+                  <a:schemeClr val="accent6"/>
+                </a:solidFill>
+              </a:rPr>
+              <a:t>Задачи за домашна работа</a:t>
+            </a:r>
+            <a:endParaRPr lang="bg-BG" dirty="0">
+              <a:solidFill>
+                <a:schemeClr val="accent6"/>
+              </a:solidFill>
+            </a:endParaRPr>
+          </a:p>
+        </p:txBody>
+      </p:sp>
+      <p:sp>
+        <p:nvSpPr>
+          <p:cNvPr id="3" name="Content Placeholder 2"/>
+          <p:cNvSpPr>
+            <a:spLocks noGrp="1"/>
+          </p:cNvSpPr>
+          <p:nvPr>
+            <p:ph idx="1"/>
+          </p:nvPr>
+        </p:nvSpPr>
+        <p:spPr>
+          <a:xfrm>
+            <a:off x="762000" y="1676400"/>
+            <a:ext cx="7620000" cy="4648200"/>
+          </a:xfrm>
+        </p:spPr>
+        <p:txBody>
+          <a:bodyPr>
+            <a:noAutofit/>
+          </a:bodyPr>
+          <a:lstStyle/>
+          <a:p>
+            <a:pPr marL="0" indent="0">
+              <a:buNone/>
+            </a:pPr>
+            <a:r>
+              <a:rPr lang="en-US" sz="2000" b="1" dirty="0">
+                <a:solidFill>
+                  <a:schemeClr val="bg1">
+                    <a:lumMod val="95000"/>
+                  </a:schemeClr>
+                </a:solidFill>
+              </a:rPr>
+              <a:t>10. </a:t>
+            </a:r>
+            <a:r>
+              <a:rPr lang="bg-BG" sz="2000" b="1" dirty="0">
+                <a:solidFill>
+                  <a:schemeClr val="bg1">
+                    <a:lumMod val="95000"/>
+                  </a:schemeClr>
+                </a:solidFill>
+              </a:rPr>
+              <a:t>Напишете скрипт, който намира най-често срещаното число в седния масйв: </a:t>
+            </a:r>
+            <a:endParaRPr lang="en-US" sz="2000" b="1" dirty="0">
+              <a:solidFill>
+                <a:schemeClr val="bg1">
+                  <a:lumMod val="95000"/>
+                </a:schemeClr>
+              </a:solidFill>
+            </a:endParaRPr>
+          </a:p>
+          <a:p>
+            <a:pPr marL="0" indent="0">
+              <a:buNone/>
+            </a:pPr>
+            <a:r>
+              <a:rPr lang="en-US" sz="2000" b="1" dirty="0">
+                <a:solidFill>
+                  <a:schemeClr val="bg1">
+                    <a:lumMod val="95000"/>
+                  </a:schemeClr>
+                </a:solidFill>
+              </a:rPr>
+              <a:t>       </a:t>
+            </a:r>
+            <a:r>
+              <a:rPr lang="en-US" sz="2000" dirty="0">
+                <a:solidFill>
+                  <a:schemeClr val="bg1">
+                    <a:lumMod val="95000"/>
+                  </a:schemeClr>
+                </a:solidFill>
+              </a:rPr>
+              <a:t>[0, 4, 1, 3, 4, 6, 3, 4, 9, 9, 4, 1, 4]</a:t>
+            </a:r>
+            <a:endParaRPr lang="bg-BG" sz="2000" dirty="0">
+              <a:solidFill>
+                <a:schemeClr val="bg1">
+                  <a:lumMod val="95000"/>
+                </a:schemeClr>
+              </a:solidFill>
+            </a:endParaRPr>
+          </a:p>
+        </p:txBody>
+      </p:sp>
+    </p:spTree>
+    <p:extLst>
+      <p:ext uri="{BB962C8B-B14F-4D97-AF65-F5344CB8AC3E}">
+        <p14:creationId xmlns:p14="http://schemas.microsoft.com/office/powerpoint/2010/main" val="3118085067"/>
       </p:ext>
     </p:extLst>
   </p:cSld>

--- a/10-JavaScript-Basics.pptx
+++ b/10-JavaScript-Basics.pptx
@@ -5,7 +5,7 @@
     <p:sldMasterId id="2147483648" r:id="rId1"/>
   </p:sldMasterIdLst>
   <p:notesMasterIdLst>
-    <p:notesMasterId r:id="rId71"/>
+    <p:notesMasterId r:id="rId78"/>
   </p:notesMasterIdLst>
   <p:sldIdLst>
     <p:sldId id="256" r:id="rId2"/>
@@ -70,13 +70,20 @@
     <p:sldId id="351" r:id="rId61"/>
     <p:sldId id="352" r:id="rId62"/>
     <p:sldId id="353" r:id="rId63"/>
-    <p:sldId id="354" r:id="rId64"/>
-    <p:sldId id="355" r:id="rId65"/>
-    <p:sldId id="356" r:id="rId66"/>
-    <p:sldId id="265" r:id="rId67"/>
-    <p:sldId id="269" r:id="rId68"/>
-    <p:sldId id="333" r:id="rId69"/>
-    <p:sldId id="345" r:id="rId70"/>
+    <p:sldId id="361" r:id="rId64"/>
+    <p:sldId id="354" r:id="rId65"/>
+    <p:sldId id="355" r:id="rId66"/>
+    <p:sldId id="356" r:id="rId67"/>
+    <p:sldId id="357" r:id="rId68"/>
+    <p:sldId id="358" r:id="rId69"/>
+    <p:sldId id="359" r:id="rId70"/>
+    <p:sldId id="360" r:id="rId71"/>
+    <p:sldId id="362" r:id="rId72"/>
+    <p:sldId id="363" r:id="rId73"/>
+    <p:sldId id="265" r:id="rId74"/>
+    <p:sldId id="269" r:id="rId75"/>
+    <p:sldId id="333" r:id="rId76"/>
+    <p:sldId id="345" r:id="rId77"/>
   </p:sldIdLst>
   <p:sldSz cx="9144000" cy="6858000" type="screen4x3"/>
   <p:notesSz cx="6858000" cy="9144000"/>
@@ -288,7 +295,7 @@
           <a:p>
             <a:fld id="{2E054F57-E93D-4CC3-8A27-2F256E70BB98}" type="datetimeFigureOut">
               <a:rPr lang="en-US" smtClean="0"/>
-              <a:t>30 Aug 15</a:t>
+              <a:t>31 Aug 15</a:t>
             </a:fld>
             <a:endParaRPr lang="en-US"/>
           </a:p>
@@ -737,7 +744,7 @@
           <a:p>
             <a:fld id="{3EA744D9-3FBE-48D8-BF2A-85DF203E4D20}" type="datetimeFigureOut">
               <a:rPr lang="bg-BG" smtClean="0"/>
-              <a:t>30.8.2015 г.</a:t>
+              <a:t>31.8.2015 г.</a:t>
             </a:fld>
             <a:endParaRPr lang="bg-BG"/>
           </a:p>
@@ -907,7 +914,7 @@
           <a:p>
             <a:fld id="{3EA744D9-3FBE-48D8-BF2A-85DF203E4D20}" type="datetimeFigureOut">
               <a:rPr lang="bg-BG" smtClean="0"/>
-              <a:t>30.8.2015 г.</a:t>
+              <a:t>31.8.2015 г.</a:t>
             </a:fld>
             <a:endParaRPr lang="bg-BG"/>
           </a:p>
@@ -1087,7 +1094,7 @@
           <a:p>
             <a:fld id="{3EA744D9-3FBE-48D8-BF2A-85DF203E4D20}" type="datetimeFigureOut">
               <a:rPr lang="bg-BG" smtClean="0"/>
-              <a:t>30.8.2015 г.</a:t>
+              <a:t>31.8.2015 г.</a:t>
             </a:fld>
             <a:endParaRPr lang="bg-BG"/>
           </a:p>
@@ -1257,7 +1264,7 @@
           <a:p>
             <a:fld id="{3EA744D9-3FBE-48D8-BF2A-85DF203E4D20}" type="datetimeFigureOut">
               <a:rPr lang="bg-BG" smtClean="0"/>
-              <a:t>30.8.2015 г.</a:t>
+              <a:t>31.8.2015 г.</a:t>
             </a:fld>
             <a:endParaRPr lang="bg-BG"/>
           </a:p>
@@ -1503,7 +1510,7 @@
           <a:p>
             <a:fld id="{3EA744D9-3FBE-48D8-BF2A-85DF203E4D20}" type="datetimeFigureOut">
               <a:rPr lang="bg-BG" smtClean="0"/>
-              <a:t>30.8.2015 г.</a:t>
+              <a:t>31.8.2015 г.</a:t>
             </a:fld>
             <a:endParaRPr lang="bg-BG"/>
           </a:p>
@@ -1791,7 +1798,7 @@
           <a:p>
             <a:fld id="{3EA744D9-3FBE-48D8-BF2A-85DF203E4D20}" type="datetimeFigureOut">
               <a:rPr lang="bg-BG" smtClean="0"/>
-              <a:t>30.8.2015 г.</a:t>
+              <a:t>31.8.2015 г.</a:t>
             </a:fld>
             <a:endParaRPr lang="bg-BG"/>
           </a:p>
@@ -2213,7 +2220,7 @@
           <a:p>
             <a:fld id="{3EA744D9-3FBE-48D8-BF2A-85DF203E4D20}" type="datetimeFigureOut">
               <a:rPr lang="bg-BG" smtClean="0"/>
-              <a:t>30.8.2015 г.</a:t>
+              <a:t>31.8.2015 г.</a:t>
             </a:fld>
             <a:endParaRPr lang="bg-BG"/>
           </a:p>
@@ -2331,7 +2338,7 @@
           <a:p>
             <a:fld id="{3EA744D9-3FBE-48D8-BF2A-85DF203E4D20}" type="datetimeFigureOut">
               <a:rPr lang="bg-BG" smtClean="0"/>
-              <a:t>30.8.2015 г.</a:t>
+              <a:t>31.8.2015 г.</a:t>
             </a:fld>
             <a:endParaRPr lang="bg-BG"/>
           </a:p>
@@ -2426,7 +2433,7 @@
           <a:p>
             <a:fld id="{3EA744D9-3FBE-48D8-BF2A-85DF203E4D20}" type="datetimeFigureOut">
               <a:rPr lang="bg-BG" smtClean="0"/>
-              <a:t>30.8.2015 г.</a:t>
+              <a:t>31.8.2015 г.</a:t>
             </a:fld>
             <a:endParaRPr lang="bg-BG"/>
           </a:p>
@@ -2703,7 +2710,7 @@
           <a:p>
             <a:fld id="{3EA744D9-3FBE-48D8-BF2A-85DF203E4D20}" type="datetimeFigureOut">
               <a:rPr lang="bg-BG" smtClean="0"/>
-              <a:t>30.8.2015 г.</a:t>
+              <a:t>31.8.2015 г.</a:t>
             </a:fld>
             <a:endParaRPr lang="bg-BG"/>
           </a:p>
@@ -2956,7 +2963,7 @@
           <a:p>
             <a:fld id="{3EA744D9-3FBE-48D8-BF2A-85DF203E4D20}" type="datetimeFigureOut">
               <a:rPr lang="bg-BG" smtClean="0"/>
-              <a:t>30.8.2015 г.</a:t>
+              <a:t>31.8.2015 г.</a:t>
             </a:fld>
             <a:endParaRPr lang="bg-BG"/>
           </a:p>
@@ -3178,7 +3185,7 @@
           <a:p>
             <a:fld id="{3EA744D9-3FBE-48D8-BF2A-85DF203E4D20}" type="datetimeFigureOut">
               <a:rPr lang="bg-BG" smtClean="0"/>
-              <a:t>30.8.2015 г.</a:t>
+              <a:t>31.8.2015 г.</a:t>
             </a:fld>
             <a:endParaRPr lang="bg-BG"/>
           </a:p>
@@ -22171,13 +22178,6 @@
               </a:rPr>
               <a:t>Функциите могат да приемат аргументи, които се изреждат в кръглите скоби.</a:t>
             </a:r>
-            <a:endParaRPr lang="bg-BG" sz="2500" dirty="0" smtClean="0">
-              <a:solidFill>
-                <a:schemeClr val="bg1"/>
-              </a:solidFill>
-              <a:latin typeface="+mj-lt"/>
-              <a:cs typeface="Courier New" panose="02070309020205020404" pitchFamily="49" charset="0"/>
-            </a:endParaRPr>
           </a:p>
         </p:txBody>
       </p:sp>
@@ -25259,12 +25259,20 @@
               <a:t> </a:t>
             </a:r>
             <a:r>
+              <a:rPr lang="en-US" sz="2900" dirty="0" smtClean="0">
+                <a:solidFill>
+                  <a:schemeClr val="accent6"/>
+                </a:solidFill>
+              </a:rPr>
+              <a:t>DOM </a:t>
+            </a:r>
+            <a:r>
               <a:rPr lang="bg-BG" sz="2900" dirty="0" smtClean="0">
                 <a:solidFill>
                   <a:schemeClr val="accent6"/>
                 </a:solidFill>
               </a:rPr>
-              <a:t>Събития</a:t>
+              <a:t>Елементи</a:t>
             </a:r>
             <a:endParaRPr lang="en-US" sz="2900" dirty="0"/>
           </a:p>
@@ -25296,6 +25304,536 @@
               <a:buNone/>
             </a:pPr>
             <a:r>
+              <a:rPr lang="en-US" sz="2500" dirty="0" smtClean="0">
+                <a:solidFill>
+                  <a:schemeClr val="bg1"/>
+                </a:solidFill>
+                <a:latin typeface="+mj-lt"/>
+                <a:cs typeface="Courier New" panose="02070309020205020404" pitchFamily="49" charset="0"/>
+              </a:rPr>
+              <a:t>DOM</a:t>
+            </a:r>
+            <a:r>
+              <a:rPr lang="bg-BG" sz="2500" dirty="0" smtClean="0">
+                <a:solidFill>
+                  <a:schemeClr val="bg1"/>
+                </a:solidFill>
+                <a:latin typeface="+mj-lt"/>
+                <a:cs typeface="Courier New" panose="02070309020205020404" pitchFamily="49" charset="0"/>
+              </a:rPr>
+              <a:t> означава </a:t>
+            </a:r>
+            <a:r>
+              <a:rPr lang="en-US" sz="2500" dirty="0" smtClean="0">
+                <a:solidFill>
+                  <a:schemeClr val="bg1"/>
+                </a:solidFill>
+                <a:latin typeface="+mj-lt"/>
+                <a:cs typeface="Courier New" panose="02070309020205020404" pitchFamily="49" charset="0"/>
+              </a:rPr>
+              <a:t>Document Object Model </a:t>
+            </a:r>
+            <a:r>
+              <a:rPr lang="bg-BG" sz="2500" dirty="0" smtClean="0">
+                <a:solidFill>
+                  <a:schemeClr val="bg1"/>
+                </a:solidFill>
+                <a:latin typeface="+mj-lt"/>
+                <a:cs typeface="Courier New" panose="02070309020205020404" pitchFamily="49" charset="0"/>
+              </a:rPr>
+              <a:t>и представлява структурата на нашата уеб страница. Обектът </a:t>
+            </a:r>
+            <a:r>
+              <a:rPr lang="en-US" sz="2500" dirty="0" smtClean="0">
+                <a:solidFill>
+                  <a:schemeClr val="bg1"/>
+                </a:solidFill>
+                <a:latin typeface="+mj-lt"/>
+                <a:cs typeface="Courier New" panose="02070309020205020404" pitchFamily="49" charset="0"/>
+              </a:rPr>
+              <a:t>document </a:t>
+            </a:r>
+            <a:r>
+              <a:rPr lang="bg-BG" sz="2500" dirty="0" smtClean="0">
+                <a:solidFill>
+                  <a:schemeClr val="bg1"/>
+                </a:solidFill>
+                <a:latin typeface="+mj-lt"/>
+                <a:cs typeface="Courier New" panose="02070309020205020404" pitchFamily="49" charset="0"/>
+              </a:rPr>
+              <a:t>е „родителят“ на всички елементи в страницата. Ако трябва да достъпим някой елемент в страницата, първо трябва да достъпим </a:t>
+            </a:r>
+            <a:r>
+              <a:rPr lang="en-US" sz="2500" dirty="0" smtClean="0">
+                <a:solidFill>
+                  <a:schemeClr val="bg1"/>
+                </a:solidFill>
+                <a:latin typeface="+mj-lt"/>
+                <a:cs typeface="Courier New" panose="02070309020205020404" pitchFamily="49" charset="0"/>
+              </a:rPr>
+              <a:t>document </a:t>
+            </a:r>
+            <a:r>
+              <a:rPr lang="bg-BG" sz="2500" dirty="0" smtClean="0">
+                <a:solidFill>
+                  <a:schemeClr val="bg1"/>
+                </a:solidFill>
+                <a:latin typeface="+mj-lt"/>
+                <a:cs typeface="Courier New" panose="02070309020205020404" pitchFamily="49" charset="0"/>
+              </a:rPr>
+              <a:t>обекта. </a:t>
+            </a:r>
+          </a:p>
+          <a:p>
+            <a:pPr marL="0" indent="0">
+              <a:buNone/>
+            </a:pPr>
+            <a:r>
+              <a:rPr lang="bg-BG" sz="2500" dirty="0" smtClean="0">
+                <a:solidFill>
+                  <a:schemeClr val="bg1"/>
+                </a:solidFill>
+                <a:latin typeface="+mj-lt"/>
+                <a:cs typeface="Courier New" panose="02070309020205020404" pitchFamily="49" charset="0"/>
+              </a:rPr>
+              <a:t>Има няколко начина за достъпване на </a:t>
+            </a:r>
+            <a:r>
+              <a:rPr lang="en-US" sz="2500" dirty="0" smtClean="0">
+                <a:solidFill>
+                  <a:schemeClr val="bg1"/>
+                </a:solidFill>
+                <a:latin typeface="+mj-lt"/>
+                <a:cs typeface="Courier New" panose="02070309020205020404" pitchFamily="49" charset="0"/>
+              </a:rPr>
+              <a:t>HTML </a:t>
+            </a:r>
+            <a:r>
+              <a:rPr lang="bg-BG" sz="2500" dirty="0" smtClean="0">
+                <a:solidFill>
+                  <a:schemeClr val="bg1"/>
+                </a:solidFill>
+                <a:latin typeface="+mj-lt"/>
+                <a:cs typeface="Courier New" panose="02070309020205020404" pitchFamily="49" charset="0"/>
+              </a:rPr>
+              <a:t>елементи:</a:t>
+            </a:r>
+          </a:p>
+          <a:p>
+            <a:pPr>
+              <a:buFontTx/>
+              <a:buChar char="-"/>
+            </a:pPr>
+            <a:r>
+              <a:rPr lang="bg-BG" sz="1800" dirty="0" smtClean="0">
+                <a:solidFill>
+                  <a:schemeClr val="bg1"/>
+                </a:solidFill>
+                <a:latin typeface="Courier New" panose="02070309020205020404" pitchFamily="49" charset="0"/>
+                <a:cs typeface="Courier New" panose="02070309020205020404" pitchFamily="49" charset="0"/>
+              </a:rPr>
+              <a:t>по </a:t>
+            </a:r>
+            <a:r>
+              <a:rPr lang="en-US" sz="1800" dirty="0" smtClean="0">
+                <a:solidFill>
+                  <a:schemeClr val="bg1"/>
+                </a:solidFill>
+                <a:latin typeface="Courier New" panose="02070309020205020404" pitchFamily="49" charset="0"/>
+                <a:cs typeface="Courier New" panose="02070309020205020404" pitchFamily="49" charset="0"/>
+              </a:rPr>
+              <a:t>ID – </a:t>
+            </a:r>
+            <a:r>
+              <a:rPr lang="en-US" sz="1800" dirty="0" err="1" smtClean="0">
+                <a:solidFill>
+                  <a:schemeClr val="bg1"/>
+                </a:solidFill>
+                <a:latin typeface="Courier New" panose="02070309020205020404" pitchFamily="49" charset="0"/>
+                <a:cs typeface="Courier New" panose="02070309020205020404" pitchFamily="49" charset="0"/>
+              </a:rPr>
+              <a:t>var</a:t>
+            </a:r>
+            <a:r>
+              <a:rPr lang="en-US" sz="1800" dirty="0" smtClean="0">
+                <a:solidFill>
+                  <a:schemeClr val="bg1"/>
+                </a:solidFill>
+                <a:latin typeface="Courier New" panose="02070309020205020404" pitchFamily="49" charset="0"/>
+                <a:cs typeface="Courier New" panose="02070309020205020404" pitchFamily="49" charset="0"/>
+              </a:rPr>
+              <a:t> el = </a:t>
+            </a:r>
+            <a:r>
+              <a:rPr lang="en-US" sz="1800" dirty="0" err="1" smtClean="0">
+                <a:solidFill>
+                  <a:schemeClr val="bg1"/>
+                </a:solidFill>
+                <a:latin typeface="Courier New" panose="02070309020205020404" pitchFamily="49" charset="0"/>
+                <a:cs typeface="Courier New" panose="02070309020205020404" pitchFamily="49" charset="0"/>
+              </a:rPr>
+              <a:t>document.getElementById</a:t>
+            </a:r>
+            <a:r>
+              <a:rPr lang="en-US" sz="1800" dirty="0" smtClean="0">
+                <a:solidFill>
+                  <a:schemeClr val="bg1"/>
+                </a:solidFill>
+                <a:latin typeface="Courier New" panose="02070309020205020404" pitchFamily="49" charset="0"/>
+                <a:cs typeface="Courier New" panose="02070309020205020404" pitchFamily="49" charset="0"/>
+              </a:rPr>
+              <a:t>(‘id’);</a:t>
+            </a:r>
+            <a:endParaRPr lang="bg-BG" sz="1800" dirty="0" smtClean="0">
+              <a:solidFill>
+                <a:schemeClr val="bg1"/>
+              </a:solidFill>
+              <a:latin typeface="Courier New" panose="02070309020205020404" pitchFamily="49" charset="0"/>
+              <a:cs typeface="Courier New" panose="02070309020205020404" pitchFamily="49" charset="0"/>
+            </a:endParaRPr>
+          </a:p>
+          <a:p>
+            <a:pPr>
+              <a:buFontTx/>
+              <a:buChar char="-"/>
+            </a:pPr>
+            <a:r>
+              <a:rPr lang="bg-BG" sz="1800" dirty="0" smtClean="0">
+                <a:solidFill>
+                  <a:schemeClr val="bg1"/>
+                </a:solidFill>
+                <a:latin typeface="Courier New" panose="02070309020205020404" pitchFamily="49" charset="0"/>
+                <a:cs typeface="Courier New" panose="02070309020205020404" pitchFamily="49" charset="0"/>
+              </a:rPr>
+              <a:t>по клас – </a:t>
+            </a:r>
+            <a:r>
+              <a:rPr lang="en-US" sz="1800" dirty="0" err="1" smtClean="0">
+                <a:solidFill>
+                  <a:schemeClr val="bg1"/>
+                </a:solidFill>
+                <a:latin typeface="Courier New" panose="02070309020205020404" pitchFamily="49" charset="0"/>
+                <a:cs typeface="Courier New" panose="02070309020205020404" pitchFamily="49" charset="0"/>
+              </a:rPr>
+              <a:t>var</a:t>
+            </a:r>
+            <a:r>
+              <a:rPr lang="en-US" sz="1800" dirty="0" smtClean="0">
+                <a:solidFill>
+                  <a:schemeClr val="bg1"/>
+                </a:solidFill>
+                <a:latin typeface="Courier New" panose="02070309020205020404" pitchFamily="49" charset="0"/>
+                <a:cs typeface="Courier New" panose="02070309020205020404" pitchFamily="49" charset="0"/>
+              </a:rPr>
+              <a:t> el = </a:t>
+            </a:r>
+            <a:r>
+              <a:rPr lang="en-US" sz="1800" dirty="0" err="1" smtClean="0">
+                <a:solidFill>
+                  <a:schemeClr val="bg1"/>
+                </a:solidFill>
+                <a:latin typeface="Courier New" panose="02070309020205020404" pitchFamily="49" charset="0"/>
+                <a:cs typeface="Courier New" panose="02070309020205020404" pitchFamily="49" charset="0"/>
+              </a:rPr>
+              <a:t>document.getElementByClassName</a:t>
+            </a:r>
+            <a:r>
+              <a:rPr lang="en-US" sz="1800" dirty="0" smtClean="0">
+                <a:solidFill>
+                  <a:schemeClr val="bg1"/>
+                </a:solidFill>
+                <a:latin typeface="Courier New" panose="02070309020205020404" pitchFamily="49" charset="0"/>
+                <a:cs typeface="Courier New" panose="02070309020205020404" pitchFamily="49" charset="0"/>
+              </a:rPr>
+              <a:t>(‘class’);</a:t>
+            </a:r>
+            <a:endParaRPr lang="bg-BG" sz="1800" dirty="0">
+              <a:solidFill>
+                <a:schemeClr val="bg1"/>
+              </a:solidFill>
+              <a:latin typeface="Courier New" panose="02070309020205020404" pitchFamily="49" charset="0"/>
+              <a:cs typeface="Courier New" panose="02070309020205020404" pitchFamily="49" charset="0"/>
+            </a:endParaRPr>
+          </a:p>
+          <a:p>
+            <a:pPr>
+              <a:buFontTx/>
+              <a:buChar char="-"/>
+            </a:pPr>
+            <a:r>
+              <a:rPr lang="bg-BG" sz="1800" dirty="0" smtClean="0">
+                <a:solidFill>
+                  <a:schemeClr val="bg1"/>
+                </a:solidFill>
+                <a:latin typeface="Courier New" panose="02070309020205020404" pitchFamily="49" charset="0"/>
+                <a:cs typeface="Courier New" panose="02070309020205020404" pitchFamily="49" charset="0"/>
+              </a:rPr>
+              <a:t>по таг – </a:t>
+            </a:r>
+            <a:r>
+              <a:rPr lang="en-US" sz="1800" dirty="0" err="1" smtClean="0">
+                <a:solidFill>
+                  <a:schemeClr val="bg1"/>
+                </a:solidFill>
+                <a:latin typeface="Courier New" panose="02070309020205020404" pitchFamily="49" charset="0"/>
+                <a:cs typeface="Courier New" panose="02070309020205020404" pitchFamily="49" charset="0"/>
+              </a:rPr>
+              <a:t>var</a:t>
+            </a:r>
+            <a:r>
+              <a:rPr lang="en-US" sz="1800" dirty="0" smtClean="0">
+                <a:solidFill>
+                  <a:schemeClr val="bg1"/>
+                </a:solidFill>
+                <a:latin typeface="Courier New" panose="02070309020205020404" pitchFamily="49" charset="0"/>
+                <a:cs typeface="Courier New" panose="02070309020205020404" pitchFamily="49" charset="0"/>
+              </a:rPr>
+              <a:t> el </a:t>
+            </a:r>
+            <a:r>
+              <a:rPr lang="en-US" sz="1800" dirty="0">
+                <a:solidFill>
+                  <a:schemeClr val="bg1"/>
+                </a:solidFill>
+                <a:latin typeface="Courier New" panose="02070309020205020404" pitchFamily="49" charset="0"/>
+                <a:cs typeface="Courier New" panose="02070309020205020404" pitchFamily="49" charset="0"/>
+              </a:rPr>
+              <a:t>= </a:t>
+            </a:r>
+            <a:r>
+              <a:rPr lang="en-US" sz="1800" dirty="0" err="1" smtClean="0">
+                <a:solidFill>
+                  <a:schemeClr val="bg1"/>
+                </a:solidFill>
+                <a:latin typeface="Courier New" panose="02070309020205020404" pitchFamily="49" charset="0"/>
+                <a:cs typeface="Courier New" panose="02070309020205020404" pitchFamily="49" charset="0"/>
+              </a:rPr>
+              <a:t>document.getElementsByTagName</a:t>
+            </a:r>
+            <a:r>
+              <a:rPr lang="en-US" sz="1800" dirty="0" smtClean="0">
+                <a:solidFill>
+                  <a:schemeClr val="bg1"/>
+                </a:solidFill>
+                <a:latin typeface="Courier New" panose="02070309020205020404" pitchFamily="49" charset="0"/>
+                <a:cs typeface="Courier New" panose="02070309020205020404" pitchFamily="49" charset="0"/>
+              </a:rPr>
+              <a:t>(‘p’);</a:t>
+            </a:r>
+          </a:p>
+          <a:p>
+            <a:pPr>
+              <a:buFontTx/>
+              <a:buChar char="-"/>
+            </a:pPr>
+            <a:r>
+              <a:rPr lang="bg-BG" sz="1800" dirty="0" smtClean="0">
+                <a:solidFill>
+                  <a:schemeClr val="bg1"/>
+                </a:solidFill>
+                <a:latin typeface="Courier New" panose="02070309020205020404" pitchFamily="49" charset="0"/>
+                <a:cs typeface="Courier New" panose="02070309020205020404" pitchFamily="49" charset="0"/>
+              </a:rPr>
+              <a:t>По </a:t>
+            </a:r>
+            <a:r>
+              <a:rPr lang="en-US" sz="1800" dirty="0" smtClean="0">
+                <a:solidFill>
+                  <a:schemeClr val="bg1"/>
+                </a:solidFill>
+                <a:latin typeface="Courier New" panose="02070309020205020404" pitchFamily="49" charset="0"/>
+                <a:cs typeface="Courier New" panose="02070309020205020404" pitchFamily="49" charset="0"/>
+              </a:rPr>
+              <a:t>CSS selector </a:t>
+            </a:r>
+            <a:r>
+              <a:rPr lang="bg-BG" sz="1800" dirty="0" smtClean="0">
+                <a:solidFill>
+                  <a:schemeClr val="bg1"/>
+                </a:solidFill>
+                <a:latin typeface="Courier New" panose="02070309020205020404" pitchFamily="49" charset="0"/>
+                <a:cs typeface="Courier New" panose="02070309020205020404" pitchFamily="49" charset="0"/>
+              </a:rPr>
+              <a:t>– </a:t>
+            </a:r>
+            <a:r>
+              <a:rPr lang="en-US" sz="1800" dirty="0" err="1" smtClean="0">
+                <a:solidFill>
+                  <a:schemeClr val="bg1"/>
+                </a:solidFill>
+                <a:latin typeface="Courier New" panose="02070309020205020404" pitchFamily="49" charset="0"/>
+                <a:cs typeface="Courier New" panose="02070309020205020404" pitchFamily="49" charset="0"/>
+              </a:rPr>
+              <a:t>var</a:t>
+            </a:r>
+            <a:r>
+              <a:rPr lang="en-US" sz="1800" dirty="0" smtClean="0">
+                <a:solidFill>
+                  <a:schemeClr val="bg1"/>
+                </a:solidFill>
+                <a:latin typeface="Courier New" panose="02070309020205020404" pitchFamily="49" charset="0"/>
+                <a:cs typeface="Courier New" panose="02070309020205020404" pitchFamily="49" charset="0"/>
+              </a:rPr>
+              <a:t> el = </a:t>
+            </a:r>
+            <a:r>
+              <a:rPr lang="en-US" sz="1800" dirty="0" err="1" smtClean="0">
+                <a:solidFill>
+                  <a:schemeClr val="bg1"/>
+                </a:solidFill>
+                <a:latin typeface="Courier New" panose="02070309020205020404" pitchFamily="49" charset="0"/>
+                <a:cs typeface="Courier New" panose="02070309020205020404" pitchFamily="49" charset="0"/>
+              </a:rPr>
+              <a:t>document.querySelectorAll</a:t>
+            </a:r>
+            <a:r>
+              <a:rPr lang="en-US" sz="1800" dirty="0" smtClean="0">
+                <a:solidFill>
+                  <a:schemeClr val="bg1"/>
+                </a:solidFill>
+                <a:latin typeface="Courier New" panose="02070309020205020404" pitchFamily="49" charset="0"/>
+                <a:cs typeface="Courier New" panose="02070309020205020404" pitchFamily="49" charset="0"/>
+              </a:rPr>
+              <a:t>(‘</a:t>
+            </a:r>
+            <a:r>
+              <a:rPr lang="en-US" sz="1800" dirty="0" err="1" smtClean="0">
+                <a:solidFill>
+                  <a:schemeClr val="bg1"/>
+                </a:solidFill>
+                <a:latin typeface="Courier New" panose="02070309020205020404" pitchFamily="49" charset="0"/>
+                <a:cs typeface="Courier New" panose="02070309020205020404" pitchFamily="49" charset="0"/>
+              </a:rPr>
+              <a:t>a.link</a:t>
+            </a:r>
+            <a:r>
+              <a:rPr lang="en-US" sz="1800" dirty="0" smtClean="0">
+                <a:solidFill>
+                  <a:schemeClr val="bg1"/>
+                </a:solidFill>
+                <a:latin typeface="Courier New" panose="02070309020205020404" pitchFamily="49" charset="0"/>
+                <a:cs typeface="Courier New" panose="02070309020205020404" pitchFamily="49" charset="0"/>
+              </a:rPr>
+              <a:t>’);</a:t>
+            </a:r>
+          </a:p>
+        </p:txBody>
+      </p:sp>
+    </p:spTree>
+    <p:extLst>
+      <p:ext uri="{BB962C8B-B14F-4D97-AF65-F5344CB8AC3E}">
+        <p14:creationId xmlns:p14="http://schemas.microsoft.com/office/powerpoint/2010/main" val="719629039"/>
+      </p:ext>
+    </p:extLst>
+  </p:cSld>
+  <p:clrMapOvr>
+    <a:masterClrMapping/>
+  </p:clrMapOvr>
+</p:sld>
+</file>
+
+<file path=ppt/slides/slide64.xml><?xml version="1.0" encoding="utf-8"?>
+<p:sld xmlns:a="http://schemas.openxmlformats.org/drawingml/2006/main" xmlns:r="http://schemas.openxmlformats.org/officeDocument/2006/relationships" xmlns:p="http://schemas.openxmlformats.org/presentationml/2006/main">
+  <p:cSld>
+    <p:spTree>
+      <p:nvGrpSpPr>
+        <p:cNvPr id="1" name=""/>
+        <p:cNvGrpSpPr/>
+        <p:nvPr/>
+      </p:nvGrpSpPr>
+      <p:grpSpPr>
+        <a:xfrm>
+          <a:off x="0" y="0"/>
+          <a:ext cx="0" cy="0"/>
+          <a:chOff x="0" y="0"/>
+          <a:chExt cx="0" cy="0"/>
+        </a:xfrm>
+      </p:grpSpPr>
+      <p:sp>
+        <p:nvSpPr>
+          <p:cNvPr id="2" name="Title 1"/>
+          <p:cNvSpPr>
+            <a:spLocks noGrp="1"/>
+          </p:cNvSpPr>
+          <p:nvPr>
+            <p:ph type="title"/>
+          </p:nvPr>
+        </p:nvSpPr>
+        <p:spPr>
+          <a:xfrm>
+            <a:off x="457200" y="533400"/>
+            <a:ext cx="8229600" cy="1143000"/>
+          </a:xfrm>
+        </p:spPr>
+        <p:txBody>
+          <a:bodyPr>
+            <a:normAutofit/>
+          </a:bodyPr>
+          <a:lstStyle/>
+          <a:p>
+            <a:pPr algn="l"/>
+            <a:r>
+              <a:rPr lang="en-US" sz="2900" dirty="0" smtClean="0">
+                <a:solidFill>
+                  <a:schemeClr val="accent6"/>
+                </a:solidFill>
+              </a:rPr>
+              <a:t>JavaScript</a:t>
+            </a:r>
+            <a:r>
+              <a:rPr lang="bg-BG" sz="2900" dirty="0" smtClean="0">
+                <a:solidFill>
+                  <a:schemeClr val="accent6"/>
+                </a:solidFill>
+              </a:rPr>
+              <a:t> –</a:t>
+            </a:r>
+            <a:r>
+              <a:rPr lang="en-US" sz="2900" dirty="0">
+                <a:solidFill>
+                  <a:schemeClr val="accent6"/>
+                </a:solidFill>
+              </a:rPr>
+              <a:t> </a:t>
+            </a:r>
+            <a:r>
+              <a:rPr lang="bg-BG" sz="2900" dirty="0" smtClean="0">
+                <a:solidFill>
+                  <a:schemeClr val="accent6"/>
+                </a:solidFill>
+              </a:rPr>
+              <a:t>Събития</a:t>
+            </a:r>
+            <a:endParaRPr lang="en-US" sz="2900" dirty="0"/>
+          </a:p>
+        </p:txBody>
+      </p:sp>
+      <p:sp>
+        <p:nvSpPr>
+          <p:cNvPr id="3" name="Content Placeholder 2"/>
+          <p:cNvSpPr>
+            <a:spLocks noGrp="1"/>
+          </p:cNvSpPr>
+          <p:nvPr>
+            <p:ph idx="1"/>
+          </p:nvPr>
+        </p:nvSpPr>
+        <p:spPr>
+          <a:xfrm>
+            <a:off x="457200" y="1295400"/>
+            <a:ext cx="8229600" cy="5257800"/>
+          </a:xfrm>
+        </p:spPr>
+        <p:txBody>
+          <a:bodyPr>
+            <a:noAutofit/>
+          </a:bodyPr>
+          <a:lstStyle/>
+          <a:p>
+            <a:pPr marL="0" indent="0">
+              <a:buNone/>
+            </a:pPr>
+            <a:r>
               <a:rPr lang="bg-BG" sz="2500" dirty="0" smtClean="0">
                 <a:solidFill>
                   <a:schemeClr val="bg1"/>
@@ -25600,7 +26138,7 @@
 </p:sld>
 </file>
 
-<file path=ppt/slides/slide64.xml><?xml version="1.0" encoding="utf-8"?>
+<file path=ppt/slides/slide65.xml><?xml version="1.0" encoding="utf-8"?>
 <p:sld xmlns:a="http://schemas.openxmlformats.org/drawingml/2006/main" xmlns:r="http://schemas.openxmlformats.org/officeDocument/2006/relationships" xmlns:p="http://schemas.openxmlformats.org/presentationml/2006/main">
   <p:cSld>
     <p:spTree>
@@ -26088,7 +26626,7 @@
 </p:sld>
 </file>
 
-<file path=ppt/slides/slide65.xml><?xml version="1.0" encoding="utf-8"?>
+<file path=ppt/slides/slide66.xml><?xml version="1.0" encoding="utf-8"?>
 <p:sld xmlns:a="http://schemas.openxmlformats.org/drawingml/2006/main" xmlns:r="http://schemas.openxmlformats.org/officeDocument/2006/relationships" xmlns:p="http://schemas.openxmlformats.org/presentationml/2006/main">
   <p:cSld>
     <p:spTree>
@@ -26330,196 +26868,6 @@
 </p:sld>
 </file>
 
-<file path=ppt/slides/slide66.xml><?xml version="1.0" encoding="utf-8"?>
-<p:sld xmlns:a="http://schemas.openxmlformats.org/drawingml/2006/main" xmlns:r="http://schemas.openxmlformats.org/officeDocument/2006/relationships" xmlns:p="http://schemas.openxmlformats.org/presentationml/2006/main">
-  <p:cSld>
-    <p:spTree>
-      <p:nvGrpSpPr>
-        <p:cNvPr id="1" name=""/>
-        <p:cNvGrpSpPr/>
-        <p:nvPr/>
-      </p:nvGrpSpPr>
-      <p:grpSpPr>
-        <a:xfrm>
-          <a:off x="0" y="0"/>
-          <a:ext cx="0" cy="0"/>
-          <a:chOff x="0" y="0"/>
-          <a:chExt cx="0" cy="0"/>
-        </a:xfrm>
-      </p:grpSpPr>
-      <p:sp>
-        <p:nvSpPr>
-          <p:cNvPr id="2" name="Title 1"/>
-          <p:cNvSpPr>
-            <a:spLocks noGrp="1"/>
-          </p:cNvSpPr>
-          <p:nvPr>
-            <p:ph type="title"/>
-          </p:nvPr>
-        </p:nvSpPr>
-        <p:spPr>
-          <a:xfrm>
-            <a:off x="838200" y="685800"/>
-            <a:ext cx="8229600" cy="1143000"/>
-          </a:xfrm>
-        </p:spPr>
-        <p:txBody>
-          <a:bodyPr/>
-          <a:lstStyle/>
-          <a:p>
-            <a:pPr algn="l"/>
-            <a:r>
-              <a:rPr lang="bg-BG" dirty="0" smtClean="0">
-                <a:solidFill>
-                  <a:schemeClr val="accent6"/>
-                </a:solidFill>
-              </a:rPr>
-              <a:t>Въпроси</a:t>
-            </a:r>
-            <a:endParaRPr lang="bg-BG" dirty="0">
-              <a:solidFill>
-                <a:schemeClr val="accent6"/>
-              </a:solidFill>
-            </a:endParaRPr>
-          </a:p>
-        </p:txBody>
-      </p:sp>
-      <p:sp>
-        <p:nvSpPr>
-          <p:cNvPr id="3" name="Content Placeholder 2"/>
-          <p:cNvSpPr>
-            <a:spLocks noGrp="1"/>
-          </p:cNvSpPr>
-          <p:nvPr>
-            <p:ph idx="1"/>
-          </p:nvPr>
-        </p:nvSpPr>
-        <p:spPr>
-          <a:xfrm>
-            <a:off x="762000" y="1676400"/>
-            <a:ext cx="7620000" cy="4525963"/>
-          </a:xfrm>
-        </p:spPr>
-        <p:txBody>
-          <a:bodyPr>
-            <a:normAutofit/>
-          </a:bodyPr>
-          <a:lstStyle/>
-          <a:p>
-            <a:pPr>
-              <a:buFont typeface="Wingdings" panose="05000000000000000000" pitchFamily="2" charset="2"/>
-              <a:buChar char="§"/>
-            </a:pPr>
-            <a:endParaRPr lang="en-US" dirty="0">
-              <a:solidFill>
-                <a:schemeClr val="bg1">
-                  <a:lumMod val="95000"/>
-                </a:schemeClr>
-              </a:solidFill>
-            </a:endParaRPr>
-          </a:p>
-          <a:p>
-            <a:pPr>
-              <a:buFont typeface="Wingdings" panose="05000000000000000000" pitchFamily="2" charset="2"/>
-              <a:buChar char="§"/>
-            </a:pPr>
-            <a:endParaRPr lang="en-US" dirty="0">
-              <a:solidFill>
-                <a:schemeClr val="bg1">
-                  <a:lumMod val="95000"/>
-                </a:schemeClr>
-              </a:solidFill>
-            </a:endParaRPr>
-          </a:p>
-          <a:p>
-            <a:pPr>
-              <a:buFont typeface="Wingdings" panose="05000000000000000000" pitchFamily="2" charset="2"/>
-              <a:buChar char="§"/>
-            </a:pPr>
-            <a:endParaRPr lang="en-US" dirty="0">
-              <a:solidFill>
-                <a:schemeClr val="bg1">
-                  <a:lumMod val="95000"/>
-                </a:schemeClr>
-              </a:solidFill>
-            </a:endParaRPr>
-          </a:p>
-          <a:p>
-            <a:pPr>
-              <a:buFont typeface="Wingdings" panose="05000000000000000000" pitchFamily="2" charset="2"/>
-              <a:buChar char="§"/>
-            </a:pPr>
-            <a:endParaRPr lang="en-US" dirty="0">
-              <a:solidFill>
-                <a:schemeClr val="bg1">
-                  <a:lumMod val="95000"/>
-                </a:schemeClr>
-              </a:solidFill>
-            </a:endParaRPr>
-          </a:p>
-        </p:txBody>
-      </p:sp>
-      <p:pic>
-        <p:nvPicPr>
-          <p:cNvPr id="1027" name="Picture 3" descr="C:\Users\Lazar\Desktop\01-red-question-mark1.jpg"/>
-          <p:cNvPicPr>
-            <a:picLocks noChangeAspect="1" noChangeArrowheads="1"/>
-          </p:cNvPicPr>
-          <p:nvPr/>
-        </p:nvPicPr>
-        <p:blipFill>
-          <a:blip r:embed="rId2" cstate="print">
-            <a:extLst>
-              <a:ext uri="{28A0092B-C50C-407E-A947-70E740481C1C}">
-                <a14:useLocalDpi xmlns:a14="http://schemas.microsoft.com/office/drawing/2010/main" val="0"/>
-              </a:ext>
-            </a:extLst>
-          </a:blip>
-          <a:srcRect/>
-          <a:stretch>
-            <a:fillRect/>
-          </a:stretch>
-        </p:blipFill>
-        <p:spPr bwMode="auto">
-          <a:xfrm>
-            <a:off x="3505200" y="2057400"/>
-            <a:ext cx="2419082" cy="2419082"/>
-          </a:xfrm>
-          <a:prstGeom prst="rect">
-            <a:avLst/>
-          </a:prstGeom>
-          <a:noFill/>
-          <a:extLst>
-            <a:ext uri="{909E8E84-426E-40DD-AFC4-6F175D3DCCD1}">
-              <a14:hiddenFill xmlns:a14="http://schemas.microsoft.com/office/drawing/2010/main">
-                <a:solidFill>
-                  <a:srgbClr val="FFFFFF"/>
-                </a:solidFill>
-              </a14:hiddenFill>
-            </a:ext>
-          </a:extLst>
-        </p:spPr>
-      </p:pic>
-    </p:spTree>
-    <p:extLst>
-      <p:ext uri="{BB962C8B-B14F-4D97-AF65-F5344CB8AC3E}">
-        <p14:creationId xmlns:p14="http://schemas.microsoft.com/office/powerpoint/2010/main" val="1088608090"/>
-      </p:ext>
-    </p:extLst>
-  </p:cSld>
-  <p:clrMapOvr>
-    <a:masterClrMapping/>
-  </p:clrMapOvr>
-  <p:timing>
-    <p:tnLst>
-      <p:par>
-        <p:cTn id="1" dur="indefinite" restart="never" nodeType="tmRoot"/>
-      </p:par>
-    </p:tnLst>
-  </p:timing>
-</p:sld>
-</file>
-
 <file path=ppt/slides/slide67.xml><?xml version="1.0" encoding="utf-8"?>
 <p:sld xmlns:a="http://schemas.openxmlformats.org/drawingml/2006/main" xmlns:r="http://schemas.openxmlformats.org/officeDocument/2006/relationships" xmlns:p="http://schemas.openxmlformats.org/presentationml/2006/main">
   <p:cSld>
@@ -26549,24 +26897,50 @@
         </p:nvSpPr>
         <p:spPr>
           <a:xfrm>
-            <a:off x="838200" y="685800"/>
+            <a:off x="457200" y="533400"/>
             <a:ext cx="8229600" cy="1143000"/>
           </a:xfrm>
         </p:spPr>
         <p:txBody>
-          <a:bodyPr/>
+          <a:bodyPr>
+            <a:normAutofit/>
+          </a:bodyPr>
           <a:lstStyle/>
           <a:p>
             <a:pPr algn="l"/>
             <a:r>
-              <a:rPr lang="bg-BG" dirty="0" smtClean="0">
+              <a:rPr lang="en-US" sz="2900" dirty="0" smtClean="0">
                 <a:solidFill>
                   <a:schemeClr val="accent6"/>
                 </a:solidFill>
               </a:rPr>
-              <a:t>Задачи за домашна работа</a:t>
-            </a:r>
-            <a:endParaRPr lang="bg-BG" dirty="0">
+              <a:t>JavaScript</a:t>
+            </a:r>
+            <a:r>
+              <a:rPr lang="bg-BG" sz="2900" dirty="0" smtClean="0">
+                <a:solidFill>
+                  <a:schemeClr val="accent6"/>
+                </a:solidFill>
+              </a:rPr>
+              <a:t> –</a:t>
+            </a:r>
+            <a:r>
+              <a:rPr lang="en-US" sz="2900" dirty="0">
+                <a:solidFill>
+                  <a:schemeClr val="accent6"/>
+                </a:solidFill>
+              </a:rPr>
+              <a:t> </a:t>
+            </a:r>
+            <a:r>
+              <a:rPr lang="bg-BG" sz="2900" dirty="0" smtClean="0">
+                <a:solidFill>
+                  <a:schemeClr val="accent6"/>
+                </a:solidFill>
+              </a:rPr>
+              <a:t>Събития</a:t>
+            </a:r>
+            <a:endParaRPr lang="en-US" sz="2900" dirty="0">
               <a:solidFill>
                 <a:schemeClr val="accent6"/>
               </a:solidFill>
@@ -26576,234 +26950,287 @@
       </p:sp>
       <p:sp>
         <p:nvSpPr>
-          <p:cNvPr id="3" name="Content Placeholder 2"/>
-          <p:cNvSpPr>
-            <a:spLocks noGrp="1"/>
-          </p:cNvSpPr>
-          <p:nvPr>
-            <p:ph idx="1"/>
-          </p:nvPr>
+          <p:cNvPr id="6" name="TextBox 5"/>
+          <p:cNvSpPr txBox="1"/>
+          <p:nvPr/>
         </p:nvSpPr>
         <p:spPr>
           <a:xfrm>
-            <a:off x="762000" y="1676400"/>
-            <a:ext cx="7620000" cy="4648200"/>
+            <a:off x="425355" y="1491734"/>
+            <a:ext cx="8718645" cy="2139047"/>
           </a:xfrm>
+          <a:prstGeom prst="rect">
+            <a:avLst/>
+          </a:prstGeom>
+          <a:noFill/>
         </p:spPr>
         <p:txBody>
-          <a:bodyPr>
-            <a:noAutofit/>
+          <a:bodyPr wrap="square" rtlCol="0">
+            <a:spAutoFit/>
           </a:bodyPr>
           <a:lstStyle/>
           <a:p>
-            <a:pPr marL="457200" indent="-457200">
-              <a:buAutoNum type="arabicPeriod"/>
-            </a:pPr>
-            <a:r>
-              <a:rPr lang="bg-BG" sz="2000" b="1" dirty="0" smtClean="0">
-                <a:solidFill>
-                  <a:schemeClr val="bg1">
-                    <a:lumMod val="95000"/>
-                  </a:schemeClr>
-                </a:solidFill>
-              </a:rPr>
-              <a:t>Напишете израз, който </a:t>
-            </a:r>
-            <a:r>
-              <a:rPr lang="en-US" sz="2000" b="1" dirty="0" smtClean="0">
-                <a:solidFill>
-                  <a:schemeClr val="bg1">
-                    <a:lumMod val="95000"/>
-                  </a:schemeClr>
-                </a:solidFill>
-              </a:rPr>
-              <a:t>console.log-</a:t>
-            </a:r>
-            <a:r>
-              <a:rPr lang="bg-BG" sz="2000" b="1" dirty="0" smtClean="0">
-                <a:solidFill>
-                  <a:schemeClr val="bg1">
-                    <a:lumMod val="95000"/>
-                  </a:schemeClr>
-                </a:solidFill>
-              </a:rPr>
-              <a:t>ва всички числа от 1 до 300.</a:t>
-            </a:r>
-          </a:p>
-          <a:p>
-            <a:pPr marL="457200" indent="-457200">
-              <a:buAutoNum type="arabicPeriod"/>
-            </a:pPr>
-            <a:r>
-              <a:rPr lang="bg-BG" sz="2000" b="1" dirty="0" smtClean="0">
-                <a:solidFill>
-                  <a:schemeClr val="bg1">
-                    <a:lumMod val="95000"/>
-                  </a:schemeClr>
-                </a:solidFill>
-              </a:rPr>
-              <a:t>Напишете израз, който проверява дали дадено число се дели на 3.</a:t>
-            </a:r>
-          </a:p>
-          <a:p>
-            <a:pPr marL="457200" indent="-457200">
-              <a:buAutoNum type="arabicPeriod"/>
-            </a:pPr>
-            <a:r>
-              <a:rPr lang="bg-BG" sz="2000" b="1" dirty="0" smtClean="0">
-                <a:solidFill>
-                  <a:schemeClr val="bg1">
-                    <a:lumMod val="95000"/>
-                  </a:schemeClr>
-                </a:solidFill>
-              </a:rPr>
-              <a:t>Напишете израз, който проверява дали дадено число се дели едновременно на 4 и на 7.(използвайте вложени </a:t>
-            </a:r>
-            <a:r>
-              <a:rPr lang="en-US" sz="2000" b="1" dirty="0" smtClean="0">
-                <a:solidFill>
-                  <a:schemeClr val="bg1">
-                    <a:lumMod val="95000"/>
-                  </a:schemeClr>
-                </a:solidFill>
-              </a:rPr>
-              <a:t>if-else</a:t>
-            </a:r>
-            <a:r>
-              <a:rPr lang="bg-BG" sz="2000" b="1" dirty="0" smtClean="0">
-                <a:solidFill>
-                  <a:schemeClr val="bg1">
-                    <a:lumMod val="95000"/>
-                  </a:schemeClr>
-                </a:solidFill>
-              </a:rPr>
-              <a:t> оператори</a:t>
-            </a:r>
-            <a:r>
-              <a:rPr lang="en-US" sz="2000" b="1" dirty="0" smtClean="0">
-                <a:solidFill>
-                  <a:schemeClr val="bg1">
-                    <a:lumMod val="95000"/>
-                  </a:schemeClr>
-                </a:solidFill>
-              </a:rPr>
-              <a:t>).</a:t>
-            </a:r>
-          </a:p>
-          <a:p>
-            <a:pPr marL="457200" indent="-457200">
-              <a:buAutoNum type="arabicPeriod"/>
-            </a:pPr>
-            <a:r>
-              <a:rPr lang="bg-BG" sz="2000" b="1" dirty="0" smtClean="0">
-                <a:solidFill>
-                  <a:schemeClr val="bg1">
-                    <a:lumMod val="95000"/>
-                  </a:schemeClr>
-                </a:solidFill>
-              </a:rPr>
-              <a:t>Напишете израз, който пресмята площта на правоъгълник чрез определени ширина и дължина.</a:t>
-            </a:r>
-          </a:p>
-          <a:p>
-            <a:pPr marL="457200" indent="-457200">
-              <a:buAutoNum type="arabicPeriod"/>
-            </a:pPr>
-            <a:r>
-              <a:rPr lang="bg-BG" sz="2000" b="1" dirty="0" smtClean="0">
-                <a:solidFill>
-                  <a:schemeClr val="bg1">
-                    <a:lumMod val="95000"/>
-                  </a:schemeClr>
-                </a:solidFill>
-              </a:rPr>
-              <a:t>Напишете израз, който пресмята площта на трапец по дадени страна А, страна </a:t>
-            </a:r>
-            <a:r>
-              <a:rPr lang="en-US" sz="2000" b="1" dirty="0" smtClean="0">
-                <a:solidFill>
-                  <a:schemeClr val="bg1">
-                    <a:lumMod val="95000"/>
-                  </a:schemeClr>
-                </a:solidFill>
-              </a:rPr>
-              <a:t>B </a:t>
-            </a:r>
-            <a:r>
-              <a:rPr lang="bg-BG" sz="2000" b="1" dirty="0" smtClean="0">
-                <a:solidFill>
-                  <a:schemeClr val="bg1">
-                    <a:lumMod val="95000"/>
-                  </a:schemeClr>
-                </a:solidFill>
-              </a:rPr>
-              <a:t>и височина </a:t>
-            </a:r>
-            <a:r>
-              <a:rPr lang="en-US" sz="2000" b="1" dirty="0" smtClean="0">
-                <a:solidFill>
-                  <a:schemeClr val="bg1">
-                    <a:lumMod val="95000"/>
-                  </a:schemeClr>
-                </a:solidFill>
-              </a:rPr>
-              <a:t>h.</a:t>
-            </a:r>
-          </a:p>
-          <a:p>
-            <a:pPr marL="457200" indent="-457200">
-              <a:buAutoNum type="arabicPeriod"/>
-            </a:pPr>
-            <a:r>
-              <a:rPr lang="bg-BG" sz="2000" b="1" dirty="0" smtClean="0">
-                <a:solidFill>
-                  <a:schemeClr val="bg1">
-                    <a:lumMod val="95000"/>
-                  </a:schemeClr>
-                </a:solidFill>
-              </a:rPr>
-              <a:t>Напишете израз, който намира най-голямото от 3 числа(използвайки вложени </a:t>
-            </a:r>
-            <a:r>
-              <a:rPr lang="en-US" sz="2000" b="1" dirty="0" smtClean="0">
-                <a:solidFill>
-                  <a:schemeClr val="bg1">
-                    <a:lumMod val="95000"/>
-                  </a:schemeClr>
-                </a:solidFill>
-              </a:rPr>
-              <a:t>if-else </a:t>
-            </a:r>
-            <a:r>
-              <a:rPr lang="bg-BG" sz="2000" b="1" dirty="0" smtClean="0">
-                <a:solidFill>
-                  <a:schemeClr val="bg1">
-                    <a:lumMod val="95000"/>
-                  </a:schemeClr>
-                </a:solidFill>
-              </a:rPr>
-              <a:t>оператори).</a:t>
-            </a:r>
+            <a:r>
+              <a:rPr lang="bg-BG" sz="2500" dirty="0" smtClean="0">
+                <a:solidFill>
+                  <a:schemeClr val="bg1"/>
+                </a:solidFill>
+                <a:latin typeface="+mj-lt"/>
+                <a:cs typeface="Courier New" panose="02070309020205020404" pitchFamily="49" charset="0"/>
+              </a:rPr>
+              <a:t>Няколко примера:</a:t>
+            </a:r>
+            <a:endParaRPr lang="en-US" sz="2500" dirty="0" smtClean="0">
+              <a:solidFill>
+                <a:schemeClr val="bg1"/>
+              </a:solidFill>
+              <a:latin typeface="+mj-lt"/>
+              <a:cs typeface="Courier New" panose="02070309020205020404" pitchFamily="49" charset="0"/>
+            </a:endParaRPr>
+          </a:p>
+          <a:p>
+            <a:r>
+              <a:rPr lang="en-US" dirty="0" smtClean="0">
+                <a:solidFill>
+                  <a:schemeClr val="bg1"/>
+                </a:solidFill>
+                <a:latin typeface="Courier New" panose="02070309020205020404" pitchFamily="49" charset="0"/>
+                <a:cs typeface="Courier New" panose="02070309020205020404" pitchFamily="49" charset="0"/>
+              </a:rPr>
+              <a:t>&lt;a </a:t>
+            </a:r>
+            <a:r>
+              <a:rPr lang="en-US" dirty="0" err="1" smtClean="0">
+                <a:solidFill>
+                  <a:schemeClr val="bg1"/>
+                </a:solidFill>
+                <a:latin typeface="Courier New" panose="02070309020205020404" pitchFamily="49" charset="0"/>
+                <a:cs typeface="Courier New" panose="02070309020205020404" pitchFamily="49" charset="0"/>
+              </a:rPr>
+              <a:t>href</a:t>
+            </a:r>
+            <a:r>
+              <a:rPr lang="en-US" dirty="0" smtClean="0">
+                <a:solidFill>
+                  <a:schemeClr val="bg1"/>
+                </a:solidFill>
+                <a:latin typeface="Courier New" panose="02070309020205020404" pitchFamily="49" charset="0"/>
+                <a:cs typeface="Courier New" panose="02070309020205020404" pitchFamily="49" charset="0"/>
+              </a:rPr>
+              <a:t>=“#” </a:t>
+            </a:r>
+            <a:r>
+              <a:rPr lang="en-US" dirty="0" err="1" smtClean="0">
+                <a:solidFill>
+                  <a:schemeClr val="bg1"/>
+                </a:solidFill>
+                <a:latin typeface="Courier New" panose="02070309020205020404" pitchFamily="49" charset="0"/>
+                <a:cs typeface="Courier New" panose="02070309020205020404" pitchFamily="49" charset="0"/>
+              </a:rPr>
+              <a:t>onclick</a:t>
+            </a:r>
+            <a:r>
+              <a:rPr lang="en-US" dirty="0" smtClean="0">
+                <a:solidFill>
+                  <a:schemeClr val="bg1"/>
+                </a:solidFill>
+                <a:latin typeface="Courier New" panose="02070309020205020404" pitchFamily="49" charset="0"/>
+                <a:cs typeface="Courier New" panose="02070309020205020404" pitchFamily="49" charset="0"/>
+              </a:rPr>
+              <a:t>=“alert(‘Link clicked’)”&gt;Link&lt;/a&gt;</a:t>
+            </a:r>
+          </a:p>
+          <a:p>
+            <a:endParaRPr lang="en-US" dirty="0" smtClean="0">
+              <a:solidFill>
+                <a:schemeClr val="bg1"/>
+              </a:solidFill>
+              <a:latin typeface="Courier New" panose="02070309020205020404" pitchFamily="49" charset="0"/>
+              <a:cs typeface="Courier New" panose="02070309020205020404" pitchFamily="49" charset="0"/>
+            </a:endParaRPr>
+          </a:p>
+          <a:p>
+            <a:r>
+              <a:rPr lang="en-US" dirty="0">
+                <a:solidFill>
+                  <a:schemeClr val="bg1"/>
+                </a:solidFill>
+                <a:latin typeface="Courier New" panose="02070309020205020404" pitchFamily="49" charset="0"/>
+                <a:cs typeface="Courier New" panose="02070309020205020404" pitchFamily="49" charset="0"/>
+              </a:rPr>
+              <a:t>&lt;button </a:t>
+            </a:r>
+            <a:r>
+              <a:rPr lang="en-US" dirty="0" err="1" smtClean="0">
+                <a:solidFill>
+                  <a:schemeClr val="bg1"/>
+                </a:solidFill>
+                <a:latin typeface="Courier New" panose="02070309020205020404" pitchFamily="49" charset="0"/>
+                <a:cs typeface="Courier New" panose="02070309020205020404" pitchFamily="49" charset="0"/>
+              </a:rPr>
+              <a:t>onclick</a:t>
+            </a:r>
+            <a:r>
+              <a:rPr lang="en-US" dirty="0" smtClean="0">
+                <a:solidFill>
+                  <a:schemeClr val="bg1"/>
+                </a:solidFill>
+                <a:latin typeface="Courier New" panose="02070309020205020404" pitchFamily="49" charset="0"/>
+                <a:cs typeface="Courier New" panose="02070309020205020404" pitchFamily="49" charset="0"/>
+              </a:rPr>
+              <a:t>=“</a:t>
+            </a:r>
+            <a:r>
+              <a:rPr lang="en-US" dirty="0" err="1" smtClean="0">
+                <a:solidFill>
+                  <a:schemeClr val="bg1"/>
+                </a:solidFill>
+                <a:latin typeface="Courier New" panose="02070309020205020404" pitchFamily="49" charset="0"/>
+                <a:cs typeface="Courier New" panose="02070309020205020404" pitchFamily="49" charset="0"/>
+              </a:rPr>
+              <a:t>getElementById</a:t>
+            </a:r>
+            <a:r>
+              <a:rPr lang="en-US" dirty="0" smtClean="0">
+                <a:solidFill>
+                  <a:schemeClr val="bg1"/>
+                </a:solidFill>
+                <a:latin typeface="Courier New" panose="02070309020205020404" pitchFamily="49" charset="0"/>
+                <a:cs typeface="Courier New" panose="02070309020205020404" pitchFamily="49" charset="0"/>
+              </a:rPr>
+              <a:t>(‘demo’).</a:t>
+            </a:r>
+            <a:r>
+              <a:rPr lang="en-US" dirty="0" err="1">
+                <a:solidFill>
+                  <a:schemeClr val="bg1"/>
+                </a:solidFill>
+                <a:latin typeface="Courier New" panose="02070309020205020404" pitchFamily="49" charset="0"/>
+                <a:cs typeface="Courier New" panose="02070309020205020404" pitchFamily="49" charset="0"/>
+              </a:rPr>
+              <a:t>innerHTML</a:t>
+            </a:r>
+            <a:r>
+              <a:rPr lang="en-US" dirty="0">
+                <a:solidFill>
+                  <a:schemeClr val="bg1"/>
+                </a:solidFill>
+                <a:latin typeface="Courier New" panose="02070309020205020404" pitchFamily="49" charset="0"/>
+                <a:cs typeface="Courier New" panose="02070309020205020404" pitchFamily="49" charset="0"/>
+              </a:rPr>
+              <a:t>=Date</a:t>
+            </a:r>
+            <a:r>
+              <a:rPr lang="en-US" dirty="0" smtClean="0">
+                <a:solidFill>
+                  <a:schemeClr val="bg1"/>
+                </a:solidFill>
+                <a:latin typeface="Courier New" panose="02070309020205020404" pitchFamily="49" charset="0"/>
+                <a:cs typeface="Courier New" panose="02070309020205020404" pitchFamily="49" charset="0"/>
+              </a:rPr>
+              <a:t>()”&gt;</a:t>
+            </a:r>
+            <a:r>
+              <a:rPr lang="en-US" dirty="0">
+                <a:solidFill>
+                  <a:schemeClr val="bg1"/>
+                </a:solidFill>
+                <a:latin typeface="Courier New" panose="02070309020205020404" pitchFamily="49" charset="0"/>
+                <a:cs typeface="Courier New" panose="02070309020205020404" pitchFamily="49" charset="0"/>
+              </a:rPr>
+              <a:t>The time is?&lt;/button</a:t>
+            </a:r>
+            <a:r>
+              <a:rPr lang="en-US" dirty="0" smtClean="0">
+                <a:solidFill>
+                  <a:schemeClr val="bg1"/>
+                </a:solidFill>
+                <a:latin typeface="Courier New" panose="02070309020205020404" pitchFamily="49" charset="0"/>
+                <a:cs typeface="Courier New" panose="02070309020205020404" pitchFamily="49" charset="0"/>
+              </a:rPr>
+              <a:t>&gt;</a:t>
+            </a:r>
+          </a:p>
+          <a:p>
+            <a:endParaRPr lang="en-US" dirty="0" smtClean="0">
+              <a:solidFill>
+                <a:schemeClr val="bg1"/>
+              </a:solidFill>
+              <a:latin typeface="Courier New" panose="02070309020205020404" pitchFamily="49" charset="0"/>
+              <a:cs typeface="Courier New" panose="02070309020205020404" pitchFamily="49" charset="0"/>
+            </a:endParaRPr>
+          </a:p>
+          <a:p>
+            <a:r>
+              <a:rPr lang="en-US" dirty="0">
+                <a:solidFill>
+                  <a:schemeClr val="bg1"/>
+                </a:solidFill>
+                <a:latin typeface="Courier New" panose="02070309020205020404" pitchFamily="49" charset="0"/>
+                <a:cs typeface="Courier New" panose="02070309020205020404" pitchFamily="49" charset="0"/>
+              </a:rPr>
+              <a:t>&lt;body </a:t>
+            </a:r>
+            <a:r>
+              <a:rPr lang="en-US" dirty="0" err="1">
+                <a:solidFill>
+                  <a:schemeClr val="bg1"/>
+                </a:solidFill>
+                <a:latin typeface="Courier New" panose="02070309020205020404" pitchFamily="49" charset="0"/>
+                <a:cs typeface="Courier New" panose="02070309020205020404" pitchFamily="49" charset="0"/>
+              </a:rPr>
+              <a:t>onload</a:t>
+            </a:r>
+            <a:r>
+              <a:rPr lang="en-US" dirty="0">
+                <a:solidFill>
+                  <a:schemeClr val="bg1"/>
+                </a:solidFill>
+                <a:latin typeface="Courier New" panose="02070309020205020404" pitchFamily="49" charset="0"/>
+                <a:cs typeface="Courier New" panose="02070309020205020404" pitchFamily="49" charset="0"/>
+              </a:rPr>
+              <a:t>="</a:t>
+            </a:r>
+            <a:r>
+              <a:rPr lang="en-US" dirty="0" err="1">
+                <a:solidFill>
+                  <a:schemeClr val="bg1"/>
+                </a:solidFill>
+                <a:latin typeface="Courier New" panose="02070309020205020404" pitchFamily="49" charset="0"/>
+                <a:cs typeface="Courier New" panose="02070309020205020404" pitchFamily="49" charset="0"/>
+              </a:rPr>
+              <a:t>bodyOnloadHandler</a:t>
+            </a:r>
+            <a:r>
+              <a:rPr lang="en-US" dirty="0">
+                <a:solidFill>
+                  <a:schemeClr val="bg1"/>
+                </a:solidFill>
+                <a:latin typeface="Courier New" panose="02070309020205020404" pitchFamily="49" charset="0"/>
+                <a:cs typeface="Courier New" panose="02070309020205020404" pitchFamily="49" charset="0"/>
+              </a:rPr>
+              <a:t>()"&gt;</a:t>
+            </a:r>
+            <a:endParaRPr lang="bg-BG" dirty="0" smtClean="0">
+              <a:solidFill>
+                <a:schemeClr val="bg1"/>
+              </a:solidFill>
+              <a:latin typeface="Courier New" panose="02070309020205020404" pitchFamily="49" charset="0"/>
+              <a:cs typeface="Courier New" panose="02070309020205020404" pitchFamily="49" charset="0"/>
+            </a:endParaRPr>
           </a:p>
         </p:txBody>
       </p:sp>
     </p:spTree>
     <p:extLst>
       <p:ext uri="{BB962C8B-B14F-4D97-AF65-F5344CB8AC3E}">
-        <p14:creationId xmlns:p14="http://schemas.microsoft.com/office/powerpoint/2010/main" val="2761577980"/>
+        <p14:creationId xmlns:p14="http://schemas.microsoft.com/office/powerpoint/2010/main" val="2114262781"/>
       </p:ext>
     </p:extLst>
   </p:cSld>
   <p:clrMapOvr>
     <a:masterClrMapping/>
   </p:clrMapOvr>
-  <p:timing>
-    <p:tnLst>
-      <p:par>
-        <p:cTn id="1" dur="indefinite" restart="never" nodeType="tmRoot"/>
-      </p:par>
-    </p:tnLst>
-  </p:timing>
 </p:sld>
 </file>
 
@@ -26836,24 +27263,74 @@
         </p:nvSpPr>
         <p:spPr>
           <a:xfrm>
-            <a:off x="838200" y="685800"/>
+            <a:off x="457200" y="533400"/>
             <a:ext cx="8229600" cy="1143000"/>
           </a:xfrm>
         </p:spPr>
         <p:txBody>
-          <a:bodyPr/>
+          <a:bodyPr>
+            <a:normAutofit/>
+          </a:bodyPr>
           <a:lstStyle/>
           <a:p>
             <a:pPr algn="l"/>
             <a:r>
-              <a:rPr lang="bg-BG" dirty="0" smtClean="0">
+              <a:rPr lang="en-US" sz="2900" dirty="0" smtClean="0">
                 <a:solidFill>
                   <a:schemeClr val="accent6"/>
                 </a:solidFill>
               </a:rPr>
-              <a:t>Задачи за домашна работа</a:t>
-            </a:r>
-            <a:endParaRPr lang="bg-BG" dirty="0">
+              <a:t>JavaScript</a:t>
+            </a:r>
+            <a:r>
+              <a:rPr lang="bg-BG" sz="2900" dirty="0" smtClean="0">
+                <a:solidFill>
+                  <a:schemeClr val="accent6"/>
+                </a:solidFill>
+              </a:rPr>
+              <a:t> –</a:t>
+            </a:r>
+            <a:r>
+              <a:rPr lang="en-US" sz="2900" dirty="0">
+                <a:solidFill>
+                  <a:schemeClr val="accent6"/>
+                </a:solidFill>
+              </a:rPr>
+              <a:t> </a:t>
+            </a:r>
+            <a:r>
+              <a:rPr lang="bg-BG" sz="2900" dirty="0" smtClean="0">
+                <a:solidFill>
+                  <a:schemeClr val="accent6"/>
+                </a:solidFill>
+              </a:rPr>
+              <a:t>Е</a:t>
+            </a:r>
+            <a:r>
+              <a:rPr lang="en-US" sz="2900" dirty="0" smtClean="0">
+                <a:solidFill>
+                  <a:schemeClr val="accent6"/>
+                </a:solidFill>
+              </a:rPr>
+              <a:t>vent</a:t>
+            </a:r>
+            <a:r>
+              <a:rPr lang="bg-BG" sz="2900" dirty="0" smtClean="0">
+                <a:solidFill>
+                  <a:schemeClr val="accent6"/>
+                </a:solidFill>
+              </a:rPr>
+              <a:t> </a:t>
+            </a:r>
+            <a:r>
+              <a:rPr lang="en-US" sz="2900" dirty="0" smtClean="0">
+                <a:solidFill>
+                  <a:schemeClr val="accent6"/>
+                </a:solidFill>
+              </a:rPr>
+              <a:t>Listeners</a:t>
+            </a:r>
+            <a:endParaRPr lang="en-US" sz="2900" dirty="0">
               <a:solidFill>
                 <a:schemeClr val="accent6"/>
               </a:solidFill>
@@ -26863,162 +27340,353 @@
       </p:sp>
       <p:sp>
         <p:nvSpPr>
-          <p:cNvPr id="3" name="Content Placeholder 2"/>
-          <p:cNvSpPr>
-            <a:spLocks noGrp="1"/>
-          </p:cNvSpPr>
-          <p:nvPr>
-            <p:ph idx="1"/>
-          </p:nvPr>
+          <p:cNvPr id="6" name="TextBox 5"/>
+          <p:cNvSpPr txBox="1"/>
+          <p:nvPr/>
         </p:nvSpPr>
         <p:spPr>
           <a:xfrm>
-            <a:off x="762000" y="1676400"/>
-            <a:ext cx="7620000" cy="4648200"/>
+            <a:off x="425355" y="1491734"/>
+            <a:ext cx="8718645" cy="3893374"/>
           </a:xfrm>
+          <a:prstGeom prst="rect">
+            <a:avLst/>
+          </a:prstGeom>
+          <a:noFill/>
         </p:spPr>
         <p:txBody>
-          <a:bodyPr>
-            <a:noAutofit/>
+          <a:bodyPr wrap="square" rtlCol="0">
+            <a:spAutoFit/>
           </a:bodyPr>
           <a:lstStyle/>
           <a:p>
-            <a:pPr marL="0" indent="0">
-              <a:buNone/>
-            </a:pPr>
-            <a:r>
-              <a:rPr lang="bg-BG" sz="2000" b="1" dirty="0" smtClean="0">
-                <a:solidFill>
-                  <a:schemeClr val="bg1">
-                    <a:lumMod val="95000"/>
-                  </a:schemeClr>
-                </a:solidFill>
-              </a:rPr>
-              <a:t>7.     Напишете </a:t>
-            </a:r>
-            <a:r>
-              <a:rPr lang="bg-BG" sz="2000" b="1" dirty="0">
-                <a:solidFill>
-                  <a:schemeClr val="bg1">
-                    <a:lumMod val="95000"/>
-                  </a:schemeClr>
-                </a:solidFill>
-              </a:rPr>
-              <a:t>израз, който намира всички делими на 7 числа, които се намират в интервала от 50 до 100.</a:t>
-            </a:r>
-          </a:p>
-          <a:p>
-            <a:pPr marL="457200" indent="-457200">
-              <a:buAutoNum type="arabicPeriod" startAt="8"/>
-            </a:pPr>
-            <a:r>
-              <a:rPr lang="bg-BG" sz="2000" b="1" dirty="0" smtClean="0">
-                <a:solidFill>
-                  <a:schemeClr val="bg1">
-                    <a:lumMod val="95000"/>
-                  </a:schemeClr>
-                </a:solidFill>
-              </a:rPr>
-              <a:t>Напишете </a:t>
-            </a:r>
-            <a:r>
-              <a:rPr lang="bg-BG" sz="2000" b="1" dirty="0">
-                <a:solidFill>
-                  <a:schemeClr val="bg1">
-                    <a:lumMod val="95000"/>
-                  </a:schemeClr>
-                </a:solidFill>
-              </a:rPr>
-              <a:t>израз, който намира всички делими на 4 и на 9 числа, които се намират в интервала от 20 до 60</a:t>
-            </a:r>
-            <a:r>
-              <a:rPr lang="bg-BG" sz="2000" b="1" dirty="0" smtClean="0">
-                <a:solidFill>
-                  <a:schemeClr val="bg1">
-                    <a:lumMod val="95000"/>
-                  </a:schemeClr>
-                </a:solidFill>
-              </a:rPr>
-              <a:t>.</a:t>
-            </a:r>
-          </a:p>
-          <a:p>
-            <a:pPr marL="457200" indent="-457200">
-              <a:buAutoNum type="arabicPeriod" startAt="8"/>
-            </a:pPr>
-            <a:endParaRPr lang="bg-BG" sz="2000" b="1" dirty="0">
+            <a:r>
+              <a:rPr lang="en-US" sz="2500" dirty="0" err="1" smtClean="0">
+                <a:solidFill>
+                  <a:schemeClr val="bg1"/>
+                </a:solidFill>
+                <a:latin typeface="+mj-lt"/>
+                <a:cs typeface="Courier New" panose="02070309020205020404" pitchFamily="49" charset="0"/>
+              </a:rPr>
+              <a:t>EventListener</a:t>
+            </a:r>
+            <a:r>
+              <a:rPr lang="en-US" sz="2500" dirty="0" smtClean="0">
+                <a:solidFill>
+                  <a:schemeClr val="bg1"/>
+                </a:solidFill>
+                <a:latin typeface="+mj-lt"/>
+                <a:cs typeface="Courier New" panose="02070309020205020404" pitchFamily="49" charset="0"/>
+              </a:rPr>
+              <a:t>-a </a:t>
+            </a:r>
+            <a:r>
+              <a:rPr lang="bg-BG" sz="2500" dirty="0" smtClean="0">
+                <a:solidFill>
+                  <a:schemeClr val="bg1"/>
+                </a:solidFill>
+                <a:latin typeface="+mj-lt"/>
+                <a:cs typeface="Courier New" panose="02070309020205020404" pitchFamily="49" charset="0"/>
+              </a:rPr>
+              <a:t>добавя метод за овладяване на събития към даден </a:t>
+            </a:r>
+            <a:r>
+              <a:rPr lang="en-US" sz="2500" dirty="0" smtClean="0">
+                <a:solidFill>
+                  <a:schemeClr val="bg1"/>
+                </a:solidFill>
+                <a:latin typeface="+mj-lt"/>
+                <a:cs typeface="Courier New" panose="02070309020205020404" pitchFamily="49" charset="0"/>
+              </a:rPr>
+              <a:t>HTML </a:t>
+            </a:r>
+            <a:r>
+              <a:rPr lang="bg-BG" sz="2500" dirty="0" smtClean="0">
+                <a:solidFill>
+                  <a:schemeClr val="bg1"/>
+                </a:solidFill>
+                <a:latin typeface="+mj-lt"/>
+                <a:cs typeface="Courier New" panose="02070309020205020404" pitchFamily="49" charset="0"/>
+              </a:rPr>
+              <a:t>елемент. Функцията за добавяне на </a:t>
+            </a:r>
+            <a:r>
+              <a:rPr lang="en-US" sz="2500" dirty="0" err="1" smtClean="0">
+                <a:solidFill>
+                  <a:schemeClr val="bg1"/>
+                </a:solidFill>
+                <a:latin typeface="+mj-lt"/>
+                <a:cs typeface="Courier New" panose="02070309020205020404" pitchFamily="49" charset="0"/>
+              </a:rPr>
+              <a:t>eventListener</a:t>
+            </a:r>
+            <a:r>
+              <a:rPr lang="en-US" sz="2500" dirty="0" smtClean="0">
+                <a:solidFill>
+                  <a:schemeClr val="bg1"/>
+                </a:solidFill>
+                <a:latin typeface="+mj-lt"/>
+                <a:cs typeface="Courier New" panose="02070309020205020404" pitchFamily="49" charset="0"/>
+              </a:rPr>
+              <a:t> </a:t>
+            </a:r>
+            <a:r>
+              <a:rPr lang="bg-BG" sz="2500" dirty="0" smtClean="0">
+                <a:solidFill>
+                  <a:schemeClr val="bg1"/>
+                </a:solidFill>
+                <a:latin typeface="+mj-lt"/>
+                <a:cs typeface="Courier New" panose="02070309020205020404" pitchFamily="49" charset="0"/>
+              </a:rPr>
+              <a:t>е </a:t>
+            </a:r>
+            <a:r>
+              <a:rPr lang="en-US" sz="2500" dirty="0" err="1" smtClean="0">
+                <a:solidFill>
+                  <a:schemeClr val="bg1"/>
+                </a:solidFill>
+                <a:latin typeface="+mj-lt"/>
+                <a:cs typeface="Courier New" panose="02070309020205020404" pitchFamily="49" charset="0"/>
+              </a:rPr>
+              <a:t>addEventListener</a:t>
+            </a:r>
+            <a:r>
+              <a:rPr lang="en-US" sz="2500" dirty="0" smtClean="0">
+                <a:solidFill>
+                  <a:schemeClr val="bg1"/>
+                </a:solidFill>
+                <a:latin typeface="+mj-lt"/>
+                <a:cs typeface="Courier New" panose="02070309020205020404" pitchFamily="49" charset="0"/>
+              </a:rPr>
+              <a:t>(). </a:t>
+            </a:r>
+          </a:p>
+          <a:p>
+            <a:r>
+              <a:rPr lang="bg-BG" sz="2500" dirty="0" smtClean="0">
+                <a:solidFill>
+                  <a:schemeClr val="bg1"/>
+                </a:solidFill>
+                <a:latin typeface="+mj-lt"/>
+                <a:cs typeface="Courier New" panose="02070309020205020404" pitchFamily="49" charset="0"/>
+              </a:rPr>
+              <a:t>Синтаксисът за добавяне на </a:t>
+            </a:r>
+            <a:r>
+              <a:rPr lang="en-US" sz="2500" dirty="0" err="1" smtClean="0">
+                <a:solidFill>
+                  <a:schemeClr val="bg1"/>
+                </a:solidFill>
+                <a:latin typeface="+mj-lt"/>
+                <a:cs typeface="Courier New" panose="02070309020205020404" pitchFamily="49" charset="0"/>
+              </a:rPr>
+              <a:t>eventListener</a:t>
+            </a:r>
+            <a:r>
+              <a:rPr lang="en-US" sz="2500" dirty="0" smtClean="0">
+                <a:solidFill>
+                  <a:schemeClr val="bg1"/>
+                </a:solidFill>
+                <a:latin typeface="+mj-lt"/>
+                <a:cs typeface="Courier New" panose="02070309020205020404" pitchFamily="49" charset="0"/>
+              </a:rPr>
+              <a:t> </a:t>
+            </a:r>
+            <a:r>
+              <a:rPr lang="bg-BG" sz="2500" dirty="0" smtClean="0">
+                <a:solidFill>
+                  <a:schemeClr val="bg1"/>
+                </a:solidFill>
+                <a:latin typeface="+mj-lt"/>
+                <a:cs typeface="Courier New" panose="02070309020205020404" pitchFamily="49" charset="0"/>
+              </a:rPr>
+              <a:t>е следният:</a:t>
+            </a:r>
+          </a:p>
+          <a:p>
+            <a:r>
+              <a:rPr lang="en-US" dirty="0" err="1">
+                <a:solidFill>
+                  <a:schemeClr val="bg1"/>
+                </a:solidFill>
+                <a:latin typeface="Courier New" panose="02070309020205020404" pitchFamily="49" charset="0"/>
+                <a:cs typeface="Courier New" panose="02070309020205020404" pitchFamily="49" charset="0"/>
+              </a:rPr>
+              <a:t>element.addEventListener</a:t>
+            </a:r>
+            <a:r>
+              <a:rPr lang="en-US" dirty="0">
+                <a:solidFill>
+                  <a:schemeClr val="bg1"/>
+                </a:solidFill>
+                <a:latin typeface="Courier New" panose="02070309020205020404" pitchFamily="49" charset="0"/>
+                <a:cs typeface="Courier New" panose="02070309020205020404" pitchFamily="49" charset="0"/>
+              </a:rPr>
+              <a:t>(event, </a:t>
+            </a:r>
+            <a:r>
+              <a:rPr lang="en-US" dirty="0" smtClean="0">
+                <a:solidFill>
+                  <a:schemeClr val="bg1"/>
+                </a:solidFill>
+                <a:latin typeface="Courier New" panose="02070309020205020404" pitchFamily="49" charset="0"/>
+                <a:cs typeface="Courier New" panose="02070309020205020404" pitchFamily="49" charset="0"/>
+              </a:rPr>
+              <a:t>function);</a:t>
+            </a:r>
+            <a:endParaRPr lang="bg-BG" dirty="0" smtClean="0">
               <a:solidFill>
-                <a:schemeClr val="bg1">
-                  <a:lumMod val="95000"/>
-                </a:schemeClr>
+                <a:schemeClr val="bg1"/>
               </a:solidFill>
+              <a:latin typeface="Courier New" panose="02070309020205020404" pitchFamily="49" charset="0"/>
+              <a:cs typeface="Courier New" panose="02070309020205020404" pitchFamily="49" charset="0"/>
             </a:endParaRPr>
           </a:p>
           <a:p>
-            <a:pPr marL="457200" indent="-457200">
-              <a:buAutoNum type="arabicPeriod" startAt="8"/>
-            </a:pPr>
-            <a:r>
-              <a:rPr lang="bg-BG" sz="2000" b="1" dirty="0" smtClean="0">
-                <a:solidFill>
-                  <a:schemeClr val="bg1">
-                    <a:lumMod val="95000"/>
-                  </a:schemeClr>
-                </a:solidFill>
-              </a:rPr>
-              <a:t>Напишете скрипт, който използва масив от 5 елемента и връща нов масив, който представлява индексите на стария, умножени по 7. Старият масив трябва да изглежда по следния начин:</a:t>
-            </a:r>
-          </a:p>
-          <a:p>
-            <a:pPr marL="400050" lvl="1" indent="0">
-              <a:buNone/>
-            </a:pPr>
-            <a:r>
-              <a:rPr lang="en-US" sz="2000" dirty="0" smtClean="0">
-                <a:solidFill>
-                  <a:schemeClr val="bg1">
-                    <a:lumMod val="95000"/>
-                  </a:schemeClr>
-                </a:solidFill>
-              </a:rPr>
-              <a:t>[6, 4, 3, 0, 9]</a:t>
-            </a:r>
-          </a:p>
-          <a:p>
-            <a:pPr marL="400050" lvl="1" indent="0">
-              <a:buNone/>
-            </a:pPr>
-            <a:r>
-              <a:rPr lang="bg-BG" sz="2000" b="1" dirty="0" smtClean="0">
-                <a:solidFill>
-                  <a:schemeClr val="bg1">
-                    <a:lumMod val="95000"/>
-                  </a:schemeClr>
-                </a:solidFill>
-              </a:rPr>
-              <a:t>Новият масив трябва изглежда по следния начин:</a:t>
-            </a:r>
-          </a:p>
-          <a:p>
-            <a:pPr marL="400050" lvl="1" indent="0">
-              <a:buNone/>
-            </a:pPr>
-            <a:r>
-              <a:rPr lang="en-US" sz="2000" dirty="0" smtClean="0">
-                <a:solidFill>
-                  <a:schemeClr val="bg1">
-                    <a:lumMod val="95000"/>
-                  </a:schemeClr>
-                </a:solidFill>
-              </a:rPr>
-              <a:t>[0, 7, 14, 21, 28]</a:t>
-            </a:r>
-            <a:endParaRPr lang="en-US" sz="2000" dirty="0">
+            <a:r>
+              <a:rPr lang="bg-BG" sz="2500" dirty="0" smtClean="0">
+                <a:solidFill>
+                  <a:schemeClr val="bg1"/>
+                </a:solidFill>
+                <a:latin typeface="+mj-lt"/>
+                <a:cs typeface="Courier New" panose="02070309020205020404" pitchFamily="49" charset="0"/>
+              </a:rPr>
+              <a:t>Пример:</a:t>
+            </a:r>
+          </a:p>
+          <a:p>
+            <a:r>
+              <a:rPr lang="bg-BG" sz="2500" dirty="0" smtClean="0">
+                <a:solidFill>
+                  <a:schemeClr val="bg1"/>
+                </a:solidFill>
+                <a:latin typeface="+mj-lt"/>
+                <a:cs typeface="Courier New" panose="02070309020205020404" pitchFamily="49" charset="0"/>
+              </a:rPr>
+              <a:t>ако имам дефиниран елемент </a:t>
+            </a:r>
+            <a:r>
+              <a:rPr lang="en-US" sz="2500" dirty="0" err="1" smtClean="0">
+                <a:solidFill>
+                  <a:schemeClr val="bg1"/>
+                </a:solidFill>
+                <a:latin typeface="+mj-lt"/>
+                <a:cs typeface="Courier New" panose="02070309020205020404" pitchFamily="49" charset="0"/>
+              </a:rPr>
+              <a:t>addRoomsLink</a:t>
+            </a:r>
+            <a:r>
+              <a:rPr lang="en-US" sz="2500" dirty="0" smtClean="0">
+                <a:solidFill>
+                  <a:schemeClr val="bg1"/>
+                </a:solidFill>
+                <a:latin typeface="+mj-lt"/>
+                <a:cs typeface="Courier New" panose="02070309020205020404" pitchFamily="49" charset="0"/>
+              </a:rPr>
+              <a:t>, </a:t>
+            </a:r>
+            <a:r>
+              <a:rPr lang="bg-BG" sz="2500" dirty="0" smtClean="0">
+                <a:solidFill>
+                  <a:schemeClr val="bg1"/>
+                </a:solidFill>
+                <a:latin typeface="+mj-lt"/>
+                <a:cs typeface="Courier New" panose="02070309020205020404" pitchFamily="49" charset="0"/>
+              </a:rPr>
+              <a:t>можем да му добавим </a:t>
+            </a:r>
+            <a:r>
+              <a:rPr lang="en-US" sz="2500" dirty="0" err="1" smtClean="0">
+                <a:solidFill>
+                  <a:schemeClr val="bg1"/>
+                </a:solidFill>
+                <a:latin typeface="+mj-lt"/>
+                <a:cs typeface="Courier New" panose="02070309020205020404" pitchFamily="49" charset="0"/>
+              </a:rPr>
+              <a:t>eventListener</a:t>
+            </a:r>
+            <a:r>
+              <a:rPr lang="en-US" sz="2500" dirty="0" smtClean="0">
+                <a:solidFill>
+                  <a:schemeClr val="bg1"/>
+                </a:solidFill>
+                <a:latin typeface="+mj-lt"/>
+                <a:cs typeface="Courier New" panose="02070309020205020404" pitchFamily="49" charset="0"/>
+              </a:rPr>
+              <a:t> </a:t>
+            </a:r>
+            <a:r>
+              <a:rPr lang="bg-BG" sz="2500" dirty="0" smtClean="0">
+                <a:solidFill>
+                  <a:schemeClr val="bg1"/>
+                </a:solidFill>
+                <a:latin typeface="+mj-lt"/>
+                <a:cs typeface="Courier New" panose="02070309020205020404" pitchFamily="49" charset="0"/>
+              </a:rPr>
+              <a:t>по следния начин:</a:t>
+            </a:r>
+          </a:p>
+          <a:p>
+            <a:r>
+              <a:rPr lang="en-US" dirty="0" err="1" smtClean="0">
+                <a:solidFill>
+                  <a:schemeClr val="bg1"/>
+                </a:solidFill>
+                <a:latin typeface="Courier New" panose="02070309020205020404" pitchFamily="49" charset="0"/>
+                <a:cs typeface="Courier New" panose="02070309020205020404" pitchFamily="49" charset="0"/>
+              </a:rPr>
+              <a:t>addRoomsLink.addEventListener</a:t>
+            </a:r>
+            <a:r>
+              <a:rPr lang="en-US" dirty="0" smtClean="0">
+                <a:solidFill>
+                  <a:schemeClr val="bg1"/>
+                </a:solidFill>
+                <a:latin typeface="Courier New" panose="02070309020205020404" pitchFamily="49" charset="0"/>
+                <a:cs typeface="Courier New" panose="02070309020205020404" pitchFamily="49" charset="0"/>
+              </a:rPr>
+              <a:t>(‘click’, function() {</a:t>
+            </a:r>
+          </a:p>
+          <a:p>
+            <a:r>
+              <a:rPr lang="en-US" dirty="0">
+                <a:solidFill>
+                  <a:schemeClr val="bg1"/>
+                </a:solidFill>
+                <a:latin typeface="Courier New" panose="02070309020205020404" pitchFamily="49" charset="0"/>
+                <a:cs typeface="Courier New" panose="02070309020205020404" pitchFamily="49" charset="0"/>
+              </a:rPr>
+              <a:t>	</a:t>
+            </a:r>
+            <a:r>
+              <a:rPr lang="en-US" dirty="0" smtClean="0">
+                <a:solidFill>
+                  <a:schemeClr val="bg1"/>
+                </a:solidFill>
+                <a:latin typeface="Courier New" panose="02070309020205020404" pitchFamily="49" charset="0"/>
+                <a:cs typeface="Courier New" panose="02070309020205020404" pitchFamily="49" charset="0"/>
+              </a:rPr>
+              <a:t>alert(‘Add rooms link is clicked’);</a:t>
+            </a:r>
+          </a:p>
+          <a:p>
+            <a:r>
+              <a:rPr lang="en-US" dirty="0" smtClean="0">
+                <a:solidFill>
+                  <a:schemeClr val="bg1"/>
+                </a:solidFill>
+                <a:latin typeface="Courier New" panose="02070309020205020404" pitchFamily="49" charset="0"/>
+                <a:cs typeface="Courier New" panose="02070309020205020404" pitchFamily="49" charset="0"/>
+              </a:rPr>
+              <a:t>});</a:t>
+            </a:r>
+            <a:endParaRPr lang="bg-BG" dirty="0" smtClean="0">
               <a:solidFill>
-                <a:schemeClr val="bg1">
-                  <a:lumMod val="95000"/>
-                </a:schemeClr>
+                <a:schemeClr val="bg1"/>
               </a:solidFill>
+              <a:latin typeface="Courier New" panose="02070309020205020404" pitchFamily="49" charset="0"/>
+              <a:cs typeface="Courier New" panose="02070309020205020404" pitchFamily="49" charset="0"/>
             </a:endParaRPr>
           </a:p>
         </p:txBody>
@@ -27026,20 +27694,13 @@
     </p:spTree>
     <p:extLst>
       <p:ext uri="{BB962C8B-B14F-4D97-AF65-F5344CB8AC3E}">
-        <p14:creationId xmlns:p14="http://schemas.microsoft.com/office/powerpoint/2010/main" val="4182690710"/>
+        <p14:creationId xmlns:p14="http://schemas.microsoft.com/office/powerpoint/2010/main" val="2239398974"/>
       </p:ext>
     </p:extLst>
   </p:cSld>
   <p:clrMapOvr>
     <a:masterClrMapping/>
   </p:clrMapOvr>
-  <p:timing>
-    <p:tnLst>
-      <p:par>
-        <p:cTn id="1" dur="indefinite" restart="never" nodeType="tmRoot"/>
-      </p:par>
-    </p:tnLst>
-  </p:timing>
 </p:sld>
 </file>
 
@@ -27072,24 +27733,74 @@
         </p:nvSpPr>
         <p:spPr>
           <a:xfrm>
-            <a:off x="838200" y="685800"/>
+            <a:off x="457200" y="533400"/>
             <a:ext cx="8229600" cy="1143000"/>
           </a:xfrm>
         </p:spPr>
         <p:txBody>
-          <a:bodyPr/>
+          <a:bodyPr>
+            <a:normAutofit/>
+          </a:bodyPr>
           <a:lstStyle/>
           <a:p>
             <a:pPr algn="l"/>
             <a:r>
-              <a:rPr lang="bg-BG" dirty="0" smtClean="0">
+              <a:rPr lang="en-US" sz="2900" dirty="0" smtClean="0">
                 <a:solidFill>
                   <a:schemeClr val="accent6"/>
                 </a:solidFill>
               </a:rPr>
-              <a:t>Задачи за домашна работа</a:t>
-            </a:r>
-            <a:endParaRPr lang="bg-BG" dirty="0">
+              <a:t>JavaScript</a:t>
+            </a:r>
+            <a:r>
+              <a:rPr lang="bg-BG" sz="2900" dirty="0" smtClean="0">
+                <a:solidFill>
+                  <a:schemeClr val="accent6"/>
+                </a:solidFill>
+              </a:rPr>
+              <a:t> –</a:t>
+            </a:r>
+            <a:r>
+              <a:rPr lang="en-US" sz="2900" dirty="0">
+                <a:solidFill>
+                  <a:schemeClr val="accent6"/>
+                </a:solidFill>
+              </a:rPr>
+              <a:t> </a:t>
+            </a:r>
+            <a:r>
+              <a:rPr lang="bg-BG" sz="2900" dirty="0" smtClean="0">
+                <a:solidFill>
+                  <a:schemeClr val="accent6"/>
+                </a:solidFill>
+              </a:rPr>
+              <a:t>Е</a:t>
+            </a:r>
+            <a:r>
+              <a:rPr lang="en-US" sz="2900" dirty="0" smtClean="0">
+                <a:solidFill>
+                  <a:schemeClr val="accent6"/>
+                </a:solidFill>
+              </a:rPr>
+              <a:t>vent</a:t>
+            </a:r>
+            <a:r>
+              <a:rPr lang="bg-BG" sz="2900" dirty="0" smtClean="0">
+                <a:solidFill>
+                  <a:schemeClr val="accent6"/>
+                </a:solidFill>
+              </a:rPr>
+              <a:t> </a:t>
+            </a:r>
+            <a:r>
+              <a:rPr lang="en-US" sz="2900" dirty="0" smtClean="0">
+                <a:solidFill>
+                  <a:schemeClr val="accent6"/>
+                </a:solidFill>
+              </a:rPr>
+              <a:t>Listeners</a:t>
+            </a:r>
+            <a:endParaRPr lang="en-US" sz="2900" dirty="0">
               <a:solidFill>
                 <a:schemeClr val="accent6"/>
               </a:solidFill>
@@ -27099,87 +27810,170 @@
       </p:sp>
       <p:sp>
         <p:nvSpPr>
-          <p:cNvPr id="3" name="Content Placeholder 2"/>
-          <p:cNvSpPr>
-            <a:spLocks noGrp="1"/>
-          </p:cNvSpPr>
-          <p:nvPr>
-            <p:ph idx="1"/>
-          </p:nvPr>
+          <p:cNvPr id="6" name="TextBox 5"/>
+          <p:cNvSpPr txBox="1"/>
+          <p:nvPr/>
         </p:nvSpPr>
         <p:spPr>
           <a:xfrm>
-            <a:off x="762000" y="1676400"/>
-            <a:ext cx="7620000" cy="4648200"/>
+            <a:off x="425355" y="1491734"/>
+            <a:ext cx="8718645" cy="2077492"/>
           </a:xfrm>
+          <a:prstGeom prst="rect">
+            <a:avLst/>
+          </a:prstGeom>
+          <a:noFill/>
         </p:spPr>
         <p:txBody>
-          <a:bodyPr>
-            <a:noAutofit/>
+          <a:bodyPr wrap="square" rtlCol="0">
+            <a:spAutoFit/>
           </a:bodyPr>
           <a:lstStyle/>
           <a:p>
-            <a:pPr marL="0" indent="0">
-              <a:buNone/>
-            </a:pPr>
-            <a:r>
-              <a:rPr lang="en-US" sz="2000" b="1" dirty="0">
-                <a:solidFill>
-                  <a:schemeClr val="bg1">
-                    <a:lumMod val="95000"/>
-                  </a:schemeClr>
-                </a:solidFill>
-              </a:rPr>
-              <a:t>10. </a:t>
-            </a:r>
-            <a:r>
-              <a:rPr lang="bg-BG" sz="2000" b="1" dirty="0">
-                <a:solidFill>
-                  <a:schemeClr val="bg1">
-                    <a:lumMod val="95000"/>
-                  </a:schemeClr>
-                </a:solidFill>
-              </a:rPr>
-              <a:t>Напишете скрипт, който намира най-често срещаното число в седния масйв: </a:t>
-            </a:r>
-            <a:endParaRPr lang="en-US" sz="2000" b="1" dirty="0">
+            <a:r>
+              <a:rPr lang="bg-BG" sz="2500" dirty="0" smtClean="0">
+                <a:solidFill>
+                  <a:schemeClr val="bg1"/>
+                </a:solidFill>
+                <a:latin typeface="+mj-lt"/>
+                <a:cs typeface="Courier New" panose="02070309020205020404" pitchFamily="49" charset="0"/>
+              </a:rPr>
+              <a:t>Особеност на </a:t>
+            </a:r>
+            <a:r>
+              <a:rPr lang="en-US" sz="2500" dirty="0" smtClean="0">
+                <a:solidFill>
+                  <a:schemeClr val="bg1"/>
+                </a:solidFill>
+                <a:latin typeface="+mj-lt"/>
+                <a:cs typeface="Courier New" panose="02070309020205020404" pitchFamily="49" charset="0"/>
+              </a:rPr>
+              <a:t>event listener</a:t>
+            </a:r>
+            <a:r>
+              <a:rPr lang="bg-BG" sz="2500" dirty="0" smtClean="0">
+                <a:solidFill>
+                  <a:schemeClr val="bg1"/>
+                </a:solidFill>
+                <a:latin typeface="+mj-lt"/>
+                <a:cs typeface="Courier New" panose="02070309020205020404" pitchFamily="49" charset="0"/>
+              </a:rPr>
+              <a:t>-ите е, че няколко такива могат да се прикачат към един и същ елемент. Пример:</a:t>
+            </a:r>
+          </a:p>
+          <a:p>
+            <a:endParaRPr lang="bg-BG" sz="2500" dirty="0" smtClean="0">
               <a:solidFill>
-                <a:schemeClr val="bg1">
-                  <a:lumMod val="95000"/>
-                </a:schemeClr>
+                <a:schemeClr val="bg1"/>
               </a:solidFill>
+              <a:latin typeface="+mj-lt"/>
+              <a:cs typeface="Courier New" panose="02070309020205020404" pitchFamily="49" charset="0"/>
             </a:endParaRPr>
           </a:p>
           <a:p>
-            <a:pPr marL="0" indent="0">
-              <a:buNone/>
-            </a:pPr>
-            <a:r>
-              <a:rPr lang="en-US" sz="2000" b="1" dirty="0">
-                <a:solidFill>
-                  <a:schemeClr val="bg1">
-                    <a:lumMod val="95000"/>
-                  </a:schemeClr>
-                </a:solidFill>
-              </a:rPr>
-              <a:t>       </a:t>
-            </a:r>
-            <a:r>
-              <a:rPr lang="en-US" sz="2000" dirty="0">
-                <a:solidFill>
-                  <a:schemeClr val="bg1">
-                    <a:lumMod val="95000"/>
-                  </a:schemeClr>
-                </a:solidFill>
-              </a:rPr>
-              <a:t>[0, 4, 1, 3, 4, 6, 3, 4, 9, 9, 4, 1, 4]</a:t>
-            </a:r>
-            <a:endParaRPr lang="bg-BG" sz="2000" dirty="0">
+            <a:r>
+              <a:rPr lang="en-US" dirty="0" err="1" smtClean="0">
+                <a:solidFill>
+                  <a:schemeClr val="bg1"/>
+                </a:solidFill>
+                <a:latin typeface="Courier New" panose="02070309020205020404" pitchFamily="49" charset="0"/>
+                <a:cs typeface="Courier New" panose="02070309020205020404" pitchFamily="49" charset="0"/>
+              </a:rPr>
+              <a:t>someElement.addEventListener</a:t>
+            </a:r>
+            <a:r>
+              <a:rPr lang="en-US" dirty="0" smtClean="0">
+                <a:solidFill>
+                  <a:schemeClr val="bg1"/>
+                </a:solidFill>
+                <a:latin typeface="Courier New" panose="02070309020205020404" pitchFamily="49" charset="0"/>
+                <a:cs typeface="Courier New" panose="02070309020205020404" pitchFamily="49" charset="0"/>
+              </a:rPr>
+              <a:t>(‘click’, </a:t>
+            </a:r>
+            <a:r>
+              <a:rPr lang="en-US" dirty="0" err="1" smtClean="0">
+                <a:solidFill>
+                  <a:schemeClr val="bg1"/>
+                </a:solidFill>
+                <a:latin typeface="Courier New" panose="02070309020205020404" pitchFamily="49" charset="0"/>
+                <a:cs typeface="Courier New" panose="02070309020205020404" pitchFamily="49" charset="0"/>
+              </a:rPr>
+              <a:t>functionClick</a:t>
+            </a:r>
+            <a:r>
+              <a:rPr lang="en-US" dirty="0" smtClean="0">
+                <a:solidFill>
+                  <a:schemeClr val="bg1"/>
+                </a:solidFill>
+                <a:latin typeface="Courier New" panose="02070309020205020404" pitchFamily="49" charset="0"/>
+                <a:cs typeface="Courier New" panose="02070309020205020404" pitchFamily="49" charset="0"/>
+              </a:rPr>
+              <a:t>());</a:t>
+            </a:r>
+            <a:endParaRPr lang="bg-BG" sz="2500" dirty="0">
               <a:solidFill>
-                <a:schemeClr val="bg1">
-                  <a:lumMod val="95000"/>
-                </a:schemeClr>
+                <a:schemeClr val="bg1"/>
               </a:solidFill>
+              <a:cs typeface="Courier New" panose="02070309020205020404" pitchFamily="49" charset="0"/>
+            </a:endParaRPr>
+          </a:p>
+          <a:p>
+            <a:r>
+              <a:rPr lang="en-US" dirty="0" err="1">
+                <a:solidFill>
+                  <a:schemeClr val="bg1"/>
+                </a:solidFill>
+                <a:latin typeface="Courier New" panose="02070309020205020404" pitchFamily="49" charset="0"/>
+                <a:cs typeface="Courier New" panose="02070309020205020404" pitchFamily="49" charset="0"/>
+              </a:rPr>
+              <a:t>someElement.addEventListener</a:t>
+            </a:r>
+            <a:r>
+              <a:rPr lang="en-US" dirty="0">
+                <a:solidFill>
+                  <a:schemeClr val="bg1"/>
+                </a:solidFill>
+                <a:latin typeface="Courier New" panose="02070309020205020404" pitchFamily="49" charset="0"/>
+                <a:cs typeface="Courier New" panose="02070309020205020404" pitchFamily="49" charset="0"/>
+              </a:rPr>
+              <a:t>(‘click’, </a:t>
+            </a:r>
+            <a:r>
+              <a:rPr lang="en-US" dirty="0" err="1" smtClean="0">
+                <a:solidFill>
+                  <a:schemeClr val="bg1"/>
+                </a:solidFill>
+                <a:latin typeface="Courier New" panose="02070309020205020404" pitchFamily="49" charset="0"/>
+                <a:cs typeface="Courier New" panose="02070309020205020404" pitchFamily="49" charset="0"/>
+              </a:rPr>
+              <a:t>functionChange</a:t>
+            </a:r>
+            <a:r>
+              <a:rPr lang="en-US" dirty="0" smtClean="0">
+                <a:solidFill>
+                  <a:schemeClr val="bg1"/>
+                </a:solidFill>
+                <a:latin typeface="Courier New" panose="02070309020205020404" pitchFamily="49" charset="0"/>
+                <a:cs typeface="Courier New" panose="02070309020205020404" pitchFamily="49" charset="0"/>
+              </a:rPr>
+              <a:t>());</a:t>
+            </a:r>
+            <a:endParaRPr lang="bg-BG" dirty="0">
+              <a:solidFill>
+                <a:schemeClr val="bg1"/>
+              </a:solidFill>
+              <a:latin typeface="Courier New" panose="02070309020205020404" pitchFamily="49" charset="0"/>
+              <a:cs typeface="Courier New" panose="02070309020205020404" pitchFamily="49" charset="0"/>
+            </a:endParaRPr>
+          </a:p>
+          <a:p>
+            <a:endParaRPr lang="bg-BG" dirty="0" smtClean="0">
+              <a:solidFill>
+                <a:schemeClr val="bg1"/>
+              </a:solidFill>
+              <a:latin typeface="Courier New" panose="02070309020205020404" pitchFamily="49" charset="0"/>
+              <a:cs typeface="Courier New" panose="02070309020205020404" pitchFamily="49" charset="0"/>
             </a:endParaRPr>
           </a:p>
         </p:txBody>
@@ -27187,20 +27981,13 @@
     </p:spTree>
     <p:extLst>
       <p:ext uri="{BB962C8B-B14F-4D97-AF65-F5344CB8AC3E}">
-        <p14:creationId xmlns:p14="http://schemas.microsoft.com/office/powerpoint/2010/main" val="3118085067"/>
+        <p14:creationId xmlns:p14="http://schemas.microsoft.com/office/powerpoint/2010/main" val="2972183159"/>
       </p:ext>
     </p:extLst>
   </p:cSld>
   <p:clrMapOvr>
     <a:masterClrMapping/>
   </p:clrMapOvr>
-  <p:timing>
-    <p:tnLst>
-      <p:par>
-        <p:cTn id="1" dur="indefinite" restart="never" nodeType="tmRoot"/>
-      </p:par>
-    </p:tnLst>
-  </p:timing>
 </p:sld>
 </file>
 
@@ -27626,6 +28413,2209 @@
     <p:extLst>
       <p:ext uri="{BB962C8B-B14F-4D97-AF65-F5344CB8AC3E}">
         <p14:creationId xmlns:p14="http://schemas.microsoft.com/office/powerpoint/2010/main" val="2557808601"/>
+      </p:ext>
+    </p:extLst>
+  </p:cSld>
+  <p:clrMapOvr>
+    <a:masterClrMapping/>
+  </p:clrMapOvr>
+  <p:timing>
+    <p:tnLst>
+      <p:par>
+        <p:cTn id="1" dur="indefinite" restart="never" nodeType="tmRoot"/>
+      </p:par>
+    </p:tnLst>
+  </p:timing>
+</p:sld>
+</file>
+
+<file path=ppt/slides/slide70.xml><?xml version="1.0" encoding="utf-8"?>
+<p:sld xmlns:a="http://schemas.openxmlformats.org/drawingml/2006/main" xmlns:r="http://schemas.openxmlformats.org/officeDocument/2006/relationships" xmlns:p="http://schemas.openxmlformats.org/presentationml/2006/main">
+  <p:cSld>
+    <p:spTree>
+      <p:nvGrpSpPr>
+        <p:cNvPr id="1" name=""/>
+        <p:cNvGrpSpPr/>
+        <p:nvPr/>
+      </p:nvGrpSpPr>
+      <p:grpSpPr>
+        <a:xfrm>
+          <a:off x="0" y="0"/>
+          <a:ext cx="0" cy="0"/>
+          <a:chOff x="0" y="0"/>
+          <a:chExt cx="0" cy="0"/>
+        </a:xfrm>
+      </p:grpSpPr>
+      <p:sp>
+        <p:nvSpPr>
+          <p:cNvPr id="2" name="Title 1"/>
+          <p:cNvSpPr>
+            <a:spLocks noGrp="1"/>
+          </p:cNvSpPr>
+          <p:nvPr>
+            <p:ph type="title"/>
+          </p:nvPr>
+        </p:nvSpPr>
+        <p:spPr>
+          <a:xfrm>
+            <a:off x="457200" y="533400"/>
+            <a:ext cx="8229600" cy="1143000"/>
+          </a:xfrm>
+        </p:spPr>
+        <p:txBody>
+          <a:bodyPr>
+            <a:normAutofit/>
+          </a:bodyPr>
+          <a:lstStyle/>
+          <a:p>
+            <a:pPr algn="l"/>
+            <a:r>
+              <a:rPr lang="en-US" sz="2900" dirty="0" smtClean="0">
+                <a:solidFill>
+                  <a:schemeClr val="accent6"/>
+                </a:solidFill>
+              </a:rPr>
+              <a:t>JavaScript</a:t>
+            </a:r>
+            <a:r>
+              <a:rPr lang="bg-BG" sz="2900" dirty="0" smtClean="0">
+                <a:solidFill>
+                  <a:schemeClr val="accent6"/>
+                </a:solidFill>
+              </a:rPr>
+              <a:t> –</a:t>
+            </a:r>
+            <a:r>
+              <a:rPr lang="en-US" sz="2900" dirty="0">
+                <a:solidFill>
+                  <a:schemeClr val="accent6"/>
+                </a:solidFill>
+              </a:rPr>
+              <a:t> </a:t>
+            </a:r>
+            <a:r>
+              <a:rPr lang="bg-BG" sz="2900" dirty="0" smtClean="0">
+                <a:solidFill>
+                  <a:schemeClr val="accent6"/>
+                </a:solidFill>
+              </a:rPr>
+              <a:t>Е</a:t>
+            </a:r>
+            <a:r>
+              <a:rPr lang="en-US" sz="2900" dirty="0" smtClean="0">
+                <a:solidFill>
+                  <a:schemeClr val="accent6"/>
+                </a:solidFill>
+              </a:rPr>
+              <a:t>vent</a:t>
+            </a:r>
+            <a:r>
+              <a:rPr lang="bg-BG" sz="2900" dirty="0" smtClean="0">
+                <a:solidFill>
+                  <a:schemeClr val="accent6"/>
+                </a:solidFill>
+              </a:rPr>
+              <a:t> </a:t>
+            </a:r>
+            <a:r>
+              <a:rPr lang="en-US" sz="2900" dirty="0" smtClean="0">
+                <a:solidFill>
+                  <a:schemeClr val="accent6"/>
+                </a:solidFill>
+              </a:rPr>
+              <a:t>Listeners</a:t>
+            </a:r>
+            <a:endParaRPr lang="en-US" sz="2900" dirty="0">
+              <a:solidFill>
+                <a:schemeClr val="accent6"/>
+              </a:solidFill>
+            </a:endParaRPr>
+          </a:p>
+        </p:txBody>
+      </p:sp>
+      <p:sp>
+        <p:nvSpPr>
+          <p:cNvPr id="6" name="TextBox 5"/>
+          <p:cNvSpPr txBox="1"/>
+          <p:nvPr/>
+        </p:nvSpPr>
+        <p:spPr>
+          <a:xfrm>
+            <a:off x="425355" y="1491734"/>
+            <a:ext cx="8718645" cy="3570208"/>
+          </a:xfrm>
+          <a:prstGeom prst="rect">
+            <a:avLst/>
+          </a:prstGeom>
+          <a:noFill/>
+        </p:spPr>
+        <p:txBody>
+          <a:bodyPr wrap="square" rtlCol="0">
+            <a:spAutoFit/>
+          </a:bodyPr>
+          <a:lstStyle/>
+          <a:p>
+            <a:r>
+              <a:rPr lang="bg-BG" sz="2500" dirty="0" smtClean="0">
+                <a:solidFill>
+                  <a:schemeClr val="bg1"/>
+                </a:solidFill>
+                <a:latin typeface="+mj-lt"/>
+                <a:cs typeface="Courier New" panose="02070309020205020404" pitchFamily="49" charset="0"/>
+              </a:rPr>
+              <a:t>Пример за добавяне на </a:t>
+            </a:r>
+            <a:r>
+              <a:rPr lang="en-US" sz="2500" dirty="0" smtClean="0">
+                <a:solidFill>
+                  <a:schemeClr val="bg1"/>
+                </a:solidFill>
+                <a:latin typeface="+mj-lt"/>
+                <a:cs typeface="Courier New" panose="02070309020205020404" pitchFamily="49" charset="0"/>
+              </a:rPr>
+              <a:t>event listener </a:t>
+            </a:r>
+            <a:r>
+              <a:rPr lang="bg-BG" sz="2500" dirty="0" smtClean="0">
+                <a:solidFill>
+                  <a:schemeClr val="bg1"/>
+                </a:solidFill>
+                <a:latin typeface="+mj-lt"/>
+                <a:cs typeface="Courier New" panose="02070309020205020404" pitchFamily="49" charset="0"/>
+              </a:rPr>
+              <a:t>за </a:t>
+            </a:r>
+            <a:r>
+              <a:rPr lang="en-US" sz="2500" dirty="0" smtClean="0">
+                <a:solidFill>
+                  <a:schemeClr val="bg1"/>
+                </a:solidFill>
+                <a:latin typeface="+mj-lt"/>
+                <a:cs typeface="Courier New" panose="02070309020205020404" pitchFamily="49" charset="0"/>
+              </a:rPr>
+              <a:t>resize </a:t>
+            </a:r>
+            <a:r>
+              <a:rPr lang="bg-BG" sz="2500" dirty="0" smtClean="0">
+                <a:solidFill>
+                  <a:schemeClr val="bg1"/>
+                </a:solidFill>
+                <a:latin typeface="+mj-lt"/>
+                <a:cs typeface="Courier New" panose="02070309020205020404" pitchFamily="49" charset="0"/>
+              </a:rPr>
+              <a:t>на </a:t>
+            </a:r>
+            <a:r>
+              <a:rPr lang="en-US" sz="2500" dirty="0" smtClean="0">
+                <a:solidFill>
+                  <a:schemeClr val="bg1"/>
+                </a:solidFill>
+                <a:latin typeface="+mj-lt"/>
+                <a:cs typeface="Courier New" panose="02070309020205020404" pitchFamily="49" charset="0"/>
+              </a:rPr>
+              <a:t>window </a:t>
+            </a:r>
+            <a:r>
+              <a:rPr lang="bg-BG" sz="2500" dirty="0" smtClean="0">
+                <a:solidFill>
+                  <a:schemeClr val="bg1"/>
+                </a:solidFill>
+                <a:latin typeface="+mj-lt"/>
+                <a:cs typeface="Courier New" panose="02070309020205020404" pitchFamily="49" charset="0"/>
+              </a:rPr>
+              <a:t>обекта:</a:t>
+            </a:r>
+          </a:p>
+          <a:p>
+            <a:r>
+              <a:rPr lang="en-US" dirty="0" err="1" smtClean="0">
+                <a:solidFill>
+                  <a:schemeClr val="bg1"/>
+                </a:solidFill>
+                <a:latin typeface="Courier New" panose="02070309020205020404" pitchFamily="49" charset="0"/>
+                <a:cs typeface="Courier New" panose="02070309020205020404" pitchFamily="49" charset="0"/>
+              </a:rPr>
+              <a:t>window.</a:t>
+            </a:r>
+            <a:r>
+              <a:rPr lang="en-US" dirty="0" err="1" smtClean="0">
+                <a:solidFill>
+                  <a:schemeClr val="bg1"/>
+                </a:solidFill>
+                <a:latin typeface="Courier New" panose="02070309020205020404" pitchFamily="49" charset="0"/>
+                <a:cs typeface="Courier New" panose="02070309020205020404" pitchFamily="49" charset="0"/>
+              </a:rPr>
+              <a:t>addEventListener</a:t>
+            </a:r>
+            <a:r>
+              <a:rPr lang="en-US" dirty="0" smtClean="0">
+                <a:solidFill>
+                  <a:schemeClr val="bg1"/>
+                </a:solidFill>
+                <a:latin typeface="Courier New" panose="02070309020205020404" pitchFamily="49" charset="0"/>
+                <a:cs typeface="Courier New" panose="02070309020205020404" pitchFamily="49" charset="0"/>
+              </a:rPr>
+              <a:t>(‘resize’, function() {</a:t>
+            </a:r>
+          </a:p>
+          <a:p>
+            <a:r>
+              <a:rPr lang="en-US" dirty="0">
+                <a:solidFill>
+                  <a:schemeClr val="bg1"/>
+                </a:solidFill>
+                <a:latin typeface="Courier New" panose="02070309020205020404" pitchFamily="49" charset="0"/>
+                <a:cs typeface="Courier New" panose="02070309020205020404" pitchFamily="49" charset="0"/>
+              </a:rPr>
+              <a:t>	</a:t>
+            </a:r>
+            <a:r>
+              <a:rPr lang="en-US" dirty="0" smtClean="0">
+                <a:solidFill>
+                  <a:schemeClr val="bg1"/>
+                </a:solidFill>
+                <a:latin typeface="Courier New" panose="02070309020205020404" pitchFamily="49" charset="0"/>
+                <a:cs typeface="Courier New" panose="02070309020205020404" pitchFamily="49" charset="0"/>
+              </a:rPr>
+              <a:t>alert(‘window resized’);</a:t>
+            </a:r>
+          </a:p>
+          <a:p>
+            <a:r>
+              <a:rPr lang="en-US" dirty="0" smtClean="0">
+                <a:solidFill>
+                  <a:schemeClr val="bg1"/>
+                </a:solidFill>
+                <a:latin typeface="Courier New" panose="02070309020205020404" pitchFamily="49" charset="0"/>
+                <a:cs typeface="Courier New" panose="02070309020205020404" pitchFamily="49" charset="0"/>
+              </a:rPr>
+              <a:t>});</a:t>
+            </a:r>
+          </a:p>
+          <a:p>
+            <a:endParaRPr lang="en-US" dirty="0" smtClean="0">
+              <a:solidFill>
+                <a:schemeClr val="bg1"/>
+              </a:solidFill>
+              <a:latin typeface="Courier New" panose="02070309020205020404" pitchFamily="49" charset="0"/>
+              <a:cs typeface="Courier New" panose="02070309020205020404" pitchFamily="49" charset="0"/>
+            </a:endParaRPr>
+          </a:p>
+          <a:p>
+            <a:r>
+              <a:rPr lang="bg-BG" sz="2500" dirty="0" smtClean="0">
+                <a:solidFill>
+                  <a:schemeClr val="bg1"/>
+                </a:solidFill>
+                <a:latin typeface="+mj-lt"/>
+                <a:cs typeface="Courier New" panose="02070309020205020404" pitchFamily="49" charset="0"/>
+              </a:rPr>
+              <a:t>Пример за добавяне на </a:t>
+            </a:r>
+            <a:r>
+              <a:rPr lang="en-US" sz="2500" dirty="0" smtClean="0">
+                <a:solidFill>
+                  <a:schemeClr val="bg1"/>
+                </a:solidFill>
+                <a:latin typeface="+mj-lt"/>
+                <a:cs typeface="Courier New" panose="02070309020205020404" pitchFamily="49" charset="0"/>
+              </a:rPr>
+              <a:t>event listener </a:t>
+            </a:r>
+            <a:r>
+              <a:rPr lang="bg-BG" sz="2500" dirty="0" smtClean="0">
+                <a:solidFill>
+                  <a:schemeClr val="bg1"/>
+                </a:solidFill>
+                <a:latin typeface="+mj-lt"/>
+                <a:cs typeface="Courier New" panose="02070309020205020404" pitchFamily="49" charset="0"/>
+              </a:rPr>
+              <a:t>за </a:t>
+            </a:r>
+            <a:r>
+              <a:rPr lang="en-US" sz="2500" dirty="0" smtClean="0">
+                <a:solidFill>
+                  <a:schemeClr val="bg1"/>
+                </a:solidFill>
+                <a:latin typeface="+mj-lt"/>
+                <a:cs typeface="Courier New" panose="02070309020205020404" pitchFamily="49" charset="0"/>
+              </a:rPr>
+              <a:t>load </a:t>
+            </a:r>
+            <a:r>
+              <a:rPr lang="bg-BG" sz="2500" dirty="0" smtClean="0">
+                <a:solidFill>
+                  <a:schemeClr val="bg1"/>
+                </a:solidFill>
+                <a:latin typeface="+mj-lt"/>
+                <a:cs typeface="Courier New" panose="02070309020205020404" pitchFamily="49" charset="0"/>
+              </a:rPr>
+              <a:t>на </a:t>
+            </a:r>
+            <a:r>
+              <a:rPr lang="en-US" sz="2500" dirty="0" smtClean="0">
+                <a:solidFill>
+                  <a:schemeClr val="bg1"/>
+                </a:solidFill>
+                <a:latin typeface="+mj-lt"/>
+                <a:cs typeface="Courier New" panose="02070309020205020404" pitchFamily="49" charset="0"/>
+              </a:rPr>
+              <a:t>document </a:t>
+            </a:r>
+            <a:r>
+              <a:rPr lang="bg-BG" sz="2500" dirty="0" smtClean="0">
+                <a:solidFill>
+                  <a:schemeClr val="bg1"/>
+                </a:solidFill>
+                <a:latin typeface="+mj-lt"/>
+                <a:cs typeface="Courier New" panose="02070309020205020404" pitchFamily="49" charset="0"/>
+              </a:rPr>
+              <a:t>обекта:</a:t>
+            </a:r>
+          </a:p>
+          <a:p>
+            <a:r>
+              <a:rPr lang="en-US" dirty="0" err="1" smtClean="0">
+                <a:solidFill>
+                  <a:schemeClr val="bg1"/>
+                </a:solidFill>
+                <a:latin typeface="Courier New" panose="02070309020205020404" pitchFamily="49" charset="0"/>
+                <a:cs typeface="Courier New" panose="02070309020205020404" pitchFamily="49" charset="0"/>
+              </a:rPr>
+              <a:t>Document.addEventListener</a:t>
+            </a:r>
+            <a:r>
+              <a:rPr lang="en-US" dirty="0" smtClean="0">
+                <a:solidFill>
+                  <a:schemeClr val="bg1"/>
+                </a:solidFill>
+                <a:latin typeface="Courier New" panose="02070309020205020404" pitchFamily="49" charset="0"/>
+                <a:cs typeface="Courier New" panose="02070309020205020404" pitchFamily="49" charset="0"/>
+              </a:rPr>
+              <a:t>(‘load’, function() {</a:t>
+            </a:r>
+          </a:p>
+          <a:p>
+            <a:r>
+              <a:rPr lang="en-US" dirty="0">
+                <a:solidFill>
+                  <a:schemeClr val="bg1"/>
+                </a:solidFill>
+                <a:latin typeface="Courier New" panose="02070309020205020404" pitchFamily="49" charset="0"/>
+                <a:cs typeface="Courier New" panose="02070309020205020404" pitchFamily="49" charset="0"/>
+              </a:rPr>
+              <a:t>	</a:t>
+            </a:r>
+            <a:r>
+              <a:rPr lang="en-US" dirty="0" smtClean="0">
+                <a:solidFill>
+                  <a:schemeClr val="bg1"/>
+                </a:solidFill>
+                <a:latin typeface="Courier New" panose="02070309020205020404" pitchFamily="49" charset="0"/>
+                <a:cs typeface="Courier New" panose="02070309020205020404" pitchFamily="49" charset="0"/>
+              </a:rPr>
+              <a:t>alert(‘document loaded’);</a:t>
+            </a:r>
+          </a:p>
+          <a:p>
+            <a:r>
+              <a:rPr lang="en-US" dirty="0" smtClean="0">
+                <a:solidFill>
+                  <a:schemeClr val="bg1"/>
+                </a:solidFill>
+                <a:latin typeface="Courier New" panose="02070309020205020404" pitchFamily="49" charset="0"/>
+                <a:cs typeface="Courier New" panose="02070309020205020404" pitchFamily="49" charset="0"/>
+              </a:rPr>
+              <a:t>});</a:t>
+            </a:r>
+            <a:endParaRPr lang="bg-BG" dirty="0" smtClean="0">
+              <a:solidFill>
+                <a:schemeClr val="bg1"/>
+              </a:solidFill>
+              <a:latin typeface="Courier New" panose="02070309020205020404" pitchFamily="49" charset="0"/>
+              <a:cs typeface="Courier New" panose="02070309020205020404" pitchFamily="49" charset="0"/>
+            </a:endParaRPr>
+          </a:p>
+        </p:txBody>
+      </p:sp>
+    </p:spTree>
+    <p:extLst>
+      <p:ext uri="{BB962C8B-B14F-4D97-AF65-F5344CB8AC3E}">
+        <p14:creationId xmlns:p14="http://schemas.microsoft.com/office/powerpoint/2010/main" val="3092717625"/>
+      </p:ext>
+    </p:extLst>
+  </p:cSld>
+  <p:clrMapOvr>
+    <a:masterClrMapping/>
+  </p:clrMapOvr>
+</p:sld>
+</file>
+
+<file path=ppt/slides/slide71.xml><?xml version="1.0" encoding="utf-8"?>
+<p:sld xmlns:a="http://schemas.openxmlformats.org/drawingml/2006/main" xmlns:r="http://schemas.openxmlformats.org/officeDocument/2006/relationships" xmlns:p="http://schemas.openxmlformats.org/presentationml/2006/main">
+  <p:cSld>
+    <p:spTree>
+      <p:nvGrpSpPr>
+        <p:cNvPr id="1" name=""/>
+        <p:cNvGrpSpPr/>
+        <p:nvPr/>
+      </p:nvGrpSpPr>
+      <p:grpSpPr>
+        <a:xfrm>
+          <a:off x="0" y="0"/>
+          <a:ext cx="0" cy="0"/>
+          <a:chOff x="0" y="0"/>
+          <a:chExt cx="0" cy="0"/>
+        </a:xfrm>
+      </p:grpSpPr>
+      <p:sp>
+        <p:nvSpPr>
+          <p:cNvPr id="2" name="Title 1"/>
+          <p:cNvSpPr>
+            <a:spLocks noGrp="1"/>
+          </p:cNvSpPr>
+          <p:nvPr>
+            <p:ph type="title"/>
+          </p:nvPr>
+        </p:nvSpPr>
+        <p:spPr>
+          <a:xfrm>
+            <a:off x="457200" y="533400"/>
+            <a:ext cx="8229600" cy="1143000"/>
+          </a:xfrm>
+        </p:spPr>
+        <p:txBody>
+          <a:bodyPr>
+            <a:normAutofit/>
+          </a:bodyPr>
+          <a:lstStyle/>
+          <a:p>
+            <a:pPr algn="l"/>
+            <a:r>
+              <a:rPr lang="en-US" sz="2900" dirty="0" smtClean="0">
+                <a:solidFill>
+                  <a:schemeClr val="accent6"/>
+                </a:solidFill>
+              </a:rPr>
+              <a:t>JavaScript</a:t>
+            </a:r>
+            <a:r>
+              <a:rPr lang="bg-BG" sz="2900" dirty="0" smtClean="0">
+                <a:solidFill>
+                  <a:schemeClr val="accent6"/>
+                </a:solidFill>
+              </a:rPr>
+              <a:t> –</a:t>
+            </a:r>
+            <a:r>
+              <a:rPr lang="en-US" sz="2900" dirty="0">
+                <a:solidFill>
+                  <a:schemeClr val="accent6"/>
+                </a:solidFill>
+              </a:rPr>
+              <a:t> </a:t>
+            </a:r>
+            <a:r>
+              <a:rPr lang="en-US" sz="2900" dirty="0" smtClean="0">
+                <a:solidFill>
+                  <a:schemeClr val="accent6"/>
+                </a:solidFill>
+              </a:rPr>
+              <a:t>HTML</a:t>
+            </a:r>
+            <a:r>
+              <a:rPr lang="bg-BG" sz="2900" dirty="0" smtClean="0">
+                <a:solidFill>
+                  <a:schemeClr val="accent6"/>
+                </a:solidFill>
+              </a:rPr>
+              <a:t> и </a:t>
+            </a:r>
+            <a:r>
+              <a:rPr lang="en-US" sz="2900" dirty="0" smtClean="0">
+                <a:solidFill>
+                  <a:schemeClr val="accent6"/>
+                </a:solidFill>
+              </a:rPr>
+              <a:t>CSS</a:t>
+            </a:r>
+            <a:endParaRPr lang="en-US" sz="2900" dirty="0">
+              <a:solidFill>
+                <a:schemeClr val="accent6"/>
+              </a:solidFill>
+            </a:endParaRPr>
+          </a:p>
+        </p:txBody>
+      </p:sp>
+      <p:sp>
+        <p:nvSpPr>
+          <p:cNvPr id="6" name="TextBox 5"/>
+          <p:cNvSpPr txBox="1"/>
+          <p:nvPr/>
+        </p:nvSpPr>
+        <p:spPr>
+          <a:xfrm>
+            <a:off x="425355" y="1491734"/>
+            <a:ext cx="8718645" cy="4339650"/>
+          </a:xfrm>
+          <a:prstGeom prst="rect">
+            <a:avLst/>
+          </a:prstGeom>
+          <a:noFill/>
+        </p:spPr>
+        <p:txBody>
+          <a:bodyPr wrap="square" rtlCol="0">
+            <a:spAutoFit/>
+          </a:bodyPr>
+          <a:lstStyle/>
+          <a:p>
+            <a:r>
+              <a:rPr lang="bg-BG" sz="2500" dirty="0" smtClean="0">
+                <a:solidFill>
+                  <a:schemeClr val="bg1"/>
+                </a:solidFill>
+                <a:latin typeface="+mj-lt"/>
+                <a:cs typeface="Courier New" panose="02070309020205020404" pitchFamily="49" charset="0"/>
+              </a:rPr>
+              <a:t>С </a:t>
+            </a:r>
+            <a:r>
+              <a:rPr lang="en-US" sz="2500" dirty="0" smtClean="0">
+                <a:solidFill>
+                  <a:schemeClr val="bg1"/>
+                </a:solidFill>
+                <a:latin typeface="+mj-lt"/>
+                <a:cs typeface="Courier New" panose="02070309020205020404" pitchFamily="49" charset="0"/>
+              </a:rPr>
+              <a:t>JavaScript </a:t>
+            </a:r>
+            <a:r>
+              <a:rPr lang="bg-BG" sz="2500" dirty="0" smtClean="0">
+                <a:solidFill>
+                  <a:schemeClr val="bg1"/>
+                </a:solidFill>
+                <a:latin typeface="+mj-lt"/>
+                <a:cs typeface="Courier New" panose="02070309020205020404" pitchFamily="49" charset="0"/>
+              </a:rPr>
+              <a:t>може да манипулираме съдържанието и стиловете на </a:t>
+            </a:r>
+            <a:r>
+              <a:rPr lang="en-US" sz="2500" dirty="0" smtClean="0">
+                <a:solidFill>
+                  <a:schemeClr val="bg1"/>
+                </a:solidFill>
+                <a:latin typeface="+mj-lt"/>
+                <a:cs typeface="Courier New" panose="02070309020205020404" pitchFamily="49" charset="0"/>
+              </a:rPr>
+              <a:t>HTML </a:t>
+            </a:r>
+            <a:r>
+              <a:rPr lang="bg-BG" sz="2500" dirty="0" smtClean="0">
+                <a:solidFill>
+                  <a:schemeClr val="bg1"/>
+                </a:solidFill>
+                <a:latin typeface="+mj-lt"/>
+                <a:cs typeface="Courier New" panose="02070309020205020404" pitchFamily="49" charset="0"/>
+              </a:rPr>
+              <a:t>елементите. </a:t>
+            </a:r>
+            <a:endParaRPr lang="en-US" sz="2500" dirty="0" smtClean="0">
+              <a:solidFill>
+                <a:schemeClr val="bg1"/>
+              </a:solidFill>
+              <a:latin typeface="+mj-lt"/>
+              <a:cs typeface="Courier New" panose="02070309020205020404" pitchFamily="49" charset="0"/>
+            </a:endParaRPr>
+          </a:p>
+          <a:p>
+            <a:r>
+              <a:rPr lang="bg-BG" sz="2500" dirty="0" smtClean="0">
+                <a:solidFill>
+                  <a:schemeClr val="bg1"/>
+                </a:solidFill>
+                <a:latin typeface="+mj-lt"/>
+                <a:cs typeface="Courier New" panose="02070309020205020404" pitchFamily="49" charset="0"/>
+              </a:rPr>
+              <a:t>Синтаксисът за смяна на </a:t>
+            </a:r>
+            <a:r>
+              <a:rPr lang="en-US" sz="2500" dirty="0" smtClean="0">
+                <a:solidFill>
+                  <a:schemeClr val="bg1"/>
+                </a:solidFill>
+                <a:latin typeface="+mj-lt"/>
+                <a:cs typeface="Courier New" panose="02070309020205020404" pitchFamily="49" charset="0"/>
+              </a:rPr>
+              <a:t>HTML </a:t>
+            </a:r>
+            <a:r>
+              <a:rPr lang="bg-BG" sz="2500" dirty="0" smtClean="0">
+                <a:solidFill>
+                  <a:schemeClr val="bg1"/>
+                </a:solidFill>
+                <a:latin typeface="+mj-lt"/>
+                <a:cs typeface="Courier New" panose="02070309020205020404" pitchFamily="49" charset="0"/>
+              </a:rPr>
+              <a:t>съдържание е следният:</a:t>
+            </a:r>
+          </a:p>
+          <a:p>
+            <a:r>
+              <a:rPr lang="en-US" dirty="0" err="1">
+                <a:solidFill>
+                  <a:schemeClr val="bg1"/>
+                </a:solidFill>
+                <a:latin typeface="Courier New" panose="02070309020205020404" pitchFamily="49" charset="0"/>
+                <a:cs typeface="Courier New" panose="02070309020205020404" pitchFamily="49" charset="0"/>
+              </a:rPr>
+              <a:t>document.getElementById</a:t>
+            </a:r>
+            <a:r>
+              <a:rPr lang="en-US" dirty="0">
+                <a:solidFill>
+                  <a:schemeClr val="bg1"/>
+                </a:solidFill>
+                <a:latin typeface="Courier New" panose="02070309020205020404" pitchFamily="49" charset="0"/>
+                <a:cs typeface="Courier New" panose="02070309020205020404" pitchFamily="49" charset="0"/>
+              </a:rPr>
+              <a:t>(id).</a:t>
+            </a:r>
+            <a:r>
+              <a:rPr lang="en-US" dirty="0" err="1">
+                <a:solidFill>
+                  <a:schemeClr val="bg1"/>
+                </a:solidFill>
+                <a:latin typeface="Courier New" panose="02070309020205020404" pitchFamily="49" charset="0"/>
+                <a:cs typeface="Courier New" panose="02070309020205020404" pitchFamily="49" charset="0"/>
+              </a:rPr>
+              <a:t>innerHTML</a:t>
+            </a:r>
+            <a:r>
+              <a:rPr lang="en-US" dirty="0">
+                <a:solidFill>
+                  <a:schemeClr val="bg1"/>
+                </a:solidFill>
+                <a:latin typeface="Courier New" panose="02070309020205020404" pitchFamily="49" charset="0"/>
+                <a:cs typeface="Courier New" panose="02070309020205020404" pitchFamily="49" charset="0"/>
+              </a:rPr>
+              <a:t> = new </a:t>
+            </a:r>
+            <a:r>
+              <a:rPr lang="en-US" dirty="0" smtClean="0">
+                <a:solidFill>
+                  <a:schemeClr val="bg1"/>
+                </a:solidFill>
+                <a:latin typeface="Courier New" panose="02070309020205020404" pitchFamily="49" charset="0"/>
+                <a:cs typeface="Courier New" panose="02070309020205020404" pitchFamily="49" charset="0"/>
+              </a:rPr>
+              <a:t>HTML</a:t>
+            </a:r>
+          </a:p>
+          <a:p>
+            <a:r>
+              <a:rPr lang="bg-BG" sz="2500" dirty="0" smtClean="0">
+                <a:solidFill>
+                  <a:schemeClr val="bg1"/>
+                </a:solidFill>
+                <a:latin typeface="+mj-lt"/>
+                <a:cs typeface="Courier New" panose="02070309020205020404" pitchFamily="49" charset="0"/>
+              </a:rPr>
+              <a:t>Синтаксисът за смяна на стиловете на даден елемент е следният:</a:t>
+            </a:r>
+            <a:endParaRPr lang="en-US" sz="2500" dirty="0" smtClean="0">
+              <a:solidFill>
+                <a:schemeClr val="bg1"/>
+              </a:solidFill>
+              <a:latin typeface="+mj-lt"/>
+              <a:cs typeface="Courier New" panose="02070309020205020404" pitchFamily="49" charset="0"/>
+            </a:endParaRPr>
+          </a:p>
+          <a:p>
+            <a:r>
+              <a:rPr lang="en-US" dirty="0" err="1">
+                <a:solidFill>
+                  <a:schemeClr val="bg1"/>
+                </a:solidFill>
+                <a:latin typeface="Courier New" panose="02070309020205020404" pitchFamily="49" charset="0"/>
+                <a:cs typeface="Courier New" panose="02070309020205020404" pitchFamily="49" charset="0"/>
+              </a:rPr>
+              <a:t>document.getElementById</a:t>
+            </a:r>
+            <a:r>
+              <a:rPr lang="en-US" dirty="0">
+                <a:solidFill>
+                  <a:schemeClr val="bg1"/>
+                </a:solidFill>
+                <a:latin typeface="Courier New" panose="02070309020205020404" pitchFamily="49" charset="0"/>
+                <a:cs typeface="Courier New" panose="02070309020205020404" pitchFamily="49" charset="0"/>
+              </a:rPr>
+              <a:t>(id).</a:t>
+            </a:r>
+            <a:r>
+              <a:rPr lang="en-US" dirty="0" err="1">
+                <a:solidFill>
+                  <a:schemeClr val="bg1"/>
+                </a:solidFill>
+                <a:latin typeface="Courier New" panose="02070309020205020404" pitchFamily="49" charset="0"/>
+                <a:cs typeface="Courier New" panose="02070309020205020404" pitchFamily="49" charset="0"/>
+              </a:rPr>
+              <a:t>style.property</a:t>
+            </a:r>
+            <a:r>
+              <a:rPr lang="en-US" dirty="0">
+                <a:solidFill>
+                  <a:schemeClr val="bg1"/>
+                </a:solidFill>
+                <a:latin typeface="Courier New" panose="02070309020205020404" pitchFamily="49" charset="0"/>
+                <a:cs typeface="Courier New" panose="02070309020205020404" pitchFamily="49" charset="0"/>
+              </a:rPr>
+              <a:t>=new style</a:t>
+            </a:r>
+            <a:endParaRPr lang="bg-BG" dirty="0">
+              <a:solidFill>
+                <a:schemeClr val="bg1"/>
+              </a:solidFill>
+              <a:latin typeface="Courier New" panose="02070309020205020404" pitchFamily="49" charset="0"/>
+              <a:cs typeface="Courier New" panose="02070309020205020404" pitchFamily="49" charset="0"/>
+            </a:endParaRPr>
+          </a:p>
+          <a:p>
+            <a:r>
+              <a:rPr lang="bg-BG" sz="2500" dirty="0" smtClean="0">
+                <a:solidFill>
+                  <a:schemeClr val="bg1"/>
+                </a:solidFill>
+                <a:latin typeface="+mj-lt"/>
+                <a:cs typeface="Courier New" panose="02070309020205020404" pitchFamily="49" charset="0"/>
+              </a:rPr>
+              <a:t>Пример:</a:t>
+            </a:r>
+          </a:p>
+          <a:p>
+            <a:r>
+              <a:rPr lang="en-US" dirty="0" err="1" smtClean="0">
+                <a:solidFill>
+                  <a:schemeClr val="bg1"/>
+                </a:solidFill>
+                <a:latin typeface="Courier New" panose="02070309020205020404" pitchFamily="49" charset="0"/>
+                <a:cs typeface="Courier New" panose="02070309020205020404" pitchFamily="49" charset="0"/>
+              </a:rPr>
+              <a:t>var</a:t>
+            </a:r>
+            <a:r>
+              <a:rPr lang="en-US" dirty="0" smtClean="0">
+                <a:solidFill>
+                  <a:schemeClr val="bg1"/>
+                </a:solidFill>
+                <a:latin typeface="Courier New" panose="02070309020205020404" pitchFamily="49" charset="0"/>
+                <a:cs typeface="Courier New" panose="02070309020205020404" pitchFamily="49" charset="0"/>
+              </a:rPr>
+              <a:t> </a:t>
+            </a:r>
+            <a:r>
+              <a:rPr lang="en-US" dirty="0" err="1" smtClean="0">
+                <a:solidFill>
+                  <a:schemeClr val="bg1"/>
+                </a:solidFill>
+                <a:latin typeface="Courier New" panose="02070309020205020404" pitchFamily="49" charset="0"/>
+                <a:cs typeface="Courier New" panose="02070309020205020404" pitchFamily="49" charset="0"/>
+              </a:rPr>
+              <a:t>myText</a:t>
+            </a:r>
+            <a:r>
+              <a:rPr lang="en-US" dirty="0" smtClean="0">
+                <a:solidFill>
+                  <a:schemeClr val="bg1"/>
+                </a:solidFill>
+                <a:latin typeface="Courier New" panose="02070309020205020404" pitchFamily="49" charset="0"/>
+                <a:cs typeface="Courier New" panose="02070309020205020404" pitchFamily="49" charset="0"/>
+              </a:rPr>
+              <a:t> = </a:t>
+            </a:r>
+            <a:r>
+              <a:rPr lang="en-US" dirty="0" err="1" smtClean="0">
+                <a:solidFill>
+                  <a:schemeClr val="bg1"/>
+                </a:solidFill>
+                <a:latin typeface="Courier New" panose="02070309020205020404" pitchFamily="49" charset="0"/>
+                <a:cs typeface="Courier New" panose="02070309020205020404" pitchFamily="49" charset="0"/>
+              </a:rPr>
+              <a:t>document.getElementById</a:t>
+            </a:r>
+            <a:r>
+              <a:rPr lang="en-US" dirty="0" smtClean="0">
+                <a:solidFill>
+                  <a:schemeClr val="bg1"/>
+                </a:solidFill>
+                <a:latin typeface="Courier New" panose="02070309020205020404" pitchFamily="49" charset="0"/>
+                <a:cs typeface="Courier New" panose="02070309020205020404" pitchFamily="49" charset="0"/>
+              </a:rPr>
+              <a:t>(‘main’);</a:t>
+            </a:r>
+          </a:p>
+          <a:p>
+            <a:r>
+              <a:rPr lang="en-US" dirty="0" err="1" smtClean="0">
+                <a:solidFill>
+                  <a:schemeClr val="bg1"/>
+                </a:solidFill>
+                <a:latin typeface="Courier New" panose="02070309020205020404" pitchFamily="49" charset="0"/>
+                <a:cs typeface="Courier New" panose="02070309020205020404" pitchFamily="49" charset="0"/>
+              </a:rPr>
+              <a:t>myText.innerHTML</a:t>
+            </a:r>
+            <a:r>
+              <a:rPr lang="en-US" dirty="0" smtClean="0">
+                <a:solidFill>
+                  <a:schemeClr val="bg1"/>
+                </a:solidFill>
+                <a:latin typeface="Courier New" panose="02070309020205020404" pitchFamily="49" charset="0"/>
+                <a:cs typeface="Courier New" panose="02070309020205020404" pitchFamily="49" charset="0"/>
+              </a:rPr>
+              <a:t> = ‘This paragraph changed its content’;</a:t>
+            </a:r>
+          </a:p>
+          <a:p>
+            <a:endParaRPr lang="en-US" dirty="0">
+              <a:solidFill>
+                <a:schemeClr val="bg1"/>
+              </a:solidFill>
+              <a:latin typeface="Courier New" panose="02070309020205020404" pitchFamily="49" charset="0"/>
+              <a:cs typeface="Courier New" panose="02070309020205020404" pitchFamily="49" charset="0"/>
+            </a:endParaRPr>
+          </a:p>
+          <a:p>
+            <a:r>
+              <a:rPr lang="en-US" dirty="0" err="1" smtClean="0">
+                <a:solidFill>
+                  <a:schemeClr val="bg1"/>
+                </a:solidFill>
+                <a:latin typeface="Courier New" panose="02070309020205020404" pitchFamily="49" charset="0"/>
+                <a:cs typeface="Courier New" panose="02070309020205020404" pitchFamily="49" charset="0"/>
+              </a:rPr>
+              <a:t>var</a:t>
+            </a:r>
+            <a:r>
+              <a:rPr lang="en-US" dirty="0" smtClean="0">
+                <a:solidFill>
+                  <a:schemeClr val="bg1"/>
+                </a:solidFill>
+                <a:latin typeface="Courier New" panose="02070309020205020404" pitchFamily="49" charset="0"/>
+                <a:cs typeface="Courier New" panose="02070309020205020404" pitchFamily="49" charset="0"/>
+              </a:rPr>
+              <a:t> </a:t>
+            </a:r>
+            <a:r>
+              <a:rPr lang="en-US" dirty="0" err="1" smtClean="0">
+                <a:solidFill>
+                  <a:schemeClr val="bg1"/>
+                </a:solidFill>
+                <a:latin typeface="Courier New" panose="02070309020205020404" pitchFamily="49" charset="0"/>
+                <a:cs typeface="Courier New" panose="02070309020205020404" pitchFamily="49" charset="0"/>
+              </a:rPr>
+              <a:t>myImg</a:t>
+            </a:r>
+            <a:r>
+              <a:rPr lang="en-US" dirty="0" smtClean="0">
+                <a:solidFill>
+                  <a:schemeClr val="bg1"/>
+                </a:solidFill>
+                <a:latin typeface="Courier New" panose="02070309020205020404" pitchFamily="49" charset="0"/>
+                <a:cs typeface="Courier New" panose="02070309020205020404" pitchFamily="49" charset="0"/>
+              </a:rPr>
+              <a:t> = </a:t>
+            </a:r>
+            <a:r>
+              <a:rPr lang="en-US" dirty="0" err="1" smtClean="0">
+                <a:solidFill>
+                  <a:schemeClr val="bg1"/>
+                </a:solidFill>
+                <a:latin typeface="Courier New" panose="02070309020205020404" pitchFamily="49" charset="0"/>
+                <a:cs typeface="Courier New" panose="02070309020205020404" pitchFamily="49" charset="0"/>
+              </a:rPr>
+              <a:t>document.getElementByTagName</a:t>
+            </a:r>
+            <a:r>
+              <a:rPr lang="en-US" dirty="0" smtClean="0">
+                <a:solidFill>
+                  <a:schemeClr val="bg1"/>
+                </a:solidFill>
+                <a:latin typeface="Courier New" panose="02070309020205020404" pitchFamily="49" charset="0"/>
+                <a:cs typeface="Courier New" panose="02070309020205020404" pitchFamily="49" charset="0"/>
+              </a:rPr>
+              <a:t>(‘</a:t>
+            </a:r>
+            <a:r>
+              <a:rPr lang="en-US" dirty="0" err="1" smtClean="0">
+                <a:solidFill>
+                  <a:schemeClr val="bg1"/>
+                </a:solidFill>
+                <a:latin typeface="Courier New" panose="02070309020205020404" pitchFamily="49" charset="0"/>
+                <a:cs typeface="Courier New" panose="02070309020205020404" pitchFamily="49" charset="0"/>
+              </a:rPr>
+              <a:t>img</a:t>
+            </a:r>
+            <a:r>
+              <a:rPr lang="en-US" dirty="0" smtClean="0">
+                <a:solidFill>
+                  <a:schemeClr val="bg1"/>
+                </a:solidFill>
+                <a:latin typeface="Courier New" panose="02070309020205020404" pitchFamily="49" charset="0"/>
+                <a:cs typeface="Courier New" panose="02070309020205020404" pitchFamily="49" charset="0"/>
+              </a:rPr>
+              <a:t>’);</a:t>
+            </a:r>
+          </a:p>
+          <a:p>
+            <a:r>
+              <a:rPr lang="en-US" dirty="0" err="1" smtClean="0">
+                <a:solidFill>
+                  <a:schemeClr val="bg1"/>
+                </a:solidFill>
+                <a:latin typeface="Courier New" panose="02070309020205020404" pitchFamily="49" charset="0"/>
+                <a:cs typeface="Courier New" panose="02070309020205020404" pitchFamily="49" charset="0"/>
+              </a:rPr>
+              <a:t>myImg.src</a:t>
+            </a:r>
+            <a:r>
+              <a:rPr lang="en-US" dirty="0" smtClean="0">
+                <a:solidFill>
+                  <a:schemeClr val="bg1"/>
+                </a:solidFill>
+                <a:latin typeface="Courier New" panose="02070309020205020404" pitchFamily="49" charset="0"/>
+                <a:cs typeface="Courier New" panose="02070309020205020404" pitchFamily="49" charset="0"/>
+              </a:rPr>
+              <a:t> = ‘../</a:t>
+            </a:r>
+            <a:r>
+              <a:rPr lang="en-US" dirty="0" err="1" smtClean="0">
+                <a:solidFill>
+                  <a:schemeClr val="bg1"/>
+                </a:solidFill>
+                <a:latin typeface="Courier New" panose="02070309020205020404" pitchFamily="49" charset="0"/>
+                <a:cs typeface="Courier New" panose="02070309020205020404" pitchFamily="49" charset="0"/>
+              </a:rPr>
+              <a:t>img</a:t>
+            </a:r>
+            <a:r>
+              <a:rPr lang="en-US" dirty="0" smtClean="0">
+                <a:solidFill>
+                  <a:schemeClr val="bg1"/>
+                </a:solidFill>
+                <a:latin typeface="Courier New" panose="02070309020205020404" pitchFamily="49" charset="0"/>
+                <a:cs typeface="Courier New" panose="02070309020205020404" pitchFamily="49" charset="0"/>
+              </a:rPr>
+              <a:t>/background.png’;</a:t>
+            </a:r>
+            <a:endParaRPr lang="bg-BG" dirty="0" smtClean="0">
+              <a:solidFill>
+                <a:schemeClr val="bg1"/>
+              </a:solidFill>
+              <a:latin typeface="Courier New" panose="02070309020205020404" pitchFamily="49" charset="0"/>
+              <a:cs typeface="Courier New" panose="02070309020205020404" pitchFamily="49" charset="0"/>
+            </a:endParaRPr>
+          </a:p>
+        </p:txBody>
+      </p:sp>
+    </p:spTree>
+    <p:extLst>
+      <p:ext uri="{BB962C8B-B14F-4D97-AF65-F5344CB8AC3E}">
+        <p14:creationId xmlns:p14="http://schemas.microsoft.com/office/powerpoint/2010/main" val="1298404650"/>
+      </p:ext>
+    </p:extLst>
+  </p:cSld>
+  <p:clrMapOvr>
+    <a:masterClrMapping/>
+  </p:clrMapOvr>
+</p:sld>
+</file>
+
+<file path=ppt/slides/slide72.xml><?xml version="1.0" encoding="utf-8"?>
+<p:sld xmlns:a="http://schemas.openxmlformats.org/drawingml/2006/main" xmlns:r="http://schemas.openxmlformats.org/officeDocument/2006/relationships" xmlns:p="http://schemas.openxmlformats.org/presentationml/2006/main">
+  <p:cSld>
+    <p:spTree>
+      <p:nvGrpSpPr>
+        <p:cNvPr id="1" name=""/>
+        <p:cNvGrpSpPr/>
+        <p:nvPr/>
+      </p:nvGrpSpPr>
+      <p:grpSpPr>
+        <a:xfrm>
+          <a:off x="0" y="0"/>
+          <a:ext cx="0" cy="0"/>
+          <a:chOff x="0" y="0"/>
+          <a:chExt cx="0" cy="0"/>
+        </a:xfrm>
+      </p:grpSpPr>
+      <p:sp>
+        <p:nvSpPr>
+          <p:cNvPr id="2" name="Title 1"/>
+          <p:cNvSpPr>
+            <a:spLocks noGrp="1"/>
+          </p:cNvSpPr>
+          <p:nvPr>
+            <p:ph type="title"/>
+          </p:nvPr>
+        </p:nvSpPr>
+        <p:spPr>
+          <a:xfrm>
+            <a:off x="457200" y="533400"/>
+            <a:ext cx="8229600" cy="1143000"/>
+          </a:xfrm>
+        </p:spPr>
+        <p:txBody>
+          <a:bodyPr>
+            <a:normAutofit/>
+          </a:bodyPr>
+          <a:lstStyle/>
+          <a:p>
+            <a:pPr algn="l"/>
+            <a:r>
+              <a:rPr lang="en-US" sz="2900" dirty="0" smtClean="0">
+                <a:solidFill>
+                  <a:schemeClr val="accent6"/>
+                </a:solidFill>
+              </a:rPr>
+              <a:t>JavaScript</a:t>
+            </a:r>
+            <a:r>
+              <a:rPr lang="bg-BG" sz="2900" dirty="0" smtClean="0">
+                <a:solidFill>
+                  <a:schemeClr val="accent6"/>
+                </a:solidFill>
+              </a:rPr>
+              <a:t> –</a:t>
+            </a:r>
+            <a:r>
+              <a:rPr lang="en-US" sz="2900" dirty="0">
+                <a:solidFill>
+                  <a:schemeClr val="accent6"/>
+                </a:solidFill>
+              </a:rPr>
+              <a:t> </a:t>
+            </a:r>
+            <a:r>
+              <a:rPr lang="en-US" sz="2900" dirty="0" smtClean="0">
+                <a:solidFill>
+                  <a:schemeClr val="accent6"/>
+                </a:solidFill>
+              </a:rPr>
+              <a:t>HTML</a:t>
+            </a:r>
+            <a:r>
+              <a:rPr lang="bg-BG" sz="2900" dirty="0" smtClean="0">
+                <a:solidFill>
+                  <a:schemeClr val="accent6"/>
+                </a:solidFill>
+              </a:rPr>
+              <a:t> и </a:t>
+            </a:r>
+            <a:r>
+              <a:rPr lang="en-US" sz="2900" dirty="0" smtClean="0">
+                <a:solidFill>
+                  <a:schemeClr val="accent6"/>
+                </a:solidFill>
+              </a:rPr>
+              <a:t>CSS</a:t>
+            </a:r>
+            <a:endParaRPr lang="en-US" sz="2900" dirty="0">
+              <a:solidFill>
+                <a:schemeClr val="accent6"/>
+              </a:solidFill>
+            </a:endParaRPr>
+          </a:p>
+        </p:txBody>
+      </p:sp>
+      <p:sp>
+        <p:nvSpPr>
+          <p:cNvPr id="6" name="TextBox 5"/>
+          <p:cNvSpPr txBox="1"/>
+          <p:nvPr/>
+        </p:nvSpPr>
+        <p:spPr>
+          <a:xfrm>
+            <a:off x="425355" y="1491734"/>
+            <a:ext cx="8718645" cy="1862048"/>
+          </a:xfrm>
+          <a:prstGeom prst="rect">
+            <a:avLst/>
+          </a:prstGeom>
+          <a:noFill/>
+        </p:spPr>
+        <p:txBody>
+          <a:bodyPr wrap="square" rtlCol="0">
+            <a:spAutoFit/>
+          </a:bodyPr>
+          <a:lstStyle/>
+          <a:p>
+            <a:r>
+              <a:rPr lang="bg-BG" sz="2500" dirty="0" smtClean="0">
+                <a:solidFill>
+                  <a:schemeClr val="bg1"/>
+                </a:solidFill>
+                <a:latin typeface="+mj-lt"/>
+                <a:cs typeface="Courier New" panose="02070309020205020404" pitchFamily="49" charset="0"/>
+              </a:rPr>
+              <a:t>Пример:</a:t>
+            </a:r>
+          </a:p>
+          <a:p>
+            <a:r>
+              <a:rPr lang="en-US" dirty="0" err="1" smtClean="0">
+                <a:solidFill>
+                  <a:schemeClr val="bg1"/>
+                </a:solidFill>
+                <a:latin typeface="Courier New" panose="02070309020205020404" pitchFamily="49" charset="0"/>
+                <a:cs typeface="Courier New" panose="02070309020205020404" pitchFamily="49" charset="0"/>
+              </a:rPr>
+              <a:t>var</a:t>
+            </a:r>
+            <a:r>
+              <a:rPr lang="en-US" dirty="0" smtClean="0">
+                <a:solidFill>
+                  <a:schemeClr val="bg1"/>
+                </a:solidFill>
+                <a:latin typeface="Courier New" panose="02070309020205020404" pitchFamily="49" charset="0"/>
+                <a:cs typeface="Courier New" panose="02070309020205020404" pitchFamily="49" charset="0"/>
+              </a:rPr>
+              <a:t> </a:t>
+            </a:r>
+            <a:r>
+              <a:rPr lang="en-US" dirty="0" err="1" smtClean="0">
+                <a:solidFill>
+                  <a:schemeClr val="bg1"/>
+                </a:solidFill>
+                <a:latin typeface="Courier New" panose="02070309020205020404" pitchFamily="49" charset="0"/>
+                <a:cs typeface="Courier New" panose="02070309020205020404" pitchFamily="49" charset="0"/>
+              </a:rPr>
+              <a:t>myDiv</a:t>
+            </a:r>
+            <a:r>
+              <a:rPr lang="en-US" dirty="0" smtClean="0">
+                <a:solidFill>
+                  <a:schemeClr val="bg1"/>
+                </a:solidFill>
+                <a:latin typeface="Courier New" panose="02070309020205020404" pitchFamily="49" charset="0"/>
+                <a:cs typeface="Courier New" panose="02070309020205020404" pitchFamily="49" charset="0"/>
+              </a:rPr>
+              <a:t> = </a:t>
+            </a:r>
+            <a:r>
+              <a:rPr lang="en-US" dirty="0" err="1" smtClean="0">
+                <a:solidFill>
+                  <a:schemeClr val="bg1"/>
+                </a:solidFill>
+                <a:latin typeface="Courier New" panose="02070309020205020404" pitchFamily="49" charset="0"/>
+                <a:cs typeface="Courier New" panose="02070309020205020404" pitchFamily="49" charset="0"/>
+              </a:rPr>
+              <a:t>document.getElementById</a:t>
+            </a:r>
+            <a:r>
+              <a:rPr lang="en-US" dirty="0" smtClean="0">
+                <a:solidFill>
+                  <a:schemeClr val="bg1"/>
+                </a:solidFill>
+                <a:latin typeface="Courier New" panose="02070309020205020404" pitchFamily="49" charset="0"/>
+                <a:cs typeface="Courier New" panose="02070309020205020404" pitchFamily="49" charset="0"/>
+              </a:rPr>
+              <a:t>(“main”);</a:t>
+            </a:r>
+          </a:p>
+          <a:p>
+            <a:r>
+              <a:rPr lang="en-US" dirty="0" err="1" smtClean="0">
+                <a:solidFill>
+                  <a:schemeClr val="bg1"/>
+                </a:solidFill>
+                <a:latin typeface="Courier New" panose="02070309020205020404" pitchFamily="49" charset="0"/>
+                <a:cs typeface="Courier New" panose="02070309020205020404" pitchFamily="49" charset="0"/>
+              </a:rPr>
+              <a:t>myDiv.style.background</a:t>
+            </a:r>
+            <a:r>
+              <a:rPr lang="en-US" dirty="0" smtClean="0">
+                <a:solidFill>
+                  <a:schemeClr val="bg1"/>
+                </a:solidFill>
+                <a:latin typeface="Courier New" panose="02070309020205020404" pitchFamily="49" charset="0"/>
+                <a:cs typeface="Courier New" panose="02070309020205020404" pitchFamily="49" charset="0"/>
+              </a:rPr>
+              <a:t> = “red”;</a:t>
+            </a:r>
+          </a:p>
+          <a:p>
+            <a:endParaRPr lang="en-US" dirty="0">
+              <a:solidFill>
+                <a:schemeClr val="bg1"/>
+              </a:solidFill>
+              <a:latin typeface="Courier New" panose="02070309020205020404" pitchFamily="49" charset="0"/>
+              <a:cs typeface="Courier New" panose="02070309020205020404" pitchFamily="49" charset="0"/>
+            </a:endParaRPr>
+          </a:p>
+          <a:p>
+            <a:r>
+              <a:rPr lang="en-US" dirty="0" err="1" smtClean="0">
+                <a:solidFill>
+                  <a:schemeClr val="bg1"/>
+                </a:solidFill>
+                <a:latin typeface="Courier New" panose="02070309020205020404" pitchFamily="49" charset="0"/>
+                <a:cs typeface="Courier New" panose="02070309020205020404" pitchFamily="49" charset="0"/>
+              </a:rPr>
+              <a:t>Var</a:t>
+            </a:r>
+            <a:r>
+              <a:rPr lang="en-US" dirty="0" smtClean="0">
+                <a:solidFill>
+                  <a:schemeClr val="bg1"/>
+                </a:solidFill>
+                <a:latin typeface="Courier New" panose="02070309020205020404" pitchFamily="49" charset="0"/>
+                <a:cs typeface="Courier New" panose="02070309020205020404" pitchFamily="49" charset="0"/>
+              </a:rPr>
+              <a:t> </a:t>
+            </a:r>
+            <a:r>
+              <a:rPr lang="en-US" dirty="0" err="1" smtClean="0">
+                <a:solidFill>
+                  <a:schemeClr val="bg1"/>
+                </a:solidFill>
+                <a:latin typeface="Courier New" panose="02070309020205020404" pitchFamily="49" charset="0"/>
+                <a:cs typeface="Courier New" panose="02070309020205020404" pitchFamily="49" charset="0"/>
+              </a:rPr>
+              <a:t>myParagraph</a:t>
+            </a:r>
+            <a:r>
+              <a:rPr lang="en-US" dirty="0" smtClean="0">
+                <a:solidFill>
+                  <a:schemeClr val="bg1"/>
+                </a:solidFill>
+                <a:latin typeface="Courier New" panose="02070309020205020404" pitchFamily="49" charset="0"/>
+                <a:cs typeface="Courier New" panose="02070309020205020404" pitchFamily="49" charset="0"/>
+              </a:rPr>
+              <a:t> = </a:t>
+            </a:r>
+            <a:r>
+              <a:rPr lang="en-US" dirty="0" err="1" smtClean="0">
+                <a:solidFill>
+                  <a:schemeClr val="bg1"/>
+                </a:solidFill>
+                <a:latin typeface="Courier New" panose="02070309020205020404" pitchFamily="49" charset="0"/>
+                <a:cs typeface="Courier New" panose="02070309020205020404" pitchFamily="49" charset="0"/>
+              </a:rPr>
+              <a:t>document.querySelectorAll</a:t>
+            </a:r>
+            <a:r>
+              <a:rPr lang="en-US" dirty="0" smtClean="0">
+                <a:solidFill>
+                  <a:schemeClr val="bg1"/>
+                </a:solidFill>
+                <a:latin typeface="Courier New" panose="02070309020205020404" pitchFamily="49" charset="0"/>
+                <a:cs typeface="Courier New" panose="02070309020205020404" pitchFamily="49" charset="0"/>
+              </a:rPr>
+              <a:t>(‘p’);</a:t>
+            </a:r>
+          </a:p>
+          <a:p>
+            <a:r>
+              <a:rPr lang="en-US" dirty="0" err="1" smtClean="0">
+                <a:solidFill>
+                  <a:schemeClr val="bg1"/>
+                </a:solidFill>
+                <a:latin typeface="Courier New" panose="02070309020205020404" pitchFamily="49" charset="0"/>
+                <a:cs typeface="Courier New" panose="02070309020205020404" pitchFamily="49" charset="0"/>
+              </a:rPr>
+              <a:t>myParagraph.style.fontSize</a:t>
+            </a:r>
+            <a:r>
+              <a:rPr lang="en-US" dirty="0" smtClean="0">
+                <a:solidFill>
+                  <a:schemeClr val="bg1"/>
+                </a:solidFill>
+                <a:latin typeface="Courier New" panose="02070309020205020404" pitchFamily="49" charset="0"/>
+                <a:cs typeface="Courier New" panose="02070309020205020404" pitchFamily="49" charset="0"/>
+              </a:rPr>
+              <a:t> = “24px”;</a:t>
+            </a:r>
+            <a:endParaRPr lang="bg-BG" dirty="0" smtClean="0">
+              <a:solidFill>
+                <a:schemeClr val="bg1"/>
+              </a:solidFill>
+              <a:latin typeface="Courier New" panose="02070309020205020404" pitchFamily="49" charset="0"/>
+              <a:cs typeface="Courier New" panose="02070309020205020404" pitchFamily="49" charset="0"/>
+            </a:endParaRPr>
+          </a:p>
+        </p:txBody>
+      </p:sp>
+    </p:spTree>
+    <p:extLst>
+      <p:ext uri="{BB962C8B-B14F-4D97-AF65-F5344CB8AC3E}">
+        <p14:creationId xmlns:p14="http://schemas.microsoft.com/office/powerpoint/2010/main" val="2750441399"/>
+      </p:ext>
+    </p:extLst>
+  </p:cSld>
+  <p:clrMapOvr>
+    <a:masterClrMapping/>
+  </p:clrMapOvr>
+</p:sld>
+</file>
+
+<file path=ppt/slides/slide73.xml><?xml version="1.0" encoding="utf-8"?>
+<p:sld xmlns:a="http://schemas.openxmlformats.org/drawingml/2006/main" xmlns:r="http://schemas.openxmlformats.org/officeDocument/2006/relationships" xmlns:p="http://schemas.openxmlformats.org/presentationml/2006/main">
+  <p:cSld>
+    <p:spTree>
+      <p:nvGrpSpPr>
+        <p:cNvPr id="1" name=""/>
+        <p:cNvGrpSpPr/>
+        <p:nvPr/>
+      </p:nvGrpSpPr>
+      <p:grpSpPr>
+        <a:xfrm>
+          <a:off x="0" y="0"/>
+          <a:ext cx="0" cy="0"/>
+          <a:chOff x="0" y="0"/>
+          <a:chExt cx="0" cy="0"/>
+        </a:xfrm>
+      </p:grpSpPr>
+      <p:sp>
+        <p:nvSpPr>
+          <p:cNvPr id="2" name="Title 1"/>
+          <p:cNvSpPr>
+            <a:spLocks noGrp="1"/>
+          </p:cNvSpPr>
+          <p:nvPr>
+            <p:ph type="title"/>
+          </p:nvPr>
+        </p:nvSpPr>
+        <p:spPr>
+          <a:xfrm>
+            <a:off x="838200" y="685800"/>
+            <a:ext cx="8229600" cy="1143000"/>
+          </a:xfrm>
+        </p:spPr>
+        <p:txBody>
+          <a:bodyPr/>
+          <a:lstStyle/>
+          <a:p>
+            <a:pPr algn="l"/>
+            <a:r>
+              <a:rPr lang="bg-BG" dirty="0" smtClean="0">
+                <a:solidFill>
+                  <a:schemeClr val="accent6"/>
+                </a:solidFill>
+              </a:rPr>
+              <a:t>Въпроси</a:t>
+            </a:r>
+            <a:endParaRPr lang="bg-BG" dirty="0">
+              <a:solidFill>
+                <a:schemeClr val="accent6"/>
+              </a:solidFill>
+            </a:endParaRPr>
+          </a:p>
+        </p:txBody>
+      </p:sp>
+      <p:sp>
+        <p:nvSpPr>
+          <p:cNvPr id="3" name="Content Placeholder 2"/>
+          <p:cNvSpPr>
+            <a:spLocks noGrp="1"/>
+          </p:cNvSpPr>
+          <p:nvPr>
+            <p:ph idx="1"/>
+          </p:nvPr>
+        </p:nvSpPr>
+        <p:spPr>
+          <a:xfrm>
+            <a:off x="762000" y="1676400"/>
+            <a:ext cx="7620000" cy="4525963"/>
+          </a:xfrm>
+        </p:spPr>
+        <p:txBody>
+          <a:bodyPr>
+            <a:normAutofit/>
+          </a:bodyPr>
+          <a:lstStyle/>
+          <a:p>
+            <a:pPr>
+              <a:buFont typeface="Wingdings" panose="05000000000000000000" pitchFamily="2" charset="2"/>
+              <a:buChar char="§"/>
+            </a:pPr>
+            <a:endParaRPr lang="en-US" dirty="0">
+              <a:solidFill>
+                <a:schemeClr val="bg1">
+                  <a:lumMod val="95000"/>
+                </a:schemeClr>
+              </a:solidFill>
+            </a:endParaRPr>
+          </a:p>
+          <a:p>
+            <a:pPr>
+              <a:buFont typeface="Wingdings" panose="05000000000000000000" pitchFamily="2" charset="2"/>
+              <a:buChar char="§"/>
+            </a:pPr>
+            <a:endParaRPr lang="en-US" dirty="0">
+              <a:solidFill>
+                <a:schemeClr val="bg1">
+                  <a:lumMod val="95000"/>
+                </a:schemeClr>
+              </a:solidFill>
+            </a:endParaRPr>
+          </a:p>
+          <a:p>
+            <a:pPr>
+              <a:buFont typeface="Wingdings" panose="05000000000000000000" pitchFamily="2" charset="2"/>
+              <a:buChar char="§"/>
+            </a:pPr>
+            <a:endParaRPr lang="en-US" dirty="0">
+              <a:solidFill>
+                <a:schemeClr val="bg1">
+                  <a:lumMod val="95000"/>
+                </a:schemeClr>
+              </a:solidFill>
+            </a:endParaRPr>
+          </a:p>
+          <a:p>
+            <a:pPr>
+              <a:buFont typeface="Wingdings" panose="05000000000000000000" pitchFamily="2" charset="2"/>
+              <a:buChar char="§"/>
+            </a:pPr>
+            <a:endParaRPr lang="en-US" dirty="0">
+              <a:solidFill>
+                <a:schemeClr val="bg1">
+                  <a:lumMod val="95000"/>
+                </a:schemeClr>
+              </a:solidFill>
+            </a:endParaRPr>
+          </a:p>
+        </p:txBody>
+      </p:sp>
+      <p:pic>
+        <p:nvPicPr>
+          <p:cNvPr id="1027" name="Picture 3" descr="C:\Users\Lazar\Desktop\01-red-question-mark1.jpg"/>
+          <p:cNvPicPr>
+            <a:picLocks noChangeAspect="1" noChangeArrowheads="1"/>
+          </p:cNvPicPr>
+          <p:nvPr/>
+        </p:nvPicPr>
+        <p:blipFill>
+          <a:blip r:embed="rId2" cstate="print">
+            <a:extLst>
+              <a:ext uri="{28A0092B-C50C-407E-A947-70E740481C1C}">
+                <a14:useLocalDpi xmlns:a14="http://schemas.microsoft.com/office/drawing/2010/main" val="0"/>
+              </a:ext>
+            </a:extLst>
+          </a:blip>
+          <a:srcRect/>
+          <a:stretch>
+            <a:fillRect/>
+          </a:stretch>
+        </p:blipFill>
+        <p:spPr bwMode="auto">
+          <a:xfrm>
+            <a:off x="3505200" y="2057400"/>
+            <a:ext cx="2419082" cy="2419082"/>
+          </a:xfrm>
+          <a:prstGeom prst="rect">
+            <a:avLst/>
+          </a:prstGeom>
+          <a:noFill/>
+          <a:extLst>
+            <a:ext uri="{909E8E84-426E-40DD-AFC4-6F175D3DCCD1}">
+              <a14:hiddenFill xmlns:a14="http://schemas.microsoft.com/office/drawing/2010/main">
+                <a:solidFill>
+                  <a:srgbClr val="FFFFFF"/>
+                </a:solidFill>
+              </a14:hiddenFill>
+            </a:ext>
+          </a:extLst>
+        </p:spPr>
+      </p:pic>
+    </p:spTree>
+    <p:extLst>
+      <p:ext uri="{BB962C8B-B14F-4D97-AF65-F5344CB8AC3E}">
+        <p14:creationId xmlns:p14="http://schemas.microsoft.com/office/powerpoint/2010/main" val="1088608090"/>
+      </p:ext>
+    </p:extLst>
+  </p:cSld>
+  <p:clrMapOvr>
+    <a:masterClrMapping/>
+  </p:clrMapOvr>
+  <p:timing>
+    <p:tnLst>
+      <p:par>
+        <p:cTn id="1" dur="indefinite" restart="never" nodeType="tmRoot"/>
+      </p:par>
+    </p:tnLst>
+  </p:timing>
+</p:sld>
+</file>
+
+<file path=ppt/slides/slide74.xml><?xml version="1.0" encoding="utf-8"?>
+<p:sld xmlns:a="http://schemas.openxmlformats.org/drawingml/2006/main" xmlns:r="http://schemas.openxmlformats.org/officeDocument/2006/relationships" xmlns:p="http://schemas.openxmlformats.org/presentationml/2006/main">
+  <p:cSld>
+    <p:spTree>
+      <p:nvGrpSpPr>
+        <p:cNvPr id="1" name=""/>
+        <p:cNvGrpSpPr/>
+        <p:nvPr/>
+      </p:nvGrpSpPr>
+      <p:grpSpPr>
+        <a:xfrm>
+          <a:off x="0" y="0"/>
+          <a:ext cx="0" cy="0"/>
+          <a:chOff x="0" y="0"/>
+          <a:chExt cx="0" cy="0"/>
+        </a:xfrm>
+      </p:grpSpPr>
+      <p:sp>
+        <p:nvSpPr>
+          <p:cNvPr id="2" name="Title 1"/>
+          <p:cNvSpPr>
+            <a:spLocks noGrp="1"/>
+          </p:cNvSpPr>
+          <p:nvPr>
+            <p:ph type="title"/>
+          </p:nvPr>
+        </p:nvSpPr>
+        <p:spPr>
+          <a:xfrm>
+            <a:off x="838200" y="685800"/>
+            <a:ext cx="8229600" cy="1143000"/>
+          </a:xfrm>
+        </p:spPr>
+        <p:txBody>
+          <a:bodyPr/>
+          <a:lstStyle/>
+          <a:p>
+            <a:pPr algn="l"/>
+            <a:r>
+              <a:rPr lang="bg-BG" dirty="0" smtClean="0">
+                <a:solidFill>
+                  <a:schemeClr val="accent6"/>
+                </a:solidFill>
+              </a:rPr>
+              <a:t>Задачи за домашна работа</a:t>
+            </a:r>
+            <a:endParaRPr lang="bg-BG" dirty="0">
+              <a:solidFill>
+                <a:schemeClr val="accent6"/>
+              </a:solidFill>
+            </a:endParaRPr>
+          </a:p>
+        </p:txBody>
+      </p:sp>
+      <p:sp>
+        <p:nvSpPr>
+          <p:cNvPr id="3" name="Content Placeholder 2"/>
+          <p:cNvSpPr>
+            <a:spLocks noGrp="1"/>
+          </p:cNvSpPr>
+          <p:nvPr>
+            <p:ph idx="1"/>
+          </p:nvPr>
+        </p:nvSpPr>
+        <p:spPr>
+          <a:xfrm>
+            <a:off x="762000" y="1676400"/>
+            <a:ext cx="7620000" cy="4648200"/>
+          </a:xfrm>
+        </p:spPr>
+        <p:txBody>
+          <a:bodyPr>
+            <a:noAutofit/>
+          </a:bodyPr>
+          <a:lstStyle/>
+          <a:p>
+            <a:pPr marL="457200" indent="-457200">
+              <a:buAutoNum type="arabicPeriod"/>
+            </a:pPr>
+            <a:r>
+              <a:rPr lang="bg-BG" sz="2000" b="1" dirty="0" smtClean="0">
+                <a:solidFill>
+                  <a:schemeClr val="bg1">
+                    <a:lumMod val="95000"/>
+                  </a:schemeClr>
+                </a:solidFill>
+              </a:rPr>
+              <a:t>Напишете израз, който </a:t>
+            </a:r>
+            <a:r>
+              <a:rPr lang="en-US" sz="2000" b="1" dirty="0" smtClean="0">
+                <a:solidFill>
+                  <a:schemeClr val="bg1">
+                    <a:lumMod val="95000"/>
+                  </a:schemeClr>
+                </a:solidFill>
+              </a:rPr>
+              <a:t>console.log-</a:t>
+            </a:r>
+            <a:r>
+              <a:rPr lang="bg-BG" sz="2000" b="1" dirty="0" smtClean="0">
+                <a:solidFill>
+                  <a:schemeClr val="bg1">
+                    <a:lumMod val="95000"/>
+                  </a:schemeClr>
+                </a:solidFill>
+              </a:rPr>
+              <a:t>ва всички числа от 1 до 300.</a:t>
+            </a:r>
+          </a:p>
+          <a:p>
+            <a:pPr marL="457200" indent="-457200">
+              <a:buAutoNum type="arabicPeriod"/>
+            </a:pPr>
+            <a:r>
+              <a:rPr lang="bg-BG" sz="2000" b="1" dirty="0" smtClean="0">
+                <a:solidFill>
+                  <a:schemeClr val="bg1">
+                    <a:lumMod val="95000"/>
+                  </a:schemeClr>
+                </a:solidFill>
+              </a:rPr>
+              <a:t>Напишете израз, който проверява дали дадено число се дели на 3.</a:t>
+            </a:r>
+          </a:p>
+          <a:p>
+            <a:pPr marL="457200" indent="-457200">
+              <a:buAutoNum type="arabicPeriod"/>
+            </a:pPr>
+            <a:r>
+              <a:rPr lang="bg-BG" sz="2000" b="1" dirty="0" smtClean="0">
+                <a:solidFill>
+                  <a:schemeClr val="bg1">
+                    <a:lumMod val="95000"/>
+                  </a:schemeClr>
+                </a:solidFill>
+              </a:rPr>
+              <a:t>Напишете израз, който проверява дали дадено число се дели едновременно на 4 и на 7.(използвайте вложени </a:t>
+            </a:r>
+            <a:r>
+              <a:rPr lang="en-US" sz="2000" b="1" dirty="0" smtClean="0">
+                <a:solidFill>
+                  <a:schemeClr val="bg1">
+                    <a:lumMod val="95000"/>
+                  </a:schemeClr>
+                </a:solidFill>
+              </a:rPr>
+              <a:t>if-else</a:t>
+            </a:r>
+            <a:r>
+              <a:rPr lang="bg-BG" sz="2000" b="1" dirty="0" smtClean="0">
+                <a:solidFill>
+                  <a:schemeClr val="bg1">
+                    <a:lumMod val="95000"/>
+                  </a:schemeClr>
+                </a:solidFill>
+              </a:rPr>
+              <a:t> оператори</a:t>
+            </a:r>
+            <a:r>
+              <a:rPr lang="en-US" sz="2000" b="1" dirty="0" smtClean="0">
+                <a:solidFill>
+                  <a:schemeClr val="bg1">
+                    <a:lumMod val="95000"/>
+                  </a:schemeClr>
+                </a:solidFill>
+              </a:rPr>
+              <a:t>).</a:t>
+            </a:r>
+          </a:p>
+          <a:p>
+            <a:pPr marL="457200" indent="-457200">
+              <a:buAutoNum type="arabicPeriod"/>
+            </a:pPr>
+            <a:r>
+              <a:rPr lang="bg-BG" sz="2000" b="1" dirty="0" smtClean="0">
+                <a:solidFill>
+                  <a:schemeClr val="bg1">
+                    <a:lumMod val="95000"/>
+                  </a:schemeClr>
+                </a:solidFill>
+              </a:rPr>
+              <a:t>Напишете израз, който пресмята площта на правоъгълник чрез определени ширина и дължина.</a:t>
+            </a:r>
+          </a:p>
+          <a:p>
+            <a:pPr marL="457200" indent="-457200">
+              <a:buAutoNum type="arabicPeriod"/>
+            </a:pPr>
+            <a:r>
+              <a:rPr lang="bg-BG" sz="2000" b="1" dirty="0" smtClean="0">
+                <a:solidFill>
+                  <a:schemeClr val="bg1">
+                    <a:lumMod val="95000"/>
+                  </a:schemeClr>
+                </a:solidFill>
+              </a:rPr>
+              <a:t>Напишете израз, който пресмята площта на трапец по дадени страна А, страна </a:t>
+            </a:r>
+            <a:r>
+              <a:rPr lang="en-US" sz="2000" b="1" dirty="0" smtClean="0">
+                <a:solidFill>
+                  <a:schemeClr val="bg1">
+                    <a:lumMod val="95000"/>
+                  </a:schemeClr>
+                </a:solidFill>
+              </a:rPr>
+              <a:t>B </a:t>
+            </a:r>
+            <a:r>
+              <a:rPr lang="bg-BG" sz="2000" b="1" dirty="0" smtClean="0">
+                <a:solidFill>
+                  <a:schemeClr val="bg1">
+                    <a:lumMod val="95000"/>
+                  </a:schemeClr>
+                </a:solidFill>
+              </a:rPr>
+              <a:t>и височина </a:t>
+            </a:r>
+            <a:r>
+              <a:rPr lang="en-US" sz="2000" b="1" dirty="0" smtClean="0">
+                <a:solidFill>
+                  <a:schemeClr val="bg1">
+                    <a:lumMod val="95000"/>
+                  </a:schemeClr>
+                </a:solidFill>
+              </a:rPr>
+              <a:t>h.</a:t>
+            </a:r>
+          </a:p>
+          <a:p>
+            <a:pPr marL="457200" indent="-457200">
+              <a:buAutoNum type="arabicPeriod"/>
+            </a:pPr>
+            <a:r>
+              <a:rPr lang="bg-BG" sz="2000" b="1" dirty="0" smtClean="0">
+                <a:solidFill>
+                  <a:schemeClr val="bg1">
+                    <a:lumMod val="95000"/>
+                  </a:schemeClr>
+                </a:solidFill>
+              </a:rPr>
+              <a:t>Напишете израз, който намира най-голямото от 3 числа(използвайки вложени </a:t>
+            </a:r>
+            <a:r>
+              <a:rPr lang="en-US" sz="2000" b="1" dirty="0" smtClean="0">
+                <a:solidFill>
+                  <a:schemeClr val="bg1">
+                    <a:lumMod val="95000"/>
+                  </a:schemeClr>
+                </a:solidFill>
+              </a:rPr>
+              <a:t>if-else </a:t>
+            </a:r>
+            <a:r>
+              <a:rPr lang="bg-BG" sz="2000" b="1" dirty="0" smtClean="0">
+                <a:solidFill>
+                  <a:schemeClr val="bg1">
+                    <a:lumMod val="95000"/>
+                  </a:schemeClr>
+                </a:solidFill>
+              </a:rPr>
+              <a:t>оператори).</a:t>
+            </a:r>
+          </a:p>
+        </p:txBody>
+      </p:sp>
+    </p:spTree>
+    <p:extLst>
+      <p:ext uri="{BB962C8B-B14F-4D97-AF65-F5344CB8AC3E}">
+        <p14:creationId xmlns:p14="http://schemas.microsoft.com/office/powerpoint/2010/main" val="2761577980"/>
+      </p:ext>
+    </p:extLst>
+  </p:cSld>
+  <p:clrMapOvr>
+    <a:masterClrMapping/>
+  </p:clrMapOvr>
+  <p:timing>
+    <p:tnLst>
+      <p:par>
+        <p:cTn id="1" dur="indefinite" restart="never" nodeType="tmRoot"/>
+      </p:par>
+    </p:tnLst>
+  </p:timing>
+</p:sld>
+</file>
+
+<file path=ppt/slides/slide75.xml><?xml version="1.0" encoding="utf-8"?>
+<p:sld xmlns:a="http://schemas.openxmlformats.org/drawingml/2006/main" xmlns:r="http://schemas.openxmlformats.org/officeDocument/2006/relationships" xmlns:p="http://schemas.openxmlformats.org/presentationml/2006/main">
+  <p:cSld>
+    <p:spTree>
+      <p:nvGrpSpPr>
+        <p:cNvPr id="1" name=""/>
+        <p:cNvGrpSpPr/>
+        <p:nvPr/>
+      </p:nvGrpSpPr>
+      <p:grpSpPr>
+        <a:xfrm>
+          <a:off x="0" y="0"/>
+          <a:ext cx="0" cy="0"/>
+          <a:chOff x="0" y="0"/>
+          <a:chExt cx="0" cy="0"/>
+        </a:xfrm>
+      </p:grpSpPr>
+      <p:sp>
+        <p:nvSpPr>
+          <p:cNvPr id="2" name="Title 1"/>
+          <p:cNvSpPr>
+            <a:spLocks noGrp="1"/>
+          </p:cNvSpPr>
+          <p:nvPr>
+            <p:ph type="title"/>
+          </p:nvPr>
+        </p:nvSpPr>
+        <p:spPr>
+          <a:xfrm>
+            <a:off x="838200" y="685800"/>
+            <a:ext cx="8229600" cy="1143000"/>
+          </a:xfrm>
+        </p:spPr>
+        <p:txBody>
+          <a:bodyPr/>
+          <a:lstStyle/>
+          <a:p>
+            <a:pPr algn="l"/>
+            <a:r>
+              <a:rPr lang="bg-BG" dirty="0" smtClean="0">
+                <a:solidFill>
+                  <a:schemeClr val="accent6"/>
+                </a:solidFill>
+              </a:rPr>
+              <a:t>Задачи за домашна работа</a:t>
+            </a:r>
+            <a:endParaRPr lang="bg-BG" dirty="0">
+              <a:solidFill>
+                <a:schemeClr val="accent6"/>
+              </a:solidFill>
+            </a:endParaRPr>
+          </a:p>
+        </p:txBody>
+      </p:sp>
+      <p:sp>
+        <p:nvSpPr>
+          <p:cNvPr id="3" name="Content Placeholder 2"/>
+          <p:cNvSpPr>
+            <a:spLocks noGrp="1"/>
+          </p:cNvSpPr>
+          <p:nvPr>
+            <p:ph idx="1"/>
+          </p:nvPr>
+        </p:nvSpPr>
+        <p:spPr>
+          <a:xfrm>
+            <a:off x="762000" y="1676400"/>
+            <a:ext cx="7620000" cy="4648200"/>
+          </a:xfrm>
+        </p:spPr>
+        <p:txBody>
+          <a:bodyPr>
+            <a:noAutofit/>
+          </a:bodyPr>
+          <a:lstStyle/>
+          <a:p>
+            <a:pPr marL="0" indent="0">
+              <a:buNone/>
+            </a:pPr>
+            <a:r>
+              <a:rPr lang="bg-BG" sz="2000" b="1" dirty="0" smtClean="0">
+                <a:solidFill>
+                  <a:schemeClr val="bg1">
+                    <a:lumMod val="95000"/>
+                  </a:schemeClr>
+                </a:solidFill>
+              </a:rPr>
+              <a:t>7.     Напишете </a:t>
+            </a:r>
+            <a:r>
+              <a:rPr lang="bg-BG" sz="2000" b="1" dirty="0">
+                <a:solidFill>
+                  <a:schemeClr val="bg1">
+                    <a:lumMod val="95000"/>
+                  </a:schemeClr>
+                </a:solidFill>
+              </a:rPr>
+              <a:t>израз, който намира всички делими на 7 числа, които се намират в интервала от 50 до 100.</a:t>
+            </a:r>
+          </a:p>
+          <a:p>
+            <a:pPr marL="457200" indent="-457200">
+              <a:buAutoNum type="arabicPeriod" startAt="8"/>
+            </a:pPr>
+            <a:r>
+              <a:rPr lang="bg-BG" sz="2000" b="1" dirty="0" smtClean="0">
+                <a:solidFill>
+                  <a:schemeClr val="bg1">
+                    <a:lumMod val="95000"/>
+                  </a:schemeClr>
+                </a:solidFill>
+              </a:rPr>
+              <a:t>Напишете </a:t>
+            </a:r>
+            <a:r>
+              <a:rPr lang="bg-BG" sz="2000" b="1" dirty="0">
+                <a:solidFill>
+                  <a:schemeClr val="bg1">
+                    <a:lumMod val="95000"/>
+                  </a:schemeClr>
+                </a:solidFill>
+              </a:rPr>
+              <a:t>израз, който намира всички делими на 4 и на 9 числа, които се намират в интервала от 20 до 60</a:t>
+            </a:r>
+            <a:r>
+              <a:rPr lang="bg-BG" sz="2000" b="1" dirty="0" smtClean="0">
+                <a:solidFill>
+                  <a:schemeClr val="bg1">
+                    <a:lumMod val="95000"/>
+                  </a:schemeClr>
+                </a:solidFill>
+              </a:rPr>
+              <a:t>.</a:t>
+            </a:r>
+          </a:p>
+          <a:p>
+            <a:pPr marL="457200" indent="-457200">
+              <a:buAutoNum type="arabicPeriod" startAt="8"/>
+            </a:pPr>
+            <a:endParaRPr lang="bg-BG" sz="2000" b="1" dirty="0">
+              <a:solidFill>
+                <a:schemeClr val="bg1">
+                  <a:lumMod val="95000"/>
+                </a:schemeClr>
+              </a:solidFill>
+            </a:endParaRPr>
+          </a:p>
+          <a:p>
+            <a:pPr marL="457200" indent="-457200">
+              <a:buAutoNum type="arabicPeriod" startAt="8"/>
+            </a:pPr>
+            <a:r>
+              <a:rPr lang="bg-BG" sz="2000" b="1" dirty="0" smtClean="0">
+                <a:solidFill>
+                  <a:schemeClr val="bg1">
+                    <a:lumMod val="95000"/>
+                  </a:schemeClr>
+                </a:solidFill>
+              </a:rPr>
+              <a:t>Напишете скрипт, който използва масив от 5 елемента и връща нов масив, който представлява индексите на стария, умножени по 7. Старият масив трябва да изглежда по следния начин:</a:t>
+            </a:r>
+          </a:p>
+          <a:p>
+            <a:pPr marL="400050" lvl="1" indent="0">
+              <a:buNone/>
+            </a:pPr>
+            <a:r>
+              <a:rPr lang="en-US" sz="2000" dirty="0" smtClean="0">
+                <a:solidFill>
+                  <a:schemeClr val="bg1">
+                    <a:lumMod val="95000"/>
+                  </a:schemeClr>
+                </a:solidFill>
+              </a:rPr>
+              <a:t>[6, 4, 3, 0, 9]</a:t>
+            </a:r>
+          </a:p>
+          <a:p>
+            <a:pPr marL="400050" lvl="1" indent="0">
+              <a:buNone/>
+            </a:pPr>
+            <a:r>
+              <a:rPr lang="bg-BG" sz="2000" b="1" dirty="0" smtClean="0">
+                <a:solidFill>
+                  <a:schemeClr val="bg1">
+                    <a:lumMod val="95000"/>
+                  </a:schemeClr>
+                </a:solidFill>
+              </a:rPr>
+              <a:t>Новият масив трябва изглежда по следния начин:</a:t>
+            </a:r>
+          </a:p>
+          <a:p>
+            <a:pPr marL="400050" lvl="1" indent="0">
+              <a:buNone/>
+            </a:pPr>
+            <a:r>
+              <a:rPr lang="en-US" sz="2000" dirty="0" smtClean="0">
+                <a:solidFill>
+                  <a:schemeClr val="bg1">
+                    <a:lumMod val="95000"/>
+                  </a:schemeClr>
+                </a:solidFill>
+              </a:rPr>
+              <a:t>[0, 7, 14, 21, 28]</a:t>
+            </a:r>
+            <a:endParaRPr lang="en-US" sz="2000" dirty="0">
+              <a:solidFill>
+                <a:schemeClr val="bg1">
+                  <a:lumMod val="95000"/>
+                </a:schemeClr>
+              </a:solidFill>
+            </a:endParaRPr>
+          </a:p>
+        </p:txBody>
+      </p:sp>
+    </p:spTree>
+    <p:extLst>
+      <p:ext uri="{BB962C8B-B14F-4D97-AF65-F5344CB8AC3E}">
+        <p14:creationId xmlns:p14="http://schemas.microsoft.com/office/powerpoint/2010/main" val="4182690710"/>
+      </p:ext>
+    </p:extLst>
+  </p:cSld>
+  <p:clrMapOvr>
+    <a:masterClrMapping/>
+  </p:clrMapOvr>
+  <p:timing>
+    <p:tnLst>
+      <p:par>
+        <p:cTn id="1" dur="indefinite" restart="never" nodeType="tmRoot"/>
+      </p:par>
+    </p:tnLst>
+  </p:timing>
+</p:sld>
+</file>
+
+<file path=ppt/slides/slide76.xml><?xml version="1.0" encoding="utf-8"?>
+<p:sld xmlns:a="http://schemas.openxmlformats.org/drawingml/2006/main" xmlns:r="http://schemas.openxmlformats.org/officeDocument/2006/relationships" xmlns:p="http://schemas.openxmlformats.org/presentationml/2006/main">
+  <p:cSld>
+    <p:spTree>
+      <p:nvGrpSpPr>
+        <p:cNvPr id="1" name=""/>
+        <p:cNvGrpSpPr/>
+        <p:nvPr/>
+      </p:nvGrpSpPr>
+      <p:grpSpPr>
+        <a:xfrm>
+          <a:off x="0" y="0"/>
+          <a:ext cx="0" cy="0"/>
+          <a:chOff x="0" y="0"/>
+          <a:chExt cx="0" cy="0"/>
+        </a:xfrm>
+      </p:grpSpPr>
+      <p:sp>
+        <p:nvSpPr>
+          <p:cNvPr id="2" name="Title 1"/>
+          <p:cNvSpPr>
+            <a:spLocks noGrp="1"/>
+          </p:cNvSpPr>
+          <p:nvPr>
+            <p:ph type="title"/>
+          </p:nvPr>
+        </p:nvSpPr>
+        <p:spPr>
+          <a:xfrm>
+            <a:off x="838200" y="685800"/>
+            <a:ext cx="8229600" cy="1143000"/>
+          </a:xfrm>
+        </p:spPr>
+        <p:txBody>
+          <a:bodyPr/>
+          <a:lstStyle/>
+          <a:p>
+            <a:pPr algn="l"/>
+            <a:r>
+              <a:rPr lang="bg-BG" dirty="0" smtClean="0">
+                <a:solidFill>
+                  <a:schemeClr val="accent6"/>
+                </a:solidFill>
+              </a:rPr>
+              <a:t>Задачи за домашна работа</a:t>
+            </a:r>
+            <a:endParaRPr lang="bg-BG" dirty="0">
+              <a:solidFill>
+                <a:schemeClr val="accent6"/>
+              </a:solidFill>
+            </a:endParaRPr>
+          </a:p>
+        </p:txBody>
+      </p:sp>
+      <p:sp>
+        <p:nvSpPr>
+          <p:cNvPr id="3" name="Content Placeholder 2"/>
+          <p:cNvSpPr>
+            <a:spLocks noGrp="1"/>
+          </p:cNvSpPr>
+          <p:nvPr>
+            <p:ph idx="1"/>
+          </p:nvPr>
+        </p:nvSpPr>
+        <p:spPr>
+          <a:xfrm>
+            <a:off x="762000" y="1676400"/>
+            <a:ext cx="7620000" cy="4648200"/>
+          </a:xfrm>
+        </p:spPr>
+        <p:txBody>
+          <a:bodyPr>
+            <a:noAutofit/>
+          </a:bodyPr>
+          <a:lstStyle/>
+          <a:p>
+            <a:pPr marL="0" indent="0">
+              <a:buNone/>
+            </a:pPr>
+            <a:r>
+              <a:rPr lang="en-US" sz="2000" b="1" dirty="0">
+                <a:solidFill>
+                  <a:schemeClr val="bg1">
+                    <a:lumMod val="95000"/>
+                  </a:schemeClr>
+                </a:solidFill>
+              </a:rPr>
+              <a:t>10. </a:t>
+            </a:r>
+            <a:r>
+              <a:rPr lang="bg-BG" sz="2000" b="1" dirty="0">
+                <a:solidFill>
+                  <a:schemeClr val="bg1">
+                    <a:lumMod val="95000"/>
+                  </a:schemeClr>
+                </a:solidFill>
+              </a:rPr>
+              <a:t>Напишете скрипт, който намира най-често срещаното число в седния масйв: </a:t>
+            </a:r>
+            <a:endParaRPr lang="en-US" sz="2000" b="1" dirty="0">
+              <a:solidFill>
+                <a:schemeClr val="bg1">
+                  <a:lumMod val="95000"/>
+                </a:schemeClr>
+              </a:solidFill>
+            </a:endParaRPr>
+          </a:p>
+          <a:p>
+            <a:pPr marL="0" indent="0">
+              <a:buNone/>
+            </a:pPr>
+            <a:r>
+              <a:rPr lang="en-US" sz="2000" b="1" dirty="0">
+                <a:solidFill>
+                  <a:schemeClr val="bg1">
+                    <a:lumMod val="95000"/>
+                  </a:schemeClr>
+                </a:solidFill>
+              </a:rPr>
+              <a:t>       </a:t>
+            </a:r>
+            <a:r>
+              <a:rPr lang="en-US" sz="2000" dirty="0">
+                <a:solidFill>
+                  <a:schemeClr val="bg1">
+                    <a:lumMod val="95000"/>
+                  </a:schemeClr>
+                </a:solidFill>
+              </a:rPr>
+              <a:t>[0, 4, 1, 3, 4, 6, 3, 4, 9, 9, 4, 1, 4]</a:t>
+            </a:r>
+            <a:endParaRPr lang="bg-BG" sz="2000" dirty="0">
+              <a:solidFill>
+                <a:schemeClr val="bg1">
+                  <a:lumMod val="95000"/>
+                </a:schemeClr>
+              </a:solidFill>
+            </a:endParaRPr>
+          </a:p>
+        </p:txBody>
+      </p:sp>
+    </p:spTree>
+    <p:extLst>
+      <p:ext uri="{BB962C8B-B14F-4D97-AF65-F5344CB8AC3E}">
+        <p14:creationId xmlns:p14="http://schemas.microsoft.com/office/powerpoint/2010/main" val="3118085067"/>
       </p:ext>
     </p:extLst>
   </p:cSld>

--- a/10-JavaScript-Basics.pptx
+++ b/10-JavaScript-Basics.pptx
@@ -295,7 +295,7 @@
           <a:p>
             <a:fld id="{2E054F57-E93D-4CC3-8A27-2F256E70BB98}" type="datetimeFigureOut">
               <a:rPr lang="en-US" smtClean="0"/>
-              <a:t>31 Aug 15</a:t>
+              <a:t>01 Sep 15</a:t>
             </a:fld>
             <a:endParaRPr lang="en-US"/>
           </a:p>
@@ -744,7 +744,7 @@
           <a:p>
             <a:fld id="{3EA744D9-3FBE-48D8-BF2A-85DF203E4D20}" type="datetimeFigureOut">
               <a:rPr lang="bg-BG" smtClean="0"/>
-              <a:t>31.8.2015 г.</a:t>
+              <a:t>1.9.2015 г.</a:t>
             </a:fld>
             <a:endParaRPr lang="bg-BG"/>
           </a:p>
@@ -914,7 +914,7 @@
           <a:p>
             <a:fld id="{3EA744D9-3FBE-48D8-BF2A-85DF203E4D20}" type="datetimeFigureOut">
               <a:rPr lang="bg-BG" smtClean="0"/>
-              <a:t>31.8.2015 г.</a:t>
+              <a:t>1.9.2015 г.</a:t>
             </a:fld>
             <a:endParaRPr lang="bg-BG"/>
           </a:p>
@@ -1094,7 +1094,7 @@
           <a:p>
             <a:fld id="{3EA744D9-3FBE-48D8-BF2A-85DF203E4D20}" type="datetimeFigureOut">
               <a:rPr lang="bg-BG" smtClean="0"/>
-              <a:t>31.8.2015 г.</a:t>
+              <a:t>1.9.2015 г.</a:t>
             </a:fld>
             <a:endParaRPr lang="bg-BG"/>
           </a:p>
@@ -1264,7 +1264,7 @@
           <a:p>
             <a:fld id="{3EA744D9-3FBE-48D8-BF2A-85DF203E4D20}" type="datetimeFigureOut">
               <a:rPr lang="bg-BG" smtClean="0"/>
-              <a:t>31.8.2015 г.</a:t>
+              <a:t>1.9.2015 г.</a:t>
             </a:fld>
             <a:endParaRPr lang="bg-BG"/>
           </a:p>
@@ -1510,7 +1510,7 @@
           <a:p>
             <a:fld id="{3EA744D9-3FBE-48D8-BF2A-85DF203E4D20}" type="datetimeFigureOut">
               <a:rPr lang="bg-BG" smtClean="0"/>
-              <a:t>31.8.2015 г.</a:t>
+              <a:t>1.9.2015 г.</a:t>
             </a:fld>
             <a:endParaRPr lang="bg-BG"/>
           </a:p>
@@ -1798,7 +1798,7 @@
           <a:p>
             <a:fld id="{3EA744D9-3FBE-48D8-BF2A-85DF203E4D20}" type="datetimeFigureOut">
               <a:rPr lang="bg-BG" smtClean="0"/>
-              <a:t>31.8.2015 г.</a:t>
+              <a:t>1.9.2015 г.</a:t>
             </a:fld>
             <a:endParaRPr lang="bg-BG"/>
           </a:p>
@@ -2220,7 +2220,7 @@
           <a:p>
             <a:fld id="{3EA744D9-3FBE-48D8-BF2A-85DF203E4D20}" type="datetimeFigureOut">
               <a:rPr lang="bg-BG" smtClean="0"/>
-              <a:t>31.8.2015 г.</a:t>
+              <a:t>1.9.2015 г.</a:t>
             </a:fld>
             <a:endParaRPr lang="bg-BG"/>
           </a:p>
@@ -2338,7 +2338,7 @@
           <a:p>
             <a:fld id="{3EA744D9-3FBE-48D8-BF2A-85DF203E4D20}" type="datetimeFigureOut">
               <a:rPr lang="bg-BG" smtClean="0"/>
-              <a:t>31.8.2015 г.</a:t>
+              <a:t>1.9.2015 г.</a:t>
             </a:fld>
             <a:endParaRPr lang="bg-BG"/>
           </a:p>
@@ -2433,7 +2433,7 @@
           <a:p>
             <a:fld id="{3EA744D9-3FBE-48D8-BF2A-85DF203E4D20}" type="datetimeFigureOut">
               <a:rPr lang="bg-BG" smtClean="0"/>
-              <a:t>31.8.2015 г.</a:t>
+              <a:t>1.9.2015 г.</a:t>
             </a:fld>
             <a:endParaRPr lang="bg-BG"/>
           </a:p>
@@ -2710,7 +2710,7 @@
           <a:p>
             <a:fld id="{3EA744D9-3FBE-48D8-BF2A-85DF203E4D20}" type="datetimeFigureOut">
               <a:rPr lang="bg-BG" smtClean="0"/>
-              <a:t>31.8.2015 г.</a:t>
+              <a:t>1.9.2015 г.</a:t>
             </a:fld>
             <a:endParaRPr lang="bg-BG"/>
           </a:p>
@@ -2963,7 +2963,7 @@
           <a:p>
             <a:fld id="{3EA744D9-3FBE-48D8-BF2A-85DF203E4D20}" type="datetimeFigureOut">
               <a:rPr lang="bg-BG" smtClean="0"/>
-              <a:t>31.8.2015 г.</a:t>
+              <a:t>1.9.2015 г.</a:t>
             </a:fld>
             <a:endParaRPr lang="bg-BG"/>
           </a:p>
@@ -3185,7 +3185,7 @@
           <a:p>
             <a:fld id="{3EA744D9-3FBE-48D8-BF2A-85DF203E4D20}" type="datetimeFigureOut">
               <a:rPr lang="bg-BG" smtClean="0"/>
-              <a:t>31.8.2015 г.</a:t>
+              <a:t>1.9.2015 г.</a:t>
             </a:fld>
             <a:endParaRPr lang="bg-BG"/>
           </a:p>
@@ -28635,17 +28635,7 @@
                 <a:latin typeface="Courier New" panose="02070309020205020404" pitchFamily="49" charset="0"/>
                 <a:cs typeface="Courier New" panose="02070309020205020404" pitchFamily="49" charset="0"/>
               </a:rPr>
-              <a:t>window.</a:t>
-            </a:r>
-            <a:r>
-              <a:rPr lang="en-US" dirty="0" err="1" smtClean="0">
-                <a:solidFill>
-                  <a:schemeClr val="bg1"/>
-                </a:solidFill>
-                <a:latin typeface="Courier New" panose="02070309020205020404" pitchFamily="49" charset="0"/>
-                <a:cs typeface="Courier New" panose="02070309020205020404" pitchFamily="49" charset="0"/>
-              </a:rPr>
-              <a:t>addEventListener</a:t>
+              <a:t>window.addEventListener</a:t>
             </a:r>
             <a:r>
               <a:rPr lang="en-US" dirty="0" smtClean="0">
@@ -30024,28 +30014,28 @@
           </a:bodyPr>
           <a:lstStyle/>
           <a:p>
-            <a:pPr marL="457200" indent="-457200">
-              <a:buAutoNum type="arabicPeriod"/>
-            </a:pPr>
-            <a:r>
-              <a:rPr lang="bg-BG" sz="2000" b="1" dirty="0" smtClean="0">
+            <a:pPr marL="0" indent="0">
+              <a:buNone/>
+            </a:pPr>
+            <a:r>
+              <a:rPr lang="en-US" sz="2000" b="1" dirty="0" smtClean="0">
                 <a:solidFill>
                   <a:schemeClr val="bg1">
                     <a:lumMod val="95000"/>
                   </a:schemeClr>
                 </a:solidFill>
               </a:rPr>
-              <a:t>Напишете израз, който </a:t>
-            </a:r>
-            <a:r>
-              <a:rPr lang="en-US" sz="2000" b="1" dirty="0" smtClean="0">
+              <a:t>1. </a:t>
+            </a:r>
+            <a:r>
+              <a:rPr lang="bg-BG" sz="2000" b="1" dirty="0" smtClean="0">
                 <a:solidFill>
                   <a:schemeClr val="bg1">
                     <a:lumMod val="95000"/>
                   </a:schemeClr>
                 </a:solidFill>
               </a:rPr>
-              <a:t>console.log-</a:t>
+              <a:t>Напишете </a:t>
             </a:r>
             <a:r>
               <a:rPr lang="bg-BG" sz="2000" b="1" dirty="0" smtClean="0">
@@ -30055,28 +30045,18 @@
                   </a:schemeClr>
                 </a:solidFill>
               </a:rPr>
-              <a:t>ва всички числа от 1 до 300.</a:t>
-            </a:r>
-          </a:p>
-          <a:p>
-            <a:pPr marL="457200" indent="-457200">
-              <a:buAutoNum type="arabicPeriod"/>
-            </a:pPr>
-            <a:r>
-              <a:rPr lang="bg-BG" sz="2000" b="1" dirty="0" smtClean="0">
+              <a:t>израз, който </a:t>
+            </a:r>
+            <a:r>
+              <a:rPr lang="en-US" sz="2000" b="1" dirty="0" smtClean="0">
                 <a:solidFill>
                   <a:schemeClr val="bg1">
                     <a:lumMod val="95000"/>
                   </a:schemeClr>
                 </a:solidFill>
               </a:rPr>
-              <a:t>Напишете израз, който проверява дали дадено число се дели на 3.</a:t>
-            </a:r>
-          </a:p>
-          <a:p>
-            <a:pPr marL="457200" indent="-457200">
-              <a:buAutoNum type="arabicPeriod"/>
-            </a:pPr>
+              <a:t>console.log-</a:t>
+            </a:r>
             <a:r>
               <a:rPr lang="bg-BG" sz="2000" b="1" dirty="0" smtClean="0">
                 <a:solidFill>
@@ -30085,8 +30065,13 @@
                   </a:schemeClr>
                 </a:solidFill>
               </a:rPr>
-              <a:t>Напишете израз, който проверява дали дадено число се дели едновременно на 4 и на 7.(използвайте вложени </a:t>
-            </a:r>
+              <a:t>ва всички числа от 1 до 300.</a:t>
+            </a:r>
+          </a:p>
+          <a:p>
+            <a:pPr marL="0" indent="0">
+              <a:buNone/>
+            </a:pPr>
             <a:r>
               <a:rPr lang="en-US" sz="2000" b="1" dirty="0" smtClean="0">
                 <a:solidFill>
@@ -30095,7 +30080,7 @@
                   </a:schemeClr>
                 </a:solidFill>
               </a:rPr>
-              <a:t>if-else</a:t>
+              <a:t>2. </a:t>
             </a:r>
             <a:r>
               <a:rPr lang="bg-BG" sz="2000" b="1" dirty="0" smtClean="0">
@@ -30105,23 +30090,18 @@
                   </a:schemeClr>
                 </a:solidFill>
               </a:rPr>
-              <a:t> оператори</a:t>
-            </a:r>
-            <a:r>
-              <a:rPr lang="en-US" sz="2000" b="1" dirty="0" smtClean="0">
+              <a:t>Напишете </a:t>
+            </a:r>
+            <a:r>
+              <a:rPr lang="bg-BG" sz="2000" b="1" dirty="0" smtClean="0">
                 <a:solidFill>
                   <a:schemeClr val="bg1">
                     <a:lumMod val="95000"/>
                   </a:schemeClr>
                 </a:solidFill>
               </a:rPr>
-              <a:t>).</a:t>
-            </a:r>
-          </a:p>
-          <a:p>
-            <a:pPr marL="457200" indent="-457200">
-              <a:buAutoNum type="arabicPeriod"/>
-            </a:pPr>
+              <a:t>израз, който проверява дали дадено число се дели на </a:t>
+            </a:r>
             <a:r>
               <a:rPr lang="bg-BG" sz="2000" b="1" dirty="0" smtClean="0">
                 <a:solidFill>
@@ -30130,32 +30110,27 @@
                   </a:schemeClr>
                 </a:solidFill>
               </a:rPr>
-              <a:t>Напишете израз, който пресмята площта на правоъгълник чрез определени ширина и дължина.</a:t>
-            </a:r>
-          </a:p>
-          <a:p>
-            <a:pPr marL="457200" indent="-457200">
-              <a:buAutoNum type="arabicPeriod"/>
-            </a:pPr>
-            <a:r>
-              <a:rPr lang="bg-BG" sz="2000" b="1" dirty="0" smtClean="0">
+              <a:t>3.</a:t>
+            </a:r>
+            <a:r>
+              <a:rPr lang="en-US" sz="2000" b="1" dirty="0" smtClean="0">
                 <a:solidFill>
                   <a:schemeClr val="bg1">
                     <a:lumMod val="95000"/>
                   </a:schemeClr>
                 </a:solidFill>
               </a:rPr>
-              <a:t>Напишете израз, който пресмята площта на трапец по дадени страна А, страна </a:t>
-            </a:r>
-            <a:r>
-              <a:rPr lang="en-US" sz="2000" b="1" dirty="0" smtClean="0">
+              <a:t> </a:t>
+            </a:r>
+            <a:r>
+              <a:rPr lang="bg-BG" sz="2000" b="1" dirty="0" smtClean="0">
                 <a:solidFill>
                   <a:schemeClr val="bg1">
                     <a:lumMod val="95000"/>
                   </a:schemeClr>
                 </a:solidFill>
               </a:rPr>
-              <a:t>B </a:t>
+              <a:t>Напишете </a:t>
             </a:r>
             <a:r>
               <a:rPr lang="bg-BG" sz="2000" b="1" dirty="0" smtClean="0">
@@ -30165,7 +30140,7 @@
                   </a:schemeClr>
                 </a:solidFill>
               </a:rPr>
-              <a:t>и височина </a:t>
+              <a:t>израз, който проверява дали дадено число се дели едновременно на 4 и на 7.(използвайте вложени </a:t>
             </a:r>
             <a:r>
               <a:rPr lang="en-US" sz="2000" b="1" dirty="0" smtClean="0">
@@ -30175,13 +30150,8 @@
                   </a:schemeClr>
                 </a:solidFill>
               </a:rPr>
-              <a:t>h.</a:t>
-            </a:r>
-          </a:p>
-          <a:p>
-            <a:pPr marL="457200" indent="-457200">
-              <a:buAutoNum type="arabicPeriod"/>
-            </a:pPr>
+              <a:t>if-else</a:t>
+            </a:r>
             <a:r>
               <a:rPr lang="bg-BG" sz="2000" b="1" dirty="0" smtClean="0">
                 <a:solidFill>
@@ -30190,7 +30160,7 @@
                   </a:schemeClr>
                 </a:solidFill>
               </a:rPr>
-              <a:t>Напишете израз, който намира най-голямото от 3 числа(използвайки вложени </a:t>
+              <a:t> оператори</a:t>
             </a:r>
             <a:r>
               <a:rPr lang="en-US" sz="2000" b="1" dirty="0" smtClean="0">
@@ -30200,18 +30170,125 @@
                   </a:schemeClr>
                 </a:solidFill>
               </a:rPr>
-              <a:t>if-else </a:t>
-            </a:r>
-            <a:r>
-              <a:rPr lang="bg-BG" sz="2000" b="1" dirty="0" smtClean="0">
+              <a:t>).</a:t>
+            </a:r>
+          </a:p>
+          <a:p>
+            <a:pPr marL="0" indent="0">
+              <a:buNone/>
+            </a:pPr>
+            <a:r>
+              <a:rPr lang="en-US" sz="2000" b="1" dirty="0" smtClean="0">
                 <a:solidFill>
                   <a:schemeClr val="bg1">
                     <a:lumMod val="95000"/>
                   </a:schemeClr>
                 </a:solidFill>
               </a:rPr>
-              <a:t>оператори).</a:t>
-            </a:r>
+              <a:t>4. </a:t>
+            </a:r>
+            <a:r>
+              <a:rPr lang="bg-BG" sz="2000" b="1" dirty="0" smtClean="0">
+                <a:solidFill>
+                  <a:schemeClr val="bg1">
+                    <a:lumMod val="95000"/>
+                  </a:schemeClr>
+                </a:solidFill>
+              </a:rPr>
+              <a:t>Напишете </a:t>
+            </a:r>
+            <a:r>
+              <a:rPr lang="bg-BG" sz="2000" b="1" dirty="0" smtClean="0">
+                <a:solidFill>
+                  <a:schemeClr val="bg1">
+                    <a:lumMod val="95000"/>
+                  </a:schemeClr>
+                </a:solidFill>
+              </a:rPr>
+              <a:t>израз, който пресмята площта на правоъгълник чрез определени ширина и дължина.</a:t>
+            </a:r>
+          </a:p>
+          <a:p>
+            <a:pPr marL="0" indent="0">
+              <a:buNone/>
+            </a:pPr>
+            <a:r>
+              <a:rPr lang="en-US" sz="2000" b="1" dirty="0" smtClean="0">
+                <a:solidFill>
+                  <a:schemeClr val="bg1">
+                    <a:lumMod val="95000"/>
+                  </a:schemeClr>
+                </a:solidFill>
+              </a:rPr>
+              <a:t>5. </a:t>
+            </a:r>
+            <a:r>
+              <a:rPr lang="bg-BG" sz="2000" b="1" dirty="0" smtClean="0">
+                <a:solidFill>
+                  <a:schemeClr val="bg1">
+                    <a:lumMod val="95000"/>
+                  </a:schemeClr>
+                </a:solidFill>
+              </a:rPr>
+              <a:t>Напишете </a:t>
+            </a:r>
+            <a:r>
+              <a:rPr lang="bg-BG" sz="2000" b="1" dirty="0" smtClean="0">
+                <a:solidFill>
+                  <a:schemeClr val="bg1">
+                    <a:lumMod val="95000"/>
+                  </a:schemeClr>
+                </a:solidFill>
+              </a:rPr>
+              <a:t>израз, който пресмята площта на трапец по дадени страна А, страна </a:t>
+            </a:r>
+            <a:r>
+              <a:rPr lang="en-US" sz="2000" b="1" dirty="0" smtClean="0">
+                <a:solidFill>
+                  <a:schemeClr val="bg1">
+                    <a:lumMod val="95000"/>
+                  </a:schemeClr>
+                </a:solidFill>
+              </a:rPr>
+              <a:t>B </a:t>
+            </a:r>
+            <a:r>
+              <a:rPr lang="bg-BG" sz="2000" b="1" dirty="0" smtClean="0">
+                <a:solidFill>
+                  <a:schemeClr val="bg1">
+                    <a:lumMod val="95000"/>
+                  </a:schemeClr>
+                </a:solidFill>
+              </a:rPr>
+              <a:t>и височина </a:t>
+            </a:r>
+            <a:r>
+              <a:rPr lang="en-US" sz="2000" b="1" dirty="0" smtClean="0">
+                <a:solidFill>
+                  <a:schemeClr val="bg1">
+                    <a:lumMod val="95000"/>
+                  </a:schemeClr>
+                </a:solidFill>
+              </a:rPr>
+              <a:t>h</a:t>
+            </a:r>
+            <a:r>
+              <a:rPr lang="en-US" sz="2000" b="1" dirty="0" smtClean="0">
+                <a:solidFill>
+                  <a:schemeClr val="bg1">
+                    <a:lumMod val="95000"/>
+                  </a:schemeClr>
+                </a:solidFill>
+              </a:rPr>
+              <a:t>.</a:t>
+            </a:r>
+            <a:endParaRPr lang="en-US" sz="2000" b="1" dirty="0" smtClean="0">
+              <a:solidFill>
+                <a:schemeClr val="bg1">
+                  <a:lumMod val="95000"/>
+                </a:schemeClr>
+              </a:solidFill>
+            </a:endParaRPr>
           </a:p>
         </p:txBody>
       </p:sp>
@@ -30315,66 +30392,66 @@
               <a:buNone/>
             </a:pPr>
             <a:r>
-              <a:rPr lang="bg-BG" sz="2000" b="1" dirty="0" smtClean="0">
+              <a:rPr lang="en-US" sz="2000" b="1" dirty="0" smtClean="0">
                 <a:solidFill>
                   <a:schemeClr val="bg1">
                     <a:lumMod val="95000"/>
                   </a:schemeClr>
                 </a:solidFill>
               </a:rPr>
-              <a:t>7.     Напишете </a:t>
-            </a:r>
-            <a:r>
-              <a:rPr lang="bg-BG" sz="2000" b="1" dirty="0">
+              <a:t>6. </a:t>
+            </a:r>
+            <a:r>
+              <a:rPr lang="bg-BG" sz="2000" b="1" dirty="0" smtClean="0">
                 <a:solidFill>
                   <a:schemeClr val="bg1">
                     <a:lumMod val="95000"/>
                   </a:schemeClr>
                 </a:solidFill>
               </a:rPr>
-              <a:t>израз, който намира всички делими на 7 числа, които се намират в интервала от 50 до 100.</a:t>
-            </a:r>
-          </a:p>
-          <a:p>
-            <a:pPr marL="457200" indent="-457200">
-              <a:buAutoNum type="arabicPeriod" startAt="8"/>
-            </a:pPr>
-            <a:r>
-              <a:rPr lang="bg-BG" sz="2000" b="1" dirty="0" smtClean="0">
+              <a:t>Напишете </a:t>
+            </a:r>
+            <a:r>
+              <a:rPr lang="bg-BG" sz="2000" b="1" dirty="0">
                 <a:solidFill>
                   <a:schemeClr val="bg1">
                     <a:lumMod val="95000"/>
                   </a:schemeClr>
                 </a:solidFill>
               </a:rPr>
-              <a:t>Напишете </a:t>
-            </a:r>
-            <a:r>
-              <a:rPr lang="bg-BG" sz="2000" b="1" dirty="0">
+              <a:t>израз, който намира най-голямото от 3 числа(използвайки вложени </a:t>
+            </a:r>
+            <a:r>
+              <a:rPr lang="en-US" sz="2000" b="1" dirty="0">
                 <a:solidFill>
                   <a:schemeClr val="bg1">
                     <a:lumMod val="95000"/>
                   </a:schemeClr>
                 </a:solidFill>
               </a:rPr>
-              <a:t>израз, който намира всички делими на 4 и на 9 числа, които се намират в интервала от 20 до 60</a:t>
-            </a:r>
-            <a:r>
-              <a:rPr lang="bg-BG" sz="2000" b="1" dirty="0" smtClean="0">
+              <a:t>if-else </a:t>
+            </a:r>
+            <a:r>
+              <a:rPr lang="bg-BG" sz="2000" b="1" dirty="0">
                 <a:solidFill>
                   <a:schemeClr val="bg1">
                     <a:lumMod val="95000"/>
                   </a:schemeClr>
                 </a:solidFill>
               </a:rPr>
-              <a:t>.</a:t>
-            </a:r>
-          </a:p>
-          <a:p>
-            <a:pPr marL="457200" indent="-457200">
-              <a:buAutoNum type="arabicPeriod" startAt="8"/>
-            </a:pPr>
-            <a:endParaRPr lang="bg-BG" sz="2000" b="1" dirty="0">
+              <a:t>оператори</a:t>
+            </a:r>
+            <a:r>
+              <a:rPr lang="bg-BG" sz="2000" b="1" dirty="0" smtClean="0">
+                <a:solidFill>
+                  <a:schemeClr val="bg1">
+                    <a:lumMod val="95000"/>
+                  </a:schemeClr>
+                </a:solidFill>
+              </a:rPr>
+              <a:t>).</a:t>
+            </a:r>
+            <a:endParaRPr lang="en-US" sz="2000" b="1" dirty="0" smtClean="0">
               <a:solidFill>
                 <a:schemeClr val="bg1">
                   <a:lumMod val="95000"/>
@@ -30383,8 +30460,8 @@
             </a:endParaRPr>
           </a:p>
           <a:p>
-            <a:pPr marL="457200" indent="-457200">
-              <a:buAutoNum type="arabicPeriod" startAt="8"/>
+            <a:pPr marL="0" indent="0">
+              <a:buNone/>
             </a:pPr>
             <a:r>
               <a:rPr lang="bg-BG" sz="2000" b="1" dirty="0" smtClean="0">
@@ -30394,7 +30471,137 @@
                   </a:schemeClr>
                 </a:solidFill>
               </a:rPr>
-              <a:t>Напишете скрипт, който използва масив от 5 елемента и връща нов масив, който представлява индексите на стария, умножени по 7. Старият масив трябва да изглежда по следния начин:</a:t>
+              <a:t>7</a:t>
+            </a:r>
+            <a:r>
+              <a:rPr lang="bg-BG" sz="2000" b="1" dirty="0" smtClean="0">
+                <a:solidFill>
+                  <a:schemeClr val="bg1">
+                    <a:lumMod val="95000"/>
+                  </a:schemeClr>
+                </a:solidFill>
+              </a:rPr>
+              <a:t>. </a:t>
+            </a:r>
+            <a:r>
+              <a:rPr lang="bg-BG" sz="2000" b="1" dirty="0" smtClean="0">
+                <a:solidFill>
+                  <a:schemeClr val="bg1">
+                    <a:lumMod val="95000"/>
+                  </a:schemeClr>
+                </a:solidFill>
+              </a:rPr>
+              <a:t>Напишете </a:t>
+            </a:r>
+            <a:r>
+              <a:rPr lang="bg-BG" sz="2000" b="1" dirty="0">
+                <a:solidFill>
+                  <a:schemeClr val="bg1">
+                    <a:lumMod val="95000"/>
+                  </a:schemeClr>
+                </a:solidFill>
+              </a:rPr>
+              <a:t>израз, който намира всички делими на 7 числа, които се намират в интервала от 50 до </a:t>
+            </a:r>
+            <a:r>
+              <a:rPr lang="bg-BG" sz="2000" b="1" dirty="0" smtClean="0">
+                <a:solidFill>
+                  <a:schemeClr val="bg1">
+                    <a:lumMod val="95000"/>
+                  </a:schemeClr>
+                </a:solidFill>
+              </a:rPr>
+              <a:t>100.</a:t>
+            </a:r>
+          </a:p>
+          <a:p>
+            <a:pPr marL="0" indent="0">
+              <a:buNone/>
+            </a:pPr>
+            <a:r>
+              <a:rPr lang="en-US" sz="2000" b="1" dirty="0" smtClean="0">
+                <a:solidFill>
+                  <a:schemeClr val="bg1">
+                    <a:lumMod val="95000"/>
+                  </a:schemeClr>
+                </a:solidFill>
+              </a:rPr>
+              <a:t>8. </a:t>
+            </a:r>
+            <a:r>
+              <a:rPr lang="bg-BG" sz="2000" b="1" dirty="0" smtClean="0">
+                <a:solidFill>
+                  <a:schemeClr val="bg1">
+                    <a:lumMod val="95000"/>
+                  </a:schemeClr>
+                </a:solidFill>
+              </a:rPr>
+              <a:t>Напишете израз, който намира всички делими на 4 и на 9 числа, които се намират в интервала от 20 до 60.</a:t>
+            </a:r>
+          </a:p>
+          <a:p>
+            <a:pPr marL="0" indent="0">
+              <a:buNone/>
+            </a:pPr>
+            <a:r>
+              <a:rPr lang="en-US" sz="2000" b="1" dirty="0" smtClean="0">
+                <a:solidFill>
+                  <a:schemeClr val="bg1">
+                    <a:lumMod val="95000"/>
+                  </a:schemeClr>
+                </a:solidFill>
+              </a:rPr>
+              <a:t>9. </a:t>
+            </a:r>
+            <a:r>
+              <a:rPr lang="bg-BG" sz="2000" b="1" dirty="0" smtClean="0">
+                <a:solidFill>
+                  <a:schemeClr val="bg1">
+                    <a:lumMod val="95000"/>
+                  </a:schemeClr>
+                </a:solidFill>
+              </a:rPr>
+              <a:t>Напишете </a:t>
+            </a:r>
+            <a:r>
+              <a:rPr lang="bg-BG" sz="2000" b="1" dirty="0" smtClean="0">
+                <a:solidFill>
+                  <a:schemeClr val="bg1">
+                    <a:lumMod val="95000"/>
+                  </a:schemeClr>
+                </a:solidFill>
+              </a:rPr>
+              <a:t>скрипт, който използва масив от 5 елемента и връща нов масив, който представлява индексите на стария, умножени по </a:t>
+            </a:r>
+            <a:r>
+              <a:rPr lang="en-US" sz="2000" b="1" dirty="0" smtClean="0">
+                <a:solidFill>
+                  <a:schemeClr val="bg1">
+                    <a:lumMod val="95000"/>
+                  </a:schemeClr>
+                </a:solidFill>
+              </a:rPr>
+              <a:t>10.</a:t>
+            </a:r>
+            <a:r>
+              <a:rPr lang="bg-BG" sz="2000" b="1" dirty="0" smtClean="0">
+                <a:solidFill>
+                  <a:schemeClr val="bg1">
+                    <a:lumMod val="95000"/>
+                  </a:schemeClr>
+                </a:solidFill>
+              </a:rPr>
+              <a:t> </a:t>
+            </a:r>
+            <a:r>
+              <a:rPr lang="bg-BG" sz="2000" b="1" dirty="0" smtClean="0">
+                <a:solidFill>
+                  <a:schemeClr val="bg1">
+                    <a:lumMod val="95000"/>
+                  </a:schemeClr>
+                </a:solidFill>
+              </a:rPr>
+              <a:t>Старият масив трябва да изглежда по следния начин:</a:t>
             </a:r>
           </a:p>
           <a:p>
@@ -30551,14 +30758,14 @@
               <a:buNone/>
             </a:pPr>
             <a:r>
-              <a:rPr lang="en-US" sz="2000" b="1" dirty="0">
+              <a:rPr lang="en-US" sz="2000" b="1" dirty="0" smtClean="0">
                 <a:solidFill>
                   <a:schemeClr val="bg1">
                     <a:lumMod val="95000"/>
                   </a:schemeClr>
                 </a:solidFill>
               </a:rPr>
-              <a:t>10. </a:t>
+              <a:t>11. </a:t>
             </a:r>
             <a:r>
               <a:rPr lang="bg-BG" sz="2000" b="1" dirty="0">
@@ -30568,7 +30775,27 @@
                   </a:schemeClr>
                 </a:solidFill>
               </a:rPr>
-              <a:t>Напишете скрипт, който намира най-често срещаното число в седния масйв: </a:t>
+              <a:t>Напишете скрипт, който намира най-често срещаното число в седния </a:t>
+            </a:r>
+            <a:r>
+              <a:rPr lang="bg-BG" sz="2000" b="1" dirty="0" smtClean="0">
+                <a:solidFill>
+                  <a:schemeClr val="bg1">
+                    <a:lumMod val="95000"/>
+                  </a:schemeClr>
+                </a:solidFill>
+              </a:rPr>
+              <a:t>масив</a:t>
+            </a:r>
+            <a:r>
+              <a:rPr lang="bg-BG" sz="2000" b="1" dirty="0">
+                <a:solidFill>
+                  <a:schemeClr val="bg1">
+                    <a:lumMod val="95000"/>
+                  </a:schemeClr>
+                </a:solidFill>
+              </a:rPr>
+              <a:t>: </a:t>
             </a:r>
             <a:endParaRPr lang="en-US" sz="2000" b="1" dirty="0">
               <a:solidFill>
@@ -30590,19 +30817,341 @@
                   </a:schemeClr>
                 </a:solidFill>
               </a:rPr>
-              <a:t>       </a:t>
-            </a:r>
-            <a:r>
-              <a:rPr lang="en-US" sz="2000" dirty="0">
+              <a:t>       [0, 4, 1, 3, 4, 6, 3, 4, 9, 9, 4, 1, 4</a:t>
+            </a:r>
+            <a:r>
+              <a:rPr lang="en-US" sz="2000" b="1" dirty="0" smtClean="0">
                 <a:solidFill>
                   <a:schemeClr val="bg1">
                     <a:lumMod val="95000"/>
                   </a:schemeClr>
                 </a:solidFill>
               </a:rPr>
-              <a:t>[0, 4, 1, 3, 4, 6, 3, 4, 9, 9, 4, 1, 4]</a:t>
-            </a:r>
-            <a:endParaRPr lang="bg-BG" sz="2000" dirty="0">
+              <a:t>]</a:t>
+            </a:r>
+          </a:p>
+          <a:p>
+            <a:pPr marL="0" indent="0">
+              <a:buNone/>
+            </a:pPr>
+            <a:r>
+              <a:rPr lang="en-US" sz="2000" b="1" dirty="0" smtClean="0">
+                <a:solidFill>
+                  <a:schemeClr val="bg1">
+                    <a:lumMod val="95000"/>
+                  </a:schemeClr>
+                </a:solidFill>
+              </a:rPr>
+              <a:t>12. </a:t>
+            </a:r>
+            <a:r>
+              <a:rPr lang="bg-BG" sz="2000" b="1" dirty="0" smtClean="0">
+                <a:solidFill>
+                  <a:schemeClr val="bg1">
+                    <a:lumMod val="95000"/>
+                  </a:schemeClr>
+                </a:solidFill>
+              </a:rPr>
+              <a:t>Напишете скрипт, който </a:t>
+            </a:r>
+            <a:r>
+              <a:rPr lang="en-US" sz="2000" b="1" dirty="0" smtClean="0">
+                <a:solidFill>
+                  <a:schemeClr val="bg1">
+                    <a:lumMod val="95000"/>
+                  </a:schemeClr>
+                </a:solidFill>
+              </a:rPr>
+              <a:t>console.log-</a:t>
+            </a:r>
+            <a:r>
+              <a:rPr lang="bg-BG" sz="2000" b="1" dirty="0" smtClean="0">
+                <a:solidFill>
+                  <a:schemeClr val="bg1">
+                    <a:lumMod val="95000"/>
+                  </a:schemeClr>
+                </a:solidFill>
+              </a:rPr>
+              <a:t>ва поотделно пълната дата, деня, месеца, годината, часа и минутите.</a:t>
+            </a:r>
+          </a:p>
+          <a:p>
+            <a:pPr marL="0" indent="0">
+              <a:buNone/>
+            </a:pPr>
+            <a:r>
+              <a:rPr lang="en-US" sz="2000" b="1" dirty="0" smtClean="0">
+                <a:solidFill>
+                  <a:schemeClr val="bg1">
+                    <a:lumMod val="95000"/>
+                  </a:schemeClr>
+                </a:solidFill>
+              </a:rPr>
+              <a:t>13</a:t>
+            </a:r>
+            <a:r>
+              <a:rPr lang="bg-BG" sz="2000" b="1" dirty="0" smtClean="0">
+                <a:solidFill>
+                  <a:schemeClr val="bg1">
+                    <a:lumMod val="95000"/>
+                  </a:schemeClr>
+                </a:solidFill>
+              </a:rPr>
+              <a:t>. Напишете скрипт, който създава обект </a:t>
+            </a:r>
+            <a:r>
+              <a:rPr lang="en-US" sz="2000" b="1" dirty="0" smtClean="0">
+                <a:solidFill>
+                  <a:schemeClr val="bg1">
+                    <a:lumMod val="95000"/>
+                  </a:schemeClr>
+                </a:solidFill>
+              </a:rPr>
+              <a:t>student</a:t>
+            </a:r>
+            <a:r>
+              <a:rPr lang="bg-BG" sz="2000" b="1" dirty="0" smtClean="0">
+                <a:solidFill>
+                  <a:schemeClr val="bg1">
+                    <a:lumMod val="95000"/>
+                  </a:schemeClr>
+                </a:solidFill>
+              </a:rPr>
+              <a:t>, който има следните свойства: </a:t>
+            </a:r>
+            <a:r>
+              <a:rPr lang="bg-BG" sz="2000" b="1" dirty="0" smtClean="0">
+                <a:solidFill>
+                  <a:schemeClr val="bg1">
+                    <a:lumMod val="95000"/>
+                  </a:schemeClr>
+                </a:solidFill>
+              </a:rPr>
+              <a:t>име, години, </a:t>
+            </a:r>
+            <a:r>
+              <a:rPr lang="bg-BG" sz="2000" b="1" dirty="0" smtClean="0">
+                <a:solidFill>
+                  <a:schemeClr val="bg1">
+                    <a:lumMod val="95000"/>
+                  </a:schemeClr>
+                </a:solidFill>
+              </a:rPr>
+              <a:t>опит, </a:t>
+            </a:r>
+            <a:r>
+              <a:rPr lang="bg-BG" sz="2000" b="1" dirty="0" smtClean="0">
+                <a:solidFill>
+                  <a:schemeClr val="bg1">
+                    <a:lumMod val="95000"/>
+                  </a:schemeClr>
+                </a:solidFill>
+              </a:rPr>
+              <a:t>оценка, метод учене, </a:t>
+            </a:r>
+            <a:r>
+              <a:rPr lang="bg-BG" sz="2000" b="1" dirty="0" smtClean="0">
+                <a:solidFill>
+                  <a:schemeClr val="bg1">
+                    <a:lumMod val="95000"/>
+                  </a:schemeClr>
+                </a:solidFill>
+              </a:rPr>
+              <a:t>метод забавление.</a:t>
+            </a:r>
+          </a:p>
+          <a:p>
+            <a:pPr marL="0" indent="0">
+              <a:buNone/>
+            </a:pPr>
+            <a:r>
+              <a:rPr lang="en-US" sz="2000" b="1" dirty="0" smtClean="0">
+                <a:solidFill>
+                  <a:schemeClr val="bg1">
+                    <a:lumMod val="95000"/>
+                  </a:schemeClr>
+                </a:solidFill>
+              </a:rPr>
+              <a:t>14</a:t>
+            </a:r>
+            <a:r>
+              <a:rPr lang="bg-BG" sz="2000" b="1" dirty="0" smtClean="0">
+                <a:solidFill>
+                  <a:schemeClr val="bg1">
+                    <a:lumMod val="95000"/>
+                  </a:schemeClr>
+                </a:solidFill>
+              </a:rPr>
+              <a:t>. Използвайки зад.12, </a:t>
+            </a:r>
+            <a:r>
+              <a:rPr lang="en-US" sz="2000" b="1" dirty="0" smtClean="0">
+                <a:solidFill>
+                  <a:schemeClr val="bg1">
+                    <a:lumMod val="95000"/>
+                  </a:schemeClr>
+                </a:solidFill>
+              </a:rPr>
+              <a:t>console.log-</a:t>
+            </a:r>
+            <a:r>
+              <a:rPr lang="bg-BG" sz="2000" b="1" dirty="0" smtClean="0">
+                <a:solidFill>
+                  <a:schemeClr val="bg1">
+                    <a:lumMod val="95000"/>
+                  </a:schemeClr>
+                </a:solidFill>
+              </a:rPr>
+              <a:t>нете всички свойства на вече създадения обект </a:t>
+            </a:r>
+            <a:r>
+              <a:rPr lang="en-US" sz="2000" b="1" dirty="0" smtClean="0">
+                <a:solidFill>
+                  <a:schemeClr val="bg1">
+                    <a:lumMod val="95000"/>
+                  </a:schemeClr>
+                </a:solidFill>
+              </a:rPr>
+              <a:t>student.</a:t>
+            </a:r>
+            <a:endParaRPr lang="bg-BG" sz="2000" b="1" dirty="0" smtClean="0">
+              <a:solidFill>
+                <a:schemeClr val="bg1">
+                  <a:lumMod val="95000"/>
+                </a:schemeClr>
+              </a:solidFill>
+            </a:endParaRPr>
+          </a:p>
+          <a:p>
+            <a:pPr marL="0" indent="0">
+              <a:buNone/>
+            </a:pPr>
+            <a:r>
+              <a:rPr lang="en-US" sz="2000" b="1" dirty="0" smtClean="0">
+                <a:solidFill>
+                  <a:schemeClr val="bg1">
+                    <a:lumMod val="95000"/>
+                  </a:schemeClr>
+                </a:solidFill>
+              </a:rPr>
+              <a:t>15</a:t>
+            </a:r>
+            <a:r>
+              <a:rPr lang="bg-BG" sz="2000" b="1" dirty="0" smtClean="0">
+                <a:solidFill>
+                  <a:schemeClr val="bg1">
+                    <a:lumMod val="95000"/>
+                  </a:schemeClr>
+                </a:solidFill>
+              </a:rPr>
+              <a:t>. Напишете функция, която при извикването си сменя съдържанието на елемент по избор.</a:t>
+            </a:r>
+          </a:p>
+          <a:p>
+            <a:pPr marL="0" indent="0">
+              <a:buNone/>
+            </a:pPr>
+            <a:r>
+              <a:rPr lang="bg-BG" sz="2000" b="1" dirty="0" smtClean="0">
+                <a:solidFill>
+                  <a:schemeClr val="bg1">
+                    <a:lumMod val="95000"/>
+                  </a:schemeClr>
+                </a:solidFill>
+              </a:rPr>
+              <a:t>1</a:t>
+            </a:r>
+            <a:r>
+              <a:rPr lang="en-US" sz="2000" b="1" dirty="0" smtClean="0">
+                <a:solidFill>
+                  <a:schemeClr val="bg1">
+                    <a:lumMod val="95000"/>
+                  </a:schemeClr>
+                </a:solidFill>
+              </a:rPr>
+              <a:t>6.</a:t>
+            </a:r>
+            <a:r>
+              <a:rPr lang="bg-BG" sz="2000" b="1" dirty="0" smtClean="0">
+                <a:solidFill>
+                  <a:schemeClr val="bg1">
+                    <a:lumMod val="95000"/>
+                  </a:schemeClr>
+                </a:solidFill>
+              </a:rPr>
+              <a:t> Направете страница, която съдържа елемент картинка, представляваща </a:t>
+            </a:r>
+            <a:r>
+              <a:rPr lang="bg-BG" sz="2000" u="sng" dirty="0" smtClean="0">
+                <a:solidFill>
+                  <a:schemeClr val="bg1">
+                    <a:lumMod val="95000"/>
+                  </a:schemeClr>
+                </a:solidFill>
+              </a:rPr>
+              <a:t>не</a:t>
+            </a:r>
+            <a:r>
+              <a:rPr lang="bg-BG" sz="2000" b="1" dirty="0" smtClean="0">
+                <a:solidFill>
+                  <a:schemeClr val="bg1">
+                    <a:lumMod val="95000"/>
+                  </a:schemeClr>
+                </a:solidFill>
+              </a:rPr>
+              <a:t>светеща крушка. Напишете скрипт, който при </a:t>
+            </a:r>
+            <a:r>
+              <a:rPr lang="en-US" sz="2000" b="1" dirty="0" smtClean="0">
+                <a:solidFill>
+                  <a:schemeClr val="bg1">
+                    <a:lumMod val="95000"/>
+                  </a:schemeClr>
+                </a:solidFill>
+              </a:rPr>
+              <a:t>hover </a:t>
+            </a:r>
+            <a:r>
+              <a:rPr lang="bg-BG" sz="2000" b="1" dirty="0" smtClean="0">
+                <a:solidFill>
+                  <a:schemeClr val="bg1">
+                    <a:lumMod val="95000"/>
+                  </a:schemeClr>
+                </a:solidFill>
+              </a:rPr>
+              <a:t>върху крушката, сменя </a:t>
+            </a:r>
+            <a:r>
+              <a:rPr lang="en-US" sz="2000" b="1" dirty="0" err="1" smtClean="0">
+                <a:solidFill>
+                  <a:schemeClr val="bg1">
+                    <a:lumMod val="95000"/>
+                  </a:schemeClr>
+                </a:solidFill>
+              </a:rPr>
+              <a:t>src</a:t>
+            </a:r>
+            <a:r>
+              <a:rPr lang="en-US" sz="2000" b="1" dirty="0" smtClean="0">
+                <a:solidFill>
+                  <a:schemeClr val="bg1">
+                    <a:lumMod val="95000"/>
+                  </a:schemeClr>
+                </a:solidFill>
+              </a:rPr>
+              <a:t>-</a:t>
+            </a:r>
+            <a:r>
+              <a:rPr lang="bg-BG" sz="2000" b="1" dirty="0" smtClean="0">
+                <a:solidFill>
+                  <a:schemeClr val="bg1">
+                    <a:lumMod val="95000"/>
+                  </a:schemeClr>
+                </a:solidFill>
+              </a:rPr>
+              <a:t>то на крушката и тя „светва“.</a:t>
+            </a:r>
+            <a:endParaRPr lang="bg-BG" sz="2000" b="1" dirty="0">
               <a:solidFill>
                 <a:schemeClr val="bg1">
                   <a:lumMod val="95000"/>

--- a/10-JavaScript-Basics.pptx
+++ b/10-JavaScript-Basics.pptx
@@ -295,7 +295,7 @@
           <a:p>
             <a:fld id="{2E054F57-E93D-4CC3-8A27-2F256E70BB98}" type="datetimeFigureOut">
               <a:rPr lang="en-US" smtClean="0"/>
-              <a:t>01 Sep 15</a:t>
+              <a:t>02 Sep 15</a:t>
             </a:fld>
             <a:endParaRPr lang="en-US"/>
           </a:p>
@@ -744,7 +744,7 @@
           <a:p>
             <a:fld id="{3EA744D9-3FBE-48D8-BF2A-85DF203E4D20}" type="datetimeFigureOut">
               <a:rPr lang="bg-BG" smtClean="0"/>
-              <a:t>1.9.2015 г.</a:t>
+              <a:t>2.9.2015 г.</a:t>
             </a:fld>
             <a:endParaRPr lang="bg-BG"/>
           </a:p>
@@ -914,7 +914,7 @@
           <a:p>
             <a:fld id="{3EA744D9-3FBE-48D8-BF2A-85DF203E4D20}" type="datetimeFigureOut">
               <a:rPr lang="bg-BG" smtClean="0"/>
-              <a:t>1.9.2015 г.</a:t>
+              <a:t>2.9.2015 г.</a:t>
             </a:fld>
             <a:endParaRPr lang="bg-BG"/>
           </a:p>
@@ -1094,7 +1094,7 @@
           <a:p>
             <a:fld id="{3EA744D9-3FBE-48D8-BF2A-85DF203E4D20}" type="datetimeFigureOut">
               <a:rPr lang="bg-BG" smtClean="0"/>
-              <a:t>1.9.2015 г.</a:t>
+              <a:t>2.9.2015 г.</a:t>
             </a:fld>
             <a:endParaRPr lang="bg-BG"/>
           </a:p>
@@ -1264,7 +1264,7 @@
           <a:p>
             <a:fld id="{3EA744D9-3FBE-48D8-BF2A-85DF203E4D20}" type="datetimeFigureOut">
               <a:rPr lang="bg-BG" smtClean="0"/>
-              <a:t>1.9.2015 г.</a:t>
+              <a:t>2.9.2015 г.</a:t>
             </a:fld>
             <a:endParaRPr lang="bg-BG"/>
           </a:p>
@@ -1510,7 +1510,7 @@
           <a:p>
             <a:fld id="{3EA744D9-3FBE-48D8-BF2A-85DF203E4D20}" type="datetimeFigureOut">
               <a:rPr lang="bg-BG" smtClean="0"/>
-              <a:t>1.9.2015 г.</a:t>
+              <a:t>2.9.2015 г.</a:t>
             </a:fld>
             <a:endParaRPr lang="bg-BG"/>
           </a:p>
@@ -1798,7 +1798,7 @@
           <a:p>
             <a:fld id="{3EA744D9-3FBE-48D8-BF2A-85DF203E4D20}" type="datetimeFigureOut">
               <a:rPr lang="bg-BG" smtClean="0"/>
-              <a:t>1.9.2015 г.</a:t>
+              <a:t>2.9.2015 г.</a:t>
             </a:fld>
             <a:endParaRPr lang="bg-BG"/>
           </a:p>
@@ -2220,7 +2220,7 @@
           <a:p>
             <a:fld id="{3EA744D9-3FBE-48D8-BF2A-85DF203E4D20}" type="datetimeFigureOut">
               <a:rPr lang="bg-BG" smtClean="0"/>
-              <a:t>1.9.2015 г.</a:t>
+              <a:t>2.9.2015 г.</a:t>
             </a:fld>
             <a:endParaRPr lang="bg-BG"/>
           </a:p>
@@ -2338,7 +2338,7 @@
           <a:p>
             <a:fld id="{3EA744D9-3FBE-48D8-BF2A-85DF203E4D20}" type="datetimeFigureOut">
               <a:rPr lang="bg-BG" smtClean="0"/>
-              <a:t>1.9.2015 г.</a:t>
+              <a:t>2.9.2015 г.</a:t>
             </a:fld>
             <a:endParaRPr lang="bg-BG"/>
           </a:p>
@@ -2433,7 +2433,7 @@
           <a:p>
             <a:fld id="{3EA744D9-3FBE-48D8-BF2A-85DF203E4D20}" type="datetimeFigureOut">
               <a:rPr lang="bg-BG" smtClean="0"/>
-              <a:t>1.9.2015 г.</a:t>
+              <a:t>2.9.2015 г.</a:t>
             </a:fld>
             <a:endParaRPr lang="bg-BG"/>
           </a:p>
@@ -2710,7 +2710,7 @@
           <a:p>
             <a:fld id="{3EA744D9-3FBE-48D8-BF2A-85DF203E4D20}" type="datetimeFigureOut">
               <a:rPr lang="bg-BG" smtClean="0"/>
-              <a:t>1.9.2015 г.</a:t>
+              <a:t>2.9.2015 г.</a:t>
             </a:fld>
             <a:endParaRPr lang="bg-BG"/>
           </a:p>
@@ -2963,7 +2963,7 @@
           <a:p>
             <a:fld id="{3EA744D9-3FBE-48D8-BF2A-85DF203E4D20}" type="datetimeFigureOut">
               <a:rPr lang="bg-BG" smtClean="0"/>
-              <a:t>1.9.2015 г.</a:t>
+              <a:t>2.9.2015 г.</a:t>
             </a:fld>
             <a:endParaRPr lang="bg-BG"/>
           </a:p>
@@ -3185,7 +3185,7 @@
           <a:p>
             <a:fld id="{3EA744D9-3FBE-48D8-BF2A-85DF203E4D20}" type="datetimeFigureOut">
               <a:rPr lang="bg-BG" smtClean="0"/>
-              <a:t>1.9.2015 г.</a:t>
+              <a:t>2.9.2015 г.</a:t>
             </a:fld>
             <a:endParaRPr lang="bg-BG"/>
           </a:p>
@@ -22990,8 +22990,15 @@
                 <a:latin typeface="Courier New" panose="02070309020205020404" pitchFamily="49" charset="0"/>
                 <a:cs typeface="Courier New" panose="02070309020205020404" pitchFamily="49" charset="0"/>
               </a:rPr>
-              <a:t>32“</a:t>
-            </a:r>
+              <a:t>32</a:t>
+            </a:r>
+            <a:endParaRPr lang="en-US" sz="1800" dirty="0" smtClean="0">
+              <a:solidFill>
+                <a:schemeClr val="bg1"/>
+              </a:solidFill>
+              <a:latin typeface="Courier New" panose="02070309020205020404" pitchFamily="49" charset="0"/>
+              <a:cs typeface="Courier New" panose="02070309020205020404" pitchFamily="49" charset="0"/>
+            </a:endParaRPr>
           </a:p>
           <a:p>
             <a:pPr marL="0" indent="0">
@@ -24008,8 +24015,25 @@
                 <a:latin typeface="Courier New" panose="02070309020205020404" pitchFamily="49" charset="0"/>
                 <a:cs typeface="Courier New" panose="02070309020205020404" pitchFamily="49" charset="0"/>
               </a:rPr>
-              <a:t>property2: “value”</a:t>
-            </a:r>
+              <a:t>property2: “value</a:t>
+            </a:r>
+            <a:r>
+              <a:rPr lang="en-US" sz="1800" dirty="0" smtClean="0">
+                <a:solidFill>
+                  <a:schemeClr val="bg1"/>
+                </a:solidFill>
+                <a:latin typeface="Courier New" panose="02070309020205020404" pitchFamily="49" charset="0"/>
+                <a:cs typeface="Courier New" panose="02070309020205020404" pitchFamily="49" charset="0"/>
+              </a:rPr>
+              <a:t>”</a:t>
+            </a:r>
+            <a:endParaRPr lang="en-US" sz="1800" dirty="0" smtClean="0">
+              <a:solidFill>
+                <a:schemeClr val="bg1"/>
+              </a:solidFill>
+              <a:latin typeface="Courier New" panose="02070309020205020404" pitchFamily="49" charset="0"/>
+              <a:cs typeface="Courier New" panose="02070309020205020404" pitchFamily="49" charset="0"/>
+            </a:endParaRPr>
           </a:p>
           <a:p>
             <a:pPr marL="0" indent="0">
@@ -28772,7 +28796,7 @@
                 <a:latin typeface="Courier New" panose="02070309020205020404" pitchFamily="49" charset="0"/>
                 <a:cs typeface="Courier New" panose="02070309020205020404" pitchFamily="49" charset="0"/>
               </a:rPr>
-              <a:t>Document.addEventListener</a:t>
+              <a:t>document.addEventListener</a:t>
             </a:r>
             <a:r>
               <a:rPr lang="en-US" dirty="0" smtClean="0">
@@ -28946,7 +28970,7 @@
         <p:spPr>
           <a:xfrm>
             <a:off x="425355" y="1491734"/>
-            <a:ext cx="8718645" cy="4339650"/>
+            <a:ext cx="8718645" cy="4616648"/>
           </a:xfrm>
           <a:prstGeom prst="rect">
             <a:avLst/>
@@ -29395,7 +29419,39 @@
                 <a:latin typeface="Courier New" panose="02070309020205020404" pitchFamily="49" charset="0"/>
                 <a:cs typeface="Courier New" panose="02070309020205020404" pitchFamily="49" charset="0"/>
               </a:rPr>
-              <a:t>/background.png’;</a:t>
+              <a:t>/background.png</a:t>
+            </a:r>
+            <a:r>
+              <a:rPr lang="en-US" dirty="0" smtClean="0">
+                <a:solidFill>
+                  <a:schemeClr val="bg1"/>
+                </a:solidFill>
+                <a:latin typeface="Courier New" panose="02070309020205020404" pitchFamily="49" charset="0"/>
+                <a:cs typeface="Courier New" panose="02070309020205020404" pitchFamily="49" charset="0"/>
+              </a:rPr>
+              <a:t>’;</a:t>
+            </a:r>
+          </a:p>
+          <a:p>
+            <a:r>
+              <a:rPr lang="en-US" dirty="0" err="1" smtClean="0">
+                <a:solidFill>
+                  <a:schemeClr val="bg1"/>
+                </a:solidFill>
+                <a:latin typeface="Courier New" panose="02070309020205020404" pitchFamily="49" charset="0"/>
+                <a:cs typeface="Courier New" panose="02070309020205020404" pitchFamily="49" charset="0"/>
+              </a:rPr>
+              <a:t>myImg.width</a:t>
+            </a:r>
+            <a:r>
+              <a:rPr lang="en-US" dirty="0" smtClean="0">
+                <a:solidFill>
+                  <a:schemeClr val="bg1"/>
+                </a:solidFill>
+                <a:latin typeface="Courier New" panose="02070309020205020404" pitchFamily="49" charset="0"/>
+                <a:cs typeface="Courier New" panose="02070309020205020404" pitchFamily="49" charset="0"/>
+              </a:rPr>
+              <a:t> = ‘200px’</a:t>
             </a:r>
             <a:endParaRPr lang="bg-BG" dirty="0" smtClean="0">
               <a:solidFill>
@@ -29644,6 +29700,16 @@
           </a:p>
           <a:p>
             <a:r>
+              <a:rPr lang="en-US" dirty="0" err="1">
+                <a:solidFill>
+                  <a:schemeClr val="bg1"/>
+                </a:solidFill>
+                <a:latin typeface="Courier New" panose="02070309020205020404" pitchFamily="49" charset="0"/>
+                <a:cs typeface="Courier New" panose="02070309020205020404" pitchFamily="49" charset="0"/>
+              </a:rPr>
+              <a:t>v</a:t>
+            </a:r>
+            <a:r>
               <a:rPr lang="en-US" dirty="0" err="1" smtClean="0">
                 <a:solidFill>
                   <a:schemeClr val="bg1"/>
@@ -29651,7 +29717,7 @@
                 <a:latin typeface="Courier New" panose="02070309020205020404" pitchFamily="49" charset="0"/>
                 <a:cs typeface="Courier New" panose="02070309020205020404" pitchFamily="49" charset="0"/>
               </a:rPr>
-              <a:t>Var</a:t>
+              <a:t>ar</a:t>
             </a:r>
             <a:r>
               <a:rPr lang="en-US" dirty="0" smtClean="0">
@@ -30035,72 +30101,77 @@
                   </a:schemeClr>
                 </a:solidFill>
               </a:rPr>
-              <a:t>Напишете </a:t>
-            </a:r>
-            <a:r>
-              <a:rPr lang="bg-BG" sz="2000" b="1" dirty="0" smtClean="0">
+              <a:t>Напишете израз, който </a:t>
+            </a:r>
+            <a:r>
+              <a:rPr lang="en-US" sz="2000" b="1" dirty="0" smtClean="0">
                 <a:solidFill>
                   <a:schemeClr val="bg1">
                     <a:lumMod val="95000"/>
                   </a:schemeClr>
                 </a:solidFill>
               </a:rPr>
-              <a:t>израз, който </a:t>
-            </a:r>
-            <a:r>
-              <a:rPr lang="en-US" sz="2000" b="1" dirty="0" smtClean="0">
+              <a:t>console.log-</a:t>
+            </a:r>
+            <a:r>
+              <a:rPr lang="bg-BG" sz="2000" b="1" dirty="0" smtClean="0">
                 <a:solidFill>
                   <a:schemeClr val="bg1">
                     <a:lumMod val="95000"/>
                   </a:schemeClr>
                 </a:solidFill>
               </a:rPr>
-              <a:t>console.log-</a:t>
-            </a:r>
-            <a:r>
-              <a:rPr lang="bg-BG" sz="2000" b="1" dirty="0" smtClean="0">
+              <a:t>ва всички числа от 1 до 300.</a:t>
+            </a:r>
+          </a:p>
+          <a:p>
+            <a:pPr marL="0" indent="0">
+              <a:buNone/>
+            </a:pPr>
+            <a:r>
+              <a:rPr lang="en-US" sz="2000" b="1" dirty="0" smtClean="0">
                 <a:solidFill>
                   <a:schemeClr val="bg1">
                     <a:lumMod val="95000"/>
                   </a:schemeClr>
                 </a:solidFill>
               </a:rPr>
-              <a:t>ва всички числа от 1 до 300.</a:t>
-            </a:r>
-          </a:p>
-          <a:p>
-            <a:pPr marL="0" indent="0">
-              <a:buNone/>
-            </a:pPr>
-            <a:r>
-              <a:rPr lang="en-US" sz="2000" b="1" dirty="0" smtClean="0">
+              <a:t>2. </a:t>
+            </a:r>
+            <a:r>
+              <a:rPr lang="bg-BG" sz="2000" b="1" dirty="0" smtClean="0">
                 <a:solidFill>
                   <a:schemeClr val="bg1">
                     <a:lumMod val="95000"/>
                   </a:schemeClr>
                 </a:solidFill>
               </a:rPr>
-              <a:t>2. </a:t>
-            </a:r>
-            <a:r>
-              <a:rPr lang="bg-BG" sz="2000" b="1" dirty="0" smtClean="0">
+              <a:t>Напишете израз, който проверява дали дадено число се дели на </a:t>
+            </a:r>
+            <a:r>
+              <a:rPr lang="en-US" sz="2000" b="1" smtClean="0">
                 <a:solidFill>
                   <a:schemeClr val="bg1">
                     <a:lumMod val="95000"/>
                   </a:schemeClr>
                 </a:solidFill>
               </a:rPr>
-              <a:t>Напишете </a:t>
-            </a:r>
-            <a:r>
-              <a:rPr lang="bg-BG" sz="2000" b="1" dirty="0" smtClean="0">
+              <a:t>3</a:t>
+            </a:r>
+          </a:p>
+          <a:p>
+            <a:pPr marL="0" indent="0">
+              <a:buNone/>
+            </a:pPr>
+            <a:r>
+              <a:rPr lang="bg-BG" sz="2000" b="1" smtClean="0">
                 <a:solidFill>
                   <a:schemeClr val="bg1">
                     <a:lumMod val="95000"/>
                   </a:schemeClr>
                 </a:solidFill>
               </a:rPr>
-              <a:t>израз, който проверява дали дадено число се дели на </a:t>
+              <a:t>3</a:t>
             </a:r>
             <a:r>
               <a:rPr lang="bg-BG" sz="2000" b="1" dirty="0" smtClean="0">
@@ -30110,7 +30181,7 @@
                   </a:schemeClr>
                 </a:solidFill>
               </a:rPr>
-              <a:t>3.</a:t>
+              <a:t>.</a:t>
             </a:r>
             <a:r>
               <a:rPr lang="en-US" sz="2000" b="1" dirty="0" smtClean="0">
@@ -30130,38 +30201,43 @@
                   </a:schemeClr>
                 </a:solidFill>
               </a:rPr>
-              <a:t>Напишете </a:t>
-            </a:r>
-            <a:r>
-              <a:rPr lang="bg-BG" sz="2000" b="1" dirty="0" smtClean="0">
+              <a:t>Напишете израз, който проверява дали дадено число се дели едновременно на 4 и на 7.(използвайте вложени </a:t>
+            </a:r>
+            <a:r>
+              <a:rPr lang="en-US" sz="2000" b="1" dirty="0" smtClean="0">
                 <a:solidFill>
                   <a:schemeClr val="bg1">
                     <a:lumMod val="95000"/>
                   </a:schemeClr>
                 </a:solidFill>
               </a:rPr>
-              <a:t>израз, който проверява дали дадено число се дели едновременно на 4 и на 7.(използвайте вложени </a:t>
-            </a:r>
-            <a:r>
-              <a:rPr lang="en-US" sz="2000" b="1" dirty="0" smtClean="0">
+              <a:t>if-else</a:t>
+            </a:r>
+            <a:r>
+              <a:rPr lang="bg-BG" sz="2000" b="1" dirty="0" smtClean="0">
                 <a:solidFill>
                   <a:schemeClr val="bg1">
                     <a:lumMod val="95000"/>
                   </a:schemeClr>
                 </a:solidFill>
               </a:rPr>
-              <a:t>if-else</a:t>
-            </a:r>
-            <a:r>
-              <a:rPr lang="bg-BG" sz="2000" b="1" dirty="0" smtClean="0">
+              <a:t> оператори</a:t>
+            </a:r>
+            <a:r>
+              <a:rPr lang="en-US" sz="2000" b="1" dirty="0" smtClean="0">
                 <a:solidFill>
                   <a:schemeClr val="bg1">
                     <a:lumMod val="95000"/>
                   </a:schemeClr>
                 </a:solidFill>
               </a:rPr>
-              <a:t> оператори</a:t>
-            </a:r>
+              <a:t>).</a:t>
+            </a:r>
+          </a:p>
+          <a:p>
+            <a:pPr marL="0" indent="0">
+              <a:buNone/>
+            </a:pPr>
             <a:r>
               <a:rPr lang="en-US" sz="2000" b="1" dirty="0" smtClean="0">
                 <a:solidFill>
@@ -30170,32 +30246,32 @@
                   </a:schemeClr>
                 </a:solidFill>
               </a:rPr>
-              <a:t>).</a:t>
-            </a:r>
-          </a:p>
-          <a:p>
-            <a:pPr marL="0" indent="0">
-              <a:buNone/>
-            </a:pPr>
-            <a:r>
-              <a:rPr lang="en-US" sz="2000" b="1" dirty="0" smtClean="0">
+              <a:t>4. </a:t>
+            </a:r>
+            <a:r>
+              <a:rPr lang="bg-BG" sz="2000" b="1" dirty="0" smtClean="0">
                 <a:solidFill>
                   <a:schemeClr val="bg1">
                     <a:lumMod val="95000"/>
                   </a:schemeClr>
                 </a:solidFill>
               </a:rPr>
-              <a:t>4. </a:t>
-            </a:r>
-            <a:r>
-              <a:rPr lang="bg-BG" sz="2000" b="1" dirty="0" smtClean="0">
+              <a:t>Напишете израз, който пресмята площта на правоъгълник чрез определени ширина и дължина.</a:t>
+            </a:r>
+          </a:p>
+          <a:p>
+            <a:pPr marL="0" indent="0">
+              <a:buNone/>
+            </a:pPr>
+            <a:r>
+              <a:rPr lang="en-US" sz="2000" b="1" dirty="0" smtClean="0">
                 <a:solidFill>
                   <a:schemeClr val="bg1">
                     <a:lumMod val="95000"/>
                   </a:schemeClr>
                 </a:solidFill>
               </a:rPr>
-              <a:t>Напишете </a:t>
+              <a:t>5. </a:t>
             </a:r>
             <a:r>
               <a:rPr lang="bg-BG" sz="2000" b="1" dirty="0" smtClean="0">
@@ -30205,13 +30281,8 @@
                   </a:schemeClr>
                 </a:solidFill>
               </a:rPr>
-              <a:t>израз, който пресмята площта на правоъгълник чрез определени ширина и дължина.</a:t>
-            </a:r>
-          </a:p>
-          <a:p>
-            <a:pPr marL="0" indent="0">
-              <a:buNone/>
-            </a:pPr>
+              <a:t>Напишете израз, който пресмята площта на трапец по дадени страна А, страна </a:t>
+            </a:r>
             <a:r>
               <a:rPr lang="en-US" sz="2000" b="1" dirty="0" smtClean="0">
                 <a:solidFill>
@@ -30220,7 +30291,7 @@
                   </a:schemeClr>
                 </a:solidFill>
               </a:rPr>
-              <a:t>5. </a:t>
+              <a:t>B </a:t>
             </a:r>
             <a:r>
               <a:rPr lang="bg-BG" sz="2000" b="1" dirty="0" smtClean="0">
@@ -30230,65 +30301,18 @@
                   </a:schemeClr>
                 </a:solidFill>
               </a:rPr>
-              <a:t>Напишете </a:t>
-            </a:r>
-            <a:r>
-              <a:rPr lang="bg-BG" sz="2000" b="1" dirty="0" smtClean="0">
+              <a:t>и височина </a:t>
+            </a:r>
+            <a:r>
+              <a:rPr lang="en-US" sz="2000" b="1" dirty="0" smtClean="0">
                 <a:solidFill>
                   <a:schemeClr val="bg1">
                     <a:lumMod val="95000"/>
                   </a:schemeClr>
                 </a:solidFill>
               </a:rPr>
-              <a:t>израз, който пресмята площта на трапец по дадени страна А, страна </a:t>
-            </a:r>
-            <a:r>
-              <a:rPr lang="en-US" sz="2000" b="1" dirty="0" smtClean="0">
-                <a:solidFill>
-                  <a:schemeClr val="bg1">
-                    <a:lumMod val="95000"/>
-                  </a:schemeClr>
-                </a:solidFill>
-              </a:rPr>
-              <a:t>B </a:t>
-            </a:r>
-            <a:r>
-              <a:rPr lang="bg-BG" sz="2000" b="1" dirty="0" smtClean="0">
-                <a:solidFill>
-                  <a:schemeClr val="bg1">
-                    <a:lumMod val="95000"/>
-                  </a:schemeClr>
-                </a:solidFill>
-              </a:rPr>
-              <a:t>и височина </a:t>
-            </a:r>
-            <a:r>
-              <a:rPr lang="en-US" sz="2000" b="1" dirty="0" smtClean="0">
-                <a:solidFill>
-                  <a:schemeClr val="bg1">
-                    <a:lumMod val="95000"/>
-                  </a:schemeClr>
-                </a:solidFill>
-              </a:rPr>
-              <a:t>h</a:t>
-            </a:r>
-            <a:r>
-              <a:rPr lang="en-US" sz="2000" b="1" dirty="0" smtClean="0">
-                <a:solidFill>
-                  <a:schemeClr val="bg1">
-                    <a:lumMod val="95000"/>
-                  </a:schemeClr>
-                </a:solidFill>
-              </a:rPr>
-              <a:t>.</a:t>
-            </a:r>
-            <a:endParaRPr lang="en-US" sz="2000" b="1" dirty="0" smtClean="0">
-              <a:solidFill>
-                <a:schemeClr val="bg1">
-                  <a:lumMod val="95000"/>
-                </a:schemeClr>
-              </a:solidFill>
-            </a:endParaRPr>
+              <a:t>h.</a:t>
+            </a:r>
           </a:p>
         </p:txBody>
       </p:sp>
@@ -30471,17 +30495,17 @@
                   </a:schemeClr>
                 </a:solidFill>
               </a:rPr>
-              <a:t>7</a:t>
-            </a:r>
-            <a:r>
-              <a:rPr lang="bg-BG" sz="2000" b="1" dirty="0" smtClean="0">
+              <a:t>7. Напишете </a:t>
+            </a:r>
+            <a:r>
+              <a:rPr lang="bg-BG" sz="2000" b="1" dirty="0">
                 <a:solidFill>
                   <a:schemeClr val="bg1">
                     <a:lumMod val="95000"/>
                   </a:schemeClr>
                 </a:solidFill>
               </a:rPr>
-              <a:t>. </a:t>
+              <a:t>израз, който намира всички делими на 7 числа, които се намират в интервала от 50 до </a:t>
             </a:r>
             <a:r>
               <a:rPr lang="bg-BG" sz="2000" b="1" dirty="0" smtClean="0">
@@ -30491,17 +30515,22 @@
                   </a:schemeClr>
                 </a:solidFill>
               </a:rPr>
-              <a:t>Напишете </a:t>
-            </a:r>
-            <a:r>
-              <a:rPr lang="bg-BG" sz="2000" b="1" dirty="0">
+              <a:t>100.</a:t>
+            </a:r>
+          </a:p>
+          <a:p>
+            <a:pPr marL="0" indent="0">
+              <a:buNone/>
+            </a:pPr>
+            <a:r>
+              <a:rPr lang="en-US" sz="2000" b="1" dirty="0" smtClean="0">
                 <a:solidFill>
                   <a:schemeClr val="bg1">
                     <a:lumMod val="95000"/>
                   </a:schemeClr>
                 </a:solidFill>
               </a:rPr>
-              <a:t>израз, който намира всички делими на 7 числа, които се намират в интервала от 50 до </a:t>
+              <a:t>8. </a:t>
             </a:r>
             <a:r>
               <a:rPr lang="bg-BG" sz="2000" b="1" dirty="0" smtClean="0">
@@ -30511,7 +30540,7 @@
                   </a:schemeClr>
                 </a:solidFill>
               </a:rPr>
-              <a:t>100.</a:t>
+              <a:t>Напишете израз, който намира всички делими на 4 и на 9 числа, които се намират в интервала от 20 до 60.</a:t>
             </a:r>
           </a:p>
           <a:p>
@@ -30526,7 +30555,7 @@
                   </a:schemeClr>
                 </a:solidFill>
               </a:rPr>
-              <a:t>8. </a:t>
+              <a:t>9. </a:t>
             </a:r>
             <a:r>
               <a:rPr lang="bg-BG" sz="2000" b="1" dirty="0" smtClean="0">
@@ -30536,13 +30565,8 @@
                   </a:schemeClr>
                 </a:solidFill>
               </a:rPr>
-              <a:t>Напишете израз, който намира всички делими на 4 и на 9 числа, които се намират в интервала от 20 до 60.</a:t>
-            </a:r>
-          </a:p>
-          <a:p>
-            <a:pPr marL="0" indent="0">
-              <a:buNone/>
-            </a:pPr>
+              <a:t>Напишете скрипт, който използва масив от 5 елемента и връща нов масив, който представлява индексите на стария, умножени по</a:t>
+            </a:r>
             <a:r>
               <a:rPr lang="en-US" sz="2000" b="1" dirty="0" smtClean="0">
                 <a:solidFill>
@@ -30551,47 +30575,7 @@
                   </a:schemeClr>
                 </a:solidFill>
               </a:rPr>
-              <a:t>9. </a:t>
-            </a:r>
-            <a:r>
-              <a:rPr lang="bg-BG" sz="2000" b="1" dirty="0" smtClean="0">
-                <a:solidFill>
-                  <a:schemeClr val="bg1">
-                    <a:lumMod val="95000"/>
-                  </a:schemeClr>
-                </a:solidFill>
-              </a:rPr>
-              <a:t>Напишете </a:t>
-            </a:r>
-            <a:r>
-              <a:rPr lang="bg-BG" sz="2000" b="1" dirty="0" smtClean="0">
-                <a:solidFill>
-                  <a:schemeClr val="bg1">
-                    <a:lumMod val="95000"/>
-                  </a:schemeClr>
-                </a:solidFill>
-              </a:rPr>
-              <a:t>скрипт, който използва масив от 5 елемента и връща нов масив, който представлява индексите на стария, умножени по </a:t>
-            </a:r>
-            <a:r>
-              <a:rPr lang="en-US" sz="2000" b="1" dirty="0" smtClean="0">
-                <a:solidFill>
-                  <a:schemeClr val="bg1">
-                    <a:lumMod val="95000"/>
-                  </a:schemeClr>
-                </a:solidFill>
-              </a:rPr>
-              <a:t>10.</a:t>
-            </a:r>
-            <a:r>
-              <a:rPr lang="bg-BG" sz="2000" b="1" dirty="0" smtClean="0">
-                <a:solidFill>
-                  <a:schemeClr val="bg1">
-                    <a:lumMod val="95000"/>
-                  </a:schemeClr>
-                </a:solidFill>
-              </a:rPr>
-              <a:t> </a:t>
+              <a:t> 7. </a:t>
             </a:r>
             <a:r>
               <a:rPr lang="bg-BG" sz="2000" b="1" dirty="0" smtClean="0">
@@ -30765,7 +30749,7 @@
                   </a:schemeClr>
                 </a:solidFill>
               </a:rPr>
-              <a:t>11. </a:t>
+              <a:t>10. </a:t>
             </a:r>
             <a:r>
               <a:rPr lang="bg-BG" sz="2000" b="1" dirty="0">
@@ -30842,7 +30826,7 @@
                   </a:schemeClr>
                 </a:solidFill>
               </a:rPr>
-              <a:t>12. </a:t>
+              <a:t>11. </a:t>
             </a:r>
             <a:r>
               <a:rPr lang="bg-BG" sz="2000" b="1" dirty="0" smtClean="0">
@@ -30887,7 +30871,7 @@
                   </a:schemeClr>
                 </a:solidFill>
               </a:rPr>
-              <a:t>13</a:t>
+              <a:t>12</a:t>
             </a:r>
             <a:r>
               <a:rPr lang="bg-BG" sz="2000" b="1" dirty="0" smtClean="0">
@@ -30917,7 +30901,7 @@
                   </a:schemeClr>
                 </a:solidFill>
               </a:rPr>
-              <a:t>, който има следните свойства: </a:t>
+              <a:t>, който има следните свойства: име, години, опит, оценка, </a:t>
             </a:r>
             <a:r>
               <a:rPr lang="bg-BG" sz="2000" b="1" dirty="0" smtClean="0">
@@ -30927,7 +30911,7 @@
                   </a:schemeClr>
                 </a:solidFill>
               </a:rPr>
-              <a:t>име, години, </a:t>
+              <a:t>функция учене</a:t>
             </a:r>
             <a:r>
               <a:rPr lang="bg-BG" sz="2000" b="1" dirty="0" smtClean="0">
@@ -30937,7 +30921,7 @@
                   </a:schemeClr>
                 </a:solidFill>
               </a:rPr>
-              <a:t>опит, </a:t>
+              <a:t>, </a:t>
             </a:r>
             <a:r>
               <a:rPr lang="bg-BG" sz="2000" b="1" dirty="0" smtClean="0">
@@ -30947,7 +30931,7 @@
                   </a:schemeClr>
                 </a:solidFill>
               </a:rPr>
-              <a:t>оценка, метод учене, </a:t>
+              <a:t>функция забавление</a:t>
             </a:r>
             <a:r>
               <a:rPr lang="bg-BG" sz="2000" b="1" dirty="0" smtClean="0">
@@ -30957,7 +30941,7 @@
                   </a:schemeClr>
                 </a:solidFill>
               </a:rPr>
-              <a:t>метод забавление.</a:t>
+              <a:t>.</a:t>
             </a:r>
           </a:p>
           <a:p>
@@ -30972,7 +30956,7 @@
                   </a:schemeClr>
                 </a:solidFill>
               </a:rPr>
-              <a:t>14</a:t>
+              <a:t>13</a:t>
             </a:r>
             <a:r>
               <a:rPr lang="bg-BG" sz="2000" b="1" dirty="0" smtClean="0">
@@ -31002,7 +30986,27 @@
                   </a:schemeClr>
                 </a:solidFill>
               </a:rPr>
-              <a:t>нете всички свойства на вече създадения обект </a:t>
+              <a:t>нете всички свойства </a:t>
+            </a:r>
+            <a:r>
+              <a:rPr lang="bg-BG" sz="2000" b="1" dirty="0" smtClean="0">
+                <a:solidFill>
+                  <a:schemeClr val="bg1">
+                    <a:lumMod val="95000"/>
+                  </a:schemeClr>
+                </a:solidFill>
+              </a:rPr>
+              <a:t>и функции на </a:t>
+            </a:r>
+            <a:r>
+              <a:rPr lang="bg-BG" sz="2000" b="1" dirty="0" smtClean="0">
+                <a:solidFill>
+                  <a:schemeClr val="bg1">
+                    <a:lumMod val="95000"/>
+                  </a:schemeClr>
+                </a:solidFill>
+              </a:rPr>
+              <a:t>вече създадения обект </a:t>
             </a:r>
             <a:r>
               <a:rPr lang="en-US" sz="2000" b="1" dirty="0" smtClean="0">
@@ -31034,7 +31038,7 @@
                   </a:schemeClr>
                 </a:solidFill>
               </a:rPr>
-              <a:t>15</a:t>
+              <a:t>14</a:t>
             </a:r>
             <a:r>
               <a:rPr lang="bg-BG" sz="2000" b="1" dirty="0" smtClean="0">
@@ -31069,7 +31073,7 @@
                   </a:schemeClr>
                 </a:solidFill>
               </a:rPr>
-              <a:t>6.</a:t>
+              <a:t>5.</a:t>
             </a:r>
             <a:r>
               <a:rPr lang="bg-BG" sz="2000" b="1" dirty="0" smtClean="0">
